--- a/Genetic/assignment/Presentation.pptx
+++ b/Genetic/assignment/Presentation.pptx
@@ -6,8 +6,9 @@
   </p:sldMasterIdLst>
   <p:sldIdLst>
     <p:sldId id="256" r:id="rId2"/>
-    <p:sldId id="257" r:id="rId3"/>
-    <p:sldId id="258" r:id="rId4"/>
+    <p:sldId id="259" r:id="rId3"/>
+    <p:sldId id="257" r:id="rId4"/>
+    <p:sldId id="258" r:id="rId5"/>
   </p:sldIdLst>
   <p:sldSz cx="12192000" cy="6858000"/>
   <p:notesSz cx="6858000" cy="9144000"/>
@@ -6480,14 +6481,14 @@
           <p:nvPr>
             <p:extLst>
               <p:ext uri="{D42A27DB-BD31-4B8C-83A1-F6EECF244321}">
-                <p14:modId xmlns:p14="http://schemas.microsoft.com/office/powerpoint/2010/main" val="614019709"/>
+                <p14:modId xmlns:p14="http://schemas.microsoft.com/office/powerpoint/2010/main" val="2856877924"/>
               </p:ext>
             </p:extLst>
           </p:nvPr>
         </p:nvGraphicFramePr>
         <p:xfrm>
-          <a:off x="3667760" y="2233506"/>
-          <a:ext cx="3436620" cy="672254"/>
+          <a:off x="3667758" y="2233506"/>
+          <a:ext cx="3057132" cy="463395"/>
         </p:xfrm>
         <a:graphic>
           <a:graphicData uri="http://schemas.openxmlformats.org/drawingml/2006/table">
@@ -6496,42 +6497,42 @@
                 <a:tableStyleId>{5C22544A-7EE6-4342-B048-85BDC9FD1C3A}</a:tableStyleId>
               </a:tblPr>
               <a:tblGrid>
-                <a:gridCol w="572770">
+                <a:gridCol w="509522">
                   <a:extLst>
                     <a:ext uri="{9D8B030D-6E8A-4147-A177-3AD203B41FA5}">
                       <a16:colId xmlns:a16="http://schemas.microsoft.com/office/drawing/2014/main" val="1492936081"/>
                     </a:ext>
                   </a:extLst>
                 </a:gridCol>
-                <a:gridCol w="572770">
+                <a:gridCol w="509522">
                   <a:extLst>
                     <a:ext uri="{9D8B030D-6E8A-4147-A177-3AD203B41FA5}">
                       <a16:colId xmlns:a16="http://schemas.microsoft.com/office/drawing/2014/main" val="2328466560"/>
                     </a:ext>
                   </a:extLst>
                 </a:gridCol>
-                <a:gridCol w="572770">
+                <a:gridCol w="509522">
                   <a:extLst>
                     <a:ext uri="{9D8B030D-6E8A-4147-A177-3AD203B41FA5}">
                       <a16:colId xmlns:a16="http://schemas.microsoft.com/office/drawing/2014/main" val="605851618"/>
                     </a:ext>
                   </a:extLst>
                 </a:gridCol>
-                <a:gridCol w="572770">
+                <a:gridCol w="509522">
                   <a:extLst>
                     <a:ext uri="{9D8B030D-6E8A-4147-A177-3AD203B41FA5}">
                       <a16:colId xmlns:a16="http://schemas.microsoft.com/office/drawing/2014/main" val="1632471791"/>
                     </a:ext>
                   </a:extLst>
                 </a:gridCol>
-                <a:gridCol w="572770">
+                <a:gridCol w="509522">
                   <a:extLst>
                     <a:ext uri="{9D8B030D-6E8A-4147-A177-3AD203B41FA5}">
                       <a16:colId xmlns:a16="http://schemas.microsoft.com/office/drawing/2014/main" val="3465053422"/>
                     </a:ext>
                   </a:extLst>
                 </a:gridCol>
-                <a:gridCol w="572770">
+                <a:gridCol w="509522">
                   <a:extLst>
                     <a:ext uri="{9D8B030D-6E8A-4147-A177-3AD203B41FA5}">
                       <a16:colId xmlns:a16="http://schemas.microsoft.com/office/drawing/2014/main" val="246274235"/>
@@ -6539,7 +6540,7 @@
                   </a:extLst>
                 </a:gridCol>
               </a:tblGrid>
-              <a:tr h="672254">
+              <a:tr h="463395">
                 <a:tc>
                   <a:txBody>
                     <a:bodyPr/>
@@ -6547,7 +6548,7 @@
                     <a:p>
                       <a:pPr algn="ctr"/>
                       <a:r>
-                        <a:rPr lang="en-US" altLang="zh-TW" sz="2800" b="0" dirty="0" smtClean="0">
+                        <a:rPr lang="en-US" altLang="zh-TW" sz="2000" b="0" dirty="0" smtClean="0">
                           <a:solidFill>
                             <a:schemeClr val="tx1"/>
                           </a:solidFill>
@@ -6556,7 +6557,7 @@
                         </a:rPr>
                         <a:t>1</a:t>
                       </a:r>
-                      <a:endParaRPr lang="zh-TW" altLang="en-US" sz="2800" b="0" dirty="0">
+                      <a:endParaRPr lang="zh-TW" altLang="en-US" sz="2000" b="0" dirty="0">
                         <a:solidFill>
                           <a:schemeClr val="tx1"/>
                         </a:solidFill>
@@ -6622,7 +6623,7 @@
                     <a:p>
                       <a:pPr algn="ctr"/>
                       <a:r>
-                        <a:rPr lang="en-US" altLang="zh-TW" sz="2800" b="0" dirty="0" smtClean="0">
+                        <a:rPr lang="en-US" altLang="zh-TW" sz="2000" b="0" dirty="0" smtClean="0">
                           <a:solidFill>
                             <a:schemeClr val="tx1"/>
                           </a:solidFill>
@@ -6631,7 +6632,7 @@
                         </a:rPr>
                         <a:t>0</a:t>
                       </a:r>
-                      <a:endParaRPr lang="zh-TW" altLang="en-US" sz="2800" b="0" dirty="0">
+                      <a:endParaRPr lang="zh-TW" altLang="en-US" sz="2000" b="0" dirty="0">
                         <a:solidFill>
                           <a:schemeClr val="tx1"/>
                         </a:solidFill>
@@ -6697,7 +6698,7 @@
                     <a:p>
                       <a:pPr algn="ctr"/>
                       <a:r>
-                        <a:rPr lang="en-US" altLang="zh-TW" sz="2800" b="0" dirty="0" smtClean="0">
+                        <a:rPr lang="en-US" altLang="zh-TW" sz="2000" b="0" dirty="0" smtClean="0">
                           <a:solidFill>
                             <a:schemeClr val="tx1"/>
                           </a:solidFill>
@@ -6706,7 +6707,7 @@
                         </a:rPr>
                         <a:t>1</a:t>
                       </a:r>
-                      <a:endParaRPr lang="zh-TW" altLang="en-US" sz="2800" b="0" dirty="0">
+                      <a:endParaRPr lang="zh-TW" altLang="en-US" sz="2000" b="0" dirty="0">
                         <a:solidFill>
                           <a:schemeClr val="tx1"/>
                         </a:solidFill>
@@ -6772,7 +6773,7 @@
                     <a:p>
                       <a:pPr algn="ctr"/>
                       <a:r>
-                        <a:rPr lang="en-US" altLang="zh-TW" sz="2800" b="0" dirty="0" smtClean="0">
+                        <a:rPr lang="en-US" altLang="zh-TW" sz="2000" b="0" dirty="0" smtClean="0">
                           <a:solidFill>
                             <a:schemeClr val="tx1"/>
                           </a:solidFill>
@@ -6781,7 +6782,7 @@
                         </a:rPr>
                         <a:t>0</a:t>
                       </a:r>
-                      <a:endParaRPr lang="zh-TW" altLang="en-US" sz="2800" b="0" dirty="0">
+                      <a:endParaRPr lang="zh-TW" altLang="en-US" sz="2000" b="0" dirty="0">
                         <a:solidFill>
                           <a:schemeClr val="tx1"/>
                         </a:solidFill>
@@ -6847,7 +6848,7 @@
                     <a:p>
                       <a:pPr algn="ctr"/>
                       <a:r>
-                        <a:rPr lang="en-US" altLang="zh-TW" sz="2800" b="0" dirty="0" smtClean="0">
+                        <a:rPr lang="en-US" altLang="zh-TW" sz="2000" b="0" dirty="0" smtClean="0">
                           <a:solidFill>
                             <a:schemeClr val="tx1"/>
                           </a:solidFill>
@@ -6856,7 +6857,7 @@
                         </a:rPr>
                         <a:t>0</a:t>
                       </a:r>
-                      <a:endParaRPr lang="zh-TW" altLang="en-US" sz="2800" b="0" dirty="0">
+                      <a:endParaRPr lang="zh-TW" altLang="en-US" sz="2000" b="0" dirty="0">
                         <a:solidFill>
                           <a:schemeClr val="tx1"/>
                         </a:solidFill>
@@ -6922,7 +6923,7 @@
                     <a:p>
                       <a:pPr algn="ctr"/>
                       <a:r>
-                        <a:rPr lang="en-US" altLang="zh-TW" sz="2800" b="0" dirty="0" smtClean="0">
+                        <a:rPr lang="en-US" altLang="zh-TW" sz="2000" b="0" dirty="0" smtClean="0">
                           <a:solidFill>
                             <a:schemeClr val="tx1"/>
                           </a:solidFill>
@@ -6931,7 +6932,7 @@
                         </a:rPr>
                         <a:t>0</a:t>
                       </a:r>
-                      <a:endParaRPr lang="zh-TW" altLang="en-US" sz="2800" b="0" dirty="0">
+                      <a:endParaRPr lang="zh-TW" altLang="en-US" sz="2000" b="0" dirty="0">
                         <a:solidFill>
                           <a:schemeClr val="tx1"/>
                         </a:solidFill>
@@ -7008,7 +7009,7 @@
         </p:nvCxnSpPr>
         <p:spPr>
           <a:xfrm rot="16200000" flipV="1">
-            <a:off x="3957320" y="2921000"/>
+            <a:off x="3904983" y="2712141"/>
             <a:ext cx="731520" cy="701039"/>
           </a:xfrm>
           <a:prstGeom prst="bentConnector3">
@@ -7046,8 +7047,8 @@
         </p:nvCxnSpPr>
         <p:spPr>
           <a:xfrm rot="5400000" flipH="1" flipV="1">
-            <a:off x="4521201" y="3058162"/>
-            <a:ext cx="731517" cy="426721"/>
+            <a:off x="4399377" y="2918784"/>
+            <a:ext cx="731524" cy="287754"/>
           </a:xfrm>
           <a:prstGeom prst="bentConnector3">
             <a:avLst>
@@ -7084,8 +7085,8 @@
         </p:nvSpPr>
         <p:spPr>
           <a:xfrm>
-            <a:off x="4345431" y="3567611"/>
-            <a:ext cx="697627" cy="400110"/>
+            <a:off x="4301629" y="3440286"/>
+            <a:ext cx="646331" cy="369332"/>
           </a:xfrm>
           <a:prstGeom prst="rect">
             <a:avLst/>
@@ -7100,7 +7101,7 @@
           <a:p>
             <a:pPr algn="ctr"/>
             <a:r>
-              <a:rPr lang="zh-TW" altLang="en-US" sz="2000" b="0" cap="none" spc="0" dirty="0" smtClean="0">
+              <a:rPr lang="zh-TW" altLang="en-US" b="0" cap="none" spc="0" dirty="0" smtClean="0">
                 <a:ln w="0"/>
                 <a:solidFill>
                   <a:schemeClr val="accent5"/>
@@ -7117,7 +7118,7 @@
               </a:rPr>
               <a:t>拿取</a:t>
             </a:r>
-            <a:endParaRPr lang="zh-TW" altLang="en-US" sz="2000" b="0" cap="none" spc="0" dirty="0">
+            <a:endParaRPr lang="zh-TW" altLang="en-US" b="0" cap="none" spc="0" dirty="0">
               <a:ln w="0"/>
               <a:solidFill>
                 <a:schemeClr val="accent5"/>
@@ -7143,7 +7144,7 @@
         </p:nvCxnSpPr>
         <p:spPr>
           <a:xfrm rot="5400000" flipH="1" flipV="1">
-            <a:off x="4537922" y="1385358"/>
+            <a:off x="4430956" y="1383260"/>
             <a:ext cx="861906" cy="834390"/>
           </a:xfrm>
           <a:prstGeom prst="bentConnector3">
@@ -7180,8 +7181,8 @@
         </p:nvCxnSpPr>
         <p:spPr>
           <a:xfrm rot="16200000" flipV="1">
-            <a:off x="5106882" y="1650788"/>
-            <a:ext cx="861906" cy="303530"/>
+            <a:off x="4968112" y="1678396"/>
+            <a:ext cx="864004" cy="242020"/>
           </a:xfrm>
           <a:prstGeom prst="bentConnector3">
             <a:avLst/>
@@ -7217,8 +7218,8 @@
         </p:nvCxnSpPr>
         <p:spPr>
           <a:xfrm rot="16200000" flipV="1">
-            <a:off x="5679856" y="1081502"/>
-            <a:ext cx="864000" cy="1440000"/>
+            <a:off x="5181783" y="1452229"/>
+            <a:ext cx="876501" cy="681858"/>
           </a:xfrm>
           <a:prstGeom prst="bentConnector3">
             <a:avLst>
@@ -7256,8 +7257,8 @@
         </p:nvSpPr>
         <p:spPr>
           <a:xfrm>
-            <a:off x="4909016" y="1041804"/>
-            <a:ext cx="954107" cy="400110"/>
+            <a:off x="4854888" y="1018654"/>
+            <a:ext cx="877163" cy="369332"/>
           </a:xfrm>
           <a:prstGeom prst="rect">
             <a:avLst/>
@@ -7272,7 +7273,7 @@
           <a:p>
             <a:pPr algn="ctr"/>
             <a:r>
-              <a:rPr lang="zh-TW" altLang="en-US" sz="2000" b="0" cap="none" spc="0" dirty="0" smtClean="0">
+              <a:rPr lang="zh-TW" altLang="en-US" b="0" cap="none" spc="0" dirty="0" smtClean="0">
                 <a:ln w="0"/>
                 <a:solidFill>
                   <a:srgbClr val="FF0000"/>
@@ -7289,7 +7290,7 @@
               </a:rPr>
               <a:t>不拿取</a:t>
             </a:r>
-            <a:endParaRPr lang="zh-TW" altLang="en-US" sz="2000" b="0" cap="none" spc="0" dirty="0">
+            <a:endParaRPr lang="zh-TW" altLang="en-US" b="0" cap="none" spc="0" dirty="0">
               <a:ln w="0"/>
               <a:solidFill>
                 <a:srgbClr val="FF0000"/>
@@ -7307,6 +7308,45 @@
           </a:p>
         </p:txBody>
       </p:sp>
+      <p:cxnSp>
+        <p:nvCxnSpPr>
+          <p:cNvPr id="12" name="肘形接點 11"/>
+          <p:cNvCxnSpPr/>
+          <p:nvPr/>
+        </p:nvCxnSpPr>
+        <p:spPr>
+          <a:xfrm rot="16200000" flipV="1">
+            <a:off x="5441105" y="1205408"/>
+            <a:ext cx="864000" cy="1188000"/>
+          </a:xfrm>
+          <a:prstGeom prst="bentConnector3">
+            <a:avLst>
+              <a:gd name="adj1" fmla="val 50000"/>
+            </a:avLst>
+          </a:prstGeom>
+          <a:ln>
+            <a:solidFill>
+              <a:srgbClr val="FF0000"/>
+            </a:solidFill>
+            <a:headEnd type="triangle"/>
+            <a:tailEnd type="none"/>
+          </a:ln>
+        </p:spPr>
+        <p:style>
+          <a:lnRef idx="1">
+            <a:schemeClr val="accent1"/>
+          </a:lnRef>
+          <a:fillRef idx="0">
+            <a:schemeClr val="accent1"/>
+          </a:fillRef>
+          <a:effectRef idx="0">
+            <a:schemeClr val="accent1"/>
+          </a:effectRef>
+          <a:fontRef idx="minor">
+            <a:schemeClr val="tx1"/>
+          </a:fontRef>
+        </p:style>
+      </p:cxnSp>
     </p:spTree>
     <p:extLst>
       <p:ext uri="{BB962C8B-B14F-4D97-AF65-F5344CB8AC3E}">
@@ -7321,6 +7361,2523 @@
 </file>
 
 <file path=ppt/slides/slide2.xml><?xml version="1.0" encoding="utf-8"?>
+<p:sld xmlns:a="http://schemas.openxmlformats.org/drawingml/2006/main" xmlns:r="http://schemas.openxmlformats.org/officeDocument/2006/relationships" xmlns:p="http://schemas.openxmlformats.org/presentationml/2006/main">
+  <p:cSld>
+    <p:spTree>
+      <p:nvGrpSpPr>
+        <p:cNvPr id="1" name=""/>
+        <p:cNvGrpSpPr/>
+        <p:nvPr/>
+      </p:nvGrpSpPr>
+      <p:grpSpPr>
+        <a:xfrm>
+          <a:off x="0" y="0"/>
+          <a:ext cx="0" cy="0"/>
+          <a:chOff x="0" y="0"/>
+          <a:chExt cx="0" cy="0"/>
+        </a:xfrm>
+      </p:grpSpPr>
+      <p:graphicFrame>
+        <p:nvGraphicFramePr>
+          <p:cNvPr id="4" name="表格 3"/>
+          <p:cNvGraphicFramePr>
+            <a:graphicFrameLocks noGrp="1"/>
+          </p:cNvGraphicFramePr>
+          <p:nvPr>
+            <p:extLst>
+              <p:ext uri="{D42A27DB-BD31-4B8C-83A1-F6EECF244321}">
+                <p14:modId xmlns:p14="http://schemas.microsoft.com/office/powerpoint/2010/main" val="1206690537"/>
+              </p:ext>
+            </p:extLst>
+          </p:nvPr>
+        </p:nvGraphicFramePr>
+        <p:xfrm>
+          <a:off x="3715385" y="880957"/>
+          <a:ext cx="2542542" cy="462068"/>
+        </p:xfrm>
+        <a:graphic>
+          <a:graphicData uri="http://schemas.openxmlformats.org/drawingml/2006/table">
+            <a:tbl>
+              <a:tblPr firstRow="1" bandRow="1">
+                <a:tableStyleId>{5C22544A-7EE6-4342-B048-85BDC9FD1C3A}</a:tableStyleId>
+              </a:tblPr>
+              <a:tblGrid>
+                <a:gridCol w="423757">
+                  <a:extLst>
+                    <a:ext uri="{9D8B030D-6E8A-4147-A177-3AD203B41FA5}">
+                      <a16:colId xmlns:a16="http://schemas.microsoft.com/office/drawing/2014/main" val="1492936081"/>
+                    </a:ext>
+                  </a:extLst>
+                </a:gridCol>
+                <a:gridCol w="423757">
+                  <a:extLst>
+                    <a:ext uri="{9D8B030D-6E8A-4147-A177-3AD203B41FA5}">
+                      <a16:colId xmlns:a16="http://schemas.microsoft.com/office/drawing/2014/main" val="2328466560"/>
+                    </a:ext>
+                  </a:extLst>
+                </a:gridCol>
+                <a:gridCol w="423757">
+                  <a:extLst>
+                    <a:ext uri="{9D8B030D-6E8A-4147-A177-3AD203B41FA5}">
+                      <a16:colId xmlns:a16="http://schemas.microsoft.com/office/drawing/2014/main" val="605851618"/>
+                    </a:ext>
+                  </a:extLst>
+                </a:gridCol>
+                <a:gridCol w="423757">
+                  <a:extLst>
+                    <a:ext uri="{9D8B030D-6E8A-4147-A177-3AD203B41FA5}">
+                      <a16:colId xmlns:a16="http://schemas.microsoft.com/office/drawing/2014/main" val="1632471791"/>
+                    </a:ext>
+                  </a:extLst>
+                </a:gridCol>
+                <a:gridCol w="423757">
+                  <a:extLst>
+                    <a:ext uri="{9D8B030D-6E8A-4147-A177-3AD203B41FA5}">
+                      <a16:colId xmlns:a16="http://schemas.microsoft.com/office/drawing/2014/main" val="3465053422"/>
+                    </a:ext>
+                  </a:extLst>
+                </a:gridCol>
+                <a:gridCol w="423757">
+                  <a:extLst>
+                    <a:ext uri="{9D8B030D-6E8A-4147-A177-3AD203B41FA5}">
+                      <a16:colId xmlns:a16="http://schemas.microsoft.com/office/drawing/2014/main" val="246274235"/>
+                    </a:ext>
+                  </a:extLst>
+                </a:gridCol>
+              </a:tblGrid>
+              <a:tr h="462068">
+                <a:tc>
+                  <a:txBody>
+                    <a:bodyPr/>
+                    <a:lstStyle/>
+                    <a:p>
+                      <a:pPr algn="ctr"/>
+                      <a:r>
+                        <a:rPr lang="en-US" altLang="zh-TW" sz="1600" b="0" dirty="0" smtClean="0">
+                          <a:solidFill>
+                            <a:schemeClr val="tx1"/>
+                          </a:solidFill>
+                          <a:latin typeface="Times New Roman" panose="02020603050405020304" pitchFamily="18" charset="0"/>
+                          <a:cs typeface="Times New Roman" panose="02020603050405020304" pitchFamily="18" charset="0"/>
+                        </a:rPr>
+                        <a:t>1</a:t>
+                      </a:r>
+                      <a:endParaRPr lang="zh-TW" altLang="en-US" sz="1600" b="0" dirty="0">
+                        <a:solidFill>
+                          <a:schemeClr val="tx1"/>
+                        </a:solidFill>
+                        <a:latin typeface="Times New Roman" panose="02020603050405020304" pitchFamily="18" charset="0"/>
+                        <a:cs typeface="Times New Roman" panose="02020603050405020304" pitchFamily="18" charset="0"/>
+                      </a:endParaRPr>
+                    </a:p>
+                  </a:txBody>
+                  <a:tcPr anchor="ctr">
+                    <a:lnL w="12700" cap="flat" cmpd="sng" algn="ctr">
+                      <a:solidFill>
+                        <a:schemeClr val="tx1"/>
+                      </a:solidFill>
+                      <a:prstDash val="solid"/>
+                      <a:round/>
+                      <a:headEnd type="none" w="med" len="med"/>
+                      <a:tailEnd type="none" w="med" len="med"/>
+                    </a:lnL>
+                    <a:lnR w="12700" cap="flat" cmpd="sng" algn="ctr">
+                      <a:solidFill>
+                        <a:schemeClr val="tx1"/>
+                      </a:solidFill>
+                      <a:prstDash val="solid"/>
+                      <a:round/>
+                      <a:headEnd type="none" w="med" len="med"/>
+                      <a:tailEnd type="none" w="med" len="med"/>
+                    </a:lnR>
+                    <a:lnT w="12700" cap="flat" cmpd="sng" algn="ctr">
+                      <a:solidFill>
+                        <a:schemeClr val="tx1"/>
+                      </a:solidFill>
+                      <a:prstDash val="solid"/>
+                      <a:round/>
+                      <a:headEnd type="none" w="med" len="med"/>
+                      <a:tailEnd type="none" w="med" len="med"/>
+                    </a:lnT>
+                    <a:lnB w="12700" cap="flat" cmpd="sng" algn="ctr">
+                      <a:solidFill>
+                        <a:schemeClr val="tx1"/>
+                      </a:solidFill>
+                      <a:prstDash val="solid"/>
+                      <a:round/>
+                      <a:headEnd type="none" w="med" len="med"/>
+                      <a:tailEnd type="none" w="med" len="med"/>
+                    </a:lnB>
+                    <a:lnTlToBr w="12700" cmpd="sng">
+                      <a:noFill/>
+                      <a:prstDash val="solid"/>
+                    </a:lnTlToBr>
+                    <a:lnBlToTr w="12700" cmpd="sng">
+                      <a:noFill/>
+                      <a:prstDash val="solid"/>
+                    </a:lnBlToTr>
+                    <a:solidFill>
+                      <a:schemeClr val="bg1"/>
+                    </a:solidFill>
+                  </a:tcPr>
+                </a:tc>
+                <a:tc>
+                  <a:txBody>
+                    <a:bodyPr/>
+                    <a:lstStyle/>
+                    <a:p>
+                      <a:pPr algn="ctr"/>
+                      <a:r>
+                        <a:rPr lang="en-US" altLang="zh-TW" sz="1600" b="0" dirty="0" smtClean="0">
+                          <a:solidFill>
+                            <a:schemeClr val="tx1"/>
+                          </a:solidFill>
+                          <a:latin typeface="Times New Roman" panose="02020603050405020304" pitchFamily="18" charset="0"/>
+                          <a:cs typeface="Times New Roman" panose="02020603050405020304" pitchFamily="18" charset="0"/>
+                        </a:rPr>
+                        <a:t>1</a:t>
+                      </a:r>
+                      <a:endParaRPr lang="zh-TW" altLang="en-US" sz="1600" b="0" dirty="0">
+                        <a:solidFill>
+                          <a:schemeClr val="tx1"/>
+                        </a:solidFill>
+                        <a:latin typeface="Times New Roman" panose="02020603050405020304" pitchFamily="18" charset="0"/>
+                        <a:cs typeface="Times New Roman" panose="02020603050405020304" pitchFamily="18" charset="0"/>
+                      </a:endParaRPr>
+                    </a:p>
+                  </a:txBody>
+                  <a:tcPr anchor="ctr">
+                    <a:lnL w="12700" cap="flat" cmpd="sng" algn="ctr">
+                      <a:solidFill>
+                        <a:schemeClr val="tx1"/>
+                      </a:solidFill>
+                      <a:prstDash val="solid"/>
+                      <a:round/>
+                      <a:headEnd type="none" w="med" len="med"/>
+                      <a:tailEnd type="none" w="med" len="med"/>
+                    </a:lnL>
+                    <a:lnR w="12700" cap="flat" cmpd="sng" algn="ctr">
+                      <a:solidFill>
+                        <a:schemeClr val="tx1"/>
+                      </a:solidFill>
+                      <a:prstDash val="solid"/>
+                      <a:round/>
+                      <a:headEnd type="none" w="med" len="med"/>
+                      <a:tailEnd type="none" w="med" len="med"/>
+                    </a:lnR>
+                    <a:lnT w="12700" cap="flat" cmpd="sng" algn="ctr">
+                      <a:solidFill>
+                        <a:schemeClr val="tx1"/>
+                      </a:solidFill>
+                      <a:prstDash val="solid"/>
+                      <a:round/>
+                      <a:headEnd type="none" w="med" len="med"/>
+                      <a:tailEnd type="none" w="med" len="med"/>
+                    </a:lnT>
+                    <a:lnB w="12700" cap="flat" cmpd="sng" algn="ctr">
+                      <a:solidFill>
+                        <a:schemeClr val="tx1"/>
+                      </a:solidFill>
+                      <a:prstDash val="solid"/>
+                      <a:round/>
+                      <a:headEnd type="none" w="med" len="med"/>
+                      <a:tailEnd type="none" w="med" len="med"/>
+                    </a:lnB>
+                    <a:lnTlToBr w="12700" cmpd="sng">
+                      <a:noFill/>
+                      <a:prstDash val="solid"/>
+                    </a:lnTlToBr>
+                    <a:lnBlToTr w="12700" cmpd="sng">
+                      <a:noFill/>
+                      <a:prstDash val="solid"/>
+                    </a:lnBlToTr>
+                    <a:solidFill>
+                      <a:schemeClr val="bg1"/>
+                    </a:solidFill>
+                  </a:tcPr>
+                </a:tc>
+                <a:tc>
+                  <a:txBody>
+                    <a:bodyPr/>
+                    <a:lstStyle/>
+                    <a:p>
+                      <a:pPr algn="ctr"/>
+                      <a:r>
+                        <a:rPr lang="en-US" altLang="zh-TW" sz="1600" b="0" dirty="0" smtClean="0">
+                          <a:solidFill>
+                            <a:schemeClr val="tx1"/>
+                          </a:solidFill>
+                          <a:latin typeface="Times New Roman" panose="02020603050405020304" pitchFamily="18" charset="0"/>
+                          <a:cs typeface="Times New Roman" panose="02020603050405020304" pitchFamily="18" charset="0"/>
+                        </a:rPr>
+                        <a:t>0</a:t>
+                      </a:r>
+                      <a:endParaRPr lang="zh-TW" altLang="en-US" sz="1600" b="0" dirty="0">
+                        <a:solidFill>
+                          <a:schemeClr val="tx1"/>
+                        </a:solidFill>
+                        <a:latin typeface="Times New Roman" panose="02020603050405020304" pitchFamily="18" charset="0"/>
+                        <a:cs typeface="Times New Roman" panose="02020603050405020304" pitchFamily="18" charset="0"/>
+                      </a:endParaRPr>
+                    </a:p>
+                  </a:txBody>
+                  <a:tcPr anchor="ctr">
+                    <a:lnL w="12700" cap="flat" cmpd="sng" algn="ctr">
+                      <a:solidFill>
+                        <a:schemeClr val="tx1"/>
+                      </a:solidFill>
+                      <a:prstDash val="solid"/>
+                      <a:round/>
+                      <a:headEnd type="none" w="med" len="med"/>
+                      <a:tailEnd type="none" w="med" len="med"/>
+                    </a:lnL>
+                    <a:lnR w="12700" cap="flat" cmpd="sng" algn="ctr">
+                      <a:solidFill>
+                        <a:schemeClr val="tx1"/>
+                      </a:solidFill>
+                      <a:prstDash val="solid"/>
+                      <a:round/>
+                      <a:headEnd type="none" w="med" len="med"/>
+                      <a:tailEnd type="none" w="med" len="med"/>
+                    </a:lnR>
+                    <a:lnT w="12700" cap="flat" cmpd="sng" algn="ctr">
+                      <a:solidFill>
+                        <a:schemeClr val="tx1"/>
+                      </a:solidFill>
+                      <a:prstDash val="solid"/>
+                      <a:round/>
+                      <a:headEnd type="none" w="med" len="med"/>
+                      <a:tailEnd type="none" w="med" len="med"/>
+                    </a:lnT>
+                    <a:lnB w="12700" cap="flat" cmpd="sng" algn="ctr">
+                      <a:solidFill>
+                        <a:schemeClr val="tx1"/>
+                      </a:solidFill>
+                      <a:prstDash val="solid"/>
+                      <a:round/>
+                      <a:headEnd type="none" w="med" len="med"/>
+                      <a:tailEnd type="none" w="med" len="med"/>
+                    </a:lnB>
+                    <a:lnTlToBr w="12700" cmpd="sng">
+                      <a:noFill/>
+                      <a:prstDash val="solid"/>
+                    </a:lnTlToBr>
+                    <a:lnBlToTr w="12700" cmpd="sng">
+                      <a:noFill/>
+                      <a:prstDash val="solid"/>
+                    </a:lnBlToTr>
+                    <a:solidFill>
+                      <a:schemeClr val="bg1"/>
+                    </a:solidFill>
+                  </a:tcPr>
+                </a:tc>
+                <a:tc>
+                  <a:txBody>
+                    <a:bodyPr/>
+                    <a:lstStyle/>
+                    <a:p>
+                      <a:pPr algn="ctr"/>
+                      <a:r>
+                        <a:rPr lang="en-US" altLang="zh-TW" sz="1600" b="0" dirty="0" smtClean="0">
+                          <a:solidFill>
+                            <a:schemeClr val="tx1"/>
+                          </a:solidFill>
+                          <a:latin typeface="Times New Roman" panose="02020603050405020304" pitchFamily="18" charset="0"/>
+                          <a:cs typeface="Times New Roman" panose="02020603050405020304" pitchFamily="18" charset="0"/>
+                        </a:rPr>
+                        <a:t>0</a:t>
+                      </a:r>
+                      <a:endParaRPr lang="zh-TW" altLang="en-US" sz="1600" b="0" dirty="0">
+                        <a:solidFill>
+                          <a:schemeClr val="tx1"/>
+                        </a:solidFill>
+                        <a:latin typeface="Times New Roman" panose="02020603050405020304" pitchFamily="18" charset="0"/>
+                        <a:cs typeface="Times New Roman" panose="02020603050405020304" pitchFamily="18" charset="0"/>
+                      </a:endParaRPr>
+                    </a:p>
+                  </a:txBody>
+                  <a:tcPr anchor="ctr">
+                    <a:lnL w="12700" cap="flat" cmpd="sng" algn="ctr">
+                      <a:solidFill>
+                        <a:schemeClr val="tx1"/>
+                      </a:solidFill>
+                      <a:prstDash val="solid"/>
+                      <a:round/>
+                      <a:headEnd type="none" w="med" len="med"/>
+                      <a:tailEnd type="none" w="med" len="med"/>
+                    </a:lnL>
+                    <a:lnR w="12700" cap="flat" cmpd="sng" algn="ctr">
+                      <a:solidFill>
+                        <a:schemeClr val="tx1"/>
+                      </a:solidFill>
+                      <a:prstDash val="solid"/>
+                      <a:round/>
+                      <a:headEnd type="none" w="med" len="med"/>
+                      <a:tailEnd type="none" w="med" len="med"/>
+                    </a:lnR>
+                    <a:lnT w="12700" cap="flat" cmpd="sng" algn="ctr">
+                      <a:solidFill>
+                        <a:schemeClr val="tx1"/>
+                      </a:solidFill>
+                      <a:prstDash val="solid"/>
+                      <a:round/>
+                      <a:headEnd type="none" w="med" len="med"/>
+                      <a:tailEnd type="none" w="med" len="med"/>
+                    </a:lnT>
+                    <a:lnB w="12700" cap="flat" cmpd="sng" algn="ctr">
+                      <a:solidFill>
+                        <a:schemeClr val="tx1"/>
+                      </a:solidFill>
+                      <a:prstDash val="solid"/>
+                      <a:round/>
+                      <a:headEnd type="none" w="med" len="med"/>
+                      <a:tailEnd type="none" w="med" len="med"/>
+                    </a:lnB>
+                    <a:lnTlToBr w="12700" cmpd="sng">
+                      <a:noFill/>
+                      <a:prstDash val="solid"/>
+                    </a:lnTlToBr>
+                    <a:lnBlToTr w="12700" cmpd="sng">
+                      <a:noFill/>
+                      <a:prstDash val="solid"/>
+                    </a:lnBlToTr>
+                    <a:solidFill>
+                      <a:schemeClr val="bg1"/>
+                    </a:solidFill>
+                  </a:tcPr>
+                </a:tc>
+                <a:tc>
+                  <a:txBody>
+                    <a:bodyPr/>
+                    <a:lstStyle/>
+                    <a:p>
+                      <a:pPr algn="ctr"/>
+                      <a:r>
+                        <a:rPr lang="en-US" altLang="zh-TW" sz="1600" b="0" dirty="0" smtClean="0">
+                          <a:solidFill>
+                            <a:schemeClr val="tx1"/>
+                          </a:solidFill>
+                          <a:latin typeface="Times New Roman" panose="02020603050405020304" pitchFamily="18" charset="0"/>
+                          <a:cs typeface="Times New Roman" panose="02020603050405020304" pitchFamily="18" charset="0"/>
+                        </a:rPr>
+                        <a:t>0</a:t>
+                      </a:r>
+                      <a:endParaRPr lang="zh-TW" altLang="en-US" sz="1600" b="0" dirty="0">
+                        <a:solidFill>
+                          <a:schemeClr val="tx1"/>
+                        </a:solidFill>
+                        <a:latin typeface="Times New Roman" panose="02020603050405020304" pitchFamily="18" charset="0"/>
+                        <a:cs typeface="Times New Roman" panose="02020603050405020304" pitchFamily="18" charset="0"/>
+                      </a:endParaRPr>
+                    </a:p>
+                  </a:txBody>
+                  <a:tcPr anchor="ctr">
+                    <a:lnL w="12700" cap="flat" cmpd="sng" algn="ctr">
+                      <a:solidFill>
+                        <a:schemeClr val="tx1"/>
+                      </a:solidFill>
+                      <a:prstDash val="solid"/>
+                      <a:round/>
+                      <a:headEnd type="none" w="med" len="med"/>
+                      <a:tailEnd type="none" w="med" len="med"/>
+                    </a:lnL>
+                    <a:lnR w="12700" cap="flat" cmpd="sng" algn="ctr">
+                      <a:solidFill>
+                        <a:schemeClr val="tx1"/>
+                      </a:solidFill>
+                      <a:prstDash val="solid"/>
+                      <a:round/>
+                      <a:headEnd type="none" w="med" len="med"/>
+                      <a:tailEnd type="none" w="med" len="med"/>
+                    </a:lnR>
+                    <a:lnT w="12700" cap="flat" cmpd="sng" algn="ctr">
+                      <a:solidFill>
+                        <a:schemeClr val="tx1"/>
+                      </a:solidFill>
+                      <a:prstDash val="solid"/>
+                      <a:round/>
+                      <a:headEnd type="none" w="med" len="med"/>
+                      <a:tailEnd type="none" w="med" len="med"/>
+                    </a:lnT>
+                    <a:lnB w="12700" cap="flat" cmpd="sng" algn="ctr">
+                      <a:solidFill>
+                        <a:schemeClr val="tx1"/>
+                      </a:solidFill>
+                      <a:prstDash val="solid"/>
+                      <a:round/>
+                      <a:headEnd type="none" w="med" len="med"/>
+                      <a:tailEnd type="none" w="med" len="med"/>
+                    </a:lnB>
+                    <a:lnTlToBr w="12700" cmpd="sng">
+                      <a:noFill/>
+                      <a:prstDash val="solid"/>
+                    </a:lnTlToBr>
+                    <a:lnBlToTr w="12700" cmpd="sng">
+                      <a:noFill/>
+                      <a:prstDash val="solid"/>
+                    </a:lnBlToTr>
+                    <a:solidFill>
+                      <a:schemeClr val="bg1"/>
+                    </a:solidFill>
+                  </a:tcPr>
+                </a:tc>
+                <a:tc>
+                  <a:txBody>
+                    <a:bodyPr/>
+                    <a:lstStyle/>
+                    <a:p>
+                      <a:pPr algn="ctr"/>
+                      <a:r>
+                        <a:rPr lang="en-US" altLang="zh-TW" sz="1600" b="0" dirty="0" smtClean="0">
+                          <a:solidFill>
+                            <a:schemeClr val="tx1"/>
+                          </a:solidFill>
+                          <a:latin typeface="Times New Roman" panose="02020603050405020304" pitchFamily="18" charset="0"/>
+                          <a:cs typeface="Times New Roman" panose="02020603050405020304" pitchFamily="18" charset="0"/>
+                        </a:rPr>
+                        <a:t>0</a:t>
+                      </a:r>
+                      <a:endParaRPr lang="zh-TW" altLang="en-US" sz="1600" b="0" dirty="0">
+                        <a:solidFill>
+                          <a:schemeClr val="tx1"/>
+                        </a:solidFill>
+                        <a:latin typeface="Times New Roman" panose="02020603050405020304" pitchFamily="18" charset="0"/>
+                        <a:cs typeface="Times New Roman" panose="02020603050405020304" pitchFamily="18" charset="0"/>
+                      </a:endParaRPr>
+                    </a:p>
+                  </a:txBody>
+                  <a:tcPr anchor="ctr">
+                    <a:lnL w="12700" cap="flat" cmpd="sng" algn="ctr">
+                      <a:solidFill>
+                        <a:schemeClr val="tx1"/>
+                      </a:solidFill>
+                      <a:prstDash val="solid"/>
+                      <a:round/>
+                      <a:headEnd type="none" w="med" len="med"/>
+                      <a:tailEnd type="none" w="med" len="med"/>
+                    </a:lnL>
+                    <a:lnR w="12700" cap="flat" cmpd="sng" algn="ctr">
+                      <a:solidFill>
+                        <a:schemeClr val="tx1"/>
+                      </a:solidFill>
+                      <a:prstDash val="solid"/>
+                      <a:round/>
+                      <a:headEnd type="none" w="med" len="med"/>
+                      <a:tailEnd type="none" w="med" len="med"/>
+                    </a:lnR>
+                    <a:lnT w="12700" cap="flat" cmpd="sng" algn="ctr">
+                      <a:solidFill>
+                        <a:schemeClr val="tx1"/>
+                      </a:solidFill>
+                      <a:prstDash val="solid"/>
+                      <a:round/>
+                      <a:headEnd type="none" w="med" len="med"/>
+                      <a:tailEnd type="none" w="med" len="med"/>
+                    </a:lnT>
+                    <a:lnB w="12700" cap="flat" cmpd="sng" algn="ctr">
+                      <a:solidFill>
+                        <a:schemeClr val="tx1"/>
+                      </a:solidFill>
+                      <a:prstDash val="solid"/>
+                      <a:round/>
+                      <a:headEnd type="none" w="med" len="med"/>
+                      <a:tailEnd type="none" w="med" len="med"/>
+                    </a:lnB>
+                    <a:lnTlToBr w="12700" cmpd="sng">
+                      <a:noFill/>
+                      <a:prstDash val="solid"/>
+                    </a:lnTlToBr>
+                    <a:lnBlToTr w="12700" cmpd="sng">
+                      <a:noFill/>
+                      <a:prstDash val="solid"/>
+                    </a:lnBlToTr>
+                    <a:solidFill>
+                      <a:schemeClr val="bg1"/>
+                    </a:solidFill>
+                  </a:tcPr>
+                </a:tc>
+                <a:extLst>
+                  <a:ext uri="{0D108BD9-81ED-4DB2-BD59-A6C34878D82A}">
+                    <a16:rowId xmlns:a16="http://schemas.microsoft.com/office/drawing/2014/main" val="4226584499"/>
+                  </a:ext>
+                </a:extLst>
+              </a:tr>
+            </a:tbl>
+          </a:graphicData>
+        </a:graphic>
+      </p:graphicFrame>
+      <p:graphicFrame>
+        <p:nvGraphicFramePr>
+          <p:cNvPr id="5" name="表格 4"/>
+          <p:cNvGraphicFramePr>
+            <a:graphicFrameLocks noGrp="1"/>
+          </p:cNvGraphicFramePr>
+          <p:nvPr>
+            <p:extLst>
+              <p:ext uri="{D42A27DB-BD31-4B8C-83A1-F6EECF244321}">
+                <p14:modId xmlns:p14="http://schemas.microsoft.com/office/powerpoint/2010/main" val="892704976"/>
+              </p:ext>
+            </p:extLst>
+          </p:nvPr>
+        </p:nvGraphicFramePr>
+        <p:xfrm>
+          <a:off x="3715385" y="1481032"/>
+          <a:ext cx="2542542" cy="462068"/>
+        </p:xfrm>
+        <a:graphic>
+          <a:graphicData uri="http://schemas.openxmlformats.org/drawingml/2006/table">
+            <a:tbl>
+              <a:tblPr firstRow="1" bandRow="1">
+                <a:tableStyleId>{5C22544A-7EE6-4342-B048-85BDC9FD1C3A}</a:tableStyleId>
+              </a:tblPr>
+              <a:tblGrid>
+                <a:gridCol w="423757">
+                  <a:extLst>
+                    <a:ext uri="{9D8B030D-6E8A-4147-A177-3AD203B41FA5}">
+                      <a16:colId xmlns:a16="http://schemas.microsoft.com/office/drawing/2014/main" val="1492936081"/>
+                    </a:ext>
+                  </a:extLst>
+                </a:gridCol>
+                <a:gridCol w="423757">
+                  <a:extLst>
+                    <a:ext uri="{9D8B030D-6E8A-4147-A177-3AD203B41FA5}">
+                      <a16:colId xmlns:a16="http://schemas.microsoft.com/office/drawing/2014/main" val="2328466560"/>
+                    </a:ext>
+                  </a:extLst>
+                </a:gridCol>
+                <a:gridCol w="423757">
+                  <a:extLst>
+                    <a:ext uri="{9D8B030D-6E8A-4147-A177-3AD203B41FA5}">
+                      <a16:colId xmlns:a16="http://schemas.microsoft.com/office/drawing/2014/main" val="605851618"/>
+                    </a:ext>
+                  </a:extLst>
+                </a:gridCol>
+                <a:gridCol w="423757">
+                  <a:extLst>
+                    <a:ext uri="{9D8B030D-6E8A-4147-A177-3AD203B41FA5}">
+                      <a16:colId xmlns:a16="http://schemas.microsoft.com/office/drawing/2014/main" val="1632471791"/>
+                    </a:ext>
+                  </a:extLst>
+                </a:gridCol>
+                <a:gridCol w="423757">
+                  <a:extLst>
+                    <a:ext uri="{9D8B030D-6E8A-4147-A177-3AD203B41FA5}">
+                      <a16:colId xmlns:a16="http://schemas.microsoft.com/office/drawing/2014/main" val="3465053422"/>
+                    </a:ext>
+                  </a:extLst>
+                </a:gridCol>
+                <a:gridCol w="423757">
+                  <a:extLst>
+                    <a:ext uri="{9D8B030D-6E8A-4147-A177-3AD203B41FA5}">
+                      <a16:colId xmlns:a16="http://schemas.microsoft.com/office/drawing/2014/main" val="246274235"/>
+                    </a:ext>
+                  </a:extLst>
+                </a:gridCol>
+              </a:tblGrid>
+              <a:tr h="462068">
+                <a:tc>
+                  <a:txBody>
+                    <a:bodyPr/>
+                    <a:lstStyle/>
+                    <a:p>
+                      <a:pPr algn="ctr"/>
+                      <a:r>
+                        <a:rPr lang="en-US" altLang="zh-TW" sz="1600" b="0" dirty="0" smtClean="0">
+                          <a:solidFill>
+                            <a:schemeClr val="tx1"/>
+                          </a:solidFill>
+                          <a:latin typeface="Times New Roman" panose="02020603050405020304" pitchFamily="18" charset="0"/>
+                          <a:cs typeface="Times New Roman" panose="02020603050405020304" pitchFamily="18" charset="0"/>
+                        </a:rPr>
+                        <a:t>0</a:t>
+                      </a:r>
+                      <a:endParaRPr lang="zh-TW" altLang="en-US" sz="1600" b="0" dirty="0">
+                        <a:solidFill>
+                          <a:schemeClr val="tx1"/>
+                        </a:solidFill>
+                        <a:latin typeface="Times New Roman" panose="02020603050405020304" pitchFamily="18" charset="0"/>
+                        <a:cs typeface="Times New Roman" panose="02020603050405020304" pitchFamily="18" charset="0"/>
+                      </a:endParaRPr>
+                    </a:p>
+                  </a:txBody>
+                  <a:tcPr anchor="ctr">
+                    <a:lnL w="12700" cap="flat" cmpd="sng" algn="ctr">
+                      <a:solidFill>
+                        <a:schemeClr val="tx1"/>
+                      </a:solidFill>
+                      <a:prstDash val="solid"/>
+                      <a:round/>
+                      <a:headEnd type="none" w="med" len="med"/>
+                      <a:tailEnd type="none" w="med" len="med"/>
+                    </a:lnL>
+                    <a:lnR w="12700" cap="flat" cmpd="sng" algn="ctr">
+                      <a:solidFill>
+                        <a:schemeClr val="tx1"/>
+                      </a:solidFill>
+                      <a:prstDash val="solid"/>
+                      <a:round/>
+                      <a:headEnd type="none" w="med" len="med"/>
+                      <a:tailEnd type="none" w="med" len="med"/>
+                    </a:lnR>
+                    <a:lnT w="12700" cap="flat" cmpd="sng" algn="ctr">
+                      <a:solidFill>
+                        <a:schemeClr val="tx1"/>
+                      </a:solidFill>
+                      <a:prstDash val="solid"/>
+                      <a:round/>
+                      <a:headEnd type="none" w="med" len="med"/>
+                      <a:tailEnd type="none" w="med" len="med"/>
+                    </a:lnT>
+                    <a:lnB w="12700" cap="flat" cmpd="sng" algn="ctr">
+                      <a:solidFill>
+                        <a:schemeClr val="tx1"/>
+                      </a:solidFill>
+                      <a:prstDash val="solid"/>
+                      <a:round/>
+                      <a:headEnd type="none" w="med" len="med"/>
+                      <a:tailEnd type="none" w="med" len="med"/>
+                    </a:lnB>
+                    <a:lnTlToBr w="12700" cmpd="sng">
+                      <a:noFill/>
+                      <a:prstDash val="solid"/>
+                    </a:lnTlToBr>
+                    <a:lnBlToTr w="12700" cmpd="sng">
+                      <a:noFill/>
+                      <a:prstDash val="solid"/>
+                    </a:lnBlToTr>
+                    <a:solidFill>
+                      <a:schemeClr val="bg1"/>
+                    </a:solidFill>
+                  </a:tcPr>
+                </a:tc>
+                <a:tc>
+                  <a:txBody>
+                    <a:bodyPr/>
+                    <a:lstStyle/>
+                    <a:p>
+                      <a:pPr algn="ctr"/>
+                      <a:r>
+                        <a:rPr lang="en-US" altLang="zh-TW" sz="1600" b="0" dirty="0" smtClean="0">
+                          <a:solidFill>
+                            <a:schemeClr val="tx1"/>
+                          </a:solidFill>
+                          <a:latin typeface="Times New Roman" panose="02020603050405020304" pitchFamily="18" charset="0"/>
+                          <a:cs typeface="Times New Roman" panose="02020603050405020304" pitchFamily="18" charset="0"/>
+                        </a:rPr>
+                        <a:t>1</a:t>
+                      </a:r>
+                      <a:endParaRPr lang="zh-TW" altLang="en-US" sz="1600" b="0" dirty="0">
+                        <a:solidFill>
+                          <a:schemeClr val="tx1"/>
+                        </a:solidFill>
+                        <a:latin typeface="Times New Roman" panose="02020603050405020304" pitchFamily="18" charset="0"/>
+                        <a:cs typeface="Times New Roman" panose="02020603050405020304" pitchFamily="18" charset="0"/>
+                      </a:endParaRPr>
+                    </a:p>
+                  </a:txBody>
+                  <a:tcPr anchor="ctr">
+                    <a:lnL w="12700" cap="flat" cmpd="sng" algn="ctr">
+                      <a:solidFill>
+                        <a:schemeClr val="tx1"/>
+                      </a:solidFill>
+                      <a:prstDash val="solid"/>
+                      <a:round/>
+                      <a:headEnd type="none" w="med" len="med"/>
+                      <a:tailEnd type="none" w="med" len="med"/>
+                    </a:lnL>
+                    <a:lnR w="12700" cap="flat" cmpd="sng" algn="ctr">
+                      <a:solidFill>
+                        <a:schemeClr val="tx1"/>
+                      </a:solidFill>
+                      <a:prstDash val="solid"/>
+                      <a:round/>
+                      <a:headEnd type="none" w="med" len="med"/>
+                      <a:tailEnd type="none" w="med" len="med"/>
+                    </a:lnR>
+                    <a:lnT w="12700" cap="flat" cmpd="sng" algn="ctr">
+                      <a:solidFill>
+                        <a:schemeClr val="tx1"/>
+                      </a:solidFill>
+                      <a:prstDash val="solid"/>
+                      <a:round/>
+                      <a:headEnd type="none" w="med" len="med"/>
+                      <a:tailEnd type="none" w="med" len="med"/>
+                    </a:lnT>
+                    <a:lnB w="12700" cap="flat" cmpd="sng" algn="ctr">
+                      <a:solidFill>
+                        <a:schemeClr val="tx1"/>
+                      </a:solidFill>
+                      <a:prstDash val="solid"/>
+                      <a:round/>
+                      <a:headEnd type="none" w="med" len="med"/>
+                      <a:tailEnd type="none" w="med" len="med"/>
+                    </a:lnB>
+                    <a:lnTlToBr w="12700" cmpd="sng">
+                      <a:noFill/>
+                      <a:prstDash val="solid"/>
+                    </a:lnTlToBr>
+                    <a:lnBlToTr w="12700" cmpd="sng">
+                      <a:noFill/>
+                      <a:prstDash val="solid"/>
+                    </a:lnBlToTr>
+                    <a:solidFill>
+                      <a:schemeClr val="bg1"/>
+                    </a:solidFill>
+                  </a:tcPr>
+                </a:tc>
+                <a:tc>
+                  <a:txBody>
+                    <a:bodyPr/>
+                    <a:lstStyle/>
+                    <a:p>
+                      <a:pPr algn="ctr"/>
+                      <a:r>
+                        <a:rPr lang="en-US" altLang="zh-TW" sz="1600" b="0" dirty="0" smtClean="0">
+                          <a:solidFill>
+                            <a:schemeClr val="tx1"/>
+                          </a:solidFill>
+                          <a:latin typeface="Times New Roman" panose="02020603050405020304" pitchFamily="18" charset="0"/>
+                          <a:cs typeface="Times New Roman" panose="02020603050405020304" pitchFamily="18" charset="0"/>
+                        </a:rPr>
+                        <a:t>0</a:t>
+                      </a:r>
+                      <a:endParaRPr lang="zh-TW" altLang="en-US" sz="1600" b="0" dirty="0">
+                        <a:solidFill>
+                          <a:schemeClr val="tx1"/>
+                        </a:solidFill>
+                        <a:latin typeface="Times New Roman" panose="02020603050405020304" pitchFamily="18" charset="0"/>
+                        <a:cs typeface="Times New Roman" panose="02020603050405020304" pitchFamily="18" charset="0"/>
+                      </a:endParaRPr>
+                    </a:p>
+                  </a:txBody>
+                  <a:tcPr anchor="ctr">
+                    <a:lnL w="12700" cap="flat" cmpd="sng" algn="ctr">
+                      <a:solidFill>
+                        <a:schemeClr val="tx1"/>
+                      </a:solidFill>
+                      <a:prstDash val="solid"/>
+                      <a:round/>
+                      <a:headEnd type="none" w="med" len="med"/>
+                      <a:tailEnd type="none" w="med" len="med"/>
+                    </a:lnL>
+                    <a:lnR w="12700" cap="flat" cmpd="sng" algn="ctr">
+                      <a:solidFill>
+                        <a:schemeClr val="tx1"/>
+                      </a:solidFill>
+                      <a:prstDash val="solid"/>
+                      <a:round/>
+                      <a:headEnd type="none" w="med" len="med"/>
+                      <a:tailEnd type="none" w="med" len="med"/>
+                    </a:lnR>
+                    <a:lnT w="12700" cap="flat" cmpd="sng" algn="ctr">
+                      <a:solidFill>
+                        <a:schemeClr val="tx1"/>
+                      </a:solidFill>
+                      <a:prstDash val="solid"/>
+                      <a:round/>
+                      <a:headEnd type="none" w="med" len="med"/>
+                      <a:tailEnd type="none" w="med" len="med"/>
+                    </a:lnT>
+                    <a:lnB w="12700" cap="flat" cmpd="sng" algn="ctr">
+                      <a:solidFill>
+                        <a:schemeClr val="tx1"/>
+                      </a:solidFill>
+                      <a:prstDash val="solid"/>
+                      <a:round/>
+                      <a:headEnd type="none" w="med" len="med"/>
+                      <a:tailEnd type="none" w="med" len="med"/>
+                    </a:lnB>
+                    <a:lnTlToBr w="12700" cmpd="sng">
+                      <a:noFill/>
+                      <a:prstDash val="solid"/>
+                    </a:lnTlToBr>
+                    <a:lnBlToTr w="12700" cmpd="sng">
+                      <a:noFill/>
+                      <a:prstDash val="solid"/>
+                    </a:lnBlToTr>
+                    <a:solidFill>
+                      <a:schemeClr val="bg1"/>
+                    </a:solidFill>
+                  </a:tcPr>
+                </a:tc>
+                <a:tc>
+                  <a:txBody>
+                    <a:bodyPr/>
+                    <a:lstStyle/>
+                    <a:p>
+                      <a:pPr algn="ctr"/>
+                      <a:r>
+                        <a:rPr lang="en-US" altLang="zh-TW" sz="1600" b="0" dirty="0" smtClean="0">
+                          <a:solidFill>
+                            <a:schemeClr val="tx1"/>
+                          </a:solidFill>
+                          <a:latin typeface="Times New Roman" panose="02020603050405020304" pitchFamily="18" charset="0"/>
+                          <a:cs typeface="Times New Roman" panose="02020603050405020304" pitchFamily="18" charset="0"/>
+                        </a:rPr>
+                        <a:t>0</a:t>
+                      </a:r>
+                      <a:endParaRPr lang="zh-TW" altLang="en-US" sz="1600" b="0" dirty="0">
+                        <a:solidFill>
+                          <a:schemeClr val="tx1"/>
+                        </a:solidFill>
+                        <a:latin typeface="Times New Roman" panose="02020603050405020304" pitchFamily="18" charset="0"/>
+                        <a:cs typeface="Times New Roman" panose="02020603050405020304" pitchFamily="18" charset="0"/>
+                      </a:endParaRPr>
+                    </a:p>
+                  </a:txBody>
+                  <a:tcPr anchor="ctr">
+                    <a:lnL w="12700" cap="flat" cmpd="sng" algn="ctr">
+                      <a:solidFill>
+                        <a:schemeClr val="tx1"/>
+                      </a:solidFill>
+                      <a:prstDash val="solid"/>
+                      <a:round/>
+                      <a:headEnd type="none" w="med" len="med"/>
+                      <a:tailEnd type="none" w="med" len="med"/>
+                    </a:lnL>
+                    <a:lnR w="12700" cap="flat" cmpd="sng" algn="ctr">
+                      <a:solidFill>
+                        <a:schemeClr val="tx1"/>
+                      </a:solidFill>
+                      <a:prstDash val="solid"/>
+                      <a:round/>
+                      <a:headEnd type="none" w="med" len="med"/>
+                      <a:tailEnd type="none" w="med" len="med"/>
+                    </a:lnR>
+                    <a:lnT w="12700" cap="flat" cmpd="sng" algn="ctr">
+                      <a:solidFill>
+                        <a:schemeClr val="tx1"/>
+                      </a:solidFill>
+                      <a:prstDash val="solid"/>
+                      <a:round/>
+                      <a:headEnd type="none" w="med" len="med"/>
+                      <a:tailEnd type="none" w="med" len="med"/>
+                    </a:lnT>
+                    <a:lnB w="12700" cap="flat" cmpd="sng" algn="ctr">
+                      <a:solidFill>
+                        <a:schemeClr val="tx1"/>
+                      </a:solidFill>
+                      <a:prstDash val="solid"/>
+                      <a:round/>
+                      <a:headEnd type="none" w="med" len="med"/>
+                      <a:tailEnd type="none" w="med" len="med"/>
+                    </a:lnB>
+                    <a:lnTlToBr w="12700" cmpd="sng">
+                      <a:noFill/>
+                      <a:prstDash val="solid"/>
+                    </a:lnTlToBr>
+                    <a:lnBlToTr w="12700" cmpd="sng">
+                      <a:noFill/>
+                      <a:prstDash val="solid"/>
+                    </a:lnBlToTr>
+                    <a:solidFill>
+                      <a:schemeClr val="bg1"/>
+                    </a:solidFill>
+                  </a:tcPr>
+                </a:tc>
+                <a:tc>
+                  <a:txBody>
+                    <a:bodyPr/>
+                    <a:lstStyle/>
+                    <a:p>
+                      <a:pPr algn="ctr"/>
+                      <a:r>
+                        <a:rPr lang="en-US" altLang="zh-TW" sz="1600" b="0" dirty="0" smtClean="0">
+                          <a:solidFill>
+                            <a:schemeClr val="tx1"/>
+                          </a:solidFill>
+                          <a:latin typeface="Times New Roman" panose="02020603050405020304" pitchFamily="18" charset="0"/>
+                          <a:cs typeface="Times New Roman" panose="02020603050405020304" pitchFamily="18" charset="0"/>
+                        </a:rPr>
+                        <a:t>0</a:t>
+                      </a:r>
+                      <a:endParaRPr lang="zh-TW" altLang="en-US" sz="1600" b="0" dirty="0">
+                        <a:solidFill>
+                          <a:schemeClr val="tx1"/>
+                        </a:solidFill>
+                        <a:latin typeface="Times New Roman" panose="02020603050405020304" pitchFamily="18" charset="0"/>
+                        <a:cs typeface="Times New Roman" panose="02020603050405020304" pitchFamily="18" charset="0"/>
+                      </a:endParaRPr>
+                    </a:p>
+                  </a:txBody>
+                  <a:tcPr anchor="ctr">
+                    <a:lnL w="12700" cap="flat" cmpd="sng" algn="ctr">
+                      <a:solidFill>
+                        <a:schemeClr val="tx1"/>
+                      </a:solidFill>
+                      <a:prstDash val="solid"/>
+                      <a:round/>
+                      <a:headEnd type="none" w="med" len="med"/>
+                      <a:tailEnd type="none" w="med" len="med"/>
+                    </a:lnL>
+                    <a:lnR w="12700" cap="flat" cmpd="sng" algn="ctr">
+                      <a:solidFill>
+                        <a:schemeClr val="tx1"/>
+                      </a:solidFill>
+                      <a:prstDash val="solid"/>
+                      <a:round/>
+                      <a:headEnd type="none" w="med" len="med"/>
+                      <a:tailEnd type="none" w="med" len="med"/>
+                    </a:lnR>
+                    <a:lnT w="12700" cap="flat" cmpd="sng" algn="ctr">
+                      <a:solidFill>
+                        <a:schemeClr val="tx1"/>
+                      </a:solidFill>
+                      <a:prstDash val="solid"/>
+                      <a:round/>
+                      <a:headEnd type="none" w="med" len="med"/>
+                      <a:tailEnd type="none" w="med" len="med"/>
+                    </a:lnT>
+                    <a:lnB w="12700" cap="flat" cmpd="sng" algn="ctr">
+                      <a:solidFill>
+                        <a:schemeClr val="tx1"/>
+                      </a:solidFill>
+                      <a:prstDash val="solid"/>
+                      <a:round/>
+                      <a:headEnd type="none" w="med" len="med"/>
+                      <a:tailEnd type="none" w="med" len="med"/>
+                    </a:lnB>
+                    <a:lnTlToBr w="12700" cmpd="sng">
+                      <a:noFill/>
+                      <a:prstDash val="solid"/>
+                    </a:lnTlToBr>
+                    <a:lnBlToTr w="12700" cmpd="sng">
+                      <a:noFill/>
+                      <a:prstDash val="solid"/>
+                    </a:lnBlToTr>
+                    <a:solidFill>
+                      <a:schemeClr val="bg1"/>
+                    </a:solidFill>
+                  </a:tcPr>
+                </a:tc>
+                <a:tc>
+                  <a:txBody>
+                    <a:bodyPr/>
+                    <a:lstStyle/>
+                    <a:p>
+                      <a:pPr algn="ctr"/>
+                      <a:r>
+                        <a:rPr lang="en-US" altLang="zh-TW" sz="1600" b="0" dirty="0" smtClean="0">
+                          <a:solidFill>
+                            <a:schemeClr val="tx1"/>
+                          </a:solidFill>
+                          <a:latin typeface="Times New Roman" panose="02020603050405020304" pitchFamily="18" charset="0"/>
+                          <a:cs typeface="Times New Roman" panose="02020603050405020304" pitchFamily="18" charset="0"/>
+                        </a:rPr>
+                        <a:t>1</a:t>
+                      </a:r>
+                      <a:endParaRPr lang="zh-TW" altLang="en-US" sz="1600" b="0" dirty="0">
+                        <a:solidFill>
+                          <a:schemeClr val="tx1"/>
+                        </a:solidFill>
+                        <a:latin typeface="Times New Roman" panose="02020603050405020304" pitchFamily="18" charset="0"/>
+                        <a:cs typeface="Times New Roman" panose="02020603050405020304" pitchFamily="18" charset="0"/>
+                      </a:endParaRPr>
+                    </a:p>
+                  </a:txBody>
+                  <a:tcPr anchor="ctr">
+                    <a:lnL w="12700" cap="flat" cmpd="sng" algn="ctr">
+                      <a:solidFill>
+                        <a:schemeClr val="tx1"/>
+                      </a:solidFill>
+                      <a:prstDash val="solid"/>
+                      <a:round/>
+                      <a:headEnd type="none" w="med" len="med"/>
+                      <a:tailEnd type="none" w="med" len="med"/>
+                    </a:lnL>
+                    <a:lnR w="12700" cap="flat" cmpd="sng" algn="ctr">
+                      <a:solidFill>
+                        <a:schemeClr val="tx1"/>
+                      </a:solidFill>
+                      <a:prstDash val="solid"/>
+                      <a:round/>
+                      <a:headEnd type="none" w="med" len="med"/>
+                      <a:tailEnd type="none" w="med" len="med"/>
+                    </a:lnR>
+                    <a:lnT w="12700" cap="flat" cmpd="sng" algn="ctr">
+                      <a:solidFill>
+                        <a:schemeClr val="tx1"/>
+                      </a:solidFill>
+                      <a:prstDash val="solid"/>
+                      <a:round/>
+                      <a:headEnd type="none" w="med" len="med"/>
+                      <a:tailEnd type="none" w="med" len="med"/>
+                    </a:lnT>
+                    <a:lnB w="12700" cap="flat" cmpd="sng" algn="ctr">
+                      <a:solidFill>
+                        <a:schemeClr val="tx1"/>
+                      </a:solidFill>
+                      <a:prstDash val="solid"/>
+                      <a:round/>
+                      <a:headEnd type="none" w="med" len="med"/>
+                      <a:tailEnd type="none" w="med" len="med"/>
+                    </a:lnB>
+                    <a:lnTlToBr w="12700" cmpd="sng">
+                      <a:noFill/>
+                      <a:prstDash val="solid"/>
+                    </a:lnTlToBr>
+                    <a:lnBlToTr w="12700" cmpd="sng">
+                      <a:noFill/>
+                      <a:prstDash val="solid"/>
+                    </a:lnBlToTr>
+                    <a:solidFill>
+                      <a:schemeClr val="bg1"/>
+                    </a:solidFill>
+                  </a:tcPr>
+                </a:tc>
+                <a:extLst>
+                  <a:ext uri="{0D108BD9-81ED-4DB2-BD59-A6C34878D82A}">
+                    <a16:rowId xmlns:a16="http://schemas.microsoft.com/office/drawing/2014/main" val="4226584499"/>
+                  </a:ext>
+                </a:extLst>
+              </a:tr>
+            </a:tbl>
+          </a:graphicData>
+        </a:graphic>
+      </p:graphicFrame>
+      <p:graphicFrame>
+        <p:nvGraphicFramePr>
+          <p:cNvPr id="6" name="表格 5"/>
+          <p:cNvGraphicFramePr>
+            <a:graphicFrameLocks noGrp="1"/>
+          </p:cNvGraphicFramePr>
+          <p:nvPr>
+            <p:extLst>
+              <p:ext uri="{D42A27DB-BD31-4B8C-83A1-F6EECF244321}">
+                <p14:modId xmlns:p14="http://schemas.microsoft.com/office/powerpoint/2010/main" val="525237537"/>
+              </p:ext>
+            </p:extLst>
+          </p:nvPr>
+        </p:nvGraphicFramePr>
+        <p:xfrm>
+          <a:off x="3715385" y="2081107"/>
+          <a:ext cx="2542542" cy="462068"/>
+        </p:xfrm>
+        <a:graphic>
+          <a:graphicData uri="http://schemas.openxmlformats.org/drawingml/2006/table">
+            <a:tbl>
+              <a:tblPr firstRow="1" bandRow="1">
+                <a:tableStyleId>{5C22544A-7EE6-4342-B048-85BDC9FD1C3A}</a:tableStyleId>
+              </a:tblPr>
+              <a:tblGrid>
+                <a:gridCol w="423757">
+                  <a:extLst>
+                    <a:ext uri="{9D8B030D-6E8A-4147-A177-3AD203B41FA5}">
+                      <a16:colId xmlns:a16="http://schemas.microsoft.com/office/drawing/2014/main" val="1492936081"/>
+                    </a:ext>
+                  </a:extLst>
+                </a:gridCol>
+                <a:gridCol w="423757">
+                  <a:extLst>
+                    <a:ext uri="{9D8B030D-6E8A-4147-A177-3AD203B41FA5}">
+                      <a16:colId xmlns:a16="http://schemas.microsoft.com/office/drawing/2014/main" val="2328466560"/>
+                    </a:ext>
+                  </a:extLst>
+                </a:gridCol>
+                <a:gridCol w="423757">
+                  <a:extLst>
+                    <a:ext uri="{9D8B030D-6E8A-4147-A177-3AD203B41FA5}">
+                      <a16:colId xmlns:a16="http://schemas.microsoft.com/office/drawing/2014/main" val="605851618"/>
+                    </a:ext>
+                  </a:extLst>
+                </a:gridCol>
+                <a:gridCol w="423757">
+                  <a:extLst>
+                    <a:ext uri="{9D8B030D-6E8A-4147-A177-3AD203B41FA5}">
+                      <a16:colId xmlns:a16="http://schemas.microsoft.com/office/drawing/2014/main" val="1632471791"/>
+                    </a:ext>
+                  </a:extLst>
+                </a:gridCol>
+                <a:gridCol w="423757">
+                  <a:extLst>
+                    <a:ext uri="{9D8B030D-6E8A-4147-A177-3AD203B41FA5}">
+                      <a16:colId xmlns:a16="http://schemas.microsoft.com/office/drawing/2014/main" val="3465053422"/>
+                    </a:ext>
+                  </a:extLst>
+                </a:gridCol>
+                <a:gridCol w="423757">
+                  <a:extLst>
+                    <a:ext uri="{9D8B030D-6E8A-4147-A177-3AD203B41FA5}">
+                      <a16:colId xmlns:a16="http://schemas.microsoft.com/office/drawing/2014/main" val="246274235"/>
+                    </a:ext>
+                  </a:extLst>
+                </a:gridCol>
+              </a:tblGrid>
+              <a:tr h="462068">
+                <a:tc>
+                  <a:txBody>
+                    <a:bodyPr/>
+                    <a:lstStyle/>
+                    <a:p>
+                      <a:pPr algn="ctr"/>
+                      <a:r>
+                        <a:rPr lang="en-US" altLang="zh-TW" sz="1600" b="0" dirty="0" smtClean="0">
+                          <a:solidFill>
+                            <a:schemeClr val="tx1"/>
+                          </a:solidFill>
+                          <a:latin typeface="Times New Roman" panose="02020603050405020304" pitchFamily="18" charset="0"/>
+                          <a:cs typeface="Times New Roman" panose="02020603050405020304" pitchFamily="18" charset="0"/>
+                        </a:rPr>
+                        <a:t>1</a:t>
+                      </a:r>
+                      <a:endParaRPr lang="zh-TW" altLang="en-US" sz="1600" b="0" dirty="0">
+                        <a:solidFill>
+                          <a:schemeClr val="tx1"/>
+                        </a:solidFill>
+                        <a:latin typeface="Times New Roman" panose="02020603050405020304" pitchFamily="18" charset="0"/>
+                        <a:cs typeface="Times New Roman" panose="02020603050405020304" pitchFamily="18" charset="0"/>
+                      </a:endParaRPr>
+                    </a:p>
+                  </a:txBody>
+                  <a:tcPr anchor="ctr">
+                    <a:lnL w="12700" cap="flat" cmpd="sng" algn="ctr">
+                      <a:solidFill>
+                        <a:schemeClr val="tx1"/>
+                      </a:solidFill>
+                      <a:prstDash val="solid"/>
+                      <a:round/>
+                      <a:headEnd type="none" w="med" len="med"/>
+                      <a:tailEnd type="none" w="med" len="med"/>
+                    </a:lnL>
+                    <a:lnR w="12700" cap="flat" cmpd="sng" algn="ctr">
+                      <a:solidFill>
+                        <a:schemeClr val="tx1"/>
+                      </a:solidFill>
+                      <a:prstDash val="solid"/>
+                      <a:round/>
+                      <a:headEnd type="none" w="med" len="med"/>
+                      <a:tailEnd type="none" w="med" len="med"/>
+                    </a:lnR>
+                    <a:lnT w="12700" cap="flat" cmpd="sng" algn="ctr">
+                      <a:solidFill>
+                        <a:schemeClr val="tx1"/>
+                      </a:solidFill>
+                      <a:prstDash val="solid"/>
+                      <a:round/>
+                      <a:headEnd type="none" w="med" len="med"/>
+                      <a:tailEnd type="none" w="med" len="med"/>
+                    </a:lnT>
+                    <a:lnB w="12700" cap="flat" cmpd="sng" algn="ctr">
+                      <a:solidFill>
+                        <a:schemeClr val="tx1"/>
+                      </a:solidFill>
+                      <a:prstDash val="solid"/>
+                      <a:round/>
+                      <a:headEnd type="none" w="med" len="med"/>
+                      <a:tailEnd type="none" w="med" len="med"/>
+                    </a:lnB>
+                    <a:lnTlToBr w="12700" cmpd="sng">
+                      <a:noFill/>
+                      <a:prstDash val="solid"/>
+                    </a:lnTlToBr>
+                    <a:lnBlToTr w="12700" cmpd="sng">
+                      <a:noFill/>
+                      <a:prstDash val="solid"/>
+                    </a:lnBlToTr>
+                    <a:solidFill>
+                      <a:schemeClr val="bg1"/>
+                    </a:solidFill>
+                  </a:tcPr>
+                </a:tc>
+                <a:tc>
+                  <a:txBody>
+                    <a:bodyPr/>
+                    <a:lstStyle/>
+                    <a:p>
+                      <a:pPr algn="ctr"/>
+                      <a:r>
+                        <a:rPr lang="en-US" altLang="zh-TW" sz="1600" b="0" dirty="0" smtClean="0">
+                          <a:solidFill>
+                            <a:schemeClr val="tx1"/>
+                          </a:solidFill>
+                          <a:latin typeface="Times New Roman" panose="02020603050405020304" pitchFamily="18" charset="0"/>
+                          <a:cs typeface="Times New Roman" panose="02020603050405020304" pitchFamily="18" charset="0"/>
+                        </a:rPr>
+                        <a:t>1</a:t>
+                      </a:r>
+                      <a:endParaRPr lang="zh-TW" altLang="en-US" sz="1600" b="0" dirty="0">
+                        <a:solidFill>
+                          <a:schemeClr val="tx1"/>
+                        </a:solidFill>
+                        <a:latin typeface="Times New Roman" panose="02020603050405020304" pitchFamily="18" charset="0"/>
+                        <a:cs typeface="Times New Roman" panose="02020603050405020304" pitchFamily="18" charset="0"/>
+                      </a:endParaRPr>
+                    </a:p>
+                  </a:txBody>
+                  <a:tcPr anchor="ctr">
+                    <a:lnL w="12700" cap="flat" cmpd="sng" algn="ctr">
+                      <a:solidFill>
+                        <a:schemeClr val="tx1"/>
+                      </a:solidFill>
+                      <a:prstDash val="solid"/>
+                      <a:round/>
+                      <a:headEnd type="none" w="med" len="med"/>
+                      <a:tailEnd type="none" w="med" len="med"/>
+                    </a:lnL>
+                    <a:lnR w="12700" cap="flat" cmpd="sng" algn="ctr">
+                      <a:solidFill>
+                        <a:schemeClr val="tx1"/>
+                      </a:solidFill>
+                      <a:prstDash val="solid"/>
+                      <a:round/>
+                      <a:headEnd type="none" w="med" len="med"/>
+                      <a:tailEnd type="none" w="med" len="med"/>
+                    </a:lnR>
+                    <a:lnT w="12700" cap="flat" cmpd="sng" algn="ctr">
+                      <a:solidFill>
+                        <a:schemeClr val="tx1"/>
+                      </a:solidFill>
+                      <a:prstDash val="solid"/>
+                      <a:round/>
+                      <a:headEnd type="none" w="med" len="med"/>
+                      <a:tailEnd type="none" w="med" len="med"/>
+                    </a:lnT>
+                    <a:lnB w="12700" cap="flat" cmpd="sng" algn="ctr">
+                      <a:solidFill>
+                        <a:schemeClr val="tx1"/>
+                      </a:solidFill>
+                      <a:prstDash val="solid"/>
+                      <a:round/>
+                      <a:headEnd type="none" w="med" len="med"/>
+                      <a:tailEnd type="none" w="med" len="med"/>
+                    </a:lnB>
+                    <a:lnTlToBr w="12700" cmpd="sng">
+                      <a:noFill/>
+                      <a:prstDash val="solid"/>
+                    </a:lnTlToBr>
+                    <a:lnBlToTr w="12700" cmpd="sng">
+                      <a:noFill/>
+                      <a:prstDash val="solid"/>
+                    </a:lnBlToTr>
+                    <a:solidFill>
+                      <a:schemeClr val="bg1"/>
+                    </a:solidFill>
+                  </a:tcPr>
+                </a:tc>
+                <a:tc>
+                  <a:txBody>
+                    <a:bodyPr/>
+                    <a:lstStyle/>
+                    <a:p>
+                      <a:pPr algn="ctr"/>
+                      <a:r>
+                        <a:rPr lang="en-US" altLang="zh-TW" sz="1600" b="0" dirty="0" smtClean="0">
+                          <a:solidFill>
+                            <a:schemeClr val="tx1"/>
+                          </a:solidFill>
+                          <a:latin typeface="Times New Roman" panose="02020603050405020304" pitchFamily="18" charset="0"/>
+                          <a:cs typeface="Times New Roman" panose="02020603050405020304" pitchFamily="18" charset="0"/>
+                        </a:rPr>
+                        <a:t>1</a:t>
+                      </a:r>
+                      <a:endParaRPr lang="zh-TW" altLang="en-US" sz="1600" b="0" dirty="0">
+                        <a:solidFill>
+                          <a:schemeClr val="tx1"/>
+                        </a:solidFill>
+                        <a:latin typeface="Times New Roman" panose="02020603050405020304" pitchFamily="18" charset="0"/>
+                        <a:cs typeface="Times New Roman" panose="02020603050405020304" pitchFamily="18" charset="0"/>
+                      </a:endParaRPr>
+                    </a:p>
+                  </a:txBody>
+                  <a:tcPr anchor="ctr">
+                    <a:lnL w="12700" cap="flat" cmpd="sng" algn="ctr">
+                      <a:solidFill>
+                        <a:schemeClr val="tx1"/>
+                      </a:solidFill>
+                      <a:prstDash val="solid"/>
+                      <a:round/>
+                      <a:headEnd type="none" w="med" len="med"/>
+                      <a:tailEnd type="none" w="med" len="med"/>
+                    </a:lnL>
+                    <a:lnR w="12700" cap="flat" cmpd="sng" algn="ctr">
+                      <a:solidFill>
+                        <a:schemeClr val="tx1"/>
+                      </a:solidFill>
+                      <a:prstDash val="solid"/>
+                      <a:round/>
+                      <a:headEnd type="none" w="med" len="med"/>
+                      <a:tailEnd type="none" w="med" len="med"/>
+                    </a:lnR>
+                    <a:lnT w="12700" cap="flat" cmpd="sng" algn="ctr">
+                      <a:solidFill>
+                        <a:schemeClr val="tx1"/>
+                      </a:solidFill>
+                      <a:prstDash val="solid"/>
+                      <a:round/>
+                      <a:headEnd type="none" w="med" len="med"/>
+                      <a:tailEnd type="none" w="med" len="med"/>
+                    </a:lnT>
+                    <a:lnB w="12700" cap="flat" cmpd="sng" algn="ctr">
+                      <a:solidFill>
+                        <a:schemeClr val="tx1"/>
+                      </a:solidFill>
+                      <a:prstDash val="solid"/>
+                      <a:round/>
+                      <a:headEnd type="none" w="med" len="med"/>
+                      <a:tailEnd type="none" w="med" len="med"/>
+                    </a:lnB>
+                    <a:lnTlToBr w="12700" cmpd="sng">
+                      <a:noFill/>
+                      <a:prstDash val="solid"/>
+                    </a:lnTlToBr>
+                    <a:lnBlToTr w="12700" cmpd="sng">
+                      <a:noFill/>
+                      <a:prstDash val="solid"/>
+                    </a:lnBlToTr>
+                    <a:solidFill>
+                      <a:schemeClr val="bg1"/>
+                    </a:solidFill>
+                  </a:tcPr>
+                </a:tc>
+                <a:tc>
+                  <a:txBody>
+                    <a:bodyPr/>
+                    <a:lstStyle/>
+                    <a:p>
+                      <a:pPr algn="ctr"/>
+                      <a:r>
+                        <a:rPr lang="en-US" altLang="zh-TW" sz="1600" b="0" dirty="0" smtClean="0">
+                          <a:solidFill>
+                            <a:schemeClr val="tx1"/>
+                          </a:solidFill>
+                          <a:latin typeface="Times New Roman" panose="02020603050405020304" pitchFamily="18" charset="0"/>
+                          <a:cs typeface="Times New Roman" panose="02020603050405020304" pitchFamily="18" charset="0"/>
+                        </a:rPr>
+                        <a:t>1</a:t>
+                      </a:r>
+                      <a:endParaRPr lang="zh-TW" altLang="en-US" sz="1600" b="0" dirty="0">
+                        <a:solidFill>
+                          <a:schemeClr val="tx1"/>
+                        </a:solidFill>
+                        <a:latin typeface="Times New Roman" panose="02020603050405020304" pitchFamily="18" charset="0"/>
+                        <a:cs typeface="Times New Roman" panose="02020603050405020304" pitchFamily="18" charset="0"/>
+                      </a:endParaRPr>
+                    </a:p>
+                  </a:txBody>
+                  <a:tcPr anchor="ctr">
+                    <a:lnL w="12700" cap="flat" cmpd="sng" algn="ctr">
+                      <a:solidFill>
+                        <a:schemeClr val="tx1"/>
+                      </a:solidFill>
+                      <a:prstDash val="solid"/>
+                      <a:round/>
+                      <a:headEnd type="none" w="med" len="med"/>
+                      <a:tailEnd type="none" w="med" len="med"/>
+                    </a:lnL>
+                    <a:lnR w="12700" cap="flat" cmpd="sng" algn="ctr">
+                      <a:solidFill>
+                        <a:schemeClr val="tx1"/>
+                      </a:solidFill>
+                      <a:prstDash val="solid"/>
+                      <a:round/>
+                      <a:headEnd type="none" w="med" len="med"/>
+                      <a:tailEnd type="none" w="med" len="med"/>
+                    </a:lnR>
+                    <a:lnT w="12700" cap="flat" cmpd="sng" algn="ctr">
+                      <a:solidFill>
+                        <a:schemeClr val="tx1"/>
+                      </a:solidFill>
+                      <a:prstDash val="solid"/>
+                      <a:round/>
+                      <a:headEnd type="none" w="med" len="med"/>
+                      <a:tailEnd type="none" w="med" len="med"/>
+                    </a:lnT>
+                    <a:lnB w="12700" cap="flat" cmpd="sng" algn="ctr">
+                      <a:solidFill>
+                        <a:schemeClr val="tx1"/>
+                      </a:solidFill>
+                      <a:prstDash val="solid"/>
+                      <a:round/>
+                      <a:headEnd type="none" w="med" len="med"/>
+                      <a:tailEnd type="none" w="med" len="med"/>
+                    </a:lnB>
+                    <a:lnTlToBr w="12700" cmpd="sng">
+                      <a:noFill/>
+                      <a:prstDash val="solid"/>
+                    </a:lnTlToBr>
+                    <a:lnBlToTr w="12700" cmpd="sng">
+                      <a:noFill/>
+                      <a:prstDash val="solid"/>
+                    </a:lnBlToTr>
+                    <a:solidFill>
+                      <a:schemeClr val="bg1"/>
+                    </a:solidFill>
+                  </a:tcPr>
+                </a:tc>
+                <a:tc>
+                  <a:txBody>
+                    <a:bodyPr/>
+                    <a:lstStyle/>
+                    <a:p>
+                      <a:pPr algn="ctr"/>
+                      <a:r>
+                        <a:rPr lang="en-US" altLang="zh-TW" sz="1600" b="0" dirty="0" smtClean="0">
+                          <a:solidFill>
+                            <a:schemeClr val="tx1"/>
+                          </a:solidFill>
+                          <a:latin typeface="Times New Roman" panose="02020603050405020304" pitchFamily="18" charset="0"/>
+                          <a:cs typeface="Times New Roman" panose="02020603050405020304" pitchFamily="18" charset="0"/>
+                        </a:rPr>
+                        <a:t>1</a:t>
+                      </a:r>
+                      <a:endParaRPr lang="zh-TW" altLang="en-US" sz="1600" b="0" dirty="0">
+                        <a:solidFill>
+                          <a:schemeClr val="tx1"/>
+                        </a:solidFill>
+                        <a:latin typeface="Times New Roman" panose="02020603050405020304" pitchFamily="18" charset="0"/>
+                        <a:cs typeface="Times New Roman" panose="02020603050405020304" pitchFamily="18" charset="0"/>
+                      </a:endParaRPr>
+                    </a:p>
+                  </a:txBody>
+                  <a:tcPr anchor="ctr">
+                    <a:lnL w="12700" cap="flat" cmpd="sng" algn="ctr">
+                      <a:solidFill>
+                        <a:schemeClr val="tx1"/>
+                      </a:solidFill>
+                      <a:prstDash val="solid"/>
+                      <a:round/>
+                      <a:headEnd type="none" w="med" len="med"/>
+                      <a:tailEnd type="none" w="med" len="med"/>
+                    </a:lnL>
+                    <a:lnR w="12700" cap="flat" cmpd="sng" algn="ctr">
+                      <a:solidFill>
+                        <a:schemeClr val="tx1"/>
+                      </a:solidFill>
+                      <a:prstDash val="solid"/>
+                      <a:round/>
+                      <a:headEnd type="none" w="med" len="med"/>
+                      <a:tailEnd type="none" w="med" len="med"/>
+                    </a:lnR>
+                    <a:lnT w="12700" cap="flat" cmpd="sng" algn="ctr">
+                      <a:solidFill>
+                        <a:schemeClr val="tx1"/>
+                      </a:solidFill>
+                      <a:prstDash val="solid"/>
+                      <a:round/>
+                      <a:headEnd type="none" w="med" len="med"/>
+                      <a:tailEnd type="none" w="med" len="med"/>
+                    </a:lnT>
+                    <a:lnB w="12700" cap="flat" cmpd="sng" algn="ctr">
+                      <a:solidFill>
+                        <a:schemeClr val="tx1"/>
+                      </a:solidFill>
+                      <a:prstDash val="solid"/>
+                      <a:round/>
+                      <a:headEnd type="none" w="med" len="med"/>
+                      <a:tailEnd type="none" w="med" len="med"/>
+                    </a:lnB>
+                    <a:lnTlToBr w="12700" cmpd="sng">
+                      <a:noFill/>
+                      <a:prstDash val="solid"/>
+                    </a:lnTlToBr>
+                    <a:lnBlToTr w="12700" cmpd="sng">
+                      <a:noFill/>
+                      <a:prstDash val="solid"/>
+                    </a:lnBlToTr>
+                    <a:solidFill>
+                      <a:schemeClr val="bg1"/>
+                    </a:solidFill>
+                  </a:tcPr>
+                </a:tc>
+                <a:tc>
+                  <a:txBody>
+                    <a:bodyPr/>
+                    <a:lstStyle/>
+                    <a:p>
+                      <a:pPr algn="ctr"/>
+                      <a:r>
+                        <a:rPr lang="en-US" altLang="zh-TW" sz="1600" b="0" dirty="0" smtClean="0">
+                          <a:solidFill>
+                            <a:schemeClr val="tx1"/>
+                          </a:solidFill>
+                          <a:latin typeface="Times New Roman" panose="02020603050405020304" pitchFamily="18" charset="0"/>
+                          <a:cs typeface="Times New Roman" panose="02020603050405020304" pitchFamily="18" charset="0"/>
+                        </a:rPr>
+                        <a:t>0</a:t>
+                      </a:r>
+                      <a:endParaRPr lang="zh-TW" altLang="en-US" sz="1600" b="0" dirty="0">
+                        <a:solidFill>
+                          <a:schemeClr val="tx1"/>
+                        </a:solidFill>
+                        <a:latin typeface="Times New Roman" panose="02020603050405020304" pitchFamily="18" charset="0"/>
+                        <a:cs typeface="Times New Roman" panose="02020603050405020304" pitchFamily="18" charset="0"/>
+                      </a:endParaRPr>
+                    </a:p>
+                  </a:txBody>
+                  <a:tcPr anchor="ctr">
+                    <a:lnL w="12700" cap="flat" cmpd="sng" algn="ctr">
+                      <a:solidFill>
+                        <a:schemeClr val="tx1"/>
+                      </a:solidFill>
+                      <a:prstDash val="solid"/>
+                      <a:round/>
+                      <a:headEnd type="none" w="med" len="med"/>
+                      <a:tailEnd type="none" w="med" len="med"/>
+                    </a:lnL>
+                    <a:lnR w="12700" cap="flat" cmpd="sng" algn="ctr">
+                      <a:solidFill>
+                        <a:schemeClr val="tx1"/>
+                      </a:solidFill>
+                      <a:prstDash val="solid"/>
+                      <a:round/>
+                      <a:headEnd type="none" w="med" len="med"/>
+                      <a:tailEnd type="none" w="med" len="med"/>
+                    </a:lnR>
+                    <a:lnT w="12700" cap="flat" cmpd="sng" algn="ctr">
+                      <a:solidFill>
+                        <a:schemeClr val="tx1"/>
+                      </a:solidFill>
+                      <a:prstDash val="solid"/>
+                      <a:round/>
+                      <a:headEnd type="none" w="med" len="med"/>
+                      <a:tailEnd type="none" w="med" len="med"/>
+                    </a:lnT>
+                    <a:lnB w="12700" cap="flat" cmpd="sng" algn="ctr">
+                      <a:solidFill>
+                        <a:schemeClr val="tx1"/>
+                      </a:solidFill>
+                      <a:prstDash val="solid"/>
+                      <a:round/>
+                      <a:headEnd type="none" w="med" len="med"/>
+                      <a:tailEnd type="none" w="med" len="med"/>
+                    </a:lnB>
+                    <a:lnTlToBr w="12700" cmpd="sng">
+                      <a:noFill/>
+                      <a:prstDash val="solid"/>
+                    </a:lnTlToBr>
+                    <a:lnBlToTr w="12700" cmpd="sng">
+                      <a:noFill/>
+                      <a:prstDash val="solid"/>
+                    </a:lnBlToTr>
+                    <a:solidFill>
+                      <a:schemeClr val="bg1"/>
+                    </a:solidFill>
+                  </a:tcPr>
+                </a:tc>
+                <a:extLst>
+                  <a:ext uri="{0D108BD9-81ED-4DB2-BD59-A6C34878D82A}">
+                    <a16:rowId xmlns:a16="http://schemas.microsoft.com/office/drawing/2014/main" val="4226584499"/>
+                  </a:ext>
+                </a:extLst>
+              </a:tr>
+            </a:tbl>
+          </a:graphicData>
+        </a:graphic>
+      </p:graphicFrame>
+      <p:graphicFrame>
+        <p:nvGraphicFramePr>
+          <p:cNvPr id="7" name="表格 6"/>
+          <p:cNvGraphicFramePr>
+            <a:graphicFrameLocks noGrp="1"/>
+          </p:cNvGraphicFramePr>
+          <p:nvPr>
+            <p:extLst>
+              <p:ext uri="{D42A27DB-BD31-4B8C-83A1-F6EECF244321}">
+                <p14:modId xmlns:p14="http://schemas.microsoft.com/office/powerpoint/2010/main" val="3479370848"/>
+              </p:ext>
+            </p:extLst>
+          </p:nvPr>
+        </p:nvGraphicFramePr>
+        <p:xfrm>
+          <a:off x="3715385" y="2681182"/>
+          <a:ext cx="2542542" cy="462068"/>
+        </p:xfrm>
+        <a:graphic>
+          <a:graphicData uri="http://schemas.openxmlformats.org/drawingml/2006/table">
+            <a:tbl>
+              <a:tblPr firstRow="1" bandRow="1">
+                <a:tableStyleId>{5C22544A-7EE6-4342-B048-85BDC9FD1C3A}</a:tableStyleId>
+              </a:tblPr>
+              <a:tblGrid>
+                <a:gridCol w="423757">
+                  <a:extLst>
+                    <a:ext uri="{9D8B030D-6E8A-4147-A177-3AD203B41FA5}">
+                      <a16:colId xmlns:a16="http://schemas.microsoft.com/office/drawing/2014/main" val="1492936081"/>
+                    </a:ext>
+                  </a:extLst>
+                </a:gridCol>
+                <a:gridCol w="423757">
+                  <a:extLst>
+                    <a:ext uri="{9D8B030D-6E8A-4147-A177-3AD203B41FA5}">
+                      <a16:colId xmlns:a16="http://schemas.microsoft.com/office/drawing/2014/main" val="2328466560"/>
+                    </a:ext>
+                  </a:extLst>
+                </a:gridCol>
+                <a:gridCol w="423757">
+                  <a:extLst>
+                    <a:ext uri="{9D8B030D-6E8A-4147-A177-3AD203B41FA5}">
+                      <a16:colId xmlns:a16="http://schemas.microsoft.com/office/drawing/2014/main" val="605851618"/>
+                    </a:ext>
+                  </a:extLst>
+                </a:gridCol>
+                <a:gridCol w="423757">
+                  <a:extLst>
+                    <a:ext uri="{9D8B030D-6E8A-4147-A177-3AD203B41FA5}">
+                      <a16:colId xmlns:a16="http://schemas.microsoft.com/office/drawing/2014/main" val="1632471791"/>
+                    </a:ext>
+                  </a:extLst>
+                </a:gridCol>
+                <a:gridCol w="423757">
+                  <a:extLst>
+                    <a:ext uri="{9D8B030D-6E8A-4147-A177-3AD203B41FA5}">
+                      <a16:colId xmlns:a16="http://schemas.microsoft.com/office/drawing/2014/main" val="3465053422"/>
+                    </a:ext>
+                  </a:extLst>
+                </a:gridCol>
+                <a:gridCol w="423757">
+                  <a:extLst>
+                    <a:ext uri="{9D8B030D-6E8A-4147-A177-3AD203B41FA5}">
+                      <a16:colId xmlns:a16="http://schemas.microsoft.com/office/drawing/2014/main" val="246274235"/>
+                    </a:ext>
+                  </a:extLst>
+                </a:gridCol>
+              </a:tblGrid>
+              <a:tr h="462068">
+                <a:tc>
+                  <a:txBody>
+                    <a:bodyPr/>
+                    <a:lstStyle/>
+                    <a:p>
+                      <a:pPr algn="ctr"/>
+                      <a:r>
+                        <a:rPr lang="en-US" altLang="zh-TW" sz="1600" b="0" dirty="0" smtClean="0">
+                          <a:solidFill>
+                            <a:schemeClr val="tx1"/>
+                          </a:solidFill>
+                          <a:latin typeface="Times New Roman" panose="02020603050405020304" pitchFamily="18" charset="0"/>
+                          <a:cs typeface="Times New Roman" panose="02020603050405020304" pitchFamily="18" charset="0"/>
+                        </a:rPr>
+                        <a:t>0</a:t>
+                      </a:r>
+                      <a:endParaRPr lang="zh-TW" altLang="en-US" sz="1600" b="0" dirty="0">
+                        <a:solidFill>
+                          <a:schemeClr val="tx1"/>
+                        </a:solidFill>
+                        <a:latin typeface="Times New Roman" panose="02020603050405020304" pitchFamily="18" charset="0"/>
+                        <a:cs typeface="Times New Roman" panose="02020603050405020304" pitchFamily="18" charset="0"/>
+                      </a:endParaRPr>
+                    </a:p>
+                  </a:txBody>
+                  <a:tcPr anchor="ctr">
+                    <a:lnL w="12700" cap="flat" cmpd="sng" algn="ctr">
+                      <a:solidFill>
+                        <a:schemeClr val="tx1"/>
+                      </a:solidFill>
+                      <a:prstDash val="solid"/>
+                      <a:round/>
+                      <a:headEnd type="none" w="med" len="med"/>
+                      <a:tailEnd type="none" w="med" len="med"/>
+                    </a:lnL>
+                    <a:lnR w="12700" cap="flat" cmpd="sng" algn="ctr">
+                      <a:solidFill>
+                        <a:schemeClr val="tx1"/>
+                      </a:solidFill>
+                      <a:prstDash val="solid"/>
+                      <a:round/>
+                      <a:headEnd type="none" w="med" len="med"/>
+                      <a:tailEnd type="none" w="med" len="med"/>
+                    </a:lnR>
+                    <a:lnT w="12700" cap="flat" cmpd="sng" algn="ctr">
+                      <a:solidFill>
+                        <a:schemeClr val="tx1"/>
+                      </a:solidFill>
+                      <a:prstDash val="solid"/>
+                      <a:round/>
+                      <a:headEnd type="none" w="med" len="med"/>
+                      <a:tailEnd type="none" w="med" len="med"/>
+                    </a:lnT>
+                    <a:lnB w="12700" cap="flat" cmpd="sng" algn="ctr">
+                      <a:solidFill>
+                        <a:schemeClr val="tx1"/>
+                      </a:solidFill>
+                      <a:prstDash val="solid"/>
+                      <a:round/>
+                      <a:headEnd type="none" w="med" len="med"/>
+                      <a:tailEnd type="none" w="med" len="med"/>
+                    </a:lnB>
+                    <a:lnTlToBr w="12700" cmpd="sng">
+                      <a:noFill/>
+                      <a:prstDash val="solid"/>
+                    </a:lnTlToBr>
+                    <a:lnBlToTr w="12700" cmpd="sng">
+                      <a:noFill/>
+                      <a:prstDash val="solid"/>
+                    </a:lnBlToTr>
+                    <a:solidFill>
+                      <a:schemeClr val="bg1"/>
+                    </a:solidFill>
+                  </a:tcPr>
+                </a:tc>
+                <a:tc>
+                  <a:txBody>
+                    <a:bodyPr/>
+                    <a:lstStyle/>
+                    <a:p>
+                      <a:pPr algn="ctr"/>
+                      <a:r>
+                        <a:rPr lang="en-US" altLang="zh-TW" sz="1600" b="0" dirty="0" smtClean="0">
+                          <a:solidFill>
+                            <a:schemeClr val="tx1"/>
+                          </a:solidFill>
+                          <a:latin typeface="Times New Roman" panose="02020603050405020304" pitchFamily="18" charset="0"/>
+                          <a:cs typeface="Times New Roman" panose="02020603050405020304" pitchFamily="18" charset="0"/>
+                        </a:rPr>
+                        <a:t>0</a:t>
+                      </a:r>
+                      <a:endParaRPr lang="zh-TW" altLang="en-US" sz="1600" b="0" dirty="0">
+                        <a:solidFill>
+                          <a:schemeClr val="tx1"/>
+                        </a:solidFill>
+                        <a:latin typeface="Times New Roman" panose="02020603050405020304" pitchFamily="18" charset="0"/>
+                        <a:cs typeface="Times New Roman" panose="02020603050405020304" pitchFamily="18" charset="0"/>
+                      </a:endParaRPr>
+                    </a:p>
+                  </a:txBody>
+                  <a:tcPr anchor="ctr">
+                    <a:lnL w="12700" cap="flat" cmpd="sng" algn="ctr">
+                      <a:solidFill>
+                        <a:schemeClr val="tx1"/>
+                      </a:solidFill>
+                      <a:prstDash val="solid"/>
+                      <a:round/>
+                      <a:headEnd type="none" w="med" len="med"/>
+                      <a:tailEnd type="none" w="med" len="med"/>
+                    </a:lnL>
+                    <a:lnR w="12700" cap="flat" cmpd="sng" algn="ctr">
+                      <a:solidFill>
+                        <a:schemeClr val="tx1"/>
+                      </a:solidFill>
+                      <a:prstDash val="solid"/>
+                      <a:round/>
+                      <a:headEnd type="none" w="med" len="med"/>
+                      <a:tailEnd type="none" w="med" len="med"/>
+                    </a:lnR>
+                    <a:lnT w="12700" cap="flat" cmpd="sng" algn="ctr">
+                      <a:solidFill>
+                        <a:schemeClr val="tx1"/>
+                      </a:solidFill>
+                      <a:prstDash val="solid"/>
+                      <a:round/>
+                      <a:headEnd type="none" w="med" len="med"/>
+                      <a:tailEnd type="none" w="med" len="med"/>
+                    </a:lnT>
+                    <a:lnB w="12700" cap="flat" cmpd="sng" algn="ctr">
+                      <a:solidFill>
+                        <a:schemeClr val="tx1"/>
+                      </a:solidFill>
+                      <a:prstDash val="solid"/>
+                      <a:round/>
+                      <a:headEnd type="none" w="med" len="med"/>
+                      <a:tailEnd type="none" w="med" len="med"/>
+                    </a:lnB>
+                    <a:lnTlToBr w="12700" cmpd="sng">
+                      <a:noFill/>
+                      <a:prstDash val="solid"/>
+                    </a:lnTlToBr>
+                    <a:lnBlToTr w="12700" cmpd="sng">
+                      <a:noFill/>
+                      <a:prstDash val="solid"/>
+                    </a:lnBlToTr>
+                    <a:solidFill>
+                      <a:schemeClr val="bg1"/>
+                    </a:solidFill>
+                  </a:tcPr>
+                </a:tc>
+                <a:tc>
+                  <a:txBody>
+                    <a:bodyPr/>
+                    <a:lstStyle/>
+                    <a:p>
+                      <a:pPr algn="ctr"/>
+                      <a:r>
+                        <a:rPr lang="en-US" altLang="zh-TW" sz="1600" b="0" dirty="0" smtClean="0">
+                          <a:solidFill>
+                            <a:schemeClr val="tx1"/>
+                          </a:solidFill>
+                          <a:latin typeface="Times New Roman" panose="02020603050405020304" pitchFamily="18" charset="0"/>
+                          <a:cs typeface="Times New Roman" panose="02020603050405020304" pitchFamily="18" charset="0"/>
+                        </a:rPr>
+                        <a:t>0</a:t>
+                      </a:r>
+                      <a:endParaRPr lang="zh-TW" altLang="en-US" sz="1600" b="0" dirty="0">
+                        <a:solidFill>
+                          <a:schemeClr val="tx1"/>
+                        </a:solidFill>
+                        <a:latin typeface="Times New Roman" panose="02020603050405020304" pitchFamily="18" charset="0"/>
+                        <a:cs typeface="Times New Roman" panose="02020603050405020304" pitchFamily="18" charset="0"/>
+                      </a:endParaRPr>
+                    </a:p>
+                  </a:txBody>
+                  <a:tcPr anchor="ctr">
+                    <a:lnL w="12700" cap="flat" cmpd="sng" algn="ctr">
+                      <a:solidFill>
+                        <a:schemeClr val="tx1"/>
+                      </a:solidFill>
+                      <a:prstDash val="solid"/>
+                      <a:round/>
+                      <a:headEnd type="none" w="med" len="med"/>
+                      <a:tailEnd type="none" w="med" len="med"/>
+                    </a:lnL>
+                    <a:lnR w="12700" cap="flat" cmpd="sng" algn="ctr">
+                      <a:solidFill>
+                        <a:schemeClr val="tx1"/>
+                      </a:solidFill>
+                      <a:prstDash val="solid"/>
+                      <a:round/>
+                      <a:headEnd type="none" w="med" len="med"/>
+                      <a:tailEnd type="none" w="med" len="med"/>
+                    </a:lnR>
+                    <a:lnT w="12700" cap="flat" cmpd="sng" algn="ctr">
+                      <a:solidFill>
+                        <a:schemeClr val="tx1"/>
+                      </a:solidFill>
+                      <a:prstDash val="solid"/>
+                      <a:round/>
+                      <a:headEnd type="none" w="med" len="med"/>
+                      <a:tailEnd type="none" w="med" len="med"/>
+                    </a:lnT>
+                    <a:lnB w="12700" cap="flat" cmpd="sng" algn="ctr">
+                      <a:solidFill>
+                        <a:schemeClr val="tx1"/>
+                      </a:solidFill>
+                      <a:prstDash val="solid"/>
+                      <a:round/>
+                      <a:headEnd type="none" w="med" len="med"/>
+                      <a:tailEnd type="none" w="med" len="med"/>
+                    </a:lnB>
+                    <a:lnTlToBr w="12700" cmpd="sng">
+                      <a:noFill/>
+                      <a:prstDash val="solid"/>
+                    </a:lnTlToBr>
+                    <a:lnBlToTr w="12700" cmpd="sng">
+                      <a:noFill/>
+                      <a:prstDash val="solid"/>
+                    </a:lnBlToTr>
+                    <a:solidFill>
+                      <a:schemeClr val="bg1"/>
+                    </a:solidFill>
+                  </a:tcPr>
+                </a:tc>
+                <a:tc>
+                  <a:txBody>
+                    <a:bodyPr/>
+                    <a:lstStyle/>
+                    <a:p>
+                      <a:pPr algn="ctr"/>
+                      <a:r>
+                        <a:rPr lang="en-US" altLang="zh-TW" sz="1600" b="0" dirty="0" smtClean="0">
+                          <a:solidFill>
+                            <a:schemeClr val="tx1"/>
+                          </a:solidFill>
+                          <a:latin typeface="Times New Roman" panose="02020603050405020304" pitchFamily="18" charset="0"/>
+                          <a:cs typeface="Times New Roman" panose="02020603050405020304" pitchFamily="18" charset="0"/>
+                        </a:rPr>
+                        <a:t>1</a:t>
+                      </a:r>
+                      <a:endParaRPr lang="zh-TW" altLang="en-US" sz="1600" b="0" dirty="0">
+                        <a:solidFill>
+                          <a:schemeClr val="tx1"/>
+                        </a:solidFill>
+                        <a:latin typeface="Times New Roman" panose="02020603050405020304" pitchFamily="18" charset="0"/>
+                        <a:cs typeface="Times New Roman" panose="02020603050405020304" pitchFamily="18" charset="0"/>
+                      </a:endParaRPr>
+                    </a:p>
+                  </a:txBody>
+                  <a:tcPr anchor="ctr">
+                    <a:lnL w="12700" cap="flat" cmpd="sng" algn="ctr">
+                      <a:solidFill>
+                        <a:schemeClr val="tx1"/>
+                      </a:solidFill>
+                      <a:prstDash val="solid"/>
+                      <a:round/>
+                      <a:headEnd type="none" w="med" len="med"/>
+                      <a:tailEnd type="none" w="med" len="med"/>
+                    </a:lnL>
+                    <a:lnR w="12700" cap="flat" cmpd="sng" algn="ctr">
+                      <a:solidFill>
+                        <a:schemeClr val="tx1"/>
+                      </a:solidFill>
+                      <a:prstDash val="solid"/>
+                      <a:round/>
+                      <a:headEnd type="none" w="med" len="med"/>
+                      <a:tailEnd type="none" w="med" len="med"/>
+                    </a:lnR>
+                    <a:lnT w="12700" cap="flat" cmpd="sng" algn="ctr">
+                      <a:solidFill>
+                        <a:schemeClr val="tx1"/>
+                      </a:solidFill>
+                      <a:prstDash val="solid"/>
+                      <a:round/>
+                      <a:headEnd type="none" w="med" len="med"/>
+                      <a:tailEnd type="none" w="med" len="med"/>
+                    </a:lnT>
+                    <a:lnB w="12700" cap="flat" cmpd="sng" algn="ctr">
+                      <a:solidFill>
+                        <a:schemeClr val="tx1"/>
+                      </a:solidFill>
+                      <a:prstDash val="solid"/>
+                      <a:round/>
+                      <a:headEnd type="none" w="med" len="med"/>
+                      <a:tailEnd type="none" w="med" len="med"/>
+                    </a:lnB>
+                    <a:lnTlToBr w="12700" cmpd="sng">
+                      <a:noFill/>
+                      <a:prstDash val="solid"/>
+                    </a:lnTlToBr>
+                    <a:lnBlToTr w="12700" cmpd="sng">
+                      <a:noFill/>
+                      <a:prstDash val="solid"/>
+                    </a:lnBlToTr>
+                    <a:solidFill>
+                      <a:schemeClr val="bg1"/>
+                    </a:solidFill>
+                  </a:tcPr>
+                </a:tc>
+                <a:tc>
+                  <a:txBody>
+                    <a:bodyPr/>
+                    <a:lstStyle/>
+                    <a:p>
+                      <a:pPr algn="ctr"/>
+                      <a:r>
+                        <a:rPr lang="en-US" altLang="zh-TW" sz="1600" b="0" dirty="0" smtClean="0">
+                          <a:solidFill>
+                            <a:schemeClr val="tx1"/>
+                          </a:solidFill>
+                          <a:latin typeface="Times New Roman" panose="02020603050405020304" pitchFamily="18" charset="0"/>
+                          <a:cs typeface="Times New Roman" panose="02020603050405020304" pitchFamily="18" charset="0"/>
+                        </a:rPr>
+                        <a:t>0</a:t>
+                      </a:r>
+                      <a:endParaRPr lang="zh-TW" altLang="en-US" sz="1600" b="0" dirty="0">
+                        <a:solidFill>
+                          <a:schemeClr val="tx1"/>
+                        </a:solidFill>
+                        <a:latin typeface="Times New Roman" panose="02020603050405020304" pitchFamily="18" charset="0"/>
+                        <a:cs typeface="Times New Roman" panose="02020603050405020304" pitchFamily="18" charset="0"/>
+                      </a:endParaRPr>
+                    </a:p>
+                  </a:txBody>
+                  <a:tcPr anchor="ctr">
+                    <a:lnL w="12700" cap="flat" cmpd="sng" algn="ctr">
+                      <a:solidFill>
+                        <a:schemeClr val="tx1"/>
+                      </a:solidFill>
+                      <a:prstDash val="solid"/>
+                      <a:round/>
+                      <a:headEnd type="none" w="med" len="med"/>
+                      <a:tailEnd type="none" w="med" len="med"/>
+                    </a:lnL>
+                    <a:lnR w="12700" cap="flat" cmpd="sng" algn="ctr">
+                      <a:solidFill>
+                        <a:schemeClr val="tx1"/>
+                      </a:solidFill>
+                      <a:prstDash val="solid"/>
+                      <a:round/>
+                      <a:headEnd type="none" w="med" len="med"/>
+                      <a:tailEnd type="none" w="med" len="med"/>
+                    </a:lnR>
+                    <a:lnT w="12700" cap="flat" cmpd="sng" algn="ctr">
+                      <a:solidFill>
+                        <a:schemeClr val="tx1"/>
+                      </a:solidFill>
+                      <a:prstDash val="solid"/>
+                      <a:round/>
+                      <a:headEnd type="none" w="med" len="med"/>
+                      <a:tailEnd type="none" w="med" len="med"/>
+                    </a:lnT>
+                    <a:lnB w="12700" cap="flat" cmpd="sng" algn="ctr">
+                      <a:solidFill>
+                        <a:schemeClr val="tx1"/>
+                      </a:solidFill>
+                      <a:prstDash val="solid"/>
+                      <a:round/>
+                      <a:headEnd type="none" w="med" len="med"/>
+                      <a:tailEnd type="none" w="med" len="med"/>
+                    </a:lnB>
+                    <a:lnTlToBr w="12700" cmpd="sng">
+                      <a:noFill/>
+                      <a:prstDash val="solid"/>
+                    </a:lnTlToBr>
+                    <a:lnBlToTr w="12700" cmpd="sng">
+                      <a:noFill/>
+                      <a:prstDash val="solid"/>
+                    </a:lnBlToTr>
+                    <a:solidFill>
+                      <a:schemeClr val="bg1"/>
+                    </a:solidFill>
+                  </a:tcPr>
+                </a:tc>
+                <a:tc>
+                  <a:txBody>
+                    <a:bodyPr/>
+                    <a:lstStyle/>
+                    <a:p>
+                      <a:pPr algn="ctr"/>
+                      <a:r>
+                        <a:rPr lang="en-US" altLang="zh-TW" sz="1600" b="0" dirty="0" smtClean="0">
+                          <a:solidFill>
+                            <a:schemeClr val="tx1"/>
+                          </a:solidFill>
+                          <a:latin typeface="Times New Roman" panose="02020603050405020304" pitchFamily="18" charset="0"/>
+                          <a:cs typeface="Times New Roman" panose="02020603050405020304" pitchFamily="18" charset="0"/>
+                        </a:rPr>
+                        <a:t>0</a:t>
+                      </a:r>
+                      <a:endParaRPr lang="zh-TW" altLang="en-US" sz="1600" b="0" dirty="0">
+                        <a:solidFill>
+                          <a:schemeClr val="tx1"/>
+                        </a:solidFill>
+                        <a:latin typeface="Times New Roman" panose="02020603050405020304" pitchFamily="18" charset="0"/>
+                        <a:cs typeface="Times New Roman" panose="02020603050405020304" pitchFamily="18" charset="0"/>
+                      </a:endParaRPr>
+                    </a:p>
+                  </a:txBody>
+                  <a:tcPr anchor="ctr">
+                    <a:lnL w="12700" cap="flat" cmpd="sng" algn="ctr">
+                      <a:solidFill>
+                        <a:schemeClr val="tx1"/>
+                      </a:solidFill>
+                      <a:prstDash val="solid"/>
+                      <a:round/>
+                      <a:headEnd type="none" w="med" len="med"/>
+                      <a:tailEnd type="none" w="med" len="med"/>
+                    </a:lnL>
+                    <a:lnR w="12700" cap="flat" cmpd="sng" algn="ctr">
+                      <a:solidFill>
+                        <a:schemeClr val="tx1"/>
+                      </a:solidFill>
+                      <a:prstDash val="solid"/>
+                      <a:round/>
+                      <a:headEnd type="none" w="med" len="med"/>
+                      <a:tailEnd type="none" w="med" len="med"/>
+                    </a:lnR>
+                    <a:lnT w="12700" cap="flat" cmpd="sng" algn="ctr">
+                      <a:solidFill>
+                        <a:schemeClr val="tx1"/>
+                      </a:solidFill>
+                      <a:prstDash val="solid"/>
+                      <a:round/>
+                      <a:headEnd type="none" w="med" len="med"/>
+                      <a:tailEnd type="none" w="med" len="med"/>
+                    </a:lnT>
+                    <a:lnB w="12700" cap="flat" cmpd="sng" algn="ctr">
+                      <a:solidFill>
+                        <a:schemeClr val="tx1"/>
+                      </a:solidFill>
+                      <a:prstDash val="solid"/>
+                      <a:round/>
+                      <a:headEnd type="none" w="med" len="med"/>
+                      <a:tailEnd type="none" w="med" len="med"/>
+                    </a:lnB>
+                    <a:lnTlToBr w="12700" cmpd="sng">
+                      <a:noFill/>
+                      <a:prstDash val="solid"/>
+                    </a:lnTlToBr>
+                    <a:lnBlToTr w="12700" cmpd="sng">
+                      <a:noFill/>
+                      <a:prstDash val="solid"/>
+                    </a:lnBlToTr>
+                    <a:solidFill>
+                      <a:schemeClr val="bg1"/>
+                    </a:solidFill>
+                  </a:tcPr>
+                </a:tc>
+                <a:extLst>
+                  <a:ext uri="{0D108BD9-81ED-4DB2-BD59-A6C34878D82A}">
+                    <a16:rowId xmlns:a16="http://schemas.microsoft.com/office/drawing/2014/main" val="4226584499"/>
+                  </a:ext>
+                </a:extLst>
+              </a:tr>
+            </a:tbl>
+          </a:graphicData>
+        </a:graphic>
+      </p:graphicFrame>
+      <p:sp>
+        <p:nvSpPr>
+          <p:cNvPr id="8" name="矩形 7"/>
+          <p:cNvSpPr/>
+          <p:nvPr/>
+        </p:nvSpPr>
+        <p:spPr>
+          <a:xfrm>
+            <a:off x="3622876" y="694481"/>
+            <a:ext cx="2766350" cy="2627453"/>
+          </a:xfrm>
+          <a:prstGeom prst="rect">
+            <a:avLst/>
+          </a:prstGeom>
+          <a:noFill/>
+          <a:ln w="25400">
+            <a:solidFill>
+              <a:srgbClr val="7030A0"/>
+            </a:solidFill>
+          </a:ln>
+        </p:spPr>
+        <p:style>
+          <a:lnRef idx="2">
+            <a:schemeClr val="accent1">
+              <a:shade val="50000"/>
+            </a:schemeClr>
+          </a:lnRef>
+          <a:fillRef idx="1">
+            <a:schemeClr val="accent1"/>
+          </a:fillRef>
+          <a:effectRef idx="0">
+            <a:schemeClr val="accent1"/>
+          </a:effectRef>
+          <a:fontRef idx="minor">
+            <a:schemeClr val="lt1"/>
+          </a:fontRef>
+        </p:style>
+        <p:txBody>
+          <a:bodyPr rtlCol="0" anchor="ctr"/>
+          <a:lstStyle/>
+          <a:p>
+            <a:pPr algn="ctr"/>
+            <a:endParaRPr lang="zh-TW" altLang="en-US"/>
+          </a:p>
+        </p:txBody>
+      </p:sp>
+      <p:sp>
+        <p:nvSpPr>
+          <p:cNvPr id="9" name="矩形 8"/>
+          <p:cNvSpPr/>
+          <p:nvPr/>
+        </p:nvSpPr>
+        <p:spPr>
+          <a:xfrm>
+            <a:off x="6389226" y="3062759"/>
+            <a:ext cx="1295932" cy="369332"/>
+          </a:xfrm>
+          <a:prstGeom prst="rect">
+            <a:avLst/>
+          </a:prstGeom>
+          <a:noFill/>
+        </p:spPr>
+        <p:txBody>
+          <a:bodyPr wrap="none" lIns="91440" tIns="45720" rIns="91440" bIns="45720">
+            <a:spAutoFit/>
+          </a:bodyPr>
+          <a:lstStyle/>
+          <a:p>
+            <a:pPr algn="ctr"/>
+            <a:r>
+              <a:rPr lang="en-US" altLang="zh-TW" b="1" cap="none" spc="0" dirty="0" smtClean="0">
+                <a:ln w="0"/>
+                <a:solidFill>
+                  <a:srgbClr val="7030A0"/>
+                </a:solidFill>
+                <a:latin typeface="微軟正黑體 Light" panose="020B0304030504040204" pitchFamily="34" charset="-120"/>
+                <a:ea typeface="微軟正黑體 Light" panose="020B0304030504040204" pitchFamily="34" charset="-120"/>
+              </a:rPr>
+              <a:t>Population</a:t>
+            </a:r>
+            <a:endParaRPr lang="zh-TW" altLang="en-US" b="1" cap="none" spc="0" dirty="0">
+              <a:ln w="0"/>
+              <a:solidFill>
+                <a:srgbClr val="7030A0"/>
+              </a:solidFill>
+              <a:latin typeface="微軟正黑體 Light" panose="020B0304030504040204" pitchFamily="34" charset="-120"/>
+              <a:ea typeface="微軟正黑體 Light" panose="020B0304030504040204" pitchFamily="34" charset="-120"/>
+            </a:endParaRPr>
+          </a:p>
+        </p:txBody>
+      </p:sp>
+      <p:cxnSp>
+        <p:nvCxnSpPr>
+          <p:cNvPr id="11" name="肘形接點 10"/>
+          <p:cNvCxnSpPr/>
+          <p:nvPr/>
+        </p:nvCxnSpPr>
+        <p:spPr>
+          <a:xfrm>
+            <a:off x="6257927" y="1126651"/>
+            <a:ext cx="721607" cy="756000"/>
+          </a:xfrm>
+          <a:prstGeom prst="bentConnector3">
+            <a:avLst/>
+          </a:prstGeom>
+          <a:ln>
+            <a:solidFill>
+              <a:schemeClr val="accent5"/>
+            </a:solidFill>
+            <a:tailEnd type="triangle"/>
+          </a:ln>
+        </p:spPr>
+        <p:style>
+          <a:lnRef idx="1">
+            <a:schemeClr val="accent1"/>
+          </a:lnRef>
+          <a:fillRef idx="0">
+            <a:schemeClr val="accent1"/>
+          </a:fillRef>
+          <a:effectRef idx="0">
+            <a:schemeClr val="accent1"/>
+          </a:effectRef>
+          <a:fontRef idx="minor">
+            <a:schemeClr val="tx1"/>
+          </a:fontRef>
+        </p:style>
+      </p:cxnSp>
+      <p:cxnSp>
+        <p:nvCxnSpPr>
+          <p:cNvPr id="13" name="肘形接點 12"/>
+          <p:cNvCxnSpPr/>
+          <p:nvPr/>
+        </p:nvCxnSpPr>
+        <p:spPr>
+          <a:xfrm>
+            <a:off x="6257926" y="1718537"/>
+            <a:ext cx="721608" cy="160736"/>
+          </a:xfrm>
+          <a:prstGeom prst="bentConnector3">
+            <a:avLst/>
+          </a:prstGeom>
+          <a:ln>
+            <a:solidFill>
+              <a:schemeClr val="accent5"/>
+            </a:solidFill>
+            <a:tailEnd type="triangle"/>
+          </a:ln>
+        </p:spPr>
+        <p:style>
+          <a:lnRef idx="1">
+            <a:schemeClr val="accent1"/>
+          </a:lnRef>
+          <a:fillRef idx="0">
+            <a:schemeClr val="accent1"/>
+          </a:fillRef>
+          <a:effectRef idx="0">
+            <a:schemeClr val="accent1"/>
+          </a:effectRef>
+          <a:fontRef idx="minor">
+            <a:schemeClr val="tx1"/>
+          </a:fontRef>
+        </p:style>
+      </p:cxnSp>
+      <p:cxnSp>
+        <p:nvCxnSpPr>
+          <p:cNvPr id="15" name="肘形接點 14"/>
+          <p:cNvCxnSpPr/>
+          <p:nvPr/>
+        </p:nvCxnSpPr>
+        <p:spPr>
+          <a:xfrm flipV="1">
+            <a:off x="6257927" y="1879009"/>
+            <a:ext cx="721607" cy="429417"/>
+          </a:xfrm>
+          <a:prstGeom prst="bentConnector3">
+            <a:avLst/>
+          </a:prstGeom>
+          <a:ln>
+            <a:solidFill>
+              <a:schemeClr val="accent5"/>
+            </a:solidFill>
+            <a:tailEnd type="triangle"/>
+          </a:ln>
+        </p:spPr>
+        <p:style>
+          <a:lnRef idx="1">
+            <a:schemeClr val="accent1"/>
+          </a:lnRef>
+          <a:fillRef idx="0">
+            <a:schemeClr val="accent1"/>
+          </a:fillRef>
+          <a:effectRef idx="0">
+            <a:schemeClr val="accent1"/>
+          </a:effectRef>
+          <a:fontRef idx="minor">
+            <a:schemeClr val="tx1"/>
+          </a:fontRef>
+        </p:style>
+      </p:cxnSp>
+      <p:cxnSp>
+        <p:nvCxnSpPr>
+          <p:cNvPr id="17" name="肘形接點 16"/>
+          <p:cNvCxnSpPr/>
+          <p:nvPr/>
+        </p:nvCxnSpPr>
+        <p:spPr>
+          <a:xfrm flipV="1">
+            <a:off x="6257927" y="1872556"/>
+            <a:ext cx="721607" cy="1044000"/>
+          </a:xfrm>
+          <a:prstGeom prst="bentConnector3">
+            <a:avLst/>
+          </a:prstGeom>
+          <a:ln>
+            <a:solidFill>
+              <a:schemeClr val="accent5"/>
+            </a:solidFill>
+            <a:tailEnd type="triangle"/>
+          </a:ln>
+        </p:spPr>
+        <p:style>
+          <a:lnRef idx="1">
+            <a:schemeClr val="accent1"/>
+          </a:lnRef>
+          <a:fillRef idx="0">
+            <a:schemeClr val="accent1"/>
+          </a:fillRef>
+          <a:effectRef idx="0">
+            <a:schemeClr val="accent1"/>
+          </a:effectRef>
+          <a:fontRef idx="minor">
+            <a:schemeClr val="tx1"/>
+          </a:fontRef>
+        </p:style>
+      </p:cxnSp>
+      <p:sp>
+        <p:nvSpPr>
+          <p:cNvPr id="19" name="矩形 18"/>
+          <p:cNvSpPr/>
+          <p:nvPr/>
+        </p:nvSpPr>
+        <p:spPr>
+          <a:xfrm>
+            <a:off x="6936595" y="1694343"/>
+            <a:ext cx="1612877" cy="369332"/>
+          </a:xfrm>
+          <a:prstGeom prst="rect">
+            <a:avLst/>
+          </a:prstGeom>
+          <a:noFill/>
+        </p:spPr>
+        <p:txBody>
+          <a:bodyPr wrap="none" lIns="91440" tIns="45720" rIns="91440" bIns="45720">
+            <a:spAutoFit/>
+          </a:bodyPr>
+          <a:lstStyle/>
+          <a:p>
+            <a:pPr algn="ctr"/>
+            <a:r>
+              <a:rPr lang="en-US" altLang="zh-TW" b="1" dirty="0" smtClean="0">
+                <a:ln w="0"/>
+                <a:solidFill>
+                  <a:schemeClr val="accent5"/>
+                </a:solidFill>
+                <a:latin typeface="微軟正黑體 Light" panose="020B0304030504040204" pitchFamily="34" charset="-120"/>
+                <a:ea typeface="微軟正黑體 Light" panose="020B0304030504040204" pitchFamily="34" charset="-120"/>
+              </a:rPr>
+              <a:t>Chromosome</a:t>
+            </a:r>
+            <a:endParaRPr lang="zh-TW" altLang="en-US" b="1" cap="none" spc="0" dirty="0">
+              <a:ln w="0"/>
+              <a:solidFill>
+                <a:schemeClr val="accent5"/>
+              </a:solidFill>
+              <a:latin typeface="微軟正黑體 Light" panose="020B0304030504040204" pitchFamily="34" charset="-120"/>
+              <a:ea typeface="微軟正黑體 Light" panose="020B0304030504040204" pitchFamily="34" charset="-120"/>
+            </a:endParaRPr>
+          </a:p>
+        </p:txBody>
+      </p:sp>
+      <p:sp>
+        <p:nvSpPr>
+          <p:cNvPr id="21" name="矩形 20"/>
+          <p:cNvSpPr/>
+          <p:nvPr/>
+        </p:nvSpPr>
+        <p:spPr>
+          <a:xfrm>
+            <a:off x="3715385" y="880957"/>
+            <a:ext cx="428352" cy="462068"/>
+          </a:xfrm>
+          <a:prstGeom prst="rect">
+            <a:avLst/>
+          </a:prstGeom>
+          <a:noFill/>
+          <a:ln w="19050">
+            <a:solidFill>
+              <a:srgbClr val="FF0000"/>
+            </a:solidFill>
+          </a:ln>
+        </p:spPr>
+        <p:style>
+          <a:lnRef idx="2">
+            <a:schemeClr val="accent1">
+              <a:shade val="50000"/>
+            </a:schemeClr>
+          </a:lnRef>
+          <a:fillRef idx="1">
+            <a:schemeClr val="accent1"/>
+          </a:fillRef>
+          <a:effectRef idx="0">
+            <a:schemeClr val="accent1"/>
+          </a:effectRef>
+          <a:fontRef idx="minor">
+            <a:schemeClr val="lt1"/>
+          </a:fontRef>
+        </p:style>
+        <p:txBody>
+          <a:bodyPr rtlCol="0" anchor="ctr"/>
+          <a:lstStyle/>
+          <a:p>
+            <a:pPr algn="ctr"/>
+            <a:endParaRPr lang="zh-TW" altLang="en-US"/>
+          </a:p>
+        </p:txBody>
+      </p:sp>
+      <p:sp>
+        <p:nvSpPr>
+          <p:cNvPr id="22" name="矩形 21"/>
+          <p:cNvSpPr/>
+          <p:nvPr/>
+        </p:nvSpPr>
+        <p:spPr>
+          <a:xfrm>
+            <a:off x="2832781" y="973693"/>
+            <a:ext cx="739305" cy="369332"/>
+          </a:xfrm>
+          <a:prstGeom prst="rect">
+            <a:avLst/>
+          </a:prstGeom>
+          <a:noFill/>
+        </p:spPr>
+        <p:txBody>
+          <a:bodyPr wrap="none" lIns="91440" tIns="45720" rIns="91440" bIns="45720">
+            <a:spAutoFit/>
+          </a:bodyPr>
+          <a:lstStyle/>
+          <a:p>
+            <a:pPr algn="ctr"/>
+            <a:r>
+              <a:rPr lang="en-US" altLang="zh-TW" b="1" cap="none" spc="0" dirty="0" smtClean="0">
+                <a:ln w="0"/>
+                <a:solidFill>
+                  <a:srgbClr val="FF0000"/>
+                </a:solidFill>
+                <a:latin typeface="微軟正黑體 Light" panose="020B0304030504040204" pitchFamily="34" charset="-120"/>
+                <a:ea typeface="微軟正黑體 Light" panose="020B0304030504040204" pitchFamily="34" charset="-120"/>
+              </a:rPr>
+              <a:t>Gene</a:t>
+            </a:r>
+            <a:endParaRPr lang="zh-TW" altLang="en-US" b="1" cap="none" spc="0" dirty="0">
+              <a:ln w="0"/>
+              <a:solidFill>
+                <a:srgbClr val="FF0000"/>
+              </a:solidFill>
+              <a:latin typeface="微軟正黑體 Light" panose="020B0304030504040204" pitchFamily="34" charset="-120"/>
+              <a:ea typeface="微軟正黑體 Light" panose="020B0304030504040204" pitchFamily="34" charset="-120"/>
+            </a:endParaRPr>
+          </a:p>
+        </p:txBody>
+      </p:sp>
+    </p:spTree>
+    <p:extLst>
+      <p:ext uri="{BB962C8B-B14F-4D97-AF65-F5344CB8AC3E}">
+        <p14:creationId xmlns:p14="http://schemas.microsoft.com/office/powerpoint/2010/main" val="1613162648"/>
+      </p:ext>
+    </p:extLst>
+  </p:cSld>
+  <p:clrMapOvr>
+    <a:masterClrMapping/>
+  </p:clrMapOvr>
+</p:sld>
+</file>
+
+<file path=ppt/slides/slide3.xml><?xml version="1.0" encoding="utf-8"?>
 <p:sld xmlns:a="http://schemas.openxmlformats.org/drawingml/2006/main" xmlns:r="http://schemas.openxmlformats.org/officeDocument/2006/relationships" xmlns:p="http://schemas.openxmlformats.org/presentationml/2006/main">
   <p:cSld>
     <p:spTree>
@@ -7410,7 +9967,7 @@
 </p:sld>
 </file>
 
-<file path=ppt/slides/slide3.xml><?xml version="1.0" encoding="utf-8"?>
+<file path=ppt/slides/slide4.xml><?xml version="1.0" encoding="utf-8"?>
 <p:sld xmlns:a="http://schemas.openxmlformats.org/drawingml/2006/main" xmlns:r="http://schemas.openxmlformats.org/officeDocument/2006/relationships" xmlns:p="http://schemas.openxmlformats.org/presentationml/2006/main">
   <p:cSld>
     <p:spTree>

--- a/Genetic/assignment/Presentation.pptx
+++ b/Genetic/assignment/Presentation.pptx
@@ -9,6 +9,9 @@
     <p:sldId id="259" r:id="rId3"/>
     <p:sldId id="257" r:id="rId4"/>
     <p:sldId id="258" r:id="rId5"/>
+    <p:sldId id="260" r:id="rId6"/>
+    <p:sldId id="261" r:id="rId7"/>
+    <p:sldId id="262" r:id="rId8"/>
   </p:sldIdLst>
   <p:sldSz cx="12192000" cy="6858000"/>
   <p:notesSz cx="6858000" cy="9144000"/>
@@ -15228,6 +15231,6316 @@
 </p:sld>
 </file>
 
+<file path=ppt/slides/slide5.xml><?xml version="1.0" encoding="utf-8"?>
+<p:sld xmlns:a="http://schemas.openxmlformats.org/drawingml/2006/main" xmlns:r="http://schemas.openxmlformats.org/officeDocument/2006/relationships" xmlns:p="http://schemas.openxmlformats.org/presentationml/2006/main">
+  <p:cSld>
+    <p:spTree>
+      <p:nvGrpSpPr>
+        <p:cNvPr id="1" name=""/>
+        <p:cNvGrpSpPr/>
+        <p:nvPr/>
+      </p:nvGrpSpPr>
+      <p:grpSpPr>
+        <a:xfrm>
+          <a:off x="0" y="0"/>
+          <a:ext cx="0" cy="0"/>
+          <a:chOff x="0" y="0"/>
+          <a:chExt cx="0" cy="0"/>
+        </a:xfrm>
+      </p:grpSpPr>
+      <p:graphicFrame>
+        <p:nvGraphicFramePr>
+          <p:cNvPr id="4" name="表格 3"/>
+          <p:cNvGraphicFramePr>
+            <a:graphicFrameLocks noGrp="1"/>
+          </p:cNvGraphicFramePr>
+          <p:nvPr>
+            <p:extLst>
+              <p:ext uri="{D42A27DB-BD31-4B8C-83A1-F6EECF244321}">
+                <p14:modId xmlns:p14="http://schemas.microsoft.com/office/powerpoint/2010/main" val="3216203864"/>
+              </p:ext>
+            </p:extLst>
+          </p:nvPr>
+        </p:nvGraphicFramePr>
+        <p:xfrm>
+          <a:off x="1649193" y="1865696"/>
+          <a:ext cx="2542542" cy="462068"/>
+        </p:xfrm>
+        <a:graphic>
+          <a:graphicData uri="http://schemas.openxmlformats.org/drawingml/2006/table">
+            <a:tbl>
+              <a:tblPr firstRow="1" bandRow="1">
+                <a:tableStyleId>{5C22544A-7EE6-4342-B048-85BDC9FD1C3A}</a:tableStyleId>
+              </a:tblPr>
+              <a:tblGrid>
+                <a:gridCol w="423757">
+                  <a:extLst>
+                    <a:ext uri="{9D8B030D-6E8A-4147-A177-3AD203B41FA5}">
+                      <a16:colId xmlns:a16="http://schemas.microsoft.com/office/drawing/2014/main" val="1492936081"/>
+                    </a:ext>
+                  </a:extLst>
+                </a:gridCol>
+                <a:gridCol w="423757">
+                  <a:extLst>
+                    <a:ext uri="{9D8B030D-6E8A-4147-A177-3AD203B41FA5}">
+                      <a16:colId xmlns:a16="http://schemas.microsoft.com/office/drawing/2014/main" val="2328466560"/>
+                    </a:ext>
+                  </a:extLst>
+                </a:gridCol>
+                <a:gridCol w="423757">
+                  <a:extLst>
+                    <a:ext uri="{9D8B030D-6E8A-4147-A177-3AD203B41FA5}">
+                      <a16:colId xmlns:a16="http://schemas.microsoft.com/office/drawing/2014/main" val="605851618"/>
+                    </a:ext>
+                  </a:extLst>
+                </a:gridCol>
+                <a:gridCol w="423757">
+                  <a:extLst>
+                    <a:ext uri="{9D8B030D-6E8A-4147-A177-3AD203B41FA5}">
+                      <a16:colId xmlns:a16="http://schemas.microsoft.com/office/drawing/2014/main" val="1632471791"/>
+                    </a:ext>
+                  </a:extLst>
+                </a:gridCol>
+                <a:gridCol w="423757">
+                  <a:extLst>
+                    <a:ext uri="{9D8B030D-6E8A-4147-A177-3AD203B41FA5}">
+                      <a16:colId xmlns:a16="http://schemas.microsoft.com/office/drawing/2014/main" val="3465053422"/>
+                    </a:ext>
+                  </a:extLst>
+                </a:gridCol>
+                <a:gridCol w="423757">
+                  <a:extLst>
+                    <a:ext uri="{9D8B030D-6E8A-4147-A177-3AD203B41FA5}">
+                      <a16:colId xmlns:a16="http://schemas.microsoft.com/office/drawing/2014/main" val="246274235"/>
+                    </a:ext>
+                  </a:extLst>
+                </a:gridCol>
+              </a:tblGrid>
+              <a:tr h="462068">
+                <a:tc>
+                  <a:txBody>
+                    <a:bodyPr/>
+                    <a:lstStyle/>
+                    <a:p>
+                      <a:pPr algn="ctr"/>
+                      <a:r>
+                        <a:rPr lang="en-US" altLang="zh-TW" sz="1600" b="0" dirty="0" smtClean="0">
+                          <a:solidFill>
+                            <a:schemeClr val="accent5"/>
+                          </a:solidFill>
+                          <a:latin typeface="Times New Roman" panose="02020603050405020304" pitchFamily="18" charset="0"/>
+                          <a:cs typeface="Times New Roman" panose="02020603050405020304" pitchFamily="18" charset="0"/>
+                        </a:rPr>
+                        <a:t>1</a:t>
+                      </a:r>
+                      <a:endParaRPr lang="zh-TW" altLang="en-US" sz="1600" b="0" dirty="0">
+                        <a:solidFill>
+                          <a:schemeClr val="accent5"/>
+                        </a:solidFill>
+                        <a:latin typeface="Times New Roman" panose="02020603050405020304" pitchFamily="18" charset="0"/>
+                        <a:cs typeface="Times New Roman" panose="02020603050405020304" pitchFamily="18" charset="0"/>
+                      </a:endParaRPr>
+                    </a:p>
+                  </a:txBody>
+                  <a:tcPr anchor="ctr">
+                    <a:lnL w="12700" cap="flat" cmpd="sng" algn="ctr">
+                      <a:solidFill>
+                        <a:schemeClr val="tx1"/>
+                      </a:solidFill>
+                      <a:prstDash val="solid"/>
+                      <a:round/>
+                      <a:headEnd type="none" w="med" len="med"/>
+                      <a:tailEnd type="none" w="med" len="med"/>
+                    </a:lnL>
+                    <a:lnR w="12700" cap="flat" cmpd="sng" algn="ctr">
+                      <a:solidFill>
+                        <a:schemeClr val="tx1"/>
+                      </a:solidFill>
+                      <a:prstDash val="solid"/>
+                      <a:round/>
+                      <a:headEnd type="none" w="med" len="med"/>
+                      <a:tailEnd type="none" w="med" len="med"/>
+                    </a:lnR>
+                    <a:lnT w="12700" cap="flat" cmpd="sng" algn="ctr">
+                      <a:solidFill>
+                        <a:schemeClr val="tx1"/>
+                      </a:solidFill>
+                      <a:prstDash val="solid"/>
+                      <a:round/>
+                      <a:headEnd type="none" w="med" len="med"/>
+                      <a:tailEnd type="none" w="med" len="med"/>
+                    </a:lnT>
+                    <a:lnB w="12700" cap="flat" cmpd="sng" algn="ctr">
+                      <a:solidFill>
+                        <a:schemeClr val="tx1"/>
+                      </a:solidFill>
+                      <a:prstDash val="solid"/>
+                      <a:round/>
+                      <a:headEnd type="none" w="med" len="med"/>
+                      <a:tailEnd type="none" w="med" len="med"/>
+                    </a:lnB>
+                    <a:lnTlToBr w="12700" cmpd="sng">
+                      <a:noFill/>
+                      <a:prstDash val="solid"/>
+                    </a:lnTlToBr>
+                    <a:lnBlToTr w="12700" cmpd="sng">
+                      <a:noFill/>
+                      <a:prstDash val="solid"/>
+                    </a:lnBlToTr>
+                    <a:solidFill>
+                      <a:schemeClr val="bg1"/>
+                    </a:solidFill>
+                  </a:tcPr>
+                </a:tc>
+                <a:tc>
+                  <a:txBody>
+                    <a:bodyPr/>
+                    <a:lstStyle/>
+                    <a:p>
+                      <a:pPr algn="ctr"/>
+                      <a:r>
+                        <a:rPr lang="en-US" altLang="zh-TW" sz="1600" b="0" dirty="0" smtClean="0">
+                          <a:solidFill>
+                            <a:schemeClr val="tx1"/>
+                          </a:solidFill>
+                          <a:latin typeface="Times New Roman" panose="02020603050405020304" pitchFamily="18" charset="0"/>
+                          <a:cs typeface="Times New Roman" panose="02020603050405020304" pitchFamily="18" charset="0"/>
+                        </a:rPr>
+                        <a:t>1</a:t>
+                      </a:r>
+                      <a:endParaRPr lang="zh-TW" altLang="en-US" sz="1600" b="0" dirty="0">
+                        <a:solidFill>
+                          <a:schemeClr val="tx1"/>
+                        </a:solidFill>
+                        <a:latin typeface="Times New Roman" panose="02020603050405020304" pitchFamily="18" charset="0"/>
+                        <a:cs typeface="Times New Roman" panose="02020603050405020304" pitchFamily="18" charset="0"/>
+                      </a:endParaRPr>
+                    </a:p>
+                  </a:txBody>
+                  <a:tcPr anchor="ctr">
+                    <a:lnL w="12700" cap="flat" cmpd="sng" algn="ctr">
+                      <a:solidFill>
+                        <a:schemeClr val="tx1"/>
+                      </a:solidFill>
+                      <a:prstDash val="solid"/>
+                      <a:round/>
+                      <a:headEnd type="none" w="med" len="med"/>
+                      <a:tailEnd type="none" w="med" len="med"/>
+                    </a:lnL>
+                    <a:lnR w="12700" cap="flat" cmpd="sng" algn="ctr">
+                      <a:solidFill>
+                        <a:schemeClr val="tx1"/>
+                      </a:solidFill>
+                      <a:prstDash val="solid"/>
+                      <a:round/>
+                      <a:headEnd type="none" w="med" len="med"/>
+                      <a:tailEnd type="none" w="med" len="med"/>
+                    </a:lnR>
+                    <a:lnT w="12700" cap="flat" cmpd="sng" algn="ctr">
+                      <a:solidFill>
+                        <a:schemeClr val="tx1"/>
+                      </a:solidFill>
+                      <a:prstDash val="solid"/>
+                      <a:round/>
+                      <a:headEnd type="none" w="med" len="med"/>
+                      <a:tailEnd type="none" w="med" len="med"/>
+                    </a:lnT>
+                    <a:lnB w="12700" cap="flat" cmpd="sng" algn="ctr">
+                      <a:solidFill>
+                        <a:schemeClr val="tx1"/>
+                      </a:solidFill>
+                      <a:prstDash val="solid"/>
+                      <a:round/>
+                      <a:headEnd type="none" w="med" len="med"/>
+                      <a:tailEnd type="none" w="med" len="med"/>
+                    </a:lnB>
+                    <a:lnTlToBr w="12700" cmpd="sng">
+                      <a:noFill/>
+                      <a:prstDash val="solid"/>
+                    </a:lnTlToBr>
+                    <a:lnBlToTr w="12700" cmpd="sng">
+                      <a:noFill/>
+                      <a:prstDash val="solid"/>
+                    </a:lnBlToTr>
+                    <a:solidFill>
+                      <a:schemeClr val="bg1"/>
+                    </a:solidFill>
+                  </a:tcPr>
+                </a:tc>
+                <a:tc>
+                  <a:txBody>
+                    <a:bodyPr/>
+                    <a:lstStyle/>
+                    <a:p>
+                      <a:pPr algn="ctr"/>
+                      <a:r>
+                        <a:rPr lang="en-US" altLang="zh-TW" sz="1600" b="0" dirty="0" smtClean="0">
+                          <a:solidFill>
+                            <a:schemeClr val="tx1"/>
+                          </a:solidFill>
+                          <a:latin typeface="Times New Roman" panose="02020603050405020304" pitchFamily="18" charset="0"/>
+                          <a:cs typeface="Times New Roman" panose="02020603050405020304" pitchFamily="18" charset="0"/>
+                        </a:rPr>
+                        <a:t>0</a:t>
+                      </a:r>
+                      <a:endParaRPr lang="zh-TW" altLang="en-US" sz="1600" b="0" dirty="0">
+                        <a:solidFill>
+                          <a:schemeClr val="tx1"/>
+                        </a:solidFill>
+                        <a:latin typeface="Times New Roman" panose="02020603050405020304" pitchFamily="18" charset="0"/>
+                        <a:cs typeface="Times New Roman" panose="02020603050405020304" pitchFamily="18" charset="0"/>
+                      </a:endParaRPr>
+                    </a:p>
+                  </a:txBody>
+                  <a:tcPr anchor="ctr">
+                    <a:lnL w="12700" cap="flat" cmpd="sng" algn="ctr">
+                      <a:solidFill>
+                        <a:schemeClr val="tx1"/>
+                      </a:solidFill>
+                      <a:prstDash val="solid"/>
+                      <a:round/>
+                      <a:headEnd type="none" w="med" len="med"/>
+                      <a:tailEnd type="none" w="med" len="med"/>
+                    </a:lnL>
+                    <a:lnR w="12700" cap="flat" cmpd="sng" algn="ctr">
+                      <a:solidFill>
+                        <a:schemeClr val="tx1"/>
+                      </a:solidFill>
+                      <a:prstDash val="solid"/>
+                      <a:round/>
+                      <a:headEnd type="none" w="med" len="med"/>
+                      <a:tailEnd type="none" w="med" len="med"/>
+                    </a:lnR>
+                    <a:lnT w="12700" cap="flat" cmpd="sng" algn="ctr">
+                      <a:solidFill>
+                        <a:schemeClr val="tx1"/>
+                      </a:solidFill>
+                      <a:prstDash val="solid"/>
+                      <a:round/>
+                      <a:headEnd type="none" w="med" len="med"/>
+                      <a:tailEnd type="none" w="med" len="med"/>
+                    </a:lnT>
+                    <a:lnB w="12700" cap="flat" cmpd="sng" algn="ctr">
+                      <a:solidFill>
+                        <a:schemeClr val="tx1"/>
+                      </a:solidFill>
+                      <a:prstDash val="solid"/>
+                      <a:round/>
+                      <a:headEnd type="none" w="med" len="med"/>
+                      <a:tailEnd type="none" w="med" len="med"/>
+                    </a:lnB>
+                    <a:lnTlToBr w="12700" cmpd="sng">
+                      <a:noFill/>
+                      <a:prstDash val="solid"/>
+                    </a:lnTlToBr>
+                    <a:lnBlToTr w="12700" cmpd="sng">
+                      <a:noFill/>
+                      <a:prstDash val="solid"/>
+                    </a:lnBlToTr>
+                    <a:solidFill>
+                      <a:schemeClr val="bg1"/>
+                    </a:solidFill>
+                  </a:tcPr>
+                </a:tc>
+                <a:tc>
+                  <a:txBody>
+                    <a:bodyPr/>
+                    <a:lstStyle/>
+                    <a:p>
+                      <a:pPr algn="ctr"/>
+                      <a:r>
+                        <a:rPr lang="en-US" altLang="zh-TW" sz="1600" b="0" dirty="0" smtClean="0">
+                          <a:solidFill>
+                            <a:schemeClr val="tx1"/>
+                          </a:solidFill>
+                          <a:latin typeface="Times New Roman" panose="02020603050405020304" pitchFamily="18" charset="0"/>
+                          <a:cs typeface="Times New Roman" panose="02020603050405020304" pitchFamily="18" charset="0"/>
+                        </a:rPr>
+                        <a:t>0</a:t>
+                      </a:r>
+                      <a:endParaRPr lang="zh-TW" altLang="en-US" sz="1600" b="0" dirty="0">
+                        <a:solidFill>
+                          <a:schemeClr val="tx1"/>
+                        </a:solidFill>
+                        <a:latin typeface="Times New Roman" panose="02020603050405020304" pitchFamily="18" charset="0"/>
+                        <a:cs typeface="Times New Roman" panose="02020603050405020304" pitchFamily="18" charset="0"/>
+                      </a:endParaRPr>
+                    </a:p>
+                  </a:txBody>
+                  <a:tcPr anchor="ctr">
+                    <a:lnL w="12700" cap="flat" cmpd="sng" algn="ctr">
+                      <a:solidFill>
+                        <a:schemeClr val="tx1"/>
+                      </a:solidFill>
+                      <a:prstDash val="solid"/>
+                      <a:round/>
+                      <a:headEnd type="none" w="med" len="med"/>
+                      <a:tailEnd type="none" w="med" len="med"/>
+                    </a:lnL>
+                    <a:lnR w="12700" cap="flat" cmpd="sng" algn="ctr">
+                      <a:solidFill>
+                        <a:schemeClr val="tx1"/>
+                      </a:solidFill>
+                      <a:prstDash val="solid"/>
+                      <a:round/>
+                      <a:headEnd type="none" w="med" len="med"/>
+                      <a:tailEnd type="none" w="med" len="med"/>
+                    </a:lnR>
+                    <a:lnT w="12700" cap="flat" cmpd="sng" algn="ctr">
+                      <a:solidFill>
+                        <a:schemeClr val="tx1"/>
+                      </a:solidFill>
+                      <a:prstDash val="solid"/>
+                      <a:round/>
+                      <a:headEnd type="none" w="med" len="med"/>
+                      <a:tailEnd type="none" w="med" len="med"/>
+                    </a:lnT>
+                    <a:lnB w="12700" cap="flat" cmpd="sng" algn="ctr">
+                      <a:solidFill>
+                        <a:schemeClr val="tx1"/>
+                      </a:solidFill>
+                      <a:prstDash val="solid"/>
+                      <a:round/>
+                      <a:headEnd type="none" w="med" len="med"/>
+                      <a:tailEnd type="none" w="med" len="med"/>
+                    </a:lnB>
+                    <a:lnTlToBr w="12700" cmpd="sng">
+                      <a:noFill/>
+                      <a:prstDash val="solid"/>
+                    </a:lnTlToBr>
+                    <a:lnBlToTr w="12700" cmpd="sng">
+                      <a:noFill/>
+                      <a:prstDash val="solid"/>
+                    </a:lnBlToTr>
+                    <a:solidFill>
+                      <a:schemeClr val="bg1"/>
+                    </a:solidFill>
+                  </a:tcPr>
+                </a:tc>
+                <a:tc>
+                  <a:txBody>
+                    <a:bodyPr/>
+                    <a:lstStyle/>
+                    <a:p>
+                      <a:pPr algn="ctr"/>
+                      <a:r>
+                        <a:rPr lang="en-US" altLang="zh-TW" sz="1600" b="0" dirty="0" smtClean="0">
+                          <a:solidFill>
+                            <a:schemeClr val="tx1"/>
+                          </a:solidFill>
+                          <a:latin typeface="Times New Roman" panose="02020603050405020304" pitchFamily="18" charset="0"/>
+                          <a:cs typeface="Times New Roman" panose="02020603050405020304" pitchFamily="18" charset="0"/>
+                        </a:rPr>
+                        <a:t>0</a:t>
+                      </a:r>
+                      <a:endParaRPr lang="zh-TW" altLang="en-US" sz="1600" b="0" dirty="0">
+                        <a:solidFill>
+                          <a:schemeClr val="tx1"/>
+                        </a:solidFill>
+                        <a:latin typeface="Times New Roman" panose="02020603050405020304" pitchFamily="18" charset="0"/>
+                        <a:cs typeface="Times New Roman" panose="02020603050405020304" pitchFamily="18" charset="0"/>
+                      </a:endParaRPr>
+                    </a:p>
+                  </a:txBody>
+                  <a:tcPr anchor="ctr">
+                    <a:lnL w="12700" cap="flat" cmpd="sng" algn="ctr">
+                      <a:solidFill>
+                        <a:schemeClr val="tx1"/>
+                      </a:solidFill>
+                      <a:prstDash val="solid"/>
+                      <a:round/>
+                      <a:headEnd type="none" w="med" len="med"/>
+                      <a:tailEnd type="none" w="med" len="med"/>
+                    </a:lnL>
+                    <a:lnR w="12700" cap="flat" cmpd="sng" algn="ctr">
+                      <a:solidFill>
+                        <a:schemeClr val="tx1"/>
+                      </a:solidFill>
+                      <a:prstDash val="solid"/>
+                      <a:round/>
+                      <a:headEnd type="none" w="med" len="med"/>
+                      <a:tailEnd type="none" w="med" len="med"/>
+                    </a:lnR>
+                    <a:lnT w="12700" cap="flat" cmpd="sng" algn="ctr">
+                      <a:solidFill>
+                        <a:schemeClr val="tx1"/>
+                      </a:solidFill>
+                      <a:prstDash val="solid"/>
+                      <a:round/>
+                      <a:headEnd type="none" w="med" len="med"/>
+                      <a:tailEnd type="none" w="med" len="med"/>
+                    </a:lnT>
+                    <a:lnB w="12700" cap="flat" cmpd="sng" algn="ctr">
+                      <a:solidFill>
+                        <a:schemeClr val="tx1"/>
+                      </a:solidFill>
+                      <a:prstDash val="solid"/>
+                      <a:round/>
+                      <a:headEnd type="none" w="med" len="med"/>
+                      <a:tailEnd type="none" w="med" len="med"/>
+                    </a:lnB>
+                    <a:lnTlToBr w="12700" cmpd="sng">
+                      <a:noFill/>
+                      <a:prstDash val="solid"/>
+                    </a:lnTlToBr>
+                    <a:lnBlToTr w="12700" cmpd="sng">
+                      <a:noFill/>
+                      <a:prstDash val="solid"/>
+                    </a:lnBlToTr>
+                    <a:solidFill>
+                      <a:schemeClr val="bg1"/>
+                    </a:solidFill>
+                  </a:tcPr>
+                </a:tc>
+                <a:tc>
+                  <a:txBody>
+                    <a:bodyPr/>
+                    <a:lstStyle/>
+                    <a:p>
+                      <a:pPr algn="ctr"/>
+                      <a:r>
+                        <a:rPr lang="en-US" altLang="zh-TW" sz="1600" b="0" dirty="0" smtClean="0">
+                          <a:solidFill>
+                            <a:schemeClr val="tx1"/>
+                          </a:solidFill>
+                          <a:latin typeface="Times New Roman" panose="02020603050405020304" pitchFamily="18" charset="0"/>
+                          <a:cs typeface="Times New Roman" panose="02020603050405020304" pitchFamily="18" charset="0"/>
+                        </a:rPr>
+                        <a:t>0</a:t>
+                      </a:r>
+                      <a:endParaRPr lang="zh-TW" altLang="en-US" sz="1600" b="0" dirty="0">
+                        <a:solidFill>
+                          <a:schemeClr val="tx1"/>
+                        </a:solidFill>
+                        <a:latin typeface="Times New Roman" panose="02020603050405020304" pitchFamily="18" charset="0"/>
+                        <a:cs typeface="Times New Roman" panose="02020603050405020304" pitchFamily="18" charset="0"/>
+                      </a:endParaRPr>
+                    </a:p>
+                  </a:txBody>
+                  <a:tcPr anchor="ctr">
+                    <a:lnL w="12700" cap="flat" cmpd="sng" algn="ctr">
+                      <a:solidFill>
+                        <a:schemeClr val="tx1"/>
+                      </a:solidFill>
+                      <a:prstDash val="solid"/>
+                      <a:round/>
+                      <a:headEnd type="none" w="med" len="med"/>
+                      <a:tailEnd type="none" w="med" len="med"/>
+                    </a:lnL>
+                    <a:lnR w="12700" cap="flat" cmpd="sng" algn="ctr">
+                      <a:solidFill>
+                        <a:schemeClr val="tx1"/>
+                      </a:solidFill>
+                      <a:prstDash val="solid"/>
+                      <a:round/>
+                      <a:headEnd type="none" w="med" len="med"/>
+                      <a:tailEnd type="none" w="med" len="med"/>
+                    </a:lnR>
+                    <a:lnT w="12700" cap="flat" cmpd="sng" algn="ctr">
+                      <a:solidFill>
+                        <a:schemeClr val="tx1"/>
+                      </a:solidFill>
+                      <a:prstDash val="solid"/>
+                      <a:round/>
+                      <a:headEnd type="none" w="med" len="med"/>
+                      <a:tailEnd type="none" w="med" len="med"/>
+                    </a:lnT>
+                    <a:lnB w="12700" cap="flat" cmpd="sng" algn="ctr">
+                      <a:solidFill>
+                        <a:schemeClr val="tx1"/>
+                      </a:solidFill>
+                      <a:prstDash val="solid"/>
+                      <a:round/>
+                      <a:headEnd type="none" w="med" len="med"/>
+                      <a:tailEnd type="none" w="med" len="med"/>
+                    </a:lnB>
+                    <a:lnTlToBr w="12700" cmpd="sng">
+                      <a:noFill/>
+                      <a:prstDash val="solid"/>
+                    </a:lnTlToBr>
+                    <a:lnBlToTr w="12700" cmpd="sng">
+                      <a:noFill/>
+                      <a:prstDash val="solid"/>
+                    </a:lnBlToTr>
+                    <a:solidFill>
+                      <a:schemeClr val="bg1"/>
+                    </a:solidFill>
+                  </a:tcPr>
+                </a:tc>
+                <a:extLst>
+                  <a:ext uri="{0D108BD9-81ED-4DB2-BD59-A6C34878D82A}">
+                    <a16:rowId xmlns:a16="http://schemas.microsoft.com/office/drawing/2014/main" val="4226584499"/>
+                  </a:ext>
+                </a:extLst>
+              </a:tr>
+            </a:tbl>
+          </a:graphicData>
+        </a:graphic>
+      </p:graphicFrame>
+      <p:graphicFrame>
+        <p:nvGraphicFramePr>
+          <p:cNvPr id="5" name="表格 4"/>
+          <p:cNvGraphicFramePr>
+            <a:graphicFrameLocks noGrp="1"/>
+          </p:cNvGraphicFramePr>
+          <p:nvPr>
+            <p:extLst>
+              <p:ext uri="{D42A27DB-BD31-4B8C-83A1-F6EECF244321}">
+                <p14:modId xmlns:p14="http://schemas.microsoft.com/office/powerpoint/2010/main" val="2370712682"/>
+              </p:ext>
+            </p:extLst>
+          </p:nvPr>
+        </p:nvGraphicFramePr>
+        <p:xfrm>
+          <a:off x="1649193" y="2465771"/>
+          <a:ext cx="2542542" cy="462068"/>
+        </p:xfrm>
+        <a:graphic>
+          <a:graphicData uri="http://schemas.openxmlformats.org/drawingml/2006/table">
+            <a:tbl>
+              <a:tblPr firstRow="1" bandRow="1">
+                <a:tableStyleId>{5C22544A-7EE6-4342-B048-85BDC9FD1C3A}</a:tableStyleId>
+              </a:tblPr>
+              <a:tblGrid>
+                <a:gridCol w="423757">
+                  <a:extLst>
+                    <a:ext uri="{9D8B030D-6E8A-4147-A177-3AD203B41FA5}">
+                      <a16:colId xmlns:a16="http://schemas.microsoft.com/office/drawing/2014/main" val="1492936081"/>
+                    </a:ext>
+                  </a:extLst>
+                </a:gridCol>
+                <a:gridCol w="423757">
+                  <a:extLst>
+                    <a:ext uri="{9D8B030D-6E8A-4147-A177-3AD203B41FA5}">
+                      <a16:colId xmlns:a16="http://schemas.microsoft.com/office/drawing/2014/main" val="2328466560"/>
+                    </a:ext>
+                  </a:extLst>
+                </a:gridCol>
+                <a:gridCol w="423757">
+                  <a:extLst>
+                    <a:ext uri="{9D8B030D-6E8A-4147-A177-3AD203B41FA5}">
+                      <a16:colId xmlns:a16="http://schemas.microsoft.com/office/drawing/2014/main" val="605851618"/>
+                    </a:ext>
+                  </a:extLst>
+                </a:gridCol>
+                <a:gridCol w="423757">
+                  <a:extLst>
+                    <a:ext uri="{9D8B030D-6E8A-4147-A177-3AD203B41FA5}">
+                      <a16:colId xmlns:a16="http://schemas.microsoft.com/office/drawing/2014/main" val="1632471791"/>
+                    </a:ext>
+                  </a:extLst>
+                </a:gridCol>
+                <a:gridCol w="423757">
+                  <a:extLst>
+                    <a:ext uri="{9D8B030D-6E8A-4147-A177-3AD203B41FA5}">
+                      <a16:colId xmlns:a16="http://schemas.microsoft.com/office/drawing/2014/main" val="3465053422"/>
+                    </a:ext>
+                  </a:extLst>
+                </a:gridCol>
+                <a:gridCol w="423757">
+                  <a:extLst>
+                    <a:ext uri="{9D8B030D-6E8A-4147-A177-3AD203B41FA5}">
+                      <a16:colId xmlns:a16="http://schemas.microsoft.com/office/drawing/2014/main" val="246274235"/>
+                    </a:ext>
+                  </a:extLst>
+                </a:gridCol>
+              </a:tblGrid>
+              <a:tr h="462068">
+                <a:tc>
+                  <a:txBody>
+                    <a:bodyPr/>
+                    <a:lstStyle/>
+                    <a:p>
+                      <a:pPr algn="ctr"/>
+                      <a:r>
+                        <a:rPr lang="en-US" altLang="zh-TW" sz="1600" b="0" dirty="0" smtClean="0">
+                          <a:solidFill>
+                            <a:srgbClr val="FF0000"/>
+                          </a:solidFill>
+                          <a:latin typeface="Times New Roman" panose="02020603050405020304" pitchFamily="18" charset="0"/>
+                          <a:cs typeface="Times New Roman" panose="02020603050405020304" pitchFamily="18" charset="0"/>
+                        </a:rPr>
+                        <a:t>0</a:t>
+                      </a:r>
+                      <a:endParaRPr lang="zh-TW" altLang="en-US" sz="1600" b="0" dirty="0">
+                        <a:solidFill>
+                          <a:srgbClr val="FF0000"/>
+                        </a:solidFill>
+                        <a:latin typeface="Times New Roman" panose="02020603050405020304" pitchFamily="18" charset="0"/>
+                        <a:cs typeface="Times New Roman" panose="02020603050405020304" pitchFamily="18" charset="0"/>
+                      </a:endParaRPr>
+                    </a:p>
+                  </a:txBody>
+                  <a:tcPr anchor="ctr">
+                    <a:lnL w="12700" cap="flat" cmpd="sng" algn="ctr">
+                      <a:solidFill>
+                        <a:schemeClr val="tx1"/>
+                      </a:solidFill>
+                      <a:prstDash val="solid"/>
+                      <a:round/>
+                      <a:headEnd type="none" w="med" len="med"/>
+                      <a:tailEnd type="none" w="med" len="med"/>
+                    </a:lnL>
+                    <a:lnR w="12700" cap="flat" cmpd="sng" algn="ctr">
+                      <a:solidFill>
+                        <a:schemeClr val="tx1"/>
+                      </a:solidFill>
+                      <a:prstDash val="solid"/>
+                      <a:round/>
+                      <a:headEnd type="none" w="med" len="med"/>
+                      <a:tailEnd type="none" w="med" len="med"/>
+                    </a:lnR>
+                    <a:lnT w="12700" cap="flat" cmpd="sng" algn="ctr">
+                      <a:solidFill>
+                        <a:schemeClr val="tx1"/>
+                      </a:solidFill>
+                      <a:prstDash val="solid"/>
+                      <a:round/>
+                      <a:headEnd type="none" w="med" len="med"/>
+                      <a:tailEnd type="none" w="med" len="med"/>
+                    </a:lnT>
+                    <a:lnB w="12700" cap="flat" cmpd="sng" algn="ctr">
+                      <a:solidFill>
+                        <a:schemeClr val="tx1"/>
+                      </a:solidFill>
+                      <a:prstDash val="solid"/>
+                      <a:round/>
+                      <a:headEnd type="none" w="med" len="med"/>
+                      <a:tailEnd type="none" w="med" len="med"/>
+                    </a:lnB>
+                    <a:lnTlToBr w="12700" cmpd="sng">
+                      <a:noFill/>
+                      <a:prstDash val="solid"/>
+                    </a:lnTlToBr>
+                    <a:lnBlToTr w="12700" cmpd="sng">
+                      <a:noFill/>
+                      <a:prstDash val="solid"/>
+                    </a:lnBlToTr>
+                    <a:solidFill>
+                      <a:schemeClr val="bg1"/>
+                    </a:solidFill>
+                  </a:tcPr>
+                </a:tc>
+                <a:tc>
+                  <a:txBody>
+                    <a:bodyPr/>
+                    <a:lstStyle/>
+                    <a:p>
+                      <a:pPr algn="ctr"/>
+                      <a:r>
+                        <a:rPr lang="en-US" altLang="zh-TW" sz="1600" b="0" dirty="0" smtClean="0">
+                          <a:solidFill>
+                            <a:schemeClr val="tx1"/>
+                          </a:solidFill>
+                          <a:latin typeface="Times New Roman" panose="02020603050405020304" pitchFamily="18" charset="0"/>
+                          <a:cs typeface="Times New Roman" panose="02020603050405020304" pitchFamily="18" charset="0"/>
+                        </a:rPr>
+                        <a:t>1</a:t>
+                      </a:r>
+                      <a:endParaRPr lang="zh-TW" altLang="en-US" sz="1600" b="0" dirty="0">
+                        <a:solidFill>
+                          <a:schemeClr val="tx1"/>
+                        </a:solidFill>
+                        <a:latin typeface="Times New Roman" panose="02020603050405020304" pitchFamily="18" charset="0"/>
+                        <a:cs typeface="Times New Roman" panose="02020603050405020304" pitchFamily="18" charset="0"/>
+                      </a:endParaRPr>
+                    </a:p>
+                  </a:txBody>
+                  <a:tcPr anchor="ctr">
+                    <a:lnL w="12700" cap="flat" cmpd="sng" algn="ctr">
+                      <a:solidFill>
+                        <a:schemeClr val="tx1"/>
+                      </a:solidFill>
+                      <a:prstDash val="solid"/>
+                      <a:round/>
+                      <a:headEnd type="none" w="med" len="med"/>
+                      <a:tailEnd type="none" w="med" len="med"/>
+                    </a:lnL>
+                    <a:lnR w="12700" cap="flat" cmpd="sng" algn="ctr">
+                      <a:solidFill>
+                        <a:schemeClr val="tx1"/>
+                      </a:solidFill>
+                      <a:prstDash val="solid"/>
+                      <a:round/>
+                      <a:headEnd type="none" w="med" len="med"/>
+                      <a:tailEnd type="none" w="med" len="med"/>
+                    </a:lnR>
+                    <a:lnT w="12700" cap="flat" cmpd="sng" algn="ctr">
+                      <a:solidFill>
+                        <a:schemeClr val="tx1"/>
+                      </a:solidFill>
+                      <a:prstDash val="solid"/>
+                      <a:round/>
+                      <a:headEnd type="none" w="med" len="med"/>
+                      <a:tailEnd type="none" w="med" len="med"/>
+                    </a:lnT>
+                    <a:lnB w="12700" cap="flat" cmpd="sng" algn="ctr">
+                      <a:solidFill>
+                        <a:schemeClr val="tx1"/>
+                      </a:solidFill>
+                      <a:prstDash val="solid"/>
+                      <a:round/>
+                      <a:headEnd type="none" w="med" len="med"/>
+                      <a:tailEnd type="none" w="med" len="med"/>
+                    </a:lnB>
+                    <a:lnTlToBr w="12700" cmpd="sng">
+                      <a:noFill/>
+                      <a:prstDash val="solid"/>
+                    </a:lnTlToBr>
+                    <a:lnBlToTr w="12700" cmpd="sng">
+                      <a:noFill/>
+                      <a:prstDash val="solid"/>
+                    </a:lnBlToTr>
+                    <a:solidFill>
+                      <a:schemeClr val="bg1"/>
+                    </a:solidFill>
+                  </a:tcPr>
+                </a:tc>
+                <a:tc>
+                  <a:txBody>
+                    <a:bodyPr/>
+                    <a:lstStyle/>
+                    <a:p>
+                      <a:pPr algn="ctr"/>
+                      <a:r>
+                        <a:rPr lang="en-US" altLang="zh-TW" sz="1600" b="0" dirty="0" smtClean="0">
+                          <a:solidFill>
+                            <a:schemeClr val="tx1"/>
+                          </a:solidFill>
+                          <a:latin typeface="Times New Roman" panose="02020603050405020304" pitchFamily="18" charset="0"/>
+                          <a:cs typeface="Times New Roman" panose="02020603050405020304" pitchFamily="18" charset="0"/>
+                        </a:rPr>
+                        <a:t>0</a:t>
+                      </a:r>
+                      <a:endParaRPr lang="zh-TW" altLang="en-US" sz="1600" b="0" dirty="0">
+                        <a:solidFill>
+                          <a:schemeClr val="tx1"/>
+                        </a:solidFill>
+                        <a:latin typeface="Times New Roman" panose="02020603050405020304" pitchFamily="18" charset="0"/>
+                        <a:cs typeface="Times New Roman" panose="02020603050405020304" pitchFamily="18" charset="0"/>
+                      </a:endParaRPr>
+                    </a:p>
+                  </a:txBody>
+                  <a:tcPr anchor="ctr">
+                    <a:lnL w="12700" cap="flat" cmpd="sng" algn="ctr">
+                      <a:solidFill>
+                        <a:schemeClr val="tx1"/>
+                      </a:solidFill>
+                      <a:prstDash val="solid"/>
+                      <a:round/>
+                      <a:headEnd type="none" w="med" len="med"/>
+                      <a:tailEnd type="none" w="med" len="med"/>
+                    </a:lnL>
+                    <a:lnR w="12700" cap="flat" cmpd="sng" algn="ctr">
+                      <a:solidFill>
+                        <a:schemeClr val="tx1"/>
+                      </a:solidFill>
+                      <a:prstDash val="solid"/>
+                      <a:round/>
+                      <a:headEnd type="none" w="med" len="med"/>
+                      <a:tailEnd type="none" w="med" len="med"/>
+                    </a:lnR>
+                    <a:lnT w="12700" cap="flat" cmpd="sng" algn="ctr">
+                      <a:solidFill>
+                        <a:schemeClr val="tx1"/>
+                      </a:solidFill>
+                      <a:prstDash val="solid"/>
+                      <a:round/>
+                      <a:headEnd type="none" w="med" len="med"/>
+                      <a:tailEnd type="none" w="med" len="med"/>
+                    </a:lnT>
+                    <a:lnB w="12700" cap="flat" cmpd="sng" algn="ctr">
+                      <a:solidFill>
+                        <a:schemeClr val="tx1"/>
+                      </a:solidFill>
+                      <a:prstDash val="solid"/>
+                      <a:round/>
+                      <a:headEnd type="none" w="med" len="med"/>
+                      <a:tailEnd type="none" w="med" len="med"/>
+                    </a:lnB>
+                    <a:lnTlToBr w="12700" cmpd="sng">
+                      <a:noFill/>
+                      <a:prstDash val="solid"/>
+                    </a:lnTlToBr>
+                    <a:lnBlToTr w="12700" cmpd="sng">
+                      <a:noFill/>
+                      <a:prstDash val="solid"/>
+                    </a:lnBlToTr>
+                    <a:solidFill>
+                      <a:schemeClr val="bg1"/>
+                    </a:solidFill>
+                  </a:tcPr>
+                </a:tc>
+                <a:tc>
+                  <a:txBody>
+                    <a:bodyPr/>
+                    <a:lstStyle/>
+                    <a:p>
+                      <a:pPr algn="ctr"/>
+                      <a:r>
+                        <a:rPr lang="en-US" altLang="zh-TW" sz="1600" b="0" dirty="0" smtClean="0">
+                          <a:solidFill>
+                            <a:schemeClr val="tx1"/>
+                          </a:solidFill>
+                          <a:latin typeface="Times New Roman" panose="02020603050405020304" pitchFamily="18" charset="0"/>
+                          <a:cs typeface="Times New Roman" panose="02020603050405020304" pitchFamily="18" charset="0"/>
+                        </a:rPr>
+                        <a:t>0</a:t>
+                      </a:r>
+                      <a:endParaRPr lang="zh-TW" altLang="en-US" sz="1600" b="0" dirty="0">
+                        <a:solidFill>
+                          <a:schemeClr val="tx1"/>
+                        </a:solidFill>
+                        <a:latin typeface="Times New Roman" panose="02020603050405020304" pitchFamily="18" charset="0"/>
+                        <a:cs typeface="Times New Roman" panose="02020603050405020304" pitchFamily="18" charset="0"/>
+                      </a:endParaRPr>
+                    </a:p>
+                  </a:txBody>
+                  <a:tcPr anchor="ctr">
+                    <a:lnL w="12700" cap="flat" cmpd="sng" algn="ctr">
+                      <a:solidFill>
+                        <a:schemeClr val="tx1"/>
+                      </a:solidFill>
+                      <a:prstDash val="solid"/>
+                      <a:round/>
+                      <a:headEnd type="none" w="med" len="med"/>
+                      <a:tailEnd type="none" w="med" len="med"/>
+                    </a:lnL>
+                    <a:lnR w="12700" cap="flat" cmpd="sng" algn="ctr">
+                      <a:solidFill>
+                        <a:schemeClr val="tx1"/>
+                      </a:solidFill>
+                      <a:prstDash val="solid"/>
+                      <a:round/>
+                      <a:headEnd type="none" w="med" len="med"/>
+                      <a:tailEnd type="none" w="med" len="med"/>
+                    </a:lnR>
+                    <a:lnT w="12700" cap="flat" cmpd="sng" algn="ctr">
+                      <a:solidFill>
+                        <a:schemeClr val="tx1"/>
+                      </a:solidFill>
+                      <a:prstDash val="solid"/>
+                      <a:round/>
+                      <a:headEnd type="none" w="med" len="med"/>
+                      <a:tailEnd type="none" w="med" len="med"/>
+                    </a:lnT>
+                    <a:lnB w="12700" cap="flat" cmpd="sng" algn="ctr">
+                      <a:solidFill>
+                        <a:schemeClr val="tx1"/>
+                      </a:solidFill>
+                      <a:prstDash val="solid"/>
+                      <a:round/>
+                      <a:headEnd type="none" w="med" len="med"/>
+                      <a:tailEnd type="none" w="med" len="med"/>
+                    </a:lnB>
+                    <a:lnTlToBr w="12700" cmpd="sng">
+                      <a:noFill/>
+                      <a:prstDash val="solid"/>
+                    </a:lnTlToBr>
+                    <a:lnBlToTr w="12700" cmpd="sng">
+                      <a:noFill/>
+                      <a:prstDash val="solid"/>
+                    </a:lnBlToTr>
+                    <a:solidFill>
+                      <a:schemeClr val="bg1"/>
+                    </a:solidFill>
+                  </a:tcPr>
+                </a:tc>
+                <a:tc>
+                  <a:txBody>
+                    <a:bodyPr/>
+                    <a:lstStyle/>
+                    <a:p>
+                      <a:pPr algn="ctr"/>
+                      <a:r>
+                        <a:rPr lang="en-US" altLang="zh-TW" sz="1600" b="0" dirty="0" smtClean="0">
+                          <a:solidFill>
+                            <a:schemeClr val="tx1"/>
+                          </a:solidFill>
+                          <a:latin typeface="Times New Roman" panose="02020603050405020304" pitchFamily="18" charset="0"/>
+                          <a:cs typeface="Times New Roman" panose="02020603050405020304" pitchFamily="18" charset="0"/>
+                        </a:rPr>
+                        <a:t>0</a:t>
+                      </a:r>
+                      <a:endParaRPr lang="zh-TW" altLang="en-US" sz="1600" b="0" dirty="0">
+                        <a:solidFill>
+                          <a:schemeClr val="tx1"/>
+                        </a:solidFill>
+                        <a:latin typeface="Times New Roman" panose="02020603050405020304" pitchFamily="18" charset="0"/>
+                        <a:cs typeface="Times New Roman" panose="02020603050405020304" pitchFamily="18" charset="0"/>
+                      </a:endParaRPr>
+                    </a:p>
+                  </a:txBody>
+                  <a:tcPr anchor="ctr">
+                    <a:lnL w="12700" cap="flat" cmpd="sng" algn="ctr">
+                      <a:solidFill>
+                        <a:schemeClr val="tx1"/>
+                      </a:solidFill>
+                      <a:prstDash val="solid"/>
+                      <a:round/>
+                      <a:headEnd type="none" w="med" len="med"/>
+                      <a:tailEnd type="none" w="med" len="med"/>
+                    </a:lnL>
+                    <a:lnR w="12700" cap="flat" cmpd="sng" algn="ctr">
+                      <a:solidFill>
+                        <a:schemeClr val="tx1"/>
+                      </a:solidFill>
+                      <a:prstDash val="solid"/>
+                      <a:round/>
+                      <a:headEnd type="none" w="med" len="med"/>
+                      <a:tailEnd type="none" w="med" len="med"/>
+                    </a:lnR>
+                    <a:lnT w="12700" cap="flat" cmpd="sng" algn="ctr">
+                      <a:solidFill>
+                        <a:schemeClr val="tx1"/>
+                      </a:solidFill>
+                      <a:prstDash val="solid"/>
+                      <a:round/>
+                      <a:headEnd type="none" w="med" len="med"/>
+                      <a:tailEnd type="none" w="med" len="med"/>
+                    </a:lnT>
+                    <a:lnB w="12700" cap="flat" cmpd="sng" algn="ctr">
+                      <a:solidFill>
+                        <a:schemeClr val="tx1"/>
+                      </a:solidFill>
+                      <a:prstDash val="solid"/>
+                      <a:round/>
+                      <a:headEnd type="none" w="med" len="med"/>
+                      <a:tailEnd type="none" w="med" len="med"/>
+                    </a:lnB>
+                    <a:lnTlToBr w="12700" cmpd="sng">
+                      <a:noFill/>
+                      <a:prstDash val="solid"/>
+                    </a:lnTlToBr>
+                    <a:lnBlToTr w="12700" cmpd="sng">
+                      <a:noFill/>
+                      <a:prstDash val="solid"/>
+                    </a:lnBlToTr>
+                    <a:solidFill>
+                      <a:schemeClr val="bg1"/>
+                    </a:solidFill>
+                  </a:tcPr>
+                </a:tc>
+                <a:tc>
+                  <a:txBody>
+                    <a:bodyPr/>
+                    <a:lstStyle/>
+                    <a:p>
+                      <a:pPr algn="ctr"/>
+                      <a:r>
+                        <a:rPr lang="en-US" altLang="zh-TW" sz="1600" b="0" dirty="0" smtClean="0">
+                          <a:solidFill>
+                            <a:schemeClr val="tx1"/>
+                          </a:solidFill>
+                          <a:latin typeface="Times New Roman" panose="02020603050405020304" pitchFamily="18" charset="0"/>
+                          <a:cs typeface="Times New Roman" panose="02020603050405020304" pitchFamily="18" charset="0"/>
+                        </a:rPr>
+                        <a:t>1</a:t>
+                      </a:r>
+                      <a:endParaRPr lang="zh-TW" altLang="en-US" sz="1600" b="0" dirty="0">
+                        <a:solidFill>
+                          <a:schemeClr val="tx1"/>
+                        </a:solidFill>
+                        <a:latin typeface="Times New Roman" panose="02020603050405020304" pitchFamily="18" charset="0"/>
+                        <a:cs typeface="Times New Roman" panose="02020603050405020304" pitchFamily="18" charset="0"/>
+                      </a:endParaRPr>
+                    </a:p>
+                  </a:txBody>
+                  <a:tcPr anchor="ctr">
+                    <a:lnL w="12700" cap="flat" cmpd="sng" algn="ctr">
+                      <a:solidFill>
+                        <a:schemeClr val="tx1"/>
+                      </a:solidFill>
+                      <a:prstDash val="solid"/>
+                      <a:round/>
+                      <a:headEnd type="none" w="med" len="med"/>
+                      <a:tailEnd type="none" w="med" len="med"/>
+                    </a:lnL>
+                    <a:lnR w="12700" cap="flat" cmpd="sng" algn="ctr">
+                      <a:solidFill>
+                        <a:schemeClr val="tx1"/>
+                      </a:solidFill>
+                      <a:prstDash val="solid"/>
+                      <a:round/>
+                      <a:headEnd type="none" w="med" len="med"/>
+                      <a:tailEnd type="none" w="med" len="med"/>
+                    </a:lnR>
+                    <a:lnT w="12700" cap="flat" cmpd="sng" algn="ctr">
+                      <a:solidFill>
+                        <a:schemeClr val="tx1"/>
+                      </a:solidFill>
+                      <a:prstDash val="solid"/>
+                      <a:round/>
+                      <a:headEnd type="none" w="med" len="med"/>
+                      <a:tailEnd type="none" w="med" len="med"/>
+                    </a:lnT>
+                    <a:lnB w="12700" cap="flat" cmpd="sng" algn="ctr">
+                      <a:solidFill>
+                        <a:schemeClr val="tx1"/>
+                      </a:solidFill>
+                      <a:prstDash val="solid"/>
+                      <a:round/>
+                      <a:headEnd type="none" w="med" len="med"/>
+                      <a:tailEnd type="none" w="med" len="med"/>
+                    </a:lnB>
+                    <a:lnTlToBr w="12700" cmpd="sng">
+                      <a:noFill/>
+                      <a:prstDash val="solid"/>
+                    </a:lnTlToBr>
+                    <a:lnBlToTr w="12700" cmpd="sng">
+                      <a:noFill/>
+                      <a:prstDash val="solid"/>
+                    </a:lnBlToTr>
+                    <a:solidFill>
+                      <a:schemeClr val="bg1"/>
+                    </a:solidFill>
+                  </a:tcPr>
+                </a:tc>
+                <a:extLst>
+                  <a:ext uri="{0D108BD9-81ED-4DB2-BD59-A6C34878D82A}">
+                    <a16:rowId xmlns:a16="http://schemas.microsoft.com/office/drawing/2014/main" val="4226584499"/>
+                  </a:ext>
+                </a:extLst>
+              </a:tr>
+            </a:tbl>
+          </a:graphicData>
+        </a:graphic>
+      </p:graphicFrame>
+      <p:graphicFrame>
+        <p:nvGraphicFramePr>
+          <p:cNvPr id="6" name="表格 5"/>
+          <p:cNvGraphicFramePr>
+            <a:graphicFrameLocks noGrp="1"/>
+          </p:cNvGraphicFramePr>
+          <p:nvPr>
+            <p:extLst>
+              <p:ext uri="{D42A27DB-BD31-4B8C-83A1-F6EECF244321}">
+                <p14:modId xmlns:p14="http://schemas.microsoft.com/office/powerpoint/2010/main" val="2348287975"/>
+              </p:ext>
+            </p:extLst>
+          </p:nvPr>
+        </p:nvGraphicFramePr>
+        <p:xfrm>
+          <a:off x="6159647" y="1865696"/>
+          <a:ext cx="2542542" cy="462068"/>
+        </p:xfrm>
+        <a:graphic>
+          <a:graphicData uri="http://schemas.openxmlformats.org/drawingml/2006/table">
+            <a:tbl>
+              <a:tblPr firstRow="1" bandRow="1">
+                <a:tableStyleId>{5C22544A-7EE6-4342-B048-85BDC9FD1C3A}</a:tableStyleId>
+              </a:tblPr>
+              <a:tblGrid>
+                <a:gridCol w="423757">
+                  <a:extLst>
+                    <a:ext uri="{9D8B030D-6E8A-4147-A177-3AD203B41FA5}">
+                      <a16:colId xmlns:a16="http://schemas.microsoft.com/office/drawing/2014/main" val="1492936081"/>
+                    </a:ext>
+                  </a:extLst>
+                </a:gridCol>
+                <a:gridCol w="423757">
+                  <a:extLst>
+                    <a:ext uri="{9D8B030D-6E8A-4147-A177-3AD203B41FA5}">
+                      <a16:colId xmlns:a16="http://schemas.microsoft.com/office/drawing/2014/main" val="2328466560"/>
+                    </a:ext>
+                  </a:extLst>
+                </a:gridCol>
+                <a:gridCol w="423757">
+                  <a:extLst>
+                    <a:ext uri="{9D8B030D-6E8A-4147-A177-3AD203B41FA5}">
+                      <a16:colId xmlns:a16="http://schemas.microsoft.com/office/drawing/2014/main" val="605851618"/>
+                    </a:ext>
+                  </a:extLst>
+                </a:gridCol>
+                <a:gridCol w="423757">
+                  <a:extLst>
+                    <a:ext uri="{9D8B030D-6E8A-4147-A177-3AD203B41FA5}">
+                      <a16:colId xmlns:a16="http://schemas.microsoft.com/office/drawing/2014/main" val="1632471791"/>
+                    </a:ext>
+                  </a:extLst>
+                </a:gridCol>
+                <a:gridCol w="423757">
+                  <a:extLst>
+                    <a:ext uri="{9D8B030D-6E8A-4147-A177-3AD203B41FA5}">
+                      <a16:colId xmlns:a16="http://schemas.microsoft.com/office/drawing/2014/main" val="3465053422"/>
+                    </a:ext>
+                  </a:extLst>
+                </a:gridCol>
+                <a:gridCol w="423757">
+                  <a:extLst>
+                    <a:ext uri="{9D8B030D-6E8A-4147-A177-3AD203B41FA5}">
+                      <a16:colId xmlns:a16="http://schemas.microsoft.com/office/drawing/2014/main" val="246274235"/>
+                    </a:ext>
+                  </a:extLst>
+                </a:gridCol>
+              </a:tblGrid>
+              <a:tr h="462068">
+                <a:tc>
+                  <a:txBody>
+                    <a:bodyPr/>
+                    <a:lstStyle/>
+                    <a:p>
+                      <a:pPr algn="ctr"/>
+                      <a:r>
+                        <a:rPr lang="en-US" altLang="zh-TW" sz="1600" b="0" dirty="0" smtClean="0">
+                          <a:solidFill>
+                            <a:srgbClr val="FF0000"/>
+                          </a:solidFill>
+                          <a:latin typeface="Times New Roman" panose="02020603050405020304" pitchFamily="18" charset="0"/>
+                          <a:cs typeface="Times New Roman" panose="02020603050405020304" pitchFamily="18" charset="0"/>
+                        </a:rPr>
+                        <a:t>0</a:t>
+                      </a:r>
+                      <a:endParaRPr lang="zh-TW" altLang="en-US" sz="1600" b="0" dirty="0">
+                        <a:solidFill>
+                          <a:srgbClr val="FF0000"/>
+                        </a:solidFill>
+                        <a:latin typeface="Times New Roman" panose="02020603050405020304" pitchFamily="18" charset="0"/>
+                        <a:cs typeface="Times New Roman" panose="02020603050405020304" pitchFamily="18" charset="0"/>
+                      </a:endParaRPr>
+                    </a:p>
+                  </a:txBody>
+                  <a:tcPr anchor="ctr">
+                    <a:lnL w="12700" cap="flat" cmpd="sng" algn="ctr">
+                      <a:solidFill>
+                        <a:schemeClr val="tx1"/>
+                      </a:solidFill>
+                      <a:prstDash val="solid"/>
+                      <a:round/>
+                      <a:headEnd type="none" w="med" len="med"/>
+                      <a:tailEnd type="none" w="med" len="med"/>
+                    </a:lnL>
+                    <a:lnR w="12700" cap="flat" cmpd="sng" algn="ctr">
+                      <a:solidFill>
+                        <a:schemeClr val="tx1"/>
+                      </a:solidFill>
+                      <a:prstDash val="solid"/>
+                      <a:round/>
+                      <a:headEnd type="none" w="med" len="med"/>
+                      <a:tailEnd type="none" w="med" len="med"/>
+                    </a:lnR>
+                    <a:lnT w="12700" cap="flat" cmpd="sng" algn="ctr">
+                      <a:solidFill>
+                        <a:schemeClr val="tx1"/>
+                      </a:solidFill>
+                      <a:prstDash val="solid"/>
+                      <a:round/>
+                      <a:headEnd type="none" w="med" len="med"/>
+                      <a:tailEnd type="none" w="med" len="med"/>
+                    </a:lnT>
+                    <a:lnB w="12700" cap="flat" cmpd="sng" algn="ctr">
+                      <a:solidFill>
+                        <a:schemeClr val="tx1"/>
+                      </a:solidFill>
+                      <a:prstDash val="solid"/>
+                      <a:round/>
+                      <a:headEnd type="none" w="med" len="med"/>
+                      <a:tailEnd type="none" w="med" len="med"/>
+                    </a:lnB>
+                    <a:lnTlToBr w="12700" cmpd="sng">
+                      <a:noFill/>
+                      <a:prstDash val="solid"/>
+                    </a:lnTlToBr>
+                    <a:lnBlToTr w="12700" cmpd="sng">
+                      <a:noFill/>
+                      <a:prstDash val="solid"/>
+                    </a:lnBlToTr>
+                    <a:solidFill>
+                      <a:schemeClr val="bg1"/>
+                    </a:solidFill>
+                  </a:tcPr>
+                </a:tc>
+                <a:tc>
+                  <a:txBody>
+                    <a:bodyPr/>
+                    <a:lstStyle/>
+                    <a:p>
+                      <a:pPr algn="ctr"/>
+                      <a:r>
+                        <a:rPr lang="en-US" altLang="zh-TW" sz="1600" b="0" dirty="0" smtClean="0">
+                          <a:solidFill>
+                            <a:schemeClr val="tx1"/>
+                          </a:solidFill>
+                          <a:latin typeface="Times New Roman" panose="02020603050405020304" pitchFamily="18" charset="0"/>
+                          <a:cs typeface="Times New Roman" panose="02020603050405020304" pitchFamily="18" charset="0"/>
+                        </a:rPr>
+                        <a:t>1</a:t>
+                      </a:r>
+                      <a:endParaRPr lang="zh-TW" altLang="en-US" sz="1600" b="0" dirty="0">
+                        <a:solidFill>
+                          <a:schemeClr val="tx1"/>
+                        </a:solidFill>
+                        <a:latin typeface="Times New Roman" panose="02020603050405020304" pitchFamily="18" charset="0"/>
+                        <a:cs typeface="Times New Roman" panose="02020603050405020304" pitchFamily="18" charset="0"/>
+                      </a:endParaRPr>
+                    </a:p>
+                  </a:txBody>
+                  <a:tcPr anchor="ctr">
+                    <a:lnL w="12700" cap="flat" cmpd="sng" algn="ctr">
+                      <a:solidFill>
+                        <a:schemeClr val="tx1"/>
+                      </a:solidFill>
+                      <a:prstDash val="solid"/>
+                      <a:round/>
+                      <a:headEnd type="none" w="med" len="med"/>
+                      <a:tailEnd type="none" w="med" len="med"/>
+                    </a:lnL>
+                    <a:lnR w="12700" cap="flat" cmpd="sng" algn="ctr">
+                      <a:solidFill>
+                        <a:schemeClr val="tx1"/>
+                      </a:solidFill>
+                      <a:prstDash val="solid"/>
+                      <a:round/>
+                      <a:headEnd type="none" w="med" len="med"/>
+                      <a:tailEnd type="none" w="med" len="med"/>
+                    </a:lnR>
+                    <a:lnT w="12700" cap="flat" cmpd="sng" algn="ctr">
+                      <a:solidFill>
+                        <a:schemeClr val="tx1"/>
+                      </a:solidFill>
+                      <a:prstDash val="solid"/>
+                      <a:round/>
+                      <a:headEnd type="none" w="med" len="med"/>
+                      <a:tailEnd type="none" w="med" len="med"/>
+                    </a:lnT>
+                    <a:lnB w="12700" cap="flat" cmpd="sng" algn="ctr">
+                      <a:solidFill>
+                        <a:schemeClr val="tx1"/>
+                      </a:solidFill>
+                      <a:prstDash val="solid"/>
+                      <a:round/>
+                      <a:headEnd type="none" w="med" len="med"/>
+                      <a:tailEnd type="none" w="med" len="med"/>
+                    </a:lnB>
+                    <a:lnTlToBr w="12700" cmpd="sng">
+                      <a:noFill/>
+                      <a:prstDash val="solid"/>
+                    </a:lnTlToBr>
+                    <a:lnBlToTr w="12700" cmpd="sng">
+                      <a:noFill/>
+                      <a:prstDash val="solid"/>
+                    </a:lnBlToTr>
+                    <a:solidFill>
+                      <a:schemeClr val="bg1"/>
+                    </a:solidFill>
+                  </a:tcPr>
+                </a:tc>
+                <a:tc>
+                  <a:txBody>
+                    <a:bodyPr/>
+                    <a:lstStyle/>
+                    <a:p>
+                      <a:pPr algn="ctr"/>
+                      <a:r>
+                        <a:rPr lang="en-US" altLang="zh-TW" sz="1600" b="0" dirty="0" smtClean="0">
+                          <a:solidFill>
+                            <a:schemeClr val="tx1"/>
+                          </a:solidFill>
+                          <a:latin typeface="Times New Roman" panose="02020603050405020304" pitchFamily="18" charset="0"/>
+                          <a:cs typeface="Times New Roman" panose="02020603050405020304" pitchFamily="18" charset="0"/>
+                        </a:rPr>
+                        <a:t>0</a:t>
+                      </a:r>
+                      <a:endParaRPr lang="zh-TW" altLang="en-US" sz="1600" b="0" dirty="0">
+                        <a:solidFill>
+                          <a:schemeClr val="tx1"/>
+                        </a:solidFill>
+                        <a:latin typeface="Times New Roman" panose="02020603050405020304" pitchFamily="18" charset="0"/>
+                        <a:cs typeface="Times New Roman" panose="02020603050405020304" pitchFamily="18" charset="0"/>
+                      </a:endParaRPr>
+                    </a:p>
+                  </a:txBody>
+                  <a:tcPr anchor="ctr">
+                    <a:lnL w="12700" cap="flat" cmpd="sng" algn="ctr">
+                      <a:solidFill>
+                        <a:schemeClr val="tx1"/>
+                      </a:solidFill>
+                      <a:prstDash val="solid"/>
+                      <a:round/>
+                      <a:headEnd type="none" w="med" len="med"/>
+                      <a:tailEnd type="none" w="med" len="med"/>
+                    </a:lnL>
+                    <a:lnR w="12700" cap="flat" cmpd="sng" algn="ctr">
+                      <a:solidFill>
+                        <a:schemeClr val="tx1"/>
+                      </a:solidFill>
+                      <a:prstDash val="solid"/>
+                      <a:round/>
+                      <a:headEnd type="none" w="med" len="med"/>
+                      <a:tailEnd type="none" w="med" len="med"/>
+                    </a:lnR>
+                    <a:lnT w="12700" cap="flat" cmpd="sng" algn="ctr">
+                      <a:solidFill>
+                        <a:schemeClr val="tx1"/>
+                      </a:solidFill>
+                      <a:prstDash val="solid"/>
+                      <a:round/>
+                      <a:headEnd type="none" w="med" len="med"/>
+                      <a:tailEnd type="none" w="med" len="med"/>
+                    </a:lnT>
+                    <a:lnB w="12700" cap="flat" cmpd="sng" algn="ctr">
+                      <a:solidFill>
+                        <a:schemeClr val="tx1"/>
+                      </a:solidFill>
+                      <a:prstDash val="solid"/>
+                      <a:round/>
+                      <a:headEnd type="none" w="med" len="med"/>
+                      <a:tailEnd type="none" w="med" len="med"/>
+                    </a:lnB>
+                    <a:lnTlToBr w="12700" cmpd="sng">
+                      <a:noFill/>
+                      <a:prstDash val="solid"/>
+                    </a:lnTlToBr>
+                    <a:lnBlToTr w="12700" cmpd="sng">
+                      <a:noFill/>
+                      <a:prstDash val="solid"/>
+                    </a:lnBlToTr>
+                    <a:solidFill>
+                      <a:schemeClr val="bg1"/>
+                    </a:solidFill>
+                  </a:tcPr>
+                </a:tc>
+                <a:tc>
+                  <a:txBody>
+                    <a:bodyPr/>
+                    <a:lstStyle/>
+                    <a:p>
+                      <a:pPr algn="ctr"/>
+                      <a:r>
+                        <a:rPr lang="en-US" altLang="zh-TW" sz="1600" b="0" dirty="0" smtClean="0">
+                          <a:solidFill>
+                            <a:schemeClr val="tx1"/>
+                          </a:solidFill>
+                          <a:latin typeface="Times New Roman" panose="02020603050405020304" pitchFamily="18" charset="0"/>
+                          <a:cs typeface="Times New Roman" panose="02020603050405020304" pitchFamily="18" charset="0"/>
+                        </a:rPr>
+                        <a:t>0</a:t>
+                      </a:r>
+                      <a:endParaRPr lang="zh-TW" altLang="en-US" sz="1600" b="0" dirty="0">
+                        <a:solidFill>
+                          <a:schemeClr val="tx1"/>
+                        </a:solidFill>
+                        <a:latin typeface="Times New Roman" panose="02020603050405020304" pitchFamily="18" charset="0"/>
+                        <a:cs typeface="Times New Roman" panose="02020603050405020304" pitchFamily="18" charset="0"/>
+                      </a:endParaRPr>
+                    </a:p>
+                  </a:txBody>
+                  <a:tcPr anchor="ctr">
+                    <a:lnL w="12700" cap="flat" cmpd="sng" algn="ctr">
+                      <a:solidFill>
+                        <a:schemeClr val="tx1"/>
+                      </a:solidFill>
+                      <a:prstDash val="solid"/>
+                      <a:round/>
+                      <a:headEnd type="none" w="med" len="med"/>
+                      <a:tailEnd type="none" w="med" len="med"/>
+                    </a:lnL>
+                    <a:lnR w="12700" cap="flat" cmpd="sng" algn="ctr">
+                      <a:solidFill>
+                        <a:schemeClr val="tx1"/>
+                      </a:solidFill>
+                      <a:prstDash val="solid"/>
+                      <a:round/>
+                      <a:headEnd type="none" w="med" len="med"/>
+                      <a:tailEnd type="none" w="med" len="med"/>
+                    </a:lnR>
+                    <a:lnT w="12700" cap="flat" cmpd="sng" algn="ctr">
+                      <a:solidFill>
+                        <a:schemeClr val="tx1"/>
+                      </a:solidFill>
+                      <a:prstDash val="solid"/>
+                      <a:round/>
+                      <a:headEnd type="none" w="med" len="med"/>
+                      <a:tailEnd type="none" w="med" len="med"/>
+                    </a:lnT>
+                    <a:lnB w="12700" cap="flat" cmpd="sng" algn="ctr">
+                      <a:solidFill>
+                        <a:schemeClr val="tx1"/>
+                      </a:solidFill>
+                      <a:prstDash val="solid"/>
+                      <a:round/>
+                      <a:headEnd type="none" w="med" len="med"/>
+                      <a:tailEnd type="none" w="med" len="med"/>
+                    </a:lnB>
+                    <a:lnTlToBr w="12700" cmpd="sng">
+                      <a:noFill/>
+                      <a:prstDash val="solid"/>
+                    </a:lnTlToBr>
+                    <a:lnBlToTr w="12700" cmpd="sng">
+                      <a:noFill/>
+                      <a:prstDash val="solid"/>
+                    </a:lnBlToTr>
+                    <a:solidFill>
+                      <a:schemeClr val="bg1"/>
+                    </a:solidFill>
+                  </a:tcPr>
+                </a:tc>
+                <a:tc>
+                  <a:txBody>
+                    <a:bodyPr/>
+                    <a:lstStyle/>
+                    <a:p>
+                      <a:pPr algn="ctr"/>
+                      <a:r>
+                        <a:rPr lang="en-US" altLang="zh-TW" sz="1600" b="0" dirty="0" smtClean="0">
+                          <a:solidFill>
+                            <a:schemeClr val="tx1"/>
+                          </a:solidFill>
+                          <a:latin typeface="Times New Roman" panose="02020603050405020304" pitchFamily="18" charset="0"/>
+                          <a:cs typeface="Times New Roman" panose="02020603050405020304" pitchFamily="18" charset="0"/>
+                        </a:rPr>
+                        <a:t>0</a:t>
+                      </a:r>
+                      <a:endParaRPr lang="zh-TW" altLang="en-US" sz="1600" b="0" dirty="0">
+                        <a:solidFill>
+                          <a:schemeClr val="tx1"/>
+                        </a:solidFill>
+                        <a:latin typeface="Times New Roman" panose="02020603050405020304" pitchFamily="18" charset="0"/>
+                        <a:cs typeface="Times New Roman" panose="02020603050405020304" pitchFamily="18" charset="0"/>
+                      </a:endParaRPr>
+                    </a:p>
+                  </a:txBody>
+                  <a:tcPr anchor="ctr">
+                    <a:lnL w="12700" cap="flat" cmpd="sng" algn="ctr">
+                      <a:solidFill>
+                        <a:schemeClr val="tx1"/>
+                      </a:solidFill>
+                      <a:prstDash val="solid"/>
+                      <a:round/>
+                      <a:headEnd type="none" w="med" len="med"/>
+                      <a:tailEnd type="none" w="med" len="med"/>
+                    </a:lnL>
+                    <a:lnR w="12700" cap="flat" cmpd="sng" algn="ctr">
+                      <a:solidFill>
+                        <a:schemeClr val="tx1"/>
+                      </a:solidFill>
+                      <a:prstDash val="solid"/>
+                      <a:round/>
+                      <a:headEnd type="none" w="med" len="med"/>
+                      <a:tailEnd type="none" w="med" len="med"/>
+                    </a:lnR>
+                    <a:lnT w="12700" cap="flat" cmpd="sng" algn="ctr">
+                      <a:solidFill>
+                        <a:schemeClr val="tx1"/>
+                      </a:solidFill>
+                      <a:prstDash val="solid"/>
+                      <a:round/>
+                      <a:headEnd type="none" w="med" len="med"/>
+                      <a:tailEnd type="none" w="med" len="med"/>
+                    </a:lnT>
+                    <a:lnB w="12700" cap="flat" cmpd="sng" algn="ctr">
+                      <a:solidFill>
+                        <a:schemeClr val="tx1"/>
+                      </a:solidFill>
+                      <a:prstDash val="solid"/>
+                      <a:round/>
+                      <a:headEnd type="none" w="med" len="med"/>
+                      <a:tailEnd type="none" w="med" len="med"/>
+                    </a:lnB>
+                    <a:lnTlToBr w="12700" cmpd="sng">
+                      <a:noFill/>
+                      <a:prstDash val="solid"/>
+                    </a:lnTlToBr>
+                    <a:lnBlToTr w="12700" cmpd="sng">
+                      <a:noFill/>
+                      <a:prstDash val="solid"/>
+                    </a:lnBlToTr>
+                    <a:solidFill>
+                      <a:schemeClr val="bg1"/>
+                    </a:solidFill>
+                  </a:tcPr>
+                </a:tc>
+                <a:tc>
+                  <a:txBody>
+                    <a:bodyPr/>
+                    <a:lstStyle/>
+                    <a:p>
+                      <a:pPr algn="ctr"/>
+                      <a:r>
+                        <a:rPr lang="en-US" altLang="zh-TW" sz="1600" b="0" dirty="0" smtClean="0">
+                          <a:solidFill>
+                            <a:schemeClr val="tx1"/>
+                          </a:solidFill>
+                          <a:latin typeface="Times New Roman" panose="02020603050405020304" pitchFamily="18" charset="0"/>
+                          <a:cs typeface="Times New Roman" panose="02020603050405020304" pitchFamily="18" charset="0"/>
+                        </a:rPr>
+                        <a:t>0</a:t>
+                      </a:r>
+                      <a:endParaRPr lang="zh-TW" altLang="en-US" sz="1600" b="0" dirty="0">
+                        <a:solidFill>
+                          <a:schemeClr val="tx1"/>
+                        </a:solidFill>
+                        <a:latin typeface="Times New Roman" panose="02020603050405020304" pitchFamily="18" charset="0"/>
+                        <a:cs typeface="Times New Roman" panose="02020603050405020304" pitchFamily="18" charset="0"/>
+                      </a:endParaRPr>
+                    </a:p>
+                  </a:txBody>
+                  <a:tcPr anchor="ctr">
+                    <a:lnL w="12700" cap="flat" cmpd="sng" algn="ctr">
+                      <a:solidFill>
+                        <a:schemeClr val="tx1"/>
+                      </a:solidFill>
+                      <a:prstDash val="solid"/>
+                      <a:round/>
+                      <a:headEnd type="none" w="med" len="med"/>
+                      <a:tailEnd type="none" w="med" len="med"/>
+                    </a:lnL>
+                    <a:lnR w="12700" cap="flat" cmpd="sng" algn="ctr">
+                      <a:solidFill>
+                        <a:schemeClr val="tx1"/>
+                      </a:solidFill>
+                      <a:prstDash val="solid"/>
+                      <a:round/>
+                      <a:headEnd type="none" w="med" len="med"/>
+                      <a:tailEnd type="none" w="med" len="med"/>
+                    </a:lnR>
+                    <a:lnT w="12700" cap="flat" cmpd="sng" algn="ctr">
+                      <a:solidFill>
+                        <a:schemeClr val="tx1"/>
+                      </a:solidFill>
+                      <a:prstDash val="solid"/>
+                      <a:round/>
+                      <a:headEnd type="none" w="med" len="med"/>
+                      <a:tailEnd type="none" w="med" len="med"/>
+                    </a:lnT>
+                    <a:lnB w="12700" cap="flat" cmpd="sng" algn="ctr">
+                      <a:solidFill>
+                        <a:schemeClr val="tx1"/>
+                      </a:solidFill>
+                      <a:prstDash val="solid"/>
+                      <a:round/>
+                      <a:headEnd type="none" w="med" len="med"/>
+                      <a:tailEnd type="none" w="med" len="med"/>
+                    </a:lnB>
+                    <a:lnTlToBr w="12700" cmpd="sng">
+                      <a:noFill/>
+                      <a:prstDash val="solid"/>
+                    </a:lnTlToBr>
+                    <a:lnBlToTr w="12700" cmpd="sng">
+                      <a:noFill/>
+                      <a:prstDash val="solid"/>
+                    </a:lnBlToTr>
+                    <a:solidFill>
+                      <a:schemeClr val="bg1"/>
+                    </a:solidFill>
+                  </a:tcPr>
+                </a:tc>
+                <a:extLst>
+                  <a:ext uri="{0D108BD9-81ED-4DB2-BD59-A6C34878D82A}">
+                    <a16:rowId xmlns:a16="http://schemas.microsoft.com/office/drawing/2014/main" val="4226584499"/>
+                  </a:ext>
+                </a:extLst>
+              </a:tr>
+            </a:tbl>
+          </a:graphicData>
+        </a:graphic>
+      </p:graphicFrame>
+      <p:graphicFrame>
+        <p:nvGraphicFramePr>
+          <p:cNvPr id="7" name="表格 6"/>
+          <p:cNvGraphicFramePr>
+            <a:graphicFrameLocks noGrp="1"/>
+          </p:cNvGraphicFramePr>
+          <p:nvPr>
+            <p:extLst>
+              <p:ext uri="{D42A27DB-BD31-4B8C-83A1-F6EECF244321}">
+                <p14:modId xmlns:p14="http://schemas.microsoft.com/office/powerpoint/2010/main" val="3775990975"/>
+              </p:ext>
+            </p:extLst>
+          </p:nvPr>
+        </p:nvGraphicFramePr>
+        <p:xfrm>
+          <a:off x="6159647" y="2465771"/>
+          <a:ext cx="2542542" cy="462068"/>
+        </p:xfrm>
+        <a:graphic>
+          <a:graphicData uri="http://schemas.openxmlformats.org/drawingml/2006/table">
+            <a:tbl>
+              <a:tblPr firstRow="1" bandRow="1">
+                <a:tableStyleId>{5C22544A-7EE6-4342-B048-85BDC9FD1C3A}</a:tableStyleId>
+              </a:tblPr>
+              <a:tblGrid>
+                <a:gridCol w="423757">
+                  <a:extLst>
+                    <a:ext uri="{9D8B030D-6E8A-4147-A177-3AD203B41FA5}">
+                      <a16:colId xmlns:a16="http://schemas.microsoft.com/office/drawing/2014/main" val="1492936081"/>
+                    </a:ext>
+                  </a:extLst>
+                </a:gridCol>
+                <a:gridCol w="423757">
+                  <a:extLst>
+                    <a:ext uri="{9D8B030D-6E8A-4147-A177-3AD203B41FA5}">
+                      <a16:colId xmlns:a16="http://schemas.microsoft.com/office/drawing/2014/main" val="2328466560"/>
+                    </a:ext>
+                  </a:extLst>
+                </a:gridCol>
+                <a:gridCol w="423757">
+                  <a:extLst>
+                    <a:ext uri="{9D8B030D-6E8A-4147-A177-3AD203B41FA5}">
+                      <a16:colId xmlns:a16="http://schemas.microsoft.com/office/drawing/2014/main" val="605851618"/>
+                    </a:ext>
+                  </a:extLst>
+                </a:gridCol>
+                <a:gridCol w="423757">
+                  <a:extLst>
+                    <a:ext uri="{9D8B030D-6E8A-4147-A177-3AD203B41FA5}">
+                      <a16:colId xmlns:a16="http://schemas.microsoft.com/office/drawing/2014/main" val="1632471791"/>
+                    </a:ext>
+                  </a:extLst>
+                </a:gridCol>
+                <a:gridCol w="423757">
+                  <a:extLst>
+                    <a:ext uri="{9D8B030D-6E8A-4147-A177-3AD203B41FA5}">
+                      <a16:colId xmlns:a16="http://schemas.microsoft.com/office/drawing/2014/main" val="3465053422"/>
+                    </a:ext>
+                  </a:extLst>
+                </a:gridCol>
+                <a:gridCol w="423757">
+                  <a:extLst>
+                    <a:ext uri="{9D8B030D-6E8A-4147-A177-3AD203B41FA5}">
+                      <a16:colId xmlns:a16="http://schemas.microsoft.com/office/drawing/2014/main" val="246274235"/>
+                    </a:ext>
+                  </a:extLst>
+                </a:gridCol>
+              </a:tblGrid>
+              <a:tr h="462068">
+                <a:tc>
+                  <a:txBody>
+                    <a:bodyPr/>
+                    <a:lstStyle/>
+                    <a:p>
+                      <a:pPr algn="ctr"/>
+                      <a:r>
+                        <a:rPr lang="en-US" altLang="zh-TW" sz="1600" b="0" dirty="0" smtClean="0">
+                          <a:solidFill>
+                            <a:schemeClr val="accent5"/>
+                          </a:solidFill>
+                          <a:latin typeface="Times New Roman" panose="02020603050405020304" pitchFamily="18" charset="0"/>
+                          <a:cs typeface="Times New Roman" panose="02020603050405020304" pitchFamily="18" charset="0"/>
+                        </a:rPr>
+                        <a:t>1</a:t>
+                      </a:r>
+                      <a:endParaRPr lang="zh-TW" altLang="en-US" sz="1600" b="0" dirty="0">
+                        <a:solidFill>
+                          <a:schemeClr val="accent5"/>
+                        </a:solidFill>
+                        <a:latin typeface="Times New Roman" panose="02020603050405020304" pitchFamily="18" charset="0"/>
+                        <a:cs typeface="Times New Roman" panose="02020603050405020304" pitchFamily="18" charset="0"/>
+                      </a:endParaRPr>
+                    </a:p>
+                  </a:txBody>
+                  <a:tcPr anchor="ctr">
+                    <a:lnL w="12700" cap="flat" cmpd="sng" algn="ctr">
+                      <a:solidFill>
+                        <a:schemeClr val="tx1"/>
+                      </a:solidFill>
+                      <a:prstDash val="solid"/>
+                      <a:round/>
+                      <a:headEnd type="none" w="med" len="med"/>
+                      <a:tailEnd type="none" w="med" len="med"/>
+                    </a:lnL>
+                    <a:lnR w="12700" cap="flat" cmpd="sng" algn="ctr">
+                      <a:solidFill>
+                        <a:schemeClr val="tx1"/>
+                      </a:solidFill>
+                      <a:prstDash val="solid"/>
+                      <a:round/>
+                      <a:headEnd type="none" w="med" len="med"/>
+                      <a:tailEnd type="none" w="med" len="med"/>
+                    </a:lnR>
+                    <a:lnT w="12700" cap="flat" cmpd="sng" algn="ctr">
+                      <a:solidFill>
+                        <a:schemeClr val="tx1"/>
+                      </a:solidFill>
+                      <a:prstDash val="solid"/>
+                      <a:round/>
+                      <a:headEnd type="none" w="med" len="med"/>
+                      <a:tailEnd type="none" w="med" len="med"/>
+                    </a:lnT>
+                    <a:lnB w="12700" cap="flat" cmpd="sng" algn="ctr">
+                      <a:solidFill>
+                        <a:schemeClr val="tx1"/>
+                      </a:solidFill>
+                      <a:prstDash val="solid"/>
+                      <a:round/>
+                      <a:headEnd type="none" w="med" len="med"/>
+                      <a:tailEnd type="none" w="med" len="med"/>
+                    </a:lnB>
+                    <a:lnTlToBr w="12700" cmpd="sng">
+                      <a:noFill/>
+                      <a:prstDash val="solid"/>
+                    </a:lnTlToBr>
+                    <a:lnBlToTr w="12700" cmpd="sng">
+                      <a:noFill/>
+                      <a:prstDash val="solid"/>
+                    </a:lnBlToTr>
+                    <a:solidFill>
+                      <a:schemeClr val="bg1"/>
+                    </a:solidFill>
+                  </a:tcPr>
+                </a:tc>
+                <a:tc>
+                  <a:txBody>
+                    <a:bodyPr/>
+                    <a:lstStyle/>
+                    <a:p>
+                      <a:pPr algn="ctr"/>
+                      <a:r>
+                        <a:rPr lang="en-US" altLang="zh-TW" sz="1600" b="0" dirty="0" smtClean="0">
+                          <a:solidFill>
+                            <a:schemeClr val="tx1"/>
+                          </a:solidFill>
+                          <a:latin typeface="Times New Roman" panose="02020603050405020304" pitchFamily="18" charset="0"/>
+                          <a:cs typeface="Times New Roman" panose="02020603050405020304" pitchFamily="18" charset="0"/>
+                        </a:rPr>
+                        <a:t>1</a:t>
+                      </a:r>
+                      <a:endParaRPr lang="zh-TW" altLang="en-US" sz="1600" b="0" dirty="0">
+                        <a:solidFill>
+                          <a:schemeClr val="tx1"/>
+                        </a:solidFill>
+                        <a:latin typeface="Times New Roman" panose="02020603050405020304" pitchFamily="18" charset="0"/>
+                        <a:cs typeface="Times New Roman" panose="02020603050405020304" pitchFamily="18" charset="0"/>
+                      </a:endParaRPr>
+                    </a:p>
+                  </a:txBody>
+                  <a:tcPr anchor="ctr">
+                    <a:lnL w="12700" cap="flat" cmpd="sng" algn="ctr">
+                      <a:solidFill>
+                        <a:schemeClr val="tx1"/>
+                      </a:solidFill>
+                      <a:prstDash val="solid"/>
+                      <a:round/>
+                      <a:headEnd type="none" w="med" len="med"/>
+                      <a:tailEnd type="none" w="med" len="med"/>
+                    </a:lnL>
+                    <a:lnR w="12700" cap="flat" cmpd="sng" algn="ctr">
+                      <a:solidFill>
+                        <a:schemeClr val="tx1"/>
+                      </a:solidFill>
+                      <a:prstDash val="solid"/>
+                      <a:round/>
+                      <a:headEnd type="none" w="med" len="med"/>
+                      <a:tailEnd type="none" w="med" len="med"/>
+                    </a:lnR>
+                    <a:lnT w="12700" cap="flat" cmpd="sng" algn="ctr">
+                      <a:solidFill>
+                        <a:schemeClr val="tx1"/>
+                      </a:solidFill>
+                      <a:prstDash val="solid"/>
+                      <a:round/>
+                      <a:headEnd type="none" w="med" len="med"/>
+                      <a:tailEnd type="none" w="med" len="med"/>
+                    </a:lnT>
+                    <a:lnB w="12700" cap="flat" cmpd="sng" algn="ctr">
+                      <a:solidFill>
+                        <a:schemeClr val="tx1"/>
+                      </a:solidFill>
+                      <a:prstDash val="solid"/>
+                      <a:round/>
+                      <a:headEnd type="none" w="med" len="med"/>
+                      <a:tailEnd type="none" w="med" len="med"/>
+                    </a:lnB>
+                    <a:lnTlToBr w="12700" cmpd="sng">
+                      <a:noFill/>
+                      <a:prstDash val="solid"/>
+                    </a:lnTlToBr>
+                    <a:lnBlToTr w="12700" cmpd="sng">
+                      <a:noFill/>
+                      <a:prstDash val="solid"/>
+                    </a:lnBlToTr>
+                    <a:solidFill>
+                      <a:schemeClr val="bg1"/>
+                    </a:solidFill>
+                  </a:tcPr>
+                </a:tc>
+                <a:tc>
+                  <a:txBody>
+                    <a:bodyPr/>
+                    <a:lstStyle/>
+                    <a:p>
+                      <a:pPr algn="ctr"/>
+                      <a:r>
+                        <a:rPr lang="en-US" altLang="zh-TW" sz="1600" b="0" dirty="0" smtClean="0">
+                          <a:solidFill>
+                            <a:schemeClr val="tx1"/>
+                          </a:solidFill>
+                          <a:latin typeface="Times New Roman" panose="02020603050405020304" pitchFamily="18" charset="0"/>
+                          <a:cs typeface="Times New Roman" panose="02020603050405020304" pitchFamily="18" charset="0"/>
+                        </a:rPr>
+                        <a:t>0</a:t>
+                      </a:r>
+                      <a:endParaRPr lang="zh-TW" altLang="en-US" sz="1600" b="0" dirty="0">
+                        <a:solidFill>
+                          <a:schemeClr val="tx1"/>
+                        </a:solidFill>
+                        <a:latin typeface="Times New Roman" panose="02020603050405020304" pitchFamily="18" charset="0"/>
+                        <a:cs typeface="Times New Roman" panose="02020603050405020304" pitchFamily="18" charset="0"/>
+                      </a:endParaRPr>
+                    </a:p>
+                  </a:txBody>
+                  <a:tcPr anchor="ctr">
+                    <a:lnL w="12700" cap="flat" cmpd="sng" algn="ctr">
+                      <a:solidFill>
+                        <a:schemeClr val="tx1"/>
+                      </a:solidFill>
+                      <a:prstDash val="solid"/>
+                      <a:round/>
+                      <a:headEnd type="none" w="med" len="med"/>
+                      <a:tailEnd type="none" w="med" len="med"/>
+                    </a:lnL>
+                    <a:lnR w="12700" cap="flat" cmpd="sng" algn="ctr">
+                      <a:solidFill>
+                        <a:schemeClr val="tx1"/>
+                      </a:solidFill>
+                      <a:prstDash val="solid"/>
+                      <a:round/>
+                      <a:headEnd type="none" w="med" len="med"/>
+                      <a:tailEnd type="none" w="med" len="med"/>
+                    </a:lnR>
+                    <a:lnT w="12700" cap="flat" cmpd="sng" algn="ctr">
+                      <a:solidFill>
+                        <a:schemeClr val="tx1"/>
+                      </a:solidFill>
+                      <a:prstDash val="solid"/>
+                      <a:round/>
+                      <a:headEnd type="none" w="med" len="med"/>
+                      <a:tailEnd type="none" w="med" len="med"/>
+                    </a:lnT>
+                    <a:lnB w="12700" cap="flat" cmpd="sng" algn="ctr">
+                      <a:solidFill>
+                        <a:schemeClr val="tx1"/>
+                      </a:solidFill>
+                      <a:prstDash val="solid"/>
+                      <a:round/>
+                      <a:headEnd type="none" w="med" len="med"/>
+                      <a:tailEnd type="none" w="med" len="med"/>
+                    </a:lnB>
+                    <a:lnTlToBr w="12700" cmpd="sng">
+                      <a:noFill/>
+                      <a:prstDash val="solid"/>
+                    </a:lnTlToBr>
+                    <a:lnBlToTr w="12700" cmpd="sng">
+                      <a:noFill/>
+                      <a:prstDash val="solid"/>
+                    </a:lnBlToTr>
+                    <a:solidFill>
+                      <a:schemeClr val="bg1"/>
+                    </a:solidFill>
+                  </a:tcPr>
+                </a:tc>
+                <a:tc>
+                  <a:txBody>
+                    <a:bodyPr/>
+                    <a:lstStyle/>
+                    <a:p>
+                      <a:pPr algn="ctr"/>
+                      <a:r>
+                        <a:rPr lang="en-US" altLang="zh-TW" sz="1600" b="0" dirty="0" smtClean="0">
+                          <a:solidFill>
+                            <a:schemeClr val="tx1"/>
+                          </a:solidFill>
+                          <a:latin typeface="Times New Roman" panose="02020603050405020304" pitchFamily="18" charset="0"/>
+                          <a:cs typeface="Times New Roman" panose="02020603050405020304" pitchFamily="18" charset="0"/>
+                        </a:rPr>
+                        <a:t>0</a:t>
+                      </a:r>
+                      <a:endParaRPr lang="zh-TW" altLang="en-US" sz="1600" b="0" dirty="0">
+                        <a:solidFill>
+                          <a:schemeClr val="tx1"/>
+                        </a:solidFill>
+                        <a:latin typeface="Times New Roman" panose="02020603050405020304" pitchFamily="18" charset="0"/>
+                        <a:cs typeface="Times New Roman" panose="02020603050405020304" pitchFamily="18" charset="0"/>
+                      </a:endParaRPr>
+                    </a:p>
+                  </a:txBody>
+                  <a:tcPr anchor="ctr">
+                    <a:lnL w="12700" cap="flat" cmpd="sng" algn="ctr">
+                      <a:solidFill>
+                        <a:schemeClr val="tx1"/>
+                      </a:solidFill>
+                      <a:prstDash val="solid"/>
+                      <a:round/>
+                      <a:headEnd type="none" w="med" len="med"/>
+                      <a:tailEnd type="none" w="med" len="med"/>
+                    </a:lnL>
+                    <a:lnR w="12700" cap="flat" cmpd="sng" algn="ctr">
+                      <a:solidFill>
+                        <a:schemeClr val="tx1"/>
+                      </a:solidFill>
+                      <a:prstDash val="solid"/>
+                      <a:round/>
+                      <a:headEnd type="none" w="med" len="med"/>
+                      <a:tailEnd type="none" w="med" len="med"/>
+                    </a:lnR>
+                    <a:lnT w="12700" cap="flat" cmpd="sng" algn="ctr">
+                      <a:solidFill>
+                        <a:schemeClr val="tx1"/>
+                      </a:solidFill>
+                      <a:prstDash val="solid"/>
+                      <a:round/>
+                      <a:headEnd type="none" w="med" len="med"/>
+                      <a:tailEnd type="none" w="med" len="med"/>
+                    </a:lnT>
+                    <a:lnB w="12700" cap="flat" cmpd="sng" algn="ctr">
+                      <a:solidFill>
+                        <a:schemeClr val="tx1"/>
+                      </a:solidFill>
+                      <a:prstDash val="solid"/>
+                      <a:round/>
+                      <a:headEnd type="none" w="med" len="med"/>
+                      <a:tailEnd type="none" w="med" len="med"/>
+                    </a:lnB>
+                    <a:lnTlToBr w="12700" cmpd="sng">
+                      <a:noFill/>
+                      <a:prstDash val="solid"/>
+                    </a:lnTlToBr>
+                    <a:lnBlToTr w="12700" cmpd="sng">
+                      <a:noFill/>
+                      <a:prstDash val="solid"/>
+                    </a:lnBlToTr>
+                    <a:solidFill>
+                      <a:schemeClr val="bg1"/>
+                    </a:solidFill>
+                  </a:tcPr>
+                </a:tc>
+                <a:tc>
+                  <a:txBody>
+                    <a:bodyPr/>
+                    <a:lstStyle/>
+                    <a:p>
+                      <a:pPr algn="ctr"/>
+                      <a:r>
+                        <a:rPr lang="en-US" altLang="zh-TW" sz="1600" b="0" dirty="0" smtClean="0">
+                          <a:solidFill>
+                            <a:schemeClr val="tx1"/>
+                          </a:solidFill>
+                          <a:latin typeface="Times New Roman" panose="02020603050405020304" pitchFamily="18" charset="0"/>
+                          <a:cs typeface="Times New Roman" panose="02020603050405020304" pitchFamily="18" charset="0"/>
+                        </a:rPr>
+                        <a:t>0</a:t>
+                      </a:r>
+                      <a:endParaRPr lang="zh-TW" altLang="en-US" sz="1600" b="0" dirty="0">
+                        <a:solidFill>
+                          <a:schemeClr val="tx1"/>
+                        </a:solidFill>
+                        <a:latin typeface="Times New Roman" panose="02020603050405020304" pitchFamily="18" charset="0"/>
+                        <a:cs typeface="Times New Roman" panose="02020603050405020304" pitchFamily="18" charset="0"/>
+                      </a:endParaRPr>
+                    </a:p>
+                  </a:txBody>
+                  <a:tcPr anchor="ctr">
+                    <a:lnL w="12700" cap="flat" cmpd="sng" algn="ctr">
+                      <a:solidFill>
+                        <a:schemeClr val="tx1"/>
+                      </a:solidFill>
+                      <a:prstDash val="solid"/>
+                      <a:round/>
+                      <a:headEnd type="none" w="med" len="med"/>
+                      <a:tailEnd type="none" w="med" len="med"/>
+                    </a:lnL>
+                    <a:lnR w="12700" cap="flat" cmpd="sng" algn="ctr">
+                      <a:solidFill>
+                        <a:schemeClr val="tx1"/>
+                      </a:solidFill>
+                      <a:prstDash val="solid"/>
+                      <a:round/>
+                      <a:headEnd type="none" w="med" len="med"/>
+                      <a:tailEnd type="none" w="med" len="med"/>
+                    </a:lnR>
+                    <a:lnT w="12700" cap="flat" cmpd="sng" algn="ctr">
+                      <a:solidFill>
+                        <a:schemeClr val="tx1"/>
+                      </a:solidFill>
+                      <a:prstDash val="solid"/>
+                      <a:round/>
+                      <a:headEnd type="none" w="med" len="med"/>
+                      <a:tailEnd type="none" w="med" len="med"/>
+                    </a:lnT>
+                    <a:lnB w="12700" cap="flat" cmpd="sng" algn="ctr">
+                      <a:solidFill>
+                        <a:schemeClr val="tx1"/>
+                      </a:solidFill>
+                      <a:prstDash val="solid"/>
+                      <a:round/>
+                      <a:headEnd type="none" w="med" len="med"/>
+                      <a:tailEnd type="none" w="med" len="med"/>
+                    </a:lnB>
+                    <a:lnTlToBr w="12700" cmpd="sng">
+                      <a:noFill/>
+                      <a:prstDash val="solid"/>
+                    </a:lnTlToBr>
+                    <a:lnBlToTr w="12700" cmpd="sng">
+                      <a:noFill/>
+                      <a:prstDash val="solid"/>
+                    </a:lnBlToTr>
+                    <a:solidFill>
+                      <a:schemeClr val="bg1"/>
+                    </a:solidFill>
+                  </a:tcPr>
+                </a:tc>
+                <a:tc>
+                  <a:txBody>
+                    <a:bodyPr/>
+                    <a:lstStyle/>
+                    <a:p>
+                      <a:pPr algn="ctr"/>
+                      <a:r>
+                        <a:rPr lang="en-US" altLang="zh-TW" sz="1600" b="0" dirty="0" smtClean="0">
+                          <a:solidFill>
+                            <a:schemeClr val="tx1"/>
+                          </a:solidFill>
+                          <a:latin typeface="Times New Roman" panose="02020603050405020304" pitchFamily="18" charset="0"/>
+                          <a:cs typeface="Times New Roman" panose="02020603050405020304" pitchFamily="18" charset="0"/>
+                        </a:rPr>
+                        <a:t>1</a:t>
+                      </a:r>
+                      <a:endParaRPr lang="zh-TW" altLang="en-US" sz="1600" b="0" dirty="0">
+                        <a:solidFill>
+                          <a:schemeClr val="tx1"/>
+                        </a:solidFill>
+                        <a:latin typeface="Times New Roman" panose="02020603050405020304" pitchFamily="18" charset="0"/>
+                        <a:cs typeface="Times New Roman" panose="02020603050405020304" pitchFamily="18" charset="0"/>
+                      </a:endParaRPr>
+                    </a:p>
+                  </a:txBody>
+                  <a:tcPr anchor="ctr">
+                    <a:lnL w="12700" cap="flat" cmpd="sng" algn="ctr">
+                      <a:solidFill>
+                        <a:schemeClr val="tx1"/>
+                      </a:solidFill>
+                      <a:prstDash val="solid"/>
+                      <a:round/>
+                      <a:headEnd type="none" w="med" len="med"/>
+                      <a:tailEnd type="none" w="med" len="med"/>
+                    </a:lnL>
+                    <a:lnR w="12700" cap="flat" cmpd="sng" algn="ctr">
+                      <a:solidFill>
+                        <a:schemeClr val="tx1"/>
+                      </a:solidFill>
+                      <a:prstDash val="solid"/>
+                      <a:round/>
+                      <a:headEnd type="none" w="med" len="med"/>
+                      <a:tailEnd type="none" w="med" len="med"/>
+                    </a:lnR>
+                    <a:lnT w="12700" cap="flat" cmpd="sng" algn="ctr">
+                      <a:solidFill>
+                        <a:schemeClr val="tx1"/>
+                      </a:solidFill>
+                      <a:prstDash val="solid"/>
+                      <a:round/>
+                      <a:headEnd type="none" w="med" len="med"/>
+                      <a:tailEnd type="none" w="med" len="med"/>
+                    </a:lnT>
+                    <a:lnB w="12700" cap="flat" cmpd="sng" algn="ctr">
+                      <a:solidFill>
+                        <a:schemeClr val="tx1"/>
+                      </a:solidFill>
+                      <a:prstDash val="solid"/>
+                      <a:round/>
+                      <a:headEnd type="none" w="med" len="med"/>
+                      <a:tailEnd type="none" w="med" len="med"/>
+                    </a:lnB>
+                    <a:lnTlToBr w="12700" cmpd="sng">
+                      <a:noFill/>
+                      <a:prstDash val="solid"/>
+                    </a:lnTlToBr>
+                    <a:lnBlToTr w="12700" cmpd="sng">
+                      <a:noFill/>
+                      <a:prstDash val="solid"/>
+                    </a:lnBlToTr>
+                    <a:solidFill>
+                      <a:schemeClr val="bg1"/>
+                    </a:solidFill>
+                  </a:tcPr>
+                </a:tc>
+                <a:extLst>
+                  <a:ext uri="{0D108BD9-81ED-4DB2-BD59-A6C34878D82A}">
+                    <a16:rowId xmlns:a16="http://schemas.microsoft.com/office/drawing/2014/main" val="4226584499"/>
+                  </a:ext>
+                </a:extLst>
+              </a:tr>
+            </a:tbl>
+          </a:graphicData>
+        </a:graphic>
+      </p:graphicFrame>
+      <p:sp>
+        <p:nvSpPr>
+          <p:cNvPr id="8" name="矩形 7"/>
+          <p:cNvSpPr/>
+          <p:nvPr/>
+        </p:nvSpPr>
+        <p:spPr>
+          <a:xfrm>
+            <a:off x="1570383" y="1789043"/>
+            <a:ext cx="586408" cy="1212574"/>
+          </a:xfrm>
+          <a:prstGeom prst="rect">
+            <a:avLst/>
+          </a:prstGeom>
+          <a:noFill/>
+          <a:ln w="25400">
+            <a:solidFill>
+              <a:schemeClr val="accent4"/>
+            </a:solidFill>
+          </a:ln>
+        </p:spPr>
+        <p:style>
+          <a:lnRef idx="2">
+            <a:schemeClr val="accent4">
+              <a:shade val="50000"/>
+            </a:schemeClr>
+          </a:lnRef>
+          <a:fillRef idx="1">
+            <a:schemeClr val="accent4"/>
+          </a:fillRef>
+          <a:effectRef idx="0">
+            <a:schemeClr val="accent4"/>
+          </a:effectRef>
+          <a:fontRef idx="minor">
+            <a:schemeClr val="lt1"/>
+          </a:fontRef>
+        </p:style>
+        <p:txBody>
+          <a:bodyPr rtlCol="0" anchor="ctr"/>
+          <a:lstStyle/>
+          <a:p>
+            <a:pPr algn="ctr"/>
+            <a:endParaRPr lang="zh-TW" altLang="en-US"/>
+          </a:p>
+        </p:txBody>
+      </p:sp>
+      <p:sp>
+        <p:nvSpPr>
+          <p:cNvPr id="9" name="矩形 8"/>
+          <p:cNvSpPr/>
+          <p:nvPr/>
+        </p:nvSpPr>
+        <p:spPr>
+          <a:xfrm>
+            <a:off x="6086062" y="1789043"/>
+            <a:ext cx="586408" cy="1212574"/>
+          </a:xfrm>
+          <a:prstGeom prst="rect">
+            <a:avLst/>
+          </a:prstGeom>
+          <a:noFill/>
+          <a:ln w="25400">
+            <a:solidFill>
+              <a:schemeClr val="accent4"/>
+            </a:solidFill>
+          </a:ln>
+        </p:spPr>
+        <p:style>
+          <a:lnRef idx="2">
+            <a:schemeClr val="accent4">
+              <a:shade val="50000"/>
+            </a:schemeClr>
+          </a:lnRef>
+          <a:fillRef idx="1">
+            <a:schemeClr val="accent4"/>
+          </a:fillRef>
+          <a:effectRef idx="0">
+            <a:schemeClr val="accent4"/>
+          </a:effectRef>
+          <a:fontRef idx="minor">
+            <a:schemeClr val="lt1"/>
+          </a:fontRef>
+        </p:style>
+        <p:txBody>
+          <a:bodyPr rtlCol="0" anchor="ctr"/>
+          <a:lstStyle/>
+          <a:p>
+            <a:pPr algn="ctr"/>
+            <a:endParaRPr lang="zh-TW" altLang="en-US"/>
+          </a:p>
+        </p:txBody>
+      </p:sp>
+      <p:sp>
+        <p:nvSpPr>
+          <p:cNvPr id="10" name="向右箭號 9"/>
+          <p:cNvSpPr/>
+          <p:nvPr/>
+        </p:nvSpPr>
+        <p:spPr>
+          <a:xfrm>
+            <a:off x="4489194" y="2395330"/>
+            <a:ext cx="1361661" cy="216653"/>
+          </a:xfrm>
+          <a:prstGeom prst="rightArrow">
+            <a:avLst/>
+          </a:prstGeom>
+        </p:spPr>
+        <p:style>
+          <a:lnRef idx="2">
+            <a:schemeClr val="accent1">
+              <a:shade val="50000"/>
+            </a:schemeClr>
+          </a:lnRef>
+          <a:fillRef idx="1">
+            <a:schemeClr val="accent1"/>
+          </a:fillRef>
+          <a:effectRef idx="0">
+            <a:schemeClr val="accent1"/>
+          </a:effectRef>
+          <a:fontRef idx="minor">
+            <a:schemeClr val="lt1"/>
+          </a:fontRef>
+        </p:style>
+        <p:txBody>
+          <a:bodyPr rtlCol="0" anchor="ctr"/>
+          <a:lstStyle/>
+          <a:p>
+            <a:pPr algn="ctr"/>
+            <a:endParaRPr lang="zh-TW" altLang="en-US"/>
+          </a:p>
+        </p:txBody>
+      </p:sp>
+      <p:sp>
+        <p:nvSpPr>
+          <p:cNvPr id="11" name="矩形 10"/>
+          <p:cNvSpPr/>
+          <p:nvPr/>
+        </p:nvSpPr>
+        <p:spPr>
+          <a:xfrm>
+            <a:off x="4667322" y="2095571"/>
+            <a:ext cx="1005403" cy="338554"/>
+          </a:xfrm>
+          <a:prstGeom prst="rect">
+            <a:avLst/>
+          </a:prstGeom>
+          <a:noFill/>
+        </p:spPr>
+        <p:txBody>
+          <a:bodyPr wrap="none" lIns="91440" tIns="45720" rIns="91440" bIns="45720">
+            <a:spAutoFit/>
+          </a:bodyPr>
+          <a:lstStyle/>
+          <a:p>
+            <a:pPr algn="ctr"/>
+            <a:r>
+              <a:rPr lang="zh-TW" altLang="en-US" sz="1600" b="0" cap="none" spc="0" dirty="0" smtClean="0">
+                <a:ln w="0"/>
+                <a:solidFill>
+                  <a:schemeClr val="tx1"/>
+                </a:solidFill>
+                <a:latin typeface="微軟正黑體" panose="020B0604030504040204" pitchFamily="34" charset="-120"/>
+                <a:ea typeface="微軟正黑體" panose="020B0604030504040204" pitchFamily="34" charset="-120"/>
+              </a:rPr>
+              <a:t>單點交換</a:t>
+            </a:r>
+            <a:endParaRPr lang="zh-TW" altLang="en-US" sz="1600" b="0" cap="none" spc="0" dirty="0">
+              <a:ln w="0"/>
+              <a:solidFill>
+                <a:schemeClr val="tx1"/>
+              </a:solidFill>
+              <a:latin typeface="微軟正黑體" panose="020B0604030504040204" pitchFamily="34" charset="-120"/>
+              <a:ea typeface="微軟正黑體" panose="020B0604030504040204" pitchFamily="34" charset="-120"/>
+            </a:endParaRPr>
+          </a:p>
+        </p:txBody>
+      </p:sp>
+    </p:spTree>
+    <p:extLst>
+      <p:ext uri="{BB962C8B-B14F-4D97-AF65-F5344CB8AC3E}">
+        <p14:creationId xmlns:p14="http://schemas.microsoft.com/office/powerpoint/2010/main" val="1298392372"/>
+      </p:ext>
+    </p:extLst>
+  </p:cSld>
+  <p:clrMapOvr>
+    <a:masterClrMapping/>
+  </p:clrMapOvr>
+</p:sld>
+</file>
+
+<file path=ppt/slides/slide6.xml><?xml version="1.0" encoding="utf-8"?>
+<p:sld xmlns:a="http://schemas.openxmlformats.org/drawingml/2006/main" xmlns:r="http://schemas.openxmlformats.org/officeDocument/2006/relationships" xmlns:p="http://schemas.openxmlformats.org/presentationml/2006/main">
+  <p:cSld>
+    <p:spTree>
+      <p:nvGrpSpPr>
+        <p:cNvPr id="1" name=""/>
+        <p:cNvGrpSpPr/>
+        <p:nvPr/>
+      </p:nvGrpSpPr>
+      <p:grpSpPr>
+        <a:xfrm>
+          <a:off x="0" y="0"/>
+          <a:ext cx="0" cy="0"/>
+          <a:chOff x="0" y="0"/>
+          <a:chExt cx="0" cy="0"/>
+        </a:xfrm>
+      </p:grpSpPr>
+      <p:graphicFrame>
+        <p:nvGraphicFramePr>
+          <p:cNvPr id="4" name="表格 3"/>
+          <p:cNvGraphicFramePr>
+            <a:graphicFrameLocks noGrp="1"/>
+          </p:cNvGraphicFramePr>
+          <p:nvPr>
+            <p:extLst>
+              <p:ext uri="{D42A27DB-BD31-4B8C-83A1-F6EECF244321}">
+                <p14:modId xmlns:p14="http://schemas.microsoft.com/office/powerpoint/2010/main" val="4168154053"/>
+              </p:ext>
+            </p:extLst>
+          </p:nvPr>
+        </p:nvGraphicFramePr>
+        <p:xfrm>
+          <a:off x="1649193" y="1865696"/>
+          <a:ext cx="2542542" cy="462068"/>
+        </p:xfrm>
+        <a:graphic>
+          <a:graphicData uri="http://schemas.openxmlformats.org/drawingml/2006/table">
+            <a:tbl>
+              <a:tblPr firstRow="1" bandRow="1">
+                <a:tableStyleId>{5C22544A-7EE6-4342-B048-85BDC9FD1C3A}</a:tableStyleId>
+              </a:tblPr>
+              <a:tblGrid>
+                <a:gridCol w="423757">
+                  <a:extLst>
+                    <a:ext uri="{9D8B030D-6E8A-4147-A177-3AD203B41FA5}">
+                      <a16:colId xmlns:a16="http://schemas.microsoft.com/office/drawing/2014/main" val="1492936081"/>
+                    </a:ext>
+                  </a:extLst>
+                </a:gridCol>
+                <a:gridCol w="423757">
+                  <a:extLst>
+                    <a:ext uri="{9D8B030D-6E8A-4147-A177-3AD203B41FA5}">
+                      <a16:colId xmlns:a16="http://schemas.microsoft.com/office/drawing/2014/main" val="2328466560"/>
+                    </a:ext>
+                  </a:extLst>
+                </a:gridCol>
+                <a:gridCol w="423757">
+                  <a:extLst>
+                    <a:ext uri="{9D8B030D-6E8A-4147-A177-3AD203B41FA5}">
+                      <a16:colId xmlns:a16="http://schemas.microsoft.com/office/drawing/2014/main" val="605851618"/>
+                    </a:ext>
+                  </a:extLst>
+                </a:gridCol>
+                <a:gridCol w="423757">
+                  <a:extLst>
+                    <a:ext uri="{9D8B030D-6E8A-4147-A177-3AD203B41FA5}">
+                      <a16:colId xmlns:a16="http://schemas.microsoft.com/office/drawing/2014/main" val="1632471791"/>
+                    </a:ext>
+                  </a:extLst>
+                </a:gridCol>
+                <a:gridCol w="423757">
+                  <a:extLst>
+                    <a:ext uri="{9D8B030D-6E8A-4147-A177-3AD203B41FA5}">
+                      <a16:colId xmlns:a16="http://schemas.microsoft.com/office/drawing/2014/main" val="3465053422"/>
+                    </a:ext>
+                  </a:extLst>
+                </a:gridCol>
+                <a:gridCol w="423757">
+                  <a:extLst>
+                    <a:ext uri="{9D8B030D-6E8A-4147-A177-3AD203B41FA5}">
+                      <a16:colId xmlns:a16="http://schemas.microsoft.com/office/drawing/2014/main" val="246274235"/>
+                    </a:ext>
+                  </a:extLst>
+                </a:gridCol>
+              </a:tblGrid>
+              <a:tr h="462068">
+                <a:tc>
+                  <a:txBody>
+                    <a:bodyPr/>
+                    <a:lstStyle/>
+                    <a:p>
+                      <a:pPr algn="ctr"/>
+                      <a:r>
+                        <a:rPr lang="en-US" altLang="zh-TW" sz="1600" b="0" dirty="0" smtClean="0">
+                          <a:solidFill>
+                            <a:schemeClr val="tx1"/>
+                          </a:solidFill>
+                          <a:latin typeface="Times New Roman" panose="02020603050405020304" pitchFamily="18" charset="0"/>
+                          <a:cs typeface="Times New Roman" panose="02020603050405020304" pitchFamily="18" charset="0"/>
+                        </a:rPr>
+                        <a:t>1</a:t>
+                      </a:r>
+                      <a:endParaRPr lang="zh-TW" altLang="en-US" sz="1600" b="0" dirty="0">
+                        <a:solidFill>
+                          <a:schemeClr val="tx1"/>
+                        </a:solidFill>
+                        <a:latin typeface="Times New Roman" panose="02020603050405020304" pitchFamily="18" charset="0"/>
+                        <a:cs typeface="Times New Roman" panose="02020603050405020304" pitchFamily="18" charset="0"/>
+                      </a:endParaRPr>
+                    </a:p>
+                  </a:txBody>
+                  <a:tcPr anchor="ctr">
+                    <a:lnL w="12700" cap="flat" cmpd="sng" algn="ctr">
+                      <a:solidFill>
+                        <a:schemeClr val="tx1"/>
+                      </a:solidFill>
+                      <a:prstDash val="solid"/>
+                      <a:round/>
+                      <a:headEnd type="none" w="med" len="med"/>
+                      <a:tailEnd type="none" w="med" len="med"/>
+                    </a:lnL>
+                    <a:lnR w="12700" cap="flat" cmpd="sng" algn="ctr">
+                      <a:solidFill>
+                        <a:schemeClr val="tx1"/>
+                      </a:solidFill>
+                      <a:prstDash val="solid"/>
+                      <a:round/>
+                      <a:headEnd type="none" w="med" len="med"/>
+                      <a:tailEnd type="none" w="med" len="med"/>
+                    </a:lnR>
+                    <a:lnT w="12700" cap="flat" cmpd="sng" algn="ctr">
+                      <a:solidFill>
+                        <a:schemeClr val="tx1"/>
+                      </a:solidFill>
+                      <a:prstDash val="solid"/>
+                      <a:round/>
+                      <a:headEnd type="none" w="med" len="med"/>
+                      <a:tailEnd type="none" w="med" len="med"/>
+                    </a:lnT>
+                    <a:lnB w="12700" cap="flat" cmpd="sng" algn="ctr">
+                      <a:solidFill>
+                        <a:schemeClr val="tx1"/>
+                      </a:solidFill>
+                      <a:prstDash val="solid"/>
+                      <a:round/>
+                      <a:headEnd type="none" w="med" len="med"/>
+                      <a:tailEnd type="none" w="med" len="med"/>
+                    </a:lnB>
+                    <a:lnTlToBr w="12700" cmpd="sng">
+                      <a:noFill/>
+                      <a:prstDash val="solid"/>
+                    </a:lnTlToBr>
+                    <a:lnBlToTr w="12700" cmpd="sng">
+                      <a:noFill/>
+                      <a:prstDash val="solid"/>
+                    </a:lnBlToTr>
+                    <a:solidFill>
+                      <a:schemeClr val="bg1"/>
+                    </a:solidFill>
+                  </a:tcPr>
+                </a:tc>
+                <a:tc>
+                  <a:txBody>
+                    <a:bodyPr/>
+                    <a:lstStyle/>
+                    <a:p>
+                      <a:pPr algn="ctr"/>
+                      <a:r>
+                        <a:rPr lang="en-US" altLang="zh-TW" sz="1600" b="0" dirty="0" smtClean="0">
+                          <a:solidFill>
+                            <a:schemeClr val="tx1"/>
+                          </a:solidFill>
+                          <a:latin typeface="Times New Roman" panose="02020603050405020304" pitchFamily="18" charset="0"/>
+                          <a:cs typeface="Times New Roman" panose="02020603050405020304" pitchFamily="18" charset="0"/>
+                        </a:rPr>
+                        <a:t>1</a:t>
+                      </a:r>
+                      <a:endParaRPr lang="zh-TW" altLang="en-US" sz="1600" b="0" dirty="0">
+                        <a:solidFill>
+                          <a:schemeClr val="tx1"/>
+                        </a:solidFill>
+                        <a:latin typeface="Times New Roman" panose="02020603050405020304" pitchFamily="18" charset="0"/>
+                        <a:cs typeface="Times New Roman" panose="02020603050405020304" pitchFamily="18" charset="0"/>
+                      </a:endParaRPr>
+                    </a:p>
+                  </a:txBody>
+                  <a:tcPr anchor="ctr">
+                    <a:lnL w="12700" cap="flat" cmpd="sng" algn="ctr">
+                      <a:solidFill>
+                        <a:schemeClr val="tx1"/>
+                      </a:solidFill>
+                      <a:prstDash val="solid"/>
+                      <a:round/>
+                      <a:headEnd type="none" w="med" len="med"/>
+                      <a:tailEnd type="none" w="med" len="med"/>
+                    </a:lnL>
+                    <a:lnR w="12700" cap="flat" cmpd="sng" algn="ctr">
+                      <a:solidFill>
+                        <a:schemeClr val="tx1"/>
+                      </a:solidFill>
+                      <a:prstDash val="solid"/>
+                      <a:round/>
+                      <a:headEnd type="none" w="med" len="med"/>
+                      <a:tailEnd type="none" w="med" len="med"/>
+                    </a:lnR>
+                    <a:lnT w="12700" cap="flat" cmpd="sng" algn="ctr">
+                      <a:solidFill>
+                        <a:schemeClr val="tx1"/>
+                      </a:solidFill>
+                      <a:prstDash val="solid"/>
+                      <a:round/>
+                      <a:headEnd type="none" w="med" len="med"/>
+                      <a:tailEnd type="none" w="med" len="med"/>
+                    </a:lnT>
+                    <a:lnB w="12700" cap="flat" cmpd="sng" algn="ctr">
+                      <a:solidFill>
+                        <a:schemeClr val="tx1"/>
+                      </a:solidFill>
+                      <a:prstDash val="solid"/>
+                      <a:round/>
+                      <a:headEnd type="none" w="med" len="med"/>
+                      <a:tailEnd type="none" w="med" len="med"/>
+                    </a:lnB>
+                    <a:lnTlToBr w="12700" cmpd="sng">
+                      <a:noFill/>
+                      <a:prstDash val="solid"/>
+                    </a:lnTlToBr>
+                    <a:lnBlToTr w="12700" cmpd="sng">
+                      <a:noFill/>
+                      <a:prstDash val="solid"/>
+                    </a:lnBlToTr>
+                    <a:solidFill>
+                      <a:schemeClr val="bg1"/>
+                    </a:solidFill>
+                  </a:tcPr>
+                </a:tc>
+                <a:tc>
+                  <a:txBody>
+                    <a:bodyPr/>
+                    <a:lstStyle/>
+                    <a:p>
+                      <a:pPr algn="ctr"/>
+                      <a:r>
+                        <a:rPr lang="en-US" altLang="zh-TW" sz="1600" b="0" dirty="0" smtClean="0">
+                          <a:solidFill>
+                            <a:schemeClr val="tx1"/>
+                          </a:solidFill>
+                          <a:latin typeface="Times New Roman" panose="02020603050405020304" pitchFamily="18" charset="0"/>
+                          <a:cs typeface="Times New Roman" panose="02020603050405020304" pitchFamily="18" charset="0"/>
+                        </a:rPr>
+                        <a:t>0</a:t>
+                      </a:r>
+                      <a:endParaRPr lang="zh-TW" altLang="en-US" sz="1600" b="0" dirty="0">
+                        <a:solidFill>
+                          <a:schemeClr val="tx1"/>
+                        </a:solidFill>
+                        <a:latin typeface="Times New Roman" panose="02020603050405020304" pitchFamily="18" charset="0"/>
+                        <a:cs typeface="Times New Roman" panose="02020603050405020304" pitchFamily="18" charset="0"/>
+                      </a:endParaRPr>
+                    </a:p>
+                  </a:txBody>
+                  <a:tcPr anchor="ctr">
+                    <a:lnL w="12700" cap="flat" cmpd="sng" algn="ctr">
+                      <a:solidFill>
+                        <a:schemeClr val="tx1"/>
+                      </a:solidFill>
+                      <a:prstDash val="solid"/>
+                      <a:round/>
+                      <a:headEnd type="none" w="med" len="med"/>
+                      <a:tailEnd type="none" w="med" len="med"/>
+                    </a:lnL>
+                    <a:lnR w="12700" cap="flat" cmpd="sng" algn="ctr">
+                      <a:solidFill>
+                        <a:schemeClr val="tx1"/>
+                      </a:solidFill>
+                      <a:prstDash val="solid"/>
+                      <a:round/>
+                      <a:headEnd type="none" w="med" len="med"/>
+                      <a:tailEnd type="none" w="med" len="med"/>
+                    </a:lnR>
+                    <a:lnT w="12700" cap="flat" cmpd="sng" algn="ctr">
+                      <a:solidFill>
+                        <a:schemeClr val="tx1"/>
+                      </a:solidFill>
+                      <a:prstDash val="solid"/>
+                      <a:round/>
+                      <a:headEnd type="none" w="med" len="med"/>
+                      <a:tailEnd type="none" w="med" len="med"/>
+                    </a:lnT>
+                    <a:lnB w="12700" cap="flat" cmpd="sng" algn="ctr">
+                      <a:solidFill>
+                        <a:schemeClr val="tx1"/>
+                      </a:solidFill>
+                      <a:prstDash val="solid"/>
+                      <a:round/>
+                      <a:headEnd type="none" w="med" len="med"/>
+                      <a:tailEnd type="none" w="med" len="med"/>
+                    </a:lnB>
+                    <a:lnTlToBr w="12700" cmpd="sng">
+                      <a:noFill/>
+                      <a:prstDash val="solid"/>
+                    </a:lnTlToBr>
+                    <a:lnBlToTr w="12700" cmpd="sng">
+                      <a:noFill/>
+                      <a:prstDash val="solid"/>
+                    </a:lnBlToTr>
+                    <a:solidFill>
+                      <a:schemeClr val="bg1"/>
+                    </a:solidFill>
+                  </a:tcPr>
+                </a:tc>
+                <a:tc>
+                  <a:txBody>
+                    <a:bodyPr/>
+                    <a:lstStyle/>
+                    <a:p>
+                      <a:pPr algn="ctr"/>
+                      <a:r>
+                        <a:rPr lang="en-US" altLang="zh-TW" sz="1600" b="0" dirty="0" smtClean="0">
+                          <a:solidFill>
+                            <a:schemeClr val="tx1"/>
+                          </a:solidFill>
+                          <a:latin typeface="Times New Roman" panose="02020603050405020304" pitchFamily="18" charset="0"/>
+                          <a:cs typeface="Times New Roman" panose="02020603050405020304" pitchFamily="18" charset="0"/>
+                        </a:rPr>
+                        <a:t>0</a:t>
+                      </a:r>
+                      <a:endParaRPr lang="zh-TW" altLang="en-US" sz="1600" b="0" dirty="0">
+                        <a:solidFill>
+                          <a:schemeClr val="tx1"/>
+                        </a:solidFill>
+                        <a:latin typeface="Times New Roman" panose="02020603050405020304" pitchFamily="18" charset="0"/>
+                        <a:cs typeface="Times New Roman" panose="02020603050405020304" pitchFamily="18" charset="0"/>
+                      </a:endParaRPr>
+                    </a:p>
+                  </a:txBody>
+                  <a:tcPr anchor="ctr">
+                    <a:lnL w="12700" cap="flat" cmpd="sng" algn="ctr">
+                      <a:solidFill>
+                        <a:schemeClr val="tx1"/>
+                      </a:solidFill>
+                      <a:prstDash val="solid"/>
+                      <a:round/>
+                      <a:headEnd type="none" w="med" len="med"/>
+                      <a:tailEnd type="none" w="med" len="med"/>
+                    </a:lnL>
+                    <a:lnR w="12700" cap="flat" cmpd="sng" algn="ctr">
+                      <a:solidFill>
+                        <a:schemeClr val="tx1"/>
+                      </a:solidFill>
+                      <a:prstDash val="solid"/>
+                      <a:round/>
+                      <a:headEnd type="none" w="med" len="med"/>
+                      <a:tailEnd type="none" w="med" len="med"/>
+                    </a:lnR>
+                    <a:lnT w="12700" cap="flat" cmpd="sng" algn="ctr">
+                      <a:solidFill>
+                        <a:schemeClr val="tx1"/>
+                      </a:solidFill>
+                      <a:prstDash val="solid"/>
+                      <a:round/>
+                      <a:headEnd type="none" w="med" len="med"/>
+                      <a:tailEnd type="none" w="med" len="med"/>
+                    </a:lnT>
+                    <a:lnB w="12700" cap="flat" cmpd="sng" algn="ctr">
+                      <a:solidFill>
+                        <a:schemeClr val="tx1"/>
+                      </a:solidFill>
+                      <a:prstDash val="solid"/>
+                      <a:round/>
+                      <a:headEnd type="none" w="med" len="med"/>
+                      <a:tailEnd type="none" w="med" len="med"/>
+                    </a:lnB>
+                    <a:lnTlToBr w="12700" cmpd="sng">
+                      <a:noFill/>
+                      <a:prstDash val="solid"/>
+                    </a:lnTlToBr>
+                    <a:lnBlToTr w="12700" cmpd="sng">
+                      <a:noFill/>
+                      <a:prstDash val="solid"/>
+                    </a:lnBlToTr>
+                    <a:solidFill>
+                      <a:schemeClr val="bg1"/>
+                    </a:solidFill>
+                  </a:tcPr>
+                </a:tc>
+                <a:tc>
+                  <a:txBody>
+                    <a:bodyPr/>
+                    <a:lstStyle/>
+                    <a:p>
+                      <a:pPr algn="ctr"/>
+                      <a:r>
+                        <a:rPr lang="en-US" altLang="zh-TW" sz="1600" b="0" dirty="0" smtClean="0">
+                          <a:solidFill>
+                            <a:schemeClr val="tx1"/>
+                          </a:solidFill>
+                          <a:latin typeface="Times New Roman" panose="02020603050405020304" pitchFamily="18" charset="0"/>
+                          <a:cs typeface="Times New Roman" panose="02020603050405020304" pitchFamily="18" charset="0"/>
+                        </a:rPr>
+                        <a:t>0</a:t>
+                      </a:r>
+                      <a:endParaRPr lang="zh-TW" altLang="en-US" sz="1600" b="0" dirty="0">
+                        <a:solidFill>
+                          <a:schemeClr val="tx1"/>
+                        </a:solidFill>
+                        <a:latin typeface="Times New Roman" panose="02020603050405020304" pitchFamily="18" charset="0"/>
+                        <a:cs typeface="Times New Roman" panose="02020603050405020304" pitchFamily="18" charset="0"/>
+                      </a:endParaRPr>
+                    </a:p>
+                  </a:txBody>
+                  <a:tcPr anchor="ctr">
+                    <a:lnL w="12700" cap="flat" cmpd="sng" algn="ctr">
+                      <a:solidFill>
+                        <a:schemeClr val="tx1"/>
+                      </a:solidFill>
+                      <a:prstDash val="solid"/>
+                      <a:round/>
+                      <a:headEnd type="none" w="med" len="med"/>
+                      <a:tailEnd type="none" w="med" len="med"/>
+                    </a:lnL>
+                    <a:lnR w="12700" cap="flat" cmpd="sng" algn="ctr">
+                      <a:solidFill>
+                        <a:schemeClr val="tx1"/>
+                      </a:solidFill>
+                      <a:prstDash val="solid"/>
+                      <a:round/>
+                      <a:headEnd type="none" w="med" len="med"/>
+                      <a:tailEnd type="none" w="med" len="med"/>
+                    </a:lnR>
+                    <a:lnT w="12700" cap="flat" cmpd="sng" algn="ctr">
+                      <a:solidFill>
+                        <a:schemeClr val="tx1"/>
+                      </a:solidFill>
+                      <a:prstDash val="solid"/>
+                      <a:round/>
+                      <a:headEnd type="none" w="med" len="med"/>
+                      <a:tailEnd type="none" w="med" len="med"/>
+                    </a:lnT>
+                    <a:lnB w="12700" cap="flat" cmpd="sng" algn="ctr">
+                      <a:solidFill>
+                        <a:schemeClr val="tx1"/>
+                      </a:solidFill>
+                      <a:prstDash val="solid"/>
+                      <a:round/>
+                      <a:headEnd type="none" w="med" len="med"/>
+                      <a:tailEnd type="none" w="med" len="med"/>
+                    </a:lnB>
+                    <a:lnTlToBr w="12700" cmpd="sng">
+                      <a:noFill/>
+                      <a:prstDash val="solid"/>
+                    </a:lnTlToBr>
+                    <a:lnBlToTr w="12700" cmpd="sng">
+                      <a:noFill/>
+                      <a:prstDash val="solid"/>
+                    </a:lnBlToTr>
+                    <a:solidFill>
+                      <a:schemeClr val="bg1"/>
+                    </a:solidFill>
+                  </a:tcPr>
+                </a:tc>
+                <a:tc>
+                  <a:txBody>
+                    <a:bodyPr/>
+                    <a:lstStyle/>
+                    <a:p>
+                      <a:pPr algn="ctr"/>
+                      <a:r>
+                        <a:rPr lang="en-US" altLang="zh-TW" sz="1600" b="0" dirty="0" smtClean="0">
+                          <a:solidFill>
+                            <a:schemeClr val="tx1"/>
+                          </a:solidFill>
+                          <a:latin typeface="Times New Roman" panose="02020603050405020304" pitchFamily="18" charset="0"/>
+                          <a:cs typeface="Times New Roman" panose="02020603050405020304" pitchFamily="18" charset="0"/>
+                        </a:rPr>
+                        <a:t>0</a:t>
+                      </a:r>
+                      <a:endParaRPr lang="zh-TW" altLang="en-US" sz="1600" b="0" dirty="0">
+                        <a:solidFill>
+                          <a:schemeClr val="tx1"/>
+                        </a:solidFill>
+                        <a:latin typeface="Times New Roman" panose="02020603050405020304" pitchFamily="18" charset="0"/>
+                        <a:cs typeface="Times New Roman" panose="02020603050405020304" pitchFamily="18" charset="0"/>
+                      </a:endParaRPr>
+                    </a:p>
+                  </a:txBody>
+                  <a:tcPr anchor="ctr">
+                    <a:lnL w="12700" cap="flat" cmpd="sng" algn="ctr">
+                      <a:solidFill>
+                        <a:schemeClr val="tx1"/>
+                      </a:solidFill>
+                      <a:prstDash val="solid"/>
+                      <a:round/>
+                      <a:headEnd type="none" w="med" len="med"/>
+                      <a:tailEnd type="none" w="med" len="med"/>
+                    </a:lnL>
+                    <a:lnR w="12700" cap="flat" cmpd="sng" algn="ctr">
+                      <a:solidFill>
+                        <a:schemeClr val="tx1"/>
+                      </a:solidFill>
+                      <a:prstDash val="solid"/>
+                      <a:round/>
+                      <a:headEnd type="none" w="med" len="med"/>
+                      <a:tailEnd type="none" w="med" len="med"/>
+                    </a:lnR>
+                    <a:lnT w="12700" cap="flat" cmpd="sng" algn="ctr">
+                      <a:solidFill>
+                        <a:schemeClr val="tx1"/>
+                      </a:solidFill>
+                      <a:prstDash val="solid"/>
+                      <a:round/>
+                      <a:headEnd type="none" w="med" len="med"/>
+                      <a:tailEnd type="none" w="med" len="med"/>
+                    </a:lnT>
+                    <a:lnB w="12700" cap="flat" cmpd="sng" algn="ctr">
+                      <a:solidFill>
+                        <a:schemeClr val="tx1"/>
+                      </a:solidFill>
+                      <a:prstDash val="solid"/>
+                      <a:round/>
+                      <a:headEnd type="none" w="med" len="med"/>
+                      <a:tailEnd type="none" w="med" len="med"/>
+                    </a:lnB>
+                    <a:lnTlToBr w="12700" cmpd="sng">
+                      <a:noFill/>
+                      <a:prstDash val="solid"/>
+                    </a:lnTlToBr>
+                    <a:lnBlToTr w="12700" cmpd="sng">
+                      <a:noFill/>
+                      <a:prstDash val="solid"/>
+                    </a:lnBlToTr>
+                    <a:solidFill>
+                      <a:schemeClr val="bg1"/>
+                    </a:solidFill>
+                  </a:tcPr>
+                </a:tc>
+                <a:extLst>
+                  <a:ext uri="{0D108BD9-81ED-4DB2-BD59-A6C34878D82A}">
+                    <a16:rowId xmlns:a16="http://schemas.microsoft.com/office/drawing/2014/main" val="4226584499"/>
+                  </a:ext>
+                </a:extLst>
+              </a:tr>
+            </a:tbl>
+          </a:graphicData>
+        </a:graphic>
+      </p:graphicFrame>
+      <p:graphicFrame>
+        <p:nvGraphicFramePr>
+          <p:cNvPr id="6" name="表格 5"/>
+          <p:cNvGraphicFramePr>
+            <a:graphicFrameLocks noGrp="1"/>
+          </p:cNvGraphicFramePr>
+          <p:nvPr>
+            <p:extLst>
+              <p:ext uri="{D42A27DB-BD31-4B8C-83A1-F6EECF244321}">
+                <p14:modId xmlns:p14="http://schemas.microsoft.com/office/powerpoint/2010/main" val="3898300541"/>
+              </p:ext>
+            </p:extLst>
+          </p:nvPr>
+        </p:nvGraphicFramePr>
+        <p:xfrm>
+          <a:off x="6159647" y="1865696"/>
+          <a:ext cx="2542542" cy="462068"/>
+        </p:xfrm>
+        <a:graphic>
+          <a:graphicData uri="http://schemas.openxmlformats.org/drawingml/2006/table">
+            <a:tbl>
+              <a:tblPr firstRow="1" bandRow="1">
+                <a:tableStyleId>{5C22544A-7EE6-4342-B048-85BDC9FD1C3A}</a:tableStyleId>
+              </a:tblPr>
+              <a:tblGrid>
+                <a:gridCol w="423757">
+                  <a:extLst>
+                    <a:ext uri="{9D8B030D-6E8A-4147-A177-3AD203B41FA5}">
+                      <a16:colId xmlns:a16="http://schemas.microsoft.com/office/drawing/2014/main" val="1492936081"/>
+                    </a:ext>
+                  </a:extLst>
+                </a:gridCol>
+                <a:gridCol w="423757">
+                  <a:extLst>
+                    <a:ext uri="{9D8B030D-6E8A-4147-A177-3AD203B41FA5}">
+                      <a16:colId xmlns:a16="http://schemas.microsoft.com/office/drawing/2014/main" val="2328466560"/>
+                    </a:ext>
+                  </a:extLst>
+                </a:gridCol>
+                <a:gridCol w="423757">
+                  <a:extLst>
+                    <a:ext uri="{9D8B030D-6E8A-4147-A177-3AD203B41FA5}">
+                      <a16:colId xmlns:a16="http://schemas.microsoft.com/office/drawing/2014/main" val="605851618"/>
+                    </a:ext>
+                  </a:extLst>
+                </a:gridCol>
+                <a:gridCol w="423757">
+                  <a:extLst>
+                    <a:ext uri="{9D8B030D-6E8A-4147-A177-3AD203B41FA5}">
+                      <a16:colId xmlns:a16="http://schemas.microsoft.com/office/drawing/2014/main" val="1632471791"/>
+                    </a:ext>
+                  </a:extLst>
+                </a:gridCol>
+                <a:gridCol w="423757">
+                  <a:extLst>
+                    <a:ext uri="{9D8B030D-6E8A-4147-A177-3AD203B41FA5}">
+                      <a16:colId xmlns:a16="http://schemas.microsoft.com/office/drawing/2014/main" val="3465053422"/>
+                    </a:ext>
+                  </a:extLst>
+                </a:gridCol>
+                <a:gridCol w="423757">
+                  <a:extLst>
+                    <a:ext uri="{9D8B030D-6E8A-4147-A177-3AD203B41FA5}">
+                      <a16:colId xmlns:a16="http://schemas.microsoft.com/office/drawing/2014/main" val="246274235"/>
+                    </a:ext>
+                  </a:extLst>
+                </a:gridCol>
+              </a:tblGrid>
+              <a:tr h="462068">
+                <a:tc>
+                  <a:txBody>
+                    <a:bodyPr/>
+                    <a:lstStyle/>
+                    <a:p>
+                      <a:pPr algn="ctr"/>
+                      <a:r>
+                        <a:rPr lang="en-US" altLang="zh-TW" sz="1600" b="0" dirty="0" smtClean="0">
+                          <a:solidFill>
+                            <a:schemeClr val="tx1"/>
+                          </a:solidFill>
+                          <a:latin typeface="Times New Roman" panose="02020603050405020304" pitchFamily="18" charset="0"/>
+                          <a:cs typeface="Times New Roman" panose="02020603050405020304" pitchFamily="18" charset="0"/>
+                        </a:rPr>
+                        <a:t>0</a:t>
+                      </a:r>
+                      <a:endParaRPr lang="zh-TW" altLang="en-US" sz="1600" b="0" dirty="0">
+                        <a:solidFill>
+                          <a:schemeClr val="tx1"/>
+                        </a:solidFill>
+                        <a:latin typeface="Times New Roman" panose="02020603050405020304" pitchFamily="18" charset="0"/>
+                        <a:cs typeface="Times New Roman" panose="02020603050405020304" pitchFamily="18" charset="0"/>
+                      </a:endParaRPr>
+                    </a:p>
+                  </a:txBody>
+                  <a:tcPr anchor="ctr">
+                    <a:lnL w="12700" cap="flat" cmpd="sng" algn="ctr">
+                      <a:solidFill>
+                        <a:schemeClr val="tx1"/>
+                      </a:solidFill>
+                      <a:prstDash val="solid"/>
+                      <a:round/>
+                      <a:headEnd type="none" w="med" len="med"/>
+                      <a:tailEnd type="none" w="med" len="med"/>
+                    </a:lnL>
+                    <a:lnR w="12700" cap="flat" cmpd="sng" algn="ctr">
+                      <a:solidFill>
+                        <a:schemeClr val="tx1"/>
+                      </a:solidFill>
+                      <a:prstDash val="solid"/>
+                      <a:round/>
+                      <a:headEnd type="none" w="med" len="med"/>
+                      <a:tailEnd type="none" w="med" len="med"/>
+                    </a:lnR>
+                    <a:lnT w="12700" cap="flat" cmpd="sng" algn="ctr">
+                      <a:solidFill>
+                        <a:schemeClr val="tx1"/>
+                      </a:solidFill>
+                      <a:prstDash val="solid"/>
+                      <a:round/>
+                      <a:headEnd type="none" w="med" len="med"/>
+                      <a:tailEnd type="none" w="med" len="med"/>
+                    </a:lnT>
+                    <a:lnB w="12700" cap="flat" cmpd="sng" algn="ctr">
+                      <a:solidFill>
+                        <a:schemeClr val="tx1"/>
+                      </a:solidFill>
+                      <a:prstDash val="solid"/>
+                      <a:round/>
+                      <a:headEnd type="none" w="med" len="med"/>
+                      <a:tailEnd type="none" w="med" len="med"/>
+                    </a:lnB>
+                    <a:lnTlToBr w="12700" cmpd="sng">
+                      <a:noFill/>
+                      <a:prstDash val="solid"/>
+                    </a:lnTlToBr>
+                    <a:lnBlToTr w="12700" cmpd="sng">
+                      <a:noFill/>
+                      <a:prstDash val="solid"/>
+                    </a:lnBlToTr>
+                    <a:solidFill>
+                      <a:schemeClr val="bg1"/>
+                    </a:solidFill>
+                  </a:tcPr>
+                </a:tc>
+                <a:tc>
+                  <a:txBody>
+                    <a:bodyPr/>
+                    <a:lstStyle/>
+                    <a:p>
+                      <a:pPr algn="ctr"/>
+                      <a:r>
+                        <a:rPr lang="en-US" altLang="zh-TW" sz="1600" b="0" dirty="0" smtClean="0">
+                          <a:solidFill>
+                            <a:schemeClr val="tx1"/>
+                          </a:solidFill>
+                          <a:latin typeface="Times New Roman" panose="02020603050405020304" pitchFamily="18" charset="0"/>
+                          <a:cs typeface="Times New Roman" panose="02020603050405020304" pitchFamily="18" charset="0"/>
+                        </a:rPr>
+                        <a:t>1</a:t>
+                      </a:r>
+                      <a:endParaRPr lang="zh-TW" altLang="en-US" sz="1600" b="0" dirty="0">
+                        <a:solidFill>
+                          <a:schemeClr val="tx1"/>
+                        </a:solidFill>
+                        <a:latin typeface="Times New Roman" panose="02020603050405020304" pitchFamily="18" charset="0"/>
+                        <a:cs typeface="Times New Roman" panose="02020603050405020304" pitchFamily="18" charset="0"/>
+                      </a:endParaRPr>
+                    </a:p>
+                  </a:txBody>
+                  <a:tcPr anchor="ctr">
+                    <a:lnL w="12700" cap="flat" cmpd="sng" algn="ctr">
+                      <a:solidFill>
+                        <a:schemeClr val="tx1"/>
+                      </a:solidFill>
+                      <a:prstDash val="solid"/>
+                      <a:round/>
+                      <a:headEnd type="none" w="med" len="med"/>
+                      <a:tailEnd type="none" w="med" len="med"/>
+                    </a:lnL>
+                    <a:lnR w="12700" cap="flat" cmpd="sng" algn="ctr">
+                      <a:solidFill>
+                        <a:schemeClr val="tx1"/>
+                      </a:solidFill>
+                      <a:prstDash val="solid"/>
+                      <a:round/>
+                      <a:headEnd type="none" w="med" len="med"/>
+                      <a:tailEnd type="none" w="med" len="med"/>
+                    </a:lnR>
+                    <a:lnT w="12700" cap="flat" cmpd="sng" algn="ctr">
+                      <a:solidFill>
+                        <a:schemeClr val="tx1"/>
+                      </a:solidFill>
+                      <a:prstDash val="solid"/>
+                      <a:round/>
+                      <a:headEnd type="none" w="med" len="med"/>
+                      <a:tailEnd type="none" w="med" len="med"/>
+                    </a:lnT>
+                    <a:lnB w="12700" cap="flat" cmpd="sng" algn="ctr">
+                      <a:solidFill>
+                        <a:schemeClr val="tx1"/>
+                      </a:solidFill>
+                      <a:prstDash val="solid"/>
+                      <a:round/>
+                      <a:headEnd type="none" w="med" len="med"/>
+                      <a:tailEnd type="none" w="med" len="med"/>
+                    </a:lnB>
+                    <a:lnTlToBr w="12700" cmpd="sng">
+                      <a:noFill/>
+                      <a:prstDash val="solid"/>
+                    </a:lnTlToBr>
+                    <a:lnBlToTr w="12700" cmpd="sng">
+                      <a:noFill/>
+                      <a:prstDash val="solid"/>
+                    </a:lnBlToTr>
+                    <a:solidFill>
+                      <a:schemeClr val="bg1"/>
+                    </a:solidFill>
+                  </a:tcPr>
+                </a:tc>
+                <a:tc>
+                  <a:txBody>
+                    <a:bodyPr/>
+                    <a:lstStyle/>
+                    <a:p>
+                      <a:pPr algn="ctr"/>
+                      <a:r>
+                        <a:rPr lang="en-US" altLang="zh-TW" sz="1600" b="0" dirty="0" smtClean="0">
+                          <a:solidFill>
+                            <a:srgbClr val="FF0000"/>
+                          </a:solidFill>
+                          <a:latin typeface="Times New Roman" panose="02020603050405020304" pitchFamily="18" charset="0"/>
+                          <a:cs typeface="Times New Roman" panose="02020603050405020304" pitchFamily="18" charset="0"/>
+                        </a:rPr>
+                        <a:t>1</a:t>
+                      </a:r>
+                      <a:endParaRPr lang="zh-TW" altLang="en-US" sz="1600" b="0" dirty="0">
+                        <a:solidFill>
+                          <a:srgbClr val="FF0000"/>
+                        </a:solidFill>
+                        <a:latin typeface="Times New Roman" panose="02020603050405020304" pitchFamily="18" charset="0"/>
+                        <a:cs typeface="Times New Roman" panose="02020603050405020304" pitchFamily="18" charset="0"/>
+                      </a:endParaRPr>
+                    </a:p>
+                  </a:txBody>
+                  <a:tcPr anchor="ctr">
+                    <a:lnL w="12700" cap="flat" cmpd="sng" algn="ctr">
+                      <a:solidFill>
+                        <a:schemeClr val="tx1"/>
+                      </a:solidFill>
+                      <a:prstDash val="solid"/>
+                      <a:round/>
+                      <a:headEnd type="none" w="med" len="med"/>
+                      <a:tailEnd type="none" w="med" len="med"/>
+                    </a:lnL>
+                    <a:lnR w="12700" cap="flat" cmpd="sng" algn="ctr">
+                      <a:solidFill>
+                        <a:schemeClr val="tx1"/>
+                      </a:solidFill>
+                      <a:prstDash val="solid"/>
+                      <a:round/>
+                      <a:headEnd type="none" w="med" len="med"/>
+                      <a:tailEnd type="none" w="med" len="med"/>
+                    </a:lnR>
+                    <a:lnT w="12700" cap="flat" cmpd="sng" algn="ctr">
+                      <a:solidFill>
+                        <a:schemeClr val="tx1"/>
+                      </a:solidFill>
+                      <a:prstDash val="solid"/>
+                      <a:round/>
+                      <a:headEnd type="none" w="med" len="med"/>
+                      <a:tailEnd type="none" w="med" len="med"/>
+                    </a:lnT>
+                    <a:lnB w="12700" cap="flat" cmpd="sng" algn="ctr">
+                      <a:solidFill>
+                        <a:schemeClr val="tx1"/>
+                      </a:solidFill>
+                      <a:prstDash val="solid"/>
+                      <a:round/>
+                      <a:headEnd type="none" w="med" len="med"/>
+                      <a:tailEnd type="none" w="med" len="med"/>
+                    </a:lnB>
+                    <a:lnTlToBr w="12700" cmpd="sng">
+                      <a:noFill/>
+                      <a:prstDash val="solid"/>
+                    </a:lnTlToBr>
+                    <a:lnBlToTr w="12700" cmpd="sng">
+                      <a:noFill/>
+                      <a:prstDash val="solid"/>
+                    </a:lnBlToTr>
+                    <a:solidFill>
+                      <a:schemeClr val="bg1"/>
+                    </a:solidFill>
+                  </a:tcPr>
+                </a:tc>
+                <a:tc>
+                  <a:txBody>
+                    <a:bodyPr/>
+                    <a:lstStyle/>
+                    <a:p>
+                      <a:pPr algn="ctr"/>
+                      <a:r>
+                        <a:rPr lang="en-US" altLang="zh-TW" sz="1600" b="0" dirty="0" smtClean="0">
+                          <a:solidFill>
+                            <a:schemeClr val="tx1"/>
+                          </a:solidFill>
+                          <a:latin typeface="Times New Roman" panose="02020603050405020304" pitchFamily="18" charset="0"/>
+                          <a:cs typeface="Times New Roman" panose="02020603050405020304" pitchFamily="18" charset="0"/>
+                        </a:rPr>
+                        <a:t>0</a:t>
+                      </a:r>
+                      <a:endParaRPr lang="zh-TW" altLang="en-US" sz="1600" b="0" dirty="0">
+                        <a:solidFill>
+                          <a:schemeClr val="tx1"/>
+                        </a:solidFill>
+                        <a:latin typeface="Times New Roman" panose="02020603050405020304" pitchFamily="18" charset="0"/>
+                        <a:cs typeface="Times New Roman" panose="02020603050405020304" pitchFamily="18" charset="0"/>
+                      </a:endParaRPr>
+                    </a:p>
+                  </a:txBody>
+                  <a:tcPr anchor="ctr">
+                    <a:lnL w="12700" cap="flat" cmpd="sng" algn="ctr">
+                      <a:solidFill>
+                        <a:schemeClr val="tx1"/>
+                      </a:solidFill>
+                      <a:prstDash val="solid"/>
+                      <a:round/>
+                      <a:headEnd type="none" w="med" len="med"/>
+                      <a:tailEnd type="none" w="med" len="med"/>
+                    </a:lnL>
+                    <a:lnR w="12700" cap="flat" cmpd="sng" algn="ctr">
+                      <a:solidFill>
+                        <a:schemeClr val="tx1"/>
+                      </a:solidFill>
+                      <a:prstDash val="solid"/>
+                      <a:round/>
+                      <a:headEnd type="none" w="med" len="med"/>
+                      <a:tailEnd type="none" w="med" len="med"/>
+                    </a:lnR>
+                    <a:lnT w="12700" cap="flat" cmpd="sng" algn="ctr">
+                      <a:solidFill>
+                        <a:schemeClr val="tx1"/>
+                      </a:solidFill>
+                      <a:prstDash val="solid"/>
+                      <a:round/>
+                      <a:headEnd type="none" w="med" len="med"/>
+                      <a:tailEnd type="none" w="med" len="med"/>
+                    </a:lnT>
+                    <a:lnB w="12700" cap="flat" cmpd="sng" algn="ctr">
+                      <a:solidFill>
+                        <a:schemeClr val="tx1"/>
+                      </a:solidFill>
+                      <a:prstDash val="solid"/>
+                      <a:round/>
+                      <a:headEnd type="none" w="med" len="med"/>
+                      <a:tailEnd type="none" w="med" len="med"/>
+                    </a:lnB>
+                    <a:lnTlToBr w="12700" cmpd="sng">
+                      <a:noFill/>
+                      <a:prstDash val="solid"/>
+                    </a:lnTlToBr>
+                    <a:lnBlToTr w="12700" cmpd="sng">
+                      <a:noFill/>
+                      <a:prstDash val="solid"/>
+                    </a:lnBlToTr>
+                    <a:solidFill>
+                      <a:schemeClr val="bg1"/>
+                    </a:solidFill>
+                  </a:tcPr>
+                </a:tc>
+                <a:tc>
+                  <a:txBody>
+                    <a:bodyPr/>
+                    <a:lstStyle/>
+                    <a:p>
+                      <a:pPr algn="ctr"/>
+                      <a:r>
+                        <a:rPr lang="en-US" altLang="zh-TW" sz="1600" b="0" dirty="0" smtClean="0">
+                          <a:solidFill>
+                            <a:schemeClr val="tx1"/>
+                          </a:solidFill>
+                          <a:latin typeface="Times New Roman" panose="02020603050405020304" pitchFamily="18" charset="0"/>
+                          <a:cs typeface="Times New Roman" panose="02020603050405020304" pitchFamily="18" charset="0"/>
+                        </a:rPr>
+                        <a:t>0</a:t>
+                      </a:r>
+                      <a:endParaRPr lang="zh-TW" altLang="en-US" sz="1600" b="0" dirty="0">
+                        <a:solidFill>
+                          <a:schemeClr val="tx1"/>
+                        </a:solidFill>
+                        <a:latin typeface="Times New Roman" panose="02020603050405020304" pitchFamily="18" charset="0"/>
+                        <a:cs typeface="Times New Roman" panose="02020603050405020304" pitchFamily="18" charset="0"/>
+                      </a:endParaRPr>
+                    </a:p>
+                  </a:txBody>
+                  <a:tcPr anchor="ctr">
+                    <a:lnL w="12700" cap="flat" cmpd="sng" algn="ctr">
+                      <a:solidFill>
+                        <a:schemeClr val="tx1"/>
+                      </a:solidFill>
+                      <a:prstDash val="solid"/>
+                      <a:round/>
+                      <a:headEnd type="none" w="med" len="med"/>
+                      <a:tailEnd type="none" w="med" len="med"/>
+                    </a:lnL>
+                    <a:lnR w="12700" cap="flat" cmpd="sng" algn="ctr">
+                      <a:solidFill>
+                        <a:schemeClr val="tx1"/>
+                      </a:solidFill>
+                      <a:prstDash val="solid"/>
+                      <a:round/>
+                      <a:headEnd type="none" w="med" len="med"/>
+                      <a:tailEnd type="none" w="med" len="med"/>
+                    </a:lnR>
+                    <a:lnT w="12700" cap="flat" cmpd="sng" algn="ctr">
+                      <a:solidFill>
+                        <a:schemeClr val="tx1"/>
+                      </a:solidFill>
+                      <a:prstDash val="solid"/>
+                      <a:round/>
+                      <a:headEnd type="none" w="med" len="med"/>
+                      <a:tailEnd type="none" w="med" len="med"/>
+                    </a:lnT>
+                    <a:lnB w="12700" cap="flat" cmpd="sng" algn="ctr">
+                      <a:solidFill>
+                        <a:schemeClr val="tx1"/>
+                      </a:solidFill>
+                      <a:prstDash val="solid"/>
+                      <a:round/>
+                      <a:headEnd type="none" w="med" len="med"/>
+                      <a:tailEnd type="none" w="med" len="med"/>
+                    </a:lnB>
+                    <a:lnTlToBr w="12700" cmpd="sng">
+                      <a:noFill/>
+                      <a:prstDash val="solid"/>
+                    </a:lnTlToBr>
+                    <a:lnBlToTr w="12700" cmpd="sng">
+                      <a:noFill/>
+                      <a:prstDash val="solid"/>
+                    </a:lnBlToTr>
+                    <a:solidFill>
+                      <a:schemeClr val="bg1"/>
+                    </a:solidFill>
+                  </a:tcPr>
+                </a:tc>
+                <a:tc>
+                  <a:txBody>
+                    <a:bodyPr/>
+                    <a:lstStyle/>
+                    <a:p>
+                      <a:pPr algn="ctr"/>
+                      <a:r>
+                        <a:rPr lang="en-US" altLang="zh-TW" sz="1600" b="0" dirty="0" smtClean="0">
+                          <a:solidFill>
+                            <a:schemeClr val="tx1"/>
+                          </a:solidFill>
+                          <a:latin typeface="Times New Roman" panose="02020603050405020304" pitchFamily="18" charset="0"/>
+                          <a:cs typeface="Times New Roman" panose="02020603050405020304" pitchFamily="18" charset="0"/>
+                        </a:rPr>
+                        <a:t>0</a:t>
+                      </a:r>
+                      <a:endParaRPr lang="zh-TW" altLang="en-US" sz="1600" b="0" dirty="0">
+                        <a:solidFill>
+                          <a:schemeClr val="tx1"/>
+                        </a:solidFill>
+                        <a:latin typeface="Times New Roman" panose="02020603050405020304" pitchFamily="18" charset="0"/>
+                        <a:cs typeface="Times New Roman" panose="02020603050405020304" pitchFamily="18" charset="0"/>
+                      </a:endParaRPr>
+                    </a:p>
+                  </a:txBody>
+                  <a:tcPr anchor="ctr">
+                    <a:lnL w="12700" cap="flat" cmpd="sng" algn="ctr">
+                      <a:solidFill>
+                        <a:schemeClr val="tx1"/>
+                      </a:solidFill>
+                      <a:prstDash val="solid"/>
+                      <a:round/>
+                      <a:headEnd type="none" w="med" len="med"/>
+                      <a:tailEnd type="none" w="med" len="med"/>
+                    </a:lnL>
+                    <a:lnR w="12700" cap="flat" cmpd="sng" algn="ctr">
+                      <a:solidFill>
+                        <a:schemeClr val="tx1"/>
+                      </a:solidFill>
+                      <a:prstDash val="solid"/>
+                      <a:round/>
+                      <a:headEnd type="none" w="med" len="med"/>
+                      <a:tailEnd type="none" w="med" len="med"/>
+                    </a:lnR>
+                    <a:lnT w="12700" cap="flat" cmpd="sng" algn="ctr">
+                      <a:solidFill>
+                        <a:schemeClr val="tx1"/>
+                      </a:solidFill>
+                      <a:prstDash val="solid"/>
+                      <a:round/>
+                      <a:headEnd type="none" w="med" len="med"/>
+                      <a:tailEnd type="none" w="med" len="med"/>
+                    </a:lnT>
+                    <a:lnB w="12700" cap="flat" cmpd="sng" algn="ctr">
+                      <a:solidFill>
+                        <a:schemeClr val="tx1"/>
+                      </a:solidFill>
+                      <a:prstDash val="solid"/>
+                      <a:round/>
+                      <a:headEnd type="none" w="med" len="med"/>
+                      <a:tailEnd type="none" w="med" len="med"/>
+                    </a:lnB>
+                    <a:lnTlToBr w="12700" cmpd="sng">
+                      <a:noFill/>
+                      <a:prstDash val="solid"/>
+                    </a:lnTlToBr>
+                    <a:lnBlToTr w="12700" cmpd="sng">
+                      <a:noFill/>
+                      <a:prstDash val="solid"/>
+                    </a:lnBlToTr>
+                    <a:solidFill>
+                      <a:schemeClr val="bg1"/>
+                    </a:solidFill>
+                  </a:tcPr>
+                </a:tc>
+                <a:extLst>
+                  <a:ext uri="{0D108BD9-81ED-4DB2-BD59-A6C34878D82A}">
+                    <a16:rowId xmlns:a16="http://schemas.microsoft.com/office/drawing/2014/main" val="4226584499"/>
+                  </a:ext>
+                </a:extLst>
+              </a:tr>
+            </a:tbl>
+          </a:graphicData>
+        </a:graphic>
+      </p:graphicFrame>
+      <p:sp>
+        <p:nvSpPr>
+          <p:cNvPr id="8" name="矩形 7"/>
+          <p:cNvSpPr/>
+          <p:nvPr/>
+        </p:nvSpPr>
+        <p:spPr>
+          <a:xfrm>
+            <a:off x="2405272" y="1789043"/>
+            <a:ext cx="586408" cy="606287"/>
+          </a:xfrm>
+          <a:prstGeom prst="rect">
+            <a:avLst/>
+          </a:prstGeom>
+          <a:noFill/>
+          <a:ln w="25400">
+            <a:solidFill>
+              <a:schemeClr val="accent4"/>
+            </a:solidFill>
+          </a:ln>
+        </p:spPr>
+        <p:style>
+          <a:lnRef idx="2">
+            <a:schemeClr val="accent4">
+              <a:shade val="50000"/>
+            </a:schemeClr>
+          </a:lnRef>
+          <a:fillRef idx="1">
+            <a:schemeClr val="accent4"/>
+          </a:fillRef>
+          <a:effectRef idx="0">
+            <a:schemeClr val="accent4"/>
+          </a:effectRef>
+          <a:fontRef idx="minor">
+            <a:schemeClr val="lt1"/>
+          </a:fontRef>
+        </p:style>
+        <p:txBody>
+          <a:bodyPr rtlCol="0" anchor="ctr"/>
+          <a:lstStyle/>
+          <a:p>
+            <a:pPr algn="ctr"/>
+            <a:endParaRPr lang="zh-TW" altLang="en-US"/>
+          </a:p>
+        </p:txBody>
+      </p:sp>
+      <p:sp>
+        <p:nvSpPr>
+          <p:cNvPr id="9" name="矩形 8"/>
+          <p:cNvSpPr/>
+          <p:nvPr/>
+        </p:nvSpPr>
+        <p:spPr>
+          <a:xfrm>
+            <a:off x="6920949" y="1789043"/>
+            <a:ext cx="586408" cy="606287"/>
+          </a:xfrm>
+          <a:prstGeom prst="rect">
+            <a:avLst/>
+          </a:prstGeom>
+          <a:noFill/>
+          <a:ln w="25400">
+            <a:solidFill>
+              <a:schemeClr val="accent4"/>
+            </a:solidFill>
+          </a:ln>
+        </p:spPr>
+        <p:style>
+          <a:lnRef idx="2">
+            <a:schemeClr val="accent4">
+              <a:shade val="50000"/>
+            </a:schemeClr>
+          </a:lnRef>
+          <a:fillRef idx="1">
+            <a:schemeClr val="accent4"/>
+          </a:fillRef>
+          <a:effectRef idx="0">
+            <a:schemeClr val="accent4"/>
+          </a:effectRef>
+          <a:fontRef idx="minor">
+            <a:schemeClr val="lt1"/>
+          </a:fontRef>
+        </p:style>
+        <p:txBody>
+          <a:bodyPr rtlCol="0" anchor="ctr"/>
+          <a:lstStyle/>
+          <a:p>
+            <a:pPr algn="ctr"/>
+            <a:endParaRPr lang="zh-TW" altLang="en-US"/>
+          </a:p>
+        </p:txBody>
+      </p:sp>
+      <p:sp>
+        <p:nvSpPr>
+          <p:cNvPr id="10" name="向右箭號 9"/>
+          <p:cNvSpPr/>
+          <p:nvPr/>
+        </p:nvSpPr>
+        <p:spPr>
+          <a:xfrm>
+            <a:off x="4489194" y="2097156"/>
+            <a:ext cx="1361661" cy="216653"/>
+          </a:xfrm>
+          <a:prstGeom prst="rightArrow">
+            <a:avLst/>
+          </a:prstGeom>
+        </p:spPr>
+        <p:style>
+          <a:lnRef idx="2">
+            <a:schemeClr val="accent1">
+              <a:shade val="50000"/>
+            </a:schemeClr>
+          </a:lnRef>
+          <a:fillRef idx="1">
+            <a:schemeClr val="accent1"/>
+          </a:fillRef>
+          <a:effectRef idx="0">
+            <a:schemeClr val="accent1"/>
+          </a:effectRef>
+          <a:fontRef idx="minor">
+            <a:schemeClr val="lt1"/>
+          </a:fontRef>
+        </p:style>
+        <p:txBody>
+          <a:bodyPr rtlCol="0" anchor="ctr"/>
+          <a:lstStyle/>
+          <a:p>
+            <a:pPr algn="ctr"/>
+            <a:endParaRPr lang="zh-TW" altLang="en-US"/>
+          </a:p>
+        </p:txBody>
+      </p:sp>
+      <p:sp>
+        <p:nvSpPr>
+          <p:cNvPr id="11" name="矩形 10"/>
+          <p:cNvSpPr/>
+          <p:nvPr/>
+        </p:nvSpPr>
+        <p:spPr>
+          <a:xfrm>
+            <a:off x="4544852" y="1797397"/>
+            <a:ext cx="1210588" cy="338554"/>
+          </a:xfrm>
+          <a:prstGeom prst="rect">
+            <a:avLst/>
+          </a:prstGeom>
+          <a:noFill/>
+        </p:spPr>
+        <p:txBody>
+          <a:bodyPr wrap="none" lIns="91440" tIns="45720" rIns="91440" bIns="45720">
+            <a:spAutoFit/>
+          </a:bodyPr>
+          <a:lstStyle/>
+          <a:p>
+            <a:pPr algn="ctr"/>
+            <a:r>
+              <a:rPr lang="zh-TW" altLang="en-US" sz="1600" b="0" cap="none" spc="0" dirty="0" smtClean="0">
+                <a:ln w="0"/>
+                <a:solidFill>
+                  <a:schemeClr val="tx1"/>
+                </a:solidFill>
+                <a:latin typeface="微軟正黑體" panose="020B0604030504040204" pitchFamily="34" charset="-120"/>
+                <a:ea typeface="微軟正黑體" panose="020B0604030504040204" pitchFamily="34" charset="-120"/>
+              </a:rPr>
+              <a:t>隨機率突變</a:t>
+            </a:r>
+            <a:endParaRPr lang="zh-TW" altLang="en-US" sz="1600" b="0" cap="none" spc="0" dirty="0">
+              <a:ln w="0"/>
+              <a:solidFill>
+                <a:schemeClr val="tx1"/>
+              </a:solidFill>
+              <a:latin typeface="微軟正黑體" panose="020B0604030504040204" pitchFamily="34" charset="-120"/>
+              <a:ea typeface="微軟正黑體" panose="020B0604030504040204" pitchFamily="34" charset="-120"/>
+            </a:endParaRPr>
+          </a:p>
+        </p:txBody>
+      </p:sp>
+    </p:spTree>
+    <p:extLst>
+      <p:ext uri="{BB962C8B-B14F-4D97-AF65-F5344CB8AC3E}">
+        <p14:creationId xmlns:p14="http://schemas.microsoft.com/office/powerpoint/2010/main" val="2744689385"/>
+      </p:ext>
+    </p:extLst>
+  </p:cSld>
+  <p:clrMapOvr>
+    <a:masterClrMapping/>
+  </p:clrMapOvr>
+</p:sld>
+</file>
+
+<file path=ppt/slides/slide7.xml><?xml version="1.0" encoding="utf-8"?>
+<p:sld xmlns:a="http://schemas.openxmlformats.org/drawingml/2006/main" xmlns:r="http://schemas.openxmlformats.org/officeDocument/2006/relationships" xmlns:p="http://schemas.openxmlformats.org/presentationml/2006/main">
+  <p:cSld>
+    <p:spTree>
+      <p:nvGrpSpPr>
+        <p:cNvPr id="1" name=""/>
+        <p:cNvGrpSpPr/>
+        <p:nvPr/>
+      </p:nvGrpSpPr>
+      <p:grpSpPr>
+        <a:xfrm>
+          <a:off x="0" y="0"/>
+          <a:ext cx="0" cy="0"/>
+          <a:chOff x="0" y="0"/>
+          <a:chExt cx="0" cy="0"/>
+        </a:xfrm>
+      </p:grpSpPr>
+      <p:sp>
+        <p:nvSpPr>
+          <p:cNvPr id="4" name="橢圓 3"/>
+          <p:cNvSpPr/>
+          <p:nvPr/>
+        </p:nvSpPr>
+        <p:spPr>
+          <a:xfrm>
+            <a:off x="1212574" y="934278"/>
+            <a:ext cx="2182567" cy="3096334"/>
+          </a:xfrm>
+          <a:prstGeom prst="ellipse">
+            <a:avLst/>
+          </a:prstGeom>
+          <a:noFill/>
+          <a:ln w="19050"/>
+        </p:spPr>
+        <p:style>
+          <a:lnRef idx="2">
+            <a:schemeClr val="accent1">
+              <a:shade val="50000"/>
+            </a:schemeClr>
+          </a:lnRef>
+          <a:fillRef idx="1">
+            <a:schemeClr val="accent1"/>
+          </a:fillRef>
+          <a:effectRef idx="0">
+            <a:schemeClr val="accent1"/>
+          </a:effectRef>
+          <a:fontRef idx="minor">
+            <a:schemeClr val="lt1"/>
+          </a:fontRef>
+        </p:style>
+        <p:txBody>
+          <a:bodyPr rtlCol="0" anchor="ctr"/>
+          <a:lstStyle/>
+          <a:p>
+            <a:pPr algn="ctr"/>
+            <a:endParaRPr lang="zh-TW" altLang="en-US"/>
+          </a:p>
+        </p:txBody>
+      </p:sp>
+      <p:graphicFrame>
+        <p:nvGraphicFramePr>
+          <p:cNvPr id="5" name="表格 4"/>
+          <p:cNvGraphicFramePr>
+            <a:graphicFrameLocks noGrp="1"/>
+          </p:cNvGraphicFramePr>
+          <p:nvPr>
+            <p:extLst>
+              <p:ext uri="{D42A27DB-BD31-4B8C-83A1-F6EECF244321}">
+                <p14:modId xmlns:p14="http://schemas.microsoft.com/office/powerpoint/2010/main" val="716349083"/>
+              </p:ext>
+            </p:extLst>
+          </p:nvPr>
+        </p:nvGraphicFramePr>
+        <p:xfrm>
+          <a:off x="1698888" y="1557583"/>
+          <a:ext cx="1272912" cy="274320"/>
+        </p:xfrm>
+        <a:graphic>
+          <a:graphicData uri="http://schemas.openxmlformats.org/drawingml/2006/table">
+            <a:tbl>
+              <a:tblPr firstRow="1" bandRow="1">
+                <a:tableStyleId>{5C22544A-7EE6-4342-B048-85BDC9FD1C3A}</a:tableStyleId>
+              </a:tblPr>
+              <a:tblGrid>
+                <a:gridCol w="212152">
+                  <a:extLst>
+                    <a:ext uri="{9D8B030D-6E8A-4147-A177-3AD203B41FA5}">
+                      <a16:colId xmlns:a16="http://schemas.microsoft.com/office/drawing/2014/main" val="1492936081"/>
+                    </a:ext>
+                  </a:extLst>
+                </a:gridCol>
+                <a:gridCol w="212152">
+                  <a:extLst>
+                    <a:ext uri="{9D8B030D-6E8A-4147-A177-3AD203B41FA5}">
+                      <a16:colId xmlns:a16="http://schemas.microsoft.com/office/drawing/2014/main" val="2328466560"/>
+                    </a:ext>
+                  </a:extLst>
+                </a:gridCol>
+                <a:gridCol w="212152">
+                  <a:extLst>
+                    <a:ext uri="{9D8B030D-6E8A-4147-A177-3AD203B41FA5}">
+                      <a16:colId xmlns:a16="http://schemas.microsoft.com/office/drawing/2014/main" val="605851618"/>
+                    </a:ext>
+                  </a:extLst>
+                </a:gridCol>
+                <a:gridCol w="212152">
+                  <a:extLst>
+                    <a:ext uri="{9D8B030D-6E8A-4147-A177-3AD203B41FA5}">
+                      <a16:colId xmlns:a16="http://schemas.microsoft.com/office/drawing/2014/main" val="1632471791"/>
+                    </a:ext>
+                  </a:extLst>
+                </a:gridCol>
+                <a:gridCol w="212152">
+                  <a:extLst>
+                    <a:ext uri="{9D8B030D-6E8A-4147-A177-3AD203B41FA5}">
+                      <a16:colId xmlns:a16="http://schemas.microsoft.com/office/drawing/2014/main" val="3465053422"/>
+                    </a:ext>
+                  </a:extLst>
+                </a:gridCol>
+                <a:gridCol w="212152">
+                  <a:extLst>
+                    <a:ext uri="{9D8B030D-6E8A-4147-A177-3AD203B41FA5}">
+                      <a16:colId xmlns:a16="http://schemas.microsoft.com/office/drawing/2014/main" val="246274235"/>
+                    </a:ext>
+                  </a:extLst>
+                </a:gridCol>
+              </a:tblGrid>
+              <a:tr h="201643">
+                <a:tc>
+                  <a:txBody>
+                    <a:bodyPr/>
+                    <a:lstStyle/>
+                    <a:p>
+                      <a:pPr algn="ctr"/>
+                      <a:r>
+                        <a:rPr lang="en-US" altLang="zh-TW" sz="1200" b="0" dirty="0" smtClean="0">
+                          <a:solidFill>
+                            <a:schemeClr val="tx1"/>
+                          </a:solidFill>
+                          <a:latin typeface="Times New Roman" panose="02020603050405020304" pitchFamily="18" charset="0"/>
+                          <a:cs typeface="Times New Roman" panose="02020603050405020304" pitchFamily="18" charset="0"/>
+                        </a:rPr>
+                        <a:t>1</a:t>
+                      </a:r>
+                      <a:endParaRPr lang="zh-TW" altLang="en-US" sz="1200" b="0" dirty="0">
+                        <a:solidFill>
+                          <a:schemeClr val="tx1"/>
+                        </a:solidFill>
+                        <a:latin typeface="Times New Roman" panose="02020603050405020304" pitchFamily="18" charset="0"/>
+                        <a:cs typeface="Times New Roman" panose="02020603050405020304" pitchFamily="18" charset="0"/>
+                      </a:endParaRPr>
+                    </a:p>
+                  </a:txBody>
+                  <a:tcPr anchor="ctr">
+                    <a:lnL w="12700" cap="flat" cmpd="sng" algn="ctr">
+                      <a:solidFill>
+                        <a:schemeClr val="tx1"/>
+                      </a:solidFill>
+                      <a:prstDash val="solid"/>
+                      <a:round/>
+                      <a:headEnd type="none" w="med" len="med"/>
+                      <a:tailEnd type="none" w="med" len="med"/>
+                    </a:lnL>
+                    <a:lnR w="12700" cap="flat" cmpd="sng" algn="ctr">
+                      <a:solidFill>
+                        <a:schemeClr val="tx1"/>
+                      </a:solidFill>
+                      <a:prstDash val="solid"/>
+                      <a:round/>
+                      <a:headEnd type="none" w="med" len="med"/>
+                      <a:tailEnd type="none" w="med" len="med"/>
+                    </a:lnR>
+                    <a:lnT w="12700" cap="flat" cmpd="sng" algn="ctr">
+                      <a:solidFill>
+                        <a:schemeClr val="tx1"/>
+                      </a:solidFill>
+                      <a:prstDash val="solid"/>
+                      <a:round/>
+                      <a:headEnd type="none" w="med" len="med"/>
+                      <a:tailEnd type="none" w="med" len="med"/>
+                    </a:lnT>
+                    <a:lnB w="12700" cap="flat" cmpd="sng" algn="ctr">
+                      <a:solidFill>
+                        <a:schemeClr val="tx1"/>
+                      </a:solidFill>
+                      <a:prstDash val="solid"/>
+                      <a:round/>
+                      <a:headEnd type="none" w="med" len="med"/>
+                      <a:tailEnd type="none" w="med" len="med"/>
+                    </a:lnB>
+                    <a:lnTlToBr w="12700" cmpd="sng">
+                      <a:noFill/>
+                      <a:prstDash val="solid"/>
+                    </a:lnTlToBr>
+                    <a:lnBlToTr w="12700" cmpd="sng">
+                      <a:noFill/>
+                      <a:prstDash val="solid"/>
+                    </a:lnBlToTr>
+                    <a:solidFill>
+                      <a:schemeClr val="bg1"/>
+                    </a:solidFill>
+                  </a:tcPr>
+                </a:tc>
+                <a:tc>
+                  <a:txBody>
+                    <a:bodyPr/>
+                    <a:lstStyle/>
+                    <a:p>
+                      <a:pPr algn="ctr"/>
+                      <a:r>
+                        <a:rPr lang="en-US" altLang="zh-TW" sz="1200" b="0" dirty="0" smtClean="0">
+                          <a:solidFill>
+                            <a:schemeClr val="tx1"/>
+                          </a:solidFill>
+                          <a:latin typeface="Times New Roman" panose="02020603050405020304" pitchFamily="18" charset="0"/>
+                          <a:cs typeface="Times New Roman" panose="02020603050405020304" pitchFamily="18" charset="0"/>
+                        </a:rPr>
+                        <a:t>1</a:t>
+                      </a:r>
+                      <a:endParaRPr lang="zh-TW" altLang="en-US" sz="1200" b="0" dirty="0">
+                        <a:solidFill>
+                          <a:schemeClr val="tx1"/>
+                        </a:solidFill>
+                        <a:latin typeface="Times New Roman" panose="02020603050405020304" pitchFamily="18" charset="0"/>
+                        <a:cs typeface="Times New Roman" panose="02020603050405020304" pitchFamily="18" charset="0"/>
+                      </a:endParaRPr>
+                    </a:p>
+                  </a:txBody>
+                  <a:tcPr anchor="ctr">
+                    <a:lnL w="12700" cap="flat" cmpd="sng" algn="ctr">
+                      <a:solidFill>
+                        <a:schemeClr val="tx1"/>
+                      </a:solidFill>
+                      <a:prstDash val="solid"/>
+                      <a:round/>
+                      <a:headEnd type="none" w="med" len="med"/>
+                      <a:tailEnd type="none" w="med" len="med"/>
+                    </a:lnL>
+                    <a:lnR w="12700" cap="flat" cmpd="sng" algn="ctr">
+                      <a:solidFill>
+                        <a:schemeClr val="tx1"/>
+                      </a:solidFill>
+                      <a:prstDash val="solid"/>
+                      <a:round/>
+                      <a:headEnd type="none" w="med" len="med"/>
+                      <a:tailEnd type="none" w="med" len="med"/>
+                    </a:lnR>
+                    <a:lnT w="12700" cap="flat" cmpd="sng" algn="ctr">
+                      <a:solidFill>
+                        <a:schemeClr val="tx1"/>
+                      </a:solidFill>
+                      <a:prstDash val="solid"/>
+                      <a:round/>
+                      <a:headEnd type="none" w="med" len="med"/>
+                      <a:tailEnd type="none" w="med" len="med"/>
+                    </a:lnT>
+                    <a:lnB w="12700" cap="flat" cmpd="sng" algn="ctr">
+                      <a:solidFill>
+                        <a:schemeClr val="tx1"/>
+                      </a:solidFill>
+                      <a:prstDash val="solid"/>
+                      <a:round/>
+                      <a:headEnd type="none" w="med" len="med"/>
+                      <a:tailEnd type="none" w="med" len="med"/>
+                    </a:lnB>
+                    <a:lnTlToBr w="12700" cmpd="sng">
+                      <a:noFill/>
+                      <a:prstDash val="solid"/>
+                    </a:lnTlToBr>
+                    <a:lnBlToTr w="12700" cmpd="sng">
+                      <a:noFill/>
+                      <a:prstDash val="solid"/>
+                    </a:lnBlToTr>
+                    <a:solidFill>
+                      <a:schemeClr val="bg1"/>
+                    </a:solidFill>
+                  </a:tcPr>
+                </a:tc>
+                <a:tc>
+                  <a:txBody>
+                    <a:bodyPr/>
+                    <a:lstStyle/>
+                    <a:p>
+                      <a:pPr algn="ctr"/>
+                      <a:r>
+                        <a:rPr lang="en-US" altLang="zh-TW" sz="1200" b="0" dirty="0" smtClean="0">
+                          <a:solidFill>
+                            <a:schemeClr val="tx1"/>
+                          </a:solidFill>
+                          <a:latin typeface="Times New Roman" panose="02020603050405020304" pitchFamily="18" charset="0"/>
+                          <a:cs typeface="Times New Roman" panose="02020603050405020304" pitchFamily="18" charset="0"/>
+                        </a:rPr>
+                        <a:t>0</a:t>
+                      </a:r>
+                      <a:endParaRPr lang="zh-TW" altLang="en-US" sz="1200" b="0" dirty="0">
+                        <a:solidFill>
+                          <a:schemeClr val="tx1"/>
+                        </a:solidFill>
+                        <a:latin typeface="Times New Roman" panose="02020603050405020304" pitchFamily="18" charset="0"/>
+                        <a:cs typeface="Times New Roman" panose="02020603050405020304" pitchFamily="18" charset="0"/>
+                      </a:endParaRPr>
+                    </a:p>
+                  </a:txBody>
+                  <a:tcPr anchor="ctr">
+                    <a:lnL w="12700" cap="flat" cmpd="sng" algn="ctr">
+                      <a:solidFill>
+                        <a:schemeClr val="tx1"/>
+                      </a:solidFill>
+                      <a:prstDash val="solid"/>
+                      <a:round/>
+                      <a:headEnd type="none" w="med" len="med"/>
+                      <a:tailEnd type="none" w="med" len="med"/>
+                    </a:lnL>
+                    <a:lnR w="12700" cap="flat" cmpd="sng" algn="ctr">
+                      <a:solidFill>
+                        <a:schemeClr val="tx1"/>
+                      </a:solidFill>
+                      <a:prstDash val="solid"/>
+                      <a:round/>
+                      <a:headEnd type="none" w="med" len="med"/>
+                      <a:tailEnd type="none" w="med" len="med"/>
+                    </a:lnR>
+                    <a:lnT w="12700" cap="flat" cmpd="sng" algn="ctr">
+                      <a:solidFill>
+                        <a:schemeClr val="tx1"/>
+                      </a:solidFill>
+                      <a:prstDash val="solid"/>
+                      <a:round/>
+                      <a:headEnd type="none" w="med" len="med"/>
+                      <a:tailEnd type="none" w="med" len="med"/>
+                    </a:lnT>
+                    <a:lnB w="12700" cap="flat" cmpd="sng" algn="ctr">
+                      <a:solidFill>
+                        <a:schemeClr val="tx1"/>
+                      </a:solidFill>
+                      <a:prstDash val="solid"/>
+                      <a:round/>
+                      <a:headEnd type="none" w="med" len="med"/>
+                      <a:tailEnd type="none" w="med" len="med"/>
+                    </a:lnB>
+                    <a:lnTlToBr w="12700" cmpd="sng">
+                      <a:noFill/>
+                      <a:prstDash val="solid"/>
+                    </a:lnTlToBr>
+                    <a:lnBlToTr w="12700" cmpd="sng">
+                      <a:noFill/>
+                      <a:prstDash val="solid"/>
+                    </a:lnBlToTr>
+                    <a:solidFill>
+                      <a:schemeClr val="bg1"/>
+                    </a:solidFill>
+                  </a:tcPr>
+                </a:tc>
+                <a:tc>
+                  <a:txBody>
+                    <a:bodyPr/>
+                    <a:lstStyle/>
+                    <a:p>
+                      <a:pPr algn="ctr"/>
+                      <a:r>
+                        <a:rPr lang="en-US" altLang="zh-TW" sz="1200" b="0" dirty="0" smtClean="0">
+                          <a:solidFill>
+                            <a:schemeClr val="tx1"/>
+                          </a:solidFill>
+                          <a:latin typeface="Times New Roman" panose="02020603050405020304" pitchFamily="18" charset="0"/>
+                          <a:cs typeface="Times New Roman" panose="02020603050405020304" pitchFamily="18" charset="0"/>
+                        </a:rPr>
+                        <a:t>0</a:t>
+                      </a:r>
+                      <a:endParaRPr lang="zh-TW" altLang="en-US" sz="1200" b="0" dirty="0">
+                        <a:solidFill>
+                          <a:schemeClr val="tx1"/>
+                        </a:solidFill>
+                        <a:latin typeface="Times New Roman" panose="02020603050405020304" pitchFamily="18" charset="0"/>
+                        <a:cs typeface="Times New Roman" panose="02020603050405020304" pitchFamily="18" charset="0"/>
+                      </a:endParaRPr>
+                    </a:p>
+                  </a:txBody>
+                  <a:tcPr anchor="ctr">
+                    <a:lnL w="12700" cap="flat" cmpd="sng" algn="ctr">
+                      <a:solidFill>
+                        <a:schemeClr val="tx1"/>
+                      </a:solidFill>
+                      <a:prstDash val="solid"/>
+                      <a:round/>
+                      <a:headEnd type="none" w="med" len="med"/>
+                      <a:tailEnd type="none" w="med" len="med"/>
+                    </a:lnL>
+                    <a:lnR w="12700" cap="flat" cmpd="sng" algn="ctr">
+                      <a:solidFill>
+                        <a:schemeClr val="tx1"/>
+                      </a:solidFill>
+                      <a:prstDash val="solid"/>
+                      <a:round/>
+                      <a:headEnd type="none" w="med" len="med"/>
+                      <a:tailEnd type="none" w="med" len="med"/>
+                    </a:lnR>
+                    <a:lnT w="12700" cap="flat" cmpd="sng" algn="ctr">
+                      <a:solidFill>
+                        <a:schemeClr val="tx1"/>
+                      </a:solidFill>
+                      <a:prstDash val="solid"/>
+                      <a:round/>
+                      <a:headEnd type="none" w="med" len="med"/>
+                      <a:tailEnd type="none" w="med" len="med"/>
+                    </a:lnT>
+                    <a:lnB w="12700" cap="flat" cmpd="sng" algn="ctr">
+                      <a:solidFill>
+                        <a:schemeClr val="tx1"/>
+                      </a:solidFill>
+                      <a:prstDash val="solid"/>
+                      <a:round/>
+                      <a:headEnd type="none" w="med" len="med"/>
+                      <a:tailEnd type="none" w="med" len="med"/>
+                    </a:lnB>
+                    <a:lnTlToBr w="12700" cmpd="sng">
+                      <a:noFill/>
+                      <a:prstDash val="solid"/>
+                    </a:lnTlToBr>
+                    <a:lnBlToTr w="12700" cmpd="sng">
+                      <a:noFill/>
+                      <a:prstDash val="solid"/>
+                    </a:lnBlToTr>
+                    <a:solidFill>
+                      <a:schemeClr val="bg1"/>
+                    </a:solidFill>
+                  </a:tcPr>
+                </a:tc>
+                <a:tc>
+                  <a:txBody>
+                    <a:bodyPr/>
+                    <a:lstStyle/>
+                    <a:p>
+                      <a:pPr algn="ctr"/>
+                      <a:r>
+                        <a:rPr lang="en-US" altLang="zh-TW" sz="1200" b="0" dirty="0" smtClean="0">
+                          <a:solidFill>
+                            <a:schemeClr val="tx1"/>
+                          </a:solidFill>
+                          <a:latin typeface="Times New Roman" panose="02020603050405020304" pitchFamily="18" charset="0"/>
+                          <a:cs typeface="Times New Roman" panose="02020603050405020304" pitchFamily="18" charset="0"/>
+                        </a:rPr>
+                        <a:t>0</a:t>
+                      </a:r>
+                      <a:endParaRPr lang="zh-TW" altLang="en-US" sz="1200" b="0" dirty="0">
+                        <a:solidFill>
+                          <a:schemeClr val="tx1"/>
+                        </a:solidFill>
+                        <a:latin typeface="Times New Roman" panose="02020603050405020304" pitchFamily="18" charset="0"/>
+                        <a:cs typeface="Times New Roman" panose="02020603050405020304" pitchFamily="18" charset="0"/>
+                      </a:endParaRPr>
+                    </a:p>
+                  </a:txBody>
+                  <a:tcPr anchor="ctr">
+                    <a:lnL w="12700" cap="flat" cmpd="sng" algn="ctr">
+                      <a:solidFill>
+                        <a:schemeClr val="tx1"/>
+                      </a:solidFill>
+                      <a:prstDash val="solid"/>
+                      <a:round/>
+                      <a:headEnd type="none" w="med" len="med"/>
+                      <a:tailEnd type="none" w="med" len="med"/>
+                    </a:lnL>
+                    <a:lnR w="12700" cap="flat" cmpd="sng" algn="ctr">
+                      <a:solidFill>
+                        <a:schemeClr val="tx1"/>
+                      </a:solidFill>
+                      <a:prstDash val="solid"/>
+                      <a:round/>
+                      <a:headEnd type="none" w="med" len="med"/>
+                      <a:tailEnd type="none" w="med" len="med"/>
+                    </a:lnR>
+                    <a:lnT w="12700" cap="flat" cmpd="sng" algn="ctr">
+                      <a:solidFill>
+                        <a:schemeClr val="tx1"/>
+                      </a:solidFill>
+                      <a:prstDash val="solid"/>
+                      <a:round/>
+                      <a:headEnd type="none" w="med" len="med"/>
+                      <a:tailEnd type="none" w="med" len="med"/>
+                    </a:lnT>
+                    <a:lnB w="12700" cap="flat" cmpd="sng" algn="ctr">
+                      <a:solidFill>
+                        <a:schemeClr val="tx1"/>
+                      </a:solidFill>
+                      <a:prstDash val="solid"/>
+                      <a:round/>
+                      <a:headEnd type="none" w="med" len="med"/>
+                      <a:tailEnd type="none" w="med" len="med"/>
+                    </a:lnB>
+                    <a:lnTlToBr w="12700" cmpd="sng">
+                      <a:noFill/>
+                      <a:prstDash val="solid"/>
+                    </a:lnTlToBr>
+                    <a:lnBlToTr w="12700" cmpd="sng">
+                      <a:noFill/>
+                      <a:prstDash val="solid"/>
+                    </a:lnBlToTr>
+                    <a:solidFill>
+                      <a:schemeClr val="bg1"/>
+                    </a:solidFill>
+                  </a:tcPr>
+                </a:tc>
+                <a:tc>
+                  <a:txBody>
+                    <a:bodyPr/>
+                    <a:lstStyle/>
+                    <a:p>
+                      <a:pPr algn="ctr"/>
+                      <a:r>
+                        <a:rPr lang="en-US" altLang="zh-TW" sz="1200" b="0" dirty="0" smtClean="0">
+                          <a:solidFill>
+                            <a:schemeClr val="tx1"/>
+                          </a:solidFill>
+                          <a:latin typeface="Times New Roman" panose="02020603050405020304" pitchFamily="18" charset="0"/>
+                          <a:cs typeface="Times New Roman" panose="02020603050405020304" pitchFamily="18" charset="0"/>
+                        </a:rPr>
+                        <a:t>0</a:t>
+                      </a:r>
+                      <a:endParaRPr lang="zh-TW" altLang="en-US" sz="1200" b="0" dirty="0">
+                        <a:solidFill>
+                          <a:schemeClr val="tx1"/>
+                        </a:solidFill>
+                        <a:latin typeface="Times New Roman" panose="02020603050405020304" pitchFamily="18" charset="0"/>
+                        <a:cs typeface="Times New Roman" panose="02020603050405020304" pitchFamily="18" charset="0"/>
+                      </a:endParaRPr>
+                    </a:p>
+                  </a:txBody>
+                  <a:tcPr anchor="ctr">
+                    <a:lnL w="12700" cap="flat" cmpd="sng" algn="ctr">
+                      <a:solidFill>
+                        <a:schemeClr val="tx1"/>
+                      </a:solidFill>
+                      <a:prstDash val="solid"/>
+                      <a:round/>
+                      <a:headEnd type="none" w="med" len="med"/>
+                      <a:tailEnd type="none" w="med" len="med"/>
+                    </a:lnL>
+                    <a:lnR w="12700" cap="flat" cmpd="sng" algn="ctr">
+                      <a:solidFill>
+                        <a:schemeClr val="tx1"/>
+                      </a:solidFill>
+                      <a:prstDash val="solid"/>
+                      <a:round/>
+                      <a:headEnd type="none" w="med" len="med"/>
+                      <a:tailEnd type="none" w="med" len="med"/>
+                    </a:lnR>
+                    <a:lnT w="12700" cap="flat" cmpd="sng" algn="ctr">
+                      <a:solidFill>
+                        <a:schemeClr val="tx1"/>
+                      </a:solidFill>
+                      <a:prstDash val="solid"/>
+                      <a:round/>
+                      <a:headEnd type="none" w="med" len="med"/>
+                      <a:tailEnd type="none" w="med" len="med"/>
+                    </a:lnT>
+                    <a:lnB w="12700" cap="flat" cmpd="sng" algn="ctr">
+                      <a:solidFill>
+                        <a:schemeClr val="tx1"/>
+                      </a:solidFill>
+                      <a:prstDash val="solid"/>
+                      <a:round/>
+                      <a:headEnd type="none" w="med" len="med"/>
+                      <a:tailEnd type="none" w="med" len="med"/>
+                    </a:lnB>
+                    <a:lnTlToBr w="12700" cmpd="sng">
+                      <a:noFill/>
+                      <a:prstDash val="solid"/>
+                    </a:lnTlToBr>
+                    <a:lnBlToTr w="12700" cmpd="sng">
+                      <a:noFill/>
+                      <a:prstDash val="solid"/>
+                    </a:lnBlToTr>
+                    <a:solidFill>
+                      <a:schemeClr val="bg1"/>
+                    </a:solidFill>
+                  </a:tcPr>
+                </a:tc>
+                <a:extLst>
+                  <a:ext uri="{0D108BD9-81ED-4DB2-BD59-A6C34878D82A}">
+                    <a16:rowId xmlns:a16="http://schemas.microsoft.com/office/drawing/2014/main" val="4226584499"/>
+                  </a:ext>
+                </a:extLst>
+              </a:tr>
+            </a:tbl>
+          </a:graphicData>
+        </a:graphic>
+      </p:graphicFrame>
+      <p:graphicFrame>
+        <p:nvGraphicFramePr>
+          <p:cNvPr id="6" name="表格 5"/>
+          <p:cNvGraphicFramePr>
+            <a:graphicFrameLocks noGrp="1"/>
+          </p:cNvGraphicFramePr>
+          <p:nvPr>
+            <p:extLst>
+              <p:ext uri="{D42A27DB-BD31-4B8C-83A1-F6EECF244321}">
+                <p14:modId xmlns:p14="http://schemas.microsoft.com/office/powerpoint/2010/main" val="3303134845"/>
+              </p:ext>
+            </p:extLst>
+          </p:nvPr>
+        </p:nvGraphicFramePr>
+        <p:xfrm>
+          <a:off x="1708827" y="1992044"/>
+          <a:ext cx="1272912" cy="274320"/>
+        </p:xfrm>
+        <a:graphic>
+          <a:graphicData uri="http://schemas.openxmlformats.org/drawingml/2006/table">
+            <a:tbl>
+              <a:tblPr firstRow="1" bandRow="1">
+                <a:tableStyleId>{5C22544A-7EE6-4342-B048-85BDC9FD1C3A}</a:tableStyleId>
+              </a:tblPr>
+              <a:tblGrid>
+                <a:gridCol w="212152">
+                  <a:extLst>
+                    <a:ext uri="{9D8B030D-6E8A-4147-A177-3AD203B41FA5}">
+                      <a16:colId xmlns:a16="http://schemas.microsoft.com/office/drawing/2014/main" val="1492936081"/>
+                    </a:ext>
+                  </a:extLst>
+                </a:gridCol>
+                <a:gridCol w="212152">
+                  <a:extLst>
+                    <a:ext uri="{9D8B030D-6E8A-4147-A177-3AD203B41FA5}">
+                      <a16:colId xmlns:a16="http://schemas.microsoft.com/office/drawing/2014/main" val="2328466560"/>
+                    </a:ext>
+                  </a:extLst>
+                </a:gridCol>
+                <a:gridCol w="212152">
+                  <a:extLst>
+                    <a:ext uri="{9D8B030D-6E8A-4147-A177-3AD203B41FA5}">
+                      <a16:colId xmlns:a16="http://schemas.microsoft.com/office/drawing/2014/main" val="605851618"/>
+                    </a:ext>
+                  </a:extLst>
+                </a:gridCol>
+                <a:gridCol w="212152">
+                  <a:extLst>
+                    <a:ext uri="{9D8B030D-6E8A-4147-A177-3AD203B41FA5}">
+                      <a16:colId xmlns:a16="http://schemas.microsoft.com/office/drawing/2014/main" val="1632471791"/>
+                    </a:ext>
+                  </a:extLst>
+                </a:gridCol>
+                <a:gridCol w="212152">
+                  <a:extLst>
+                    <a:ext uri="{9D8B030D-6E8A-4147-A177-3AD203B41FA5}">
+                      <a16:colId xmlns:a16="http://schemas.microsoft.com/office/drawing/2014/main" val="3465053422"/>
+                    </a:ext>
+                  </a:extLst>
+                </a:gridCol>
+                <a:gridCol w="212152">
+                  <a:extLst>
+                    <a:ext uri="{9D8B030D-6E8A-4147-A177-3AD203B41FA5}">
+                      <a16:colId xmlns:a16="http://schemas.microsoft.com/office/drawing/2014/main" val="246274235"/>
+                    </a:ext>
+                  </a:extLst>
+                </a:gridCol>
+              </a:tblGrid>
+              <a:tr h="201643">
+                <a:tc>
+                  <a:txBody>
+                    <a:bodyPr/>
+                    <a:lstStyle/>
+                    <a:p>
+                      <a:pPr algn="ctr"/>
+                      <a:r>
+                        <a:rPr lang="en-US" altLang="zh-TW" sz="1200" b="0" dirty="0" smtClean="0">
+                          <a:solidFill>
+                            <a:schemeClr val="tx1"/>
+                          </a:solidFill>
+                          <a:latin typeface="Times New Roman" panose="02020603050405020304" pitchFamily="18" charset="0"/>
+                          <a:cs typeface="Times New Roman" panose="02020603050405020304" pitchFamily="18" charset="0"/>
+                        </a:rPr>
+                        <a:t>1</a:t>
+                      </a:r>
+                      <a:endParaRPr lang="zh-TW" altLang="en-US" sz="1200" b="0" dirty="0">
+                        <a:solidFill>
+                          <a:schemeClr val="tx1"/>
+                        </a:solidFill>
+                        <a:latin typeface="Times New Roman" panose="02020603050405020304" pitchFamily="18" charset="0"/>
+                        <a:cs typeface="Times New Roman" panose="02020603050405020304" pitchFamily="18" charset="0"/>
+                      </a:endParaRPr>
+                    </a:p>
+                  </a:txBody>
+                  <a:tcPr anchor="ctr">
+                    <a:lnL w="12700" cap="flat" cmpd="sng" algn="ctr">
+                      <a:solidFill>
+                        <a:schemeClr val="tx1"/>
+                      </a:solidFill>
+                      <a:prstDash val="solid"/>
+                      <a:round/>
+                      <a:headEnd type="none" w="med" len="med"/>
+                      <a:tailEnd type="none" w="med" len="med"/>
+                    </a:lnL>
+                    <a:lnR w="12700" cap="flat" cmpd="sng" algn="ctr">
+                      <a:solidFill>
+                        <a:schemeClr val="tx1"/>
+                      </a:solidFill>
+                      <a:prstDash val="solid"/>
+                      <a:round/>
+                      <a:headEnd type="none" w="med" len="med"/>
+                      <a:tailEnd type="none" w="med" len="med"/>
+                    </a:lnR>
+                    <a:lnT w="12700" cap="flat" cmpd="sng" algn="ctr">
+                      <a:solidFill>
+                        <a:schemeClr val="tx1"/>
+                      </a:solidFill>
+                      <a:prstDash val="solid"/>
+                      <a:round/>
+                      <a:headEnd type="none" w="med" len="med"/>
+                      <a:tailEnd type="none" w="med" len="med"/>
+                    </a:lnT>
+                    <a:lnB w="12700" cap="flat" cmpd="sng" algn="ctr">
+                      <a:solidFill>
+                        <a:schemeClr val="tx1"/>
+                      </a:solidFill>
+                      <a:prstDash val="solid"/>
+                      <a:round/>
+                      <a:headEnd type="none" w="med" len="med"/>
+                      <a:tailEnd type="none" w="med" len="med"/>
+                    </a:lnB>
+                    <a:lnTlToBr w="12700" cmpd="sng">
+                      <a:noFill/>
+                      <a:prstDash val="solid"/>
+                    </a:lnTlToBr>
+                    <a:lnBlToTr w="12700" cmpd="sng">
+                      <a:noFill/>
+                      <a:prstDash val="solid"/>
+                    </a:lnBlToTr>
+                    <a:solidFill>
+                      <a:schemeClr val="bg1"/>
+                    </a:solidFill>
+                  </a:tcPr>
+                </a:tc>
+                <a:tc>
+                  <a:txBody>
+                    <a:bodyPr/>
+                    <a:lstStyle/>
+                    <a:p>
+                      <a:pPr algn="ctr"/>
+                      <a:r>
+                        <a:rPr lang="en-US" altLang="zh-TW" sz="1200" b="0" dirty="0" smtClean="0">
+                          <a:solidFill>
+                            <a:schemeClr val="tx1"/>
+                          </a:solidFill>
+                          <a:latin typeface="Times New Roman" panose="02020603050405020304" pitchFamily="18" charset="0"/>
+                          <a:cs typeface="Times New Roman" panose="02020603050405020304" pitchFamily="18" charset="0"/>
+                        </a:rPr>
+                        <a:t>0</a:t>
+                      </a:r>
+                      <a:endParaRPr lang="zh-TW" altLang="en-US" sz="1200" b="0" dirty="0">
+                        <a:solidFill>
+                          <a:schemeClr val="tx1"/>
+                        </a:solidFill>
+                        <a:latin typeface="Times New Roman" panose="02020603050405020304" pitchFamily="18" charset="0"/>
+                        <a:cs typeface="Times New Roman" panose="02020603050405020304" pitchFamily="18" charset="0"/>
+                      </a:endParaRPr>
+                    </a:p>
+                  </a:txBody>
+                  <a:tcPr anchor="ctr">
+                    <a:lnL w="12700" cap="flat" cmpd="sng" algn="ctr">
+                      <a:solidFill>
+                        <a:schemeClr val="tx1"/>
+                      </a:solidFill>
+                      <a:prstDash val="solid"/>
+                      <a:round/>
+                      <a:headEnd type="none" w="med" len="med"/>
+                      <a:tailEnd type="none" w="med" len="med"/>
+                    </a:lnL>
+                    <a:lnR w="12700" cap="flat" cmpd="sng" algn="ctr">
+                      <a:solidFill>
+                        <a:schemeClr val="tx1"/>
+                      </a:solidFill>
+                      <a:prstDash val="solid"/>
+                      <a:round/>
+                      <a:headEnd type="none" w="med" len="med"/>
+                      <a:tailEnd type="none" w="med" len="med"/>
+                    </a:lnR>
+                    <a:lnT w="12700" cap="flat" cmpd="sng" algn="ctr">
+                      <a:solidFill>
+                        <a:schemeClr val="tx1"/>
+                      </a:solidFill>
+                      <a:prstDash val="solid"/>
+                      <a:round/>
+                      <a:headEnd type="none" w="med" len="med"/>
+                      <a:tailEnd type="none" w="med" len="med"/>
+                    </a:lnT>
+                    <a:lnB w="12700" cap="flat" cmpd="sng" algn="ctr">
+                      <a:solidFill>
+                        <a:schemeClr val="tx1"/>
+                      </a:solidFill>
+                      <a:prstDash val="solid"/>
+                      <a:round/>
+                      <a:headEnd type="none" w="med" len="med"/>
+                      <a:tailEnd type="none" w="med" len="med"/>
+                    </a:lnB>
+                    <a:lnTlToBr w="12700" cmpd="sng">
+                      <a:noFill/>
+                      <a:prstDash val="solid"/>
+                    </a:lnTlToBr>
+                    <a:lnBlToTr w="12700" cmpd="sng">
+                      <a:noFill/>
+                      <a:prstDash val="solid"/>
+                    </a:lnBlToTr>
+                    <a:solidFill>
+                      <a:schemeClr val="bg1"/>
+                    </a:solidFill>
+                  </a:tcPr>
+                </a:tc>
+                <a:tc>
+                  <a:txBody>
+                    <a:bodyPr/>
+                    <a:lstStyle/>
+                    <a:p>
+                      <a:pPr algn="ctr"/>
+                      <a:r>
+                        <a:rPr lang="en-US" altLang="zh-TW" sz="1200" b="0" dirty="0" smtClean="0">
+                          <a:solidFill>
+                            <a:schemeClr val="tx1"/>
+                          </a:solidFill>
+                          <a:latin typeface="Times New Roman" panose="02020603050405020304" pitchFamily="18" charset="0"/>
+                          <a:cs typeface="Times New Roman" panose="02020603050405020304" pitchFamily="18" charset="0"/>
+                        </a:rPr>
+                        <a:t>0</a:t>
+                      </a:r>
+                      <a:endParaRPr lang="zh-TW" altLang="en-US" sz="1200" b="0" dirty="0">
+                        <a:solidFill>
+                          <a:schemeClr val="tx1"/>
+                        </a:solidFill>
+                        <a:latin typeface="Times New Roman" panose="02020603050405020304" pitchFamily="18" charset="0"/>
+                        <a:cs typeface="Times New Roman" panose="02020603050405020304" pitchFamily="18" charset="0"/>
+                      </a:endParaRPr>
+                    </a:p>
+                  </a:txBody>
+                  <a:tcPr anchor="ctr">
+                    <a:lnL w="12700" cap="flat" cmpd="sng" algn="ctr">
+                      <a:solidFill>
+                        <a:schemeClr val="tx1"/>
+                      </a:solidFill>
+                      <a:prstDash val="solid"/>
+                      <a:round/>
+                      <a:headEnd type="none" w="med" len="med"/>
+                      <a:tailEnd type="none" w="med" len="med"/>
+                    </a:lnL>
+                    <a:lnR w="12700" cap="flat" cmpd="sng" algn="ctr">
+                      <a:solidFill>
+                        <a:schemeClr val="tx1"/>
+                      </a:solidFill>
+                      <a:prstDash val="solid"/>
+                      <a:round/>
+                      <a:headEnd type="none" w="med" len="med"/>
+                      <a:tailEnd type="none" w="med" len="med"/>
+                    </a:lnR>
+                    <a:lnT w="12700" cap="flat" cmpd="sng" algn="ctr">
+                      <a:solidFill>
+                        <a:schemeClr val="tx1"/>
+                      </a:solidFill>
+                      <a:prstDash val="solid"/>
+                      <a:round/>
+                      <a:headEnd type="none" w="med" len="med"/>
+                      <a:tailEnd type="none" w="med" len="med"/>
+                    </a:lnT>
+                    <a:lnB w="12700" cap="flat" cmpd="sng" algn="ctr">
+                      <a:solidFill>
+                        <a:schemeClr val="tx1"/>
+                      </a:solidFill>
+                      <a:prstDash val="solid"/>
+                      <a:round/>
+                      <a:headEnd type="none" w="med" len="med"/>
+                      <a:tailEnd type="none" w="med" len="med"/>
+                    </a:lnB>
+                    <a:lnTlToBr w="12700" cmpd="sng">
+                      <a:noFill/>
+                      <a:prstDash val="solid"/>
+                    </a:lnTlToBr>
+                    <a:lnBlToTr w="12700" cmpd="sng">
+                      <a:noFill/>
+                      <a:prstDash val="solid"/>
+                    </a:lnBlToTr>
+                    <a:solidFill>
+                      <a:schemeClr val="bg1"/>
+                    </a:solidFill>
+                  </a:tcPr>
+                </a:tc>
+                <a:tc>
+                  <a:txBody>
+                    <a:bodyPr/>
+                    <a:lstStyle/>
+                    <a:p>
+                      <a:pPr algn="ctr"/>
+                      <a:r>
+                        <a:rPr lang="en-US" altLang="zh-TW" sz="1200" b="0" dirty="0" smtClean="0">
+                          <a:solidFill>
+                            <a:schemeClr val="tx1"/>
+                          </a:solidFill>
+                          <a:latin typeface="Times New Roman" panose="02020603050405020304" pitchFamily="18" charset="0"/>
+                          <a:cs typeface="Times New Roman" panose="02020603050405020304" pitchFamily="18" charset="0"/>
+                        </a:rPr>
+                        <a:t>1</a:t>
+                      </a:r>
+                      <a:endParaRPr lang="zh-TW" altLang="en-US" sz="1200" b="0" dirty="0">
+                        <a:solidFill>
+                          <a:schemeClr val="tx1"/>
+                        </a:solidFill>
+                        <a:latin typeface="Times New Roman" panose="02020603050405020304" pitchFamily="18" charset="0"/>
+                        <a:cs typeface="Times New Roman" panose="02020603050405020304" pitchFamily="18" charset="0"/>
+                      </a:endParaRPr>
+                    </a:p>
+                  </a:txBody>
+                  <a:tcPr anchor="ctr">
+                    <a:lnL w="12700" cap="flat" cmpd="sng" algn="ctr">
+                      <a:solidFill>
+                        <a:schemeClr val="tx1"/>
+                      </a:solidFill>
+                      <a:prstDash val="solid"/>
+                      <a:round/>
+                      <a:headEnd type="none" w="med" len="med"/>
+                      <a:tailEnd type="none" w="med" len="med"/>
+                    </a:lnL>
+                    <a:lnR w="12700" cap="flat" cmpd="sng" algn="ctr">
+                      <a:solidFill>
+                        <a:schemeClr val="tx1"/>
+                      </a:solidFill>
+                      <a:prstDash val="solid"/>
+                      <a:round/>
+                      <a:headEnd type="none" w="med" len="med"/>
+                      <a:tailEnd type="none" w="med" len="med"/>
+                    </a:lnR>
+                    <a:lnT w="12700" cap="flat" cmpd="sng" algn="ctr">
+                      <a:solidFill>
+                        <a:schemeClr val="tx1"/>
+                      </a:solidFill>
+                      <a:prstDash val="solid"/>
+                      <a:round/>
+                      <a:headEnd type="none" w="med" len="med"/>
+                      <a:tailEnd type="none" w="med" len="med"/>
+                    </a:lnT>
+                    <a:lnB w="12700" cap="flat" cmpd="sng" algn="ctr">
+                      <a:solidFill>
+                        <a:schemeClr val="tx1"/>
+                      </a:solidFill>
+                      <a:prstDash val="solid"/>
+                      <a:round/>
+                      <a:headEnd type="none" w="med" len="med"/>
+                      <a:tailEnd type="none" w="med" len="med"/>
+                    </a:lnB>
+                    <a:lnTlToBr w="12700" cmpd="sng">
+                      <a:noFill/>
+                      <a:prstDash val="solid"/>
+                    </a:lnTlToBr>
+                    <a:lnBlToTr w="12700" cmpd="sng">
+                      <a:noFill/>
+                      <a:prstDash val="solid"/>
+                    </a:lnBlToTr>
+                    <a:solidFill>
+                      <a:schemeClr val="bg1"/>
+                    </a:solidFill>
+                  </a:tcPr>
+                </a:tc>
+                <a:tc>
+                  <a:txBody>
+                    <a:bodyPr/>
+                    <a:lstStyle/>
+                    <a:p>
+                      <a:pPr algn="ctr"/>
+                      <a:r>
+                        <a:rPr lang="en-US" altLang="zh-TW" sz="1200" b="0" dirty="0" smtClean="0">
+                          <a:solidFill>
+                            <a:schemeClr val="tx1"/>
+                          </a:solidFill>
+                          <a:latin typeface="Times New Roman" panose="02020603050405020304" pitchFamily="18" charset="0"/>
+                          <a:cs typeface="Times New Roman" panose="02020603050405020304" pitchFamily="18" charset="0"/>
+                        </a:rPr>
+                        <a:t>0</a:t>
+                      </a:r>
+                      <a:endParaRPr lang="zh-TW" altLang="en-US" sz="1200" b="0" dirty="0">
+                        <a:solidFill>
+                          <a:schemeClr val="tx1"/>
+                        </a:solidFill>
+                        <a:latin typeface="Times New Roman" panose="02020603050405020304" pitchFamily="18" charset="0"/>
+                        <a:cs typeface="Times New Roman" panose="02020603050405020304" pitchFamily="18" charset="0"/>
+                      </a:endParaRPr>
+                    </a:p>
+                  </a:txBody>
+                  <a:tcPr anchor="ctr">
+                    <a:lnL w="12700" cap="flat" cmpd="sng" algn="ctr">
+                      <a:solidFill>
+                        <a:schemeClr val="tx1"/>
+                      </a:solidFill>
+                      <a:prstDash val="solid"/>
+                      <a:round/>
+                      <a:headEnd type="none" w="med" len="med"/>
+                      <a:tailEnd type="none" w="med" len="med"/>
+                    </a:lnL>
+                    <a:lnR w="12700" cap="flat" cmpd="sng" algn="ctr">
+                      <a:solidFill>
+                        <a:schemeClr val="tx1"/>
+                      </a:solidFill>
+                      <a:prstDash val="solid"/>
+                      <a:round/>
+                      <a:headEnd type="none" w="med" len="med"/>
+                      <a:tailEnd type="none" w="med" len="med"/>
+                    </a:lnR>
+                    <a:lnT w="12700" cap="flat" cmpd="sng" algn="ctr">
+                      <a:solidFill>
+                        <a:schemeClr val="tx1"/>
+                      </a:solidFill>
+                      <a:prstDash val="solid"/>
+                      <a:round/>
+                      <a:headEnd type="none" w="med" len="med"/>
+                      <a:tailEnd type="none" w="med" len="med"/>
+                    </a:lnT>
+                    <a:lnB w="12700" cap="flat" cmpd="sng" algn="ctr">
+                      <a:solidFill>
+                        <a:schemeClr val="tx1"/>
+                      </a:solidFill>
+                      <a:prstDash val="solid"/>
+                      <a:round/>
+                      <a:headEnd type="none" w="med" len="med"/>
+                      <a:tailEnd type="none" w="med" len="med"/>
+                    </a:lnB>
+                    <a:lnTlToBr w="12700" cmpd="sng">
+                      <a:noFill/>
+                      <a:prstDash val="solid"/>
+                    </a:lnTlToBr>
+                    <a:lnBlToTr w="12700" cmpd="sng">
+                      <a:noFill/>
+                      <a:prstDash val="solid"/>
+                    </a:lnBlToTr>
+                    <a:solidFill>
+                      <a:schemeClr val="bg1"/>
+                    </a:solidFill>
+                  </a:tcPr>
+                </a:tc>
+                <a:tc>
+                  <a:txBody>
+                    <a:bodyPr/>
+                    <a:lstStyle/>
+                    <a:p>
+                      <a:pPr algn="ctr"/>
+                      <a:r>
+                        <a:rPr lang="en-US" altLang="zh-TW" sz="1200" b="0" dirty="0" smtClean="0">
+                          <a:solidFill>
+                            <a:schemeClr val="tx1"/>
+                          </a:solidFill>
+                          <a:latin typeface="Times New Roman" panose="02020603050405020304" pitchFamily="18" charset="0"/>
+                          <a:cs typeface="Times New Roman" panose="02020603050405020304" pitchFamily="18" charset="0"/>
+                        </a:rPr>
+                        <a:t>0</a:t>
+                      </a:r>
+                      <a:endParaRPr lang="zh-TW" altLang="en-US" sz="1200" b="0" dirty="0">
+                        <a:solidFill>
+                          <a:schemeClr val="tx1"/>
+                        </a:solidFill>
+                        <a:latin typeface="Times New Roman" panose="02020603050405020304" pitchFamily="18" charset="0"/>
+                        <a:cs typeface="Times New Roman" panose="02020603050405020304" pitchFamily="18" charset="0"/>
+                      </a:endParaRPr>
+                    </a:p>
+                  </a:txBody>
+                  <a:tcPr anchor="ctr">
+                    <a:lnL w="12700" cap="flat" cmpd="sng" algn="ctr">
+                      <a:solidFill>
+                        <a:schemeClr val="tx1"/>
+                      </a:solidFill>
+                      <a:prstDash val="solid"/>
+                      <a:round/>
+                      <a:headEnd type="none" w="med" len="med"/>
+                      <a:tailEnd type="none" w="med" len="med"/>
+                    </a:lnL>
+                    <a:lnR w="12700" cap="flat" cmpd="sng" algn="ctr">
+                      <a:solidFill>
+                        <a:schemeClr val="tx1"/>
+                      </a:solidFill>
+                      <a:prstDash val="solid"/>
+                      <a:round/>
+                      <a:headEnd type="none" w="med" len="med"/>
+                      <a:tailEnd type="none" w="med" len="med"/>
+                    </a:lnR>
+                    <a:lnT w="12700" cap="flat" cmpd="sng" algn="ctr">
+                      <a:solidFill>
+                        <a:schemeClr val="tx1"/>
+                      </a:solidFill>
+                      <a:prstDash val="solid"/>
+                      <a:round/>
+                      <a:headEnd type="none" w="med" len="med"/>
+                      <a:tailEnd type="none" w="med" len="med"/>
+                    </a:lnT>
+                    <a:lnB w="12700" cap="flat" cmpd="sng" algn="ctr">
+                      <a:solidFill>
+                        <a:schemeClr val="tx1"/>
+                      </a:solidFill>
+                      <a:prstDash val="solid"/>
+                      <a:round/>
+                      <a:headEnd type="none" w="med" len="med"/>
+                      <a:tailEnd type="none" w="med" len="med"/>
+                    </a:lnB>
+                    <a:lnTlToBr w="12700" cmpd="sng">
+                      <a:noFill/>
+                      <a:prstDash val="solid"/>
+                    </a:lnTlToBr>
+                    <a:lnBlToTr w="12700" cmpd="sng">
+                      <a:noFill/>
+                      <a:prstDash val="solid"/>
+                    </a:lnBlToTr>
+                    <a:solidFill>
+                      <a:schemeClr val="bg1"/>
+                    </a:solidFill>
+                  </a:tcPr>
+                </a:tc>
+                <a:extLst>
+                  <a:ext uri="{0D108BD9-81ED-4DB2-BD59-A6C34878D82A}">
+                    <a16:rowId xmlns:a16="http://schemas.microsoft.com/office/drawing/2014/main" val="4226584499"/>
+                  </a:ext>
+                </a:extLst>
+              </a:tr>
+            </a:tbl>
+          </a:graphicData>
+        </a:graphic>
+      </p:graphicFrame>
+      <p:graphicFrame>
+        <p:nvGraphicFramePr>
+          <p:cNvPr id="7" name="表格 6"/>
+          <p:cNvGraphicFramePr>
+            <a:graphicFrameLocks noGrp="1"/>
+          </p:cNvGraphicFramePr>
+          <p:nvPr>
+            <p:extLst>
+              <p:ext uri="{D42A27DB-BD31-4B8C-83A1-F6EECF244321}">
+                <p14:modId xmlns:p14="http://schemas.microsoft.com/office/powerpoint/2010/main" val="1854832172"/>
+              </p:ext>
+            </p:extLst>
+          </p:nvPr>
+        </p:nvGraphicFramePr>
+        <p:xfrm>
+          <a:off x="1708827" y="2389609"/>
+          <a:ext cx="1272912" cy="274320"/>
+        </p:xfrm>
+        <a:graphic>
+          <a:graphicData uri="http://schemas.openxmlformats.org/drawingml/2006/table">
+            <a:tbl>
+              <a:tblPr firstRow="1" bandRow="1">
+                <a:tableStyleId>{5C22544A-7EE6-4342-B048-85BDC9FD1C3A}</a:tableStyleId>
+              </a:tblPr>
+              <a:tblGrid>
+                <a:gridCol w="212152">
+                  <a:extLst>
+                    <a:ext uri="{9D8B030D-6E8A-4147-A177-3AD203B41FA5}">
+                      <a16:colId xmlns:a16="http://schemas.microsoft.com/office/drawing/2014/main" val="1492936081"/>
+                    </a:ext>
+                  </a:extLst>
+                </a:gridCol>
+                <a:gridCol w="212152">
+                  <a:extLst>
+                    <a:ext uri="{9D8B030D-6E8A-4147-A177-3AD203B41FA5}">
+                      <a16:colId xmlns:a16="http://schemas.microsoft.com/office/drawing/2014/main" val="2328466560"/>
+                    </a:ext>
+                  </a:extLst>
+                </a:gridCol>
+                <a:gridCol w="212152">
+                  <a:extLst>
+                    <a:ext uri="{9D8B030D-6E8A-4147-A177-3AD203B41FA5}">
+                      <a16:colId xmlns:a16="http://schemas.microsoft.com/office/drawing/2014/main" val="605851618"/>
+                    </a:ext>
+                  </a:extLst>
+                </a:gridCol>
+                <a:gridCol w="212152">
+                  <a:extLst>
+                    <a:ext uri="{9D8B030D-6E8A-4147-A177-3AD203B41FA5}">
+                      <a16:colId xmlns:a16="http://schemas.microsoft.com/office/drawing/2014/main" val="1632471791"/>
+                    </a:ext>
+                  </a:extLst>
+                </a:gridCol>
+                <a:gridCol w="212152">
+                  <a:extLst>
+                    <a:ext uri="{9D8B030D-6E8A-4147-A177-3AD203B41FA5}">
+                      <a16:colId xmlns:a16="http://schemas.microsoft.com/office/drawing/2014/main" val="3465053422"/>
+                    </a:ext>
+                  </a:extLst>
+                </a:gridCol>
+                <a:gridCol w="212152">
+                  <a:extLst>
+                    <a:ext uri="{9D8B030D-6E8A-4147-A177-3AD203B41FA5}">
+                      <a16:colId xmlns:a16="http://schemas.microsoft.com/office/drawing/2014/main" val="246274235"/>
+                    </a:ext>
+                  </a:extLst>
+                </a:gridCol>
+              </a:tblGrid>
+              <a:tr h="201643">
+                <a:tc>
+                  <a:txBody>
+                    <a:bodyPr/>
+                    <a:lstStyle/>
+                    <a:p>
+                      <a:pPr algn="ctr"/>
+                      <a:r>
+                        <a:rPr lang="en-US" altLang="zh-TW" sz="1200" b="0" dirty="0" smtClean="0">
+                          <a:solidFill>
+                            <a:schemeClr val="tx1"/>
+                          </a:solidFill>
+                          <a:latin typeface="Times New Roman" panose="02020603050405020304" pitchFamily="18" charset="0"/>
+                          <a:cs typeface="Times New Roman" panose="02020603050405020304" pitchFamily="18" charset="0"/>
+                        </a:rPr>
+                        <a:t>1</a:t>
+                      </a:r>
+                      <a:endParaRPr lang="zh-TW" altLang="en-US" sz="1200" b="0" dirty="0">
+                        <a:solidFill>
+                          <a:schemeClr val="tx1"/>
+                        </a:solidFill>
+                        <a:latin typeface="Times New Roman" panose="02020603050405020304" pitchFamily="18" charset="0"/>
+                        <a:cs typeface="Times New Roman" panose="02020603050405020304" pitchFamily="18" charset="0"/>
+                      </a:endParaRPr>
+                    </a:p>
+                  </a:txBody>
+                  <a:tcPr anchor="ctr">
+                    <a:lnL w="12700" cap="flat" cmpd="sng" algn="ctr">
+                      <a:solidFill>
+                        <a:schemeClr val="tx1"/>
+                      </a:solidFill>
+                      <a:prstDash val="solid"/>
+                      <a:round/>
+                      <a:headEnd type="none" w="med" len="med"/>
+                      <a:tailEnd type="none" w="med" len="med"/>
+                    </a:lnL>
+                    <a:lnR w="12700" cap="flat" cmpd="sng" algn="ctr">
+                      <a:solidFill>
+                        <a:schemeClr val="tx1"/>
+                      </a:solidFill>
+                      <a:prstDash val="solid"/>
+                      <a:round/>
+                      <a:headEnd type="none" w="med" len="med"/>
+                      <a:tailEnd type="none" w="med" len="med"/>
+                    </a:lnR>
+                    <a:lnT w="12700" cap="flat" cmpd="sng" algn="ctr">
+                      <a:solidFill>
+                        <a:schemeClr val="tx1"/>
+                      </a:solidFill>
+                      <a:prstDash val="solid"/>
+                      <a:round/>
+                      <a:headEnd type="none" w="med" len="med"/>
+                      <a:tailEnd type="none" w="med" len="med"/>
+                    </a:lnT>
+                    <a:lnB w="12700" cap="flat" cmpd="sng" algn="ctr">
+                      <a:solidFill>
+                        <a:schemeClr val="tx1"/>
+                      </a:solidFill>
+                      <a:prstDash val="solid"/>
+                      <a:round/>
+                      <a:headEnd type="none" w="med" len="med"/>
+                      <a:tailEnd type="none" w="med" len="med"/>
+                    </a:lnB>
+                    <a:lnTlToBr w="12700" cmpd="sng">
+                      <a:noFill/>
+                      <a:prstDash val="solid"/>
+                    </a:lnTlToBr>
+                    <a:lnBlToTr w="12700" cmpd="sng">
+                      <a:noFill/>
+                      <a:prstDash val="solid"/>
+                    </a:lnBlToTr>
+                    <a:solidFill>
+                      <a:schemeClr val="bg1"/>
+                    </a:solidFill>
+                  </a:tcPr>
+                </a:tc>
+                <a:tc>
+                  <a:txBody>
+                    <a:bodyPr/>
+                    <a:lstStyle/>
+                    <a:p>
+                      <a:pPr algn="ctr"/>
+                      <a:r>
+                        <a:rPr lang="en-US" altLang="zh-TW" sz="1200" b="0" dirty="0" smtClean="0">
+                          <a:solidFill>
+                            <a:schemeClr val="tx1"/>
+                          </a:solidFill>
+                          <a:latin typeface="Times New Roman" panose="02020603050405020304" pitchFamily="18" charset="0"/>
+                          <a:cs typeface="Times New Roman" panose="02020603050405020304" pitchFamily="18" charset="0"/>
+                        </a:rPr>
+                        <a:t>1</a:t>
+                      </a:r>
+                      <a:endParaRPr lang="zh-TW" altLang="en-US" sz="1200" b="0" dirty="0">
+                        <a:solidFill>
+                          <a:schemeClr val="tx1"/>
+                        </a:solidFill>
+                        <a:latin typeface="Times New Roman" panose="02020603050405020304" pitchFamily="18" charset="0"/>
+                        <a:cs typeface="Times New Roman" panose="02020603050405020304" pitchFamily="18" charset="0"/>
+                      </a:endParaRPr>
+                    </a:p>
+                  </a:txBody>
+                  <a:tcPr anchor="ctr">
+                    <a:lnL w="12700" cap="flat" cmpd="sng" algn="ctr">
+                      <a:solidFill>
+                        <a:schemeClr val="tx1"/>
+                      </a:solidFill>
+                      <a:prstDash val="solid"/>
+                      <a:round/>
+                      <a:headEnd type="none" w="med" len="med"/>
+                      <a:tailEnd type="none" w="med" len="med"/>
+                    </a:lnL>
+                    <a:lnR w="12700" cap="flat" cmpd="sng" algn="ctr">
+                      <a:solidFill>
+                        <a:schemeClr val="tx1"/>
+                      </a:solidFill>
+                      <a:prstDash val="solid"/>
+                      <a:round/>
+                      <a:headEnd type="none" w="med" len="med"/>
+                      <a:tailEnd type="none" w="med" len="med"/>
+                    </a:lnR>
+                    <a:lnT w="12700" cap="flat" cmpd="sng" algn="ctr">
+                      <a:solidFill>
+                        <a:schemeClr val="tx1"/>
+                      </a:solidFill>
+                      <a:prstDash val="solid"/>
+                      <a:round/>
+                      <a:headEnd type="none" w="med" len="med"/>
+                      <a:tailEnd type="none" w="med" len="med"/>
+                    </a:lnT>
+                    <a:lnB w="12700" cap="flat" cmpd="sng" algn="ctr">
+                      <a:solidFill>
+                        <a:schemeClr val="tx1"/>
+                      </a:solidFill>
+                      <a:prstDash val="solid"/>
+                      <a:round/>
+                      <a:headEnd type="none" w="med" len="med"/>
+                      <a:tailEnd type="none" w="med" len="med"/>
+                    </a:lnB>
+                    <a:lnTlToBr w="12700" cmpd="sng">
+                      <a:noFill/>
+                      <a:prstDash val="solid"/>
+                    </a:lnTlToBr>
+                    <a:lnBlToTr w="12700" cmpd="sng">
+                      <a:noFill/>
+                      <a:prstDash val="solid"/>
+                    </a:lnBlToTr>
+                    <a:solidFill>
+                      <a:schemeClr val="bg1"/>
+                    </a:solidFill>
+                  </a:tcPr>
+                </a:tc>
+                <a:tc>
+                  <a:txBody>
+                    <a:bodyPr/>
+                    <a:lstStyle/>
+                    <a:p>
+                      <a:pPr algn="ctr"/>
+                      <a:r>
+                        <a:rPr lang="en-US" altLang="zh-TW" sz="1200" b="0" dirty="0" smtClean="0">
+                          <a:solidFill>
+                            <a:schemeClr val="tx1"/>
+                          </a:solidFill>
+                          <a:latin typeface="Times New Roman" panose="02020603050405020304" pitchFamily="18" charset="0"/>
+                          <a:cs typeface="Times New Roman" panose="02020603050405020304" pitchFamily="18" charset="0"/>
+                        </a:rPr>
+                        <a:t>0</a:t>
+                      </a:r>
+                      <a:endParaRPr lang="zh-TW" altLang="en-US" sz="1200" b="0" dirty="0">
+                        <a:solidFill>
+                          <a:schemeClr val="tx1"/>
+                        </a:solidFill>
+                        <a:latin typeface="Times New Roman" panose="02020603050405020304" pitchFamily="18" charset="0"/>
+                        <a:cs typeface="Times New Roman" panose="02020603050405020304" pitchFamily="18" charset="0"/>
+                      </a:endParaRPr>
+                    </a:p>
+                  </a:txBody>
+                  <a:tcPr anchor="ctr">
+                    <a:lnL w="12700" cap="flat" cmpd="sng" algn="ctr">
+                      <a:solidFill>
+                        <a:schemeClr val="tx1"/>
+                      </a:solidFill>
+                      <a:prstDash val="solid"/>
+                      <a:round/>
+                      <a:headEnd type="none" w="med" len="med"/>
+                      <a:tailEnd type="none" w="med" len="med"/>
+                    </a:lnL>
+                    <a:lnR w="12700" cap="flat" cmpd="sng" algn="ctr">
+                      <a:solidFill>
+                        <a:schemeClr val="tx1"/>
+                      </a:solidFill>
+                      <a:prstDash val="solid"/>
+                      <a:round/>
+                      <a:headEnd type="none" w="med" len="med"/>
+                      <a:tailEnd type="none" w="med" len="med"/>
+                    </a:lnR>
+                    <a:lnT w="12700" cap="flat" cmpd="sng" algn="ctr">
+                      <a:solidFill>
+                        <a:schemeClr val="tx1"/>
+                      </a:solidFill>
+                      <a:prstDash val="solid"/>
+                      <a:round/>
+                      <a:headEnd type="none" w="med" len="med"/>
+                      <a:tailEnd type="none" w="med" len="med"/>
+                    </a:lnT>
+                    <a:lnB w="12700" cap="flat" cmpd="sng" algn="ctr">
+                      <a:solidFill>
+                        <a:schemeClr val="tx1"/>
+                      </a:solidFill>
+                      <a:prstDash val="solid"/>
+                      <a:round/>
+                      <a:headEnd type="none" w="med" len="med"/>
+                      <a:tailEnd type="none" w="med" len="med"/>
+                    </a:lnB>
+                    <a:lnTlToBr w="12700" cmpd="sng">
+                      <a:noFill/>
+                      <a:prstDash val="solid"/>
+                    </a:lnTlToBr>
+                    <a:lnBlToTr w="12700" cmpd="sng">
+                      <a:noFill/>
+                      <a:prstDash val="solid"/>
+                    </a:lnBlToTr>
+                    <a:solidFill>
+                      <a:schemeClr val="bg1"/>
+                    </a:solidFill>
+                  </a:tcPr>
+                </a:tc>
+                <a:tc>
+                  <a:txBody>
+                    <a:bodyPr/>
+                    <a:lstStyle/>
+                    <a:p>
+                      <a:pPr algn="ctr"/>
+                      <a:r>
+                        <a:rPr lang="en-US" altLang="zh-TW" sz="1200" b="0" dirty="0" smtClean="0">
+                          <a:solidFill>
+                            <a:schemeClr val="tx1"/>
+                          </a:solidFill>
+                          <a:latin typeface="Times New Roman" panose="02020603050405020304" pitchFamily="18" charset="0"/>
+                          <a:cs typeface="Times New Roman" panose="02020603050405020304" pitchFamily="18" charset="0"/>
+                        </a:rPr>
+                        <a:t>0</a:t>
+                      </a:r>
+                      <a:endParaRPr lang="zh-TW" altLang="en-US" sz="1200" b="0" dirty="0">
+                        <a:solidFill>
+                          <a:schemeClr val="tx1"/>
+                        </a:solidFill>
+                        <a:latin typeface="Times New Roman" panose="02020603050405020304" pitchFamily="18" charset="0"/>
+                        <a:cs typeface="Times New Roman" panose="02020603050405020304" pitchFamily="18" charset="0"/>
+                      </a:endParaRPr>
+                    </a:p>
+                  </a:txBody>
+                  <a:tcPr anchor="ctr">
+                    <a:lnL w="12700" cap="flat" cmpd="sng" algn="ctr">
+                      <a:solidFill>
+                        <a:schemeClr val="tx1"/>
+                      </a:solidFill>
+                      <a:prstDash val="solid"/>
+                      <a:round/>
+                      <a:headEnd type="none" w="med" len="med"/>
+                      <a:tailEnd type="none" w="med" len="med"/>
+                    </a:lnL>
+                    <a:lnR w="12700" cap="flat" cmpd="sng" algn="ctr">
+                      <a:solidFill>
+                        <a:schemeClr val="tx1"/>
+                      </a:solidFill>
+                      <a:prstDash val="solid"/>
+                      <a:round/>
+                      <a:headEnd type="none" w="med" len="med"/>
+                      <a:tailEnd type="none" w="med" len="med"/>
+                    </a:lnR>
+                    <a:lnT w="12700" cap="flat" cmpd="sng" algn="ctr">
+                      <a:solidFill>
+                        <a:schemeClr val="tx1"/>
+                      </a:solidFill>
+                      <a:prstDash val="solid"/>
+                      <a:round/>
+                      <a:headEnd type="none" w="med" len="med"/>
+                      <a:tailEnd type="none" w="med" len="med"/>
+                    </a:lnT>
+                    <a:lnB w="12700" cap="flat" cmpd="sng" algn="ctr">
+                      <a:solidFill>
+                        <a:schemeClr val="tx1"/>
+                      </a:solidFill>
+                      <a:prstDash val="solid"/>
+                      <a:round/>
+                      <a:headEnd type="none" w="med" len="med"/>
+                      <a:tailEnd type="none" w="med" len="med"/>
+                    </a:lnB>
+                    <a:lnTlToBr w="12700" cmpd="sng">
+                      <a:noFill/>
+                      <a:prstDash val="solid"/>
+                    </a:lnTlToBr>
+                    <a:lnBlToTr w="12700" cmpd="sng">
+                      <a:noFill/>
+                      <a:prstDash val="solid"/>
+                    </a:lnBlToTr>
+                    <a:solidFill>
+                      <a:schemeClr val="bg1"/>
+                    </a:solidFill>
+                  </a:tcPr>
+                </a:tc>
+                <a:tc>
+                  <a:txBody>
+                    <a:bodyPr/>
+                    <a:lstStyle/>
+                    <a:p>
+                      <a:pPr algn="ctr"/>
+                      <a:r>
+                        <a:rPr lang="en-US" altLang="zh-TW" sz="1200" b="0" dirty="0" smtClean="0">
+                          <a:solidFill>
+                            <a:schemeClr val="tx1"/>
+                          </a:solidFill>
+                          <a:latin typeface="Times New Roman" panose="02020603050405020304" pitchFamily="18" charset="0"/>
+                          <a:cs typeface="Times New Roman" panose="02020603050405020304" pitchFamily="18" charset="0"/>
+                        </a:rPr>
+                        <a:t>1</a:t>
+                      </a:r>
+                      <a:endParaRPr lang="zh-TW" altLang="en-US" sz="1200" b="0" dirty="0">
+                        <a:solidFill>
+                          <a:schemeClr val="tx1"/>
+                        </a:solidFill>
+                        <a:latin typeface="Times New Roman" panose="02020603050405020304" pitchFamily="18" charset="0"/>
+                        <a:cs typeface="Times New Roman" panose="02020603050405020304" pitchFamily="18" charset="0"/>
+                      </a:endParaRPr>
+                    </a:p>
+                  </a:txBody>
+                  <a:tcPr anchor="ctr">
+                    <a:lnL w="12700" cap="flat" cmpd="sng" algn="ctr">
+                      <a:solidFill>
+                        <a:schemeClr val="tx1"/>
+                      </a:solidFill>
+                      <a:prstDash val="solid"/>
+                      <a:round/>
+                      <a:headEnd type="none" w="med" len="med"/>
+                      <a:tailEnd type="none" w="med" len="med"/>
+                    </a:lnL>
+                    <a:lnR w="12700" cap="flat" cmpd="sng" algn="ctr">
+                      <a:solidFill>
+                        <a:schemeClr val="tx1"/>
+                      </a:solidFill>
+                      <a:prstDash val="solid"/>
+                      <a:round/>
+                      <a:headEnd type="none" w="med" len="med"/>
+                      <a:tailEnd type="none" w="med" len="med"/>
+                    </a:lnR>
+                    <a:lnT w="12700" cap="flat" cmpd="sng" algn="ctr">
+                      <a:solidFill>
+                        <a:schemeClr val="tx1"/>
+                      </a:solidFill>
+                      <a:prstDash val="solid"/>
+                      <a:round/>
+                      <a:headEnd type="none" w="med" len="med"/>
+                      <a:tailEnd type="none" w="med" len="med"/>
+                    </a:lnT>
+                    <a:lnB w="12700" cap="flat" cmpd="sng" algn="ctr">
+                      <a:solidFill>
+                        <a:schemeClr val="tx1"/>
+                      </a:solidFill>
+                      <a:prstDash val="solid"/>
+                      <a:round/>
+                      <a:headEnd type="none" w="med" len="med"/>
+                      <a:tailEnd type="none" w="med" len="med"/>
+                    </a:lnB>
+                    <a:lnTlToBr w="12700" cmpd="sng">
+                      <a:noFill/>
+                      <a:prstDash val="solid"/>
+                    </a:lnTlToBr>
+                    <a:lnBlToTr w="12700" cmpd="sng">
+                      <a:noFill/>
+                      <a:prstDash val="solid"/>
+                    </a:lnBlToTr>
+                    <a:solidFill>
+                      <a:schemeClr val="bg1"/>
+                    </a:solidFill>
+                  </a:tcPr>
+                </a:tc>
+                <a:tc>
+                  <a:txBody>
+                    <a:bodyPr/>
+                    <a:lstStyle/>
+                    <a:p>
+                      <a:pPr algn="ctr"/>
+                      <a:r>
+                        <a:rPr lang="en-US" altLang="zh-TW" sz="1200" b="0" dirty="0" smtClean="0">
+                          <a:solidFill>
+                            <a:schemeClr val="tx1"/>
+                          </a:solidFill>
+                          <a:latin typeface="Times New Roman" panose="02020603050405020304" pitchFamily="18" charset="0"/>
+                          <a:cs typeface="Times New Roman" panose="02020603050405020304" pitchFamily="18" charset="0"/>
+                        </a:rPr>
+                        <a:t>0</a:t>
+                      </a:r>
+                      <a:endParaRPr lang="zh-TW" altLang="en-US" sz="1200" b="0" dirty="0">
+                        <a:solidFill>
+                          <a:schemeClr val="tx1"/>
+                        </a:solidFill>
+                        <a:latin typeface="Times New Roman" panose="02020603050405020304" pitchFamily="18" charset="0"/>
+                        <a:cs typeface="Times New Roman" panose="02020603050405020304" pitchFamily="18" charset="0"/>
+                      </a:endParaRPr>
+                    </a:p>
+                  </a:txBody>
+                  <a:tcPr anchor="ctr">
+                    <a:lnL w="12700" cap="flat" cmpd="sng" algn="ctr">
+                      <a:solidFill>
+                        <a:schemeClr val="tx1"/>
+                      </a:solidFill>
+                      <a:prstDash val="solid"/>
+                      <a:round/>
+                      <a:headEnd type="none" w="med" len="med"/>
+                      <a:tailEnd type="none" w="med" len="med"/>
+                    </a:lnL>
+                    <a:lnR w="12700" cap="flat" cmpd="sng" algn="ctr">
+                      <a:solidFill>
+                        <a:schemeClr val="tx1"/>
+                      </a:solidFill>
+                      <a:prstDash val="solid"/>
+                      <a:round/>
+                      <a:headEnd type="none" w="med" len="med"/>
+                      <a:tailEnd type="none" w="med" len="med"/>
+                    </a:lnR>
+                    <a:lnT w="12700" cap="flat" cmpd="sng" algn="ctr">
+                      <a:solidFill>
+                        <a:schemeClr val="tx1"/>
+                      </a:solidFill>
+                      <a:prstDash val="solid"/>
+                      <a:round/>
+                      <a:headEnd type="none" w="med" len="med"/>
+                      <a:tailEnd type="none" w="med" len="med"/>
+                    </a:lnT>
+                    <a:lnB w="12700" cap="flat" cmpd="sng" algn="ctr">
+                      <a:solidFill>
+                        <a:schemeClr val="tx1"/>
+                      </a:solidFill>
+                      <a:prstDash val="solid"/>
+                      <a:round/>
+                      <a:headEnd type="none" w="med" len="med"/>
+                      <a:tailEnd type="none" w="med" len="med"/>
+                    </a:lnB>
+                    <a:lnTlToBr w="12700" cmpd="sng">
+                      <a:noFill/>
+                      <a:prstDash val="solid"/>
+                    </a:lnTlToBr>
+                    <a:lnBlToTr w="12700" cmpd="sng">
+                      <a:noFill/>
+                      <a:prstDash val="solid"/>
+                    </a:lnBlToTr>
+                    <a:solidFill>
+                      <a:schemeClr val="bg1"/>
+                    </a:solidFill>
+                  </a:tcPr>
+                </a:tc>
+                <a:extLst>
+                  <a:ext uri="{0D108BD9-81ED-4DB2-BD59-A6C34878D82A}">
+                    <a16:rowId xmlns:a16="http://schemas.microsoft.com/office/drawing/2014/main" val="4226584499"/>
+                  </a:ext>
+                </a:extLst>
+              </a:tr>
+            </a:tbl>
+          </a:graphicData>
+        </a:graphic>
+      </p:graphicFrame>
+      <p:sp>
+        <p:nvSpPr>
+          <p:cNvPr id="8" name="矩形 7"/>
+          <p:cNvSpPr/>
+          <p:nvPr/>
+        </p:nvSpPr>
+        <p:spPr>
+          <a:xfrm>
+            <a:off x="2249296" y="2596342"/>
+            <a:ext cx="242374" cy="1200329"/>
+          </a:xfrm>
+          <a:prstGeom prst="rect">
+            <a:avLst/>
+          </a:prstGeom>
+          <a:noFill/>
+        </p:spPr>
+        <p:txBody>
+          <a:bodyPr wrap="none" lIns="91440" tIns="45720" rIns="91440" bIns="45720">
+            <a:spAutoFit/>
+          </a:bodyPr>
+          <a:lstStyle/>
+          <a:p>
+            <a:pPr algn="ctr"/>
+            <a:r>
+              <a:rPr lang="en-US" altLang="zh-TW" b="0" cap="none" spc="0" dirty="0" smtClean="0">
+                <a:ln w="0"/>
+                <a:solidFill>
+                  <a:schemeClr val="tx1"/>
+                </a:solidFill>
+                <a:effectLst>
+                  <a:outerShdw blurRad="38100" dist="19050" dir="2700000" algn="tl" rotWithShape="0">
+                    <a:schemeClr val="dk1">
+                      <a:alpha val="40000"/>
+                    </a:schemeClr>
+                  </a:outerShdw>
+                </a:effectLst>
+              </a:rPr>
+              <a:t>.</a:t>
+            </a:r>
+          </a:p>
+          <a:p>
+            <a:pPr algn="ctr"/>
+            <a:r>
+              <a:rPr lang="en-US" altLang="zh-TW" dirty="0" smtClean="0">
+                <a:ln w="0"/>
+                <a:effectLst>
+                  <a:outerShdw blurRad="38100" dist="19050" dir="2700000" algn="tl" rotWithShape="0">
+                    <a:schemeClr val="dk1">
+                      <a:alpha val="40000"/>
+                    </a:schemeClr>
+                  </a:outerShdw>
+                </a:effectLst>
+              </a:rPr>
+              <a:t>.</a:t>
+            </a:r>
+          </a:p>
+          <a:p>
+            <a:pPr algn="ctr"/>
+            <a:r>
+              <a:rPr lang="en-US" altLang="zh-TW" b="0" cap="none" spc="0" dirty="0" smtClean="0">
+                <a:ln w="0"/>
+                <a:solidFill>
+                  <a:schemeClr val="tx1"/>
+                </a:solidFill>
+                <a:effectLst>
+                  <a:outerShdw blurRad="38100" dist="19050" dir="2700000" algn="tl" rotWithShape="0">
+                    <a:schemeClr val="dk1">
+                      <a:alpha val="40000"/>
+                    </a:schemeClr>
+                  </a:outerShdw>
+                </a:effectLst>
+              </a:rPr>
+              <a:t>.</a:t>
+            </a:r>
+          </a:p>
+          <a:p>
+            <a:pPr algn="ctr"/>
+            <a:r>
+              <a:rPr lang="en-US" altLang="zh-TW" dirty="0">
+                <a:ln w="0"/>
+                <a:effectLst>
+                  <a:outerShdw blurRad="38100" dist="19050" dir="2700000" algn="tl" rotWithShape="0">
+                    <a:schemeClr val="dk1">
+                      <a:alpha val="40000"/>
+                    </a:schemeClr>
+                  </a:outerShdw>
+                </a:effectLst>
+              </a:rPr>
+              <a:t>.</a:t>
+            </a:r>
+            <a:endParaRPr lang="zh-TW" altLang="en-US" b="0" cap="none" spc="0" dirty="0">
+              <a:ln w="0"/>
+              <a:solidFill>
+                <a:schemeClr val="tx1"/>
+              </a:solidFill>
+              <a:effectLst>
+                <a:outerShdw blurRad="38100" dist="19050" dir="2700000" algn="tl" rotWithShape="0">
+                  <a:schemeClr val="dk1">
+                    <a:alpha val="40000"/>
+                  </a:schemeClr>
+                </a:outerShdw>
+              </a:effectLst>
+            </a:endParaRPr>
+          </a:p>
+        </p:txBody>
+      </p:sp>
+      <p:sp>
+        <p:nvSpPr>
+          <p:cNvPr id="9" name="矩形 8"/>
+          <p:cNvSpPr/>
+          <p:nvPr/>
+        </p:nvSpPr>
+        <p:spPr>
+          <a:xfrm>
+            <a:off x="5759787" y="1192696"/>
+            <a:ext cx="2766350" cy="2837916"/>
+          </a:xfrm>
+          <a:prstGeom prst="rect">
+            <a:avLst/>
+          </a:prstGeom>
+          <a:noFill/>
+          <a:ln w="25400">
+            <a:solidFill>
+              <a:srgbClr val="7030A0"/>
+            </a:solidFill>
+          </a:ln>
+        </p:spPr>
+        <p:style>
+          <a:lnRef idx="2">
+            <a:schemeClr val="accent1">
+              <a:shade val="50000"/>
+            </a:schemeClr>
+          </a:lnRef>
+          <a:fillRef idx="1">
+            <a:schemeClr val="accent1"/>
+          </a:fillRef>
+          <a:effectRef idx="0">
+            <a:schemeClr val="accent1"/>
+          </a:effectRef>
+          <a:fontRef idx="minor">
+            <a:schemeClr val="lt1"/>
+          </a:fontRef>
+        </p:style>
+        <p:txBody>
+          <a:bodyPr rtlCol="0" anchor="ctr"/>
+          <a:lstStyle/>
+          <a:p>
+            <a:pPr algn="ctr"/>
+            <a:endParaRPr lang="zh-TW" altLang="en-US"/>
+          </a:p>
+        </p:txBody>
+      </p:sp>
+      <p:sp>
+        <p:nvSpPr>
+          <p:cNvPr id="10" name="矩形 9"/>
+          <p:cNvSpPr/>
+          <p:nvPr/>
+        </p:nvSpPr>
+        <p:spPr>
+          <a:xfrm>
+            <a:off x="5990242" y="1346878"/>
+            <a:ext cx="2270173" cy="369332"/>
+          </a:xfrm>
+          <a:prstGeom prst="rect">
+            <a:avLst/>
+          </a:prstGeom>
+        </p:spPr>
+        <p:txBody>
+          <a:bodyPr wrap="none">
+            <a:spAutoFit/>
+          </a:bodyPr>
+          <a:lstStyle/>
+          <a:p>
+            <a:r>
+              <a:rPr lang="zh-TW" altLang="en-US" dirty="0" smtClean="0">
+                <a:latin typeface="微軟正黑體" panose="020B0604030504040204" pitchFamily="34" charset="-120"/>
+                <a:ea typeface="微軟正黑體" panose="020B0604030504040204" pitchFamily="34" charset="-120"/>
+              </a:rPr>
+              <a:t>挑選前90%好的個體</a:t>
+            </a:r>
+            <a:endParaRPr lang="zh-TW" altLang="en-US" dirty="0">
+              <a:latin typeface="微軟正黑體" panose="020B0604030504040204" pitchFamily="34" charset="-120"/>
+              <a:ea typeface="微軟正黑體" panose="020B0604030504040204" pitchFamily="34" charset="-120"/>
+            </a:endParaRPr>
+          </a:p>
+        </p:txBody>
+      </p:sp>
+      <p:sp>
+        <p:nvSpPr>
+          <p:cNvPr id="11" name="矩形 10"/>
+          <p:cNvSpPr/>
+          <p:nvPr/>
+        </p:nvSpPr>
+        <p:spPr>
+          <a:xfrm>
+            <a:off x="5874825" y="1791924"/>
+            <a:ext cx="2501006" cy="369332"/>
+          </a:xfrm>
+          <a:prstGeom prst="rect">
+            <a:avLst/>
+          </a:prstGeom>
+        </p:spPr>
+        <p:txBody>
+          <a:bodyPr wrap="none">
+            <a:spAutoFit/>
+          </a:bodyPr>
+          <a:lstStyle/>
+          <a:p>
+            <a:r>
+              <a:rPr lang="zh-TW" altLang="en-US" dirty="0" smtClean="0">
+                <a:latin typeface="微軟正黑體" panose="020B0604030504040204" pitchFamily="34" charset="-120"/>
+                <a:ea typeface="微軟正黑體" panose="020B0604030504040204" pitchFamily="34" charset="-120"/>
+              </a:rPr>
+              <a:t>其餘</a:t>
+            </a:r>
+            <a:r>
+              <a:rPr lang="en-US" altLang="zh-TW" dirty="0" smtClean="0">
+                <a:latin typeface="微軟正黑體" panose="020B0604030504040204" pitchFamily="34" charset="-120"/>
+                <a:ea typeface="微軟正黑體" panose="020B0604030504040204" pitchFamily="34" charset="-120"/>
+              </a:rPr>
+              <a:t>10%</a:t>
+            </a:r>
+            <a:r>
+              <a:rPr lang="zh-TW" altLang="en-US" dirty="0" smtClean="0">
+                <a:latin typeface="微軟正黑體" panose="020B0604030504040204" pitchFamily="34" charset="-120"/>
+                <a:ea typeface="微軟正黑體" panose="020B0604030504040204" pitchFamily="34" charset="-120"/>
+              </a:rPr>
+              <a:t>個體隨機挑選</a:t>
+            </a:r>
+            <a:endParaRPr lang="zh-TW" altLang="en-US" dirty="0">
+              <a:latin typeface="微軟正黑體" panose="020B0604030504040204" pitchFamily="34" charset="-120"/>
+              <a:ea typeface="微軟正黑體" panose="020B0604030504040204" pitchFamily="34" charset="-120"/>
+            </a:endParaRPr>
+          </a:p>
+        </p:txBody>
+      </p:sp>
+      <p:sp>
+        <p:nvSpPr>
+          <p:cNvPr id="12" name="向右箭號 11"/>
+          <p:cNvSpPr/>
+          <p:nvPr/>
+        </p:nvSpPr>
+        <p:spPr>
+          <a:xfrm>
+            <a:off x="3575133" y="2389610"/>
+            <a:ext cx="2016000" cy="180000"/>
+          </a:xfrm>
+          <a:prstGeom prst="rightArrow">
+            <a:avLst/>
+          </a:prstGeom>
+        </p:spPr>
+        <p:style>
+          <a:lnRef idx="2">
+            <a:schemeClr val="accent1">
+              <a:shade val="50000"/>
+            </a:schemeClr>
+          </a:lnRef>
+          <a:fillRef idx="1">
+            <a:schemeClr val="accent1"/>
+          </a:fillRef>
+          <a:effectRef idx="0">
+            <a:schemeClr val="accent1"/>
+          </a:effectRef>
+          <a:fontRef idx="minor">
+            <a:schemeClr val="lt1"/>
+          </a:fontRef>
+        </p:style>
+        <p:txBody>
+          <a:bodyPr rtlCol="0" anchor="ctr"/>
+          <a:lstStyle/>
+          <a:p>
+            <a:pPr algn="ctr"/>
+            <a:endParaRPr lang="zh-TW" altLang="en-US"/>
+          </a:p>
+        </p:txBody>
+      </p:sp>
+      <p:sp>
+        <p:nvSpPr>
+          <p:cNvPr id="13" name="矩形 12"/>
+          <p:cNvSpPr/>
+          <p:nvPr/>
+        </p:nvSpPr>
+        <p:spPr>
+          <a:xfrm>
+            <a:off x="5990242" y="2207737"/>
+            <a:ext cx="2344296" cy="369332"/>
+          </a:xfrm>
+          <a:prstGeom prst="rect">
+            <a:avLst/>
+          </a:prstGeom>
+        </p:spPr>
+        <p:txBody>
+          <a:bodyPr wrap="none">
+            <a:spAutoFit/>
+          </a:bodyPr>
+          <a:lstStyle/>
+          <a:p>
+            <a:r>
+              <a:rPr lang="zh-TW" altLang="en-US" dirty="0" smtClean="0">
+                <a:latin typeface="微軟正黑體" panose="020B0604030504040204" pitchFamily="34" charset="-120"/>
+                <a:ea typeface="微軟正黑體" panose="020B0604030504040204" pitchFamily="34" charset="-120"/>
+              </a:rPr>
+              <a:t>形成新的 </a:t>
+            </a:r>
+            <a:r>
+              <a:rPr lang="en-US" altLang="zh-TW" dirty="0" smtClean="0">
+                <a:latin typeface="微軟正黑體" panose="020B0604030504040204" pitchFamily="34" charset="-120"/>
+                <a:ea typeface="微軟正黑體" panose="020B0604030504040204" pitchFamily="34" charset="-120"/>
+              </a:rPr>
+              <a:t>Population</a:t>
+            </a:r>
+            <a:endParaRPr lang="zh-TW" altLang="en-US" dirty="0">
+              <a:latin typeface="微軟正黑體" panose="020B0604030504040204" pitchFamily="34" charset="-120"/>
+              <a:ea typeface="微軟正黑體" panose="020B0604030504040204" pitchFamily="34" charset="-120"/>
+            </a:endParaRPr>
+          </a:p>
+        </p:txBody>
+      </p:sp>
+      <p:graphicFrame>
+        <p:nvGraphicFramePr>
+          <p:cNvPr id="14" name="表格 13"/>
+          <p:cNvGraphicFramePr>
+            <a:graphicFrameLocks noGrp="1"/>
+          </p:cNvGraphicFramePr>
+          <p:nvPr>
+            <p:extLst>
+              <p:ext uri="{D42A27DB-BD31-4B8C-83A1-F6EECF244321}">
+                <p14:modId xmlns:p14="http://schemas.microsoft.com/office/powerpoint/2010/main" val="618857298"/>
+              </p:ext>
+            </p:extLst>
+          </p:nvPr>
+        </p:nvGraphicFramePr>
+        <p:xfrm>
+          <a:off x="6492861" y="2693123"/>
+          <a:ext cx="1272912" cy="274320"/>
+        </p:xfrm>
+        <a:graphic>
+          <a:graphicData uri="http://schemas.openxmlformats.org/drawingml/2006/table">
+            <a:tbl>
+              <a:tblPr firstRow="1" bandRow="1">
+                <a:tableStyleId>{5C22544A-7EE6-4342-B048-85BDC9FD1C3A}</a:tableStyleId>
+              </a:tblPr>
+              <a:tblGrid>
+                <a:gridCol w="212152">
+                  <a:extLst>
+                    <a:ext uri="{9D8B030D-6E8A-4147-A177-3AD203B41FA5}">
+                      <a16:colId xmlns:a16="http://schemas.microsoft.com/office/drawing/2014/main" val="1492936081"/>
+                    </a:ext>
+                  </a:extLst>
+                </a:gridCol>
+                <a:gridCol w="212152">
+                  <a:extLst>
+                    <a:ext uri="{9D8B030D-6E8A-4147-A177-3AD203B41FA5}">
+                      <a16:colId xmlns:a16="http://schemas.microsoft.com/office/drawing/2014/main" val="2328466560"/>
+                    </a:ext>
+                  </a:extLst>
+                </a:gridCol>
+                <a:gridCol w="212152">
+                  <a:extLst>
+                    <a:ext uri="{9D8B030D-6E8A-4147-A177-3AD203B41FA5}">
+                      <a16:colId xmlns:a16="http://schemas.microsoft.com/office/drawing/2014/main" val="605851618"/>
+                    </a:ext>
+                  </a:extLst>
+                </a:gridCol>
+                <a:gridCol w="212152">
+                  <a:extLst>
+                    <a:ext uri="{9D8B030D-6E8A-4147-A177-3AD203B41FA5}">
+                      <a16:colId xmlns:a16="http://schemas.microsoft.com/office/drawing/2014/main" val="1632471791"/>
+                    </a:ext>
+                  </a:extLst>
+                </a:gridCol>
+                <a:gridCol w="212152">
+                  <a:extLst>
+                    <a:ext uri="{9D8B030D-6E8A-4147-A177-3AD203B41FA5}">
+                      <a16:colId xmlns:a16="http://schemas.microsoft.com/office/drawing/2014/main" val="3465053422"/>
+                    </a:ext>
+                  </a:extLst>
+                </a:gridCol>
+                <a:gridCol w="212152">
+                  <a:extLst>
+                    <a:ext uri="{9D8B030D-6E8A-4147-A177-3AD203B41FA5}">
+                      <a16:colId xmlns:a16="http://schemas.microsoft.com/office/drawing/2014/main" val="246274235"/>
+                    </a:ext>
+                  </a:extLst>
+                </a:gridCol>
+              </a:tblGrid>
+              <a:tr h="201643">
+                <a:tc>
+                  <a:txBody>
+                    <a:bodyPr/>
+                    <a:lstStyle/>
+                    <a:p>
+                      <a:pPr algn="ctr"/>
+                      <a:r>
+                        <a:rPr lang="en-US" altLang="zh-TW" sz="1200" b="0" dirty="0" smtClean="0">
+                          <a:solidFill>
+                            <a:schemeClr val="tx1"/>
+                          </a:solidFill>
+                          <a:latin typeface="Times New Roman" panose="02020603050405020304" pitchFamily="18" charset="0"/>
+                          <a:cs typeface="Times New Roman" panose="02020603050405020304" pitchFamily="18" charset="0"/>
+                        </a:rPr>
+                        <a:t>1</a:t>
+                      </a:r>
+                      <a:endParaRPr lang="zh-TW" altLang="en-US" sz="1200" b="0" dirty="0">
+                        <a:solidFill>
+                          <a:schemeClr val="tx1"/>
+                        </a:solidFill>
+                        <a:latin typeface="Times New Roman" panose="02020603050405020304" pitchFamily="18" charset="0"/>
+                        <a:cs typeface="Times New Roman" panose="02020603050405020304" pitchFamily="18" charset="0"/>
+                      </a:endParaRPr>
+                    </a:p>
+                  </a:txBody>
+                  <a:tcPr anchor="ctr">
+                    <a:lnL w="12700" cap="flat" cmpd="sng" algn="ctr">
+                      <a:solidFill>
+                        <a:schemeClr val="tx1"/>
+                      </a:solidFill>
+                      <a:prstDash val="solid"/>
+                      <a:round/>
+                      <a:headEnd type="none" w="med" len="med"/>
+                      <a:tailEnd type="none" w="med" len="med"/>
+                    </a:lnL>
+                    <a:lnR w="12700" cap="flat" cmpd="sng" algn="ctr">
+                      <a:solidFill>
+                        <a:schemeClr val="tx1"/>
+                      </a:solidFill>
+                      <a:prstDash val="solid"/>
+                      <a:round/>
+                      <a:headEnd type="none" w="med" len="med"/>
+                      <a:tailEnd type="none" w="med" len="med"/>
+                    </a:lnR>
+                    <a:lnT w="12700" cap="flat" cmpd="sng" algn="ctr">
+                      <a:solidFill>
+                        <a:schemeClr val="tx1"/>
+                      </a:solidFill>
+                      <a:prstDash val="solid"/>
+                      <a:round/>
+                      <a:headEnd type="none" w="med" len="med"/>
+                      <a:tailEnd type="none" w="med" len="med"/>
+                    </a:lnT>
+                    <a:lnB w="12700" cap="flat" cmpd="sng" algn="ctr">
+                      <a:solidFill>
+                        <a:schemeClr val="tx1"/>
+                      </a:solidFill>
+                      <a:prstDash val="solid"/>
+                      <a:round/>
+                      <a:headEnd type="none" w="med" len="med"/>
+                      <a:tailEnd type="none" w="med" len="med"/>
+                    </a:lnB>
+                    <a:lnTlToBr w="12700" cmpd="sng">
+                      <a:noFill/>
+                      <a:prstDash val="solid"/>
+                    </a:lnTlToBr>
+                    <a:lnBlToTr w="12700" cmpd="sng">
+                      <a:noFill/>
+                      <a:prstDash val="solid"/>
+                    </a:lnBlToTr>
+                    <a:solidFill>
+                      <a:schemeClr val="bg1"/>
+                    </a:solidFill>
+                  </a:tcPr>
+                </a:tc>
+                <a:tc>
+                  <a:txBody>
+                    <a:bodyPr/>
+                    <a:lstStyle/>
+                    <a:p>
+                      <a:pPr algn="ctr"/>
+                      <a:r>
+                        <a:rPr lang="en-US" altLang="zh-TW" sz="1200" b="0" dirty="0" smtClean="0">
+                          <a:solidFill>
+                            <a:schemeClr val="tx1"/>
+                          </a:solidFill>
+                          <a:latin typeface="Times New Roman" panose="02020603050405020304" pitchFamily="18" charset="0"/>
+                          <a:cs typeface="Times New Roman" panose="02020603050405020304" pitchFamily="18" charset="0"/>
+                        </a:rPr>
+                        <a:t>1</a:t>
+                      </a:r>
+                      <a:endParaRPr lang="zh-TW" altLang="en-US" sz="1200" b="0" dirty="0">
+                        <a:solidFill>
+                          <a:schemeClr val="tx1"/>
+                        </a:solidFill>
+                        <a:latin typeface="Times New Roman" panose="02020603050405020304" pitchFamily="18" charset="0"/>
+                        <a:cs typeface="Times New Roman" panose="02020603050405020304" pitchFamily="18" charset="0"/>
+                      </a:endParaRPr>
+                    </a:p>
+                  </a:txBody>
+                  <a:tcPr anchor="ctr">
+                    <a:lnL w="12700" cap="flat" cmpd="sng" algn="ctr">
+                      <a:solidFill>
+                        <a:schemeClr val="tx1"/>
+                      </a:solidFill>
+                      <a:prstDash val="solid"/>
+                      <a:round/>
+                      <a:headEnd type="none" w="med" len="med"/>
+                      <a:tailEnd type="none" w="med" len="med"/>
+                    </a:lnL>
+                    <a:lnR w="12700" cap="flat" cmpd="sng" algn="ctr">
+                      <a:solidFill>
+                        <a:schemeClr val="tx1"/>
+                      </a:solidFill>
+                      <a:prstDash val="solid"/>
+                      <a:round/>
+                      <a:headEnd type="none" w="med" len="med"/>
+                      <a:tailEnd type="none" w="med" len="med"/>
+                    </a:lnR>
+                    <a:lnT w="12700" cap="flat" cmpd="sng" algn="ctr">
+                      <a:solidFill>
+                        <a:schemeClr val="tx1"/>
+                      </a:solidFill>
+                      <a:prstDash val="solid"/>
+                      <a:round/>
+                      <a:headEnd type="none" w="med" len="med"/>
+                      <a:tailEnd type="none" w="med" len="med"/>
+                    </a:lnT>
+                    <a:lnB w="12700" cap="flat" cmpd="sng" algn="ctr">
+                      <a:solidFill>
+                        <a:schemeClr val="tx1"/>
+                      </a:solidFill>
+                      <a:prstDash val="solid"/>
+                      <a:round/>
+                      <a:headEnd type="none" w="med" len="med"/>
+                      <a:tailEnd type="none" w="med" len="med"/>
+                    </a:lnB>
+                    <a:lnTlToBr w="12700" cmpd="sng">
+                      <a:noFill/>
+                      <a:prstDash val="solid"/>
+                    </a:lnTlToBr>
+                    <a:lnBlToTr w="12700" cmpd="sng">
+                      <a:noFill/>
+                      <a:prstDash val="solid"/>
+                    </a:lnBlToTr>
+                    <a:solidFill>
+                      <a:schemeClr val="bg1"/>
+                    </a:solidFill>
+                  </a:tcPr>
+                </a:tc>
+                <a:tc>
+                  <a:txBody>
+                    <a:bodyPr/>
+                    <a:lstStyle/>
+                    <a:p>
+                      <a:pPr algn="ctr"/>
+                      <a:r>
+                        <a:rPr lang="en-US" altLang="zh-TW" sz="1200" b="0" dirty="0" smtClean="0">
+                          <a:solidFill>
+                            <a:schemeClr val="tx1"/>
+                          </a:solidFill>
+                          <a:latin typeface="Times New Roman" panose="02020603050405020304" pitchFamily="18" charset="0"/>
+                          <a:cs typeface="Times New Roman" panose="02020603050405020304" pitchFamily="18" charset="0"/>
+                        </a:rPr>
+                        <a:t>0</a:t>
+                      </a:r>
+                      <a:endParaRPr lang="zh-TW" altLang="en-US" sz="1200" b="0" dirty="0">
+                        <a:solidFill>
+                          <a:schemeClr val="tx1"/>
+                        </a:solidFill>
+                        <a:latin typeface="Times New Roman" panose="02020603050405020304" pitchFamily="18" charset="0"/>
+                        <a:cs typeface="Times New Roman" panose="02020603050405020304" pitchFamily="18" charset="0"/>
+                      </a:endParaRPr>
+                    </a:p>
+                  </a:txBody>
+                  <a:tcPr anchor="ctr">
+                    <a:lnL w="12700" cap="flat" cmpd="sng" algn="ctr">
+                      <a:solidFill>
+                        <a:schemeClr val="tx1"/>
+                      </a:solidFill>
+                      <a:prstDash val="solid"/>
+                      <a:round/>
+                      <a:headEnd type="none" w="med" len="med"/>
+                      <a:tailEnd type="none" w="med" len="med"/>
+                    </a:lnL>
+                    <a:lnR w="12700" cap="flat" cmpd="sng" algn="ctr">
+                      <a:solidFill>
+                        <a:schemeClr val="tx1"/>
+                      </a:solidFill>
+                      <a:prstDash val="solid"/>
+                      <a:round/>
+                      <a:headEnd type="none" w="med" len="med"/>
+                      <a:tailEnd type="none" w="med" len="med"/>
+                    </a:lnR>
+                    <a:lnT w="12700" cap="flat" cmpd="sng" algn="ctr">
+                      <a:solidFill>
+                        <a:schemeClr val="tx1"/>
+                      </a:solidFill>
+                      <a:prstDash val="solid"/>
+                      <a:round/>
+                      <a:headEnd type="none" w="med" len="med"/>
+                      <a:tailEnd type="none" w="med" len="med"/>
+                    </a:lnT>
+                    <a:lnB w="12700" cap="flat" cmpd="sng" algn="ctr">
+                      <a:solidFill>
+                        <a:schemeClr val="tx1"/>
+                      </a:solidFill>
+                      <a:prstDash val="solid"/>
+                      <a:round/>
+                      <a:headEnd type="none" w="med" len="med"/>
+                      <a:tailEnd type="none" w="med" len="med"/>
+                    </a:lnB>
+                    <a:lnTlToBr w="12700" cmpd="sng">
+                      <a:noFill/>
+                      <a:prstDash val="solid"/>
+                    </a:lnTlToBr>
+                    <a:lnBlToTr w="12700" cmpd="sng">
+                      <a:noFill/>
+                      <a:prstDash val="solid"/>
+                    </a:lnBlToTr>
+                    <a:solidFill>
+                      <a:schemeClr val="bg1"/>
+                    </a:solidFill>
+                  </a:tcPr>
+                </a:tc>
+                <a:tc>
+                  <a:txBody>
+                    <a:bodyPr/>
+                    <a:lstStyle/>
+                    <a:p>
+                      <a:pPr algn="ctr"/>
+                      <a:r>
+                        <a:rPr lang="en-US" altLang="zh-TW" sz="1200" b="0" dirty="0" smtClean="0">
+                          <a:solidFill>
+                            <a:schemeClr val="tx1"/>
+                          </a:solidFill>
+                          <a:latin typeface="Times New Roman" panose="02020603050405020304" pitchFamily="18" charset="0"/>
+                          <a:cs typeface="Times New Roman" panose="02020603050405020304" pitchFamily="18" charset="0"/>
+                        </a:rPr>
+                        <a:t>0</a:t>
+                      </a:r>
+                      <a:endParaRPr lang="zh-TW" altLang="en-US" sz="1200" b="0" dirty="0">
+                        <a:solidFill>
+                          <a:schemeClr val="tx1"/>
+                        </a:solidFill>
+                        <a:latin typeface="Times New Roman" panose="02020603050405020304" pitchFamily="18" charset="0"/>
+                        <a:cs typeface="Times New Roman" panose="02020603050405020304" pitchFamily="18" charset="0"/>
+                      </a:endParaRPr>
+                    </a:p>
+                  </a:txBody>
+                  <a:tcPr anchor="ctr">
+                    <a:lnL w="12700" cap="flat" cmpd="sng" algn="ctr">
+                      <a:solidFill>
+                        <a:schemeClr val="tx1"/>
+                      </a:solidFill>
+                      <a:prstDash val="solid"/>
+                      <a:round/>
+                      <a:headEnd type="none" w="med" len="med"/>
+                      <a:tailEnd type="none" w="med" len="med"/>
+                    </a:lnL>
+                    <a:lnR w="12700" cap="flat" cmpd="sng" algn="ctr">
+                      <a:solidFill>
+                        <a:schemeClr val="tx1"/>
+                      </a:solidFill>
+                      <a:prstDash val="solid"/>
+                      <a:round/>
+                      <a:headEnd type="none" w="med" len="med"/>
+                      <a:tailEnd type="none" w="med" len="med"/>
+                    </a:lnR>
+                    <a:lnT w="12700" cap="flat" cmpd="sng" algn="ctr">
+                      <a:solidFill>
+                        <a:schemeClr val="tx1"/>
+                      </a:solidFill>
+                      <a:prstDash val="solid"/>
+                      <a:round/>
+                      <a:headEnd type="none" w="med" len="med"/>
+                      <a:tailEnd type="none" w="med" len="med"/>
+                    </a:lnT>
+                    <a:lnB w="12700" cap="flat" cmpd="sng" algn="ctr">
+                      <a:solidFill>
+                        <a:schemeClr val="tx1"/>
+                      </a:solidFill>
+                      <a:prstDash val="solid"/>
+                      <a:round/>
+                      <a:headEnd type="none" w="med" len="med"/>
+                      <a:tailEnd type="none" w="med" len="med"/>
+                    </a:lnB>
+                    <a:lnTlToBr w="12700" cmpd="sng">
+                      <a:noFill/>
+                      <a:prstDash val="solid"/>
+                    </a:lnTlToBr>
+                    <a:lnBlToTr w="12700" cmpd="sng">
+                      <a:noFill/>
+                      <a:prstDash val="solid"/>
+                    </a:lnBlToTr>
+                    <a:solidFill>
+                      <a:schemeClr val="bg1"/>
+                    </a:solidFill>
+                  </a:tcPr>
+                </a:tc>
+                <a:tc>
+                  <a:txBody>
+                    <a:bodyPr/>
+                    <a:lstStyle/>
+                    <a:p>
+                      <a:pPr algn="ctr"/>
+                      <a:r>
+                        <a:rPr lang="en-US" altLang="zh-TW" sz="1200" b="0" dirty="0" smtClean="0">
+                          <a:solidFill>
+                            <a:schemeClr val="tx1"/>
+                          </a:solidFill>
+                          <a:latin typeface="Times New Roman" panose="02020603050405020304" pitchFamily="18" charset="0"/>
+                          <a:cs typeface="Times New Roman" panose="02020603050405020304" pitchFamily="18" charset="0"/>
+                        </a:rPr>
+                        <a:t>1</a:t>
+                      </a:r>
+                      <a:endParaRPr lang="zh-TW" altLang="en-US" sz="1200" b="0" dirty="0">
+                        <a:solidFill>
+                          <a:schemeClr val="tx1"/>
+                        </a:solidFill>
+                        <a:latin typeface="Times New Roman" panose="02020603050405020304" pitchFamily="18" charset="0"/>
+                        <a:cs typeface="Times New Roman" panose="02020603050405020304" pitchFamily="18" charset="0"/>
+                      </a:endParaRPr>
+                    </a:p>
+                  </a:txBody>
+                  <a:tcPr anchor="ctr">
+                    <a:lnL w="12700" cap="flat" cmpd="sng" algn="ctr">
+                      <a:solidFill>
+                        <a:schemeClr val="tx1"/>
+                      </a:solidFill>
+                      <a:prstDash val="solid"/>
+                      <a:round/>
+                      <a:headEnd type="none" w="med" len="med"/>
+                      <a:tailEnd type="none" w="med" len="med"/>
+                    </a:lnL>
+                    <a:lnR w="12700" cap="flat" cmpd="sng" algn="ctr">
+                      <a:solidFill>
+                        <a:schemeClr val="tx1"/>
+                      </a:solidFill>
+                      <a:prstDash val="solid"/>
+                      <a:round/>
+                      <a:headEnd type="none" w="med" len="med"/>
+                      <a:tailEnd type="none" w="med" len="med"/>
+                    </a:lnR>
+                    <a:lnT w="12700" cap="flat" cmpd="sng" algn="ctr">
+                      <a:solidFill>
+                        <a:schemeClr val="tx1"/>
+                      </a:solidFill>
+                      <a:prstDash val="solid"/>
+                      <a:round/>
+                      <a:headEnd type="none" w="med" len="med"/>
+                      <a:tailEnd type="none" w="med" len="med"/>
+                    </a:lnT>
+                    <a:lnB w="12700" cap="flat" cmpd="sng" algn="ctr">
+                      <a:solidFill>
+                        <a:schemeClr val="tx1"/>
+                      </a:solidFill>
+                      <a:prstDash val="solid"/>
+                      <a:round/>
+                      <a:headEnd type="none" w="med" len="med"/>
+                      <a:tailEnd type="none" w="med" len="med"/>
+                    </a:lnB>
+                    <a:lnTlToBr w="12700" cmpd="sng">
+                      <a:noFill/>
+                      <a:prstDash val="solid"/>
+                    </a:lnTlToBr>
+                    <a:lnBlToTr w="12700" cmpd="sng">
+                      <a:noFill/>
+                      <a:prstDash val="solid"/>
+                    </a:lnBlToTr>
+                    <a:solidFill>
+                      <a:schemeClr val="bg1"/>
+                    </a:solidFill>
+                  </a:tcPr>
+                </a:tc>
+                <a:tc>
+                  <a:txBody>
+                    <a:bodyPr/>
+                    <a:lstStyle/>
+                    <a:p>
+                      <a:pPr algn="ctr"/>
+                      <a:r>
+                        <a:rPr lang="en-US" altLang="zh-TW" sz="1200" b="0" dirty="0" smtClean="0">
+                          <a:solidFill>
+                            <a:schemeClr val="tx1"/>
+                          </a:solidFill>
+                          <a:latin typeface="Times New Roman" panose="02020603050405020304" pitchFamily="18" charset="0"/>
+                          <a:cs typeface="Times New Roman" panose="02020603050405020304" pitchFamily="18" charset="0"/>
+                        </a:rPr>
+                        <a:t>0</a:t>
+                      </a:r>
+                      <a:endParaRPr lang="zh-TW" altLang="en-US" sz="1200" b="0" dirty="0">
+                        <a:solidFill>
+                          <a:schemeClr val="tx1"/>
+                        </a:solidFill>
+                        <a:latin typeface="Times New Roman" panose="02020603050405020304" pitchFamily="18" charset="0"/>
+                        <a:cs typeface="Times New Roman" panose="02020603050405020304" pitchFamily="18" charset="0"/>
+                      </a:endParaRPr>
+                    </a:p>
+                  </a:txBody>
+                  <a:tcPr anchor="ctr">
+                    <a:lnL w="12700" cap="flat" cmpd="sng" algn="ctr">
+                      <a:solidFill>
+                        <a:schemeClr val="tx1"/>
+                      </a:solidFill>
+                      <a:prstDash val="solid"/>
+                      <a:round/>
+                      <a:headEnd type="none" w="med" len="med"/>
+                      <a:tailEnd type="none" w="med" len="med"/>
+                    </a:lnL>
+                    <a:lnR w="12700" cap="flat" cmpd="sng" algn="ctr">
+                      <a:solidFill>
+                        <a:schemeClr val="tx1"/>
+                      </a:solidFill>
+                      <a:prstDash val="solid"/>
+                      <a:round/>
+                      <a:headEnd type="none" w="med" len="med"/>
+                      <a:tailEnd type="none" w="med" len="med"/>
+                    </a:lnR>
+                    <a:lnT w="12700" cap="flat" cmpd="sng" algn="ctr">
+                      <a:solidFill>
+                        <a:schemeClr val="tx1"/>
+                      </a:solidFill>
+                      <a:prstDash val="solid"/>
+                      <a:round/>
+                      <a:headEnd type="none" w="med" len="med"/>
+                      <a:tailEnd type="none" w="med" len="med"/>
+                    </a:lnT>
+                    <a:lnB w="12700" cap="flat" cmpd="sng" algn="ctr">
+                      <a:solidFill>
+                        <a:schemeClr val="tx1"/>
+                      </a:solidFill>
+                      <a:prstDash val="solid"/>
+                      <a:round/>
+                      <a:headEnd type="none" w="med" len="med"/>
+                      <a:tailEnd type="none" w="med" len="med"/>
+                    </a:lnB>
+                    <a:lnTlToBr w="12700" cmpd="sng">
+                      <a:noFill/>
+                      <a:prstDash val="solid"/>
+                    </a:lnTlToBr>
+                    <a:lnBlToTr w="12700" cmpd="sng">
+                      <a:noFill/>
+                      <a:prstDash val="solid"/>
+                    </a:lnBlToTr>
+                    <a:solidFill>
+                      <a:schemeClr val="bg1"/>
+                    </a:solidFill>
+                  </a:tcPr>
+                </a:tc>
+                <a:extLst>
+                  <a:ext uri="{0D108BD9-81ED-4DB2-BD59-A6C34878D82A}">
+                    <a16:rowId xmlns:a16="http://schemas.microsoft.com/office/drawing/2014/main" val="4226584499"/>
+                  </a:ext>
+                </a:extLst>
+              </a:tr>
+            </a:tbl>
+          </a:graphicData>
+        </a:graphic>
+      </p:graphicFrame>
+      <p:sp>
+        <p:nvSpPr>
+          <p:cNvPr id="15" name="矩形 14"/>
+          <p:cNvSpPr/>
+          <p:nvPr/>
+        </p:nvSpPr>
+        <p:spPr>
+          <a:xfrm>
+            <a:off x="7033330" y="2830283"/>
+            <a:ext cx="242374" cy="1200329"/>
+          </a:xfrm>
+          <a:prstGeom prst="rect">
+            <a:avLst/>
+          </a:prstGeom>
+          <a:noFill/>
+        </p:spPr>
+        <p:txBody>
+          <a:bodyPr wrap="none" lIns="91440" tIns="45720" rIns="91440" bIns="45720">
+            <a:spAutoFit/>
+          </a:bodyPr>
+          <a:lstStyle/>
+          <a:p>
+            <a:pPr algn="ctr"/>
+            <a:r>
+              <a:rPr lang="en-US" altLang="zh-TW" b="0" cap="none" spc="0" dirty="0" smtClean="0">
+                <a:ln w="0"/>
+                <a:solidFill>
+                  <a:schemeClr val="tx1"/>
+                </a:solidFill>
+                <a:effectLst>
+                  <a:outerShdw blurRad="38100" dist="19050" dir="2700000" algn="tl" rotWithShape="0">
+                    <a:schemeClr val="dk1">
+                      <a:alpha val="40000"/>
+                    </a:schemeClr>
+                  </a:outerShdw>
+                </a:effectLst>
+              </a:rPr>
+              <a:t>.</a:t>
+            </a:r>
+          </a:p>
+          <a:p>
+            <a:pPr algn="ctr"/>
+            <a:r>
+              <a:rPr lang="en-US" altLang="zh-TW" dirty="0" smtClean="0">
+                <a:ln w="0"/>
+                <a:effectLst>
+                  <a:outerShdw blurRad="38100" dist="19050" dir="2700000" algn="tl" rotWithShape="0">
+                    <a:schemeClr val="dk1">
+                      <a:alpha val="40000"/>
+                    </a:schemeClr>
+                  </a:outerShdw>
+                </a:effectLst>
+              </a:rPr>
+              <a:t>.</a:t>
+            </a:r>
+          </a:p>
+          <a:p>
+            <a:pPr algn="ctr"/>
+            <a:r>
+              <a:rPr lang="en-US" altLang="zh-TW" b="0" cap="none" spc="0" dirty="0" smtClean="0">
+                <a:ln w="0"/>
+                <a:solidFill>
+                  <a:schemeClr val="tx1"/>
+                </a:solidFill>
+                <a:effectLst>
+                  <a:outerShdw blurRad="38100" dist="19050" dir="2700000" algn="tl" rotWithShape="0">
+                    <a:schemeClr val="dk1">
+                      <a:alpha val="40000"/>
+                    </a:schemeClr>
+                  </a:outerShdw>
+                </a:effectLst>
+              </a:rPr>
+              <a:t>.</a:t>
+            </a:r>
+          </a:p>
+          <a:p>
+            <a:pPr algn="ctr"/>
+            <a:r>
+              <a:rPr lang="en-US" altLang="zh-TW" dirty="0">
+                <a:ln w="0"/>
+                <a:effectLst>
+                  <a:outerShdw blurRad="38100" dist="19050" dir="2700000" algn="tl" rotWithShape="0">
+                    <a:schemeClr val="dk1">
+                      <a:alpha val="40000"/>
+                    </a:schemeClr>
+                  </a:outerShdw>
+                </a:effectLst>
+              </a:rPr>
+              <a:t>.</a:t>
+            </a:r>
+            <a:endParaRPr lang="zh-TW" altLang="en-US" b="0" cap="none" spc="0" dirty="0">
+              <a:ln w="0"/>
+              <a:solidFill>
+                <a:schemeClr val="tx1"/>
+              </a:solidFill>
+              <a:effectLst>
+                <a:outerShdw blurRad="38100" dist="19050" dir="2700000" algn="tl" rotWithShape="0">
+                  <a:schemeClr val="dk1">
+                    <a:alpha val="40000"/>
+                  </a:schemeClr>
+                </a:outerShdw>
+              </a:effectLst>
+            </a:endParaRPr>
+          </a:p>
+        </p:txBody>
+      </p:sp>
+      <p:sp>
+        <p:nvSpPr>
+          <p:cNvPr id="16" name="矩形 15"/>
+          <p:cNvSpPr/>
+          <p:nvPr/>
+        </p:nvSpPr>
+        <p:spPr>
+          <a:xfrm>
+            <a:off x="3634899" y="2046163"/>
+            <a:ext cx="1869423" cy="369332"/>
+          </a:xfrm>
+          <a:prstGeom prst="rect">
+            <a:avLst/>
+          </a:prstGeom>
+        </p:spPr>
+        <p:txBody>
+          <a:bodyPr wrap="none">
+            <a:spAutoFit/>
+          </a:bodyPr>
+          <a:lstStyle/>
+          <a:p>
+            <a:r>
+              <a:rPr lang="zh-TW" altLang="en-US" dirty="0"/>
+              <a:t>Survivor Selection</a:t>
+            </a:r>
+          </a:p>
+        </p:txBody>
+      </p:sp>
+      <p:sp>
+        <p:nvSpPr>
+          <p:cNvPr id="17" name="矩形 16"/>
+          <p:cNvSpPr/>
+          <p:nvPr/>
+        </p:nvSpPr>
+        <p:spPr>
+          <a:xfrm>
+            <a:off x="1470125" y="4142912"/>
+            <a:ext cx="1964320" cy="369332"/>
+          </a:xfrm>
+          <a:prstGeom prst="rect">
+            <a:avLst/>
+          </a:prstGeom>
+        </p:spPr>
+        <p:txBody>
+          <a:bodyPr wrap="none">
+            <a:spAutoFit/>
+          </a:bodyPr>
+          <a:lstStyle/>
+          <a:p>
+            <a:r>
+              <a:rPr lang="en-US" altLang="zh-TW" dirty="0">
+                <a:solidFill>
+                  <a:srgbClr val="FF0000"/>
+                </a:solidFill>
+              </a:rPr>
+              <a:t>Existing Population</a:t>
+            </a:r>
+            <a:endParaRPr lang="zh-TW" altLang="en-US" dirty="0">
+              <a:solidFill>
+                <a:srgbClr val="FF0000"/>
+              </a:solidFill>
+            </a:endParaRPr>
+          </a:p>
+        </p:txBody>
+      </p:sp>
+      <p:sp>
+        <p:nvSpPr>
+          <p:cNvPr id="18" name="矩形 17"/>
+          <p:cNvSpPr/>
+          <p:nvPr/>
+        </p:nvSpPr>
+        <p:spPr>
+          <a:xfrm>
+            <a:off x="6285130" y="4142912"/>
+            <a:ext cx="1680396" cy="369332"/>
+          </a:xfrm>
+          <a:prstGeom prst="rect">
+            <a:avLst/>
+          </a:prstGeom>
+        </p:spPr>
+        <p:txBody>
+          <a:bodyPr wrap="none">
+            <a:spAutoFit/>
+          </a:bodyPr>
+          <a:lstStyle/>
+          <a:p>
+            <a:r>
+              <a:rPr lang="en-US" altLang="zh-TW" dirty="0" smtClean="0">
+                <a:solidFill>
+                  <a:srgbClr val="FF0000"/>
+                </a:solidFill>
+              </a:rPr>
+              <a:t>New </a:t>
+            </a:r>
+            <a:r>
+              <a:rPr lang="en-US" altLang="zh-TW" dirty="0">
+                <a:solidFill>
+                  <a:srgbClr val="FF0000"/>
+                </a:solidFill>
+              </a:rPr>
+              <a:t>Population</a:t>
+            </a:r>
+            <a:endParaRPr lang="zh-TW" altLang="en-US" dirty="0">
+              <a:solidFill>
+                <a:srgbClr val="FF0000"/>
+              </a:solidFill>
+            </a:endParaRPr>
+          </a:p>
+        </p:txBody>
+      </p:sp>
+    </p:spTree>
+    <p:extLst>
+      <p:ext uri="{BB962C8B-B14F-4D97-AF65-F5344CB8AC3E}">
+        <p14:creationId xmlns:p14="http://schemas.microsoft.com/office/powerpoint/2010/main" val="3477512929"/>
+      </p:ext>
+    </p:extLst>
+  </p:cSld>
+  <p:clrMapOvr>
+    <a:masterClrMapping/>
+  </p:clrMapOvr>
+</p:sld>
+</file>
+
 <file path=ppt/theme/theme1.xml><?xml version="1.0" encoding="utf-8"?>
 <a:theme xmlns:a="http://schemas.openxmlformats.org/drawingml/2006/main" name="Office Theme">
   <a:themeElements>

--- a/Genetic/assignment/Presentation.pptx
+++ b/Genetic/assignment/Presentation.pptx
@@ -12,6 +12,7 @@
     <p:sldId id="260" r:id="rId6"/>
     <p:sldId id="261" r:id="rId7"/>
     <p:sldId id="262" r:id="rId8"/>
+    <p:sldId id="263" r:id="rId9"/>
   </p:sldIdLst>
   <p:sldSz cx="12192000" cy="6858000"/>
   <p:notesSz cx="6858000" cy="9144000"/>
@@ -116,6 +117,1023 @@
     </p:ext>
   </p:extLst>
 </p:presentation>
+</file>
+
+<file path=ppt/charts/chart1.xml><?xml version="1.0" encoding="utf-8"?>
+<c:chartSpace xmlns:c="http://schemas.openxmlformats.org/drawingml/2006/chart" xmlns:a="http://schemas.openxmlformats.org/drawingml/2006/main" xmlns:r="http://schemas.openxmlformats.org/officeDocument/2006/relationships" xmlns:c16r2="http://schemas.microsoft.com/office/drawing/2015/06/chart">
+  <c:date1904 val="0"/>
+  <c:lang val="zh-TW"/>
+  <c:roundedCorners val="0"/>
+  <mc:AlternateContent xmlns:mc="http://schemas.openxmlformats.org/markup-compatibility/2006">
+    <mc:Choice xmlns:c14="http://schemas.microsoft.com/office/drawing/2007/8/2/chart" Requires="c14">
+      <c14:style val="102"/>
+    </mc:Choice>
+    <mc:Fallback>
+      <c:style val="2"/>
+    </mc:Fallback>
+  </mc:AlternateContent>
+  <c:chart>
+    <c:title>
+      <c:tx>
+        <c:rich>
+          <a:bodyPr rot="0" spcFirstLastPara="1" vertOverflow="ellipsis" vert="horz" wrap="square" anchor="ctr" anchorCtr="1"/>
+          <a:lstStyle/>
+          <a:p>
+            <a:pPr marL="0" marR="0" lvl="0" indent="0" algn="ctr" defTabSz="914400" rtl="0" eaLnBrk="1" fontAlgn="auto" latinLnBrk="0" hangingPunct="1">
+              <a:lnSpc>
+                <a:spcPct val="100000"/>
+              </a:lnSpc>
+              <a:spcBef>
+                <a:spcPts val="0"/>
+              </a:spcBef>
+              <a:spcAft>
+                <a:spcPts val="0"/>
+              </a:spcAft>
+              <a:buClrTx/>
+              <a:buSzTx/>
+              <a:buFontTx/>
+              <a:buNone/>
+              <a:tabLst/>
+              <a:defRPr sz="1862" b="0" i="0" u="none" strike="noStrike" kern="1200" spc="0" baseline="0">
+                <a:solidFill>
+                  <a:schemeClr val="tx1">
+                    <a:lumMod val="85000"/>
+                    <a:lumOff val="15000"/>
+                  </a:schemeClr>
+                </a:solidFill>
+                <a:latin typeface="+mn-lt"/>
+                <a:ea typeface="+mn-ea"/>
+                <a:cs typeface="+mn-cs"/>
+              </a:defRPr>
+            </a:pPr>
+            <a:r>
+              <a:rPr lang="en-US" altLang="zh-TW" sz="1200" dirty="0" smtClean="0">
+                <a:solidFill>
+                  <a:schemeClr val="tx1">
+                    <a:lumMod val="85000"/>
+                    <a:lumOff val="15000"/>
+                  </a:schemeClr>
+                </a:solidFill>
+                <a:effectLst/>
+              </a:rPr>
+              <a:t>Roulette Wheel</a:t>
+            </a:r>
+            <a:endParaRPr lang="zh-TW" altLang="zh-TW" sz="1200" dirty="0" smtClean="0">
+              <a:solidFill>
+                <a:schemeClr val="tx1">
+                  <a:lumMod val="85000"/>
+                  <a:lumOff val="15000"/>
+                </a:schemeClr>
+              </a:solidFill>
+              <a:effectLst/>
+            </a:endParaRPr>
+          </a:p>
+        </c:rich>
+      </c:tx>
+      <c:layout>
+        <c:manualLayout>
+          <c:xMode val="edge"/>
+          <c:yMode val="edge"/>
+          <c:x val="0.38428477200175587"/>
+          <c:y val="0.10908356918002654"/>
+        </c:manualLayout>
+      </c:layout>
+      <c:overlay val="0"/>
+      <c:spPr>
+        <a:noFill/>
+        <a:ln>
+          <a:noFill/>
+        </a:ln>
+        <a:effectLst/>
+      </c:spPr>
+      <c:txPr>
+        <a:bodyPr rot="0" spcFirstLastPara="1" vertOverflow="ellipsis" vert="horz" wrap="square" anchor="ctr" anchorCtr="1"/>
+        <a:lstStyle/>
+        <a:p>
+          <a:pPr marL="0" marR="0" lvl="0" indent="0" algn="ctr" defTabSz="914400" rtl="0" eaLnBrk="1" fontAlgn="auto" latinLnBrk="0" hangingPunct="1">
+            <a:lnSpc>
+              <a:spcPct val="100000"/>
+            </a:lnSpc>
+            <a:spcBef>
+              <a:spcPts val="0"/>
+            </a:spcBef>
+            <a:spcAft>
+              <a:spcPts val="0"/>
+            </a:spcAft>
+            <a:buClrTx/>
+            <a:buSzTx/>
+            <a:buFontTx/>
+            <a:buNone/>
+            <a:tabLst/>
+            <a:defRPr sz="1862" b="0" i="0" u="none" strike="noStrike" kern="1200" spc="0" baseline="0">
+              <a:solidFill>
+                <a:schemeClr val="tx1">
+                  <a:lumMod val="85000"/>
+                  <a:lumOff val="15000"/>
+                </a:schemeClr>
+              </a:solidFill>
+              <a:latin typeface="+mn-lt"/>
+              <a:ea typeface="+mn-ea"/>
+              <a:cs typeface="+mn-cs"/>
+            </a:defRPr>
+          </a:pPr>
+          <a:endParaRPr lang="zh-TW"/>
+        </a:p>
+      </c:txPr>
+    </c:title>
+    <c:autoTitleDeleted val="0"/>
+    <c:plotArea>
+      <c:layout/>
+      <c:pieChart>
+        <c:varyColors val="1"/>
+        <c:ser>
+          <c:idx val="0"/>
+          <c:order val="0"/>
+          <c:tx>
+            <c:strRef>
+              <c:f>工作表1!$B$1</c:f>
+              <c:strCache>
+                <c:ptCount val="1"/>
+                <c:pt idx="0">
+                  <c:v>機率</c:v>
+                </c:pt>
+              </c:strCache>
+            </c:strRef>
+          </c:tx>
+          <c:dPt>
+            <c:idx val="0"/>
+            <c:bubble3D val="0"/>
+            <c:spPr>
+              <a:solidFill>
+                <a:schemeClr val="accent1"/>
+              </a:solidFill>
+              <a:ln w="19050">
+                <a:solidFill>
+                  <a:schemeClr val="lt1"/>
+                </a:solidFill>
+              </a:ln>
+              <a:effectLst/>
+            </c:spPr>
+          </c:dPt>
+          <c:dPt>
+            <c:idx val="1"/>
+            <c:bubble3D val="0"/>
+            <c:spPr>
+              <a:solidFill>
+                <a:schemeClr val="accent2"/>
+              </a:solidFill>
+              <a:ln w="19050">
+                <a:solidFill>
+                  <a:schemeClr val="lt1"/>
+                </a:solidFill>
+              </a:ln>
+              <a:effectLst/>
+            </c:spPr>
+          </c:dPt>
+          <c:dPt>
+            <c:idx val="2"/>
+            <c:bubble3D val="0"/>
+            <c:spPr>
+              <a:solidFill>
+                <a:schemeClr val="accent3"/>
+              </a:solidFill>
+              <a:ln w="19050">
+                <a:solidFill>
+                  <a:schemeClr val="lt1"/>
+                </a:solidFill>
+              </a:ln>
+              <a:effectLst/>
+            </c:spPr>
+            <c:extLst>
+              <c:ext xmlns:c16="http://schemas.microsoft.com/office/drawing/2014/chart" uri="{C3380CC4-5D6E-409C-BE32-E72D297353CC}">
+                <c16:uniqueId val="{00000001-8C0C-4210-A943-A59E3927F086}"/>
+              </c:ext>
+            </c:extLst>
+          </c:dPt>
+          <c:dPt>
+            <c:idx val="3"/>
+            <c:bubble3D val="0"/>
+            <c:spPr>
+              <a:solidFill>
+                <a:schemeClr val="accent4"/>
+              </a:solidFill>
+              <a:ln w="19050">
+                <a:solidFill>
+                  <a:schemeClr val="lt1"/>
+                </a:solidFill>
+              </a:ln>
+              <a:effectLst/>
+            </c:spPr>
+          </c:dPt>
+          <c:dLbls>
+            <c:dLbl>
+              <c:idx val="2"/>
+              <c:layout>
+                <c:manualLayout>
+                  <c:x val="-2.4042030461052647E-3"/>
+                  <c:y val="-0.10210323584656307"/>
+                </c:manualLayout>
+              </c:layout>
+              <c:spPr>
+                <a:noFill/>
+                <a:ln>
+                  <a:noFill/>
+                </a:ln>
+                <a:effectLst/>
+              </c:spPr>
+              <c:txPr>
+                <a:bodyPr rot="0" spcFirstLastPara="1" vertOverflow="ellipsis" vert="horz" wrap="square" lIns="36000" tIns="19050" rIns="108000" bIns="19050" anchor="ctr" anchorCtr="1">
+                  <a:spAutoFit/>
+                </a:bodyPr>
+                <a:lstStyle/>
+                <a:p>
+                  <a:pPr>
+                    <a:defRPr sz="1197" b="0" i="0" u="none" strike="noStrike" kern="1200" baseline="0">
+                      <a:solidFill>
+                        <a:schemeClr val="tx1">
+                          <a:lumMod val="75000"/>
+                          <a:lumOff val="25000"/>
+                        </a:schemeClr>
+                      </a:solidFill>
+                      <a:latin typeface="+mn-lt"/>
+                      <a:ea typeface="+mn-ea"/>
+                      <a:cs typeface="+mn-cs"/>
+                    </a:defRPr>
+                  </a:pPr>
+                  <a:endParaRPr lang="zh-TW"/>
+                </a:p>
+              </c:txPr>
+              <c:showLegendKey val="0"/>
+              <c:showVal val="1"/>
+              <c:showCatName val="0"/>
+              <c:showSerName val="0"/>
+              <c:showPercent val="0"/>
+              <c:showBubbleSize val="0"/>
+              <c:extLst>
+                <c:ext xmlns:c15="http://schemas.microsoft.com/office/drawing/2012/chart" uri="{CE6537A1-D6FC-4f65-9D91-7224C49458BB}">
+                  <c15:spPr xmlns:c15="http://schemas.microsoft.com/office/drawing/2012/chart">
+                    <a:prstGeom prst="rect">
+                      <a:avLst/>
+                    </a:prstGeom>
+                    <a:noFill/>
+                    <a:ln>
+                      <a:noFill/>
+                    </a:ln>
+                  </c15:spPr>
+                  <c15:layout/>
+                </c:ext>
+                <c:ext xmlns:c16="http://schemas.microsoft.com/office/drawing/2014/chart" uri="{C3380CC4-5D6E-409C-BE32-E72D297353CC}">
+                  <c16:uniqueId val="{00000001-8C0C-4210-A943-A59E3927F086}"/>
+                </c:ext>
+              </c:extLst>
+            </c:dLbl>
+            <c:spPr>
+              <a:noFill/>
+              <a:ln>
+                <a:noFill/>
+              </a:ln>
+              <a:effectLst/>
+            </c:spPr>
+            <c:txPr>
+              <a:bodyPr rot="0" spcFirstLastPara="1" vertOverflow="ellipsis" vert="horz" wrap="square" lIns="38100" tIns="19050" rIns="38100" bIns="19050" anchor="ctr" anchorCtr="1">
+                <a:spAutoFit/>
+              </a:bodyPr>
+              <a:lstStyle/>
+              <a:p>
+                <a:pPr>
+                  <a:defRPr sz="1197" b="0" i="0" u="none" strike="noStrike" kern="1200" baseline="0">
+                    <a:solidFill>
+                      <a:schemeClr val="tx1">
+                        <a:lumMod val="75000"/>
+                        <a:lumOff val="25000"/>
+                      </a:schemeClr>
+                    </a:solidFill>
+                    <a:latin typeface="+mn-lt"/>
+                    <a:ea typeface="+mn-ea"/>
+                    <a:cs typeface="+mn-cs"/>
+                  </a:defRPr>
+                </a:pPr>
+                <a:endParaRPr lang="zh-TW"/>
+              </a:p>
+            </c:txPr>
+            <c:showLegendKey val="0"/>
+            <c:showVal val="1"/>
+            <c:showCatName val="0"/>
+            <c:showSerName val="0"/>
+            <c:showPercent val="0"/>
+            <c:showBubbleSize val="0"/>
+            <c:showLeaderLines val="1"/>
+            <c:leaderLines>
+              <c:spPr>
+                <a:ln w="9525" cap="flat" cmpd="sng" algn="ctr">
+                  <a:solidFill>
+                    <a:schemeClr val="tx1">
+                      <a:lumMod val="35000"/>
+                      <a:lumOff val="65000"/>
+                    </a:schemeClr>
+                  </a:solidFill>
+                  <a:round/>
+                </a:ln>
+                <a:effectLst/>
+              </c:spPr>
+            </c:leaderLines>
+            <c:extLst>
+              <c:ext xmlns:c15="http://schemas.microsoft.com/office/drawing/2012/chart" uri="{CE6537A1-D6FC-4f65-9D91-7224C49458BB}">
+                <c15:layout/>
+              </c:ext>
+            </c:extLst>
+          </c:dLbls>
+          <c:cat>
+            <c:strRef>
+              <c:f>工作表1!$A$2:$A$5</c:f>
+              <c:strCache>
+                <c:ptCount val="4"/>
+                <c:pt idx="0">
+                  <c:v>C1</c:v>
+                </c:pt>
+                <c:pt idx="1">
+                  <c:v>C2</c:v>
+                </c:pt>
+                <c:pt idx="2">
+                  <c:v>C3</c:v>
+                </c:pt>
+                <c:pt idx="3">
+                  <c:v>C4</c:v>
+                </c:pt>
+              </c:strCache>
+            </c:strRef>
+          </c:cat>
+          <c:val>
+            <c:numRef>
+              <c:f>工作表1!$B$2:$B$5</c:f>
+              <c:numCache>
+                <c:formatCode>General</c:formatCode>
+                <c:ptCount val="4"/>
+                <c:pt idx="0">
+                  <c:v>0.23</c:v>
+                </c:pt>
+                <c:pt idx="1">
+                  <c:v>0.22</c:v>
+                </c:pt>
+                <c:pt idx="2">
+                  <c:v>0.08</c:v>
+                </c:pt>
+                <c:pt idx="3">
+                  <c:v>0.47</c:v>
+                </c:pt>
+              </c:numCache>
+            </c:numRef>
+          </c:val>
+          <c:extLst>
+            <c:ext xmlns:c16="http://schemas.microsoft.com/office/drawing/2014/chart" uri="{C3380CC4-5D6E-409C-BE32-E72D297353CC}">
+              <c16:uniqueId val="{00000000-8C0C-4210-A943-A59E3927F086}"/>
+            </c:ext>
+          </c:extLst>
+        </c:ser>
+        <c:dLbls>
+          <c:showLegendKey val="0"/>
+          <c:showVal val="0"/>
+          <c:showCatName val="0"/>
+          <c:showSerName val="0"/>
+          <c:showPercent val="0"/>
+          <c:showBubbleSize val="0"/>
+          <c:showLeaderLines val="1"/>
+        </c:dLbls>
+        <c:firstSliceAng val="0"/>
+      </c:pieChart>
+      <c:spPr>
+        <a:noFill/>
+        <a:ln>
+          <a:noFill/>
+        </a:ln>
+        <a:effectLst/>
+      </c:spPr>
+    </c:plotArea>
+    <c:legend>
+      <c:legendPos val="b"/>
+      <c:layout>
+        <c:manualLayout>
+          <c:xMode val="edge"/>
+          <c:yMode val="edge"/>
+          <c:x val="0.33530531149379589"/>
+          <c:y val="0.78449084638932987"/>
+          <c:w val="0.35857719718785697"/>
+          <c:h val="0.10146724037700593"/>
+        </c:manualLayout>
+      </c:layout>
+      <c:overlay val="0"/>
+      <c:spPr>
+        <a:noFill/>
+        <a:ln>
+          <a:noFill/>
+        </a:ln>
+        <a:effectLst/>
+      </c:spPr>
+      <c:txPr>
+        <a:bodyPr rot="0" spcFirstLastPara="1" vertOverflow="ellipsis" vert="horz" wrap="square" anchor="ctr" anchorCtr="1"/>
+        <a:lstStyle/>
+        <a:p>
+          <a:pPr>
+            <a:defRPr sz="1197" b="0" i="0" u="none" strike="noStrike" kern="1200" baseline="0">
+              <a:solidFill>
+                <a:schemeClr val="tx1">
+                  <a:lumMod val="85000"/>
+                  <a:lumOff val="15000"/>
+                </a:schemeClr>
+              </a:solidFill>
+              <a:latin typeface="+mn-lt"/>
+              <a:ea typeface="+mn-ea"/>
+              <a:cs typeface="+mn-cs"/>
+            </a:defRPr>
+          </a:pPr>
+          <a:endParaRPr lang="zh-TW"/>
+        </a:p>
+      </c:txPr>
+    </c:legend>
+    <c:plotVisOnly val="1"/>
+    <c:dispBlanksAs val="gap"/>
+    <c:showDLblsOverMax val="0"/>
+  </c:chart>
+  <c:spPr>
+    <a:noFill/>
+    <a:ln>
+      <a:noFill/>
+    </a:ln>
+    <a:effectLst/>
+  </c:spPr>
+  <c:txPr>
+    <a:bodyPr/>
+    <a:lstStyle/>
+    <a:p>
+      <a:pPr>
+        <a:defRPr/>
+      </a:pPr>
+      <a:endParaRPr lang="zh-TW"/>
+    </a:p>
+  </c:txPr>
+  <c:externalData r:id="rId3">
+    <c:autoUpdate val="0"/>
+  </c:externalData>
+</c:chartSpace>
+</file>
+
+<file path=ppt/charts/colors1.xml><?xml version="1.0" encoding="utf-8"?>
+<cs:colorStyle xmlns:cs="http://schemas.microsoft.com/office/drawing/2012/chartStyle" xmlns:a="http://schemas.openxmlformats.org/drawingml/2006/main" meth="cycle" id="10">
+  <a:schemeClr val="accent1"/>
+  <a:schemeClr val="accent2"/>
+  <a:schemeClr val="accent3"/>
+  <a:schemeClr val="accent4"/>
+  <a:schemeClr val="accent5"/>
+  <a:schemeClr val="accent6"/>
+  <cs:variation/>
+  <cs:variation>
+    <a:lumMod val="60000"/>
+  </cs:variation>
+  <cs:variation>
+    <a:lumMod val="80000"/>
+    <a:lumOff val="20000"/>
+  </cs:variation>
+  <cs:variation>
+    <a:lumMod val="80000"/>
+  </cs:variation>
+  <cs:variation>
+    <a:lumMod val="60000"/>
+    <a:lumOff val="40000"/>
+  </cs:variation>
+  <cs:variation>
+    <a:lumMod val="50000"/>
+  </cs:variation>
+  <cs:variation>
+    <a:lumMod val="70000"/>
+    <a:lumOff val="30000"/>
+  </cs:variation>
+  <cs:variation>
+    <a:lumMod val="70000"/>
+  </cs:variation>
+  <cs:variation>
+    <a:lumMod val="50000"/>
+    <a:lumOff val="50000"/>
+  </cs:variation>
+</cs:colorStyle>
+</file>
+
+<file path=ppt/charts/style1.xml><?xml version="1.0" encoding="utf-8"?>
+<cs:chartStyle xmlns:cs="http://schemas.microsoft.com/office/drawing/2012/chartStyle" xmlns:a="http://schemas.openxmlformats.org/drawingml/2006/main" id="251">
+  <cs:axisTitle>
+    <cs:lnRef idx="0"/>
+    <cs:fillRef idx="0"/>
+    <cs:effectRef idx="0"/>
+    <cs:fontRef idx="minor">
+      <a:schemeClr val="tx1">
+        <a:lumMod val="65000"/>
+        <a:lumOff val="35000"/>
+      </a:schemeClr>
+    </cs:fontRef>
+    <cs:defRPr sz="1330" kern="1200"/>
+  </cs:axisTitle>
+  <cs:categoryAxis>
+    <cs:lnRef idx="0"/>
+    <cs:fillRef idx="0"/>
+    <cs:effectRef idx="0"/>
+    <cs:fontRef idx="minor">
+      <a:schemeClr val="tx1">
+        <a:lumMod val="65000"/>
+        <a:lumOff val="35000"/>
+      </a:schemeClr>
+    </cs:fontRef>
+    <cs:spPr>
+      <a:ln w="9525" cap="flat" cmpd="sng" algn="ctr">
+        <a:solidFill>
+          <a:schemeClr val="tx1">
+            <a:lumMod val="15000"/>
+            <a:lumOff val="85000"/>
+          </a:schemeClr>
+        </a:solidFill>
+        <a:round/>
+      </a:ln>
+    </cs:spPr>
+    <cs:defRPr sz="1197" kern="1200"/>
+  </cs:categoryAxis>
+  <cs:chartArea mods="allowNoFillOverride allowNoLineOverride">
+    <cs:lnRef idx="0"/>
+    <cs:fillRef idx="0"/>
+    <cs:effectRef idx="0"/>
+    <cs:fontRef idx="minor">
+      <a:schemeClr val="tx1"/>
+    </cs:fontRef>
+    <cs:spPr>
+      <a:solidFill>
+        <a:schemeClr val="bg1"/>
+      </a:solidFill>
+      <a:ln w="9525" cap="flat" cmpd="sng" algn="ctr">
+        <a:solidFill>
+          <a:schemeClr val="tx1">
+            <a:lumMod val="15000"/>
+            <a:lumOff val="85000"/>
+          </a:schemeClr>
+        </a:solidFill>
+        <a:round/>
+      </a:ln>
+    </cs:spPr>
+    <cs:defRPr sz="1197" kern="1200"/>
+  </cs:chartArea>
+  <cs:dataLabel>
+    <cs:lnRef idx="0"/>
+    <cs:fillRef idx="0"/>
+    <cs:effectRef idx="0"/>
+    <cs:fontRef idx="minor">
+      <a:schemeClr val="tx1">
+        <a:lumMod val="75000"/>
+        <a:lumOff val="25000"/>
+      </a:schemeClr>
+    </cs:fontRef>
+    <cs:defRPr sz="1197" kern="1200"/>
+  </cs:dataLabel>
+  <cs:dataLabelCallout>
+    <cs:lnRef idx="0"/>
+    <cs:fillRef idx="0"/>
+    <cs:effectRef idx="0"/>
+    <cs:fontRef idx="minor">
+      <a:schemeClr val="dk1">
+        <a:lumMod val="65000"/>
+        <a:lumOff val="35000"/>
+      </a:schemeClr>
+    </cs:fontRef>
+    <cs:spPr>
+      <a:solidFill>
+        <a:schemeClr val="lt1"/>
+      </a:solidFill>
+      <a:ln>
+        <a:solidFill>
+          <a:schemeClr val="dk1">
+            <a:lumMod val="25000"/>
+            <a:lumOff val="75000"/>
+          </a:schemeClr>
+        </a:solidFill>
+      </a:ln>
+    </cs:spPr>
+    <cs:defRPr sz="1197" kern="1200"/>
+    <cs:bodyPr rot="0" spcFirstLastPara="1" vertOverflow="clip" horzOverflow="clip" vert="horz" wrap="square" lIns="36576" tIns="18288" rIns="36576" bIns="18288" anchor="ctr" anchorCtr="1">
+      <a:spAutoFit/>
+    </cs:bodyPr>
+  </cs:dataLabelCallout>
+  <cs:dataPoint>
+    <cs:lnRef idx="0"/>
+    <cs:fillRef idx="1">
+      <cs:styleClr val="auto"/>
+    </cs:fillRef>
+    <cs:effectRef idx="0"/>
+    <cs:fontRef idx="minor">
+      <a:schemeClr val="tx1"/>
+    </cs:fontRef>
+    <cs:spPr>
+      <a:ln w="19050">
+        <a:solidFill>
+          <a:schemeClr val="lt1"/>
+        </a:solidFill>
+      </a:ln>
+    </cs:spPr>
+  </cs:dataPoint>
+  <cs:dataPoint3D>
+    <cs:lnRef idx="0"/>
+    <cs:fillRef idx="1">
+      <cs:styleClr val="auto"/>
+    </cs:fillRef>
+    <cs:effectRef idx="0"/>
+    <cs:fontRef idx="minor">
+      <a:schemeClr val="tx1"/>
+    </cs:fontRef>
+    <cs:spPr>
+      <a:ln w="25400">
+        <a:solidFill>
+          <a:schemeClr val="lt1"/>
+        </a:solidFill>
+      </a:ln>
+    </cs:spPr>
+  </cs:dataPoint3D>
+  <cs:dataPointLine>
+    <cs:lnRef idx="0">
+      <cs:styleClr val="auto"/>
+    </cs:lnRef>
+    <cs:fillRef idx="0"/>
+    <cs:effectRef idx="0"/>
+    <cs:fontRef idx="minor">
+      <a:schemeClr val="tx1"/>
+    </cs:fontRef>
+    <cs:spPr>
+      <a:ln w="28575" cap="rnd">
+        <a:solidFill>
+          <a:schemeClr val="phClr"/>
+        </a:solidFill>
+        <a:round/>
+      </a:ln>
+    </cs:spPr>
+  </cs:dataPointLine>
+  <cs:dataPointMarker>
+    <cs:lnRef idx="0">
+      <cs:styleClr val="auto"/>
+    </cs:lnRef>
+    <cs:fillRef idx="1">
+      <cs:styleClr val="auto"/>
+    </cs:fillRef>
+    <cs:effectRef idx="0"/>
+    <cs:fontRef idx="minor">
+      <a:schemeClr val="tx1"/>
+    </cs:fontRef>
+    <cs:spPr>
+      <a:ln w="9525">
+        <a:solidFill>
+          <a:schemeClr val="phClr"/>
+        </a:solidFill>
+      </a:ln>
+    </cs:spPr>
+  </cs:dataPointMarker>
+  <cs:dataPointMarkerLayout symbol="circle" size="5"/>
+  <cs:dataPointWireframe>
+    <cs:lnRef idx="0">
+      <cs:styleClr val="auto"/>
+    </cs:lnRef>
+    <cs:fillRef idx="0"/>
+    <cs:effectRef idx="0"/>
+    <cs:fontRef idx="minor">
+      <a:schemeClr val="tx1"/>
+    </cs:fontRef>
+    <cs:spPr>
+      <a:ln w="9525" cap="rnd">
+        <a:solidFill>
+          <a:schemeClr val="phClr"/>
+        </a:solidFill>
+        <a:round/>
+      </a:ln>
+    </cs:spPr>
+  </cs:dataPointWireframe>
+  <cs:dataTable>
+    <cs:lnRef idx="0"/>
+    <cs:fillRef idx="0"/>
+    <cs:effectRef idx="0"/>
+    <cs:fontRef idx="minor">
+      <a:schemeClr val="tx1">
+        <a:lumMod val="65000"/>
+        <a:lumOff val="35000"/>
+      </a:schemeClr>
+    </cs:fontRef>
+    <cs:spPr>
+      <a:noFill/>
+      <a:ln w="9525" cap="flat" cmpd="sng" algn="ctr">
+        <a:solidFill>
+          <a:schemeClr val="tx1">
+            <a:lumMod val="15000"/>
+            <a:lumOff val="85000"/>
+          </a:schemeClr>
+        </a:solidFill>
+        <a:round/>
+      </a:ln>
+    </cs:spPr>
+    <cs:defRPr sz="1197" kern="1200"/>
+  </cs:dataTable>
+  <cs:downBar>
+    <cs:lnRef idx="0"/>
+    <cs:fillRef idx="0"/>
+    <cs:effectRef idx="0"/>
+    <cs:fontRef idx="minor">
+      <a:schemeClr val="tx1"/>
+    </cs:fontRef>
+    <cs:spPr>
+      <a:solidFill>
+        <a:schemeClr val="dk1">
+          <a:lumMod val="75000"/>
+          <a:lumOff val="25000"/>
+        </a:schemeClr>
+      </a:solidFill>
+      <a:ln w="9525" cap="flat" cmpd="sng" algn="ctr">
+        <a:solidFill>
+          <a:schemeClr val="tx1">
+            <a:lumMod val="65000"/>
+            <a:lumOff val="35000"/>
+          </a:schemeClr>
+        </a:solidFill>
+        <a:round/>
+      </a:ln>
+    </cs:spPr>
+  </cs:downBar>
+  <cs:dropLine>
+    <cs:lnRef idx="0"/>
+    <cs:fillRef idx="0"/>
+    <cs:effectRef idx="0"/>
+    <cs:fontRef idx="minor">
+      <a:schemeClr val="tx1"/>
+    </cs:fontRef>
+    <cs:spPr>
+      <a:ln w="9525" cap="flat" cmpd="sng" algn="ctr">
+        <a:solidFill>
+          <a:schemeClr val="tx1">
+            <a:lumMod val="35000"/>
+            <a:lumOff val="65000"/>
+          </a:schemeClr>
+        </a:solidFill>
+        <a:round/>
+      </a:ln>
+    </cs:spPr>
+  </cs:dropLine>
+  <cs:errorBar>
+    <cs:lnRef idx="0"/>
+    <cs:fillRef idx="0"/>
+    <cs:effectRef idx="0"/>
+    <cs:fontRef idx="minor">
+      <a:schemeClr val="tx1"/>
+    </cs:fontRef>
+    <cs:spPr>
+      <a:ln w="9525" cap="flat" cmpd="sng" algn="ctr">
+        <a:solidFill>
+          <a:schemeClr val="tx1">
+            <a:lumMod val="65000"/>
+            <a:lumOff val="35000"/>
+          </a:schemeClr>
+        </a:solidFill>
+        <a:round/>
+      </a:ln>
+    </cs:spPr>
+  </cs:errorBar>
+  <cs:floor>
+    <cs:lnRef idx="0"/>
+    <cs:fillRef idx="0"/>
+    <cs:effectRef idx="0"/>
+    <cs:fontRef idx="minor">
+      <a:schemeClr val="tx1"/>
+    </cs:fontRef>
+    <cs:spPr>
+      <a:noFill/>
+      <a:ln>
+        <a:noFill/>
+      </a:ln>
+    </cs:spPr>
+  </cs:floor>
+  <cs:gridlineMajor>
+    <cs:lnRef idx="0"/>
+    <cs:fillRef idx="0"/>
+    <cs:effectRef idx="0"/>
+    <cs:fontRef idx="minor">
+      <a:schemeClr val="tx1"/>
+    </cs:fontRef>
+    <cs:spPr>
+      <a:ln w="9525" cap="flat" cmpd="sng" algn="ctr">
+        <a:solidFill>
+          <a:schemeClr val="tx1">
+            <a:lumMod val="15000"/>
+            <a:lumOff val="85000"/>
+          </a:schemeClr>
+        </a:solidFill>
+        <a:round/>
+      </a:ln>
+    </cs:spPr>
+  </cs:gridlineMajor>
+  <cs:gridlineMinor>
+    <cs:lnRef idx="0"/>
+    <cs:fillRef idx="0"/>
+    <cs:effectRef idx="0"/>
+    <cs:fontRef idx="minor">
+      <a:schemeClr val="tx1"/>
+    </cs:fontRef>
+    <cs:spPr>
+      <a:ln w="9525" cap="flat" cmpd="sng" algn="ctr">
+        <a:solidFill>
+          <a:schemeClr val="tx1">
+            <a:lumMod val="5000"/>
+            <a:lumOff val="95000"/>
+          </a:schemeClr>
+        </a:solidFill>
+        <a:round/>
+      </a:ln>
+    </cs:spPr>
+  </cs:gridlineMinor>
+  <cs:hiLoLine>
+    <cs:lnRef idx="0"/>
+    <cs:fillRef idx="0"/>
+    <cs:effectRef idx="0"/>
+    <cs:fontRef idx="minor">
+      <a:schemeClr val="tx1"/>
+    </cs:fontRef>
+    <cs:spPr>
+      <a:ln w="9525" cap="flat" cmpd="sng" algn="ctr">
+        <a:solidFill>
+          <a:schemeClr val="tx1">
+            <a:lumMod val="50000"/>
+            <a:lumOff val="50000"/>
+          </a:schemeClr>
+        </a:solidFill>
+        <a:round/>
+      </a:ln>
+    </cs:spPr>
+  </cs:hiLoLine>
+  <cs:leaderLine>
+    <cs:lnRef idx="0"/>
+    <cs:fillRef idx="0"/>
+    <cs:effectRef idx="0"/>
+    <cs:fontRef idx="minor">
+      <a:schemeClr val="tx1"/>
+    </cs:fontRef>
+    <cs:spPr>
+      <a:ln w="9525" cap="flat" cmpd="sng" algn="ctr">
+        <a:solidFill>
+          <a:schemeClr val="tx1">
+            <a:lumMod val="35000"/>
+            <a:lumOff val="65000"/>
+          </a:schemeClr>
+        </a:solidFill>
+        <a:round/>
+      </a:ln>
+    </cs:spPr>
+  </cs:leaderLine>
+  <cs:legend>
+    <cs:lnRef idx="0"/>
+    <cs:fillRef idx="0"/>
+    <cs:effectRef idx="0"/>
+    <cs:fontRef idx="minor">
+      <a:schemeClr val="tx1">
+        <a:lumMod val="65000"/>
+        <a:lumOff val="35000"/>
+      </a:schemeClr>
+    </cs:fontRef>
+    <cs:defRPr sz="1197" kern="1200"/>
+  </cs:legend>
+  <cs:plotArea mods="allowNoFillOverride allowNoLineOverride">
+    <cs:lnRef idx="0"/>
+    <cs:fillRef idx="0"/>
+    <cs:effectRef idx="0"/>
+    <cs:fontRef idx="minor">
+      <a:schemeClr val="tx1"/>
+    </cs:fontRef>
+  </cs:plotArea>
+  <cs:plotArea3D mods="allowNoFillOverride allowNoLineOverride">
+    <cs:lnRef idx="0"/>
+    <cs:fillRef idx="0"/>
+    <cs:effectRef idx="0"/>
+    <cs:fontRef idx="minor">
+      <a:schemeClr val="tx1"/>
+    </cs:fontRef>
+  </cs:plotArea3D>
+  <cs:seriesAxis>
+    <cs:lnRef idx="0"/>
+    <cs:fillRef idx="0"/>
+    <cs:effectRef idx="0"/>
+    <cs:fontRef idx="minor">
+      <a:schemeClr val="tx1">
+        <a:lumMod val="65000"/>
+        <a:lumOff val="35000"/>
+      </a:schemeClr>
+    </cs:fontRef>
+    <cs:defRPr sz="1197" kern="1200"/>
+  </cs:seriesAxis>
+  <cs:seriesLine>
+    <cs:lnRef idx="0"/>
+    <cs:fillRef idx="0"/>
+    <cs:effectRef idx="0"/>
+    <cs:fontRef idx="minor">
+      <a:schemeClr val="tx1"/>
+    </cs:fontRef>
+    <cs:spPr>
+      <a:ln w="9525" cap="flat" cmpd="sng" algn="ctr">
+        <a:solidFill>
+          <a:schemeClr val="tx1">
+            <a:lumMod val="35000"/>
+            <a:lumOff val="65000"/>
+          </a:schemeClr>
+        </a:solidFill>
+        <a:round/>
+      </a:ln>
+    </cs:spPr>
+  </cs:seriesLine>
+  <cs:title>
+    <cs:lnRef idx="0"/>
+    <cs:fillRef idx="0"/>
+    <cs:effectRef idx="0"/>
+    <cs:fontRef idx="minor">
+      <a:schemeClr val="tx1">
+        <a:lumMod val="65000"/>
+        <a:lumOff val="35000"/>
+      </a:schemeClr>
+    </cs:fontRef>
+    <cs:defRPr sz="1862" b="0" kern="1200" spc="0" baseline="0"/>
+  </cs:title>
+  <cs:trendline>
+    <cs:lnRef idx="0">
+      <cs:styleClr val="auto"/>
+    </cs:lnRef>
+    <cs:fillRef idx="0"/>
+    <cs:effectRef idx="0"/>
+    <cs:fontRef idx="minor">
+      <a:schemeClr val="tx1"/>
+    </cs:fontRef>
+    <cs:spPr>
+      <a:ln w="19050" cap="rnd">
+        <a:solidFill>
+          <a:schemeClr val="phClr"/>
+        </a:solidFill>
+        <a:prstDash val="sysDot"/>
+      </a:ln>
+    </cs:spPr>
+  </cs:trendline>
+  <cs:trendlineLabel>
+    <cs:lnRef idx="0"/>
+    <cs:fillRef idx="0"/>
+    <cs:effectRef idx="0"/>
+    <cs:fontRef idx="minor">
+      <a:schemeClr val="tx1">
+        <a:lumMod val="65000"/>
+        <a:lumOff val="35000"/>
+      </a:schemeClr>
+    </cs:fontRef>
+    <cs:defRPr sz="1197" kern="1200"/>
+  </cs:trendlineLabel>
+  <cs:upBar>
+    <cs:lnRef idx="0"/>
+    <cs:fillRef idx="0"/>
+    <cs:effectRef idx="0"/>
+    <cs:fontRef idx="minor">
+      <a:schemeClr val="tx1"/>
+    </cs:fontRef>
+    <cs:spPr>
+      <a:solidFill>
+        <a:schemeClr val="lt1"/>
+      </a:solidFill>
+      <a:ln w="9525" cap="flat" cmpd="sng" algn="ctr">
+        <a:solidFill>
+          <a:schemeClr val="tx1">
+            <a:lumMod val="65000"/>
+            <a:lumOff val="35000"/>
+          </a:schemeClr>
+        </a:solidFill>
+        <a:round/>
+      </a:ln>
+    </cs:spPr>
+  </cs:upBar>
+  <cs:valueAxis>
+    <cs:lnRef idx="0"/>
+    <cs:fillRef idx="0"/>
+    <cs:effectRef idx="0"/>
+    <cs:fontRef idx="minor">
+      <a:schemeClr val="tx1">
+        <a:lumMod val="65000"/>
+        <a:lumOff val="35000"/>
+      </a:schemeClr>
+    </cs:fontRef>
+    <cs:defRPr sz="1197" kern="1200"/>
+  </cs:valueAxis>
+  <cs:wall>
+    <cs:lnRef idx="0"/>
+    <cs:fillRef idx="0"/>
+    <cs:effectRef idx="0"/>
+    <cs:fontRef idx="minor">
+      <a:schemeClr val="tx1"/>
+    </cs:fontRef>
+    <cs:spPr>
+      <a:noFill/>
+      <a:ln>
+        <a:noFill/>
+      </a:ln>
+    </cs:spPr>
+  </cs:wall>
+</cs:chartStyle>
 </file>
 
 <file path=ppt/diagrams/colors1.xml><?xml version="1.0" encoding="utf-8"?>
@@ -14429,12 +15447,12 @@
                         </a:spcAft>
                       </a:pPr>
                       <a:r>
-                        <a:rPr lang="en-US" sz="1400" kern="0">
+                        <a:rPr lang="en-US" sz="1400" kern="0" dirty="0">
                           <a:effectLst/>
                         </a:rPr>
                         <a:t>9</a:t>
                       </a:r>
-                      <a:endParaRPr lang="zh-TW" sz="1200" kern="100">
+                      <a:endParaRPr lang="zh-TW" sz="1200" kern="100" dirty="0">
                         <a:effectLst/>
                         <a:latin typeface="Calibri" panose="020F0502020204030204" pitchFamily="34" charset="0"/>
                         <a:ea typeface="新細明體" panose="02020500000000000000" pitchFamily="18" charset="-120"/>
@@ -21541,6 +22559,5604 @@
 </p:sld>
 </file>
 
+<file path=ppt/slides/slide8.xml><?xml version="1.0" encoding="utf-8"?>
+<p:sld xmlns:a="http://schemas.openxmlformats.org/drawingml/2006/main" xmlns:r="http://schemas.openxmlformats.org/officeDocument/2006/relationships" xmlns:p="http://schemas.openxmlformats.org/presentationml/2006/main">
+  <p:cSld>
+    <p:spTree>
+      <p:nvGrpSpPr>
+        <p:cNvPr id="1" name=""/>
+        <p:cNvGrpSpPr/>
+        <p:nvPr/>
+      </p:nvGrpSpPr>
+      <p:grpSpPr>
+        <a:xfrm>
+          <a:off x="0" y="0"/>
+          <a:ext cx="0" cy="0"/>
+          <a:chOff x="0" y="0"/>
+          <a:chExt cx="0" cy="0"/>
+        </a:xfrm>
+      </p:grpSpPr>
+      <p:graphicFrame>
+        <p:nvGraphicFramePr>
+          <p:cNvPr id="4" name="表格 3"/>
+          <p:cNvGraphicFramePr>
+            <a:graphicFrameLocks noGrp="1"/>
+          </p:cNvGraphicFramePr>
+          <p:nvPr>
+            <p:extLst>
+              <p:ext uri="{D42A27DB-BD31-4B8C-83A1-F6EECF244321}">
+                <p14:modId xmlns:p14="http://schemas.microsoft.com/office/powerpoint/2010/main" val="1185186526"/>
+              </p:ext>
+            </p:extLst>
+          </p:nvPr>
+        </p:nvGraphicFramePr>
+        <p:xfrm>
+          <a:off x="3574709" y="717687"/>
+          <a:ext cx="1929276" cy="274320"/>
+        </p:xfrm>
+        <a:graphic>
+          <a:graphicData uri="http://schemas.openxmlformats.org/drawingml/2006/table">
+            <a:tbl>
+              <a:tblPr firstRow="1" bandRow="1">
+                <a:tableStyleId>{5C22544A-7EE6-4342-B048-85BDC9FD1C3A}</a:tableStyleId>
+              </a:tblPr>
+              <a:tblGrid>
+                <a:gridCol w="321546">
+                  <a:extLst>
+                    <a:ext uri="{9D8B030D-6E8A-4147-A177-3AD203B41FA5}">
+                      <a16:colId xmlns:a16="http://schemas.microsoft.com/office/drawing/2014/main" val="1492936081"/>
+                    </a:ext>
+                  </a:extLst>
+                </a:gridCol>
+                <a:gridCol w="321546">
+                  <a:extLst>
+                    <a:ext uri="{9D8B030D-6E8A-4147-A177-3AD203B41FA5}">
+                      <a16:colId xmlns:a16="http://schemas.microsoft.com/office/drawing/2014/main" val="2328466560"/>
+                    </a:ext>
+                  </a:extLst>
+                </a:gridCol>
+                <a:gridCol w="321546">
+                  <a:extLst>
+                    <a:ext uri="{9D8B030D-6E8A-4147-A177-3AD203B41FA5}">
+                      <a16:colId xmlns:a16="http://schemas.microsoft.com/office/drawing/2014/main" val="605851618"/>
+                    </a:ext>
+                  </a:extLst>
+                </a:gridCol>
+                <a:gridCol w="321546">
+                  <a:extLst>
+                    <a:ext uri="{9D8B030D-6E8A-4147-A177-3AD203B41FA5}">
+                      <a16:colId xmlns:a16="http://schemas.microsoft.com/office/drawing/2014/main" val="1632471791"/>
+                    </a:ext>
+                  </a:extLst>
+                </a:gridCol>
+                <a:gridCol w="321546">
+                  <a:extLst>
+                    <a:ext uri="{9D8B030D-6E8A-4147-A177-3AD203B41FA5}">
+                      <a16:colId xmlns:a16="http://schemas.microsoft.com/office/drawing/2014/main" val="3465053422"/>
+                    </a:ext>
+                  </a:extLst>
+                </a:gridCol>
+                <a:gridCol w="321546">
+                  <a:extLst>
+                    <a:ext uri="{9D8B030D-6E8A-4147-A177-3AD203B41FA5}">
+                      <a16:colId xmlns:a16="http://schemas.microsoft.com/office/drawing/2014/main" val="246274235"/>
+                    </a:ext>
+                  </a:extLst>
+                </a:gridCol>
+              </a:tblGrid>
+              <a:tr h="262044">
+                <a:tc>
+                  <a:txBody>
+                    <a:bodyPr/>
+                    <a:lstStyle/>
+                    <a:p>
+                      <a:pPr algn="ctr"/>
+                      <a:r>
+                        <a:rPr lang="en-US" altLang="zh-TW" sz="1200" b="0" dirty="0" smtClean="0">
+                          <a:solidFill>
+                            <a:schemeClr val="tx1"/>
+                          </a:solidFill>
+                          <a:latin typeface="Times New Roman" panose="02020603050405020304" pitchFamily="18" charset="0"/>
+                          <a:cs typeface="Times New Roman" panose="02020603050405020304" pitchFamily="18" charset="0"/>
+                        </a:rPr>
+                        <a:t>1</a:t>
+                      </a:r>
+                      <a:endParaRPr lang="zh-TW" altLang="en-US" sz="1200" b="0" dirty="0">
+                        <a:solidFill>
+                          <a:schemeClr val="tx1"/>
+                        </a:solidFill>
+                        <a:latin typeface="Times New Roman" panose="02020603050405020304" pitchFamily="18" charset="0"/>
+                        <a:cs typeface="Times New Roman" panose="02020603050405020304" pitchFamily="18" charset="0"/>
+                      </a:endParaRPr>
+                    </a:p>
+                  </a:txBody>
+                  <a:tcPr anchor="ctr">
+                    <a:lnL w="12700" cap="flat" cmpd="sng" algn="ctr">
+                      <a:solidFill>
+                        <a:schemeClr val="tx1"/>
+                      </a:solidFill>
+                      <a:prstDash val="solid"/>
+                      <a:round/>
+                      <a:headEnd type="none" w="med" len="med"/>
+                      <a:tailEnd type="none" w="med" len="med"/>
+                    </a:lnL>
+                    <a:lnR w="12700" cap="flat" cmpd="sng" algn="ctr">
+                      <a:solidFill>
+                        <a:schemeClr val="tx1"/>
+                      </a:solidFill>
+                      <a:prstDash val="solid"/>
+                      <a:round/>
+                      <a:headEnd type="none" w="med" len="med"/>
+                      <a:tailEnd type="none" w="med" len="med"/>
+                    </a:lnR>
+                    <a:lnT w="12700" cap="flat" cmpd="sng" algn="ctr">
+                      <a:solidFill>
+                        <a:schemeClr val="tx1"/>
+                      </a:solidFill>
+                      <a:prstDash val="solid"/>
+                      <a:round/>
+                      <a:headEnd type="none" w="med" len="med"/>
+                      <a:tailEnd type="none" w="med" len="med"/>
+                    </a:lnT>
+                    <a:lnB w="12700" cap="flat" cmpd="sng" algn="ctr">
+                      <a:solidFill>
+                        <a:schemeClr val="tx1"/>
+                      </a:solidFill>
+                      <a:prstDash val="solid"/>
+                      <a:round/>
+                      <a:headEnd type="none" w="med" len="med"/>
+                      <a:tailEnd type="none" w="med" len="med"/>
+                    </a:lnB>
+                    <a:lnTlToBr w="12700" cmpd="sng">
+                      <a:noFill/>
+                      <a:prstDash val="solid"/>
+                    </a:lnTlToBr>
+                    <a:lnBlToTr w="12700" cmpd="sng">
+                      <a:noFill/>
+                      <a:prstDash val="solid"/>
+                    </a:lnBlToTr>
+                    <a:solidFill>
+                      <a:schemeClr val="bg1"/>
+                    </a:solidFill>
+                  </a:tcPr>
+                </a:tc>
+                <a:tc>
+                  <a:txBody>
+                    <a:bodyPr/>
+                    <a:lstStyle/>
+                    <a:p>
+                      <a:pPr algn="ctr"/>
+                      <a:r>
+                        <a:rPr lang="en-US" altLang="zh-TW" sz="1200" b="0" dirty="0" smtClean="0">
+                          <a:solidFill>
+                            <a:schemeClr val="tx1"/>
+                          </a:solidFill>
+                          <a:latin typeface="Times New Roman" panose="02020603050405020304" pitchFamily="18" charset="0"/>
+                          <a:cs typeface="Times New Roman" panose="02020603050405020304" pitchFamily="18" charset="0"/>
+                        </a:rPr>
+                        <a:t>1</a:t>
+                      </a:r>
+                      <a:endParaRPr lang="zh-TW" altLang="en-US" sz="1200" b="0" dirty="0">
+                        <a:solidFill>
+                          <a:schemeClr val="tx1"/>
+                        </a:solidFill>
+                        <a:latin typeface="Times New Roman" panose="02020603050405020304" pitchFamily="18" charset="0"/>
+                        <a:cs typeface="Times New Roman" panose="02020603050405020304" pitchFamily="18" charset="0"/>
+                      </a:endParaRPr>
+                    </a:p>
+                  </a:txBody>
+                  <a:tcPr anchor="ctr">
+                    <a:lnL w="12700" cap="flat" cmpd="sng" algn="ctr">
+                      <a:solidFill>
+                        <a:schemeClr val="tx1"/>
+                      </a:solidFill>
+                      <a:prstDash val="solid"/>
+                      <a:round/>
+                      <a:headEnd type="none" w="med" len="med"/>
+                      <a:tailEnd type="none" w="med" len="med"/>
+                    </a:lnL>
+                    <a:lnR w="12700" cap="flat" cmpd="sng" algn="ctr">
+                      <a:solidFill>
+                        <a:schemeClr val="tx1"/>
+                      </a:solidFill>
+                      <a:prstDash val="solid"/>
+                      <a:round/>
+                      <a:headEnd type="none" w="med" len="med"/>
+                      <a:tailEnd type="none" w="med" len="med"/>
+                    </a:lnR>
+                    <a:lnT w="12700" cap="flat" cmpd="sng" algn="ctr">
+                      <a:solidFill>
+                        <a:schemeClr val="tx1"/>
+                      </a:solidFill>
+                      <a:prstDash val="solid"/>
+                      <a:round/>
+                      <a:headEnd type="none" w="med" len="med"/>
+                      <a:tailEnd type="none" w="med" len="med"/>
+                    </a:lnT>
+                    <a:lnB w="12700" cap="flat" cmpd="sng" algn="ctr">
+                      <a:solidFill>
+                        <a:schemeClr val="tx1"/>
+                      </a:solidFill>
+                      <a:prstDash val="solid"/>
+                      <a:round/>
+                      <a:headEnd type="none" w="med" len="med"/>
+                      <a:tailEnd type="none" w="med" len="med"/>
+                    </a:lnB>
+                    <a:lnTlToBr w="12700" cmpd="sng">
+                      <a:noFill/>
+                      <a:prstDash val="solid"/>
+                    </a:lnTlToBr>
+                    <a:lnBlToTr w="12700" cmpd="sng">
+                      <a:noFill/>
+                      <a:prstDash val="solid"/>
+                    </a:lnBlToTr>
+                    <a:solidFill>
+                      <a:schemeClr val="bg1"/>
+                    </a:solidFill>
+                  </a:tcPr>
+                </a:tc>
+                <a:tc>
+                  <a:txBody>
+                    <a:bodyPr/>
+                    <a:lstStyle/>
+                    <a:p>
+                      <a:pPr algn="ctr"/>
+                      <a:r>
+                        <a:rPr lang="en-US" altLang="zh-TW" sz="1200" b="0" dirty="0" smtClean="0">
+                          <a:solidFill>
+                            <a:schemeClr val="tx1"/>
+                          </a:solidFill>
+                          <a:latin typeface="Times New Roman" panose="02020603050405020304" pitchFamily="18" charset="0"/>
+                          <a:cs typeface="Times New Roman" panose="02020603050405020304" pitchFamily="18" charset="0"/>
+                        </a:rPr>
+                        <a:t>0</a:t>
+                      </a:r>
+                      <a:endParaRPr lang="zh-TW" altLang="en-US" sz="1200" b="0" dirty="0">
+                        <a:solidFill>
+                          <a:schemeClr val="tx1"/>
+                        </a:solidFill>
+                        <a:latin typeface="Times New Roman" panose="02020603050405020304" pitchFamily="18" charset="0"/>
+                        <a:cs typeface="Times New Roman" panose="02020603050405020304" pitchFamily="18" charset="0"/>
+                      </a:endParaRPr>
+                    </a:p>
+                  </a:txBody>
+                  <a:tcPr anchor="ctr">
+                    <a:lnL w="12700" cap="flat" cmpd="sng" algn="ctr">
+                      <a:solidFill>
+                        <a:schemeClr val="tx1"/>
+                      </a:solidFill>
+                      <a:prstDash val="solid"/>
+                      <a:round/>
+                      <a:headEnd type="none" w="med" len="med"/>
+                      <a:tailEnd type="none" w="med" len="med"/>
+                    </a:lnL>
+                    <a:lnR w="12700" cap="flat" cmpd="sng" algn="ctr">
+                      <a:solidFill>
+                        <a:schemeClr val="tx1"/>
+                      </a:solidFill>
+                      <a:prstDash val="solid"/>
+                      <a:round/>
+                      <a:headEnd type="none" w="med" len="med"/>
+                      <a:tailEnd type="none" w="med" len="med"/>
+                    </a:lnR>
+                    <a:lnT w="12700" cap="flat" cmpd="sng" algn="ctr">
+                      <a:solidFill>
+                        <a:schemeClr val="tx1"/>
+                      </a:solidFill>
+                      <a:prstDash val="solid"/>
+                      <a:round/>
+                      <a:headEnd type="none" w="med" len="med"/>
+                      <a:tailEnd type="none" w="med" len="med"/>
+                    </a:lnT>
+                    <a:lnB w="12700" cap="flat" cmpd="sng" algn="ctr">
+                      <a:solidFill>
+                        <a:schemeClr val="tx1"/>
+                      </a:solidFill>
+                      <a:prstDash val="solid"/>
+                      <a:round/>
+                      <a:headEnd type="none" w="med" len="med"/>
+                      <a:tailEnd type="none" w="med" len="med"/>
+                    </a:lnB>
+                    <a:lnTlToBr w="12700" cmpd="sng">
+                      <a:noFill/>
+                      <a:prstDash val="solid"/>
+                    </a:lnTlToBr>
+                    <a:lnBlToTr w="12700" cmpd="sng">
+                      <a:noFill/>
+                      <a:prstDash val="solid"/>
+                    </a:lnBlToTr>
+                    <a:solidFill>
+                      <a:schemeClr val="bg1"/>
+                    </a:solidFill>
+                  </a:tcPr>
+                </a:tc>
+                <a:tc>
+                  <a:txBody>
+                    <a:bodyPr/>
+                    <a:lstStyle/>
+                    <a:p>
+                      <a:pPr algn="ctr"/>
+                      <a:r>
+                        <a:rPr lang="en-US" altLang="zh-TW" sz="1200" b="0" dirty="0" smtClean="0">
+                          <a:solidFill>
+                            <a:schemeClr val="tx1"/>
+                          </a:solidFill>
+                          <a:latin typeface="Times New Roman" panose="02020603050405020304" pitchFamily="18" charset="0"/>
+                          <a:cs typeface="Times New Roman" panose="02020603050405020304" pitchFamily="18" charset="0"/>
+                        </a:rPr>
+                        <a:t>0</a:t>
+                      </a:r>
+                      <a:endParaRPr lang="zh-TW" altLang="en-US" sz="1200" b="0" dirty="0">
+                        <a:solidFill>
+                          <a:schemeClr val="tx1"/>
+                        </a:solidFill>
+                        <a:latin typeface="Times New Roman" panose="02020603050405020304" pitchFamily="18" charset="0"/>
+                        <a:cs typeface="Times New Roman" panose="02020603050405020304" pitchFamily="18" charset="0"/>
+                      </a:endParaRPr>
+                    </a:p>
+                  </a:txBody>
+                  <a:tcPr anchor="ctr">
+                    <a:lnL w="12700" cap="flat" cmpd="sng" algn="ctr">
+                      <a:solidFill>
+                        <a:schemeClr val="tx1"/>
+                      </a:solidFill>
+                      <a:prstDash val="solid"/>
+                      <a:round/>
+                      <a:headEnd type="none" w="med" len="med"/>
+                      <a:tailEnd type="none" w="med" len="med"/>
+                    </a:lnL>
+                    <a:lnR w="12700" cap="flat" cmpd="sng" algn="ctr">
+                      <a:solidFill>
+                        <a:schemeClr val="tx1"/>
+                      </a:solidFill>
+                      <a:prstDash val="solid"/>
+                      <a:round/>
+                      <a:headEnd type="none" w="med" len="med"/>
+                      <a:tailEnd type="none" w="med" len="med"/>
+                    </a:lnR>
+                    <a:lnT w="12700" cap="flat" cmpd="sng" algn="ctr">
+                      <a:solidFill>
+                        <a:schemeClr val="tx1"/>
+                      </a:solidFill>
+                      <a:prstDash val="solid"/>
+                      <a:round/>
+                      <a:headEnd type="none" w="med" len="med"/>
+                      <a:tailEnd type="none" w="med" len="med"/>
+                    </a:lnT>
+                    <a:lnB w="12700" cap="flat" cmpd="sng" algn="ctr">
+                      <a:solidFill>
+                        <a:schemeClr val="tx1"/>
+                      </a:solidFill>
+                      <a:prstDash val="solid"/>
+                      <a:round/>
+                      <a:headEnd type="none" w="med" len="med"/>
+                      <a:tailEnd type="none" w="med" len="med"/>
+                    </a:lnB>
+                    <a:lnTlToBr w="12700" cmpd="sng">
+                      <a:noFill/>
+                      <a:prstDash val="solid"/>
+                    </a:lnTlToBr>
+                    <a:lnBlToTr w="12700" cmpd="sng">
+                      <a:noFill/>
+                      <a:prstDash val="solid"/>
+                    </a:lnBlToTr>
+                    <a:solidFill>
+                      <a:schemeClr val="bg1"/>
+                    </a:solidFill>
+                  </a:tcPr>
+                </a:tc>
+                <a:tc>
+                  <a:txBody>
+                    <a:bodyPr/>
+                    <a:lstStyle/>
+                    <a:p>
+                      <a:pPr algn="ctr"/>
+                      <a:r>
+                        <a:rPr lang="en-US" altLang="zh-TW" sz="1200" b="0" dirty="0" smtClean="0">
+                          <a:solidFill>
+                            <a:schemeClr val="tx1"/>
+                          </a:solidFill>
+                          <a:latin typeface="Times New Roman" panose="02020603050405020304" pitchFamily="18" charset="0"/>
+                          <a:cs typeface="Times New Roman" panose="02020603050405020304" pitchFamily="18" charset="0"/>
+                        </a:rPr>
+                        <a:t>0</a:t>
+                      </a:r>
+                      <a:endParaRPr lang="zh-TW" altLang="en-US" sz="1200" b="0" dirty="0">
+                        <a:solidFill>
+                          <a:schemeClr val="tx1"/>
+                        </a:solidFill>
+                        <a:latin typeface="Times New Roman" panose="02020603050405020304" pitchFamily="18" charset="0"/>
+                        <a:cs typeface="Times New Roman" panose="02020603050405020304" pitchFamily="18" charset="0"/>
+                      </a:endParaRPr>
+                    </a:p>
+                  </a:txBody>
+                  <a:tcPr anchor="ctr">
+                    <a:lnL w="12700" cap="flat" cmpd="sng" algn="ctr">
+                      <a:solidFill>
+                        <a:schemeClr val="tx1"/>
+                      </a:solidFill>
+                      <a:prstDash val="solid"/>
+                      <a:round/>
+                      <a:headEnd type="none" w="med" len="med"/>
+                      <a:tailEnd type="none" w="med" len="med"/>
+                    </a:lnL>
+                    <a:lnR w="12700" cap="flat" cmpd="sng" algn="ctr">
+                      <a:solidFill>
+                        <a:schemeClr val="tx1"/>
+                      </a:solidFill>
+                      <a:prstDash val="solid"/>
+                      <a:round/>
+                      <a:headEnd type="none" w="med" len="med"/>
+                      <a:tailEnd type="none" w="med" len="med"/>
+                    </a:lnR>
+                    <a:lnT w="12700" cap="flat" cmpd="sng" algn="ctr">
+                      <a:solidFill>
+                        <a:schemeClr val="tx1"/>
+                      </a:solidFill>
+                      <a:prstDash val="solid"/>
+                      <a:round/>
+                      <a:headEnd type="none" w="med" len="med"/>
+                      <a:tailEnd type="none" w="med" len="med"/>
+                    </a:lnT>
+                    <a:lnB w="12700" cap="flat" cmpd="sng" algn="ctr">
+                      <a:solidFill>
+                        <a:schemeClr val="tx1"/>
+                      </a:solidFill>
+                      <a:prstDash val="solid"/>
+                      <a:round/>
+                      <a:headEnd type="none" w="med" len="med"/>
+                      <a:tailEnd type="none" w="med" len="med"/>
+                    </a:lnB>
+                    <a:lnTlToBr w="12700" cmpd="sng">
+                      <a:noFill/>
+                      <a:prstDash val="solid"/>
+                    </a:lnTlToBr>
+                    <a:lnBlToTr w="12700" cmpd="sng">
+                      <a:noFill/>
+                      <a:prstDash val="solid"/>
+                    </a:lnBlToTr>
+                    <a:solidFill>
+                      <a:schemeClr val="bg1"/>
+                    </a:solidFill>
+                  </a:tcPr>
+                </a:tc>
+                <a:tc>
+                  <a:txBody>
+                    <a:bodyPr/>
+                    <a:lstStyle/>
+                    <a:p>
+                      <a:pPr algn="ctr"/>
+                      <a:r>
+                        <a:rPr lang="en-US" altLang="zh-TW" sz="1200" b="0" dirty="0" smtClean="0">
+                          <a:solidFill>
+                            <a:schemeClr val="tx1"/>
+                          </a:solidFill>
+                          <a:latin typeface="Times New Roman" panose="02020603050405020304" pitchFamily="18" charset="0"/>
+                          <a:cs typeface="Times New Roman" panose="02020603050405020304" pitchFamily="18" charset="0"/>
+                        </a:rPr>
+                        <a:t>0</a:t>
+                      </a:r>
+                      <a:endParaRPr lang="zh-TW" altLang="en-US" sz="1200" b="0" dirty="0">
+                        <a:solidFill>
+                          <a:schemeClr val="tx1"/>
+                        </a:solidFill>
+                        <a:latin typeface="Times New Roman" panose="02020603050405020304" pitchFamily="18" charset="0"/>
+                        <a:cs typeface="Times New Roman" panose="02020603050405020304" pitchFamily="18" charset="0"/>
+                      </a:endParaRPr>
+                    </a:p>
+                  </a:txBody>
+                  <a:tcPr anchor="ctr">
+                    <a:lnL w="12700" cap="flat" cmpd="sng" algn="ctr">
+                      <a:solidFill>
+                        <a:schemeClr val="tx1"/>
+                      </a:solidFill>
+                      <a:prstDash val="solid"/>
+                      <a:round/>
+                      <a:headEnd type="none" w="med" len="med"/>
+                      <a:tailEnd type="none" w="med" len="med"/>
+                    </a:lnL>
+                    <a:lnR w="12700" cap="flat" cmpd="sng" algn="ctr">
+                      <a:solidFill>
+                        <a:schemeClr val="tx1"/>
+                      </a:solidFill>
+                      <a:prstDash val="solid"/>
+                      <a:round/>
+                      <a:headEnd type="none" w="med" len="med"/>
+                      <a:tailEnd type="none" w="med" len="med"/>
+                    </a:lnR>
+                    <a:lnT w="12700" cap="flat" cmpd="sng" algn="ctr">
+                      <a:solidFill>
+                        <a:schemeClr val="tx1"/>
+                      </a:solidFill>
+                      <a:prstDash val="solid"/>
+                      <a:round/>
+                      <a:headEnd type="none" w="med" len="med"/>
+                      <a:tailEnd type="none" w="med" len="med"/>
+                    </a:lnT>
+                    <a:lnB w="12700" cap="flat" cmpd="sng" algn="ctr">
+                      <a:solidFill>
+                        <a:schemeClr val="tx1"/>
+                      </a:solidFill>
+                      <a:prstDash val="solid"/>
+                      <a:round/>
+                      <a:headEnd type="none" w="med" len="med"/>
+                      <a:tailEnd type="none" w="med" len="med"/>
+                    </a:lnB>
+                    <a:lnTlToBr w="12700" cmpd="sng">
+                      <a:noFill/>
+                      <a:prstDash val="solid"/>
+                    </a:lnTlToBr>
+                    <a:lnBlToTr w="12700" cmpd="sng">
+                      <a:noFill/>
+                      <a:prstDash val="solid"/>
+                    </a:lnBlToTr>
+                    <a:solidFill>
+                      <a:schemeClr val="bg1"/>
+                    </a:solidFill>
+                  </a:tcPr>
+                </a:tc>
+                <a:extLst>
+                  <a:ext uri="{0D108BD9-81ED-4DB2-BD59-A6C34878D82A}">
+                    <a16:rowId xmlns:a16="http://schemas.microsoft.com/office/drawing/2014/main" val="4226584499"/>
+                  </a:ext>
+                </a:extLst>
+              </a:tr>
+            </a:tbl>
+          </a:graphicData>
+        </a:graphic>
+      </p:graphicFrame>
+      <p:graphicFrame>
+        <p:nvGraphicFramePr>
+          <p:cNvPr id="5" name="表格 4"/>
+          <p:cNvGraphicFramePr>
+            <a:graphicFrameLocks noGrp="1"/>
+          </p:cNvGraphicFramePr>
+          <p:nvPr>
+            <p:extLst>
+              <p:ext uri="{D42A27DB-BD31-4B8C-83A1-F6EECF244321}">
+                <p14:modId xmlns:p14="http://schemas.microsoft.com/office/powerpoint/2010/main" val="1150545518"/>
+              </p:ext>
+            </p:extLst>
+          </p:nvPr>
+        </p:nvGraphicFramePr>
+        <p:xfrm>
+          <a:off x="3574709" y="1089166"/>
+          <a:ext cx="1929276" cy="274320"/>
+        </p:xfrm>
+        <a:graphic>
+          <a:graphicData uri="http://schemas.openxmlformats.org/drawingml/2006/table">
+            <a:tbl>
+              <a:tblPr firstRow="1" bandRow="1">
+                <a:tableStyleId>{5C22544A-7EE6-4342-B048-85BDC9FD1C3A}</a:tableStyleId>
+              </a:tblPr>
+              <a:tblGrid>
+                <a:gridCol w="321546">
+                  <a:extLst>
+                    <a:ext uri="{9D8B030D-6E8A-4147-A177-3AD203B41FA5}">
+                      <a16:colId xmlns:a16="http://schemas.microsoft.com/office/drawing/2014/main" val="1492936081"/>
+                    </a:ext>
+                  </a:extLst>
+                </a:gridCol>
+                <a:gridCol w="321546">
+                  <a:extLst>
+                    <a:ext uri="{9D8B030D-6E8A-4147-A177-3AD203B41FA5}">
+                      <a16:colId xmlns:a16="http://schemas.microsoft.com/office/drawing/2014/main" val="2328466560"/>
+                    </a:ext>
+                  </a:extLst>
+                </a:gridCol>
+                <a:gridCol w="321546">
+                  <a:extLst>
+                    <a:ext uri="{9D8B030D-6E8A-4147-A177-3AD203B41FA5}">
+                      <a16:colId xmlns:a16="http://schemas.microsoft.com/office/drawing/2014/main" val="605851618"/>
+                    </a:ext>
+                  </a:extLst>
+                </a:gridCol>
+                <a:gridCol w="321546">
+                  <a:extLst>
+                    <a:ext uri="{9D8B030D-6E8A-4147-A177-3AD203B41FA5}">
+                      <a16:colId xmlns:a16="http://schemas.microsoft.com/office/drawing/2014/main" val="1632471791"/>
+                    </a:ext>
+                  </a:extLst>
+                </a:gridCol>
+                <a:gridCol w="321546">
+                  <a:extLst>
+                    <a:ext uri="{9D8B030D-6E8A-4147-A177-3AD203B41FA5}">
+                      <a16:colId xmlns:a16="http://schemas.microsoft.com/office/drawing/2014/main" val="3465053422"/>
+                    </a:ext>
+                  </a:extLst>
+                </a:gridCol>
+                <a:gridCol w="321546">
+                  <a:extLst>
+                    <a:ext uri="{9D8B030D-6E8A-4147-A177-3AD203B41FA5}">
+                      <a16:colId xmlns:a16="http://schemas.microsoft.com/office/drawing/2014/main" val="246274235"/>
+                    </a:ext>
+                  </a:extLst>
+                </a:gridCol>
+              </a:tblGrid>
+              <a:tr h="262044">
+                <a:tc>
+                  <a:txBody>
+                    <a:bodyPr/>
+                    <a:lstStyle/>
+                    <a:p>
+                      <a:pPr algn="ctr"/>
+                      <a:r>
+                        <a:rPr lang="en-US" altLang="zh-TW" sz="1200" b="0" dirty="0" smtClean="0">
+                          <a:solidFill>
+                            <a:schemeClr val="tx1"/>
+                          </a:solidFill>
+                          <a:latin typeface="Times New Roman" panose="02020603050405020304" pitchFamily="18" charset="0"/>
+                          <a:cs typeface="Times New Roman" panose="02020603050405020304" pitchFamily="18" charset="0"/>
+                        </a:rPr>
+                        <a:t>0</a:t>
+                      </a:r>
+                      <a:endParaRPr lang="zh-TW" altLang="en-US" sz="1200" b="0" dirty="0">
+                        <a:solidFill>
+                          <a:schemeClr val="tx1"/>
+                        </a:solidFill>
+                        <a:latin typeface="Times New Roman" panose="02020603050405020304" pitchFamily="18" charset="0"/>
+                        <a:cs typeface="Times New Roman" panose="02020603050405020304" pitchFamily="18" charset="0"/>
+                      </a:endParaRPr>
+                    </a:p>
+                  </a:txBody>
+                  <a:tcPr anchor="ctr">
+                    <a:lnL w="12700" cap="flat" cmpd="sng" algn="ctr">
+                      <a:solidFill>
+                        <a:schemeClr val="tx1"/>
+                      </a:solidFill>
+                      <a:prstDash val="solid"/>
+                      <a:round/>
+                      <a:headEnd type="none" w="med" len="med"/>
+                      <a:tailEnd type="none" w="med" len="med"/>
+                    </a:lnL>
+                    <a:lnR w="12700" cap="flat" cmpd="sng" algn="ctr">
+                      <a:solidFill>
+                        <a:schemeClr val="tx1"/>
+                      </a:solidFill>
+                      <a:prstDash val="solid"/>
+                      <a:round/>
+                      <a:headEnd type="none" w="med" len="med"/>
+                      <a:tailEnd type="none" w="med" len="med"/>
+                    </a:lnR>
+                    <a:lnT w="12700" cap="flat" cmpd="sng" algn="ctr">
+                      <a:solidFill>
+                        <a:schemeClr val="tx1"/>
+                      </a:solidFill>
+                      <a:prstDash val="solid"/>
+                      <a:round/>
+                      <a:headEnd type="none" w="med" len="med"/>
+                      <a:tailEnd type="none" w="med" len="med"/>
+                    </a:lnT>
+                    <a:lnB w="12700" cap="flat" cmpd="sng" algn="ctr">
+                      <a:solidFill>
+                        <a:schemeClr val="tx1"/>
+                      </a:solidFill>
+                      <a:prstDash val="solid"/>
+                      <a:round/>
+                      <a:headEnd type="none" w="med" len="med"/>
+                      <a:tailEnd type="none" w="med" len="med"/>
+                    </a:lnB>
+                    <a:lnTlToBr w="12700" cmpd="sng">
+                      <a:noFill/>
+                      <a:prstDash val="solid"/>
+                    </a:lnTlToBr>
+                    <a:lnBlToTr w="12700" cmpd="sng">
+                      <a:noFill/>
+                      <a:prstDash val="solid"/>
+                    </a:lnBlToTr>
+                    <a:solidFill>
+                      <a:schemeClr val="bg1"/>
+                    </a:solidFill>
+                  </a:tcPr>
+                </a:tc>
+                <a:tc>
+                  <a:txBody>
+                    <a:bodyPr/>
+                    <a:lstStyle/>
+                    <a:p>
+                      <a:pPr algn="ctr"/>
+                      <a:r>
+                        <a:rPr lang="en-US" altLang="zh-TW" sz="1200" b="0" dirty="0" smtClean="0">
+                          <a:solidFill>
+                            <a:schemeClr val="tx1"/>
+                          </a:solidFill>
+                          <a:latin typeface="Times New Roman" panose="02020603050405020304" pitchFamily="18" charset="0"/>
+                          <a:cs typeface="Times New Roman" panose="02020603050405020304" pitchFamily="18" charset="0"/>
+                        </a:rPr>
+                        <a:t>1</a:t>
+                      </a:r>
+                      <a:endParaRPr lang="zh-TW" altLang="en-US" sz="1200" b="0" dirty="0">
+                        <a:solidFill>
+                          <a:schemeClr val="tx1"/>
+                        </a:solidFill>
+                        <a:latin typeface="Times New Roman" panose="02020603050405020304" pitchFamily="18" charset="0"/>
+                        <a:cs typeface="Times New Roman" panose="02020603050405020304" pitchFamily="18" charset="0"/>
+                      </a:endParaRPr>
+                    </a:p>
+                  </a:txBody>
+                  <a:tcPr anchor="ctr">
+                    <a:lnL w="12700" cap="flat" cmpd="sng" algn="ctr">
+                      <a:solidFill>
+                        <a:schemeClr val="tx1"/>
+                      </a:solidFill>
+                      <a:prstDash val="solid"/>
+                      <a:round/>
+                      <a:headEnd type="none" w="med" len="med"/>
+                      <a:tailEnd type="none" w="med" len="med"/>
+                    </a:lnL>
+                    <a:lnR w="12700" cap="flat" cmpd="sng" algn="ctr">
+                      <a:solidFill>
+                        <a:schemeClr val="tx1"/>
+                      </a:solidFill>
+                      <a:prstDash val="solid"/>
+                      <a:round/>
+                      <a:headEnd type="none" w="med" len="med"/>
+                      <a:tailEnd type="none" w="med" len="med"/>
+                    </a:lnR>
+                    <a:lnT w="12700" cap="flat" cmpd="sng" algn="ctr">
+                      <a:solidFill>
+                        <a:schemeClr val="tx1"/>
+                      </a:solidFill>
+                      <a:prstDash val="solid"/>
+                      <a:round/>
+                      <a:headEnd type="none" w="med" len="med"/>
+                      <a:tailEnd type="none" w="med" len="med"/>
+                    </a:lnT>
+                    <a:lnB w="12700" cap="flat" cmpd="sng" algn="ctr">
+                      <a:solidFill>
+                        <a:schemeClr val="tx1"/>
+                      </a:solidFill>
+                      <a:prstDash val="solid"/>
+                      <a:round/>
+                      <a:headEnd type="none" w="med" len="med"/>
+                      <a:tailEnd type="none" w="med" len="med"/>
+                    </a:lnB>
+                    <a:lnTlToBr w="12700" cmpd="sng">
+                      <a:noFill/>
+                      <a:prstDash val="solid"/>
+                    </a:lnTlToBr>
+                    <a:lnBlToTr w="12700" cmpd="sng">
+                      <a:noFill/>
+                      <a:prstDash val="solid"/>
+                    </a:lnBlToTr>
+                    <a:solidFill>
+                      <a:schemeClr val="bg1"/>
+                    </a:solidFill>
+                  </a:tcPr>
+                </a:tc>
+                <a:tc>
+                  <a:txBody>
+                    <a:bodyPr/>
+                    <a:lstStyle/>
+                    <a:p>
+                      <a:pPr algn="ctr"/>
+                      <a:r>
+                        <a:rPr lang="en-US" altLang="zh-TW" sz="1200" b="0" dirty="0" smtClean="0">
+                          <a:solidFill>
+                            <a:schemeClr val="tx1"/>
+                          </a:solidFill>
+                          <a:latin typeface="Times New Roman" panose="02020603050405020304" pitchFamily="18" charset="0"/>
+                          <a:cs typeface="Times New Roman" panose="02020603050405020304" pitchFamily="18" charset="0"/>
+                        </a:rPr>
+                        <a:t>0</a:t>
+                      </a:r>
+                      <a:endParaRPr lang="zh-TW" altLang="en-US" sz="1200" b="0" dirty="0">
+                        <a:solidFill>
+                          <a:schemeClr val="tx1"/>
+                        </a:solidFill>
+                        <a:latin typeface="Times New Roman" panose="02020603050405020304" pitchFamily="18" charset="0"/>
+                        <a:cs typeface="Times New Roman" panose="02020603050405020304" pitchFamily="18" charset="0"/>
+                      </a:endParaRPr>
+                    </a:p>
+                  </a:txBody>
+                  <a:tcPr anchor="ctr">
+                    <a:lnL w="12700" cap="flat" cmpd="sng" algn="ctr">
+                      <a:solidFill>
+                        <a:schemeClr val="tx1"/>
+                      </a:solidFill>
+                      <a:prstDash val="solid"/>
+                      <a:round/>
+                      <a:headEnd type="none" w="med" len="med"/>
+                      <a:tailEnd type="none" w="med" len="med"/>
+                    </a:lnL>
+                    <a:lnR w="12700" cap="flat" cmpd="sng" algn="ctr">
+                      <a:solidFill>
+                        <a:schemeClr val="tx1"/>
+                      </a:solidFill>
+                      <a:prstDash val="solid"/>
+                      <a:round/>
+                      <a:headEnd type="none" w="med" len="med"/>
+                      <a:tailEnd type="none" w="med" len="med"/>
+                    </a:lnR>
+                    <a:lnT w="12700" cap="flat" cmpd="sng" algn="ctr">
+                      <a:solidFill>
+                        <a:schemeClr val="tx1"/>
+                      </a:solidFill>
+                      <a:prstDash val="solid"/>
+                      <a:round/>
+                      <a:headEnd type="none" w="med" len="med"/>
+                      <a:tailEnd type="none" w="med" len="med"/>
+                    </a:lnT>
+                    <a:lnB w="12700" cap="flat" cmpd="sng" algn="ctr">
+                      <a:solidFill>
+                        <a:schemeClr val="tx1"/>
+                      </a:solidFill>
+                      <a:prstDash val="solid"/>
+                      <a:round/>
+                      <a:headEnd type="none" w="med" len="med"/>
+                      <a:tailEnd type="none" w="med" len="med"/>
+                    </a:lnB>
+                    <a:lnTlToBr w="12700" cmpd="sng">
+                      <a:noFill/>
+                      <a:prstDash val="solid"/>
+                    </a:lnTlToBr>
+                    <a:lnBlToTr w="12700" cmpd="sng">
+                      <a:noFill/>
+                      <a:prstDash val="solid"/>
+                    </a:lnBlToTr>
+                    <a:solidFill>
+                      <a:schemeClr val="bg1"/>
+                    </a:solidFill>
+                  </a:tcPr>
+                </a:tc>
+                <a:tc>
+                  <a:txBody>
+                    <a:bodyPr/>
+                    <a:lstStyle/>
+                    <a:p>
+                      <a:pPr algn="ctr"/>
+                      <a:r>
+                        <a:rPr lang="en-US" altLang="zh-TW" sz="1200" b="0" dirty="0" smtClean="0">
+                          <a:solidFill>
+                            <a:schemeClr val="tx1"/>
+                          </a:solidFill>
+                          <a:latin typeface="Times New Roman" panose="02020603050405020304" pitchFamily="18" charset="0"/>
+                          <a:cs typeface="Times New Roman" panose="02020603050405020304" pitchFamily="18" charset="0"/>
+                        </a:rPr>
+                        <a:t>0</a:t>
+                      </a:r>
+                      <a:endParaRPr lang="zh-TW" altLang="en-US" sz="1200" b="0" dirty="0">
+                        <a:solidFill>
+                          <a:schemeClr val="tx1"/>
+                        </a:solidFill>
+                        <a:latin typeface="Times New Roman" panose="02020603050405020304" pitchFamily="18" charset="0"/>
+                        <a:cs typeface="Times New Roman" panose="02020603050405020304" pitchFamily="18" charset="0"/>
+                      </a:endParaRPr>
+                    </a:p>
+                  </a:txBody>
+                  <a:tcPr anchor="ctr">
+                    <a:lnL w="12700" cap="flat" cmpd="sng" algn="ctr">
+                      <a:solidFill>
+                        <a:schemeClr val="tx1"/>
+                      </a:solidFill>
+                      <a:prstDash val="solid"/>
+                      <a:round/>
+                      <a:headEnd type="none" w="med" len="med"/>
+                      <a:tailEnd type="none" w="med" len="med"/>
+                    </a:lnL>
+                    <a:lnR w="12700" cap="flat" cmpd="sng" algn="ctr">
+                      <a:solidFill>
+                        <a:schemeClr val="tx1"/>
+                      </a:solidFill>
+                      <a:prstDash val="solid"/>
+                      <a:round/>
+                      <a:headEnd type="none" w="med" len="med"/>
+                      <a:tailEnd type="none" w="med" len="med"/>
+                    </a:lnR>
+                    <a:lnT w="12700" cap="flat" cmpd="sng" algn="ctr">
+                      <a:solidFill>
+                        <a:schemeClr val="tx1"/>
+                      </a:solidFill>
+                      <a:prstDash val="solid"/>
+                      <a:round/>
+                      <a:headEnd type="none" w="med" len="med"/>
+                      <a:tailEnd type="none" w="med" len="med"/>
+                    </a:lnT>
+                    <a:lnB w="12700" cap="flat" cmpd="sng" algn="ctr">
+                      <a:solidFill>
+                        <a:schemeClr val="tx1"/>
+                      </a:solidFill>
+                      <a:prstDash val="solid"/>
+                      <a:round/>
+                      <a:headEnd type="none" w="med" len="med"/>
+                      <a:tailEnd type="none" w="med" len="med"/>
+                    </a:lnB>
+                    <a:lnTlToBr w="12700" cmpd="sng">
+                      <a:noFill/>
+                      <a:prstDash val="solid"/>
+                    </a:lnTlToBr>
+                    <a:lnBlToTr w="12700" cmpd="sng">
+                      <a:noFill/>
+                      <a:prstDash val="solid"/>
+                    </a:lnBlToTr>
+                    <a:solidFill>
+                      <a:schemeClr val="bg1"/>
+                    </a:solidFill>
+                  </a:tcPr>
+                </a:tc>
+                <a:tc>
+                  <a:txBody>
+                    <a:bodyPr/>
+                    <a:lstStyle/>
+                    <a:p>
+                      <a:pPr algn="ctr"/>
+                      <a:r>
+                        <a:rPr lang="en-US" altLang="zh-TW" sz="1200" b="0" dirty="0" smtClean="0">
+                          <a:solidFill>
+                            <a:schemeClr val="tx1"/>
+                          </a:solidFill>
+                          <a:latin typeface="Times New Roman" panose="02020603050405020304" pitchFamily="18" charset="0"/>
+                          <a:cs typeface="Times New Roman" panose="02020603050405020304" pitchFamily="18" charset="0"/>
+                        </a:rPr>
+                        <a:t>0</a:t>
+                      </a:r>
+                      <a:endParaRPr lang="zh-TW" altLang="en-US" sz="1200" b="0" dirty="0">
+                        <a:solidFill>
+                          <a:schemeClr val="tx1"/>
+                        </a:solidFill>
+                        <a:latin typeface="Times New Roman" panose="02020603050405020304" pitchFamily="18" charset="0"/>
+                        <a:cs typeface="Times New Roman" panose="02020603050405020304" pitchFamily="18" charset="0"/>
+                      </a:endParaRPr>
+                    </a:p>
+                  </a:txBody>
+                  <a:tcPr anchor="ctr">
+                    <a:lnL w="12700" cap="flat" cmpd="sng" algn="ctr">
+                      <a:solidFill>
+                        <a:schemeClr val="tx1"/>
+                      </a:solidFill>
+                      <a:prstDash val="solid"/>
+                      <a:round/>
+                      <a:headEnd type="none" w="med" len="med"/>
+                      <a:tailEnd type="none" w="med" len="med"/>
+                    </a:lnL>
+                    <a:lnR w="12700" cap="flat" cmpd="sng" algn="ctr">
+                      <a:solidFill>
+                        <a:schemeClr val="tx1"/>
+                      </a:solidFill>
+                      <a:prstDash val="solid"/>
+                      <a:round/>
+                      <a:headEnd type="none" w="med" len="med"/>
+                      <a:tailEnd type="none" w="med" len="med"/>
+                    </a:lnR>
+                    <a:lnT w="12700" cap="flat" cmpd="sng" algn="ctr">
+                      <a:solidFill>
+                        <a:schemeClr val="tx1"/>
+                      </a:solidFill>
+                      <a:prstDash val="solid"/>
+                      <a:round/>
+                      <a:headEnd type="none" w="med" len="med"/>
+                      <a:tailEnd type="none" w="med" len="med"/>
+                    </a:lnT>
+                    <a:lnB w="12700" cap="flat" cmpd="sng" algn="ctr">
+                      <a:solidFill>
+                        <a:schemeClr val="tx1"/>
+                      </a:solidFill>
+                      <a:prstDash val="solid"/>
+                      <a:round/>
+                      <a:headEnd type="none" w="med" len="med"/>
+                      <a:tailEnd type="none" w="med" len="med"/>
+                    </a:lnB>
+                    <a:lnTlToBr w="12700" cmpd="sng">
+                      <a:noFill/>
+                      <a:prstDash val="solid"/>
+                    </a:lnTlToBr>
+                    <a:lnBlToTr w="12700" cmpd="sng">
+                      <a:noFill/>
+                      <a:prstDash val="solid"/>
+                    </a:lnBlToTr>
+                    <a:solidFill>
+                      <a:schemeClr val="bg1"/>
+                    </a:solidFill>
+                  </a:tcPr>
+                </a:tc>
+                <a:tc>
+                  <a:txBody>
+                    <a:bodyPr/>
+                    <a:lstStyle/>
+                    <a:p>
+                      <a:pPr algn="ctr"/>
+                      <a:r>
+                        <a:rPr lang="en-US" altLang="zh-TW" sz="1200" b="0" dirty="0" smtClean="0">
+                          <a:solidFill>
+                            <a:schemeClr val="tx1"/>
+                          </a:solidFill>
+                          <a:latin typeface="Times New Roman" panose="02020603050405020304" pitchFamily="18" charset="0"/>
+                          <a:cs typeface="Times New Roman" panose="02020603050405020304" pitchFamily="18" charset="0"/>
+                        </a:rPr>
+                        <a:t>1</a:t>
+                      </a:r>
+                      <a:endParaRPr lang="zh-TW" altLang="en-US" sz="1200" b="0" dirty="0">
+                        <a:solidFill>
+                          <a:schemeClr val="tx1"/>
+                        </a:solidFill>
+                        <a:latin typeface="Times New Roman" panose="02020603050405020304" pitchFamily="18" charset="0"/>
+                        <a:cs typeface="Times New Roman" panose="02020603050405020304" pitchFamily="18" charset="0"/>
+                      </a:endParaRPr>
+                    </a:p>
+                  </a:txBody>
+                  <a:tcPr anchor="ctr">
+                    <a:lnL w="12700" cap="flat" cmpd="sng" algn="ctr">
+                      <a:solidFill>
+                        <a:schemeClr val="tx1"/>
+                      </a:solidFill>
+                      <a:prstDash val="solid"/>
+                      <a:round/>
+                      <a:headEnd type="none" w="med" len="med"/>
+                      <a:tailEnd type="none" w="med" len="med"/>
+                    </a:lnL>
+                    <a:lnR w="12700" cap="flat" cmpd="sng" algn="ctr">
+                      <a:solidFill>
+                        <a:schemeClr val="tx1"/>
+                      </a:solidFill>
+                      <a:prstDash val="solid"/>
+                      <a:round/>
+                      <a:headEnd type="none" w="med" len="med"/>
+                      <a:tailEnd type="none" w="med" len="med"/>
+                    </a:lnR>
+                    <a:lnT w="12700" cap="flat" cmpd="sng" algn="ctr">
+                      <a:solidFill>
+                        <a:schemeClr val="tx1"/>
+                      </a:solidFill>
+                      <a:prstDash val="solid"/>
+                      <a:round/>
+                      <a:headEnd type="none" w="med" len="med"/>
+                      <a:tailEnd type="none" w="med" len="med"/>
+                    </a:lnT>
+                    <a:lnB w="12700" cap="flat" cmpd="sng" algn="ctr">
+                      <a:solidFill>
+                        <a:schemeClr val="tx1"/>
+                      </a:solidFill>
+                      <a:prstDash val="solid"/>
+                      <a:round/>
+                      <a:headEnd type="none" w="med" len="med"/>
+                      <a:tailEnd type="none" w="med" len="med"/>
+                    </a:lnB>
+                    <a:lnTlToBr w="12700" cmpd="sng">
+                      <a:noFill/>
+                      <a:prstDash val="solid"/>
+                    </a:lnTlToBr>
+                    <a:lnBlToTr w="12700" cmpd="sng">
+                      <a:noFill/>
+                      <a:prstDash val="solid"/>
+                    </a:lnBlToTr>
+                    <a:solidFill>
+                      <a:schemeClr val="bg1"/>
+                    </a:solidFill>
+                  </a:tcPr>
+                </a:tc>
+                <a:extLst>
+                  <a:ext uri="{0D108BD9-81ED-4DB2-BD59-A6C34878D82A}">
+                    <a16:rowId xmlns:a16="http://schemas.microsoft.com/office/drawing/2014/main" val="4226584499"/>
+                  </a:ext>
+                </a:extLst>
+              </a:tr>
+            </a:tbl>
+          </a:graphicData>
+        </a:graphic>
+      </p:graphicFrame>
+      <p:sp>
+        <p:nvSpPr>
+          <p:cNvPr id="6" name="矩形 5"/>
+          <p:cNvSpPr/>
+          <p:nvPr/>
+        </p:nvSpPr>
+        <p:spPr>
+          <a:xfrm>
+            <a:off x="5503985" y="735583"/>
+            <a:ext cx="1063338" cy="261610"/>
+          </a:xfrm>
+          <a:prstGeom prst="rect">
+            <a:avLst/>
+          </a:prstGeom>
+          <a:noFill/>
+        </p:spPr>
+        <p:txBody>
+          <a:bodyPr wrap="square" lIns="91440" tIns="45720" rIns="91440" bIns="45720">
+            <a:spAutoFit/>
+          </a:bodyPr>
+          <a:lstStyle/>
+          <a:p>
+            <a:pPr algn="ctr"/>
+            <a:r>
+              <a:rPr lang="en-US" altLang="zh-TW" sz="1100" dirty="0" smtClean="0">
+                <a:ln w="0"/>
+              </a:rPr>
+              <a:t>Fitness=  14</a:t>
+            </a:r>
+            <a:endParaRPr lang="zh-TW" altLang="en-US" sz="1100" b="0" cap="none" spc="0" dirty="0">
+              <a:ln w="0"/>
+              <a:solidFill>
+                <a:schemeClr val="tx1"/>
+              </a:solidFill>
+            </a:endParaRPr>
+          </a:p>
+        </p:txBody>
+      </p:sp>
+      <p:sp>
+        <p:nvSpPr>
+          <p:cNvPr id="7" name="矩形 6"/>
+          <p:cNvSpPr/>
+          <p:nvPr/>
+        </p:nvSpPr>
+        <p:spPr>
+          <a:xfrm>
+            <a:off x="5503985" y="1097683"/>
+            <a:ext cx="1063338" cy="261610"/>
+          </a:xfrm>
+          <a:prstGeom prst="rect">
+            <a:avLst/>
+          </a:prstGeom>
+          <a:noFill/>
+        </p:spPr>
+        <p:txBody>
+          <a:bodyPr wrap="square" lIns="91440" tIns="45720" rIns="91440" bIns="45720">
+            <a:spAutoFit/>
+          </a:bodyPr>
+          <a:lstStyle/>
+          <a:p>
+            <a:pPr algn="ctr"/>
+            <a:r>
+              <a:rPr lang="en-US" altLang="zh-TW" sz="1100" dirty="0">
+                <a:ln w="0"/>
+              </a:rPr>
+              <a:t>Fitness = </a:t>
+            </a:r>
+            <a:r>
+              <a:rPr lang="en-US" altLang="zh-TW" sz="1100" dirty="0" smtClean="0">
+                <a:ln w="0"/>
+              </a:rPr>
+              <a:t> </a:t>
+            </a:r>
+            <a:r>
+              <a:rPr lang="en-US" altLang="zh-TW" sz="1100" dirty="0" smtClean="0">
+                <a:ln w="0"/>
+              </a:rPr>
+              <a:t>13</a:t>
+            </a:r>
+            <a:endParaRPr lang="zh-TW" altLang="en-US" sz="1100" b="0" cap="none" spc="0" dirty="0">
+              <a:ln w="0"/>
+              <a:solidFill>
+                <a:schemeClr val="tx1"/>
+              </a:solidFill>
+            </a:endParaRPr>
+          </a:p>
+        </p:txBody>
+      </p:sp>
+      <p:graphicFrame>
+        <p:nvGraphicFramePr>
+          <p:cNvPr id="8" name="表格 7"/>
+          <p:cNvGraphicFramePr>
+            <a:graphicFrameLocks noGrp="1"/>
+          </p:cNvGraphicFramePr>
+          <p:nvPr>
+            <p:extLst>
+              <p:ext uri="{D42A27DB-BD31-4B8C-83A1-F6EECF244321}">
+                <p14:modId xmlns:p14="http://schemas.microsoft.com/office/powerpoint/2010/main" val="870982124"/>
+              </p:ext>
+            </p:extLst>
+          </p:nvPr>
+        </p:nvGraphicFramePr>
+        <p:xfrm>
+          <a:off x="3574709" y="1451854"/>
+          <a:ext cx="1929276" cy="274320"/>
+        </p:xfrm>
+        <a:graphic>
+          <a:graphicData uri="http://schemas.openxmlformats.org/drawingml/2006/table">
+            <a:tbl>
+              <a:tblPr firstRow="1" bandRow="1">
+                <a:tableStyleId>{5C22544A-7EE6-4342-B048-85BDC9FD1C3A}</a:tableStyleId>
+              </a:tblPr>
+              <a:tblGrid>
+                <a:gridCol w="321546">
+                  <a:extLst>
+                    <a:ext uri="{9D8B030D-6E8A-4147-A177-3AD203B41FA5}">
+                      <a16:colId xmlns:a16="http://schemas.microsoft.com/office/drawing/2014/main" val="1492936081"/>
+                    </a:ext>
+                  </a:extLst>
+                </a:gridCol>
+                <a:gridCol w="321546">
+                  <a:extLst>
+                    <a:ext uri="{9D8B030D-6E8A-4147-A177-3AD203B41FA5}">
+                      <a16:colId xmlns:a16="http://schemas.microsoft.com/office/drawing/2014/main" val="2328466560"/>
+                    </a:ext>
+                  </a:extLst>
+                </a:gridCol>
+                <a:gridCol w="321546">
+                  <a:extLst>
+                    <a:ext uri="{9D8B030D-6E8A-4147-A177-3AD203B41FA5}">
+                      <a16:colId xmlns:a16="http://schemas.microsoft.com/office/drawing/2014/main" val="605851618"/>
+                    </a:ext>
+                  </a:extLst>
+                </a:gridCol>
+                <a:gridCol w="321546">
+                  <a:extLst>
+                    <a:ext uri="{9D8B030D-6E8A-4147-A177-3AD203B41FA5}">
+                      <a16:colId xmlns:a16="http://schemas.microsoft.com/office/drawing/2014/main" val="1632471791"/>
+                    </a:ext>
+                  </a:extLst>
+                </a:gridCol>
+                <a:gridCol w="321546">
+                  <a:extLst>
+                    <a:ext uri="{9D8B030D-6E8A-4147-A177-3AD203B41FA5}">
+                      <a16:colId xmlns:a16="http://schemas.microsoft.com/office/drawing/2014/main" val="3465053422"/>
+                    </a:ext>
+                  </a:extLst>
+                </a:gridCol>
+                <a:gridCol w="321546">
+                  <a:extLst>
+                    <a:ext uri="{9D8B030D-6E8A-4147-A177-3AD203B41FA5}">
+                      <a16:colId xmlns:a16="http://schemas.microsoft.com/office/drawing/2014/main" val="246274235"/>
+                    </a:ext>
+                  </a:extLst>
+                </a:gridCol>
+              </a:tblGrid>
+              <a:tr h="262044">
+                <a:tc>
+                  <a:txBody>
+                    <a:bodyPr/>
+                    <a:lstStyle/>
+                    <a:p>
+                      <a:pPr algn="ctr"/>
+                      <a:r>
+                        <a:rPr lang="en-US" altLang="zh-TW" sz="1200" b="0" dirty="0" smtClean="0">
+                          <a:solidFill>
+                            <a:schemeClr val="tx1"/>
+                          </a:solidFill>
+                          <a:latin typeface="Times New Roman" panose="02020603050405020304" pitchFamily="18" charset="0"/>
+                          <a:cs typeface="Times New Roman" panose="02020603050405020304" pitchFamily="18" charset="0"/>
+                        </a:rPr>
+                        <a:t>0</a:t>
+                      </a:r>
+                      <a:endParaRPr lang="zh-TW" altLang="en-US" sz="1200" b="0" dirty="0">
+                        <a:solidFill>
+                          <a:schemeClr val="tx1"/>
+                        </a:solidFill>
+                        <a:latin typeface="Times New Roman" panose="02020603050405020304" pitchFamily="18" charset="0"/>
+                        <a:cs typeface="Times New Roman" panose="02020603050405020304" pitchFamily="18" charset="0"/>
+                      </a:endParaRPr>
+                    </a:p>
+                  </a:txBody>
+                  <a:tcPr anchor="ctr">
+                    <a:lnL w="12700" cap="flat" cmpd="sng" algn="ctr">
+                      <a:solidFill>
+                        <a:schemeClr val="tx1"/>
+                      </a:solidFill>
+                      <a:prstDash val="solid"/>
+                      <a:round/>
+                      <a:headEnd type="none" w="med" len="med"/>
+                      <a:tailEnd type="none" w="med" len="med"/>
+                    </a:lnL>
+                    <a:lnR w="12700" cap="flat" cmpd="sng" algn="ctr">
+                      <a:solidFill>
+                        <a:schemeClr val="tx1"/>
+                      </a:solidFill>
+                      <a:prstDash val="solid"/>
+                      <a:round/>
+                      <a:headEnd type="none" w="med" len="med"/>
+                      <a:tailEnd type="none" w="med" len="med"/>
+                    </a:lnR>
+                    <a:lnT w="12700" cap="flat" cmpd="sng" algn="ctr">
+                      <a:solidFill>
+                        <a:schemeClr val="tx1"/>
+                      </a:solidFill>
+                      <a:prstDash val="solid"/>
+                      <a:round/>
+                      <a:headEnd type="none" w="med" len="med"/>
+                      <a:tailEnd type="none" w="med" len="med"/>
+                    </a:lnT>
+                    <a:lnB w="12700" cap="flat" cmpd="sng" algn="ctr">
+                      <a:solidFill>
+                        <a:schemeClr val="tx1"/>
+                      </a:solidFill>
+                      <a:prstDash val="solid"/>
+                      <a:round/>
+                      <a:headEnd type="none" w="med" len="med"/>
+                      <a:tailEnd type="none" w="med" len="med"/>
+                    </a:lnB>
+                    <a:lnTlToBr w="12700" cmpd="sng">
+                      <a:noFill/>
+                      <a:prstDash val="solid"/>
+                    </a:lnTlToBr>
+                    <a:lnBlToTr w="12700" cmpd="sng">
+                      <a:noFill/>
+                      <a:prstDash val="solid"/>
+                    </a:lnBlToTr>
+                    <a:solidFill>
+                      <a:schemeClr val="bg1"/>
+                    </a:solidFill>
+                  </a:tcPr>
+                </a:tc>
+                <a:tc>
+                  <a:txBody>
+                    <a:bodyPr/>
+                    <a:lstStyle/>
+                    <a:p>
+                      <a:pPr algn="ctr"/>
+                      <a:r>
+                        <a:rPr lang="en-US" altLang="zh-TW" sz="1200" b="0" dirty="0" smtClean="0">
+                          <a:solidFill>
+                            <a:schemeClr val="tx1"/>
+                          </a:solidFill>
+                          <a:latin typeface="Times New Roman" panose="02020603050405020304" pitchFamily="18" charset="0"/>
+                          <a:cs typeface="Times New Roman" panose="02020603050405020304" pitchFamily="18" charset="0"/>
+                        </a:rPr>
+                        <a:t>1</a:t>
+                      </a:r>
+                      <a:endParaRPr lang="zh-TW" altLang="en-US" sz="1200" b="0" dirty="0">
+                        <a:solidFill>
+                          <a:schemeClr val="tx1"/>
+                        </a:solidFill>
+                        <a:latin typeface="Times New Roman" panose="02020603050405020304" pitchFamily="18" charset="0"/>
+                        <a:cs typeface="Times New Roman" panose="02020603050405020304" pitchFamily="18" charset="0"/>
+                      </a:endParaRPr>
+                    </a:p>
+                  </a:txBody>
+                  <a:tcPr anchor="ctr">
+                    <a:lnL w="12700" cap="flat" cmpd="sng" algn="ctr">
+                      <a:solidFill>
+                        <a:schemeClr val="tx1"/>
+                      </a:solidFill>
+                      <a:prstDash val="solid"/>
+                      <a:round/>
+                      <a:headEnd type="none" w="med" len="med"/>
+                      <a:tailEnd type="none" w="med" len="med"/>
+                    </a:lnL>
+                    <a:lnR w="12700" cap="flat" cmpd="sng" algn="ctr">
+                      <a:solidFill>
+                        <a:schemeClr val="tx1"/>
+                      </a:solidFill>
+                      <a:prstDash val="solid"/>
+                      <a:round/>
+                      <a:headEnd type="none" w="med" len="med"/>
+                      <a:tailEnd type="none" w="med" len="med"/>
+                    </a:lnR>
+                    <a:lnT w="12700" cap="flat" cmpd="sng" algn="ctr">
+                      <a:solidFill>
+                        <a:schemeClr val="tx1"/>
+                      </a:solidFill>
+                      <a:prstDash val="solid"/>
+                      <a:round/>
+                      <a:headEnd type="none" w="med" len="med"/>
+                      <a:tailEnd type="none" w="med" len="med"/>
+                    </a:lnT>
+                    <a:lnB w="12700" cap="flat" cmpd="sng" algn="ctr">
+                      <a:solidFill>
+                        <a:schemeClr val="tx1"/>
+                      </a:solidFill>
+                      <a:prstDash val="solid"/>
+                      <a:round/>
+                      <a:headEnd type="none" w="med" len="med"/>
+                      <a:tailEnd type="none" w="med" len="med"/>
+                    </a:lnB>
+                    <a:lnTlToBr w="12700" cmpd="sng">
+                      <a:noFill/>
+                      <a:prstDash val="solid"/>
+                    </a:lnTlToBr>
+                    <a:lnBlToTr w="12700" cmpd="sng">
+                      <a:noFill/>
+                      <a:prstDash val="solid"/>
+                    </a:lnBlToTr>
+                    <a:solidFill>
+                      <a:schemeClr val="bg1"/>
+                    </a:solidFill>
+                  </a:tcPr>
+                </a:tc>
+                <a:tc>
+                  <a:txBody>
+                    <a:bodyPr/>
+                    <a:lstStyle/>
+                    <a:p>
+                      <a:pPr algn="ctr"/>
+                      <a:r>
+                        <a:rPr lang="en-US" altLang="zh-TW" sz="1200" b="0" dirty="0" smtClean="0">
+                          <a:solidFill>
+                            <a:schemeClr val="tx1"/>
+                          </a:solidFill>
+                          <a:latin typeface="Times New Roman" panose="02020603050405020304" pitchFamily="18" charset="0"/>
+                          <a:cs typeface="Times New Roman" panose="02020603050405020304" pitchFamily="18" charset="0"/>
+                        </a:rPr>
+                        <a:t>0</a:t>
+                      </a:r>
+                      <a:endParaRPr lang="zh-TW" altLang="en-US" sz="1200" b="0" dirty="0">
+                        <a:solidFill>
+                          <a:schemeClr val="tx1"/>
+                        </a:solidFill>
+                        <a:latin typeface="Times New Roman" panose="02020603050405020304" pitchFamily="18" charset="0"/>
+                        <a:cs typeface="Times New Roman" panose="02020603050405020304" pitchFamily="18" charset="0"/>
+                      </a:endParaRPr>
+                    </a:p>
+                  </a:txBody>
+                  <a:tcPr anchor="ctr">
+                    <a:lnL w="12700" cap="flat" cmpd="sng" algn="ctr">
+                      <a:solidFill>
+                        <a:schemeClr val="tx1"/>
+                      </a:solidFill>
+                      <a:prstDash val="solid"/>
+                      <a:round/>
+                      <a:headEnd type="none" w="med" len="med"/>
+                      <a:tailEnd type="none" w="med" len="med"/>
+                    </a:lnL>
+                    <a:lnR w="12700" cap="flat" cmpd="sng" algn="ctr">
+                      <a:solidFill>
+                        <a:schemeClr val="tx1"/>
+                      </a:solidFill>
+                      <a:prstDash val="solid"/>
+                      <a:round/>
+                      <a:headEnd type="none" w="med" len="med"/>
+                      <a:tailEnd type="none" w="med" len="med"/>
+                    </a:lnR>
+                    <a:lnT w="12700" cap="flat" cmpd="sng" algn="ctr">
+                      <a:solidFill>
+                        <a:schemeClr val="tx1"/>
+                      </a:solidFill>
+                      <a:prstDash val="solid"/>
+                      <a:round/>
+                      <a:headEnd type="none" w="med" len="med"/>
+                      <a:tailEnd type="none" w="med" len="med"/>
+                    </a:lnT>
+                    <a:lnB w="12700" cap="flat" cmpd="sng" algn="ctr">
+                      <a:solidFill>
+                        <a:schemeClr val="tx1"/>
+                      </a:solidFill>
+                      <a:prstDash val="solid"/>
+                      <a:round/>
+                      <a:headEnd type="none" w="med" len="med"/>
+                      <a:tailEnd type="none" w="med" len="med"/>
+                    </a:lnB>
+                    <a:lnTlToBr w="12700" cmpd="sng">
+                      <a:noFill/>
+                      <a:prstDash val="solid"/>
+                    </a:lnTlToBr>
+                    <a:lnBlToTr w="12700" cmpd="sng">
+                      <a:noFill/>
+                      <a:prstDash val="solid"/>
+                    </a:lnBlToTr>
+                    <a:solidFill>
+                      <a:schemeClr val="bg1"/>
+                    </a:solidFill>
+                  </a:tcPr>
+                </a:tc>
+                <a:tc>
+                  <a:txBody>
+                    <a:bodyPr/>
+                    <a:lstStyle/>
+                    <a:p>
+                      <a:pPr algn="ctr"/>
+                      <a:r>
+                        <a:rPr lang="en-US" altLang="zh-TW" sz="1200" b="0" dirty="0" smtClean="0">
+                          <a:solidFill>
+                            <a:schemeClr val="tx1"/>
+                          </a:solidFill>
+                          <a:latin typeface="Times New Roman" panose="02020603050405020304" pitchFamily="18" charset="0"/>
+                          <a:cs typeface="Times New Roman" panose="02020603050405020304" pitchFamily="18" charset="0"/>
+                        </a:rPr>
+                        <a:t>0</a:t>
+                      </a:r>
+                      <a:endParaRPr lang="zh-TW" altLang="en-US" sz="1200" b="0" dirty="0">
+                        <a:solidFill>
+                          <a:schemeClr val="tx1"/>
+                        </a:solidFill>
+                        <a:latin typeface="Times New Roman" panose="02020603050405020304" pitchFamily="18" charset="0"/>
+                        <a:cs typeface="Times New Roman" panose="02020603050405020304" pitchFamily="18" charset="0"/>
+                      </a:endParaRPr>
+                    </a:p>
+                  </a:txBody>
+                  <a:tcPr anchor="ctr">
+                    <a:lnL w="12700" cap="flat" cmpd="sng" algn="ctr">
+                      <a:solidFill>
+                        <a:schemeClr val="tx1"/>
+                      </a:solidFill>
+                      <a:prstDash val="solid"/>
+                      <a:round/>
+                      <a:headEnd type="none" w="med" len="med"/>
+                      <a:tailEnd type="none" w="med" len="med"/>
+                    </a:lnL>
+                    <a:lnR w="12700" cap="flat" cmpd="sng" algn="ctr">
+                      <a:solidFill>
+                        <a:schemeClr val="tx1"/>
+                      </a:solidFill>
+                      <a:prstDash val="solid"/>
+                      <a:round/>
+                      <a:headEnd type="none" w="med" len="med"/>
+                      <a:tailEnd type="none" w="med" len="med"/>
+                    </a:lnR>
+                    <a:lnT w="12700" cap="flat" cmpd="sng" algn="ctr">
+                      <a:solidFill>
+                        <a:schemeClr val="tx1"/>
+                      </a:solidFill>
+                      <a:prstDash val="solid"/>
+                      <a:round/>
+                      <a:headEnd type="none" w="med" len="med"/>
+                      <a:tailEnd type="none" w="med" len="med"/>
+                    </a:lnT>
+                    <a:lnB w="12700" cap="flat" cmpd="sng" algn="ctr">
+                      <a:solidFill>
+                        <a:schemeClr val="tx1"/>
+                      </a:solidFill>
+                      <a:prstDash val="solid"/>
+                      <a:round/>
+                      <a:headEnd type="none" w="med" len="med"/>
+                      <a:tailEnd type="none" w="med" len="med"/>
+                    </a:lnB>
+                    <a:lnTlToBr w="12700" cmpd="sng">
+                      <a:noFill/>
+                      <a:prstDash val="solid"/>
+                    </a:lnTlToBr>
+                    <a:lnBlToTr w="12700" cmpd="sng">
+                      <a:noFill/>
+                      <a:prstDash val="solid"/>
+                    </a:lnBlToTr>
+                    <a:solidFill>
+                      <a:schemeClr val="bg1"/>
+                    </a:solidFill>
+                  </a:tcPr>
+                </a:tc>
+                <a:tc>
+                  <a:txBody>
+                    <a:bodyPr/>
+                    <a:lstStyle/>
+                    <a:p>
+                      <a:pPr algn="ctr"/>
+                      <a:r>
+                        <a:rPr lang="en-US" altLang="zh-TW" sz="1200" b="0" dirty="0" smtClean="0">
+                          <a:solidFill>
+                            <a:schemeClr val="tx1"/>
+                          </a:solidFill>
+                          <a:latin typeface="Times New Roman" panose="02020603050405020304" pitchFamily="18" charset="0"/>
+                          <a:cs typeface="Times New Roman" panose="02020603050405020304" pitchFamily="18" charset="0"/>
+                        </a:rPr>
+                        <a:t>0</a:t>
+                      </a:r>
+                      <a:endParaRPr lang="zh-TW" altLang="en-US" sz="1200" b="0" dirty="0">
+                        <a:solidFill>
+                          <a:schemeClr val="tx1"/>
+                        </a:solidFill>
+                        <a:latin typeface="Times New Roman" panose="02020603050405020304" pitchFamily="18" charset="0"/>
+                        <a:cs typeface="Times New Roman" panose="02020603050405020304" pitchFamily="18" charset="0"/>
+                      </a:endParaRPr>
+                    </a:p>
+                  </a:txBody>
+                  <a:tcPr anchor="ctr">
+                    <a:lnL w="12700" cap="flat" cmpd="sng" algn="ctr">
+                      <a:solidFill>
+                        <a:schemeClr val="tx1"/>
+                      </a:solidFill>
+                      <a:prstDash val="solid"/>
+                      <a:round/>
+                      <a:headEnd type="none" w="med" len="med"/>
+                      <a:tailEnd type="none" w="med" len="med"/>
+                    </a:lnL>
+                    <a:lnR w="12700" cap="flat" cmpd="sng" algn="ctr">
+                      <a:solidFill>
+                        <a:schemeClr val="tx1"/>
+                      </a:solidFill>
+                      <a:prstDash val="solid"/>
+                      <a:round/>
+                      <a:headEnd type="none" w="med" len="med"/>
+                      <a:tailEnd type="none" w="med" len="med"/>
+                    </a:lnR>
+                    <a:lnT w="12700" cap="flat" cmpd="sng" algn="ctr">
+                      <a:solidFill>
+                        <a:schemeClr val="tx1"/>
+                      </a:solidFill>
+                      <a:prstDash val="solid"/>
+                      <a:round/>
+                      <a:headEnd type="none" w="med" len="med"/>
+                      <a:tailEnd type="none" w="med" len="med"/>
+                    </a:lnT>
+                    <a:lnB w="12700" cap="flat" cmpd="sng" algn="ctr">
+                      <a:solidFill>
+                        <a:schemeClr val="tx1"/>
+                      </a:solidFill>
+                      <a:prstDash val="solid"/>
+                      <a:round/>
+                      <a:headEnd type="none" w="med" len="med"/>
+                      <a:tailEnd type="none" w="med" len="med"/>
+                    </a:lnB>
+                    <a:lnTlToBr w="12700" cmpd="sng">
+                      <a:noFill/>
+                      <a:prstDash val="solid"/>
+                    </a:lnTlToBr>
+                    <a:lnBlToTr w="12700" cmpd="sng">
+                      <a:noFill/>
+                      <a:prstDash val="solid"/>
+                    </a:lnBlToTr>
+                    <a:solidFill>
+                      <a:schemeClr val="bg1"/>
+                    </a:solidFill>
+                  </a:tcPr>
+                </a:tc>
+                <a:tc>
+                  <a:txBody>
+                    <a:bodyPr/>
+                    <a:lstStyle/>
+                    <a:p>
+                      <a:pPr algn="ctr"/>
+                      <a:r>
+                        <a:rPr lang="en-US" altLang="zh-TW" sz="1200" b="0" dirty="0" smtClean="0">
+                          <a:solidFill>
+                            <a:schemeClr val="tx1"/>
+                          </a:solidFill>
+                          <a:latin typeface="Times New Roman" panose="02020603050405020304" pitchFamily="18" charset="0"/>
+                          <a:cs typeface="Times New Roman" panose="02020603050405020304" pitchFamily="18" charset="0"/>
+                        </a:rPr>
+                        <a:t>0</a:t>
+                      </a:r>
+                      <a:endParaRPr lang="zh-TW" altLang="en-US" sz="1200" b="0" dirty="0">
+                        <a:solidFill>
+                          <a:schemeClr val="tx1"/>
+                        </a:solidFill>
+                        <a:latin typeface="Times New Roman" panose="02020603050405020304" pitchFamily="18" charset="0"/>
+                        <a:cs typeface="Times New Roman" panose="02020603050405020304" pitchFamily="18" charset="0"/>
+                      </a:endParaRPr>
+                    </a:p>
+                  </a:txBody>
+                  <a:tcPr anchor="ctr">
+                    <a:lnL w="12700" cap="flat" cmpd="sng" algn="ctr">
+                      <a:solidFill>
+                        <a:schemeClr val="tx1"/>
+                      </a:solidFill>
+                      <a:prstDash val="solid"/>
+                      <a:round/>
+                      <a:headEnd type="none" w="med" len="med"/>
+                      <a:tailEnd type="none" w="med" len="med"/>
+                    </a:lnL>
+                    <a:lnR w="12700" cap="flat" cmpd="sng" algn="ctr">
+                      <a:solidFill>
+                        <a:schemeClr val="tx1"/>
+                      </a:solidFill>
+                      <a:prstDash val="solid"/>
+                      <a:round/>
+                      <a:headEnd type="none" w="med" len="med"/>
+                      <a:tailEnd type="none" w="med" len="med"/>
+                    </a:lnR>
+                    <a:lnT w="12700" cap="flat" cmpd="sng" algn="ctr">
+                      <a:solidFill>
+                        <a:schemeClr val="tx1"/>
+                      </a:solidFill>
+                      <a:prstDash val="solid"/>
+                      <a:round/>
+                      <a:headEnd type="none" w="med" len="med"/>
+                      <a:tailEnd type="none" w="med" len="med"/>
+                    </a:lnT>
+                    <a:lnB w="12700" cap="flat" cmpd="sng" algn="ctr">
+                      <a:solidFill>
+                        <a:schemeClr val="tx1"/>
+                      </a:solidFill>
+                      <a:prstDash val="solid"/>
+                      <a:round/>
+                      <a:headEnd type="none" w="med" len="med"/>
+                      <a:tailEnd type="none" w="med" len="med"/>
+                    </a:lnB>
+                    <a:lnTlToBr w="12700" cmpd="sng">
+                      <a:noFill/>
+                      <a:prstDash val="solid"/>
+                    </a:lnTlToBr>
+                    <a:lnBlToTr w="12700" cmpd="sng">
+                      <a:noFill/>
+                      <a:prstDash val="solid"/>
+                    </a:lnBlToTr>
+                    <a:solidFill>
+                      <a:schemeClr val="bg1"/>
+                    </a:solidFill>
+                  </a:tcPr>
+                </a:tc>
+                <a:extLst>
+                  <a:ext uri="{0D108BD9-81ED-4DB2-BD59-A6C34878D82A}">
+                    <a16:rowId xmlns:a16="http://schemas.microsoft.com/office/drawing/2014/main" val="4226584499"/>
+                  </a:ext>
+                </a:extLst>
+              </a:tr>
+            </a:tbl>
+          </a:graphicData>
+        </a:graphic>
+      </p:graphicFrame>
+      <p:graphicFrame>
+        <p:nvGraphicFramePr>
+          <p:cNvPr id="9" name="表格 8"/>
+          <p:cNvGraphicFramePr>
+            <a:graphicFrameLocks noGrp="1"/>
+          </p:cNvGraphicFramePr>
+          <p:nvPr>
+            <p:extLst>
+              <p:ext uri="{D42A27DB-BD31-4B8C-83A1-F6EECF244321}">
+                <p14:modId xmlns:p14="http://schemas.microsoft.com/office/powerpoint/2010/main" val="2996320958"/>
+              </p:ext>
+            </p:extLst>
+          </p:nvPr>
+        </p:nvGraphicFramePr>
+        <p:xfrm>
+          <a:off x="3574709" y="1823332"/>
+          <a:ext cx="1929276" cy="274320"/>
+        </p:xfrm>
+        <a:graphic>
+          <a:graphicData uri="http://schemas.openxmlformats.org/drawingml/2006/table">
+            <a:tbl>
+              <a:tblPr firstRow="1" bandRow="1">
+                <a:tableStyleId>{5C22544A-7EE6-4342-B048-85BDC9FD1C3A}</a:tableStyleId>
+              </a:tblPr>
+              <a:tblGrid>
+                <a:gridCol w="321546">
+                  <a:extLst>
+                    <a:ext uri="{9D8B030D-6E8A-4147-A177-3AD203B41FA5}">
+                      <a16:colId xmlns:a16="http://schemas.microsoft.com/office/drawing/2014/main" val="1492936081"/>
+                    </a:ext>
+                  </a:extLst>
+                </a:gridCol>
+                <a:gridCol w="321546">
+                  <a:extLst>
+                    <a:ext uri="{9D8B030D-6E8A-4147-A177-3AD203B41FA5}">
+                      <a16:colId xmlns:a16="http://schemas.microsoft.com/office/drawing/2014/main" val="2328466560"/>
+                    </a:ext>
+                  </a:extLst>
+                </a:gridCol>
+                <a:gridCol w="321546">
+                  <a:extLst>
+                    <a:ext uri="{9D8B030D-6E8A-4147-A177-3AD203B41FA5}">
+                      <a16:colId xmlns:a16="http://schemas.microsoft.com/office/drawing/2014/main" val="605851618"/>
+                    </a:ext>
+                  </a:extLst>
+                </a:gridCol>
+                <a:gridCol w="321546">
+                  <a:extLst>
+                    <a:ext uri="{9D8B030D-6E8A-4147-A177-3AD203B41FA5}">
+                      <a16:colId xmlns:a16="http://schemas.microsoft.com/office/drawing/2014/main" val="1632471791"/>
+                    </a:ext>
+                  </a:extLst>
+                </a:gridCol>
+                <a:gridCol w="321546">
+                  <a:extLst>
+                    <a:ext uri="{9D8B030D-6E8A-4147-A177-3AD203B41FA5}">
+                      <a16:colId xmlns:a16="http://schemas.microsoft.com/office/drawing/2014/main" val="3465053422"/>
+                    </a:ext>
+                  </a:extLst>
+                </a:gridCol>
+                <a:gridCol w="321546">
+                  <a:extLst>
+                    <a:ext uri="{9D8B030D-6E8A-4147-A177-3AD203B41FA5}">
+                      <a16:colId xmlns:a16="http://schemas.microsoft.com/office/drawing/2014/main" val="246274235"/>
+                    </a:ext>
+                  </a:extLst>
+                </a:gridCol>
+              </a:tblGrid>
+              <a:tr h="262044">
+                <a:tc>
+                  <a:txBody>
+                    <a:bodyPr/>
+                    <a:lstStyle/>
+                    <a:p>
+                      <a:pPr algn="ctr"/>
+                      <a:r>
+                        <a:rPr lang="en-US" altLang="zh-TW" sz="1200" b="0" dirty="0" smtClean="0">
+                          <a:solidFill>
+                            <a:schemeClr val="tx1"/>
+                          </a:solidFill>
+                          <a:latin typeface="Times New Roman" panose="02020603050405020304" pitchFamily="18" charset="0"/>
+                          <a:cs typeface="Times New Roman" panose="02020603050405020304" pitchFamily="18" charset="0"/>
+                        </a:rPr>
+                        <a:t>1</a:t>
+                      </a:r>
+                      <a:endParaRPr lang="zh-TW" altLang="en-US" sz="1200" b="0" dirty="0">
+                        <a:solidFill>
+                          <a:schemeClr val="tx1"/>
+                        </a:solidFill>
+                        <a:latin typeface="Times New Roman" panose="02020603050405020304" pitchFamily="18" charset="0"/>
+                        <a:cs typeface="Times New Roman" panose="02020603050405020304" pitchFamily="18" charset="0"/>
+                      </a:endParaRPr>
+                    </a:p>
+                  </a:txBody>
+                  <a:tcPr anchor="ctr">
+                    <a:lnL w="12700" cap="flat" cmpd="sng" algn="ctr">
+                      <a:solidFill>
+                        <a:schemeClr val="tx1"/>
+                      </a:solidFill>
+                      <a:prstDash val="solid"/>
+                      <a:round/>
+                      <a:headEnd type="none" w="med" len="med"/>
+                      <a:tailEnd type="none" w="med" len="med"/>
+                    </a:lnL>
+                    <a:lnR w="12700" cap="flat" cmpd="sng" algn="ctr">
+                      <a:solidFill>
+                        <a:schemeClr val="tx1"/>
+                      </a:solidFill>
+                      <a:prstDash val="solid"/>
+                      <a:round/>
+                      <a:headEnd type="none" w="med" len="med"/>
+                      <a:tailEnd type="none" w="med" len="med"/>
+                    </a:lnR>
+                    <a:lnT w="12700" cap="flat" cmpd="sng" algn="ctr">
+                      <a:solidFill>
+                        <a:schemeClr val="tx1"/>
+                      </a:solidFill>
+                      <a:prstDash val="solid"/>
+                      <a:round/>
+                      <a:headEnd type="none" w="med" len="med"/>
+                      <a:tailEnd type="none" w="med" len="med"/>
+                    </a:lnT>
+                    <a:lnB w="12700" cap="flat" cmpd="sng" algn="ctr">
+                      <a:solidFill>
+                        <a:schemeClr val="tx1"/>
+                      </a:solidFill>
+                      <a:prstDash val="solid"/>
+                      <a:round/>
+                      <a:headEnd type="none" w="med" len="med"/>
+                      <a:tailEnd type="none" w="med" len="med"/>
+                    </a:lnB>
+                    <a:lnTlToBr w="12700" cmpd="sng">
+                      <a:noFill/>
+                      <a:prstDash val="solid"/>
+                    </a:lnTlToBr>
+                    <a:lnBlToTr w="12700" cmpd="sng">
+                      <a:noFill/>
+                      <a:prstDash val="solid"/>
+                    </a:lnBlToTr>
+                    <a:solidFill>
+                      <a:schemeClr val="bg1"/>
+                    </a:solidFill>
+                  </a:tcPr>
+                </a:tc>
+                <a:tc>
+                  <a:txBody>
+                    <a:bodyPr/>
+                    <a:lstStyle/>
+                    <a:p>
+                      <a:pPr algn="ctr"/>
+                      <a:r>
+                        <a:rPr lang="en-US" altLang="zh-TW" sz="1200" b="0" dirty="0" smtClean="0">
+                          <a:solidFill>
+                            <a:schemeClr val="tx1"/>
+                          </a:solidFill>
+                          <a:latin typeface="Times New Roman" panose="02020603050405020304" pitchFamily="18" charset="0"/>
+                          <a:cs typeface="Times New Roman" panose="02020603050405020304" pitchFamily="18" charset="0"/>
+                        </a:rPr>
+                        <a:t>0</a:t>
+                      </a:r>
+                      <a:endParaRPr lang="zh-TW" altLang="en-US" sz="1200" b="0" dirty="0">
+                        <a:solidFill>
+                          <a:schemeClr val="tx1"/>
+                        </a:solidFill>
+                        <a:latin typeface="Times New Roman" panose="02020603050405020304" pitchFamily="18" charset="0"/>
+                        <a:cs typeface="Times New Roman" panose="02020603050405020304" pitchFamily="18" charset="0"/>
+                      </a:endParaRPr>
+                    </a:p>
+                  </a:txBody>
+                  <a:tcPr anchor="ctr">
+                    <a:lnL w="12700" cap="flat" cmpd="sng" algn="ctr">
+                      <a:solidFill>
+                        <a:schemeClr val="tx1"/>
+                      </a:solidFill>
+                      <a:prstDash val="solid"/>
+                      <a:round/>
+                      <a:headEnd type="none" w="med" len="med"/>
+                      <a:tailEnd type="none" w="med" len="med"/>
+                    </a:lnL>
+                    <a:lnR w="12700" cap="flat" cmpd="sng" algn="ctr">
+                      <a:solidFill>
+                        <a:schemeClr val="tx1"/>
+                      </a:solidFill>
+                      <a:prstDash val="solid"/>
+                      <a:round/>
+                      <a:headEnd type="none" w="med" len="med"/>
+                      <a:tailEnd type="none" w="med" len="med"/>
+                    </a:lnR>
+                    <a:lnT w="12700" cap="flat" cmpd="sng" algn="ctr">
+                      <a:solidFill>
+                        <a:schemeClr val="tx1"/>
+                      </a:solidFill>
+                      <a:prstDash val="solid"/>
+                      <a:round/>
+                      <a:headEnd type="none" w="med" len="med"/>
+                      <a:tailEnd type="none" w="med" len="med"/>
+                    </a:lnT>
+                    <a:lnB w="12700" cap="flat" cmpd="sng" algn="ctr">
+                      <a:solidFill>
+                        <a:schemeClr val="tx1"/>
+                      </a:solidFill>
+                      <a:prstDash val="solid"/>
+                      <a:round/>
+                      <a:headEnd type="none" w="med" len="med"/>
+                      <a:tailEnd type="none" w="med" len="med"/>
+                    </a:lnB>
+                    <a:lnTlToBr w="12700" cmpd="sng">
+                      <a:noFill/>
+                      <a:prstDash val="solid"/>
+                    </a:lnTlToBr>
+                    <a:lnBlToTr w="12700" cmpd="sng">
+                      <a:noFill/>
+                      <a:prstDash val="solid"/>
+                    </a:lnBlToTr>
+                    <a:solidFill>
+                      <a:schemeClr val="bg1"/>
+                    </a:solidFill>
+                  </a:tcPr>
+                </a:tc>
+                <a:tc>
+                  <a:txBody>
+                    <a:bodyPr/>
+                    <a:lstStyle/>
+                    <a:p>
+                      <a:pPr algn="ctr"/>
+                      <a:r>
+                        <a:rPr lang="en-US" altLang="zh-TW" sz="1200" b="0" dirty="0" smtClean="0">
+                          <a:solidFill>
+                            <a:schemeClr val="tx1"/>
+                          </a:solidFill>
+                          <a:latin typeface="Times New Roman" panose="02020603050405020304" pitchFamily="18" charset="0"/>
+                          <a:cs typeface="Times New Roman" panose="02020603050405020304" pitchFamily="18" charset="0"/>
+                        </a:rPr>
+                        <a:t>0</a:t>
+                      </a:r>
+                      <a:endParaRPr lang="zh-TW" altLang="en-US" sz="1200" b="0" dirty="0">
+                        <a:solidFill>
+                          <a:schemeClr val="tx1"/>
+                        </a:solidFill>
+                        <a:latin typeface="Times New Roman" panose="02020603050405020304" pitchFamily="18" charset="0"/>
+                        <a:cs typeface="Times New Roman" panose="02020603050405020304" pitchFamily="18" charset="0"/>
+                      </a:endParaRPr>
+                    </a:p>
+                  </a:txBody>
+                  <a:tcPr anchor="ctr">
+                    <a:lnL w="12700" cap="flat" cmpd="sng" algn="ctr">
+                      <a:solidFill>
+                        <a:schemeClr val="tx1"/>
+                      </a:solidFill>
+                      <a:prstDash val="solid"/>
+                      <a:round/>
+                      <a:headEnd type="none" w="med" len="med"/>
+                      <a:tailEnd type="none" w="med" len="med"/>
+                    </a:lnL>
+                    <a:lnR w="12700" cap="flat" cmpd="sng" algn="ctr">
+                      <a:solidFill>
+                        <a:schemeClr val="tx1"/>
+                      </a:solidFill>
+                      <a:prstDash val="solid"/>
+                      <a:round/>
+                      <a:headEnd type="none" w="med" len="med"/>
+                      <a:tailEnd type="none" w="med" len="med"/>
+                    </a:lnR>
+                    <a:lnT w="12700" cap="flat" cmpd="sng" algn="ctr">
+                      <a:solidFill>
+                        <a:schemeClr val="tx1"/>
+                      </a:solidFill>
+                      <a:prstDash val="solid"/>
+                      <a:round/>
+                      <a:headEnd type="none" w="med" len="med"/>
+                      <a:tailEnd type="none" w="med" len="med"/>
+                    </a:lnT>
+                    <a:lnB w="12700" cap="flat" cmpd="sng" algn="ctr">
+                      <a:solidFill>
+                        <a:schemeClr val="tx1"/>
+                      </a:solidFill>
+                      <a:prstDash val="solid"/>
+                      <a:round/>
+                      <a:headEnd type="none" w="med" len="med"/>
+                      <a:tailEnd type="none" w="med" len="med"/>
+                    </a:lnB>
+                    <a:lnTlToBr w="12700" cmpd="sng">
+                      <a:noFill/>
+                      <a:prstDash val="solid"/>
+                    </a:lnTlToBr>
+                    <a:lnBlToTr w="12700" cmpd="sng">
+                      <a:noFill/>
+                      <a:prstDash val="solid"/>
+                    </a:lnBlToTr>
+                    <a:solidFill>
+                      <a:schemeClr val="bg1"/>
+                    </a:solidFill>
+                  </a:tcPr>
+                </a:tc>
+                <a:tc>
+                  <a:txBody>
+                    <a:bodyPr/>
+                    <a:lstStyle/>
+                    <a:p>
+                      <a:pPr algn="ctr"/>
+                      <a:r>
+                        <a:rPr lang="en-US" altLang="zh-TW" sz="1200" b="0" dirty="0" smtClean="0">
+                          <a:solidFill>
+                            <a:schemeClr val="tx1"/>
+                          </a:solidFill>
+                          <a:latin typeface="Times New Roman" panose="02020603050405020304" pitchFamily="18" charset="0"/>
+                          <a:cs typeface="Times New Roman" panose="02020603050405020304" pitchFamily="18" charset="0"/>
+                        </a:rPr>
+                        <a:t>1</a:t>
+                      </a:r>
+                      <a:endParaRPr lang="zh-TW" altLang="en-US" sz="1200" b="0" dirty="0">
+                        <a:solidFill>
+                          <a:schemeClr val="tx1"/>
+                        </a:solidFill>
+                        <a:latin typeface="Times New Roman" panose="02020603050405020304" pitchFamily="18" charset="0"/>
+                        <a:cs typeface="Times New Roman" panose="02020603050405020304" pitchFamily="18" charset="0"/>
+                      </a:endParaRPr>
+                    </a:p>
+                  </a:txBody>
+                  <a:tcPr anchor="ctr">
+                    <a:lnL w="12700" cap="flat" cmpd="sng" algn="ctr">
+                      <a:solidFill>
+                        <a:schemeClr val="tx1"/>
+                      </a:solidFill>
+                      <a:prstDash val="solid"/>
+                      <a:round/>
+                      <a:headEnd type="none" w="med" len="med"/>
+                      <a:tailEnd type="none" w="med" len="med"/>
+                    </a:lnL>
+                    <a:lnR w="12700" cap="flat" cmpd="sng" algn="ctr">
+                      <a:solidFill>
+                        <a:schemeClr val="tx1"/>
+                      </a:solidFill>
+                      <a:prstDash val="solid"/>
+                      <a:round/>
+                      <a:headEnd type="none" w="med" len="med"/>
+                      <a:tailEnd type="none" w="med" len="med"/>
+                    </a:lnR>
+                    <a:lnT w="12700" cap="flat" cmpd="sng" algn="ctr">
+                      <a:solidFill>
+                        <a:schemeClr val="tx1"/>
+                      </a:solidFill>
+                      <a:prstDash val="solid"/>
+                      <a:round/>
+                      <a:headEnd type="none" w="med" len="med"/>
+                      <a:tailEnd type="none" w="med" len="med"/>
+                    </a:lnT>
+                    <a:lnB w="12700" cap="flat" cmpd="sng" algn="ctr">
+                      <a:solidFill>
+                        <a:schemeClr val="tx1"/>
+                      </a:solidFill>
+                      <a:prstDash val="solid"/>
+                      <a:round/>
+                      <a:headEnd type="none" w="med" len="med"/>
+                      <a:tailEnd type="none" w="med" len="med"/>
+                    </a:lnB>
+                    <a:lnTlToBr w="12700" cmpd="sng">
+                      <a:noFill/>
+                      <a:prstDash val="solid"/>
+                    </a:lnTlToBr>
+                    <a:lnBlToTr w="12700" cmpd="sng">
+                      <a:noFill/>
+                      <a:prstDash val="solid"/>
+                    </a:lnBlToTr>
+                    <a:solidFill>
+                      <a:schemeClr val="bg1"/>
+                    </a:solidFill>
+                  </a:tcPr>
+                </a:tc>
+                <a:tc>
+                  <a:txBody>
+                    <a:bodyPr/>
+                    <a:lstStyle/>
+                    <a:p>
+                      <a:pPr algn="ctr"/>
+                      <a:r>
+                        <a:rPr lang="en-US" altLang="zh-TW" sz="1200" b="0" dirty="0" smtClean="0">
+                          <a:solidFill>
+                            <a:schemeClr val="tx1"/>
+                          </a:solidFill>
+                          <a:latin typeface="Times New Roman" panose="02020603050405020304" pitchFamily="18" charset="0"/>
+                          <a:cs typeface="Times New Roman" panose="02020603050405020304" pitchFamily="18" charset="0"/>
+                        </a:rPr>
+                        <a:t>0</a:t>
+                      </a:r>
+                      <a:endParaRPr lang="zh-TW" altLang="en-US" sz="1200" b="0" dirty="0">
+                        <a:solidFill>
+                          <a:schemeClr val="tx1"/>
+                        </a:solidFill>
+                        <a:latin typeface="Times New Roman" panose="02020603050405020304" pitchFamily="18" charset="0"/>
+                        <a:cs typeface="Times New Roman" panose="02020603050405020304" pitchFamily="18" charset="0"/>
+                      </a:endParaRPr>
+                    </a:p>
+                  </a:txBody>
+                  <a:tcPr anchor="ctr">
+                    <a:lnL w="12700" cap="flat" cmpd="sng" algn="ctr">
+                      <a:solidFill>
+                        <a:schemeClr val="tx1"/>
+                      </a:solidFill>
+                      <a:prstDash val="solid"/>
+                      <a:round/>
+                      <a:headEnd type="none" w="med" len="med"/>
+                      <a:tailEnd type="none" w="med" len="med"/>
+                    </a:lnL>
+                    <a:lnR w="12700" cap="flat" cmpd="sng" algn="ctr">
+                      <a:solidFill>
+                        <a:schemeClr val="tx1"/>
+                      </a:solidFill>
+                      <a:prstDash val="solid"/>
+                      <a:round/>
+                      <a:headEnd type="none" w="med" len="med"/>
+                      <a:tailEnd type="none" w="med" len="med"/>
+                    </a:lnR>
+                    <a:lnT w="12700" cap="flat" cmpd="sng" algn="ctr">
+                      <a:solidFill>
+                        <a:schemeClr val="tx1"/>
+                      </a:solidFill>
+                      <a:prstDash val="solid"/>
+                      <a:round/>
+                      <a:headEnd type="none" w="med" len="med"/>
+                      <a:tailEnd type="none" w="med" len="med"/>
+                    </a:lnT>
+                    <a:lnB w="12700" cap="flat" cmpd="sng" algn="ctr">
+                      <a:solidFill>
+                        <a:schemeClr val="tx1"/>
+                      </a:solidFill>
+                      <a:prstDash val="solid"/>
+                      <a:round/>
+                      <a:headEnd type="none" w="med" len="med"/>
+                      <a:tailEnd type="none" w="med" len="med"/>
+                    </a:lnB>
+                    <a:lnTlToBr w="12700" cmpd="sng">
+                      <a:noFill/>
+                      <a:prstDash val="solid"/>
+                    </a:lnTlToBr>
+                    <a:lnBlToTr w="12700" cmpd="sng">
+                      <a:noFill/>
+                      <a:prstDash val="solid"/>
+                    </a:lnBlToTr>
+                    <a:solidFill>
+                      <a:schemeClr val="bg1"/>
+                    </a:solidFill>
+                  </a:tcPr>
+                </a:tc>
+                <a:tc>
+                  <a:txBody>
+                    <a:bodyPr/>
+                    <a:lstStyle/>
+                    <a:p>
+                      <a:pPr algn="ctr"/>
+                      <a:r>
+                        <a:rPr lang="en-US" altLang="zh-TW" sz="1200" b="0" dirty="0" smtClean="0">
+                          <a:solidFill>
+                            <a:schemeClr val="tx1"/>
+                          </a:solidFill>
+                          <a:latin typeface="Times New Roman" panose="02020603050405020304" pitchFamily="18" charset="0"/>
+                          <a:cs typeface="Times New Roman" panose="02020603050405020304" pitchFamily="18" charset="0"/>
+                        </a:rPr>
+                        <a:t>1</a:t>
+                      </a:r>
+                      <a:endParaRPr lang="zh-TW" altLang="en-US" sz="1200" b="0" dirty="0">
+                        <a:solidFill>
+                          <a:schemeClr val="tx1"/>
+                        </a:solidFill>
+                        <a:latin typeface="Times New Roman" panose="02020603050405020304" pitchFamily="18" charset="0"/>
+                        <a:cs typeface="Times New Roman" panose="02020603050405020304" pitchFamily="18" charset="0"/>
+                      </a:endParaRPr>
+                    </a:p>
+                  </a:txBody>
+                  <a:tcPr anchor="ctr">
+                    <a:lnL w="12700" cap="flat" cmpd="sng" algn="ctr">
+                      <a:solidFill>
+                        <a:schemeClr val="tx1"/>
+                      </a:solidFill>
+                      <a:prstDash val="solid"/>
+                      <a:round/>
+                      <a:headEnd type="none" w="med" len="med"/>
+                      <a:tailEnd type="none" w="med" len="med"/>
+                    </a:lnL>
+                    <a:lnR w="12700" cap="flat" cmpd="sng" algn="ctr">
+                      <a:solidFill>
+                        <a:schemeClr val="tx1"/>
+                      </a:solidFill>
+                      <a:prstDash val="solid"/>
+                      <a:round/>
+                      <a:headEnd type="none" w="med" len="med"/>
+                      <a:tailEnd type="none" w="med" len="med"/>
+                    </a:lnR>
+                    <a:lnT w="12700" cap="flat" cmpd="sng" algn="ctr">
+                      <a:solidFill>
+                        <a:schemeClr val="tx1"/>
+                      </a:solidFill>
+                      <a:prstDash val="solid"/>
+                      <a:round/>
+                      <a:headEnd type="none" w="med" len="med"/>
+                      <a:tailEnd type="none" w="med" len="med"/>
+                    </a:lnT>
+                    <a:lnB w="12700" cap="flat" cmpd="sng" algn="ctr">
+                      <a:solidFill>
+                        <a:schemeClr val="tx1"/>
+                      </a:solidFill>
+                      <a:prstDash val="solid"/>
+                      <a:round/>
+                      <a:headEnd type="none" w="med" len="med"/>
+                      <a:tailEnd type="none" w="med" len="med"/>
+                    </a:lnB>
+                    <a:lnTlToBr w="12700" cmpd="sng">
+                      <a:noFill/>
+                      <a:prstDash val="solid"/>
+                    </a:lnTlToBr>
+                    <a:lnBlToTr w="12700" cmpd="sng">
+                      <a:noFill/>
+                      <a:prstDash val="solid"/>
+                    </a:lnBlToTr>
+                    <a:solidFill>
+                      <a:schemeClr val="bg1"/>
+                    </a:solidFill>
+                  </a:tcPr>
+                </a:tc>
+                <a:extLst>
+                  <a:ext uri="{0D108BD9-81ED-4DB2-BD59-A6C34878D82A}">
+                    <a16:rowId xmlns:a16="http://schemas.microsoft.com/office/drawing/2014/main" val="4226584499"/>
+                  </a:ext>
+                </a:extLst>
+              </a:tr>
+            </a:tbl>
+          </a:graphicData>
+        </a:graphic>
+      </p:graphicFrame>
+      <p:sp>
+        <p:nvSpPr>
+          <p:cNvPr id="10" name="矩形 9"/>
+          <p:cNvSpPr/>
+          <p:nvPr/>
+        </p:nvSpPr>
+        <p:spPr>
+          <a:xfrm>
+            <a:off x="5477609" y="1464564"/>
+            <a:ext cx="1063338" cy="261610"/>
+          </a:xfrm>
+          <a:prstGeom prst="rect">
+            <a:avLst/>
+          </a:prstGeom>
+          <a:noFill/>
+        </p:spPr>
+        <p:txBody>
+          <a:bodyPr wrap="square" lIns="91440" tIns="45720" rIns="91440" bIns="45720">
+            <a:spAutoFit/>
+          </a:bodyPr>
+          <a:lstStyle/>
+          <a:p>
+            <a:pPr algn="ctr"/>
+            <a:r>
+              <a:rPr lang="en-US" altLang="zh-TW" sz="1100" dirty="0">
+                <a:ln w="0"/>
+              </a:rPr>
+              <a:t>Fitness </a:t>
+            </a:r>
+            <a:r>
+              <a:rPr lang="en-US" altLang="zh-TW" sz="1100" dirty="0" smtClean="0">
+                <a:ln w="0"/>
+              </a:rPr>
+              <a:t>=  </a:t>
+            </a:r>
+            <a:r>
+              <a:rPr lang="en-US" altLang="zh-TW" sz="1100" dirty="0">
+                <a:ln w="0"/>
+              </a:rPr>
+              <a:t>5</a:t>
+            </a:r>
+            <a:endParaRPr lang="zh-TW" altLang="en-US" sz="1100" b="0" cap="none" spc="0" dirty="0">
+              <a:ln w="0"/>
+              <a:solidFill>
+                <a:schemeClr val="tx1"/>
+              </a:solidFill>
+            </a:endParaRPr>
+          </a:p>
+        </p:txBody>
+      </p:sp>
+      <p:sp>
+        <p:nvSpPr>
+          <p:cNvPr id="11" name="矩形 10"/>
+          <p:cNvSpPr/>
+          <p:nvPr/>
+        </p:nvSpPr>
+        <p:spPr>
+          <a:xfrm>
+            <a:off x="5503985" y="1829687"/>
+            <a:ext cx="1063338" cy="261610"/>
+          </a:xfrm>
+          <a:prstGeom prst="rect">
+            <a:avLst/>
+          </a:prstGeom>
+          <a:noFill/>
+        </p:spPr>
+        <p:txBody>
+          <a:bodyPr wrap="square" lIns="91440" tIns="45720" rIns="91440" bIns="45720">
+            <a:spAutoFit/>
+          </a:bodyPr>
+          <a:lstStyle/>
+          <a:p>
+            <a:pPr algn="ctr"/>
+            <a:r>
+              <a:rPr lang="en-US" altLang="zh-TW" sz="1100" dirty="0">
+                <a:ln w="0"/>
+              </a:rPr>
+              <a:t>Fitness = </a:t>
+            </a:r>
+            <a:r>
+              <a:rPr lang="en-US" altLang="zh-TW" sz="1100" dirty="0" smtClean="0">
+                <a:ln w="0"/>
+              </a:rPr>
+              <a:t>28</a:t>
+            </a:r>
+            <a:endParaRPr lang="zh-TW" altLang="en-US" sz="1100" b="0" cap="none" spc="0" dirty="0">
+              <a:ln w="0"/>
+              <a:solidFill>
+                <a:schemeClr val="tx1"/>
+              </a:solidFill>
+            </a:endParaRPr>
+          </a:p>
+        </p:txBody>
+      </p:sp>
+      <p:graphicFrame>
+        <p:nvGraphicFramePr>
+          <p:cNvPr id="14" name="內容版面配置區 3"/>
+          <p:cNvGraphicFramePr>
+            <a:graphicFrameLocks/>
+          </p:cNvGraphicFramePr>
+          <p:nvPr>
+            <p:extLst>
+              <p:ext uri="{D42A27DB-BD31-4B8C-83A1-F6EECF244321}">
+                <p14:modId xmlns:p14="http://schemas.microsoft.com/office/powerpoint/2010/main" val="278834269"/>
+              </p:ext>
+            </p:extLst>
+          </p:nvPr>
+        </p:nvGraphicFramePr>
+        <p:xfrm>
+          <a:off x="953369" y="575438"/>
+          <a:ext cx="1958340" cy="1493520"/>
+        </p:xfrm>
+        <a:graphic>
+          <a:graphicData uri="http://schemas.openxmlformats.org/drawingml/2006/table">
+            <a:tbl>
+              <a:tblPr firstRow="1" firstCol="1" bandRow="1">
+                <a:tableStyleId>{B301B821-A1FF-4177-AEE7-76D212191A09}</a:tableStyleId>
+              </a:tblPr>
+              <a:tblGrid>
+                <a:gridCol w="586741">
+                  <a:extLst>
+                    <a:ext uri="{9D8B030D-6E8A-4147-A177-3AD203B41FA5}">
+                      <a16:colId xmlns:a16="http://schemas.microsoft.com/office/drawing/2014/main" val="234658805"/>
+                    </a:ext>
+                  </a:extLst>
+                </a:gridCol>
+                <a:gridCol w="695325">
+                  <a:extLst>
+                    <a:ext uri="{9D8B030D-6E8A-4147-A177-3AD203B41FA5}">
+                      <a16:colId xmlns:a16="http://schemas.microsoft.com/office/drawing/2014/main" val="3057120776"/>
+                    </a:ext>
+                  </a:extLst>
+                </a:gridCol>
+                <a:gridCol w="676274">
+                  <a:extLst>
+                    <a:ext uri="{9D8B030D-6E8A-4147-A177-3AD203B41FA5}">
+                      <a16:colId xmlns:a16="http://schemas.microsoft.com/office/drawing/2014/main" val="436408167"/>
+                    </a:ext>
+                  </a:extLst>
+                </a:gridCol>
+              </a:tblGrid>
+              <a:tr h="0">
+                <a:tc>
+                  <a:txBody>
+                    <a:bodyPr/>
+                    <a:lstStyle/>
+                    <a:p>
+                      <a:pPr algn="just">
+                        <a:spcAft>
+                          <a:spcPts val="0"/>
+                        </a:spcAft>
+                      </a:pPr>
+                      <a:r>
+                        <a:rPr lang="en-US" sz="1400" kern="0" dirty="0">
+                          <a:effectLst/>
+                        </a:rPr>
+                        <a:t>item</a:t>
+                      </a:r>
+                      <a:endParaRPr lang="zh-TW" sz="1200" kern="100" dirty="0">
+                        <a:effectLst/>
+                        <a:latin typeface="Calibri" panose="020F0502020204030204" pitchFamily="34" charset="0"/>
+                        <a:ea typeface="新細明體" panose="02020500000000000000" pitchFamily="18" charset="-120"/>
+                        <a:cs typeface="Times New Roman" panose="02020603050405020304" pitchFamily="18" charset="0"/>
+                      </a:endParaRPr>
+                    </a:p>
+                  </a:txBody>
+                  <a:tcPr marL="68580" marR="68580" marT="0" marB="0"/>
+                </a:tc>
+                <a:tc>
+                  <a:txBody>
+                    <a:bodyPr/>
+                    <a:lstStyle/>
+                    <a:p>
+                      <a:pPr algn="just">
+                        <a:spcAft>
+                          <a:spcPts val="0"/>
+                        </a:spcAft>
+                      </a:pPr>
+                      <a:r>
+                        <a:rPr lang="en-US" sz="1400" kern="0">
+                          <a:effectLst/>
+                        </a:rPr>
+                        <a:t>weight</a:t>
+                      </a:r>
+                      <a:endParaRPr lang="zh-TW" sz="1200" kern="100">
+                        <a:effectLst/>
+                        <a:latin typeface="Calibri" panose="020F0502020204030204" pitchFamily="34" charset="0"/>
+                        <a:ea typeface="新細明體" panose="02020500000000000000" pitchFamily="18" charset="-120"/>
+                        <a:cs typeface="Times New Roman" panose="02020603050405020304" pitchFamily="18" charset="0"/>
+                      </a:endParaRPr>
+                    </a:p>
+                  </a:txBody>
+                  <a:tcPr marL="68580" marR="68580" marT="0" marB="0"/>
+                </a:tc>
+                <a:tc>
+                  <a:txBody>
+                    <a:bodyPr/>
+                    <a:lstStyle/>
+                    <a:p>
+                      <a:pPr algn="just">
+                        <a:spcAft>
+                          <a:spcPts val="0"/>
+                        </a:spcAft>
+                      </a:pPr>
+                      <a:r>
+                        <a:rPr lang="en-US" sz="1400" kern="0">
+                          <a:effectLst/>
+                        </a:rPr>
+                        <a:t>profit</a:t>
+                      </a:r>
+                      <a:endParaRPr lang="zh-TW" sz="1200" kern="100">
+                        <a:effectLst/>
+                        <a:latin typeface="Calibri" panose="020F0502020204030204" pitchFamily="34" charset="0"/>
+                        <a:ea typeface="新細明體" panose="02020500000000000000" pitchFamily="18" charset="-120"/>
+                        <a:cs typeface="Times New Roman" panose="02020603050405020304" pitchFamily="18" charset="0"/>
+                      </a:endParaRPr>
+                    </a:p>
+                  </a:txBody>
+                  <a:tcPr marL="68580" marR="68580" marT="0" marB="0"/>
+                </a:tc>
+                <a:extLst>
+                  <a:ext uri="{0D108BD9-81ED-4DB2-BD59-A6C34878D82A}">
+                    <a16:rowId xmlns:a16="http://schemas.microsoft.com/office/drawing/2014/main" val="1122132476"/>
+                  </a:ext>
+                </a:extLst>
+              </a:tr>
+              <a:tr h="0">
+                <a:tc>
+                  <a:txBody>
+                    <a:bodyPr/>
+                    <a:lstStyle/>
+                    <a:p>
+                      <a:pPr algn="ctr">
+                        <a:spcAft>
+                          <a:spcPts val="0"/>
+                        </a:spcAft>
+                      </a:pPr>
+                      <a:r>
+                        <a:rPr lang="en-US" sz="1400" kern="0" dirty="0">
+                          <a:effectLst/>
+                        </a:rPr>
+                        <a:t>1</a:t>
+                      </a:r>
+                      <a:endParaRPr lang="zh-TW" sz="1200" kern="100" dirty="0">
+                        <a:effectLst/>
+                        <a:latin typeface="Calibri" panose="020F0502020204030204" pitchFamily="34" charset="0"/>
+                        <a:ea typeface="新細明體" panose="02020500000000000000" pitchFamily="18" charset="-120"/>
+                        <a:cs typeface="Times New Roman" panose="02020603050405020304" pitchFamily="18" charset="0"/>
+                      </a:endParaRPr>
+                    </a:p>
+                  </a:txBody>
+                  <a:tcPr marL="68580" marR="68580" marT="0" marB="0" anchor="ctr"/>
+                </a:tc>
+                <a:tc>
+                  <a:txBody>
+                    <a:bodyPr/>
+                    <a:lstStyle/>
+                    <a:p>
+                      <a:pPr algn="ctr">
+                        <a:spcAft>
+                          <a:spcPts val="0"/>
+                        </a:spcAft>
+                      </a:pPr>
+                      <a:r>
+                        <a:rPr lang="en-US" sz="1400" kern="0" dirty="0">
+                          <a:effectLst/>
+                        </a:rPr>
+                        <a:t>3</a:t>
+                      </a:r>
+                      <a:endParaRPr lang="zh-TW" sz="1200" kern="100" dirty="0">
+                        <a:effectLst/>
+                        <a:latin typeface="Calibri" panose="020F0502020204030204" pitchFamily="34" charset="0"/>
+                        <a:ea typeface="新細明體" panose="02020500000000000000" pitchFamily="18" charset="-120"/>
+                        <a:cs typeface="Times New Roman" panose="02020603050405020304" pitchFamily="18" charset="0"/>
+                      </a:endParaRPr>
+                    </a:p>
+                  </a:txBody>
+                  <a:tcPr marL="68580" marR="68580" marT="0" marB="0" anchor="ctr"/>
+                </a:tc>
+                <a:tc>
+                  <a:txBody>
+                    <a:bodyPr/>
+                    <a:lstStyle/>
+                    <a:p>
+                      <a:pPr algn="ctr">
+                        <a:spcAft>
+                          <a:spcPts val="0"/>
+                        </a:spcAft>
+                      </a:pPr>
+                      <a:r>
+                        <a:rPr lang="en-US" sz="1400" kern="0" dirty="0">
+                          <a:effectLst/>
+                        </a:rPr>
+                        <a:t>9</a:t>
+                      </a:r>
+                      <a:endParaRPr lang="zh-TW" sz="1200" kern="100" dirty="0">
+                        <a:effectLst/>
+                        <a:latin typeface="Calibri" panose="020F0502020204030204" pitchFamily="34" charset="0"/>
+                        <a:ea typeface="新細明體" panose="02020500000000000000" pitchFamily="18" charset="-120"/>
+                        <a:cs typeface="Times New Roman" panose="02020603050405020304" pitchFamily="18" charset="0"/>
+                      </a:endParaRPr>
+                    </a:p>
+                  </a:txBody>
+                  <a:tcPr marL="68580" marR="68580" marT="0" marB="0" anchor="ctr"/>
+                </a:tc>
+                <a:extLst>
+                  <a:ext uri="{0D108BD9-81ED-4DB2-BD59-A6C34878D82A}">
+                    <a16:rowId xmlns:a16="http://schemas.microsoft.com/office/drawing/2014/main" val="610355289"/>
+                  </a:ext>
+                </a:extLst>
+              </a:tr>
+              <a:tr h="0">
+                <a:tc>
+                  <a:txBody>
+                    <a:bodyPr/>
+                    <a:lstStyle/>
+                    <a:p>
+                      <a:pPr algn="ctr">
+                        <a:spcAft>
+                          <a:spcPts val="0"/>
+                        </a:spcAft>
+                      </a:pPr>
+                      <a:r>
+                        <a:rPr lang="en-US" sz="1400" kern="0" dirty="0">
+                          <a:effectLst/>
+                        </a:rPr>
+                        <a:t>2</a:t>
+                      </a:r>
+                      <a:endParaRPr lang="zh-TW" sz="1200" kern="100" dirty="0">
+                        <a:effectLst/>
+                        <a:latin typeface="Calibri" panose="020F0502020204030204" pitchFamily="34" charset="0"/>
+                        <a:ea typeface="新細明體" panose="02020500000000000000" pitchFamily="18" charset="-120"/>
+                        <a:cs typeface="Times New Roman" panose="02020603050405020304" pitchFamily="18" charset="0"/>
+                      </a:endParaRPr>
+                    </a:p>
+                  </a:txBody>
+                  <a:tcPr marL="68580" marR="68580" marT="0" marB="0" anchor="ctr"/>
+                </a:tc>
+                <a:tc>
+                  <a:txBody>
+                    <a:bodyPr/>
+                    <a:lstStyle/>
+                    <a:p>
+                      <a:pPr algn="ctr">
+                        <a:spcAft>
+                          <a:spcPts val="0"/>
+                        </a:spcAft>
+                      </a:pPr>
+                      <a:r>
+                        <a:rPr lang="en-US" sz="1400" kern="0" dirty="0">
+                          <a:effectLst/>
+                        </a:rPr>
+                        <a:t>2</a:t>
+                      </a:r>
+                      <a:endParaRPr lang="zh-TW" sz="1200" kern="100" dirty="0">
+                        <a:effectLst/>
+                        <a:latin typeface="Calibri" panose="020F0502020204030204" pitchFamily="34" charset="0"/>
+                        <a:ea typeface="新細明體" panose="02020500000000000000" pitchFamily="18" charset="-120"/>
+                        <a:cs typeface="Times New Roman" panose="02020603050405020304" pitchFamily="18" charset="0"/>
+                      </a:endParaRPr>
+                    </a:p>
+                  </a:txBody>
+                  <a:tcPr marL="68580" marR="68580" marT="0" marB="0" anchor="ctr"/>
+                </a:tc>
+                <a:tc>
+                  <a:txBody>
+                    <a:bodyPr/>
+                    <a:lstStyle/>
+                    <a:p>
+                      <a:pPr algn="ctr">
+                        <a:spcAft>
+                          <a:spcPts val="0"/>
+                        </a:spcAft>
+                      </a:pPr>
+                      <a:r>
+                        <a:rPr lang="en-US" sz="1400" kern="0" dirty="0">
+                          <a:effectLst/>
+                        </a:rPr>
+                        <a:t>5</a:t>
+                      </a:r>
+                      <a:endParaRPr lang="zh-TW" sz="1200" kern="100" dirty="0">
+                        <a:effectLst/>
+                        <a:latin typeface="Calibri" panose="020F0502020204030204" pitchFamily="34" charset="0"/>
+                        <a:ea typeface="新細明體" panose="02020500000000000000" pitchFamily="18" charset="-120"/>
+                        <a:cs typeface="Times New Roman" panose="02020603050405020304" pitchFamily="18" charset="0"/>
+                      </a:endParaRPr>
+                    </a:p>
+                  </a:txBody>
+                  <a:tcPr marL="68580" marR="68580" marT="0" marB="0" anchor="ctr"/>
+                </a:tc>
+                <a:extLst>
+                  <a:ext uri="{0D108BD9-81ED-4DB2-BD59-A6C34878D82A}">
+                    <a16:rowId xmlns:a16="http://schemas.microsoft.com/office/drawing/2014/main" val="2840690273"/>
+                  </a:ext>
+                </a:extLst>
+              </a:tr>
+              <a:tr h="0">
+                <a:tc>
+                  <a:txBody>
+                    <a:bodyPr/>
+                    <a:lstStyle/>
+                    <a:p>
+                      <a:pPr algn="ctr">
+                        <a:spcAft>
+                          <a:spcPts val="0"/>
+                        </a:spcAft>
+                      </a:pPr>
+                      <a:r>
+                        <a:rPr lang="en-US" sz="1400" kern="0" dirty="0">
+                          <a:effectLst/>
+                        </a:rPr>
+                        <a:t>3</a:t>
+                      </a:r>
+                      <a:endParaRPr lang="zh-TW" sz="1200" kern="100" dirty="0">
+                        <a:effectLst/>
+                        <a:latin typeface="Calibri" panose="020F0502020204030204" pitchFamily="34" charset="0"/>
+                        <a:ea typeface="新細明體" panose="02020500000000000000" pitchFamily="18" charset="-120"/>
+                        <a:cs typeface="Times New Roman" panose="02020603050405020304" pitchFamily="18" charset="0"/>
+                      </a:endParaRPr>
+                    </a:p>
+                  </a:txBody>
+                  <a:tcPr marL="68580" marR="68580" marT="0" marB="0" anchor="ctr"/>
+                </a:tc>
+                <a:tc>
+                  <a:txBody>
+                    <a:bodyPr/>
+                    <a:lstStyle/>
+                    <a:p>
+                      <a:pPr algn="ctr">
+                        <a:spcAft>
+                          <a:spcPts val="0"/>
+                        </a:spcAft>
+                      </a:pPr>
+                      <a:r>
+                        <a:rPr lang="en-US" sz="1400" kern="0" dirty="0">
+                          <a:effectLst/>
+                        </a:rPr>
+                        <a:t>5</a:t>
+                      </a:r>
+                      <a:endParaRPr lang="zh-TW" sz="1200" kern="100" dirty="0">
+                        <a:effectLst/>
+                        <a:latin typeface="Calibri" panose="020F0502020204030204" pitchFamily="34" charset="0"/>
+                        <a:ea typeface="新細明體" panose="02020500000000000000" pitchFamily="18" charset="-120"/>
+                        <a:cs typeface="Times New Roman" panose="02020603050405020304" pitchFamily="18" charset="0"/>
+                      </a:endParaRPr>
+                    </a:p>
+                  </a:txBody>
+                  <a:tcPr marL="68580" marR="68580" marT="0" marB="0" anchor="ctr"/>
+                </a:tc>
+                <a:tc>
+                  <a:txBody>
+                    <a:bodyPr/>
+                    <a:lstStyle/>
+                    <a:p>
+                      <a:pPr algn="ctr">
+                        <a:spcAft>
+                          <a:spcPts val="0"/>
+                        </a:spcAft>
+                      </a:pPr>
+                      <a:r>
+                        <a:rPr lang="en-US" sz="1400" kern="0" dirty="0">
+                          <a:effectLst/>
+                        </a:rPr>
+                        <a:t>14</a:t>
+                      </a:r>
+                      <a:endParaRPr lang="zh-TW" sz="1200" kern="100" dirty="0">
+                        <a:effectLst/>
+                        <a:latin typeface="Calibri" panose="020F0502020204030204" pitchFamily="34" charset="0"/>
+                        <a:ea typeface="新細明體" panose="02020500000000000000" pitchFamily="18" charset="-120"/>
+                        <a:cs typeface="Times New Roman" panose="02020603050405020304" pitchFamily="18" charset="0"/>
+                      </a:endParaRPr>
+                    </a:p>
+                  </a:txBody>
+                  <a:tcPr marL="68580" marR="68580" marT="0" marB="0" anchor="ctr"/>
+                </a:tc>
+                <a:extLst>
+                  <a:ext uri="{0D108BD9-81ED-4DB2-BD59-A6C34878D82A}">
+                    <a16:rowId xmlns:a16="http://schemas.microsoft.com/office/drawing/2014/main" val="3731696975"/>
+                  </a:ext>
+                </a:extLst>
+              </a:tr>
+              <a:tr h="0">
+                <a:tc>
+                  <a:txBody>
+                    <a:bodyPr/>
+                    <a:lstStyle/>
+                    <a:p>
+                      <a:pPr algn="ctr">
+                        <a:spcAft>
+                          <a:spcPts val="0"/>
+                        </a:spcAft>
+                      </a:pPr>
+                      <a:r>
+                        <a:rPr lang="en-US" sz="1400" kern="0" dirty="0">
+                          <a:effectLst/>
+                        </a:rPr>
+                        <a:t>4</a:t>
+                      </a:r>
+                      <a:endParaRPr lang="zh-TW" sz="1200" kern="100" dirty="0">
+                        <a:effectLst/>
+                        <a:latin typeface="Calibri" panose="020F0502020204030204" pitchFamily="34" charset="0"/>
+                        <a:ea typeface="新細明體" panose="02020500000000000000" pitchFamily="18" charset="-120"/>
+                        <a:cs typeface="Times New Roman" panose="02020603050405020304" pitchFamily="18" charset="0"/>
+                      </a:endParaRPr>
+                    </a:p>
+                  </a:txBody>
+                  <a:tcPr marL="68580" marR="68580" marT="0" marB="0" anchor="ctr"/>
+                </a:tc>
+                <a:tc>
+                  <a:txBody>
+                    <a:bodyPr/>
+                    <a:lstStyle/>
+                    <a:p>
+                      <a:pPr algn="ctr">
+                        <a:spcAft>
+                          <a:spcPts val="0"/>
+                        </a:spcAft>
+                      </a:pPr>
+                      <a:r>
+                        <a:rPr lang="en-US" sz="1400" kern="0" dirty="0">
+                          <a:effectLst/>
+                        </a:rPr>
+                        <a:t>4</a:t>
+                      </a:r>
+                      <a:endParaRPr lang="zh-TW" sz="1200" kern="100" dirty="0">
+                        <a:effectLst/>
+                        <a:latin typeface="Calibri" panose="020F0502020204030204" pitchFamily="34" charset="0"/>
+                        <a:ea typeface="新細明體" panose="02020500000000000000" pitchFamily="18" charset="-120"/>
+                        <a:cs typeface="Times New Roman" panose="02020603050405020304" pitchFamily="18" charset="0"/>
+                      </a:endParaRPr>
+                    </a:p>
+                  </a:txBody>
+                  <a:tcPr marL="68580" marR="68580" marT="0" marB="0" anchor="ctr"/>
+                </a:tc>
+                <a:tc>
+                  <a:txBody>
+                    <a:bodyPr/>
+                    <a:lstStyle/>
+                    <a:p>
+                      <a:pPr algn="ctr">
+                        <a:spcAft>
+                          <a:spcPts val="0"/>
+                        </a:spcAft>
+                      </a:pPr>
+                      <a:r>
+                        <a:rPr lang="en-US" sz="1400" kern="0" dirty="0">
+                          <a:effectLst/>
+                        </a:rPr>
+                        <a:t>11</a:t>
+                      </a:r>
+                      <a:endParaRPr lang="zh-TW" sz="1200" kern="100" dirty="0">
+                        <a:effectLst/>
+                        <a:latin typeface="Calibri" panose="020F0502020204030204" pitchFamily="34" charset="0"/>
+                        <a:ea typeface="新細明體" panose="02020500000000000000" pitchFamily="18" charset="-120"/>
+                        <a:cs typeface="Times New Roman" panose="02020603050405020304" pitchFamily="18" charset="0"/>
+                      </a:endParaRPr>
+                    </a:p>
+                  </a:txBody>
+                  <a:tcPr marL="68580" marR="68580" marT="0" marB="0" anchor="ctr"/>
+                </a:tc>
+                <a:extLst>
+                  <a:ext uri="{0D108BD9-81ED-4DB2-BD59-A6C34878D82A}">
+                    <a16:rowId xmlns:a16="http://schemas.microsoft.com/office/drawing/2014/main" val="147879286"/>
+                  </a:ext>
+                </a:extLst>
+              </a:tr>
+              <a:tr h="0">
+                <a:tc>
+                  <a:txBody>
+                    <a:bodyPr/>
+                    <a:lstStyle/>
+                    <a:p>
+                      <a:pPr algn="ctr">
+                        <a:spcAft>
+                          <a:spcPts val="0"/>
+                        </a:spcAft>
+                      </a:pPr>
+                      <a:r>
+                        <a:rPr lang="en-US" sz="1400" kern="0" dirty="0">
+                          <a:effectLst/>
+                        </a:rPr>
+                        <a:t>5</a:t>
+                      </a:r>
+                      <a:endParaRPr lang="zh-TW" sz="1200" kern="100" dirty="0">
+                        <a:effectLst/>
+                        <a:latin typeface="Calibri" panose="020F0502020204030204" pitchFamily="34" charset="0"/>
+                        <a:ea typeface="新細明體" panose="02020500000000000000" pitchFamily="18" charset="-120"/>
+                        <a:cs typeface="Times New Roman" panose="02020603050405020304" pitchFamily="18" charset="0"/>
+                      </a:endParaRPr>
+                    </a:p>
+                  </a:txBody>
+                  <a:tcPr marL="68580" marR="68580" marT="0" marB="0" anchor="ctr"/>
+                </a:tc>
+                <a:tc>
+                  <a:txBody>
+                    <a:bodyPr/>
+                    <a:lstStyle/>
+                    <a:p>
+                      <a:pPr algn="ctr">
+                        <a:spcAft>
+                          <a:spcPts val="0"/>
+                        </a:spcAft>
+                      </a:pPr>
+                      <a:r>
+                        <a:rPr lang="en-US" sz="1400" kern="0" dirty="0">
+                          <a:effectLst/>
+                        </a:rPr>
+                        <a:t>6</a:t>
+                      </a:r>
+                      <a:endParaRPr lang="zh-TW" sz="1200" kern="100" dirty="0">
+                        <a:effectLst/>
+                        <a:latin typeface="Calibri" panose="020F0502020204030204" pitchFamily="34" charset="0"/>
+                        <a:ea typeface="新細明體" panose="02020500000000000000" pitchFamily="18" charset="-120"/>
+                        <a:cs typeface="Times New Roman" panose="02020603050405020304" pitchFamily="18" charset="0"/>
+                      </a:endParaRPr>
+                    </a:p>
+                  </a:txBody>
+                  <a:tcPr marL="68580" marR="68580" marT="0" marB="0" anchor="ctr"/>
+                </a:tc>
+                <a:tc>
+                  <a:txBody>
+                    <a:bodyPr/>
+                    <a:lstStyle/>
+                    <a:p>
+                      <a:pPr algn="ctr">
+                        <a:spcAft>
+                          <a:spcPts val="0"/>
+                        </a:spcAft>
+                      </a:pPr>
+                      <a:r>
+                        <a:rPr lang="en-US" sz="1400" kern="0" dirty="0">
+                          <a:effectLst/>
+                        </a:rPr>
+                        <a:t>16</a:t>
+                      </a:r>
+                      <a:endParaRPr lang="zh-TW" sz="1200" kern="100" dirty="0">
+                        <a:effectLst/>
+                        <a:latin typeface="Calibri" panose="020F0502020204030204" pitchFamily="34" charset="0"/>
+                        <a:ea typeface="新細明體" panose="02020500000000000000" pitchFamily="18" charset="-120"/>
+                        <a:cs typeface="Times New Roman" panose="02020603050405020304" pitchFamily="18" charset="0"/>
+                      </a:endParaRPr>
+                    </a:p>
+                  </a:txBody>
+                  <a:tcPr marL="68580" marR="68580" marT="0" marB="0" anchor="ctr"/>
+                </a:tc>
+                <a:extLst>
+                  <a:ext uri="{0D108BD9-81ED-4DB2-BD59-A6C34878D82A}">
+                    <a16:rowId xmlns:a16="http://schemas.microsoft.com/office/drawing/2014/main" val="1282286129"/>
+                  </a:ext>
+                </a:extLst>
+              </a:tr>
+              <a:tr h="0">
+                <a:tc>
+                  <a:txBody>
+                    <a:bodyPr/>
+                    <a:lstStyle/>
+                    <a:p>
+                      <a:pPr algn="ctr">
+                        <a:spcAft>
+                          <a:spcPts val="0"/>
+                        </a:spcAft>
+                      </a:pPr>
+                      <a:r>
+                        <a:rPr lang="en-US" sz="1400" kern="0" dirty="0">
+                          <a:effectLst/>
+                        </a:rPr>
+                        <a:t>6</a:t>
+                      </a:r>
+                      <a:endParaRPr lang="zh-TW" sz="1200" kern="100" dirty="0">
+                        <a:effectLst/>
+                        <a:latin typeface="Calibri" panose="020F0502020204030204" pitchFamily="34" charset="0"/>
+                        <a:ea typeface="新細明體" panose="02020500000000000000" pitchFamily="18" charset="-120"/>
+                        <a:cs typeface="Times New Roman" panose="02020603050405020304" pitchFamily="18" charset="0"/>
+                      </a:endParaRPr>
+                    </a:p>
+                  </a:txBody>
+                  <a:tcPr marL="68580" marR="68580" marT="0" marB="0" anchor="ctr"/>
+                </a:tc>
+                <a:tc>
+                  <a:txBody>
+                    <a:bodyPr/>
+                    <a:lstStyle/>
+                    <a:p>
+                      <a:pPr algn="ctr">
+                        <a:spcAft>
+                          <a:spcPts val="0"/>
+                        </a:spcAft>
+                      </a:pPr>
+                      <a:r>
+                        <a:rPr lang="en-US" sz="1400" kern="0" dirty="0">
+                          <a:effectLst/>
+                        </a:rPr>
+                        <a:t>3</a:t>
+                      </a:r>
+                      <a:endParaRPr lang="zh-TW" sz="1200" kern="100" dirty="0">
+                        <a:effectLst/>
+                        <a:latin typeface="Calibri" panose="020F0502020204030204" pitchFamily="34" charset="0"/>
+                        <a:ea typeface="新細明體" panose="02020500000000000000" pitchFamily="18" charset="-120"/>
+                        <a:cs typeface="Times New Roman" panose="02020603050405020304" pitchFamily="18" charset="0"/>
+                      </a:endParaRPr>
+                    </a:p>
+                  </a:txBody>
+                  <a:tcPr marL="68580" marR="68580" marT="0" marB="0" anchor="ctr"/>
+                </a:tc>
+                <a:tc>
+                  <a:txBody>
+                    <a:bodyPr/>
+                    <a:lstStyle/>
+                    <a:p>
+                      <a:pPr algn="ctr">
+                        <a:spcAft>
+                          <a:spcPts val="0"/>
+                        </a:spcAft>
+                      </a:pPr>
+                      <a:r>
+                        <a:rPr lang="en-US" sz="1400" kern="0" dirty="0">
+                          <a:effectLst/>
+                        </a:rPr>
+                        <a:t>8</a:t>
+                      </a:r>
+                      <a:endParaRPr lang="zh-TW" sz="1200" kern="100" dirty="0">
+                        <a:effectLst/>
+                        <a:latin typeface="Calibri" panose="020F0502020204030204" pitchFamily="34" charset="0"/>
+                        <a:ea typeface="新細明體" panose="02020500000000000000" pitchFamily="18" charset="-120"/>
+                        <a:cs typeface="Times New Roman" panose="02020603050405020304" pitchFamily="18" charset="0"/>
+                      </a:endParaRPr>
+                    </a:p>
+                  </a:txBody>
+                  <a:tcPr marL="68580" marR="68580" marT="0" marB="0" anchor="ctr"/>
+                </a:tc>
+                <a:extLst>
+                  <a:ext uri="{0D108BD9-81ED-4DB2-BD59-A6C34878D82A}">
+                    <a16:rowId xmlns:a16="http://schemas.microsoft.com/office/drawing/2014/main" val="2017636494"/>
+                  </a:ext>
+                </a:extLst>
+              </a:tr>
+            </a:tbl>
+          </a:graphicData>
+        </a:graphic>
+      </p:graphicFrame>
+      <p:sp>
+        <p:nvSpPr>
+          <p:cNvPr id="15" name="矩形 14"/>
+          <p:cNvSpPr/>
+          <p:nvPr/>
+        </p:nvSpPr>
+        <p:spPr>
+          <a:xfrm>
+            <a:off x="975216" y="2097652"/>
+            <a:ext cx="1917064" cy="323165"/>
+          </a:xfrm>
+          <a:prstGeom prst="rect">
+            <a:avLst/>
+          </a:prstGeom>
+          <a:noFill/>
+        </p:spPr>
+        <p:txBody>
+          <a:bodyPr wrap="none" lIns="91440" tIns="45720" rIns="91440" bIns="45720">
+            <a:spAutoFit/>
+          </a:bodyPr>
+          <a:lstStyle/>
+          <a:p>
+            <a:pPr algn="ctr"/>
+            <a:r>
+              <a:rPr lang="en-US" altLang="zh-TW" sz="1500" dirty="0">
+                <a:ln w="0"/>
+                <a:effectLst>
+                  <a:outerShdw blurRad="38100" dist="38100" dir="2700000" algn="tl">
+                    <a:srgbClr val="000000">
+                      <a:alpha val="43137"/>
+                    </a:srgbClr>
+                  </a:outerShdw>
+                </a:effectLst>
+              </a:rPr>
+              <a:t>maximum weight </a:t>
+            </a:r>
+            <a:r>
+              <a:rPr lang="en-US" altLang="zh-TW" sz="1500" dirty="0" smtClean="0">
+                <a:ln w="0"/>
+                <a:effectLst>
+                  <a:outerShdw blurRad="38100" dist="38100" dir="2700000" algn="tl">
+                    <a:srgbClr val="000000">
+                      <a:alpha val="43137"/>
+                    </a:srgbClr>
+                  </a:outerShdw>
+                </a:effectLst>
+              </a:rPr>
+              <a:t>= 10</a:t>
+            </a:r>
+            <a:endParaRPr lang="zh-TW" altLang="en-US" sz="1500" dirty="0">
+              <a:ln w="0"/>
+              <a:effectLst>
+                <a:outerShdw blurRad="38100" dist="38100" dir="2700000" algn="tl">
+                  <a:srgbClr val="000000">
+                    <a:alpha val="43137"/>
+                  </a:srgbClr>
+                </a:outerShdw>
+              </a:effectLst>
+            </a:endParaRPr>
+          </a:p>
+        </p:txBody>
+      </p:sp>
+      <mc:AlternateContent xmlns:mc="http://schemas.openxmlformats.org/markup-compatibility/2006">
+        <mc:Choice xmlns:a14="http://schemas.microsoft.com/office/drawing/2010/main" Requires="a14">
+          <p:sp>
+            <p:nvSpPr>
+              <p:cNvPr id="16" name="矩形 15"/>
+              <p:cNvSpPr/>
+              <p:nvPr/>
+            </p:nvSpPr>
+            <p:spPr>
+              <a:xfrm>
+                <a:off x="3215627" y="744744"/>
+                <a:ext cx="362885" cy="261610"/>
+              </a:xfrm>
+              <a:prstGeom prst="rect">
+                <a:avLst/>
+              </a:prstGeom>
+              <a:noFill/>
+            </p:spPr>
+            <p:txBody>
+              <a:bodyPr wrap="square" lIns="91440" tIns="45720" rIns="91440" bIns="45720">
+                <a:spAutoFit/>
+              </a:bodyPr>
+              <a:lstStyle/>
+              <a:p>
+                <a:pPr algn="ctr"/>
+                <a14:m>
+                  <m:oMathPara xmlns:m="http://schemas.openxmlformats.org/officeDocument/2006/math">
+                    <m:oMathParaPr>
+                      <m:jc m:val="centerGroup"/>
+                    </m:oMathParaPr>
+                    <m:oMath xmlns:m="http://schemas.openxmlformats.org/officeDocument/2006/math">
+                      <m:sSub>
+                        <m:sSubPr>
+                          <m:ctrlPr>
+                            <a:rPr lang="pt-BR" altLang="zh-TW" sz="1100" i="1">
+                              <a:latin typeface="Cambria Math" panose="02040503050406030204" pitchFamily="18" charset="0"/>
+                            </a:rPr>
+                          </m:ctrlPr>
+                        </m:sSubPr>
+                        <m:e>
+                          <m:r>
+                            <a:rPr lang="en-US" altLang="zh-TW" sz="1100" i="1">
+                              <a:latin typeface="Cambria Math" panose="02040503050406030204" pitchFamily="18" charset="0"/>
+                            </a:rPr>
+                            <m:t>𝐶</m:t>
+                          </m:r>
+                        </m:e>
+                        <m:sub>
+                          <m:r>
+                            <a:rPr lang="en-US" altLang="zh-TW" sz="1100" i="1">
+                              <a:latin typeface="Cambria Math" panose="02040503050406030204" pitchFamily="18" charset="0"/>
+                            </a:rPr>
+                            <m:t>1</m:t>
+                          </m:r>
+                        </m:sub>
+                      </m:sSub>
+                    </m:oMath>
+                  </m:oMathPara>
+                </a14:m>
+                <a:endParaRPr lang="zh-TW" altLang="en-US" sz="1100" b="0" cap="none" spc="0" dirty="0">
+                  <a:ln w="0"/>
+                  <a:solidFill>
+                    <a:schemeClr val="tx1"/>
+                  </a:solidFill>
+                </a:endParaRPr>
+              </a:p>
+            </p:txBody>
+          </p:sp>
+        </mc:Choice>
+        <mc:Fallback>
+          <p:sp>
+            <p:nvSpPr>
+              <p:cNvPr id="16" name="矩形 15"/>
+              <p:cNvSpPr>
+                <a:spLocks noRot="1" noChangeAspect="1" noMove="1" noResize="1" noEditPoints="1" noAdjustHandles="1" noChangeArrowheads="1" noChangeShapeType="1" noTextEdit="1"/>
+              </p:cNvSpPr>
+              <p:nvPr/>
+            </p:nvSpPr>
+            <p:spPr>
+              <a:xfrm>
+                <a:off x="3215627" y="744744"/>
+                <a:ext cx="362885" cy="261610"/>
+              </a:xfrm>
+              <a:prstGeom prst="rect">
+                <a:avLst/>
+              </a:prstGeom>
+              <a:blipFill>
+                <a:blip r:embed="rId2"/>
+                <a:stretch>
+                  <a:fillRect/>
+                </a:stretch>
+              </a:blipFill>
+            </p:spPr>
+            <p:txBody>
+              <a:bodyPr/>
+              <a:lstStyle/>
+              <a:p>
+                <a:r>
+                  <a:rPr lang="zh-TW" altLang="en-US">
+                    <a:noFill/>
+                  </a:rPr>
+                  <a:t> </a:t>
+                </a:r>
+              </a:p>
+            </p:txBody>
+          </p:sp>
+        </mc:Fallback>
+      </mc:AlternateContent>
+      <mc:AlternateContent xmlns:mc="http://schemas.openxmlformats.org/markup-compatibility/2006">
+        <mc:Choice xmlns:a14="http://schemas.microsoft.com/office/drawing/2010/main" Requires="a14">
+          <p:sp>
+            <p:nvSpPr>
+              <p:cNvPr id="17" name="矩形 16"/>
+              <p:cNvSpPr/>
+              <p:nvPr/>
+            </p:nvSpPr>
+            <p:spPr>
+              <a:xfrm>
+                <a:off x="3215627" y="1116223"/>
+                <a:ext cx="362885" cy="261610"/>
+              </a:xfrm>
+              <a:prstGeom prst="rect">
+                <a:avLst/>
+              </a:prstGeom>
+              <a:noFill/>
+            </p:spPr>
+            <p:txBody>
+              <a:bodyPr wrap="square" lIns="91440" tIns="45720" rIns="91440" bIns="45720">
+                <a:spAutoFit/>
+              </a:bodyPr>
+              <a:lstStyle/>
+              <a:p>
+                <a:pPr algn="ctr"/>
+                <a14:m>
+                  <m:oMathPara xmlns:m="http://schemas.openxmlformats.org/officeDocument/2006/math">
+                    <m:oMathParaPr>
+                      <m:jc m:val="centerGroup"/>
+                    </m:oMathParaPr>
+                    <m:oMath xmlns:m="http://schemas.openxmlformats.org/officeDocument/2006/math">
+                      <m:sSub>
+                        <m:sSubPr>
+                          <m:ctrlPr>
+                            <a:rPr lang="pt-BR" altLang="zh-TW" sz="1100" i="1">
+                              <a:latin typeface="Cambria Math" panose="02040503050406030204" pitchFamily="18" charset="0"/>
+                            </a:rPr>
+                          </m:ctrlPr>
+                        </m:sSubPr>
+                        <m:e>
+                          <m:r>
+                            <a:rPr lang="en-US" altLang="zh-TW" sz="1100" i="1">
+                              <a:latin typeface="Cambria Math" panose="02040503050406030204" pitchFamily="18" charset="0"/>
+                            </a:rPr>
+                            <m:t>𝐶</m:t>
+                          </m:r>
+                        </m:e>
+                        <m:sub>
+                          <m:r>
+                            <a:rPr lang="en-US" altLang="zh-TW" sz="1100" i="1">
+                              <a:latin typeface="Cambria Math" panose="02040503050406030204" pitchFamily="18" charset="0"/>
+                            </a:rPr>
+                            <m:t>2</m:t>
+                          </m:r>
+                        </m:sub>
+                      </m:sSub>
+                    </m:oMath>
+                  </m:oMathPara>
+                </a14:m>
+                <a:endParaRPr lang="zh-TW" altLang="en-US" sz="1100" b="0" cap="none" spc="0" dirty="0">
+                  <a:ln w="0"/>
+                  <a:solidFill>
+                    <a:schemeClr val="tx1"/>
+                  </a:solidFill>
+                </a:endParaRPr>
+              </a:p>
+            </p:txBody>
+          </p:sp>
+        </mc:Choice>
+        <mc:Fallback>
+          <p:sp>
+            <p:nvSpPr>
+              <p:cNvPr id="17" name="矩形 16"/>
+              <p:cNvSpPr>
+                <a:spLocks noRot="1" noChangeAspect="1" noMove="1" noResize="1" noEditPoints="1" noAdjustHandles="1" noChangeArrowheads="1" noChangeShapeType="1" noTextEdit="1"/>
+              </p:cNvSpPr>
+              <p:nvPr/>
+            </p:nvSpPr>
+            <p:spPr>
+              <a:xfrm>
+                <a:off x="3215627" y="1116223"/>
+                <a:ext cx="362885" cy="261610"/>
+              </a:xfrm>
+              <a:prstGeom prst="rect">
+                <a:avLst/>
+              </a:prstGeom>
+              <a:blipFill>
+                <a:blip r:embed="rId3"/>
+                <a:stretch>
+                  <a:fillRect/>
+                </a:stretch>
+              </a:blipFill>
+            </p:spPr>
+            <p:txBody>
+              <a:bodyPr/>
+              <a:lstStyle/>
+              <a:p>
+                <a:r>
+                  <a:rPr lang="zh-TW" altLang="en-US">
+                    <a:noFill/>
+                  </a:rPr>
+                  <a:t> </a:t>
+                </a:r>
+              </a:p>
+            </p:txBody>
+          </p:sp>
+        </mc:Fallback>
+      </mc:AlternateContent>
+      <mc:AlternateContent xmlns:mc="http://schemas.openxmlformats.org/markup-compatibility/2006">
+        <mc:Choice xmlns:a14="http://schemas.microsoft.com/office/drawing/2010/main" Requires="a14">
+          <p:sp>
+            <p:nvSpPr>
+              <p:cNvPr id="20" name="矩形 19"/>
+              <p:cNvSpPr/>
+              <p:nvPr/>
+            </p:nvSpPr>
+            <p:spPr>
+              <a:xfrm>
+                <a:off x="3215627" y="1447438"/>
+                <a:ext cx="362885" cy="261610"/>
+              </a:xfrm>
+              <a:prstGeom prst="rect">
+                <a:avLst/>
+              </a:prstGeom>
+              <a:noFill/>
+            </p:spPr>
+            <p:txBody>
+              <a:bodyPr wrap="square" lIns="91440" tIns="45720" rIns="91440" bIns="45720">
+                <a:spAutoFit/>
+              </a:bodyPr>
+              <a:lstStyle/>
+              <a:p>
+                <a:pPr algn="ctr"/>
+                <a14:m>
+                  <m:oMathPara xmlns:m="http://schemas.openxmlformats.org/officeDocument/2006/math">
+                    <m:oMathParaPr>
+                      <m:jc m:val="centerGroup"/>
+                    </m:oMathParaPr>
+                    <m:oMath xmlns:m="http://schemas.openxmlformats.org/officeDocument/2006/math">
+                      <m:sSub>
+                        <m:sSubPr>
+                          <m:ctrlPr>
+                            <a:rPr lang="pt-BR" altLang="zh-TW" sz="1100" i="1">
+                              <a:latin typeface="Cambria Math" panose="02040503050406030204" pitchFamily="18" charset="0"/>
+                            </a:rPr>
+                          </m:ctrlPr>
+                        </m:sSubPr>
+                        <m:e>
+                          <m:r>
+                            <a:rPr lang="en-US" altLang="zh-TW" sz="1100" i="1">
+                              <a:latin typeface="Cambria Math" panose="02040503050406030204" pitchFamily="18" charset="0"/>
+                            </a:rPr>
+                            <m:t>𝐶</m:t>
+                          </m:r>
+                        </m:e>
+                        <m:sub>
+                          <m:r>
+                            <a:rPr lang="en-US" altLang="zh-TW" sz="1100" i="1">
+                              <a:latin typeface="Cambria Math" panose="02040503050406030204" pitchFamily="18" charset="0"/>
+                            </a:rPr>
+                            <m:t>3</m:t>
+                          </m:r>
+                        </m:sub>
+                      </m:sSub>
+                    </m:oMath>
+                  </m:oMathPara>
+                </a14:m>
+                <a:endParaRPr lang="zh-TW" altLang="en-US" sz="1100" b="0" cap="none" spc="0" dirty="0">
+                  <a:ln w="0"/>
+                  <a:solidFill>
+                    <a:schemeClr val="tx1"/>
+                  </a:solidFill>
+                </a:endParaRPr>
+              </a:p>
+            </p:txBody>
+          </p:sp>
+        </mc:Choice>
+        <mc:Fallback>
+          <p:sp>
+            <p:nvSpPr>
+              <p:cNvPr id="20" name="矩形 19"/>
+              <p:cNvSpPr>
+                <a:spLocks noRot="1" noChangeAspect="1" noMove="1" noResize="1" noEditPoints="1" noAdjustHandles="1" noChangeArrowheads="1" noChangeShapeType="1" noTextEdit="1"/>
+              </p:cNvSpPr>
+              <p:nvPr/>
+            </p:nvSpPr>
+            <p:spPr>
+              <a:xfrm>
+                <a:off x="3215627" y="1447438"/>
+                <a:ext cx="362885" cy="261610"/>
+              </a:xfrm>
+              <a:prstGeom prst="rect">
+                <a:avLst/>
+              </a:prstGeom>
+              <a:blipFill>
+                <a:blip r:embed="rId4"/>
+                <a:stretch>
+                  <a:fillRect/>
+                </a:stretch>
+              </a:blipFill>
+            </p:spPr>
+            <p:txBody>
+              <a:bodyPr/>
+              <a:lstStyle/>
+              <a:p>
+                <a:r>
+                  <a:rPr lang="zh-TW" altLang="en-US">
+                    <a:noFill/>
+                  </a:rPr>
+                  <a:t> </a:t>
+                </a:r>
+              </a:p>
+            </p:txBody>
+          </p:sp>
+        </mc:Fallback>
+      </mc:AlternateContent>
+      <mc:AlternateContent xmlns:mc="http://schemas.openxmlformats.org/markup-compatibility/2006">
+        <mc:Choice xmlns:a14="http://schemas.microsoft.com/office/drawing/2010/main" Requires="a14">
+          <p:sp>
+            <p:nvSpPr>
+              <p:cNvPr id="21" name="矩形 20"/>
+              <p:cNvSpPr/>
+              <p:nvPr/>
+            </p:nvSpPr>
+            <p:spPr>
+              <a:xfrm>
+                <a:off x="3215627" y="1830041"/>
+                <a:ext cx="362885" cy="261610"/>
+              </a:xfrm>
+              <a:prstGeom prst="rect">
+                <a:avLst/>
+              </a:prstGeom>
+              <a:noFill/>
+            </p:spPr>
+            <p:txBody>
+              <a:bodyPr wrap="square" lIns="91440" tIns="45720" rIns="91440" bIns="45720">
+                <a:spAutoFit/>
+              </a:bodyPr>
+              <a:lstStyle/>
+              <a:p>
+                <a:pPr algn="ctr"/>
+                <a14:m>
+                  <m:oMathPara xmlns:m="http://schemas.openxmlformats.org/officeDocument/2006/math">
+                    <m:oMathParaPr>
+                      <m:jc m:val="centerGroup"/>
+                    </m:oMathParaPr>
+                    <m:oMath xmlns:m="http://schemas.openxmlformats.org/officeDocument/2006/math">
+                      <m:sSub>
+                        <m:sSubPr>
+                          <m:ctrlPr>
+                            <a:rPr lang="pt-BR" altLang="zh-TW" sz="1100" i="1">
+                              <a:latin typeface="Cambria Math" panose="02040503050406030204" pitchFamily="18" charset="0"/>
+                            </a:rPr>
+                          </m:ctrlPr>
+                        </m:sSubPr>
+                        <m:e>
+                          <m:r>
+                            <a:rPr lang="en-US" altLang="zh-TW" sz="1100" i="1">
+                              <a:latin typeface="Cambria Math" panose="02040503050406030204" pitchFamily="18" charset="0"/>
+                            </a:rPr>
+                            <m:t>𝐶</m:t>
+                          </m:r>
+                        </m:e>
+                        <m:sub>
+                          <m:r>
+                            <a:rPr lang="en-US" altLang="zh-TW" sz="1100" i="1">
+                              <a:latin typeface="Cambria Math" panose="02040503050406030204" pitchFamily="18" charset="0"/>
+                            </a:rPr>
+                            <m:t>4</m:t>
+                          </m:r>
+                        </m:sub>
+                      </m:sSub>
+                    </m:oMath>
+                  </m:oMathPara>
+                </a14:m>
+                <a:endParaRPr lang="zh-TW" altLang="en-US" sz="1100" b="0" cap="none" spc="0" dirty="0">
+                  <a:ln w="0"/>
+                  <a:solidFill>
+                    <a:schemeClr val="tx1"/>
+                  </a:solidFill>
+                </a:endParaRPr>
+              </a:p>
+            </p:txBody>
+          </p:sp>
+        </mc:Choice>
+        <mc:Fallback>
+          <p:sp>
+            <p:nvSpPr>
+              <p:cNvPr id="21" name="矩形 20"/>
+              <p:cNvSpPr>
+                <a:spLocks noRot="1" noChangeAspect="1" noMove="1" noResize="1" noEditPoints="1" noAdjustHandles="1" noChangeArrowheads="1" noChangeShapeType="1" noTextEdit="1"/>
+              </p:cNvSpPr>
+              <p:nvPr/>
+            </p:nvSpPr>
+            <p:spPr>
+              <a:xfrm>
+                <a:off x="3215627" y="1830041"/>
+                <a:ext cx="362885" cy="261610"/>
+              </a:xfrm>
+              <a:prstGeom prst="rect">
+                <a:avLst/>
+              </a:prstGeom>
+              <a:blipFill>
+                <a:blip r:embed="rId5"/>
+                <a:stretch>
+                  <a:fillRect/>
+                </a:stretch>
+              </a:blipFill>
+            </p:spPr>
+            <p:txBody>
+              <a:bodyPr/>
+              <a:lstStyle/>
+              <a:p>
+                <a:r>
+                  <a:rPr lang="zh-TW" altLang="en-US">
+                    <a:noFill/>
+                  </a:rPr>
+                  <a:t> </a:t>
+                </a:r>
+              </a:p>
+            </p:txBody>
+          </p:sp>
+        </mc:Fallback>
+      </mc:AlternateContent>
+      <mc:AlternateContent xmlns:mc="http://schemas.openxmlformats.org/markup-compatibility/2006">
+        <mc:Choice xmlns:a14="http://schemas.microsoft.com/office/drawing/2010/main" Requires="a14">
+          <p:sp>
+            <p:nvSpPr>
+              <p:cNvPr id="22" name="文字方塊 21"/>
+              <p:cNvSpPr txBox="1"/>
+              <p:nvPr/>
+            </p:nvSpPr>
+            <p:spPr>
+              <a:xfrm>
+                <a:off x="1062504" y="3479724"/>
+                <a:ext cx="2306896" cy="532710"/>
+              </a:xfrm>
+              <a:prstGeom prst="rect">
+                <a:avLst/>
+              </a:prstGeom>
+              <a:noFill/>
+            </p:spPr>
+            <p:txBody>
+              <a:bodyPr wrap="square" lIns="0" tIns="0" rIns="0" bIns="0" rtlCol="0">
+                <a:spAutoFit/>
+              </a:bodyPr>
+              <a:lstStyle/>
+              <a:p>
+                <a:r>
+                  <a:rPr lang="pt-BR" altLang="zh-TW" sz="2000" i="1" dirty="0">
+                    <a:latin typeface="Times New Roman" panose="02020603050405020304" pitchFamily="18" charset="0"/>
+                    <a:cs typeface="Times New Roman" panose="02020603050405020304" pitchFamily="18" charset="0"/>
+                  </a:rPr>
+                  <a:t>p</a:t>
+                </a:r>
+                <a14:m>
+                  <m:oMath xmlns:m="http://schemas.openxmlformats.org/officeDocument/2006/math">
+                    <m:d>
+                      <m:dPr>
+                        <m:ctrlPr>
+                          <a:rPr lang="pt-BR" altLang="zh-TW" i="1" smtClean="0">
+                            <a:latin typeface="Cambria Math" panose="02040503050406030204" pitchFamily="18" charset="0"/>
+                          </a:rPr>
+                        </m:ctrlPr>
+                      </m:dPr>
+                      <m:e>
+                        <m:sSub>
+                          <m:sSubPr>
+                            <m:ctrlPr>
+                              <a:rPr lang="pt-BR" altLang="zh-TW" i="1" smtClean="0">
+                                <a:latin typeface="Cambria Math" panose="02040503050406030204" pitchFamily="18" charset="0"/>
+                              </a:rPr>
+                            </m:ctrlPr>
+                          </m:sSubPr>
+                          <m:e>
+                            <m:r>
+                              <a:rPr lang="en-US" altLang="zh-TW" b="0" i="1" smtClean="0">
+                                <a:latin typeface="Cambria Math" panose="02040503050406030204" pitchFamily="18" charset="0"/>
+                              </a:rPr>
+                              <m:t>𝐶</m:t>
+                            </m:r>
+                          </m:e>
+                          <m:sub>
+                            <m:r>
+                              <a:rPr lang="en-US" altLang="zh-TW" b="0" i="1" smtClean="0">
+                                <a:latin typeface="Cambria Math" panose="02040503050406030204" pitchFamily="18" charset="0"/>
+                              </a:rPr>
+                              <m:t>𝑖</m:t>
+                            </m:r>
+                          </m:sub>
+                        </m:sSub>
+                      </m:e>
+                    </m:d>
+                    <m:r>
+                      <a:rPr lang="pt-BR" altLang="zh-TW" i="1" smtClean="0">
+                        <a:latin typeface="Cambria Math" panose="02040503050406030204" pitchFamily="18" charset="0"/>
+                      </a:rPr>
+                      <m:t>=</m:t>
+                    </m:r>
+                    <m:f>
+                      <m:fPr>
+                        <m:ctrlPr>
+                          <a:rPr lang="pt-BR" altLang="zh-TW" i="1" smtClean="0">
+                            <a:latin typeface="Cambria Math" panose="02040503050406030204" pitchFamily="18" charset="0"/>
+                          </a:rPr>
+                        </m:ctrlPr>
+                      </m:fPr>
+                      <m:num>
+                        <m:r>
+                          <m:rPr>
+                            <m:nor/>
+                          </m:rPr>
+                          <a:rPr lang="en-US" altLang="zh-TW" b="0" i="1" smtClean="0">
+                            <a:latin typeface="Cambria Math" panose="02040503050406030204" pitchFamily="18" charset="0"/>
+                          </a:rPr>
+                          <m:t>f</m:t>
+                        </m:r>
+                        <m:d>
+                          <m:dPr>
+                            <m:ctrlPr>
+                              <a:rPr lang="pt-BR" altLang="zh-TW" i="1">
+                                <a:latin typeface="Cambria Math" panose="02040503050406030204" pitchFamily="18" charset="0"/>
+                              </a:rPr>
+                            </m:ctrlPr>
+                          </m:dPr>
+                          <m:e>
+                            <m:sSub>
+                              <m:sSubPr>
+                                <m:ctrlPr>
+                                  <a:rPr lang="pt-BR" altLang="zh-TW" i="1">
+                                    <a:latin typeface="Cambria Math" panose="02040503050406030204" pitchFamily="18" charset="0"/>
+                                  </a:rPr>
+                                </m:ctrlPr>
+                              </m:sSubPr>
+                              <m:e>
+                                <m:r>
+                                  <a:rPr lang="en-US" altLang="zh-TW" b="0" i="1" smtClean="0">
+                                    <a:latin typeface="Cambria Math" panose="02040503050406030204" pitchFamily="18" charset="0"/>
+                                  </a:rPr>
+                                  <m:t>𝐶</m:t>
+                                </m:r>
+                              </m:e>
+                              <m:sub>
+                                <m:r>
+                                  <a:rPr lang="en-US" altLang="zh-TW" i="1">
+                                    <a:latin typeface="Cambria Math" panose="02040503050406030204" pitchFamily="18" charset="0"/>
+                                  </a:rPr>
+                                  <m:t>𝑖</m:t>
+                                </m:r>
+                              </m:sub>
+                            </m:sSub>
+                          </m:e>
+                        </m:d>
+                      </m:num>
+                      <m:den>
+                        <m:nary>
+                          <m:naryPr>
+                            <m:chr m:val="∑"/>
+                            <m:ctrlPr>
+                              <a:rPr lang="zh-TW" altLang="en-US" i="1">
+                                <a:latin typeface="Cambria Math" panose="02040503050406030204" pitchFamily="18" charset="0"/>
+                              </a:rPr>
+                            </m:ctrlPr>
+                          </m:naryPr>
+                          <m:sub>
+                            <m:r>
+                              <m:rPr>
+                                <m:brk m:alnAt="23"/>
+                              </m:rPr>
+                              <a:rPr lang="en-US" altLang="zh-TW" i="1">
+                                <a:latin typeface="Cambria Math" panose="02040503050406030204" pitchFamily="18" charset="0"/>
+                              </a:rPr>
+                              <m:t>𝑗</m:t>
+                            </m:r>
+                            <m:r>
+                              <a:rPr lang="en-US" altLang="zh-TW" i="1">
+                                <a:latin typeface="Cambria Math" panose="02040503050406030204" pitchFamily="18" charset="0"/>
+                              </a:rPr>
+                              <m:t>=</m:t>
+                            </m:r>
+                            <m:r>
+                              <a:rPr lang="en-US" altLang="zh-TW" b="0" i="1" smtClean="0">
+                                <a:latin typeface="Cambria Math" panose="02040503050406030204" pitchFamily="18" charset="0"/>
+                              </a:rPr>
+                              <m:t>1</m:t>
+                            </m:r>
+                          </m:sub>
+                          <m:sup>
+                            <m:r>
+                              <m:rPr>
+                                <m:sty m:val="p"/>
+                              </m:rPr>
+                              <a:rPr lang="en-US" altLang="zh-TW" i="1" smtClean="0">
+                                <a:latin typeface="Cambria Math" panose="02040503050406030204" pitchFamily="18" charset="0"/>
+                              </a:rPr>
+                              <m:t>N</m:t>
+                            </m:r>
+                          </m:sup>
+                          <m:e>
+                            <m:r>
+                              <a:rPr lang="en-US" altLang="zh-TW" i="1">
+                                <a:latin typeface="Cambria Math" panose="02040503050406030204" pitchFamily="18" charset="0"/>
+                              </a:rPr>
+                              <m:t>𝑓</m:t>
+                            </m:r>
+                            <m:d>
+                              <m:dPr>
+                                <m:ctrlPr>
+                                  <a:rPr lang="pt-BR" altLang="zh-TW" i="1">
+                                    <a:latin typeface="Cambria Math" panose="02040503050406030204" pitchFamily="18" charset="0"/>
+                                  </a:rPr>
+                                </m:ctrlPr>
+                              </m:dPr>
+                              <m:e>
+                                <m:sSub>
+                                  <m:sSubPr>
+                                    <m:ctrlPr>
+                                      <a:rPr lang="pt-BR" altLang="zh-TW" i="1">
+                                        <a:latin typeface="Cambria Math" panose="02040503050406030204" pitchFamily="18" charset="0"/>
+                                      </a:rPr>
+                                    </m:ctrlPr>
+                                  </m:sSubPr>
+                                  <m:e>
+                                    <m:r>
+                                      <a:rPr lang="en-US" altLang="zh-TW" b="0" i="1" smtClean="0">
+                                        <a:latin typeface="Cambria Math" panose="02040503050406030204" pitchFamily="18" charset="0"/>
+                                      </a:rPr>
+                                      <m:t>𝐶</m:t>
+                                    </m:r>
+                                  </m:e>
+                                  <m:sub>
+                                    <m:r>
+                                      <a:rPr lang="en-US" altLang="zh-TW" i="1">
+                                        <a:latin typeface="Cambria Math" panose="02040503050406030204" pitchFamily="18" charset="0"/>
+                                      </a:rPr>
+                                      <m:t>𝑗</m:t>
+                                    </m:r>
+                                  </m:sub>
+                                </m:sSub>
+                              </m:e>
+                            </m:d>
+                          </m:e>
+                        </m:nary>
+                        <m:r>
+                          <m:rPr>
+                            <m:nor/>
+                          </m:rPr>
+                          <a:rPr lang="zh-TW" altLang="en-US" dirty="0"/>
+                          <m:t> </m:t>
+                        </m:r>
+                      </m:den>
+                    </m:f>
+                  </m:oMath>
+                </a14:m>
+                <a:endParaRPr lang="zh-TW" altLang="en-US" sz="2000" i="1" dirty="0">
+                  <a:latin typeface="Times New Roman" panose="02020603050405020304" pitchFamily="18" charset="0"/>
+                  <a:cs typeface="Times New Roman" panose="02020603050405020304" pitchFamily="18" charset="0"/>
+                </a:endParaRPr>
+              </a:p>
+            </p:txBody>
+          </p:sp>
+        </mc:Choice>
+        <mc:Fallback>
+          <p:sp>
+            <p:nvSpPr>
+              <p:cNvPr id="22" name="文字方塊 21"/>
+              <p:cNvSpPr txBox="1">
+                <a:spLocks noRot="1" noChangeAspect="1" noMove="1" noResize="1" noEditPoints="1" noAdjustHandles="1" noChangeArrowheads="1" noChangeShapeType="1" noTextEdit="1"/>
+              </p:cNvSpPr>
+              <p:nvPr/>
+            </p:nvSpPr>
+            <p:spPr>
+              <a:xfrm>
+                <a:off x="1062504" y="3479724"/>
+                <a:ext cx="2306896" cy="532710"/>
+              </a:xfrm>
+              <a:prstGeom prst="rect">
+                <a:avLst/>
+              </a:prstGeom>
+              <a:blipFill>
+                <a:blip r:embed="rId6"/>
+                <a:stretch>
+                  <a:fillRect l="-6596" b="-2299"/>
+                </a:stretch>
+              </a:blipFill>
+            </p:spPr>
+            <p:txBody>
+              <a:bodyPr/>
+              <a:lstStyle/>
+              <a:p>
+                <a:r>
+                  <a:rPr lang="zh-TW" altLang="en-US">
+                    <a:noFill/>
+                  </a:rPr>
+                  <a:t> </a:t>
+                </a:r>
+              </a:p>
+            </p:txBody>
+          </p:sp>
+        </mc:Fallback>
+      </mc:AlternateContent>
+      <p:sp>
+        <p:nvSpPr>
+          <p:cNvPr id="25" name="矩形 24"/>
+          <p:cNvSpPr/>
+          <p:nvPr/>
+        </p:nvSpPr>
+        <p:spPr>
+          <a:xfrm>
+            <a:off x="932699" y="2767370"/>
+            <a:ext cx="2698175" cy="307777"/>
+          </a:xfrm>
+          <a:prstGeom prst="rect">
+            <a:avLst/>
+          </a:prstGeom>
+        </p:spPr>
+        <p:txBody>
+          <a:bodyPr wrap="none">
+            <a:spAutoFit/>
+          </a:bodyPr>
+          <a:lstStyle/>
+          <a:p>
+            <a:r>
+              <a:rPr lang="zh-TW" altLang="en-US" sz="1400" dirty="0">
+                <a:solidFill>
+                  <a:srgbClr val="FF0000"/>
+                </a:solidFill>
+                <a:latin typeface="微軟正黑體" panose="020B0604030504040204" pitchFamily="34" charset="-120"/>
+                <a:ea typeface="微軟正黑體" panose="020B0604030504040204" pitchFamily="34" charset="-120"/>
+              </a:rPr>
+              <a:t>計算出每個</a:t>
+            </a:r>
+            <a:r>
+              <a:rPr lang="zh-TW" altLang="en-US" sz="1400" dirty="0" smtClean="0">
+                <a:solidFill>
+                  <a:srgbClr val="FF0000"/>
+                </a:solidFill>
+                <a:latin typeface="微軟正黑體" panose="020B0604030504040204" pitchFamily="34" charset="-120"/>
+                <a:ea typeface="微軟正黑體" panose="020B0604030504040204" pitchFamily="34" charset="-120"/>
+              </a:rPr>
+              <a:t>個體</a:t>
+            </a:r>
+            <a:r>
+              <a:rPr lang="zh-TW" altLang="en-US" sz="1400" dirty="0">
+                <a:solidFill>
+                  <a:srgbClr val="FF0000"/>
+                </a:solidFill>
+                <a:latin typeface="微軟正黑體" panose="020B0604030504040204" pitchFamily="34" charset="-120"/>
+                <a:ea typeface="微軟正黑體" panose="020B0604030504040204" pitchFamily="34" charset="-120"/>
+              </a:rPr>
+              <a:t>在</a:t>
+            </a:r>
+            <a:r>
+              <a:rPr lang="zh-TW" altLang="en-US" sz="1400" dirty="0" smtClean="0">
+                <a:solidFill>
+                  <a:srgbClr val="FF0000"/>
+                </a:solidFill>
+                <a:latin typeface="微軟正黑體" panose="020B0604030504040204" pitchFamily="34" charset="-120"/>
+                <a:ea typeface="微軟正黑體" panose="020B0604030504040204" pitchFamily="34" charset="-120"/>
+              </a:rPr>
+              <a:t>群體中的</a:t>
+            </a:r>
+            <a:r>
+              <a:rPr lang="zh-TW" altLang="en-US" sz="1400" dirty="0">
+                <a:solidFill>
+                  <a:srgbClr val="FF0000"/>
+                </a:solidFill>
+                <a:latin typeface="微軟正黑體" panose="020B0604030504040204" pitchFamily="34" charset="-120"/>
+                <a:ea typeface="微軟正黑體" panose="020B0604030504040204" pitchFamily="34" charset="-120"/>
+              </a:rPr>
+              <a:t>機</a:t>
+            </a:r>
+            <a:r>
+              <a:rPr lang="zh-TW" altLang="en-US" sz="1400" dirty="0" smtClean="0">
+                <a:solidFill>
+                  <a:srgbClr val="FF0000"/>
+                </a:solidFill>
+                <a:latin typeface="微軟正黑體" panose="020B0604030504040204" pitchFamily="34" charset="-120"/>
+                <a:ea typeface="微軟正黑體" panose="020B0604030504040204" pitchFamily="34" charset="-120"/>
+              </a:rPr>
+              <a:t>率</a:t>
+            </a:r>
+            <a:endParaRPr lang="en-US" altLang="zh-TW" sz="1400" dirty="0" smtClean="0">
+              <a:solidFill>
+                <a:srgbClr val="FF0000"/>
+              </a:solidFill>
+              <a:latin typeface="微軟正黑體" panose="020B0604030504040204" pitchFamily="34" charset="-120"/>
+              <a:ea typeface="微軟正黑體" panose="020B0604030504040204" pitchFamily="34" charset="-120"/>
+            </a:endParaRPr>
+          </a:p>
+        </p:txBody>
+      </p:sp>
+      <mc:AlternateContent xmlns:mc="http://schemas.openxmlformats.org/markup-compatibility/2006">
+        <mc:Choice xmlns:a14="http://schemas.microsoft.com/office/drawing/2010/main" Requires="a14">
+          <p:sp>
+            <p:nvSpPr>
+              <p:cNvPr id="26" name="矩形 25"/>
+              <p:cNvSpPr/>
+              <p:nvPr/>
+            </p:nvSpPr>
+            <p:spPr>
+              <a:xfrm>
+                <a:off x="4136507" y="2471334"/>
+                <a:ext cx="2812245" cy="397994"/>
+              </a:xfrm>
+              <a:prstGeom prst="rect">
+                <a:avLst/>
+              </a:prstGeom>
+            </p:spPr>
+            <p:txBody>
+              <a:bodyPr wrap="none">
+                <a:spAutoFit/>
+              </a:bodyPr>
+              <a:lstStyle/>
+              <a:p>
+                <a:r>
+                  <a:rPr lang="pt-BR" altLang="zh-TW" sz="1600" i="1" dirty="0" smtClean="0">
+                    <a:latin typeface="Times New Roman" panose="02020603050405020304" pitchFamily="18" charset="0"/>
+                    <a:cs typeface="Times New Roman" panose="02020603050405020304" pitchFamily="18" charset="0"/>
+                  </a:rPr>
+                  <a:t>p</a:t>
+                </a:r>
+                <a14:m>
+                  <m:oMath xmlns:m="http://schemas.openxmlformats.org/officeDocument/2006/math">
+                    <m:d>
+                      <m:dPr>
+                        <m:ctrlPr>
+                          <a:rPr lang="pt-BR" altLang="zh-TW" sz="1400" i="1">
+                            <a:latin typeface="Cambria Math" panose="02040503050406030204" pitchFamily="18" charset="0"/>
+                          </a:rPr>
+                        </m:ctrlPr>
+                      </m:dPr>
+                      <m:e>
+                        <m:sSub>
+                          <m:sSubPr>
+                            <m:ctrlPr>
+                              <a:rPr lang="pt-BR" altLang="zh-TW" sz="1400" i="1" smtClean="0">
+                                <a:latin typeface="Cambria Math" panose="02040503050406030204" pitchFamily="18" charset="0"/>
+                              </a:rPr>
+                            </m:ctrlPr>
+                          </m:sSubPr>
+                          <m:e>
+                            <m:r>
+                              <a:rPr lang="en-US" altLang="zh-TW" sz="1400" b="0" i="1" smtClean="0">
+                                <a:latin typeface="Cambria Math" panose="02040503050406030204" pitchFamily="18" charset="0"/>
+                              </a:rPr>
+                              <m:t>𝐶</m:t>
+                            </m:r>
+                          </m:e>
+                          <m:sub>
+                            <m:r>
+                              <a:rPr lang="en-US" altLang="zh-TW" sz="1400" b="0" i="1" smtClean="0">
+                                <a:latin typeface="Cambria Math" panose="02040503050406030204" pitchFamily="18" charset="0"/>
+                              </a:rPr>
+                              <m:t>1</m:t>
+                            </m:r>
+                          </m:sub>
+                        </m:sSub>
+                      </m:e>
+                    </m:d>
+                    <m:r>
+                      <a:rPr lang="en-US" altLang="zh-TW" sz="1400" b="0" i="1" smtClean="0">
+                        <a:latin typeface="Cambria Math" panose="02040503050406030204" pitchFamily="18" charset="0"/>
+                      </a:rPr>
+                      <m:t>= </m:t>
+                    </m:r>
+                    <m:f>
+                      <m:fPr>
+                        <m:ctrlPr>
+                          <a:rPr lang="en-US" altLang="zh-TW" sz="1400" b="0" i="1" smtClean="0">
+                            <a:latin typeface="Cambria Math" panose="02040503050406030204" pitchFamily="18" charset="0"/>
+                          </a:rPr>
+                        </m:ctrlPr>
+                      </m:fPr>
+                      <m:num>
+                        <m:r>
+                          <a:rPr lang="en-US" altLang="zh-TW" sz="1400" b="0" i="1" smtClean="0">
+                            <a:latin typeface="Cambria Math" panose="02040503050406030204" pitchFamily="18" charset="0"/>
+                          </a:rPr>
+                          <m:t>14</m:t>
+                        </m:r>
+                      </m:num>
+                      <m:den>
+                        <m:r>
+                          <a:rPr lang="en-US" altLang="zh-TW" sz="1400" i="1">
+                            <a:latin typeface="Cambria Math" panose="02040503050406030204" pitchFamily="18" charset="0"/>
+                          </a:rPr>
+                          <m:t>14</m:t>
+                        </m:r>
+                        <m:r>
+                          <a:rPr lang="en-US" altLang="zh-TW" sz="1400" i="1">
+                            <a:latin typeface="Cambria Math" panose="02040503050406030204" pitchFamily="18" charset="0"/>
+                          </a:rPr>
+                          <m:t>+</m:t>
+                        </m:r>
+                        <m:r>
+                          <a:rPr lang="en-US" altLang="zh-TW" sz="1400" i="1">
+                            <a:latin typeface="Cambria Math" panose="02040503050406030204" pitchFamily="18" charset="0"/>
+                          </a:rPr>
+                          <m:t>13+5+28</m:t>
+                        </m:r>
+                      </m:den>
+                    </m:f>
+                    <m:r>
+                      <a:rPr lang="en-US" altLang="zh-TW" sz="1400" b="0" i="1" smtClean="0">
+                        <a:latin typeface="Cambria Math" panose="02040503050406030204" pitchFamily="18" charset="0"/>
+                      </a:rPr>
+                      <m:t>= </m:t>
+                    </m:r>
+                    <m:f>
+                      <m:fPr>
+                        <m:ctrlPr>
+                          <a:rPr lang="en-US" altLang="zh-TW" sz="1400" b="0" i="1" smtClean="0">
+                            <a:latin typeface="Cambria Math" panose="02040503050406030204" pitchFamily="18" charset="0"/>
+                          </a:rPr>
+                        </m:ctrlPr>
+                      </m:fPr>
+                      <m:num>
+                        <m:r>
+                          <a:rPr lang="en-US" altLang="zh-TW" sz="1400" b="0" i="1" smtClean="0">
+                            <a:latin typeface="Cambria Math" panose="02040503050406030204" pitchFamily="18" charset="0"/>
+                          </a:rPr>
+                          <m:t>14</m:t>
+                        </m:r>
+                      </m:num>
+                      <m:den>
+                        <m:r>
+                          <a:rPr lang="en-US" altLang="zh-TW" sz="1400" b="0" i="1" smtClean="0">
+                            <a:latin typeface="Cambria Math" panose="02040503050406030204" pitchFamily="18" charset="0"/>
+                          </a:rPr>
+                          <m:t>60</m:t>
+                        </m:r>
+                      </m:den>
+                    </m:f>
+                    <m:r>
+                      <a:rPr lang="en-US" altLang="zh-TW" sz="1400" b="0" i="1" smtClean="0">
+                        <a:latin typeface="Cambria Math" panose="02040503050406030204" pitchFamily="18" charset="0"/>
+                      </a:rPr>
+                      <m:t>   </m:t>
+                    </m:r>
+                    <m:r>
+                      <a:rPr lang="en-US" altLang="zh-TW" sz="1400" i="1">
+                        <a:latin typeface="Cambria Math" panose="02040503050406030204" pitchFamily="18" charset="0"/>
+                      </a:rPr>
+                      <m:t>≒</m:t>
+                    </m:r>
+                    <m:r>
+                      <a:rPr lang="en-US" altLang="zh-TW" sz="1400" b="0" i="1" smtClean="0">
+                        <a:latin typeface="Cambria Math" panose="02040503050406030204" pitchFamily="18" charset="0"/>
+                      </a:rPr>
+                      <m:t>0.23</m:t>
+                    </m:r>
+                  </m:oMath>
+                </a14:m>
+                <a:endParaRPr lang="zh-TW" altLang="en-US" sz="1400" dirty="0"/>
+              </a:p>
+            </p:txBody>
+          </p:sp>
+        </mc:Choice>
+        <mc:Fallback>
+          <p:sp>
+            <p:nvSpPr>
+              <p:cNvPr id="26" name="矩形 25"/>
+              <p:cNvSpPr>
+                <a:spLocks noRot="1" noChangeAspect="1" noMove="1" noResize="1" noEditPoints="1" noAdjustHandles="1" noChangeArrowheads="1" noChangeShapeType="1" noTextEdit="1"/>
+              </p:cNvSpPr>
+              <p:nvPr/>
+            </p:nvSpPr>
+            <p:spPr>
+              <a:xfrm>
+                <a:off x="4136507" y="2471334"/>
+                <a:ext cx="2812245" cy="397994"/>
+              </a:xfrm>
+              <a:prstGeom prst="rect">
+                <a:avLst/>
+              </a:prstGeom>
+              <a:blipFill>
+                <a:blip r:embed="rId7"/>
+                <a:stretch>
+                  <a:fillRect l="-1302" b="-7576"/>
+                </a:stretch>
+              </a:blipFill>
+            </p:spPr>
+            <p:txBody>
+              <a:bodyPr/>
+              <a:lstStyle/>
+              <a:p>
+                <a:r>
+                  <a:rPr lang="zh-TW" altLang="en-US">
+                    <a:noFill/>
+                  </a:rPr>
+                  <a:t> </a:t>
+                </a:r>
+              </a:p>
+            </p:txBody>
+          </p:sp>
+        </mc:Fallback>
+      </mc:AlternateContent>
+      <mc:AlternateContent xmlns:mc="http://schemas.openxmlformats.org/markup-compatibility/2006">
+        <mc:Choice xmlns:a14="http://schemas.microsoft.com/office/drawing/2010/main" Requires="a14">
+          <p:sp>
+            <p:nvSpPr>
+              <p:cNvPr id="27" name="矩形 26"/>
+              <p:cNvSpPr/>
+              <p:nvPr/>
+            </p:nvSpPr>
+            <p:spPr>
+              <a:xfrm>
+                <a:off x="4136507" y="2951947"/>
+                <a:ext cx="2816412" cy="613886"/>
+              </a:xfrm>
+              <a:prstGeom prst="rect">
+                <a:avLst/>
+              </a:prstGeom>
+            </p:spPr>
+            <p:txBody>
+              <a:bodyPr wrap="none">
+                <a:spAutoFit/>
+              </a:bodyPr>
+              <a:lstStyle/>
+              <a:p>
+                <a:r>
+                  <a:rPr lang="pt-BR" altLang="zh-TW" sz="1600" i="1" dirty="0" smtClean="0">
+                    <a:latin typeface="Times New Roman" panose="02020603050405020304" pitchFamily="18" charset="0"/>
+                    <a:cs typeface="Times New Roman" panose="02020603050405020304" pitchFamily="18" charset="0"/>
+                  </a:rPr>
+                  <a:t>p</a:t>
+                </a:r>
+                <a14:m>
+                  <m:oMath xmlns:m="http://schemas.openxmlformats.org/officeDocument/2006/math">
+                    <m:d>
+                      <m:dPr>
+                        <m:ctrlPr>
+                          <a:rPr lang="pt-BR" altLang="zh-TW" sz="1400" i="1">
+                            <a:latin typeface="Cambria Math" panose="02040503050406030204" pitchFamily="18" charset="0"/>
+                          </a:rPr>
+                        </m:ctrlPr>
+                      </m:dPr>
+                      <m:e>
+                        <m:sSub>
+                          <m:sSubPr>
+                            <m:ctrlPr>
+                              <a:rPr lang="pt-BR" altLang="zh-TW" sz="1400" i="1" smtClean="0">
+                                <a:latin typeface="Cambria Math" panose="02040503050406030204" pitchFamily="18" charset="0"/>
+                              </a:rPr>
+                            </m:ctrlPr>
+                          </m:sSubPr>
+                          <m:e>
+                            <m:r>
+                              <a:rPr lang="en-US" altLang="zh-TW" sz="1400" b="0" i="1" smtClean="0">
+                                <a:latin typeface="Cambria Math" panose="02040503050406030204" pitchFamily="18" charset="0"/>
+                              </a:rPr>
+                              <m:t>𝐶</m:t>
+                            </m:r>
+                          </m:e>
+                          <m:sub>
+                            <m:r>
+                              <a:rPr lang="en-US" altLang="zh-TW" sz="1400" b="0" i="1" smtClean="0">
+                                <a:latin typeface="Cambria Math" panose="02040503050406030204" pitchFamily="18" charset="0"/>
+                              </a:rPr>
+                              <m:t>2</m:t>
+                            </m:r>
+                          </m:sub>
+                        </m:sSub>
+                      </m:e>
+                    </m:d>
+                    <m:r>
+                      <a:rPr lang="en-US" altLang="zh-TW" sz="1400" b="0" i="1" smtClean="0">
+                        <a:latin typeface="Cambria Math" panose="02040503050406030204" pitchFamily="18" charset="0"/>
+                      </a:rPr>
+                      <m:t>= </m:t>
+                    </m:r>
+                    <m:f>
+                      <m:fPr>
+                        <m:ctrlPr>
+                          <a:rPr lang="en-US" altLang="zh-TW" sz="1400" b="0" i="1" smtClean="0">
+                            <a:latin typeface="Cambria Math" panose="02040503050406030204" pitchFamily="18" charset="0"/>
+                          </a:rPr>
+                        </m:ctrlPr>
+                      </m:fPr>
+                      <m:num>
+                        <m:r>
+                          <a:rPr lang="en-US" altLang="zh-TW" sz="1400" b="0" i="1" smtClean="0">
+                            <a:latin typeface="Cambria Math" panose="02040503050406030204" pitchFamily="18" charset="0"/>
+                          </a:rPr>
+                          <m:t>13</m:t>
+                        </m:r>
+                      </m:num>
+                      <m:den>
+                        <m:r>
+                          <a:rPr lang="en-US" altLang="zh-TW" sz="1400" i="1">
+                            <a:latin typeface="Cambria Math" panose="02040503050406030204" pitchFamily="18" charset="0"/>
+                          </a:rPr>
+                          <m:t>14</m:t>
+                        </m:r>
+                        <m:r>
+                          <a:rPr lang="en-US" altLang="zh-TW" sz="1400" i="1">
+                            <a:latin typeface="Cambria Math" panose="02040503050406030204" pitchFamily="18" charset="0"/>
+                          </a:rPr>
+                          <m:t>+</m:t>
+                        </m:r>
+                        <m:r>
+                          <a:rPr lang="en-US" altLang="zh-TW" sz="1400" i="1">
+                            <a:latin typeface="Cambria Math" panose="02040503050406030204" pitchFamily="18" charset="0"/>
+                          </a:rPr>
+                          <m:t>13+5+28</m:t>
+                        </m:r>
+                      </m:den>
+                    </m:f>
+                    <m:r>
+                      <a:rPr lang="en-US" altLang="zh-TW" sz="1400" b="0" i="1" smtClean="0">
+                        <a:latin typeface="Cambria Math" panose="02040503050406030204" pitchFamily="18" charset="0"/>
+                      </a:rPr>
+                      <m:t>= </m:t>
+                    </m:r>
+                    <m:f>
+                      <m:fPr>
+                        <m:ctrlPr>
+                          <a:rPr lang="en-US" altLang="zh-TW" sz="1400" b="0" i="1" smtClean="0">
+                            <a:latin typeface="Cambria Math" panose="02040503050406030204" pitchFamily="18" charset="0"/>
+                          </a:rPr>
+                        </m:ctrlPr>
+                      </m:fPr>
+                      <m:num>
+                        <m:r>
+                          <a:rPr lang="en-US" altLang="zh-TW" sz="1400" b="0" i="1" smtClean="0">
+                            <a:latin typeface="Cambria Math" panose="02040503050406030204" pitchFamily="18" charset="0"/>
+                          </a:rPr>
+                          <m:t>13</m:t>
+                        </m:r>
+                      </m:num>
+                      <m:den>
+                        <m:r>
+                          <a:rPr lang="en-US" altLang="zh-TW" sz="1400" b="0" i="1" smtClean="0">
+                            <a:latin typeface="Cambria Math" panose="02040503050406030204" pitchFamily="18" charset="0"/>
+                          </a:rPr>
+                          <m:t>60</m:t>
+                        </m:r>
+                      </m:den>
+                    </m:f>
+                    <m:r>
+                      <a:rPr lang="en-US" altLang="zh-TW" sz="1400" b="0" i="1" smtClean="0">
+                        <a:latin typeface="Cambria Math" panose="02040503050406030204" pitchFamily="18" charset="0"/>
+                      </a:rPr>
+                      <m:t>   </m:t>
+                    </m:r>
+                    <m:r>
+                      <a:rPr lang="en-US" altLang="zh-TW" sz="1400" i="1">
+                        <a:latin typeface="Cambria Math" panose="02040503050406030204" pitchFamily="18" charset="0"/>
+                      </a:rPr>
+                      <m:t>≒0.2</m:t>
+                    </m:r>
+                    <m:r>
+                      <a:rPr lang="en-US" altLang="zh-TW" sz="1400" b="0" i="1" smtClean="0">
+                        <a:latin typeface="Cambria Math" panose="02040503050406030204" pitchFamily="18" charset="0"/>
+                      </a:rPr>
+                      <m:t>2</m:t>
+                    </m:r>
+                  </m:oMath>
+                </a14:m>
+                <a:endParaRPr lang="zh-TW" altLang="en-US" sz="1400" dirty="0"/>
+              </a:p>
+              <a:p>
+                <a:endParaRPr lang="zh-TW" altLang="en-US" sz="1400" dirty="0"/>
+              </a:p>
+            </p:txBody>
+          </p:sp>
+        </mc:Choice>
+        <mc:Fallback>
+          <p:sp>
+            <p:nvSpPr>
+              <p:cNvPr id="27" name="矩形 26"/>
+              <p:cNvSpPr>
+                <a:spLocks noRot="1" noChangeAspect="1" noMove="1" noResize="1" noEditPoints="1" noAdjustHandles="1" noChangeArrowheads="1" noChangeShapeType="1" noTextEdit="1"/>
+              </p:cNvSpPr>
+              <p:nvPr/>
+            </p:nvSpPr>
+            <p:spPr>
+              <a:xfrm>
+                <a:off x="4136507" y="2951947"/>
+                <a:ext cx="2816412" cy="613886"/>
+              </a:xfrm>
+              <a:prstGeom prst="rect">
+                <a:avLst/>
+              </a:prstGeom>
+              <a:blipFill>
+                <a:blip r:embed="rId8"/>
+                <a:stretch>
+                  <a:fillRect l="-1299"/>
+                </a:stretch>
+              </a:blipFill>
+            </p:spPr>
+            <p:txBody>
+              <a:bodyPr/>
+              <a:lstStyle/>
+              <a:p>
+                <a:r>
+                  <a:rPr lang="zh-TW" altLang="en-US">
+                    <a:noFill/>
+                  </a:rPr>
+                  <a:t> </a:t>
+                </a:r>
+              </a:p>
+            </p:txBody>
+          </p:sp>
+        </mc:Fallback>
+      </mc:AlternateContent>
+      <mc:AlternateContent xmlns:mc="http://schemas.openxmlformats.org/markup-compatibility/2006">
+        <mc:Choice xmlns:a14="http://schemas.microsoft.com/office/drawing/2010/main" Requires="a14">
+          <p:sp>
+            <p:nvSpPr>
+              <p:cNvPr id="28" name="矩形 27"/>
+              <p:cNvSpPr/>
+              <p:nvPr/>
+            </p:nvSpPr>
+            <p:spPr>
+              <a:xfrm>
+                <a:off x="4136507" y="3432560"/>
+                <a:ext cx="2806602" cy="401520"/>
+              </a:xfrm>
+              <a:prstGeom prst="rect">
+                <a:avLst/>
+              </a:prstGeom>
+            </p:spPr>
+            <p:txBody>
+              <a:bodyPr wrap="none">
+                <a:spAutoFit/>
+              </a:bodyPr>
+              <a:lstStyle/>
+              <a:p>
+                <a:r>
+                  <a:rPr lang="pt-BR" altLang="zh-TW" sz="1600" i="1" dirty="0" smtClean="0">
+                    <a:latin typeface="Times New Roman" panose="02020603050405020304" pitchFamily="18" charset="0"/>
+                    <a:cs typeface="Times New Roman" panose="02020603050405020304" pitchFamily="18" charset="0"/>
+                  </a:rPr>
+                  <a:t>p</a:t>
+                </a:r>
+                <a14:m>
+                  <m:oMath xmlns:m="http://schemas.openxmlformats.org/officeDocument/2006/math">
+                    <m:d>
+                      <m:dPr>
+                        <m:ctrlPr>
+                          <a:rPr lang="pt-BR" altLang="zh-TW" sz="1400" i="1">
+                            <a:latin typeface="Cambria Math" panose="02040503050406030204" pitchFamily="18" charset="0"/>
+                          </a:rPr>
+                        </m:ctrlPr>
+                      </m:dPr>
+                      <m:e>
+                        <m:sSub>
+                          <m:sSubPr>
+                            <m:ctrlPr>
+                              <a:rPr lang="pt-BR" altLang="zh-TW" sz="1400" i="1">
+                                <a:latin typeface="Cambria Math" panose="02040503050406030204" pitchFamily="18" charset="0"/>
+                              </a:rPr>
+                            </m:ctrlPr>
+                          </m:sSubPr>
+                          <m:e>
+                            <m:r>
+                              <a:rPr lang="en-US" altLang="zh-TW" sz="1400" b="0" i="1" smtClean="0">
+                                <a:latin typeface="Cambria Math" panose="02040503050406030204" pitchFamily="18" charset="0"/>
+                              </a:rPr>
+                              <m:t>𝐶</m:t>
+                            </m:r>
+                          </m:e>
+                          <m:sub>
+                            <m:r>
+                              <a:rPr lang="en-US" altLang="zh-TW" sz="1400" b="0" i="1" smtClean="0">
+                                <a:latin typeface="Cambria Math" panose="02040503050406030204" pitchFamily="18" charset="0"/>
+                              </a:rPr>
+                              <m:t>3</m:t>
+                            </m:r>
+                          </m:sub>
+                        </m:sSub>
+                      </m:e>
+                    </m:d>
+                    <m:r>
+                      <a:rPr lang="en-US" altLang="zh-TW" sz="1400" b="0" i="1" smtClean="0">
+                        <a:latin typeface="Cambria Math" panose="02040503050406030204" pitchFamily="18" charset="0"/>
+                      </a:rPr>
+                      <m:t>= </m:t>
+                    </m:r>
+                    <m:f>
+                      <m:fPr>
+                        <m:ctrlPr>
+                          <a:rPr lang="en-US" altLang="zh-TW" sz="1400" b="0" i="1" smtClean="0">
+                            <a:latin typeface="Cambria Math" panose="02040503050406030204" pitchFamily="18" charset="0"/>
+                          </a:rPr>
+                        </m:ctrlPr>
+                      </m:fPr>
+                      <m:num>
+                        <m:r>
+                          <a:rPr lang="en-US" altLang="zh-TW" sz="1400" b="0" i="1" smtClean="0">
+                            <a:latin typeface="Cambria Math" panose="02040503050406030204" pitchFamily="18" charset="0"/>
+                          </a:rPr>
+                          <m:t>5</m:t>
+                        </m:r>
+                      </m:num>
+                      <m:den>
+                        <m:r>
+                          <a:rPr lang="en-US" altLang="zh-TW" sz="1400" i="1">
+                            <a:latin typeface="Cambria Math" panose="02040503050406030204" pitchFamily="18" charset="0"/>
+                          </a:rPr>
+                          <m:t>14</m:t>
+                        </m:r>
+                        <m:r>
+                          <a:rPr lang="en-US" altLang="zh-TW" sz="1400" i="1">
+                            <a:latin typeface="Cambria Math" panose="02040503050406030204" pitchFamily="18" charset="0"/>
+                          </a:rPr>
+                          <m:t>+</m:t>
+                        </m:r>
+                        <m:r>
+                          <a:rPr lang="en-US" altLang="zh-TW" sz="1400" i="1">
+                            <a:latin typeface="Cambria Math" panose="02040503050406030204" pitchFamily="18" charset="0"/>
+                          </a:rPr>
+                          <m:t>13+5+28</m:t>
+                        </m:r>
+                      </m:den>
+                    </m:f>
+                    <m:r>
+                      <a:rPr lang="en-US" altLang="zh-TW" sz="1400" b="0" i="1" smtClean="0">
+                        <a:latin typeface="Cambria Math" panose="02040503050406030204" pitchFamily="18" charset="0"/>
+                      </a:rPr>
+                      <m:t>= </m:t>
+                    </m:r>
+                    <m:f>
+                      <m:fPr>
+                        <m:ctrlPr>
+                          <a:rPr lang="en-US" altLang="zh-TW" sz="1400" b="0" i="1" smtClean="0">
+                            <a:latin typeface="Cambria Math" panose="02040503050406030204" pitchFamily="18" charset="0"/>
+                          </a:rPr>
+                        </m:ctrlPr>
+                      </m:fPr>
+                      <m:num>
+                        <m:r>
+                          <a:rPr lang="en-US" altLang="zh-TW" sz="1400" b="0" i="1" smtClean="0">
+                            <a:latin typeface="Cambria Math" panose="02040503050406030204" pitchFamily="18" charset="0"/>
+                          </a:rPr>
+                          <m:t>5</m:t>
+                        </m:r>
+                      </m:num>
+                      <m:den>
+                        <m:r>
+                          <a:rPr lang="en-US" altLang="zh-TW" sz="1400" b="0" i="1" smtClean="0">
+                            <a:latin typeface="Cambria Math" panose="02040503050406030204" pitchFamily="18" charset="0"/>
+                          </a:rPr>
+                          <m:t>60</m:t>
+                        </m:r>
+                      </m:den>
+                    </m:f>
+                  </m:oMath>
+                </a14:m>
+                <a:r>
+                  <a:rPr lang="zh-TW" altLang="en-US" sz="1400" dirty="0" smtClean="0"/>
+                  <a:t>   </a:t>
+                </a:r>
+                <a14:m>
+                  <m:oMath xmlns:m="http://schemas.openxmlformats.org/officeDocument/2006/math">
+                    <m:r>
+                      <a:rPr lang="en-US" altLang="zh-TW" sz="1400" b="0" i="0" smtClean="0">
+                        <a:latin typeface="Cambria Math" panose="02040503050406030204" pitchFamily="18" charset="0"/>
+                      </a:rPr>
+                      <m:t> </m:t>
+                    </m:r>
+                    <m:r>
+                      <a:rPr lang="en-US" altLang="zh-TW" sz="1400" i="1">
+                        <a:latin typeface="Cambria Math" panose="02040503050406030204" pitchFamily="18" charset="0"/>
+                      </a:rPr>
+                      <m:t>≒0.</m:t>
+                    </m:r>
+                    <m:r>
+                      <a:rPr lang="en-US" altLang="zh-TW" sz="1400" b="0" i="1" smtClean="0">
+                        <a:latin typeface="Cambria Math" panose="02040503050406030204" pitchFamily="18" charset="0"/>
+                      </a:rPr>
+                      <m:t>08</m:t>
+                    </m:r>
+                  </m:oMath>
+                </a14:m>
+                <a:endParaRPr lang="zh-TW" altLang="en-US" sz="1400" dirty="0"/>
+              </a:p>
+            </p:txBody>
+          </p:sp>
+        </mc:Choice>
+        <mc:Fallback>
+          <p:sp>
+            <p:nvSpPr>
+              <p:cNvPr id="28" name="矩形 27"/>
+              <p:cNvSpPr>
+                <a:spLocks noRot="1" noChangeAspect="1" noMove="1" noResize="1" noEditPoints="1" noAdjustHandles="1" noChangeArrowheads="1" noChangeShapeType="1" noTextEdit="1"/>
+              </p:cNvSpPr>
+              <p:nvPr/>
+            </p:nvSpPr>
+            <p:spPr>
+              <a:xfrm>
+                <a:off x="4136507" y="3432560"/>
+                <a:ext cx="2806602" cy="401520"/>
+              </a:xfrm>
+              <a:prstGeom prst="rect">
+                <a:avLst/>
+              </a:prstGeom>
+              <a:blipFill>
+                <a:blip r:embed="rId9"/>
+                <a:stretch>
+                  <a:fillRect l="-1304" b="-7576"/>
+                </a:stretch>
+              </a:blipFill>
+            </p:spPr>
+            <p:txBody>
+              <a:bodyPr/>
+              <a:lstStyle/>
+              <a:p>
+                <a:r>
+                  <a:rPr lang="zh-TW" altLang="en-US">
+                    <a:noFill/>
+                  </a:rPr>
+                  <a:t> </a:t>
+                </a:r>
+              </a:p>
+            </p:txBody>
+          </p:sp>
+        </mc:Fallback>
+      </mc:AlternateContent>
+      <mc:AlternateContent xmlns:mc="http://schemas.openxmlformats.org/markup-compatibility/2006">
+        <mc:Choice xmlns:a14="http://schemas.microsoft.com/office/drawing/2010/main" Requires="a14">
+          <p:sp>
+            <p:nvSpPr>
+              <p:cNvPr id="30" name="矩形 29"/>
+              <p:cNvSpPr/>
+              <p:nvPr/>
+            </p:nvSpPr>
+            <p:spPr>
+              <a:xfrm>
+                <a:off x="4136507" y="3913173"/>
+                <a:ext cx="2806602" cy="398442"/>
+              </a:xfrm>
+              <a:prstGeom prst="rect">
+                <a:avLst/>
+              </a:prstGeom>
+            </p:spPr>
+            <p:txBody>
+              <a:bodyPr wrap="none">
+                <a:spAutoFit/>
+              </a:bodyPr>
+              <a:lstStyle/>
+              <a:p>
+                <a:r>
+                  <a:rPr lang="pt-BR" altLang="zh-TW" sz="1600" i="1" dirty="0" smtClean="0">
+                    <a:latin typeface="Times New Roman" panose="02020603050405020304" pitchFamily="18" charset="0"/>
+                    <a:cs typeface="Times New Roman" panose="02020603050405020304" pitchFamily="18" charset="0"/>
+                  </a:rPr>
+                  <a:t>p</a:t>
+                </a:r>
+                <a14:m>
+                  <m:oMath xmlns:m="http://schemas.openxmlformats.org/officeDocument/2006/math">
+                    <m:d>
+                      <m:dPr>
+                        <m:ctrlPr>
+                          <a:rPr lang="pt-BR" altLang="zh-TW" sz="1400" i="1">
+                            <a:latin typeface="Cambria Math" panose="02040503050406030204" pitchFamily="18" charset="0"/>
+                          </a:rPr>
+                        </m:ctrlPr>
+                      </m:dPr>
+                      <m:e>
+                        <m:sSub>
+                          <m:sSubPr>
+                            <m:ctrlPr>
+                              <a:rPr lang="pt-BR" altLang="zh-TW" sz="1400" i="1">
+                                <a:latin typeface="Cambria Math" panose="02040503050406030204" pitchFamily="18" charset="0"/>
+                              </a:rPr>
+                            </m:ctrlPr>
+                          </m:sSubPr>
+                          <m:e>
+                            <m:r>
+                              <a:rPr lang="en-US" altLang="zh-TW" sz="1400" b="0" i="1" smtClean="0">
+                                <a:latin typeface="Cambria Math" panose="02040503050406030204" pitchFamily="18" charset="0"/>
+                              </a:rPr>
+                              <m:t>𝐶</m:t>
+                            </m:r>
+                          </m:e>
+                          <m:sub>
+                            <m:r>
+                              <a:rPr lang="en-US" altLang="zh-TW" sz="1400" b="0" i="1" smtClean="0">
+                                <a:latin typeface="Cambria Math" panose="02040503050406030204" pitchFamily="18" charset="0"/>
+                              </a:rPr>
+                              <m:t>4</m:t>
+                            </m:r>
+                          </m:sub>
+                        </m:sSub>
+                      </m:e>
+                    </m:d>
+                    <m:r>
+                      <a:rPr lang="en-US" altLang="zh-TW" sz="1400" b="0" i="1" smtClean="0">
+                        <a:latin typeface="Cambria Math" panose="02040503050406030204" pitchFamily="18" charset="0"/>
+                      </a:rPr>
+                      <m:t>= </m:t>
+                    </m:r>
+                    <m:f>
+                      <m:fPr>
+                        <m:ctrlPr>
+                          <a:rPr lang="en-US" altLang="zh-TW" sz="1400" b="0" i="1" smtClean="0">
+                            <a:latin typeface="Cambria Math" panose="02040503050406030204" pitchFamily="18" charset="0"/>
+                          </a:rPr>
+                        </m:ctrlPr>
+                      </m:fPr>
+                      <m:num>
+                        <m:r>
+                          <a:rPr lang="en-US" altLang="zh-TW" sz="1400" b="0" i="1" smtClean="0">
+                            <a:latin typeface="Cambria Math" panose="02040503050406030204" pitchFamily="18" charset="0"/>
+                          </a:rPr>
+                          <m:t>28</m:t>
+                        </m:r>
+                      </m:num>
+                      <m:den>
+                        <m:r>
+                          <a:rPr lang="en-US" altLang="zh-TW" sz="1400" i="1">
+                            <a:latin typeface="Cambria Math" panose="02040503050406030204" pitchFamily="18" charset="0"/>
+                          </a:rPr>
+                          <m:t>14</m:t>
+                        </m:r>
+                        <m:r>
+                          <a:rPr lang="en-US" altLang="zh-TW" sz="1400" i="1">
+                            <a:latin typeface="Cambria Math" panose="02040503050406030204" pitchFamily="18" charset="0"/>
+                          </a:rPr>
+                          <m:t>+</m:t>
+                        </m:r>
+                        <m:r>
+                          <a:rPr lang="en-US" altLang="zh-TW" sz="1400" i="1">
+                            <a:latin typeface="Cambria Math" panose="02040503050406030204" pitchFamily="18" charset="0"/>
+                          </a:rPr>
+                          <m:t>13+5+28</m:t>
+                        </m:r>
+                      </m:den>
+                    </m:f>
+                    <m:r>
+                      <a:rPr lang="en-US" altLang="zh-TW" sz="1400" b="0" i="1" smtClean="0">
+                        <a:latin typeface="Cambria Math" panose="02040503050406030204" pitchFamily="18" charset="0"/>
+                      </a:rPr>
+                      <m:t>= </m:t>
+                    </m:r>
+                    <m:f>
+                      <m:fPr>
+                        <m:ctrlPr>
+                          <a:rPr lang="en-US" altLang="zh-TW" sz="1400" b="0" i="1" smtClean="0">
+                            <a:latin typeface="Cambria Math" panose="02040503050406030204" pitchFamily="18" charset="0"/>
+                          </a:rPr>
+                        </m:ctrlPr>
+                      </m:fPr>
+                      <m:num>
+                        <m:r>
+                          <a:rPr lang="en-US" altLang="zh-TW" sz="1400" b="0" i="1" smtClean="0">
+                            <a:latin typeface="Cambria Math" panose="02040503050406030204" pitchFamily="18" charset="0"/>
+                          </a:rPr>
+                          <m:t>28</m:t>
+                        </m:r>
+                      </m:num>
+                      <m:den>
+                        <m:r>
+                          <a:rPr lang="en-US" altLang="zh-TW" sz="1400" b="0" i="1" smtClean="0">
+                            <a:latin typeface="Cambria Math" panose="02040503050406030204" pitchFamily="18" charset="0"/>
+                          </a:rPr>
+                          <m:t>60</m:t>
+                        </m:r>
+                      </m:den>
+                    </m:f>
+                  </m:oMath>
+                </a14:m>
+                <a:r>
+                  <a:rPr lang="zh-TW" altLang="en-US" sz="1400" dirty="0" smtClean="0"/>
+                  <a:t>    </a:t>
+                </a:r>
+                <a14:m>
+                  <m:oMath xmlns:m="http://schemas.openxmlformats.org/officeDocument/2006/math">
+                    <m:r>
+                      <a:rPr lang="en-US" altLang="zh-TW" sz="1400" i="1">
+                        <a:latin typeface="Cambria Math" panose="02040503050406030204" pitchFamily="18" charset="0"/>
+                      </a:rPr>
+                      <m:t>≒0.</m:t>
+                    </m:r>
+                    <m:r>
+                      <a:rPr lang="en-US" altLang="zh-TW" sz="1400" b="0" i="1" smtClean="0">
+                        <a:latin typeface="Cambria Math" panose="02040503050406030204" pitchFamily="18" charset="0"/>
+                      </a:rPr>
+                      <m:t>47</m:t>
+                    </m:r>
+                  </m:oMath>
+                </a14:m>
+                <a:endParaRPr lang="zh-TW" altLang="en-US" sz="1400" dirty="0"/>
+              </a:p>
+            </p:txBody>
+          </p:sp>
+        </mc:Choice>
+        <mc:Fallback>
+          <p:sp>
+            <p:nvSpPr>
+              <p:cNvPr id="30" name="矩形 29"/>
+              <p:cNvSpPr>
+                <a:spLocks noRot="1" noChangeAspect="1" noMove="1" noResize="1" noEditPoints="1" noAdjustHandles="1" noChangeArrowheads="1" noChangeShapeType="1" noTextEdit="1"/>
+              </p:cNvSpPr>
+              <p:nvPr/>
+            </p:nvSpPr>
+            <p:spPr>
+              <a:xfrm>
+                <a:off x="4136507" y="3913173"/>
+                <a:ext cx="2806602" cy="398442"/>
+              </a:xfrm>
+              <a:prstGeom prst="rect">
+                <a:avLst/>
+              </a:prstGeom>
+              <a:blipFill>
+                <a:blip r:embed="rId10"/>
+                <a:stretch>
+                  <a:fillRect l="-1304" b="-9231"/>
+                </a:stretch>
+              </a:blipFill>
+            </p:spPr>
+            <p:txBody>
+              <a:bodyPr/>
+              <a:lstStyle/>
+              <a:p>
+                <a:r>
+                  <a:rPr lang="zh-TW" altLang="en-US">
+                    <a:noFill/>
+                  </a:rPr>
+                  <a:t> </a:t>
+                </a:r>
+              </a:p>
+            </p:txBody>
+          </p:sp>
+        </mc:Fallback>
+      </mc:AlternateContent>
+      <p:sp>
+        <p:nvSpPr>
+          <p:cNvPr id="31" name="矩形 30"/>
+          <p:cNvSpPr/>
+          <p:nvPr/>
+        </p:nvSpPr>
+        <p:spPr>
+          <a:xfrm>
+            <a:off x="954546" y="3150718"/>
+            <a:ext cx="585417" cy="307777"/>
+          </a:xfrm>
+          <a:prstGeom prst="rect">
+            <a:avLst/>
+          </a:prstGeom>
+        </p:spPr>
+        <p:txBody>
+          <a:bodyPr wrap="none">
+            <a:spAutoFit/>
+          </a:bodyPr>
+          <a:lstStyle/>
+          <a:p>
+            <a:r>
+              <a:rPr lang="zh-TW" altLang="en-US" sz="1400" dirty="0" smtClean="0">
+                <a:solidFill>
+                  <a:srgbClr val="000000"/>
+                </a:solidFill>
+                <a:latin typeface="微軟正黑體" panose="020B0604030504040204" pitchFamily="34" charset="-120"/>
+                <a:ea typeface="微軟正黑體" panose="020B0604030504040204" pitchFamily="34" charset="-120"/>
+              </a:rPr>
+              <a:t>公式</a:t>
+            </a:r>
+            <a:r>
+              <a:rPr lang="en-US" altLang="zh-TW" sz="1400" dirty="0" smtClean="0">
+                <a:solidFill>
+                  <a:srgbClr val="000000"/>
+                </a:solidFill>
+                <a:latin typeface="微軟正黑體" panose="020B0604030504040204" pitchFamily="34" charset="-120"/>
+                <a:ea typeface="微軟正黑體" panose="020B0604030504040204" pitchFamily="34" charset="-120"/>
+              </a:rPr>
+              <a:t>:</a:t>
+            </a:r>
+          </a:p>
+        </p:txBody>
+      </p:sp>
+      <p:sp>
+        <p:nvSpPr>
+          <p:cNvPr id="35" name="矩形 34"/>
+          <p:cNvSpPr/>
+          <p:nvPr/>
+        </p:nvSpPr>
+        <p:spPr>
+          <a:xfrm>
+            <a:off x="932699" y="4954144"/>
+            <a:ext cx="3057247" cy="307777"/>
+          </a:xfrm>
+          <a:prstGeom prst="rect">
+            <a:avLst/>
+          </a:prstGeom>
+        </p:spPr>
+        <p:txBody>
+          <a:bodyPr wrap="none">
+            <a:spAutoFit/>
+          </a:bodyPr>
+          <a:lstStyle/>
+          <a:p>
+            <a:r>
+              <a:rPr lang="zh-TW" altLang="en-US" sz="1400" dirty="0">
+                <a:solidFill>
+                  <a:srgbClr val="FF0000"/>
+                </a:solidFill>
+                <a:latin typeface="微軟正黑體" panose="020B0604030504040204" pitchFamily="34" charset="-120"/>
+                <a:ea typeface="微軟正黑體" panose="020B0604030504040204" pitchFamily="34" charset="-120"/>
+              </a:rPr>
+              <a:t>計算出每個</a:t>
+            </a:r>
+            <a:r>
+              <a:rPr lang="zh-TW" altLang="en-US" sz="1400" dirty="0" smtClean="0">
+                <a:solidFill>
+                  <a:srgbClr val="FF0000"/>
+                </a:solidFill>
+                <a:latin typeface="微軟正黑體" panose="020B0604030504040204" pitchFamily="34" charset="-120"/>
+                <a:ea typeface="微軟正黑體" panose="020B0604030504040204" pitchFamily="34" charset="-120"/>
+              </a:rPr>
+              <a:t>個體</a:t>
+            </a:r>
+            <a:r>
+              <a:rPr lang="zh-TW" altLang="en-US" sz="1400" dirty="0">
+                <a:solidFill>
+                  <a:srgbClr val="FF0000"/>
+                </a:solidFill>
+                <a:latin typeface="微軟正黑體" panose="020B0604030504040204" pitchFamily="34" charset="-120"/>
+                <a:ea typeface="微軟正黑體" panose="020B0604030504040204" pitchFamily="34" charset="-120"/>
+              </a:rPr>
+              <a:t>在</a:t>
+            </a:r>
+            <a:r>
+              <a:rPr lang="zh-TW" altLang="en-US" sz="1400" dirty="0" smtClean="0">
+                <a:solidFill>
+                  <a:srgbClr val="FF0000"/>
+                </a:solidFill>
+                <a:latin typeface="微軟正黑體" panose="020B0604030504040204" pitchFamily="34" charset="-120"/>
+                <a:ea typeface="微軟正黑體" panose="020B0604030504040204" pitchFamily="34" charset="-120"/>
+              </a:rPr>
+              <a:t>群體中的累積機率</a:t>
+            </a:r>
+            <a:endParaRPr lang="en-US" altLang="zh-TW" sz="1400" dirty="0" smtClean="0">
+              <a:solidFill>
+                <a:srgbClr val="FF0000"/>
+              </a:solidFill>
+              <a:latin typeface="微軟正黑體" panose="020B0604030504040204" pitchFamily="34" charset="-120"/>
+              <a:ea typeface="微軟正黑體" panose="020B0604030504040204" pitchFamily="34" charset="-120"/>
+            </a:endParaRPr>
+          </a:p>
+        </p:txBody>
+      </p:sp>
+      <mc:AlternateContent xmlns:mc="http://schemas.openxmlformats.org/markup-compatibility/2006">
+        <mc:Choice xmlns:a14="http://schemas.microsoft.com/office/drawing/2010/main" Requires="a14">
+          <p:sp>
+            <p:nvSpPr>
+              <p:cNvPr id="37" name="矩形 36"/>
+              <p:cNvSpPr/>
+              <p:nvPr/>
+            </p:nvSpPr>
+            <p:spPr>
+              <a:xfrm>
+                <a:off x="4136507" y="5138721"/>
+                <a:ext cx="1185389" cy="338554"/>
+              </a:xfrm>
+              <a:prstGeom prst="rect">
+                <a:avLst/>
+              </a:prstGeom>
+            </p:spPr>
+            <p:txBody>
+              <a:bodyPr wrap="none">
+                <a:spAutoFit/>
+              </a:bodyPr>
+              <a:lstStyle/>
+              <a:p>
+                <a:r>
+                  <a:rPr lang="pt-BR" altLang="zh-TW" sz="1600" i="1" dirty="0" smtClean="0">
+                    <a:latin typeface="Times New Roman" panose="02020603050405020304" pitchFamily="18" charset="0"/>
+                    <a:cs typeface="Times New Roman" panose="02020603050405020304" pitchFamily="18" charset="0"/>
+                  </a:rPr>
+                  <a:t>q</a:t>
+                </a:r>
+                <a14:m>
+                  <m:oMath xmlns:m="http://schemas.openxmlformats.org/officeDocument/2006/math">
+                    <m:d>
+                      <m:dPr>
+                        <m:ctrlPr>
+                          <a:rPr lang="pt-BR" altLang="zh-TW" sz="1400" i="1">
+                            <a:latin typeface="Cambria Math" panose="02040503050406030204" pitchFamily="18" charset="0"/>
+                          </a:rPr>
+                        </m:ctrlPr>
+                      </m:dPr>
+                      <m:e>
+                        <m:sSub>
+                          <m:sSubPr>
+                            <m:ctrlPr>
+                              <a:rPr lang="pt-BR" altLang="zh-TW" sz="1400" i="1">
+                                <a:latin typeface="Cambria Math" panose="02040503050406030204" pitchFamily="18" charset="0"/>
+                              </a:rPr>
+                            </m:ctrlPr>
+                          </m:sSubPr>
+                          <m:e>
+                            <m:r>
+                              <a:rPr lang="en-US" altLang="zh-TW" sz="1400" b="0" i="1" smtClean="0">
+                                <a:latin typeface="Cambria Math" panose="02040503050406030204" pitchFamily="18" charset="0"/>
+                              </a:rPr>
+                              <m:t>𝐶</m:t>
+                            </m:r>
+                          </m:e>
+                          <m:sub>
+                            <m:r>
+                              <a:rPr lang="en-US" altLang="zh-TW" sz="1400" b="0" i="1" smtClean="0">
+                                <a:latin typeface="Cambria Math" panose="02040503050406030204" pitchFamily="18" charset="0"/>
+                              </a:rPr>
+                              <m:t>2</m:t>
+                            </m:r>
+                          </m:sub>
+                        </m:sSub>
+                      </m:e>
+                    </m:d>
+                    <m:r>
+                      <a:rPr lang="en-US" altLang="zh-TW" sz="1400" b="0" i="1" smtClean="0">
+                        <a:latin typeface="Cambria Math" panose="02040503050406030204" pitchFamily="18" charset="0"/>
+                      </a:rPr>
+                      <m:t>=0.45</m:t>
+                    </m:r>
+                  </m:oMath>
+                </a14:m>
+                <a:endParaRPr lang="zh-TW" altLang="en-US" sz="1400" dirty="0"/>
+              </a:p>
+            </p:txBody>
+          </p:sp>
+        </mc:Choice>
+        <mc:Fallback>
+          <p:sp>
+            <p:nvSpPr>
+              <p:cNvPr id="37" name="矩形 36"/>
+              <p:cNvSpPr>
+                <a:spLocks noRot="1" noChangeAspect="1" noMove="1" noResize="1" noEditPoints="1" noAdjustHandles="1" noChangeArrowheads="1" noChangeShapeType="1" noTextEdit="1"/>
+              </p:cNvSpPr>
+              <p:nvPr/>
+            </p:nvSpPr>
+            <p:spPr>
+              <a:xfrm>
+                <a:off x="4136507" y="5138721"/>
+                <a:ext cx="1185389" cy="338554"/>
+              </a:xfrm>
+              <a:prstGeom prst="rect">
+                <a:avLst/>
+              </a:prstGeom>
+              <a:blipFill>
+                <a:blip r:embed="rId11"/>
+                <a:stretch>
+                  <a:fillRect l="-3093" t="-5357" b="-21429"/>
+                </a:stretch>
+              </a:blipFill>
+            </p:spPr>
+            <p:txBody>
+              <a:bodyPr/>
+              <a:lstStyle/>
+              <a:p>
+                <a:r>
+                  <a:rPr lang="zh-TW" altLang="en-US">
+                    <a:noFill/>
+                  </a:rPr>
+                  <a:t> </a:t>
+                </a:r>
+              </a:p>
+            </p:txBody>
+          </p:sp>
+        </mc:Fallback>
+      </mc:AlternateContent>
+      <mc:AlternateContent xmlns:mc="http://schemas.openxmlformats.org/markup-compatibility/2006">
+        <mc:Choice xmlns:a14="http://schemas.microsoft.com/office/drawing/2010/main" Requires="a14">
+          <p:sp>
+            <p:nvSpPr>
+              <p:cNvPr id="38" name="矩形 37"/>
+              <p:cNvSpPr/>
+              <p:nvPr/>
+            </p:nvSpPr>
+            <p:spPr>
+              <a:xfrm>
+                <a:off x="4136507" y="5619334"/>
+                <a:ext cx="1185389" cy="338554"/>
+              </a:xfrm>
+              <a:prstGeom prst="rect">
+                <a:avLst/>
+              </a:prstGeom>
+            </p:spPr>
+            <p:txBody>
+              <a:bodyPr wrap="none">
+                <a:spAutoFit/>
+              </a:bodyPr>
+              <a:lstStyle/>
+              <a:p>
+                <a:r>
+                  <a:rPr lang="pt-BR" altLang="zh-TW" sz="1600" i="1" dirty="0" smtClean="0">
+                    <a:latin typeface="Times New Roman" panose="02020603050405020304" pitchFamily="18" charset="0"/>
+                    <a:cs typeface="Times New Roman" panose="02020603050405020304" pitchFamily="18" charset="0"/>
+                  </a:rPr>
+                  <a:t>q</a:t>
+                </a:r>
+                <a14:m>
+                  <m:oMath xmlns:m="http://schemas.openxmlformats.org/officeDocument/2006/math">
+                    <m:d>
+                      <m:dPr>
+                        <m:ctrlPr>
+                          <a:rPr lang="pt-BR" altLang="zh-TW" sz="1400" i="1">
+                            <a:latin typeface="Cambria Math" panose="02040503050406030204" pitchFamily="18" charset="0"/>
+                          </a:rPr>
+                        </m:ctrlPr>
+                      </m:dPr>
+                      <m:e>
+                        <m:sSub>
+                          <m:sSubPr>
+                            <m:ctrlPr>
+                              <a:rPr lang="pt-BR" altLang="zh-TW" sz="1400" i="1" smtClean="0">
+                                <a:latin typeface="Cambria Math" panose="02040503050406030204" pitchFamily="18" charset="0"/>
+                              </a:rPr>
+                            </m:ctrlPr>
+                          </m:sSubPr>
+                          <m:e>
+                            <m:r>
+                              <a:rPr lang="en-US" altLang="zh-TW" sz="1400" b="0" i="1" smtClean="0">
+                                <a:latin typeface="Cambria Math" panose="02040503050406030204" pitchFamily="18" charset="0"/>
+                              </a:rPr>
+                              <m:t>𝐶</m:t>
+                            </m:r>
+                          </m:e>
+                          <m:sub>
+                            <m:r>
+                              <a:rPr lang="en-US" altLang="zh-TW" sz="1400" b="0" i="1" smtClean="0">
+                                <a:latin typeface="Cambria Math" panose="02040503050406030204" pitchFamily="18" charset="0"/>
+                              </a:rPr>
+                              <m:t>3</m:t>
+                            </m:r>
+                          </m:sub>
+                        </m:sSub>
+                      </m:e>
+                    </m:d>
+                    <m:r>
+                      <a:rPr lang="en-US" altLang="zh-TW" sz="1400" b="0" i="1" smtClean="0">
+                        <a:latin typeface="Cambria Math" panose="02040503050406030204" pitchFamily="18" charset="0"/>
+                      </a:rPr>
+                      <m:t>=0.53</m:t>
+                    </m:r>
+                  </m:oMath>
+                </a14:m>
+                <a:endParaRPr lang="zh-TW" altLang="en-US" sz="1400" dirty="0"/>
+              </a:p>
+            </p:txBody>
+          </p:sp>
+        </mc:Choice>
+        <mc:Fallback>
+          <p:sp>
+            <p:nvSpPr>
+              <p:cNvPr id="38" name="矩形 37"/>
+              <p:cNvSpPr>
+                <a:spLocks noRot="1" noChangeAspect="1" noMove="1" noResize="1" noEditPoints="1" noAdjustHandles="1" noChangeArrowheads="1" noChangeShapeType="1" noTextEdit="1"/>
+              </p:cNvSpPr>
+              <p:nvPr/>
+            </p:nvSpPr>
+            <p:spPr>
+              <a:xfrm>
+                <a:off x="4136507" y="5619334"/>
+                <a:ext cx="1185389" cy="338554"/>
+              </a:xfrm>
+              <a:prstGeom prst="rect">
+                <a:avLst/>
+              </a:prstGeom>
+              <a:blipFill>
+                <a:blip r:embed="rId12"/>
+                <a:stretch>
+                  <a:fillRect l="-3093" t="-5455" b="-23636"/>
+                </a:stretch>
+              </a:blipFill>
+            </p:spPr>
+            <p:txBody>
+              <a:bodyPr/>
+              <a:lstStyle/>
+              <a:p>
+                <a:r>
+                  <a:rPr lang="zh-TW" altLang="en-US">
+                    <a:noFill/>
+                  </a:rPr>
+                  <a:t> </a:t>
+                </a:r>
+              </a:p>
+            </p:txBody>
+          </p:sp>
+        </mc:Fallback>
+      </mc:AlternateContent>
+      <mc:AlternateContent xmlns:mc="http://schemas.openxmlformats.org/markup-compatibility/2006">
+        <mc:Choice xmlns:a14="http://schemas.microsoft.com/office/drawing/2010/main" Requires="a14">
+          <p:sp>
+            <p:nvSpPr>
+              <p:cNvPr id="39" name="矩形 38"/>
+              <p:cNvSpPr/>
+              <p:nvPr/>
+            </p:nvSpPr>
+            <p:spPr>
+              <a:xfrm>
+                <a:off x="4136507" y="6099947"/>
+                <a:ext cx="1029897" cy="338554"/>
+              </a:xfrm>
+              <a:prstGeom prst="rect">
+                <a:avLst/>
+              </a:prstGeom>
+            </p:spPr>
+            <p:txBody>
+              <a:bodyPr wrap="none">
+                <a:spAutoFit/>
+              </a:bodyPr>
+              <a:lstStyle/>
+              <a:p>
+                <a:r>
+                  <a:rPr lang="pt-BR" altLang="zh-TW" sz="1600" i="1" dirty="0" smtClean="0">
+                    <a:latin typeface="Times New Roman" panose="02020603050405020304" pitchFamily="18" charset="0"/>
+                    <a:cs typeface="Times New Roman" panose="02020603050405020304" pitchFamily="18" charset="0"/>
+                  </a:rPr>
+                  <a:t>q</a:t>
+                </a:r>
+                <a14:m>
+                  <m:oMath xmlns:m="http://schemas.openxmlformats.org/officeDocument/2006/math">
+                    <m:d>
+                      <m:dPr>
+                        <m:ctrlPr>
+                          <a:rPr lang="pt-BR" altLang="zh-TW" sz="1400" i="1">
+                            <a:latin typeface="Cambria Math" panose="02040503050406030204" pitchFamily="18" charset="0"/>
+                          </a:rPr>
+                        </m:ctrlPr>
+                      </m:dPr>
+                      <m:e>
+                        <m:sSub>
+                          <m:sSubPr>
+                            <m:ctrlPr>
+                              <a:rPr lang="pt-BR" altLang="zh-TW" sz="1400" i="1">
+                                <a:latin typeface="Cambria Math" panose="02040503050406030204" pitchFamily="18" charset="0"/>
+                              </a:rPr>
+                            </m:ctrlPr>
+                          </m:sSubPr>
+                          <m:e>
+                            <m:r>
+                              <a:rPr lang="en-US" altLang="zh-TW" sz="1400" b="0" i="1" smtClean="0">
+                                <a:latin typeface="Cambria Math" panose="02040503050406030204" pitchFamily="18" charset="0"/>
+                              </a:rPr>
+                              <m:t>𝐶</m:t>
+                            </m:r>
+                          </m:e>
+                          <m:sub>
+                            <m:r>
+                              <a:rPr lang="en-US" altLang="zh-TW" sz="1400" b="0" i="1" smtClean="0">
+                                <a:latin typeface="Cambria Math" panose="02040503050406030204" pitchFamily="18" charset="0"/>
+                              </a:rPr>
+                              <m:t>4</m:t>
+                            </m:r>
+                          </m:sub>
+                        </m:sSub>
+                      </m:e>
+                    </m:d>
+                    <m:r>
+                      <a:rPr lang="en-US" altLang="zh-TW" sz="1400" b="0" i="1" smtClean="0">
+                        <a:latin typeface="Cambria Math" panose="02040503050406030204" pitchFamily="18" charset="0"/>
+                      </a:rPr>
+                      <m:t>=  1</m:t>
+                    </m:r>
+                  </m:oMath>
+                </a14:m>
+                <a:endParaRPr lang="zh-TW" altLang="en-US" sz="1400" dirty="0"/>
+              </a:p>
+            </p:txBody>
+          </p:sp>
+        </mc:Choice>
+        <mc:Fallback>
+          <p:sp>
+            <p:nvSpPr>
+              <p:cNvPr id="39" name="矩形 38"/>
+              <p:cNvSpPr>
+                <a:spLocks noRot="1" noChangeAspect="1" noMove="1" noResize="1" noEditPoints="1" noAdjustHandles="1" noChangeArrowheads="1" noChangeShapeType="1" noTextEdit="1"/>
+              </p:cNvSpPr>
+              <p:nvPr/>
+            </p:nvSpPr>
+            <p:spPr>
+              <a:xfrm>
+                <a:off x="4136507" y="6099947"/>
+                <a:ext cx="1029897" cy="338554"/>
+              </a:xfrm>
+              <a:prstGeom prst="rect">
+                <a:avLst/>
+              </a:prstGeom>
+              <a:blipFill>
+                <a:blip r:embed="rId13"/>
+                <a:stretch>
+                  <a:fillRect l="-3550" t="-5455" b="-23636"/>
+                </a:stretch>
+              </a:blipFill>
+            </p:spPr>
+            <p:txBody>
+              <a:bodyPr/>
+              <a:lstStyle/>
+              <a:p>
+                <a:r>
+                  <a:rPr lang="zh-TW" altLang="en-US">
+                    <a:noFill/>
+                  </a:rPr>
+                  <a:t> </a:t>
+                </a:r>
+              </a:p>
+            </p:txBody>
+          </p:sp>
+        </mc:Fallback>
+      </mc:AlternateContent>
+      <p:sp>
+        <p:nvSpPr>
+          <p:cNvPr id="40" name="矩形 39"/>
+          <p:cNvSpPr/>
+          <p:nvPr/>
+        </p:nvSpPr>
+        <p:spPr>
+          <a:xfrm>
+            <a:off x="954546" y="5337492"/>
+            <a:ext cx="585417" cy="307777"/>
+          </a:xfrm>
+          <a:prstGeom prst="rect">
+            <a:avLst/>
+          </a:prstGeom>
+        </p:spPr>
+        <p:txBody>
+          <a:bodyPr wrap="none">
+            <a:spAutoFit/>
+          </a:bodyPr>
+          <a:lstStyle/>
+          <a:p>
+            <a:r>
+              <a:rPr lang="zh-TW" altLang="en-US" sz="1400" dirty="0" smtClean="0">
+                <a:solidFill>
+                  <a:srgbClr val="000000"/>
+                </a:solidFill>
+                <a:latin typeface="微軟正黑體" panose="020B0604030504040204" pitchFamily="34" charset="-120"/>
+                <a:ea typeface="微軟正黑體" panose="020B0604030504040204" pitchFamily="34" charset="-120"/>
+              </a:rPr>
+              <a:t>公式</a:t>
+            </a:r>
+            <a:r>
+              <a:rPr lang="en-US" altLang="zh-TW" sz="1400" dirty="0" smtClean="0">
+                <a:solidFill>
+                  <a:srgbClr val="000000"/>
+                </a:solidFill>
+                <a:latin typeface="微軟正黑體" panose="020B0604030504040204" pitchFamily="34" charset="-120"/>
+                <a:ea typeface="微軟正黑體" panose="020B0604030504040204" pitchFamily="34" charset="-120"/>
+              </a:rPr>
+              <a:t>:</a:t>
+            </a:r>
+          </a:p>
+        </p:txBody>
+      </p:sp>
+      <mc:AlternateContent xmlns:mc="http://schemas.openxmlformats.org/markup-compatibility/2006">
+        <mc:Choice xmlns:a14="http://schemas.microsoft.com/office/drawing/2010/main" Requires="a14">
+          <p:sp>
+            <p:nvSpPr>
+              <p:cNvPr id="41" name="文字方塊 40"/>
+              <p:cNvSpPr txBox="1"/>
+              <p:nvPr/>
+            </p:nvSpPr>
+            <p:spPr>
+              <a:xfrm>
+                <a:off x="1082813" y="5760346"/>
+                <a:ext cx="1133393" cy="300660"/>
+              </a:xfrm>
+              <a:prstGeom prst="rect">
+                <a:avLst/>
+              </a:prstGeom>
+              <a:noFill/>
+            </p:spPr>
+            <p:txBody>
+              <a:bodyPr wrap="square" lIns="0" tIns="0" rIns="0" bIns="0" rtlCol="0">
+                <a:spAutoFit/>
+              </a:bodyPr>
+              <a:lstStyle/>
+              <a:p>
+                <a14:m>
+                  <m:oMath xmlns:m="http://schemas.openxmlformats.org/officeDocument/2006/math">
+                    <m:sSub>
+                      <m:sSubPr>
+                        <m:ctrlPr>
+                          <a:rPr lang="en-US" altLang="zh-TW" sz="2000" i="1" smtClean="0">
+                            <a:latin typeface="Cambria Math" panose="02040503050406030204" pitchFamily="18" charset="0"/>
+                          </a:rPr>
+                        </m:ctrlPr>
+                      </m:sSubPr>
+                      <m:e>
+                        <m:r>
+                          <a:rPr lang="en-US" altLang="zh-TW" sz="2000" b="0" i="1" smtClean="0">
+                            <a:latin typeface="Cambria Math" panose="02040503050406030204" pitchFamily="18" charset="0"/>
+                          </a:rPr>
+                          <m:t>𝑞</m:t>
+                        </m:r>
+                      </m:e>
+                      <m:sub>
+                        <m:r>
+                          <a:rPr lang="en-US" altLang="zh-TW" sz="2000" b="0" i="1" smtClean="0">
+                            <a:latin typeface="Cambria Math" panose="02040503050406030204" pitchFamily="18" charset="0"/>
+                          </a:rPr>
+                          <m:t>𝑖</m:t>
+                        </m:r>
+                      </m:sub>
+                    </m:sSub>
+                    <m:r>
+                      <a:rPr lang="zh-TW" altLang="en-US" sz="2000" i="1">
+                        <a:latin typeface="Cambria Math" panose="02040503050406030204" pitchFamily="18" charset="0"/>
+                      </a:rPr>
+                      <m:t> </m:t>
+                    </m:r>
+                  </m:oMath>
+                </a14:m>
+                <a:r>
+                  <a:rPr lang="en-US" altLang="zh-TW" dirty="0" smtClean="0"/>
+                  <a:t>=</a:t>
+                </a:r>
+                <a:endParaRPr lang="zh-TW" altLang="en-US" sz="2000" dirty="0"/>
+              </a:p>
+            </p:txBody>
+          </p:sp>
+        </mc:Choice>
+        <mc:Fallback>
+          <p:sp>
+            <p:nvSpPr>
+              <p:cNvPr id="41" name="文字方塊 40"/>
+              <p:cNvSpPr txBox="1">
+                <a:spLocks noRot="1" noChangeAspect="1" noMove="1" noResize="1" noEditPoints="1" noAdjustHandles="1" noChangeArrowheads="1" noChangeShapeType="1" noTextEdit="1"/>
+              </p:cNvSpPr>
+              <p:nvPr/>
+            </p:nvSpPr>
+            <p:spPr>
+              <a:xfrm>
+                <a:off x="1082813" y="5760346"/>
+                <a:ext cx="1133393" cy="300660"/>
+              </a:xfrm>
+              <a:prstGeom prst="rect">
+                <a:avLst/>
+              </a:prstGeom>
+              <a:blipFill>
+                <a:blip r:embed="rId14"/>
+                <a:stretch>
+                  <a:fillRect l="-8065" t="-18367" b="-46939"/>
+                </a:stretch>
+              </a:blipFill>
+            </p:spPr>
+            <p:txBody>
+              <a:bodyPr/>
+              <a:lstStyle/>
+              <a:p>
+                <a:r>
+                  <a:rPr lang="zh-TW" altLang="en-US">
+                    <a:noFill/>
+                  </a:rPr>
+                  <a:t> </a:t>
+                </a:r>
+              </a:p>
+            </p:txBody>
+          </p:sp>
+        </mc:Fallback>
+      </mc:AlternateContent>
+      <mc:AlternateContent xmlns:mc="http://schemas.openxmlformats.org/markup-compatibility/2006">
+        <mc:Choice xmlns:a14="http://schemas.microsoft.com/office/drawing/2010/main" Requires="a14">
+          <p:sp>
+            <p:nvSpPr>
+              <p:cNvPr id="42" name="文字方塊 41"/>
+              <p:cNvSpPr txBox="1"/>
+              <p:nvPr/>
+            </p:nvSpPr>
+            <p:spPr>
+              <a:xfrm>
+                <a:off x="1539963" y="5596391"/>
+                <a:ext cx="830035" cy="728789"/>
+              </a:xfrm>
+              <a:prstGeom prst="rect">
+                <a:avLst/>
+              </a:prstGeom>
+              <a:noFill/>
+            </p:spPr>
+            <p:txBody>
+              <a:bodyPr wrap="none" lIns="0" tIns="0" rIns="0" bIns="0" rtlCol="0">
+                <a:spAutoFit/>
+              </a:bodyPr>
+              <a:lstStyle/>
+              <a:p>
+                <a14:m>
+                  <m:oMathPara xmlns:m="http://schemas.openxmlformats.org/officeDocument/2006/math">
+                    <m:oMathParaPr>
+                      <m:jc m:val="centerGroup"/>
+                    </m:oMathParaPr>
+                    <m:oMath xmlns:m="http://schemas.openxmlformats.org/officeDocument/2006/math">
+                      <m:nary>
+                        <m:naryPr>
+                          <m:chr m:val="∑"/>
+                          <m:ctrlPr>
+                            <a:rPr lang="zh-TW" altLang="en-US" sz="1600" i="1" smtClean="0">
+                              <a:latin typeface="Cambria Math" panose="02040503050406030204" pitchFamily="18" charset="0"/>
+                            </a:rPr>
+                          </m:ctrlPr>
+                        </m:naryPr>
+                        <m:sub>
+                          <m:r>
+                            <m:rPr>
+                              <m:brk m:alnAt="23"/>
+                            </m:rPr>
+                            <a:rPr lang="en-US" altLang="zh-TW" sz="1600" b="0" i="1" smtClean="0">
+                              <a:latin typeface="Cambria Math" panose="02040503050406030204" pitchFamily="18" charset="0"/>
+                            </a:rPr>
+                            <m:t>𝑗</m:t>
+                          </m:r>
+                          <m:r>
+                            <a:rPr lang="en-US" altLang="zh-TW" sz="1600" b="0" i="1" smtClean="0">
+                              <a:latin typeface="Cambria Math" panose="02040503050406030204" pitchFamily="18" charset="0"/>
+                            </a:rPr>
+                            <m:t>=1</m:t>
+                          </m:r>
+                        </m:sub>
+                        <m:sup>
+                          <m:r>
+                            <a:rPr lang="en-US" altLang="zh-TW" sz="1600" b="0" i="1" smtClean="0">
+                              <a:latin typeface="Cambria Math" panose="02040503050406030204" pitchFamily="18" charset="0"/>
+                            </a:rPr>
+                            <m:t>𝑖</m:t>
+                          </m:r>
+                        </m:sup>
+                        <m:e>
+                          <m:r>
+                            <a:rPr lang="en-US" altLang="zh-TW" sz="1600" b="0" i="1" smtClean="0">
+                              <a:latin typeface="Cambria Math" panose="02040503050406030204" pitchFamily="18" charset="0"/>
+                            </a:rPr>
+                            <m:t>𝑃</m:t>
+                          </m:r>
+                          <m:r>
+                            <a:rPr lang="en-US" altLang="zh-TW" sz="1600" b="0" i="1" smtClean="0">
+                              <a:latin typeface="Cambria Math" panose="02040503050406030204" pitchFamily="18" charset="0"/>
+                            </a:rPr>
+                            <m:t>(</m:t>
+                          </m:r>
+                          <m:sSub>
+                            <m:sSubPr>
+                              <m:ctrlPr>
+                                <a:rPr lang="en-US" altLang="zh-TW" sz="1600" b="0" i="1" smtClean="0">
+                                  <a:latin typeface="Cambria Math" panose="02040503050406030204" pitchFamily="18" charset="0"/>
+                                </a:rPr>
+                              </m:ctrlPr>
+                            </m:sSubPr>
+                            <m:e>
+                              <m:r>
+                                <a:rPr lang="en-US" altLang="zh-TW" sz="1600" b="0" i="1" smtClean="0">
+                                  <a:latin typeface="Cambria Math" panose="02040503050406030204" pitchFamily="18" charset="0"/>
+                                </a:rPr>
+                                <m:t>𝐶</m:t>
+                              </m:r>
+                            </m:e>
+                            <m:sub>
+                              <m:r>
+                                <a:rPr lang="en-US" altLang="zh-TW" sz="1600" b="0" i="1" smtClean="0">
+                                  <a:latin typeface="Cambria Math" panose="02040503050406030204" pitchFamily="18" charset="0"/>
+                                </a:rPr>
+                                <m:t>𝑗</m:t>
+                              </m:r>
+                            </m:sub>
+                          </m:sSub>
+                          <m:r>
+                            <a:rPr lang="en-US" altLang="zh-TW" sz="1600" b="0" i="1" smtClean="0">
+                              <a:latin typeface="Cambria Math" panose="02040503050406030204" pitchFamily="18" charset="0"/>
+                            </a:rPr>
+                            <m:t>)</m:t>
+                          </m:r>
+                        </m:e>
+                      </m:nary>
+                    </m:oMath>
+                  </m:oMathPara>
+                </a14:m>
+                <a:endParaRPr lang="zh-TW" altLang="en-US" sz="1600" dirty="0"/>
+              </a:p>
+            </p:txBody>
+          </p:sp>
+        </mc:Choice>
+        <mc:Fallback>
+          <p:sp>
+            <p:nvSpPr>
+              <p:cNvPr id="42" name="文字方塊 41"/>
+              <p:cNvSpPr txBox="1">
+                <a:spLocks noRot="1" noChangeAspect="1" noMove="1" noResize="1" noEditPoints="1" noAdjustHandles="1" noChangeArrowheads="1" noChangeShapeType="1" noTextEdit="1"/>
+              </p:cNvSpPr>
+              <p:nvPr/>
+            </p:nvSpPr>
+            <p:spPr>
+              <a:xfrm>
+                <a:off x="1539963" y="5596391"/>
+                <a:ext cx="830035" cy="728789"/>
+              </a:xfrm>
+              <a:prstGeom prst="rect">
+                <a:avLst/>
+              </a:prstGeom>
+              <a:blipFill>
+                <a:blip r:embed="rId15"/>
+                <a:stretch>
+                  <a:fillRect/>
+                </a:stretch>
+              </a:blipFill>
+            </p:spPr>
+            <p:txBody>
+              <a:bodyPr/>
+              <a:lstStyle/>
+              <a:p>
+                <a:r>
+                  <a:rPr lang="zh-TW" altLang="en-US">
+                    <a:noFill/>
+                  </a:rPr>
+                  <a:t> </a:t>
+                </a:r>
+              </a:p>
+            </p:txBody>
+          </p:sp>
+        </mc:Fallback>
+      </mc:AlternateContent>
+      <mc:AlternateContent xmlns:mc="http://schemas.openxmlformats.org/markup-compatibility/2006">
+        <mc:Choice xmlns:a14="http://schemas.microsoft.com/office/drawing/2010/main" Requires="a14">
+          <p:sp>
+            <p:nvSpPr>
+              <p:cNvPr id="43" name="矩形 42"/>
+              <p:cNvSpPr/>
+              <p:nvPr/>
+            </p:nvSpPr>
+            <p:spPr>
+              <a:xfrm>
+                <a:off x="4136507" y="4661186"/>
+                <a:ext cx="1221296" cy="338554"/>
+              </a:xfrm>
+              <a:prstGeom prst="rect">
+                <a:avLst/>
+              </a:prstGeom>
+            </p:spPr>
+            <p:txBody>
+              <a:bodyPr wrap="none">
+                <a:spAutoFit/>
+              </a:bodyPr>
+              <a:lstStyle/>
+              <a:p>
+                <a:r>
+                  <a:rPr lang="pt-BR" altLang="zh-TW" sz="1600" i="1" dirty="0" smtClean="0">
+                    <a:latin typeface="Times New Roman" panose="02020603050405020304" pitchFamily="18" charset="0"/>
+                    <a:cs typeface="Times New Roman" panose="02020603050405020304" pitchFamily="18" charset="0"/>
+                  </a:rPr>
+                  <a:t>q</a:t>
+                </a:r>
+                <a14:m>
+                  <m:oMath xmlns:m="http://schemas.openxmlformats.org/officeDocument/2006/math">
+                    <m:d>
+                      <m:dPr>
+                        <m:ctrlPr>
+                          <a:rPr lang="pt-BR" altLang="zh-TW" sz="1400" i="1">
+                            <a:latin typeface="Cambria Math" panose="02040503050406030204" pitchFamily="18" charset="0"/>
+                          </a:rPr>
+                        </m:ctrlPr>
+                      </m:dPr>
+                      <m:e>
+                        <m:sSub>
+                          <m:sSubPr>
+                            <m:ctrlPr>
+                              <a:rPr lang="pt-BR" altLang="zh-TW" sz="1400" i="1">
+                                <a:latin typeface="Cambria Math" panose="02040503050406030204" pitchFamily="18" charset="0"/>
+                              </a:rPr>
+                            </m:ctrlPr>
+                          </m:sSubPr>
+                          <m:e>
+                            <m:r>
+                              <a:rPr lang="en-US" altLang="zh-TW" sz="1400" b="0" i="1" smtClean="0">
+                                <a:latin typeface="Cambria Math" panose="02040503050406030204" pitchFamily="18" charset="0"/>
+                              </a:rPr>
+                              <m:t>𝐶</m:t>
+                            </m:r>
+                          </m:e>
+                          <m:sub>
+                            <m:r>
+                              <a:rPr lang="en-US" altLang="zh-TW" sz="1400" b="0" i="1" smtClean="0">
+                                <a:latin typeface="Cambria Math" panose="02040503050406030204" pitchFamily="18" charset="0"/>
+                              </a:rPr>
+                              <m:t>1</m:t>
+                            </m:r>
+                          </m:sub>
+                        </m:sSub>
+                      </m:e>
+                    </m:d>
+                    <m:r>
+                      <a:rPr lang="en-US" altLang="zh-TW" sz="1400" b="0" i="1" smtClean="0">
+                        <a:latin typeface="Cambria Math" panose="02040503050406030204" pitchFamily="18" charset="0"/>
+                      </a:rPr>
+                      <m:t>= 0.23</m:t>
+                    </m:r>
+                  </m:oMath>
+                </a14:m>
+                <a:endParaRPr lang="zh-TW" altLang="en-US" sz="1400" dirty="0"/>
+              </a:p>
+            </p:txBody>
+          </p:sp>
+        </mc:Choice>
+        <mc:Fallback>
+          <p:sp>
+            <p:nvSpPr>
+              <p:cNvPr id="43" name="矩形 42"/>
+              <p:cNvSpPr>
+                <a:spLocks noRot="1" noChangeAspect="1" noMove="1" noResize="1" noEditPoints="1" noAdjustHandles="1" noChangeArrowheads="1" noChangeShapeType="1" noTextEdit="1"/>
+              </p:cNvSpPr>
+              <p:nvPr/>
+            </p:nvSpPr>
+            <p:spPr>
+              <a:xfrm>
+                <a:off x="4136507" y="4661186"/>
+                <a:ext cx="1221296" cy="338554"/>
+              </a:xfrm>
+              <a:prstGeom prst="rect">
+                <a:avLst/>
+              </a:prstGeom>
+              <a:blipFill>
+                <a:blip r:embed="rId16"/>
+                <a:stretch>
+                  <a:fillRect l="-3000" t="-5455" b="-23636"/>
+                </a:stretch>
+              </a:blipFill>
+            </p:spPr>
+            <p:txBody>
+              <a:bodyPr/>
+              <a:lstStyle/>
+              <a:p>
+                <a:r>
+                  <a:rPr lang="zh-TW" altLang="en-US">
+                    <a:noFill/>
+                  </a:rPr>
+                  <a:t> </a:t>
+                </a:r>
+              </a:p>
+            </p:txBody>
+          </p:sp>
+        </mc:Fallback>
+      </mc:AlternateContent>
+      <p:graphicFrame>
+        <p:nvGraphicFramePr>
+          <p:cNvPr id="47" name="圖表 46"/>
+          <p:cNvGraphicFramePr/>
+          <p:nvPr>
+            <p:extLst>
+              <p:ext uri="{D42A27DB-BD31-4B8C-83A1-F6EECF244321}">
+                <p14:modId xmlns:p14="http://schemas.microsoft.com/office/powerpoint/2010/main" val="3758161865"/>
+              </p:ext>
+            </p:extLst>
+          </p:nvPr>
+        </p:nvGraphicFramePr>
+        <p:xfrm>
+          <a:off x="7543837" y="1749303"/>
+          <a:ext cx="4351130" cy="2561339"/>
+        </p:xfrm>
+        <a:graphic>
+          <a:graphicData uri="http://schemas.openxmlformats.org/drawingml/2006/chart">
+            <c:chart xmlns:c="http://schemas.openxmlformats.org/drawingml/2006/chart" xmlns:r="http://schemas.openxmlformats.org/officeDocument/2006/relationships" r:id="rId17"/>
+          </a:graphicData>
+        </a:graphic>
+      </p:graphicFrame>
+    </p:spTree>
+    <p:extLst>
+      <p:ext uri="{BB962C8B-B14F-4D97-AF65-F5344CB8AC3E}">
+        <p14:creationId xmlns:p14="http://schemas.microsoft.com/office/powerpoint/2010/main" val="3963359762"/>
+      </p:ext>
+    </p:extLst>
+  </p:cSld>
+  <p:clrMapOvr>
+    <a:masterClrMapping/>
+  </p:clrMapOvr>
+</p:sld>
+</file>
+
 <file path=ppt/theme/theme1.xml><?xml version="1.0" encoding="utf-8"?>
 <a:theme xmlns:a="http://schemas.openxmlformats.org/drawingml/2006/main" name="Office Theme">
   <a:themeElements>

--- a/Genetic/assignment/Presentation.pptx
+++ b/Genetic/assignment/Presentation.pptx
@@ -13,6 +13,7 @@
     <p:sldId id="261" r:id="rId7"/>
     <p:sldId id="262" r:id="rId8"/>
     <p:sldId id="263" r:id="rId9"/>
+    <p:sldId id="264" r:id="rId10"/>
   </p:sldIdLst>
   <p:sldSz cx="12192000" cy="6858000"/>
   <p:notesSz cx="6858000" cy="9144000"/>
@@ -206,40 +207,6 @@
         </a:ln>
         <a:effectLst/>
       </c:spPr>
-      <c:txPr>
-        <a:bodyPr rot="0" spcFirstLastPara="1" vertOverflow="ellipsis" vert="horz" wrap="square" anchor="ctr" anchorCtr="1"/>
-        <a:lstStyle/>
-        <a:p>
-          <a:pPr marL="0" marR="0" lvl="0" indent="0" algn="ctr" defTabSz="914400" rtl="0" eaLnBrk="1" fontAlgn="auto" latinLnBrk="0" hangingPunct="1">
-            <a:lnSpc>
-              <a:spcPct val="100000"/>
-            </a:lnSpc>
-            <a:spcBef>
-              <a:spcPts val="0"/>
-            </a:spcBef>
-            <a:spcAft>
-              <a:spcPts val="0"/>
-            </a:spcAft>
-            <a:buClrTx/>
-            <a:buSzTx/>
-            <a:buFontTx/>
-            <a:buNone/>
-            <a:tabLst/>
-            <a:defRPr sz="1862" b="0" i="0" u="none" strike="noStrike" kern="1200" spc="0" baseline="0">
-              <a:solidFill>
-                <a:schemeClr val="tx1">
-                  <a:lumMod val="85000"/>
-                  <a:lumOff val="15000"/>
-                </a:schemeClr>
-              </a:solidFill>
-              <a:latin typeface="+mn-lt"/>
-              <a:ea typeface="+mn-ea"/>
-              <a:cs typeface="+mn-cs"/>
-            </a:defRPr>
-          </a:pPr>
-          <a:endParaRPr lang="zh-TW"/>
-        </a:p>
-      </c:txPr>
     </c:title>
     <c:autoTitleDeleted val="0"/>
     <c:plotArea>
@@ -274,6 +241,11 @@
               </a:ln>
               <a:effectLst/>
             </c:spPr>
+            <c:extLst>
+              <c:ext xmlns:c16="http://schemas.microsoft.com/office/drawing/2014/chart" uri="{C3380CC4-5D6E-409C-BE32-E72D297353CC}">
+                <c16:uniqueId val="{00000001-8571-4E13-81B6-E29E460F3CF4}"/>
+              </c:ext>
+            </c:extLst>
           </c:dPt>
           <c:dPt>
             <c:idx val="1"/>
@@ -289,6 +261,11 @@
               </a:ln>
               <a:effectLst/>
             </c:spPr>
+            <c:extLst>
+              <c:ext xmlns:c16="http://schemas.microsoft.com/office/drawing/2014/chart" uri="{C3380CC4-5D6E-409C-BE32-E72D297353CC}">
+                <c16:uniqueId val="{00000003-8571-4E13-81B6-E29E460F3CF4}"/>
+              </c:ext>
+            </c:extLst>
           </c:dPt>
           <c:dPt>
             <c:idx val="2"/>
@@ -306,7 +283,7 @@
             </c:spPr>
             <c:extLst>
               <c:ext xmlns:c16="http://schemas.microsoft.com/office/drawing/2014/chart" uri="{C3380CC4-5D6E-409C-BE32-E72D297353CC}">
-                <c16:uniqueId val="{00000001-8C0C-4210-A943-A59E3927F086}"/>
+                <c16:uniqueId val="{00000005-8571-4E13-81B6-E29E460F3CF4}"/>
               </c:ext>
             </c:extLst>
           </c:dPt>
@@ -324,6 +301,11 @@
               </a:ln>
               <a:effectLst/>
             </c:spPr>
+            <c:extLst>
+              <c:ext xmlns:c16="http://schemas.microsoft.com/office/drawing/2014/chart" uri="{C3380CC4-5D6E-409C-BE32-E72D297353CC}">
+                <c16:uniqueId val="{00000007-8571-4E13-81B6-E29E460F3CF4}"/>
+              </c:ext>
+            </c:extLst>
           </c:dPt>
           <c:dLbls>
             <c:dLbl>
@@ -375,15 +357,11 @@
                     <a:prstGeom prst="rect">
                       <a:avLst/>
                     </a:prstGeom>
-                    <a:noFill/>
-                    <a:ln>
-                      <a:noFill/>
-                    </a:ln>
                   </c15:spPr>
                   <c15:layout/>
                 </c:ext>
                 <c:ext xmlns:c16="http://schemas.microsoft.com/office/drawing/2014/chart" uri="{C3380CC4-5D6E-409C-BE32-E72D297353CC}">
-                  <c16:uniqueId val="{00000001-8C0C-4210-A943-A59E3927F086}"/>
+                  <c16:uniqueId val="{00000005-8571-4E13-81B6-E29E460F3CF4}"/>
                 </c:ext>
               </c:extLst>
             </c:dLbl>
@@ -486,7 +464,7 @@
           </c:val>
           <c:extLst>
             <c:ext xmlns:c16="http://schemas.microsoft.com/office/drawing/2014/chart" uri="{C3380CC4-5D6E-409C-BE32-E72D297353CC}">
-              <c16:uniqueId val="{00000000-8C0C-4210-A943-A59E3927F086}"/>
+              <c16:uniqueId val="{00000008-8571-4E13-81B6-E29E460F3CF4}"/>
             </c:ext>
           </c:extLst>
         </c:ser>
@@ -571,569 +549,10 @@
       <a:endParaRPr lang="zh-TW"/>
     </a:p>
   </c:txPr>
-  <c:externalData r:id="rId3">
+  <c:externalData r:id="rId1">
     <c:autoUpdate val="0"/>
   </c:externalData>
 </c:chartSpace>
-</file>
-
-<file path=ppt/charts/colors1.xml><?xml version="1.0" encoding="utf-8"?>
-<cs:colorStyle xmlns:cs="http://schemas.microsoft.com/office/drawing/2012/chartStyle" xmlns:a="http://schemas.openxmlformats.org/drawingml/2006/main" meth="cycle" id="10">
-  <a:schemeClr val="accent1"/>
-  <a:schemeClr val="accent2"/>
-  <a:schemeClr val="accent3"/>
-  <a:schemeClr val="accent4"/>
-  <a:schemeClr val="accent5"/>
-  <a:schemeClr val="accent6"/>
-  <cs:variation/>
-  <cs:variation>
-    <a:lumMod val="60000"/>
-  </cs:variation>
-  <cs:variation>
-    <a:lumMod val="80000"/>
-    <a:lumOff val="20000"/>
-  </cs:variation>
-  <cs:variation>
-    <a:lumMod val="80000"/>
-  </cs:variation>
-  <cs:variation>
-    <a:lumMod val="60000"/>
-    <a:lumOff val="40000"/>
-  </cs:variation>
-  <cs:variation>
-    <a:lumMod val="50000"/>
-  </cs:variation>
-  <cs:variation>
-    <a:lumMod val="70000"/>
-    <a:lumOff val="30000"/>
-  </cs:variation>
-  <cs:variation>
-    <a:lumMod val="70000"/>
-  </cs:variation>
-  <cs:variation>
-    <a:lumMod val="50000"/>
-    <a:lumOff val="50000"/>
-  </cs:variation>
-</cs:colorStyle>
-</file>
-
-<file path=ppt/charts/style1.xml><?xml version="1.0" encoding="utf-8"?>
-<cs:chartStyle xmlns:cs="http://schemas.microsoft.com/office/drawing/2012/chartStyle" xmlns:a="http://schemas.openxmlformats.org/drawingml/2006/main" id="251">
-  <cs:axisTitle>
-    <cs:lnRef idx="0"/>
-    <cs:fillRef idx="0"/>
-    <cs:effectRef idx="0"/>
-    <cs:fontRef idx="minor">
-      <a:schemeClr val="tx1">
-        <a:lumMod val="65000"/>
-        <a:lumOff val="35000"/>
-      </a:schemeClr>
-    </cs:fontRef>
-    <cs:defRPr sz="1330" kern="1200"/>
-  </cs:axisTitle>
-  <cs:categoryAxis>
-    <cs:lnRef idx="0"/>
-    <cs:fillRef idx="0"/>
-    <cs:effectRef idx="0"/>
-    <cs:fontRef idx="minor">
-      <a:schemeClr val="tx1">
-        <a:lumMod val="65000"/>
-        <a:lumOff val="35000"/>
-      </a:schemeClr>
-    </cs:fontRef>
-    <cs:spPr>
-      <a:ln w="9525" cap="flat" cmpd="sng" algn="ctr">
-        <a:solidFill>
-          <a:schemeClr val="tx1">
-            <a:lumMod val="15000"/>
-            <a:lumOff val="85000"/>
-          </a:schemeClr>
-        </a:solidFill>
-        <a:round/>
-      </a:ln>
-    </cs:spPr>
-    <cs:defRPr sz="1197" kern="1200"/>
-  </cs:categoryAxis>
-  <cs:chartArea mods="allowNoFillOverride allowNoLineOverride">
-    <cs:lnRef idx="0"/>
-    <cs:fillRef idx="0"/>
-    <cs:effectRef idx="0"/>
-    <cs:fontRef idx="minor">
-      <a:schemeClr val="tx1"/>
-    </cs:fontRef>
-    <cs:spPr>
-      <a:solidFill>
-        <a:schemeClr val="bg1"/>
-      </a:solidFill>
-      <a:ln w="9525" cap="flat" cmpd="sng" algn="ctr">
-        <a:solidFill>
-          <a:schemeClr val="tx1">
-            <a:lumMod val="15000"/>
-            <a:lumOff val="85000"/>
-          </a:schemeClr>
-        </a:solidFill>
-        <a:round/>
-      </a:ln>
-    </cs:spPr>
-    <cs:defRPr sz="1197" kern="1200"/>
-  </cs:chartArea>
-  <cs:dataLabel>
-    <cs:lnRef idx="0"/>
-    <cs:fillRef idx="0"/>
-    <cs:effectRef idx="0"/>
-    <cs:fontRef idx="minor">
-      <a:schemeClr val="tx1">
-        <a:lumMod val="75000"/>
-        <a:lumOff val="25000"/>
-      </a:schemeClr>
-    </cs:fontRef>
-    <cs:defRPr sz="1197" kern="1200"/>
-  </cs:dataLabel>
-  <cs:dataLabelCallout>
-    <cs:lnRef idx="0"/>
-    <cs:fillRef idx="0"/>
-    <cs:effectRef idx="0"/>
-    <cs:fontRef idx="minor">
-      <a:schemeClr val="dk1">
-        <a:lumMod val="65000"/>
-        <a:lumOff val="35000"/>
-      </a:schemeClr>
-    </cs:fontRef>
-    <cs:spPr>
-      <a:solidFill>
-        <a:schemeClr val="lt1"/>
-      </a:solidFill>
-      <a:ln>
-        <a:solidFill>
-          <a:schemeClr val="dk1">
-            <a:lumMod val="25000"/>
-            <a:lumOff val="75000"/>
-          </a:schemeClr>
-        </a:solidFill>
-      </a:ln>
-    </cs:spPr>
-    <cs:defRPr sz="1197" kern="1200"/>
-    <cs:bodyPr rot="0" spcFirstLastPara="1" vertOverflow="clip" horzOverflow="clip" vert="horz" wrap="square" lIns="36576" tIns="18288" rIns="36576" bIns="18288" anchor="ctr" anchorCtr="1">
-      <a:spAutoFit/>
-    </cs:bodyPr>
-  </cs:dataLabelCallout>
-  <cs:dataPoint>
-    <cs:lnRef idx="0"/>
-    <cs:fillRef idx="1">
-      <cs:styleClr val="auto"/>
-    </cs:fillRef>
-    <cs:effectRef idx="0"/>
-    <cs:fontRef idx="minor">
-      <a:schemeClr val="tx1"/>
-    </cs:fontRef>
-    <cs:spPr>
-      <a:ln w="19050">
-        <a:solidFill>
-          <a:schemeClr val="lt1"/>
-        </a:solidFill>
-      </a:ln>
-    </cs:spPr>
-  </cs:dataPoint>
-  <cs:dataPoint3D>
-    <cs:lnRef idx="0"/>
-    <cs:fillRef idx="1">
-      <cs:styleClr val="auto"/>
-    </cs:fillRef>
-    <cs:effectRef idx="0"/>
-    <cs:fontRef idx="minor">
-      <a:schemeClr val="tx1"/>
-    </cs:fontRef>
-    <cs:spPr>
-      <a:ln w="25400">
-        <a:solidFill>
-          <a:schemeClr val="lt1"/>
-        </a:solidFill>
-      </a:ln>
-    </cs:spPr>
-  </cs:dataPoint3D>
-  <cs:dataPointLine>
-    <cs:lnRef idx="0">
-      <cs:styleClr val="auto"/>
-    </cs:lnRef>
-    <cs:fillRef idx="0"/>
-    <cs:effectRef idx="0"/>
-    <cs:fontRef idx="minor">
-      <a:schemeClr val="tx1"/>
-    </cs:fontRef>
-    <cs:spPr>
-      <a:ln w="28575" cap="rnd">
-        <a:solidFill>
-          <a:schemeClr val="phClr"/>
-        </a:solidFill>
-        <a:round/>
-      </a:ln>
-    </cs:spPr>
-  </cs:dataPointLine>
-  <cs:dataPointMarker>
-    <cs:lnRef idx="0">
-      <cs:styleClr val="auto"/>
-    </cs:lnRef>
-    <cs:fillRef idx="1">
-      <cs:styleClr val="auto"/>
-    </cs:fillRef>
-    <cs:effectRef idx="0"/>
-    <cs:fontRef idx="minor">
-      <a:schemeClr val="tx1"/>
-    </cs:fontRef>
-    <cs:spPr>
-      <a:ln w="9525">
-        <a:solidFill>
-          <a:schemeClr val="phClr"/>
-        </a:solidFill>
-      </a:ln>
-    </cs:spPr>
-  </cs:dataPointMarker>
-  <cs:dataPointMarkerLayout symbol="circle" size="5"/>
-  <cs:dataPointWireframe>
-    <cs:lnRef idx="0">
-      <cs:styleClr val="auto"/>
-    </cs:lnRef>
-    <cs:fillRef idx="0"/>
-    <cs:effectRef idx="0"/>
-    <cs:fontRef idx="minor">
-      <a:schemeClr val="tx1"/>
-    </cs:fontRef>
-    <cs:spPr>
-      <a:ln w="9525" cap="rnd">
-        <a:solidFill>
-          <a:schemeClr val="phClr"/>
-        </a:solidFill>
-        <a:round/>
-      </a:ln>
-    </cs:spPr>
-  </cs:dataPointWireframe>
-  <cs:dataTable>
-    <cs:lnRef idx="0"/>
-    <cs:fillRef idx="0"/>
-    <cs:effectRef idx="0"/>
-    <cs:fontRef idx="minor">
-      <a:schemeClr val="tx1">
-        <a:lumMod val="65000"/>
-        <a:lumOff val="35000"/>
-      </a:schemeClr>
-    </cs:fontRef>
-    <cs:spPr>
-      <a:noFill/>
-      <a:ln w="9525" cap="flat" cmpd="sng" algn="ctr">
-        <a:solidFill>
-          <a:schemeClr val="tx1">
-            <a:lumMod val="15000"/>
-            <a:lumOff val="85000"/>
-          </a:schemeClr>
-        </a:solidFill>
-        <a:round/>
-      </a:ln>
-    </cs:spPr>
-    <cs:defRPr sz="1197" kern="1200"/>
-  </cs:dataTable>
-  <cs:downBar>
-    <cs:lnRef idx="0"/>
-    <cs:fillRef idx="0"/>
-    <cs:effectRef idx="0"/>
-    <cs:fontRef idx="minor">
-      <a:schemeClr val="tx1"/>
-    </cs:fontRef>
-    <cs:spPr>
-      <a:solidFill>
-        <a:schemeClr val="dk1">
-          <a:lumMod val="75000"/>
-          <a:lumOff val="25000"/>
-        </a:schemeClr>
-      </a:solidFill>
-      <a:ln w="9525" cap="flat" cmpd="sng" algn="ctr">
-        <a:solidFill>
-          <a:schemeClr val="tx1">
-            <a:lumMod val="65000"/>
-            <a:lumOff val="35000"/>
-          </a:schemeClr>
-        </a:solidFill>
-        <a:round/>
-      </a:ln>
-    </cs:spPr>
-  </cs:downBar>
-  <cs:dropLine>
-    <cs:lnRef idx="0"/>
-    <cs:fillRef idx="0"/>
-    <cs:effectRef idx="0"/>
-    <cs:fontRef idx="minor">
-      <a:schemeClr val="tx1"/>
-    </cs:fontRef>
-    <cs:spPr>
-      <a:ln w="9525" cap="flat" cmpd="sng" algn="ctr">
-        <a:solidFill>
-          <a:schemeClr val="tx1">
-            <a:lumMod val="35000"/>
-            <a:lumOff val="65000"/>
-          </a:schemeClr>
-        </a:solidFill>
-        <a:round/>
-      </a:ln>
-    </cs:spPr>
-  </cs:dropLine>
-  <cs:errorBar>
-    <cs:lnRef idx="0"/>
-    <cs:fillRef idx="0"/>
-    <cs:effectRef idx="0"/>
-    <cs:fontRef idx="minor">
-      <a:schemeClr val="tx1"/>
-    </cs:fontRef>
-    <cs:spPr>
-      <a:ln w="9525" cap="flat" cmpd="sng" algn="ctr">
-        <a:solidFill>
-          <a:schemeClr val="tx1">
-            <a:lumMod val="65000"/>
-            <a:lumOff val="35000"/>
-          </a:schemeClr>
-        </a:solidFill>
-        <a:round/>
-      </a:ln>
-    </cs:spPr>
-  </cs:errorBar>
-  <cs:floor>
-    <cs:lnRef idx="0"/>
-    <cs:fillRef idx="0"/>
-    <cs:effectRef idx="0"/>
-    <cs:fontRef idx="minor">
-      <a:schemeClr val="tx1"/>
-    </cs:fontRef>
-    <cs:spPr>
-      <a:noFill/>
-      <a:ln>
-        <a:noFill/>
-      </a:ln>
-    </cs:spPr>
-  </cs:floor>
-  <cs:gridlineMajor>
-    <cs:lnRef idx="0"/>
-    <cs:fillRef idx="0"/>
-    <cs:effectRef idx="0"/>
-    <cs:fontRef idx="minor">
-      <a:schemeClr val="tx1"/>
-    </cs:fontRef>
-    <cs:spPr>
-      <a:ln w="9525" cap="flat" cmpd="sng" algn="ctr">
-        <a:solidFill>
-          <a:schemeClr val="tx1">
-            <a:lumMod val="15000"/>
-            <a:lumOff val="85000"/>
-          </a:schemeClr>
-        </a:solidFill>
-        <a:round/>
-      </a:ln>
-    </cs:spPr>
-  </cs:gridlineMajor>
-  <cs:gridlineMinor>
-    <cs:lnRef idx="0"/>
-    <cs:fillRef idx="0"/>
-    <cs:effectRef idx="0"/>
-    <cs:fontRef idx="minor">
-      <a:schemeClr val="tx1"/>
-    </cs:fontRef>
-    <cs:spPr>
-      <a:ln w="9525" cap="flat" cmpd="sng" algn="ctr">
-        <a:solidFill>
-          <a:schemeClr val="tx1">
-            <a:lumMod val="5000"/>
-            <a:lumOff val="95000"/>
-          </a:schemeClr>
-        </a:solidFill>
-        <a:round/>
-      </a:ln>
-    </cs:spPr>
-  </cs:gridlineMinor>
-  <cs:hiLoLine>
-    <cs:lnRef idx="0"/>
-    <cs:fillRef idx="0"/>
-    <cs:effectRef idx="0"/>
-    <cs:fontRef idx="minor">
-      <a:schemeClr val="tx1"/>
-    </cs:fontRef>
-    <cs:spPr>
-      <a:ln w="9525" cap="flat" cmpd="sng" algn="ctr">
-        <a:solidFill>
-          <a:schemeClr val="tx1">
-            <a:lumMod val="50000"/>
-            <a:lumOff val="50000"/>
-          </a:schemeClr>
-        </a:solidFill>
-        <a:round/>
-      </a:ln>
-    </cs:spPr>
-  </cs:hiLoLine>
-  <cs:leaderLine>
-    <cs:lnRef idx="0"/>
-    <cs:fillRef idx="0"/>
-    <cs:effectRef idx="0"/>
-    <cs:fontRef idx="minor">
-      <a:schemeClr val="tx1"/>
-    </cs:fontRef>
-    <cs:spPr>
-      <a:ln w="9525" cap="flat" cmpd="sng" algn="ctr">
-        <a:solidFill>
-          <a:schemeClr val="tx1">
-            <a:lumMod val="35000"/>
-            <a:lumOff val="65000"/>
-          </a:schemeClr>
-        </a:solidFill>
-        <a:round/>
-      </a:ln>
-    </cs:spPr>
-  </cs:leaderLine>
-  <cs:legend>
-    <cs:lnRef idx="0"/>
-    <cs:fillRef idx="0"/>
-    <cs:effectRef idx="0"/>
-    <cs:fontRef idx="minor">
-      <a:schemeClr val="tx1">
-        <a:lumMod val="65000"/>
-        <a:lumOff val="35000"/>
-      </a:schemeClr>
-    </cs:fontRef>
-    <cs:defRPr sz="1197" kern="1200"/>
-  </cs:legend>
-  <cs:plotArea mods="allowNoFillOverride allowNoLineOverride">
-    <cs:lnRef idx="0"/>
-    <cs:fillRef idx="0"/>
-    <cs:effectRef idx="0"/>
-    <cs:fontRef idx="minor">
-      <a:schemeClr val="tx1"/>
-    </cs:fontRef>
-  </cs:plotArea>
-  <cs:plotArea3D mods="allowNoFillOverride allowNoLineOverride">
-    <cs:lnRef idx="0"/>
-    <cs:fillRef idx="0"/>
-    <cs:effectRef idx="0"/>
-    <cs:fontRef idx="minor">
-      <a:schemeClr val="tx1"/>
-    </cs:fontRef>
-  </cs:plotArea3D>
-  <cs:seriesAxis>
-    <cs:lnRef idx="0"/>
-    <cs:fillRef idx="0"/>
-    <cs:effectRef idx="0"/>
-    <cs:fontRef idx="minor">
-      <a:schemeClr val="tx1">
-        <a:lumMod val="65000"/>
-        <a:lumOff val="35000"/>
-      </a:schemeClr>
-    </cs:fontRef>
-    <cs:defRPr sz="1197" kern="1200"/>
-  </cs:seriesAxis>
-  <cs:seriesLine>
-    <cs:lnRef idx="0"/>
-    <cs:fillRef idx="0"/>
-    <cs:effectRef idx="0"/>
-    <cs:fontRef idx="minor">
-      <a:schemeClr val="tx1"/>
-    </cs:fontRef>
-    <cs:spPr>
-      <a:ln w="9525" cap="flat" cmpd="sng" algn="ctr">
-        <a:solidFill>
-          <a:schemeClr val="tx1">
-            <a:lumMod val="35000"/>
-            <a:lumOff val="65000"/>
-          </a:schemeClr>
-        </a:solidFill>
-        <a:round/>
-      </a:ln>
-    </cs:spPr>
-  </cs:seriesLine>
-  <cs:title>
-    <cs:lnRef idx="0"/>
-    <cs:fillRef idx="0"/>
-    <cs:effectRef idx="0"/>
-    <cs:fontRef idx="minor">
-      <a:schemeClr val="tx1">
-        <a:lumMod val="65000"/>
-        <a:lumOff val="35000"/>
-      </a:schemeClr>
-    </cs:fontRef>
-    <cs:defRPr sz="1862" b="0" kern="1200" spc="0" baseline="0"/>
-  </cs:title>
-  <cs:trendline>
-    <cs:lnRef idx="0">
-      <cs:styleClr val="auto"/>
-    </cs:lnRef>
-    <cs:fillRef idx="0"/>
-    <cs:effectRef idx="0"/>
-    <cs:fontRef idx="minor">
-      <a:schemeClr val="tx1"/>
-    </cs:fontRef>
-    <cs:spPr>
-      <a:ln w="19050" cap="rnd">
-        <a:solidFill>
-          <a:schemeClr val="phClr"/>
-        </a:solidFill>
-        <a:prstDash val="sysDot"/>
-      </a:ln>
-    </cs:spPr>
-  </cs:trendline>
-  <cs:trendlineLabel>
-    <cs:lnRef idx="0"/>
-    <cs:fillRef idx="0"/>
-    <cs:effectRef idx="0"/>
-    <cs:fontRef idx="minor">
-      <a:schemeClr val="tx1">
-        <a:lumMod val="65000"/>
-        <a:lumOff val="35000"/>
-      </a:schemeClr>
-    </cs:fontRef>
-    <cs:defRPr sz="1197" kern="1200"/>
-  </cs:trendlineLabel>
-  <cs:upBar>
-    <cs:lnRef idx="0"/>
-    <cs:fillRef idx="0"/>
-    <cs:effectRef idx="0"/>
-    <cs:fontRef idx="minor">
-      <a:schemeClr val="tx1"/>
-    </cs:fontRef>
-    <cs:spPr>
-      <a:solidFill>
-        <a:schemeClr val="lt1"/>
-      </a:solidFill>
-      <a:ln w="9525" cap="flat" cmpd="sng" algn="ctr">
-        <a:solidFill>
-          <a:schemeClr val="tx1">
-            <a:lumMod val="65000"/>
-            <a:lumOff val="35000"/>
-          </a:schemeClr>
-        </a:solidFill>
-        <a:round/>
-      </a:ln>
-    </cs:spPr>
-  </cs:upBar>
-  <cs:valueAxis>
-    <cs:lnRef idx="0"/>
-    <cs:fillRef idx="0"/>
-    <cs:effectRef idx="0"/>
-    <cs:fontRef idx="minor">
-      <a:schemeClr val="tx1">
-        <a:lumMod val="65000"/>
-        <a:lumOff val="35000"/>
-      </a:schemeClr>
-    </cs:fontRef>
-    <cs:defRPr sz="1197" kern="1200"/>
-  </cs:valueAxis>
-  <cs:wall>
-    <cs:lnRef idx="0"/>
-    <cs:fillRef idx="0"/>
-    <cs:effectRef idx="0"/>
-    <cs:fontRef idx="minor">
-      <a:schemeClr val="tx1"/>
-    </cs:fontRef>
-    <cs:spPr>
-      <a:noFill/>
-      <a:ln>
-        <a:noFill/>
-      </a:ln>
-    </cs:spPr>
-  </cs:wall>
-</cs:chartStyle>
 </file>
 
 <file path=ppt/diagrams/colors1.xml><?xml version="1.0" encoding="utf-8"?>
@@ -23705,13 +23124,7 @@
               <a:rPr lang="en-US" altLang="zh-TW" sz="1100" dirty="0" smtClean="0">
                 <a:ln w="0"/>
               </a:rPr>
-              <a:t> </a:t>
-            </a:r>
-            <a:r>
-              <a:rPr lang="en-US" altLang="zh-TW" sz="1100" dirty="0" smtClean="0">
-                <a:ln w="0"/>
-              </a:rPr>
-              <a:t>13</a:t>
+              <a:t> 13</a:t>
             </a:r>
             <a:endParaRPr lang="zh-TW" altLang="en-US" sz="1100" b="0" cap="none" spc="0" dirty="0">
               <a:ln w="0"/>
@@ -25582,8 +24995,8 @@
           </a:p>
         </p:txBody>
       </p:sp>
-      <mc:AlternateContent xmlns:mc="http://schemas.openxmlformats.org/markup-compatibility/2006">
-        <mc:Choice xmlns:a14="http://schemas.microsoft.com/office/drawing/2010/main" Requires="a14">
+      <mc:AlternateContent xmlns:mc="http://schemas.openxmlformats.org/markup-compatibility/2006" xmlns:a14="http://schemas.microsoft.com/office/drawing/2010/main">
+        <mc:Choice Requires="a14">
           <p:sp>
             <p:nvSpPr>
               <p:cNvPr id="16" name="矩形 15"/>
@@ -25651,7 +25064,7 @@
             </p:txBody>
           </p:sp>
         </mc:Choice>
-        <mc:Fallback>
+        <mc:Fallback xmlns="">
           <p:sp>
             <p:nvSpPr>
               <p:cNvPr id="16" name="矩形 15"/>
@@ -25690,8 +25103,8 @@
           </p:sp>
         </mc:Fallback>
       </mc:AlternateContent>
-      <mc:AlternateContent xmlns:mc="http://schemas.openxmlformats.org/markup-compatibility/2006">
-        <mc:Choice xmlns:a14="http://schemas.microsoft.com/office/drawing/2010/main" Requires="a14">
+      <mc:AlternateContent xmlns:mc="http://schemas.openxmlformats.org/markup-compatibility/2006" xmlns:a14="http://schemas.microsoft.com/office/drawing/2010/main">
+        <mc:Choice Requires="a14">
           <p:sp>
             <p:nvSpPr>
               <p:cNvPr id="17" name="矩形 16"/>
@@ -25759,7 +25172,7 @@
             </p:txBody>
           </p:sp>
         </mc:Choice>
-        <mc:Fallback>
+        <mc:Fallback xmlns="">
           <p:sp>
             <p:nvSpPr>
               <p:cNvPr id="17" name="矩形 16"/>
@@ -25798,8 +25211,8 @@
           </p:sp>
         </mc:Fallback>
       </mc:AlternateContent>
-      <mc:AlternateContent xmlns:mc="http://schemas.openxmlformats.org/markup-compatibility/2006">
-        <mc:Choice xmlns:a14="http://schemas.microsoft.com/office/drawing/2010/main" Requires="a14">
+      <mc:AlternateContent xmlns:mc="http://schemas.openxmlformats.org/markup-compatibility/2006" xmlns:a14="http://schemas.microsoft.com/office/drawing/2010/main">
+        <mc:Choice Requires="a14">
           <p:sp>
             <p:nvSpPr>
               <p:cNvPr id="20" name="矩形 19"/>
@@ -25867,7 +25280,7 @@
             </p:txBody>
           </p:sp>
         </mc:Choice>
-        <mc:Fallback>
+        <mc:Fallback xmlns="">
           <p:sp>
             <p:nvSpPr>
               <p:cNvPr id="20" name="矩形 19"/>
@@ -25906,8 +25319,8 @@
           </p:sp>
         </mc:Fallback>
       </mc:AlternateContent>
-      <mc:AlternateContent xmlns:mc="http://schemas.openxmlformats.org/markup-compatibility/2006">
-        <mc:Choice xmlns:a14="http://schemas.microsoft.com/office/drawing/2010/main" Requires="a14">
+      <mc:AlternateContent xmlns:mc="http://schemas.openxmlformats.org/markup-compatibility/2006" xmlns:a14="http://schemas.microsoft.com/office/drawing/2010/main">
+        <mc:Choice Requires="a14">
           <p:sp>
             <p:nvSpPr>
               <p:cNvPr id="21" name="矩形 20"/>
@@ -25975,7 +25388,7 @@
             </p:txBody>
           </p:sp>
         </mc:Choice>
-        <mc:Fallback>
+        <mc:Fallback xmlns="">
           <p:sp>
             <p:nvSpPr>
               <p:cNvPr id="21" name="矩形 20"/>
@@ -26014,8 +25427,8 @@
           </p:sp>
         </mc:Fallback>
       </mc:AlternateContent>
-      <mc:AlternateContent xmlns:mc="http://schemas.openxmlformats.org/markup-compatibility/2006">
-        <mc:Choice xmlns:a14="http://schemas.microsoft.com/office/drawing/2010/main" Requires="a14">
+      <mc:AlternateContent xmlns:mc="http://schemas.openxmlformats.org/markup-compatibility/2006" xmlns:a14="http://schemas.microsoft.com/office/drawing/2010/main">
+        <mc:Choice Requires="a14">
           <p:sp>
             <p:nvSpPr>
               <p:cNvPr id="22" name="文字方塊 21"/>
@@ -26252,7 +25665,7 @@
             </p:txBody>
           </p:sp>
         </mc:Choice>
-        <mc:Fallback>
+        <mc:Fallback xmlns="">
           <p:sp>
             <p:nvSpPr>
               <p:cNvPr id="22" name="文字方塊 21"/>
@@ -26382,8 +25795,8 @@
           </a:p>
         </p:txBody>
       </p:sp>
-      <mc:AlternateContent xmlns:mc="http://schemas.openxmlformats.org/markup-compatibility/2006">
-        <mc:Choice xmlns:a14="http://schemas.microsoft.com/office/drawing/2010/main" Requires="a14">
+      <mc:AlternateContent xmlns:mc="http://schemas.openxmlformats.org/markup-compatibility/2006" xmlns:a14="http://schemas.microsoft.com/office/drawing/2010/main">
+        <mc:Choice Requires="a14">
           <p:sp>
             <p:nvSpPr>
               <p:cNvPr id="26" name="矩形 25"/>
@@ -26477,19 +25890,7 @@
                           <a:rPr lang="en-US" altLang="zh-TW" sz="1400" i="1">
                             <a:latin typeface="Cambria Math" panose="02040503050406030204" pitchFamily="18" charset="0"/>
                           </a:rPr>
-                          <m:t>14</m:t>
-                        </m:r>
-                        <m:r>
-                          <a:rPr lang="en-US" altLang="zh-TW" sz="1400" i="1">
-                            <a:latin typeface="Cambria Math" panose="02040503050406030204" pitchFamily="18" charset="0"/>
-                          </a:rPr>
-                          <m:t>+</m:t>
-                        </m:r>
-                        <m:r>
-                          <a:rPr lang="en-US" altLang="zh-TW" sz="1400" i="1">
-                            <a:latin typeface="Cambria Math" panose="02040503050406030204" pitchFamily="18" charset="0"/>
-                          </a:rPr>
-                          <m:t>13+5+28</m:t>
+                          <m:t>14+13+5+28</m:t>
                         </m:r>
                       </m:den>
                     </m:f>
@@ -26549,7 +25950,7 @@
             </p:txBody>
           </p:sp>
         </mc:Choice>
-        <mc:Fallback>
+        <mc:Fallback xmlns="">
           <p:sp>
             <p:nvSpPr>
               <p:cNvPr id="26" name="矩形 25"/>
@@ -26588,8 +25989,8 @@
           </p:sp>
         </mc:Fallback>
       </mc:AlternateContent>
-      <mc:AlternateContent xmlns:mc="http://schemas.openxmlformats.org/markup-compatibility/2006">
-        <mc:Choice xmlns:a14="http://schemas.microsoft.com/office/drawing/2010/main" Requires="a14">
+      <mc:AlternateContent xmlns:mc="http://schemas.openxmlformats.org/markup-compatibility/2006" xmlns:a14="http://schemas.microsoft.com/office/drawing/2010/main">
+        <mc:Choice Requires="a14">
           <p:sp>
             <p:nvSpPr>
               <p:cNvPr id="27" name="矩形 26"/>
@@ -26683,19 +26084,7 @@
                           <a:rPr lang="en-US" altLang="zh-TW" sz="1400" i="1">
                             <a:latin typeface="Cambria Math" panose="02040503050406030204" pitchFamily="18" charset="0"/>
                           </a:rPr>
-                          <m:t>14</m:t>
-                        </m:r>
-                        <m:r>
-                          <a:rPr lang="en-US" altLang="zh-TW" sz="1400" i="1">
-                            <a:latin typeface="Cambria Math" panose="02040503050406030204" pitchFamily="18" charset="0"/>
-                          </a:rPr>
-                          <m:t>+</m:t>
-                        </m:r>
-                        <m:r>
-                          <a:rPr lang="en-US" altLang="zh-TW" sz="1400" i="1">
-                            <a:latin typeface="Cambria Math" panose="02040503050406030204" pitchFamily="18" charset="0"/>
-                          </a:rPr>
-                          <m:t>13+5+28</m:t>
+                          <m:t>14+13+5+28</m:t>
                         </m:r>
                       </m:den>
                     </m:f>
@@ -26758,7 +26147,7 @@
             </p:txBody>
           </p:sp>
         </mc:Choice>
-        <mc:Fallback>
+        <mc:Fallback xmlns="">
           <p:sp>
             <p:nvSpPr>
               <p:cNvPr id="27" name="矩形 26"/>
@@ -26797,8 +26186,8 @@
           </p:sp>
         </mc:Fallback>
       </mc:AlternateContent>
-      <mc:AlternateContent xmlns:mc="http://schemas.openxmlformats.org/markup-compatibility/2006">
-        <mc:Choice xmlns:a14="http://schemas.microsoft.com/office/drawing/2010/main" Requires="a14">
+      <mc:AlternateContent xmlns:mc="http://schemas.openxmlformats.org/markup-compatibility/2006" xmlns:a14="http://schemas.microsoft.com/office/drawing/2010/main">
+        <mc:Choice Requires="a14">
           <p:sp>
             <p:nvSpPr>
               <p:cNvPr id="28" name="矩形 27"/>
@@ -26892,19 +26281,7 @@
                           <a:rPr lang="en-US" altLang="zh-TW" sz="1400" i="1">
                             <a:latin typeface="Cambria Math" panose="02040503050406030204" pitchFamily="18" charset="0"/>
                           </a:rPr>
-                          <m:t>14</m:t>
-                        </m:r>
-                        <m:r>
-                          <a:rPr lang="en-US" altLang="zh-TW" sz="1400" i="1">
-                            <a:latin typeface="Cambria Math" panose="02040503050406030204" pitchFamily="18" charset="0"/>
-                          </a:rPr>
-                          <m:t>+</m:t>
-                        </m:r>
-                        <m:r>
-                          <a:rPr lang="en-US" altLang="zh-TW" sz="1400" i="1">
-                            <a:latin typeface="Cambria Math" panose="02040503050406030204" pitchFamily="18" charset="0"/>
-                          </a:rPr>
-                          <m:t>13+5+28</m:t>
+                          <m:t>14+13+5+28</m:t>
                         </m:r>
                       </m:den>
                     </m:f>
@@ -26972,7 +26349,7 @@
             </p:txBody>
           </p:sp>
         </mc:Choice>
-        <mc:Fallback>
+        <mc:Fallback xmlns="">
           <p:sp>
             <p:nvSpPr>
               <p:cNvPr id="28" name="矩形 27"/>
@@ -27011,8 +26388,8 @@
           </p:sp>
         </mc:Fallback>
       </mc:AlternateContent>
-      <mc:AlternateContent xmlns:mc="http://schemas.openxmlformats.org/markup-compatibility/2006">
-        <mc:Choice xmlns:a14="http://schemas.microsoft.com/office/drawing/2010/main" Requires="a14">
+      <mc:AlternateContent xmlns:mc="http://schemas.openxmlformats.org/markup-compatibility/2006" xmlns:a14="http://schemas.microsoft.com/office/drawing/2010/main">
+        <mc:Choice Requires="a14">
           <p:sp>
             <p:nvSpPr>
               <p:cNvPr id="30" name="矩形 29"/>
@@ -27106,19 +26483,7 @@
                           <a:rPr lang="en-US" altLang="zh-TW" sz="1400" i="1">
                             <a:latin typeface="Cambria Math" panose="02040503050406030204" pitchFamily="18" charset="0"/>
                           </a:rPr>
-                          <m:t>14</m:t>
-                        </m:r>
-                        <m:r>
-                          <a:rPr lang="en-US" altLang="zh-TW" sz="1400" i="1">
-                            <a:latin typeface="Cambria Math" panose="02040503050406030204" pitchFamily="18" charset="0"/>
-                          </a:rPr>
-                          <m:t>+</m:t>
-                        </m:r>
-                        <m:r>
-                          <a:rPr lang="en-US" altLang="zh-TW" sz="1400" i="1">
-                            <a:latin typeface="Cambria Math" panose="02040503050406030204" pitchFamily="18" charset="0"/>
-                          </a:rPr>
-                          <m:t>13+5+28</m:t>
+                          <m:t>14+13+5+28</m:t>
                         </m:r>
                       </m:den>
                     </m:f>
@@ -27180,7 +26545,7 @@
             </p:txBody>
           </p:sp>
         </mc:Choice>
-        <mc:Fallback>
+        <mc:Fallback xmlns="">
           <p:sp>
             <p:nvSpPr>
               <p:cNvPr id="30" name="矩形 29"/>
@@ -27334,8 +26699,8 @@
           </a:p>
         </p:txBody>
       </p:sp>
-      <mc:AlternateContent xmlns:mc="http://schemas.openxmlformats.org/markup-compatibility/2006">
-        <mc:Choice xmlns:a14="http://schemas.microsoft.com/office/drawing/2010/main" Requires="a14">
+      <mc:AlternateContent xmlns:mc="http://schemas.openxmlformats.org/markup-compatibility/2006" xmlns:a14="http://schemas.microsoft.com/office/drawing/2010/main">
+        <mc:Choice Requires="a14">
           <p:sp>
             <p:nvSpPr>
               <p:cNvPr id="37" name="矩形 36"/>
@@ -27415,7 +26780,7 @@
             </p:txBody>
           </p:sp>
         </mc:Choice>
-        <mc:Fallback>
+        <mc:Fallback xmlns="">
           <p:sp>
             <p:nvSpPr>
               <p:cNvPr id="37" name="矩形 36"/>
@@ -27454,8 +26819,8 @@
           </p:sp>
         </mc:Fallback>
       </mc:AlternateContent>
-      <mc:AlternateContent xmlns:mc="http://schemas.openxmlformats.org/markup-compatibility/2006">
-        <mc:Choice xmlns:a14="http://schemas.microsoft.com/office/drawing/2010/main" Requires="a14">
+      <mc:AlternateContent xmlns:mc="http://schemas.openxmlformats.org/markup-compatibility/2006" xmlns:a14="http://schemas.microsoft.com/office/drawing/2010/main">
+        <mc:Choice Requires="a14">
           <p:sp>
             <p:nvSpPr>
               <p:cNvPr id="38" name="矩形 37"/>
@@ -27535,7 +26900,7 @@
             </p:txBody>
           </p:sp>
         </mc:Choice>
-        <mc:Fallback>
+        <mc:Fallback xmlns="">
           <p:sp>
             <p:nvSpPr>
               <p:cNvPr id="38" name="矩形 37"/>
@@ -27574,8 +26939,8 @@
           </p:sp>
         </mc:Fallback>
       </mc:AlternateContent>
-      <mc:AlternateContent xmlns:mc="http://schemas.openxmlformats.org/markup-compatibility/2006">
-        <mc:Choice xmlns:a14="http://schemas.microsoft.com/office/drawing/2010/main" Requires="a14">
+      <mc:AlternateContent xmlns:mc="http://schemas.openxmlformats.org/markup-compatibility/2006" xmlns:a14="http://schemas.microsoft.com/office/drawing/2010/main">
+        <mc:Choice Requires="a14">
           <p:sp>
             <p:nvSpPr>
               <p:cNvPr id="39" name="矩形 38"/>
@@ -27655,7 +27020,7 @@
             </p:txBody>
           </p:sp>
         </mc:Choice>
-        <mc:Fallback>
+        <mc:Fallback xmlns="">
           <p:sp>
             <p:nvSpPr>
               <p:cNvPr id="39" name="矩形 38"/>
@@ -27738,8 +27103,8 @@
           </a:p>
         </p:txBody>
       </p:sp>
-      <mc:AlternateContent xmlns:mc="http://schemas.openxmlformats.org/markup-compatibility/2006">
-        <mc:Choice xmlns:a14="http://schemas.microsoft.com/office/drawing/2010/main" Requires="a14">
+      <mc:AlternateContent xmlns:mc="http://schemas.openxmlformats.org/markup-compatibility/2006" xmlns:a14="http://schemas.microsoft.com/office/drawing/2010/main">
+        <mc:Choice Requires="a14">
           <p:sp>
             <p:nvSpPr>
               <p:cNvPr id="41" name="文字方塊 40"/>
@@ -27806,7 +27171,7 @@
             </p:txBody>
           </p:sp>
         </mc:Choice>
-        <mc:Fallback>
+        <mc:Fallback xmlns="">
           <p:sp>
             <p:nvSpPr>
               <p:cNvPr id="41" name="文字方塊 40"/>
@@ -27845,8 +27210,8 @@
           </p:sp>
         </mc:Fallback>
       </mc:AlternateContent>
-      <mc:AlternateContent xmlns:mc="http://schemas.openxmlformats.org/markup-compatibility/2006">
-        <mc:Choice xmlns:a14="http://schemas.microsoft.com/office/drawing/2010/main" Requires="a14">
+      <mc:AlternateContent xmlns:mc="http://schemas.openxmlformats.org/markup-compatibility/2006" xmlns:a14="http://schemas.microsoft.com/office/drawing/2010/main">
+        <mc:Choice Requires="a14">
           <p:sp>
             <p:nvSpPr>
               <p:cNvPr id="42" name="文字方塊 41"/>
@@ -27869,6 +27234,7 @@
               </a:bodyPr>
               <a:lstStyle/>
               <a:p>
+                <a:pPr/>
                 <a14:m>
                   <m:oMathPara xmlns:m="http://schemas.openxmlformats.org/officeDocument/2006/math">
                     <m:oMathParaPr>
@@ -27963,7 +27329,7 @@
             </p:txBody>
           </p:sp>
         </mc:Choice>
-        <mc:Fallback>
+        <mc:Fallback xmlns="">
           <p:sp>
             <p:nvSpPr>
               <p:cNvPr id="42" name="文字方塊 41"/>
@@ -28002,8 +27368,8 @@
           </p:sp>
         </mc:Fallback>
       </mc:AlternateContent>
-      <mc:AlternateContent xmlns:mc="http://schemas.openxmlformats.org/markup-compatibility/2006">
-        <mc:Choice xmlns:a14="http://schemas.microsoft.com/office/drawing/2010/main" Requires="a14">
+      <mc:AlternateContent xmlns:mc="http://schemas.openxmlformats.org/markup-compatibility/2006" xmlns:a14="http://schemas.microsoft.com/office/drawing/2010/main">
+        <mc:Choice Requires="a14">
           <p:sp>
             <p:nvSpPr>
               <p:cNvPr id="43" name="矩形 42"/>
@@ -28083,7 +27449,7 @@
             </p:txBody>
           </p:sp>
         </mc:Choice>
-        <mc:Fallback>
+        <mc:Fallback xmlns="">
           <p:sp>
             <p:nvSpPr>
               <p:cNvPr id="43" name="矩形 42"/>
@@ -28122,32 +27488,92 @@
           </p:sp>
         </mc:Fallback>
       </mc:AlternateContent>
+    </p:spTree>
+    <p:extLst>
+      <p:ext uri="{BB962C8B-B14F-4D97-AF65-F5344CB8AC3E}">
+        <p14:creationId xmlns:p14="http://schemas.microsoft.com/office/powerpoint/2010/main" val="3963359762"/>
+      </p:ext>
+    </p:extLst>
+  </p:cSld>
+  <p:clrMapOvr>
+    <a:masterClrMapping/>
+  </p:clrMapOvr>
+</p:sld>
+</file>
+
+<file path=ppt/slides/slide9.xml><?xml version="1.0" encoding="utf-8"?>
+<p:sld xmlns:a="http://schemas.openxmlformats.org/drawingml/2006/main" xmlns:r="http://schemas.openxmlformats.org/officeDocument/2006/relationships" xmlns:p="http://schemas.openxmlformats.org/presentationml/2006/main">
+  <p:cSld>
+    <p:spTree>
+      <p:nvGrpSpPr>
+        <p:cNvPr id="1" name=""/>
+        <p:cNvGrpSpPr/>
+        <p:nvPr/>
+      </p:nvGrpSpPr>
+      <p:grpSpPr>
+        <a:xfrm>
+          <a:off x="0" y="0"/>
+          <a:ext cx="0" cy="0"/>
+          <a:chOff x="0" y="0"/>
+          <a:chExt cx="0" cy="0"/>
+        </a:xfrm>
+      </p:grpSpPr>
       <p:graphicFrame>
         <p:nvGraphicFramePr>
-          <p:cNvPr id="47" name="圖表 46"/>
+          <p:cNvPr id="4" name="圖表 3"/>
           <p:cNvGraphicFramePr/>
           <p:nvPr>
             <p:extLst>
               <p:ext uri="{D42A27DB-BD31-4B8C-83A1-F6EECF244321}">
-                <p14:modId xmlns:p14="http://schemas.microsoft.com/office/powerpoint/2010/main" val="3758161865"/>
+                <p14:modId xmlns:p14="http://schemas.microsoft.com/office/powerpoint/2010/main" val="1146116499"/>
               </p:ext>
             </p:extLst>
           </p:nvPr>
         </p:nvGraphicFramePr>
         <p:xfrm>
-          <a:off x="7543837" y="1749303"/>
+          <a:off x="457237" y="896442"/>
           <a:ext cx="4351130" cy="2561339"/>
         </p:xfrm>
         <a:graphic>
           <a:graphicData uri="http://schemas.openxmlformats.org/drawingml/2006/chart">
-            <c:chart xmlns:c="http://schemas.openxmlformats.org/drawingml/2006/chart" xmlns:r="http://schemas.openxmlformats.org/officeDocument/2006/relationships" r:id="rId17"/>
+            <c:chart xmlns:c="http://schemas.openxmlformats.org/drawingml/2006/chart" xmlns:r="http://schemas.openxmlformats.org/officeDocument/2006/relationships" r:id="rId2"/>
           </a:graphicData>
         </a:graphic>
       </p:graphicFrame>
+      <p:pic>
+        <p:nvPicPr>
+          <p:cNvPr id="5" name="圖片 4"/>
+          <p:cNvPicPr>
+            <a:picLocks noChangeAspect="1"/>
+          </p:cNvPicPr>
+          <p:nvPr/>
+        </p:nvPicPr>
+        <p:blipFill>
+          <a:blip r:embed="rId3">
+            <a:extLst>
+              <a:ext uri="{28A0092B-C50C-407E-A947-70E740481C1C}">
+                <a14:useLocalDpi xmlns:a14="http://schemas.microsoft.com/office/drawing/2010/main" val="0"/>
+              </a:ext>
+            </a:extLst>
+          </a:blip>
+          <a:stretch>
+            <a:fillRect/>
+          </a:stretch>
+        </p:blipFill>
+        <p:spPr>
+          <a:xfrm>
+            <a:off x="3937602" y="1319857"/>
+            <a:ext cx="6051204" cy="1714508"/>
+          </a:xfrm>
+          <a:prstGeom prst="rect">
+            <a:avLst/>
+          </a:prstGeom>
+        </p:spPr>
+      </p:pic>
     </p:spTree>
     <p:extLst>
       <p:ext uri="{BB962C8B-B14F-4D97-AF65-F5344CB8AC3E}">
-        <p14:creationId xmlns:p14="http://schemas.microsoft.com/office/powerpoint/2010/main" val="3963359762"/>
+        <p14:creationId xmlns:p14="http://schemas.microsoft.com/office/powerpoint/2010/main" val="3265341312"/>
       </p:ext>
     </p:extLst>
   </p:cSld>

--- a/Genetic/assignment/Presentation.pptx
+++ b/Genetic/assignment/Presentation.pptx
@@ -1575,6 +1575,43 @@
         </a:p>
       </dgm:t>
     </dgm:pt>
+    <dgm:pt modelId="{5282DB17-3288-474C-B15C-4D8EC5FFB821}">
+      <dgm:prSet phldrT="[文字]" custT="1"/>
+      <dgm:spPr/>
+      <dgm:t>
+        <a:bodyPr/>
+        <a:lstStyle/>
+        <a:p>
+          <a:r>
+            <a:rPr lang="en-US" altLang="en-US" sz="1400" smtClean="0"/>
+            <a:t>Calculation of Fitness</a:t>
+          </a:r>
+          <a:endParaRPr lang="zh-TW" altLang="en-US" sz="1400" dirty="0"/>
+        </a:p>
+      </dgm:t>
+    </dgm:pt>
+    <dgm:pt modelId="{B1707F87-DF30-4905-9E0B-0CF8970D2E27}" type="parTrans" cxnId="{03178B99-E2C1-4B61-876A-07A7F04A75FD}">
+      <dgm:prSet/>
+      <dgm:spPr/>
+      <dgm:t>
+        <a:bodyPr/>
+        <a:lstStyle/>
+        <a:p>
+          <a:endParaRPr lang="zh-TW" altLang="en-US"/>
+        </a:p>
+      </dgm:t>
+    </dgm:pt>
+    <dgm:pt modelId="{800EF35D-5E09-41C4-A622-AE9B26DA13EE}" type="sibTrans" cxnId="{03178B99-E2C1-4B61-876A-07A7F04A75FD}">
+      <dgm:prSet/>
+      <dgm:spPr/>
+      <dgm:t>
+        <a:bodyPr/>
+        <a:lstStyle/>
+        <a:p>
+          <a:endParaRPr lang="zh-TW" altLang="en-US"/>
+        </a:p>
+      </dgm:t>
+    </dgm:pt>
     <dgm:pt modelId="{E8A33FEE-1C60-40CF-A60B-2AFE52FF79B9}" type="pres">
       <dgm:prSet presAssocID="{125E95A4-30C7-417D-A928-BDB0D5CBEDA9}" presName="linearFlow" presStyleCnt="0">
         <dgm:presLayoutVars>
@@ -1591,7 +1628,7 @@
       </dgm:t>
     </dgm:pt>
     <dgm:pt modelId="{A1AC3615-472A-43DA-B85B-11F095A87B59}" type="pres">
-      <dgm:prSet presAssocID="{C9419004-3974-48B2-A664-FB3897010E52}" presName="node" presStyleLbl="node1" presStyleIdx="0" presStyleCnt="7" custScaleX="51367" custScaleY="41643">
+      <dgm:prSet presAssocID="{C9419004-3974-48B2-A664-FB3897010E52}" presName="node" presStyleLbl="node1" presStyleIdx="0" presStyleCnt="8" custScaleX="52561" custScaleY="41643" custLinFactNeighborX="482" custLinFactNeighborY="86453">
         <dgm:presLayoutVars>
           <dgm:bulletEnabled val="1"/>
         </dgm:presLayoutVars>
@@ -1606,7 +1643,7 @@
       </dgm:t>
     </dgm:pt>
     <dgm:pt modelId="{30E9A7EF-0557-4845-8147-428C85394A0E}" type="pres">
-      <dgm:prSet presAssocID="{3F7B35A7-665E-48DF-A72A-68510DDE6B5D}" presName="sibTrans" presStyleLbl="sibTrans2D1" presStyleIdx="0" presStyleCnt="6" custScaleX="99580" custScaleY="91014"/>
+      <dgm:prSet presAssocID="{3F7B35A7-665E-48DF-A72A-68510DDE6B5D}" presName="sibTrans" presStyleLbl="sibTrans2D1" presStyleIdx="0" presStyleCnt="7" custScaleX="99580" custScaleY="91014"/>
       <dgm:spPr/>
       <dgm:t>
         <a:bodyPr/>
@@ -1617,7 +1654,7 @@
       </dgm:t>
     </dgm:pt>
     <dgm:pt modelId="{E977F486-756E-40C5-A39A-EA74E3E2E278}" type="pres">
-      <dgm:prSet presAssocID="{3F7B35A7-665E-48DF-A72A-68510DDE6B5D}" presName="connectorText" presStyleLbl="sibTrans2D1" presStyleIdx="0" presStyleCnt="6"/>
+      <dgm:prSet presAssocID="{3F7B35A7-665E-48DF-A72A-68510DDE6B5D}" presName="connectorText" presStyleLbl="sibTrans2D1" presStyleIdx="0" presStyleCnt="7"/>
       <dgm:spPr/>
       <dgm:t>
         <a:bodyPr/>
@@ -1628,7 +1665,7 @@
       </dgm:t>
     </dgm:pt>
     <dgm:pt modelId="{39190998-1FDC-49B8-9073-D95EE04E03B6}" type="pres">
-      <dgm:prSet presAssocID="{F9B1D2A4-6BCB-4F0B-B809-F9AEC5DC7F3D}" presName="node" presStyleLbl="node1" presStyleIdx="1" presStyleCnt="7" custScaleX="51143" custScaleY="40914">
+      <dgm:prSet presAssocID="{F9B1D2A4-6BCB-4F0B-B809-F9AEC5DC7F3D}" presName="node" presStyleLbl="node1" presStyleIdx="1" presStyleCnt="8" custScaleX="52394" custScaleY="40914">
         <dgm:presLayoutVars>
           <dgm:bulletEnabled val="1"/>
         </dgm:presLayoutVars>
@@ -1643,7 +1680,7 @@
       </dgm:t>
     </dgm:pt>
     <dgm:pt modelId="{E8529401-DE1C-462F-BFC9-0CBD1E2C1B48}" type="pres">
-      <dgm:prSet presAssocID="{5CA7BDB7-BBAB-4348-B89C-F8A35EB33428}" presName="sibTrans" presStyleLbl="sibTrans2D1" presStyleIdx="1" presStyleCnt="6" custScaleY="91014"/>
+      <dgm:prSet presAssocID="{5CA7BDB7-BBAB-4348-B89C-F8A35EB33428}" presName="sibTrans" presStyleLbl="sibTrans2D1" presStyleIdx="1" presStyleCnt="7" custScaleY="91014"/>
       <dgm:spPr/>
       <dgm:t>
         <a:bodyPr/>
@@ -1654,7 +1691,7 @@
       </dgm:t>
     </dgm:pt>
     <dgm:pt modelId="{9906B3C2-0347-47CB-8043-9FF9736F28B7}" type="pres">
-      <dgm:prSet presAssocID="{5CA7BDB7-BBAB-4348-B89C-F8A35EB33428}" presName="connectorText" presStyleLbl="sibTrans2D1" presStyleIdx="1" presStyleCnt="6"/>
+      <dgm:prSet presAssocID="{5CA7BDB7-BBAB-4348-B89C-F8A35EB33428}" presName="connectorText" presStyleLbl="sibTrans2D1" presStyleIdx="1" presStyleCnt="7"/>
       <dgm:spPr/>
       <dgm:t>
         <a:bodyPr/>
@@ -1665,7 +1702,7 @@
       </dgm:t>
     </dgm:pt>
     <dgm:pt modelId="{6A6C3A07-C0EB-4DE6-9CFB-A33FBE812CE9}" type="pres">
-      <dgm:prSet presAssocID="{6CE521CA-A20C-4238-ABC2-67CCE2E143AA}" presName="node" presStyleLbl="node1" presStyleIdx="2" presStyleCnt="7" custScaleX="51143" custScaleY="40914">
+      <dgm:prSet presAssocID="{6CE521CA-A20C-4238-ABC2-67CCE2E143AA}" presName="node" presStyleLbl="node1" presStyleIdx="2" presStyleCnt="8" custScaleX="51143" custScaleY="40914">
         <dgm:presLayoutVars>
           <dgm:bulletEnabled val="1"/>
         </dgm:presLayoutVars>
@@ -1680,7 +1717,7 @@
       </dgm:t>
     </dgm:pt>
     <dgm:pt modelId="{8D1073E0-49DD-45C0-AEA5-D650B25AB1E6}" type="pres">
-      <dgm:prSet presAssocID="{2A7CD93D-3742-469B-A049-793297720984}" presName="sibTrans" presStyleLbl="sibTrans2D1" presStyleIdx="2" presStyleCnt="6"/>
+      <dgm:prSet presAssocID="{2A7CD93D-3742-469B-A049-793297720984}" presName="sibTrans" presStyleLbl="sibTrans2D1" presStyleIdx="2" presStyleCnt="7"/>
       <dgm:spPr/>
       <dgm:t>
         <a:bodyPr/>
@@ -1691,7 +1728,7 @@
       </dgm:t>
     </dgm:pt>
     <dgm:pt modelId="{D3D3C0E3-3BDA-4DAF-B747-43E6BF57DD12}" type="pres">
-      <dgm:prSet presAssocID="{2A7CD93D-3742-469B-A049-793297720984}" presName="connectorText" presStyleLbl="sibTrans2D1" presStyleIdx="2" presStyleCnt="6"/>
+      <dgm:prSet presAssocID="{2A7CD93D-3742-469B-A049-793297720984}" presName="connectorText" presStyleLbl="sibTrans2D1" presStyleIdx="2" presStyleCnt="7"/>
       <dgm:spPr/>
       <dgm:t>
         <a:bodyPr/>
@@ -1702,7 +1739,7 @@
       </dgm:t>
     </dgm:pt>
     <dgm:pt modelId="{ECCAA9DF-CEBE-4946-8E96-C9165B20B277}" type="pres">
-      <dgm:prSet presAssocID="{9524D65D-C42A-4D94-A1CF-6D046F4A5504}" presName="node" presStyleLbl="node1" presStyleIdx="3" presStyleCnt="7" custScaleX="51143" custScaleY="41094">
+      <dgm:prSet presAssocID="{9524D65D-C42A-4D94-A1CF-6D046F4A5504}" presName="node" presStyleLbl="node1" presStyleIdx="3" presStyleCnt="8" custScaleX="51143" custScaleY="41094">
         <dgm:presLayoutVars>
           <dgm:bulletEnabled val="1"/>
         </dgm:presLayoutVars>
@@ -1717,7 +1754,7 @@
       </dgm:t>
     </dgm:pt>
     <dgm:pt modelId="{A7F7AAD2-86EB-43A9-8917-9036ECB94F05}" type="pres">
-      <dgm:prSet presAssocID="{CAE745F0-8047-4931-B89A-FA79221231E4}" presName="sibTrans" presStyleLbl="sibTrans2D1" presStyleIdx="3" presStyleCnt="6"/>
+      <dgm:prSet presAssocID="{CAE745F0-8047-4931-B89A-FA79221231E4}" presName="sibTrans" presStyleLbl="sibTrans2D1" presStyleIdx="3" presStyleCnt="7"/>
       <dgm:spPr/>
       <dgm:t>
         <a:bodyPr/>
@@ -1728,7 +1765,7 @@
       </dgm:t>
     </dgm:pt>
     <dgm:pt modelId="{B98BB256-DA85-43CF-A242-402DFB425555}" type="pres">
-      <dgm:prSet presAssocID="{CAE745F0-8047-4931-B89A-FA79221231E4}" presName="connectorText" presStyleLbl="sibTrans2D1" presStyleIdx="3" presStyleCnt="6"/>
+      <dgm:prSet presAssocID="{CAE745F0-8047-4931-B89A-FA79221231E4}" presName="connectorText" presStyleLbl="sibTrans2D1" presStyleIdx="3" presStyleCnt="7"/>
       <dgm:spPr/>
       <dgm:t>
         <a:bodyPr/>
@@ -1739,7 +1776,7 @@
       </dgm:t>
     </dgm:pt>
     <dgm:pt modelId="{EEB4A6B9-7503-4C9C-817A-FD7A72C84F70}" type="pres">
-      <dgm:prSet presAssocID="{032E9D9C-CAA8-42D3-9260-4739767569FB}" presName="node" presStyleLbl="node1" presStyleIdx="4" presStyleCnt="7" custScaleX="50846" custScaleY="40618">
+      <dgm:prSet presAssocID="{032E9D9C-CAA8-42D3-9260-4739767569FB}" presName="node" presStyleLbl="node1" presStyleIdx="4" presStyleCnt="8" custScaleX="50846" custScaleY="40618">
         <dgm:presLayoutVars>
           <dgm:bulletEnabled val="1"/>
         </dgm:presLayoutVars>
@@ -1754,7 +1791,7 @@
       </dgm:t>
     </dgm:pt>
     <dgm:pt modelId="{DB22A278-4C9F-40B6-923D-9A8ADA9E7BA9}" type="pres">
-      <dgm:prSet presAssocID="{1CF00D36-6AF7-4030-9E52-E60058C42A3D}" presName="sibTrans" presStyleLbl="sibTrans2D1" presStyleIdx="4" presStyleCnt="6"/>
+      <dgm:prSet presAssocID="{1CF00D36-6AF7-4030-9E52-E60058C42A3D}" presName="sibTrans" presStyleLbl="sibTrans2D1" presStyleIdx="4" presStyleCnt="7"/>
       <dgm:spPr/>
       <dgm:t>
         <a:bodyPr/>
@@ -1765,7 +1802,7 @@
       </dgm:t>
     </dgm:pt>
     <dgm:pt modelId="{E811BD33-C7E9-4D7D-BD95-84F68037E816}" type="pres">
-      <dgm:prSet presAssocID="{1CF00D36-6AF7-4030-9E52-E60058C42A3D}" presName="connectorText" presStyleLbl="sibTrans2D1" presStyleIdx="4" presStyleCnt="6"/>
+      <dgm:prSet presAssocID="{1CF00D36-6AF7-4030-9E52-E60058C42A3D}" presName="connectorText" presStyleLbl="sibTrans2D1" presStyleIdx="4" presStyleCnt="7"/>
       <dgm:spPr/>
       <dgm:t>
         <a:bodyPr/>
@@ -1775,8 +1812,31 @@
         </a:p>
       </dgm:t>
     </dgm:pt>
+    <dgm:pt modelId="{17FE7503-EB70-4364-B2BB-573FC26509D8}" type="pres">
+      <dgm:prSet presAssocID="{5282DB17-3288-474C-B15C-4D8EC5FFB821}" presName="node" presStyleLbl="node1" presStyleIdx="5" presStyleCnt="8" custScaleX="49350" custScaleY="38127">
+        <dgm:presLayoutVars>
+          <dgm:bulletEnabled val="1"/>
+        </dgm:presLayoutVars>
+      </dgm:prSet>
+      <dgm:spPr/>
+      <dgm:t>
+        <a:bodyPr/>
+        <a:lstStyle/>
+        <a:p>
+          <a:endParaRPr lang="zh-TW" altLang="en-US"/>
+        </a:p>
+      </dgm:t>
+    </dgm:pt>
+    <dgm:pt modelId="{9DF3DED2-6249-415C-8F80-01FF8E3F1080}" type="pres">
+      <dgm:prSet presAssocID="{800EF35D-5E09-41C4-A622-AE9B26DA13EE}" presName="sibTrans" presStyleLbl="sibTrans2D1" presStyleIdx="5" presStyleCnt="7"/>
+      <dgm:spPr/>
+    </dgm:pt>
+    <dgm:pt modelId="{DEDDA918-BD06-4CF3-A50D-3412A530599E}" type="pres">
+      <dgm:prSet presAssocID="{800EF35D-5E09-41C4-A622-AE9B26DA13EE}" presName="connectorText" presStyleLbl="sibTrans2D1" presStyleIdx="5" presStyleCnt="7"/>
+      <dgm:spPr/>
+    </dgm:pt>
     <dgm:pt modelId="{F68AB515-482C-40DD-8239-99DCAA9C628A}" type="pres">
-      <dgm:prSet presAssocID="{651730B7-0FBD-433C-9FCD-F11B755BCB35}" presName="node" presStyleLbl="node1" presStyleIdx="5" presStyleCnt="7" custScaleX="50773" custScaleY="40618">
+      <dgm:prSet presAssocID="{651730B7-0FBD-433C-9FCD-F11B755BCB35}" presName="node" presStyleLbl="node1" presStyleIdx="6" presStyleCnt="8" custScaleX="50773" custScaleY="40618">
         <dgm:presLayoutVars>
           <dgm:bulletEnabled val="1"/>
         </dgm:presLayoutVars>
@@ -1791,7 +1851,7 @@
       </dgm:t>
     </dgm:pt>
     <dgm:pt modelId="{0B3E1DA8-B91D-4431-B041-B24DD9FB6C44}" type="pres">
-      <dgm:prSet presAssocID="{C08AC0C2-5C7C-4783-8469-CF9C8CCD1FD6}" presName="sibTrans" presStyleLbl="sibTrans2D1" presStyleIdx="5" presStyleCnt="6"/>
+      <dgm:prSet presAssocID="{C08AC0C2-5C7C-4783-8469-CF9C8CCD1FD6}" presName="sibTrans" presStyleLbl="sibTrans2D1" presStyleIdx="6" presStyleCnt="7"/>
       <dgm:spPr/>
       <dgm:t>
         <a:bodyPr/>
@@ -1802,7 +1862,7 @@
       </dgm:t>
     </dgm:pt>
     <dgm:pt modelId="{FC15EE32-0355-46F3-BDA8-02DA54D21EC6}" type="pres">
-      <dgm:prSet presAssocID="{C08AC0C2-5C7C-4783-8469-CF9C8CCD1FD6}" presName="connectorText" presStyleLbl="sibTrans2D1" presStyleIdx="5" presStyleCnt="6"/>
+      <dgm:prSet presAssocID="{C08AC0C2-5C7C-4783-8469-CF9C8CCD1FD6}" presName="connectorText" presStyleLbl="sibTrans2D1" presStyleIdx="6" presStyleCnt="7"/>
       <dgm:spPr/>
       <dgm:t>
         <a:bodyPr/>
@@ -1813,7 +1873,7 @@
       </dgm:t>
     </dgm:pt>
     <dgm:pt modelId="{6D77A570-7DE9-4D0B-930E-34F9AFE53D7D}" type="pres">
-      <dgm:prSet presAssocID="{EDD1DE75-2407-467B-A03F-D0DE96693EF5}" presName="node" presStyleLbl="node1" presStyleIdx="6" presStyleCnt="7" custScaleX="50192" custScaleY="40153">
+      <dgm:prSet presAssocID="{EDD1DE75-2407-467B-A03F-D0DE96693EF5}" presName="node" presStyleLbl="node1" presStyleIdx="7" presStyleCnt="8" custScaleX="50192" custScaleY="40153">
         <dgm:presLayoutVars>
           <dgm:bulletEnabled val="1"/>
         </dgm:presLayoutVars>
@@ -1833,28 +1893,32 @@
     <dgm:cxn modelId="{426C374C-87A8-460C-A68F-2F45C4EEAD77}" type="presOf" srcId="{651730B7-0FBD-433C-9FCD-F11B755BCB35}" destId="{F68AB515-482C-40DD-8239-99DCAA9C628A}" srcOrd="0" destOrd="0" presId="urn:microsoft.com/office/officeart/2005/8/layout/process2"/>
     <dgm:cxn modelId="{6043CC91-8897-4F6D-8AC4-F964C4A23150}" type="presOf" srcId="{C08AC0C2-5C7C-4783-8469-CF9C8CCD1FD6}" destId="{0B3E1DA8-B91D-4431-B041-B24DD9FB6C44}" srcOrd="0" destOrd="0" presId="urn:microsoft.com/office/officeart/2005/8/layout/process2"/>
     <dgm:cxn modelId="{64B802C9-7433-49C8-816F-14357BC26A27}" type="presOf" srcId="{5CA7BDB7-BBAB-4348-B89C-F8A35EB33428}" destId="{E8529401-DE1C-462F-BFC9-0CBD1E2C1B48}" srcOrd="0" destOrd="0" presId="urn:microsoft.com/office/officeart/2005/8/layout/process2"/>
-    <dgm:cxn modelId="{83D22B6D-BA7F-4030-B2C2-8A437E6E942E}" srcId="{125E95A4-30C7-417D-A928-BDB0D5CBEDA9}" destId="{EDD1DE75-2407-467B-A03F-D0DE96693EF5}" srcOrd="6" destOrd="0" parTransId="{72F47161-35C9-4004-B9AD-CFF54BB918D5}" sibTransId="{460D16A3-54CB-48F2-B420-AEA3A1101419}"/>
+    <dgm:cxn modelId="{83D22B6D-BA7F-4030-B2C2-8A437E6E942E}" srcId="{125E95A4-30C7-417D-A928-BDB0D5CBEDA9}" destId="{EDD1DE75-2407-467B-A03F-D0DE96693EF5}" srcOrd="7" destOrd="0" parTransId="{72F47161-35C9-4004-B9AD-CFF54BB918D5}" sibTransId="{460D16A3-54CB-48F2-B420-AEA3A1101419}"/>
     <dgm:cxn modelId="{34A4F1EB-8007-40FD-A882-E48DFA7ED832}" type="presOf" srcId="{EDD1DE75-2407-467B-A03F-D0DE96693EF5}" destId="{6D77A570-7DE9-4D0B-930E-34F9AFE53D7D}" srcOrd="0" destOrd="0" presId="urn:microsoft.com/office/officeart/2005/8/layout/process2"/>
     <dgm:cxn modelId="{31E831EB-7DD5-462E-8FE7-CA04DB103EC8}" type="presOf" srcId="{5CA7BDB7-BBAB-4348-B89C-F8A35EB33428}" destId="{9906B3C2-0347-47CB-8043-9FF9736F28B7}" srcOrd="1" destOrd="0" presId="urn:microsoft.com/office/officeart/2005/8/layout/process2"/>
+    <dgm:cxn modelId="{7C2EDF6D-1368-4DE0-A185-BB8BB18EFC3D}" type="presOf" srcId="{800EF35D-5E09-41C4-A622-AE9B26DA13EE}" destId="{9DF3DED2-6249-415C-8F80-01FF8E3F1080}" srcOrd="0" destOrd="0" presId="urn:microsoft.com/office/officeart/2005/8/layout/process2"/>
     <dgm:cxn modelId="{256D74DF-4F72-4691-80BC-A239D67FE6AB}" srcId="{125E95A4-30C7-417D-A928-BDB0D5CBEDA9}" destId="{C9419004-3974-48B2-A664-FB3897010E52}" srcOrd="0" destOrd="0" parTransId="{980DD92A-1C2D-4E57-B0FC-098D58DC4CF9}" sibTransId="{3F7B35A7-665E-48DF-A72A-68510DDE6B5D}"/>
     <dgm:cxn modelId="{27696F83-7409-4C4D-9781-5CB97CA7AF39}" srcId="{125E95A4-30C7-417D-A928-BDB0D5CBEDA9}" destId="{F9B1D2A4-6BCB-4F0B-B809-F9AEC5DC7F3D}" srcOrd="1" destOrd="0" parTransId="{DB325C24-1770-4EDD-BC6F-089FABEDE4AA}" sibTransId="{5CA7BDB7-BBAB-4348-B89C-F8A35EB33428}"/>
     <dgm:cxn modelId="{AEA70765-2828-4ADA-BDAB-5F26A11CCB00}" type="presOf" srcId="{2A7CD93D-3742-469B-A049-793297720984}" destId="{8D1073E0-49DD-45C0-AEA5-D650B25AB1E6}" srcOrd="0" destOrd="0" presId="urn:microsoft.com/office/officeart/2005/8/layout/process2"/>
     <dgm:cxn modelId="{317D56A7-70A8-46E7-8F6D-54D69022556D}" type="presOf" srcId="{1CF00D36-6AF7-4030-9E52-E60058C42A3D}" destId="{E811BD33-C7E9-4D7D-BD95-84F68037E816}" srcOrd="1" destOrd="0" presId="urn:microsoft.com/office/officeart/2005/8/layout/process2"/>
     <dgm:cxn modelId="{4D2EDEBF-15B7-487B-A069-FF74017F2683}" type="presOf" srcId="{9524D65D-C42A-4D94-A1CF-6D046F4A5504}" destId="{ECCAA9DF-CEBE-4946-8E96-C9165B20B277}" srcOrd="0" destOrd="0" presId="urn:microsoft.com/office/officeart/2005/8/layout/process2"/>
     <dgm:cxn modelId="{85FBFD5E-83AA-48D6-AF17-71097A448B8A}" type="presOf" srcId="{2A7CD93D-3742-469B-A049-793297720984}" destId="{D3D3C0E3-3BDA-4DAF-B747-43E6BF57DD12}" srcOrd="1" destOrd="0" presId="urn:microsoft.com/office/officeart/2005/8/layout/process2"/>
+    <dgm:cxn modelId="{0701D9E7-3657-4821-8A00-C38B640878A3}" type="presOf" srcId="{5282DB17-3288-474C-B15C-4D8EC5FFB821}" destId="{17FE7503-EB70-4364-B2BB-573FC26509D8}" srcOrd="0" destOrd="0" presId="urn:microsoft.com/office/officeart/2005/8/layout/process2"/>
     <dgm:cxn modelId="{B8B22B68-D4C8-4FDC-91B3-AD7268AAE155}" type="presOf" srcId="{C08AC0C2-5C7C-4783-8469-CF9C8CCD1FD6}" destId="{FC15EE32-0355-46F3-BDA8-02DA54D21EC6}" srcOrd="1" destOrd="0" presId="urn:microsoft.com/office/officeart/2005/8/layout/process2"/>
     <dgm:cxn modelId="{6D8D9B0F-01EA-4419-9469-2810E24E1C6B}" type="presOf" srcId="{CAE745F0-8047-4931-B89A-FA79221231E4}" destId="{A7F7AAD2-86EB-43A9-8917-9036ECB94F05}" srcOrd="0" destOrd="0" presId="urn:microsoft.com/office/officeart/2005/8/layout/process2"/>
     <dgm:cxn modelId="{D875BF0D-1346-4C0D-8379-0D115CAC0D7D}" srcId="{125E95A4-30C7-417D-A928-BDB0D5CBEDA9}" destId="{032E9D9C-CAA8-42D3-9260-4739767569FB}" srcOrd="4" destOrd="0" parTransId="{91676D7E-B60F-4F0E-A58B-B3714AD86A1A}" sibTransId="{1CF00D36-6AF7-4030-9E52-E60058C42A3D}"/>
     <dgm:cxn modelId="{CD6677F3-C04D-4AFA-9E21-8A41EC81746F}" type="presOf" srcId="{125E95A4-30C7-417D-A928-BDB0D5CBEDA9}" destId="{E8A33FEE-1C60-40CF-A60B-2AFE52FF79B9}" srcOrd="0" destOrd="0" presId="urn:microsoft.com/office/officeart/2005/8/layout/process2"/>
     <dgm:cxn modelId="{E668BD2F-F014-4D48-8082-FF80732E5B9F}" type="presOf" srcId="{6CE521CA-A20C-4238-ABC2-67CCE2E143AA}" destId="{6A6C3A07-C0EB-4DE6-9CFB-A33FBE812CE9}" srcOrd="0" destOrd="0" presId="urn:microsoft.com/office/officeart/2005/8/layout/process2"/>
     <dgm:cxn modelId="{6CAF19ED-5DD6-4DAD-BD83-7637931C3212}" type="presOf" srcId="{CAE745F0-8047-4931-B89A-FA79221231E4}" destId="{B98BB256-DA85-43CF-A242-402DFB425555}" srcOrd="1" destOrd="0" presId="urn:microsoft.com/office/officeart/2005/8/layout/process2"/>
+    <dgm:cxn modelId="{4C5A1E7A-1E05-49CC-8675-46056B4EA6E5}" type="presOf" srcId="{800EF35D-5E09-41C4-A622-AE9B26DA13EE}" destId="{DEDDA918-BD06-4CF3-A50D-3412A530599E}" srcOrd="1" destOrd="0" presId="urn:microsoft.com/office/officeart/2005/8/layout/process2"/>
     <dgm:cxn modelId="{69ABCEB8-75D8-4D26-8824-41DA289F1171}" type="presOf" srcId="{1CF00D36-6AF7-4030-9E52-E60058C42A3D}" destId="{DB22A278-4C9F-40B6-923D-9A8ADA9E7BA9}" srcOrd="0" destOrd="0" presId="urn:microsoft.com/office/officeart/2005/8/layout/process2"/>
     <dgm:cxn modelId="{9B6431C2-FA53-418A-8317-2961D755A7E2}" type="presOf" srcId="{3F7B35A7-665E-48DF-A72A-68510DDE6B5D}" destId="{30E9A7EF-0557-4845-8147-428C85394A0E}" srcOrd="0" destOrd="0" presId="urn:microsoft.com/office/officeart/2005/8/layout/process2"/>
     <dgm:cxn modelId="{F587BB66-CCDC-4F88-9BBC-F137D3828F0B}" type="presOf" srcId="{C9419004-3974-48B2-A664-FB3897010E52}" destId="{A1AC3615-472A-43DA-B85B-11F095A87B59}" srcOrd="0" destOrd="0" presId="urn:microsoft.com/office/officeart/2005/8/layout/process2"/>
-    <dgm:cxn modelId="{94F13F2C-6EDA-42E1-9D55-2097EAF61252}" srcId="{125E95A4-30C7-417D-A928-BDB0D5CBEDA9}" destId="{651730B7-0FBD-433C-9FCD-F11B755BCB35}" srcOrd="5" destOrd="0" parTransId="{7BBE178C-18C1-4AA6-83F1-C71806A11015}" sibTransId="{C08AC0C2-5C7C-4783-8469-CF9C8CCD1FD6}"/>
+    <dgm:cxn modelId="{94F13F2C-6EDA-42E1-9D55-2097EAF61252}" srcId="{125E95A4-30C7-417D-A928-BDB0D5CBEDA9}" destId="{651730B7-0FBD-433C-9FCD-F11B755BCB35}" srcOrd="6" destOrd="0" parTransId="{7BBE178C-18C1-4AA6-83F1-C71806A11015}" sibTransId="{C08AC0C2-5C7C-4783-8469-CF9C8CCD1FD6}"/>
     <dgm:cxn modelId="{5FE43EE3-193F-40DE-91BC-0B95AD4E9208}" type="presOf" srcId="{3F7B35A7-665E-48DF-A72A-68510DDE6B5D}" destId="{E977F486-756E-40C5-A39A-EA74E3E2E278}" srcOrd="1" destOrd="0" presId="urn:microsoft.com/office/officeart/2005/8/layout/process2"/>
     <dgm:cxn modelId="{B3013E06-2DE1-4B87-847D-B6BE515CE422}" type="presOf" srcId="{032E9D9C-CAA8-42D3-9260-4739767569FB}" destId="{EEB4A6B9-7503-4C9C-817A-FD7A72C84F70}" srcOrd="0" destOrd="0" presId="urn:microsoft.com/office/officeart/2005/8/layout/process2"/>
     <dgm:cxn modelId="{E1350AFD-270A-493C-A71A-81D22694B0EE}" srcId="{125E95A4-30C7-417D-A928-BDB0D5CBEDA9}" destId="{6CE521CA-A20C-4238-ABC2-67CCE2E143AA}" srcOrd="2" destOrd="0" parTransId="{B2ED8BA2-A953-44E7-A99E-CBB20BD89516}" sibTransId="{2A7CD93D-3742-469B-A049-793297720984}"/>
+    <dgm:cxn modelId="{03178B99-E2C1-4B61-876A-07A7F04A75FD}" srcId="{125E95A4-30C7-417D-A928-BDB0D5CBEDA9}" destId="{5282DB17-3288-474C-B15C-4D8EC5FFB821}" srcOrd="5" destOrd="0" parTransId="{B1707F87-DF30-4905-9E0B-0CF8970D2E27}" sibTransId="{800EF35D-5E09-41C4-A622-AE9B26DA13EE}"/>
     <dgm:cxn modelId="{183F79B1-16A4-4D24-A9A5-574B4692738D}" type="presOf" srcId="{F9B1D2A4-6BCB-4F0B-B809-F9AEC5DC7F3D}" destId="{39190998-1FDC-49B8-9073-D95EE04E03B6}" srcOrd="0" destOrd="0" presId="urn:microsoft.com/office/officeart/2005/8/layout/process2"/>
     <dgm:cxn modelId="{150FBD13-7AC1-4C45-8A2A-C6879F714520}" type="presParOf" srcId="{E8A33FEE-1C60-40CF-A60B-2AFE52FF79B9}" destId="{A1AC3615-472A-43DA-B85B-11F095A87B59}" srcOrd="0" destOrd="0" presId="urn:microsoft.com/office/officeart/2005/8/layout/process2"/>
     <dgm:cxn modelId="{4F622893-02C1-4AB3-89A1-0696AF5DE758}" type="presParOf" srcId="{E8A33FEE-1C60-40CF-A60B-2AFE52FF79B9}" destId="{30E9A7EF-0557-4845-8147-428C85394A0E}" srcOrd="1" destOrd="0" presId="urn:microsoft.com/office/officeart/2005/8/layout/process2"/>
@@ -1871,10 +1935,13 @@
     <dgm:cxn modelId="{B177004E-5AE3-4D4D-8135-C50361D6FBC7}" type="presParOf" srcId="{E8A33FEE-1C60-40CF-A60B-2AFE52FF79B9}" destId="{EEB4A6B9-7503-4C9C-817A-FD7A72C84F70}" srcOrd="8" destOrd="0" presId="urn:microsoft.com/office/officeart/2005/8/layout/process2"/>
     <dgm:cxn modelId="{E332D838-0A6C-49DE-8559-6258CF706809}" type="presParOf" srcId="{E8A33FEE-1C60-40CF-A60B-2AFE52FF79B9}" destId="{DB22A278-4C9F-40B6-923D-9A8ADA9E7BA9}" srcOrd="9" destOrd="0" presId="urn:microsoft.com/office/officeart/2005/8/layout/process2"/>
     <dgm:cxn modelId="{D35BFFE3-DC2A-4EE7-AA43-53F140571BAF}" type="presParOf" srcId="{DB22A278-4C9F-40B6-923D-9A8ADA9E7BA9}" destId="{E811BD33-C7E9-4D7D-BD95-84F68037E816}" srcOrd="0" destOrd="0" presId="urn:microsoft.com/office/officeart/2005/8/layout/process2"/>
-    <dgm:cxn modelId="{9217F783-AFC2-4662-9E62-BBF0E1BA7155}" type="presParOf" srcId="{E8A33FEE-1C60-40CF-A60B-2AFE52FF79B9}" destId="{F68AB515-482C-40DD-8239-99DCAA9C628A}" srcOrd="10" destOrd="0" presId="urn:microsoft.com/office/officeart/2005/8/layout/process2"/>
-    <dgm:cxn modelId="{ECA1835F-ABA9-427C-ACA4-1AC672933AF4}" type="presParOf" srcId="{E8A33FEE-1C60-40CF-A60B-2AFE52FF79B9}" destId="{0B3E1DA8-B91D-4431-B041-B24DD9FB6C44}" srcOrd="11" destOrd="0" presId="urn:microsoft.com/office/officeart/2005/8/layout/process2"/>
+    <dgm:cxn modelId="{5408C455-E84A-49DF-BABD-9F024B3CF82A}" type="presParOf" srcId="{E8A33FEE-1C60-40CF-A60B-2AFE52FF79B9}" destId="{17FE7503-EB70-4364-B2BB-573FC26509D8}" srcOrd="10" destOrd="0" presId="urn:microsoft.com/office/officeart/2005/8/layout/process2"/>
+    <dgm:cxn modelId="{D3A96FD2-6F7D-4FCB-BA9C-CE5EA02F8DEF}" type="presParOf" srcId="{E8A33FEE-1C60-40CF-A60B-2AFE52FF79B9}" destId="{9DF3DED2-6249-415C-8F80-01FF8E3F1080}" srcOrd="11" destOrd="0" presId="urn:microsoft.com/office/officeart/2005/8/layout/process2"/>
+    <dgm:cxn modelId="{379722DC-97B4-4384-844A-629C07EAFCB6}" type="presParOf" srcId="{9DF3DED2-6249-415C-8F80-01FF8E3F1080}" destId="{DEDDA918-BD06-4CF3-A50D-3412A530599E}" srcOrd="0" destOrd="0" presId="urn:microsoft.com/office/officeart/2005/8/layout/process2"/>
+    <dgm:cxn modelId="{9217F783-AFC2-4662-9E62-BBF0E1BA7155}" type="presParOf" srcId="{E8A33FEE-1C60-40CF-A60B-2AFE52FF79B9}" destId="{F68AB515-482C-40DD-8239-99DCAA9C628A}" srcOrd="12" destOrd="0" presId="urn:microsoft.com/office/officeart/2005/8/layout/process2"/>
+    <dgm:cxn modelId="{ECA1835F-ABA9-427C-ACA4-1AC672933AF4}" type="presParOf" srcId="{E8A33FEE-1C60-40CF-A60B-2AFE52FF79B9}" destId="{0B3E1DA8-B91D-4431-B041-B24DD9FB6C44}" srcOrd="13" destOrd="0" presId="urn:microsoft.com/office/officeart/2005/8/layout/process2"/>
     <dgm:cxn modelId="{E4B88FB4-1C33-4C7A-B5D3-DDAF2226C1E8}" type="presParOf" srcId="{0B3E1DA8-B91D-4431-B041-B24DD9FB6C44}" destId="{FC15EE32-0355-46F3-BDA8-02DA54D21EC6}" srcOrd="0" destOrd="0" presId="urn:microsoft.com/office/officeart/2005/8/layout/process2"/>
-    <dgm:cxn modelId="{F3EA6684-94EE-4B8A-B809-73590AAE1AA8}" type="presParOf" srcId="{E8A33FEE-1C60-40CF-A60B-2AFE52FF79B9}" destId="{6D77A570-7DE9-4D0B-930E-34F9AFE53D7D}" srcOrd="12" destOrd="0" presId="urn:microsoft.com/office/officeart/2005/8/layout/process2"/>
+    <dgm:cxn modelId="{F3EA6684-94EE-4B8A-B809-73590AAE1AA8}" type="presParOf" srcId="{E8A33FEE-1C60-40CF-A60B-2AFE52FF79B9}" destId="{6D77A570-7DE9-4D0B-930E-34F9AFE53D7D}" srcOrd="14" destOrd="0" presId="urn:microsoft.com/office/officeart/2005/8/layout/process2"/>
   </dgm:cxnLst>
   <dgm:bg/>
   <dgm:whole/>
@@ -1901,8 +1968,8 @@
       </dsp:nvSpPr>
       <dsp:spPr>
         <a:xfrm>
-          <a:off x="2914324" y="2684"/>
-          <a:ext cx="1842150" cy="373355"/>
+          <a:off x="2928391" y="423477"/>
+          <a:ext cx="1847909" cy="366015"/>
         </a:xfrm>
         <a:prstGeom prst="roundRect">
           <a:avLst>
@@ -1970,8 +2037,8 @@
         </a:p>
       </dsp:txBody>
       <dsp:txXfrm>
-        <a:off x="2925259" y="13619"/>
-        <a:ext cx="1820280" cy="351485"/>
+        <a:off x="2939111" y="434197"/>
+        <a:ext cx="1826469" cy="344575"/>
       </dsp:txXfrm>
     </dsp:sp>
     <dsp:sp modelId="{30E9A7EF-0557-4845-8147-428C85394A0E}">
@@ -1980,9 +2047,9 @@
         <dsp:cNvSpPr/>
       </dsp:nvSpPr>
       <dsp:spPr>
-        <a:xfrm rot="5400000">
-          <a:off x="3668000" y="416581"/>
-          <a:ext cx="334799" cy="367199"/>
+        <a:xfrm rot="5551281">
+          <a:off x="3835570" y="620514"/>
+          <a:ext cx="16463" cy="359979"/>
         </a:xfrm>
         <a:prstGeom prst="rightArrow">
           <a:avLst>
@@ -2039,8 +2106,8 @@
         </a:p>
       </dsp:txBody>
       <dsp:txXfrm rot="-5400000">
-        <a:off x="3725240" y="432781"/>
-        <a:ext cx="220319" cy="234359"/>
+        <a:off x="3735917" y="792274"/>
+        <a:ext cx="215987" cy="11524"/>
       </dsp:txXfrm>
     </dsp:sp>
     <dsp:sp modelId="{39190998-1FDC-49B8-9073-D95EE04E03B6}">
@@ -2050,8 +2117,8 @@
       </dsp:nvSpPr>
       <dsp:spPr>
         <a:xfrm>
-          <a:off x="2918341" y="824321"/>
-          <a:ext cx="1834117" cy="366819"/>
+          <a:off x="2914381" y="811515"/>
+          <a:ext cx="1842037" cy="359607"/>
         </a:xfrm>
         <a:prstGeom prst="roundRect">
           <a:avLst>
@@ -2119,8 +2186,8 @@
         </a:p>
       </dsp:txBody>
       <dsp:txXfrm>
-        <a:off x="2929085" y="835065"/>
-        <a:ext cx="1812629" cy="345331"/>
+        <a:off x="2924914" y="822048"/>
+        <a:ext cx="1820971" cy="338541"/>
       </dsp:txXfrm>
     </dsp:sp>
     <dsp:sp modelId="{E8529401-DE1C-462F-BFC9-0CBD1E2C1B48}">
@@ -2130,8 +2197,8 @@
       </dsp:nvSpPr>
       <dsp:spPr>
         <a:xfrm rot="5400000">
-          <a:off x="3667294" y="1231682"/>
-          <a:ext cx="336211" cy="367199"/>
+          <a:off x="3670599" y="1210867"/>
+          <a:ext cx="329600" cy="359979"/>
         </a:xfrm>
         <a:prstGeom prst="rightArrow">
           <a:avLst>
@@ -2188,8 +2255,8 @@
         </a:p>
       </dsp:txBody>
       <dsp:txXfrm rot="-5400000">
-        <a:off x="3725240" y="1247177"/>
-        <a:ext cx="220319" cy="235348"/>
+        <a:off x="3727405" y="1226057"/>
+        <a:ext cx="215987" cy="230720"/>
       </dsp:txXfrm>
     </dsp:sp>
     <dsp:sp modelId="{6A6C3A07-C0EB-4DE6-9CFB-A33FBE812CE9}">
@@ -2199,8 +2266,8 @@
       </dsp:nvSpPr>
       <dsp:spPr>
         <a:xfrm>
-          <a:off x="2918341" y="1639422"/>
-          <a:ext cx="1834117" cy="366819"/>
+          <a:off x="2936372" y="1610590"/>
+          <a:ext cx="1798055" cy="359607"/>
         </a:xfrm>
         <a:prstGeom prst="roundRect">
           <a:avLst>
@@ -2268,8 +2335,8 @@
         </a:p>
       </dsp:txBody>
       <dsp:txXfrm>
-        <a:off x="2929085" y="1650166"/>
-        <a:ext cx="1812629" cy="345331"/>
+        <a:off x="2946905" y="1621123"/>
+        <a:ext cx="1776989" cy="338541"/>
       </dsp:txXfrm>
     </dsp:sp>
     <dsp:sp modelId="{8D1073E0-49DD-45C0-AEA5-D650B25AB1E6}">
@@ -2279,8 +2346,8 @@
       </dsp:nvSpPr>
       <dsp:spPr>
         <a:xfrm rot="5400000">
-          <a:off x="3667294" y="2028656"/>
-          <a:ext cx="336211" cy="403453"/>
+          <a:off x="3670599" y="1992171"/>
+          <a:ext cx="329600" cy="395520"/>
         </a:xfrm>
         <a:prstGeom prst="rightArrow">
           <a:avLst>
@@ -2337,8 +2404,8 @@
         </a:p>
       </dsp:txBody>
       <dsp:txXfrm rot="-5400000">
-        <a:off x="3714365" y="2062277"/>
-        <a:ext cx="242071" cy="235348"/>
+        <a:off x="3716743" y="2025131"/>
+        <a:ext cx="237312" cy="230720"/>
       </dsp:txXfrm>
     </dsp:sp>
     <dsp:sp modelId="{ECCAA9DF-CEBE-4946-8E96-C9165B20B277}">
@@ -2348,8 +2415,8 @@
       </dsp:nvSpPr>
       <dsp:spPr>
         <a:xfrm>
-          <a:off x="2918341" y="2454524"/>
-          <a:ext cx="1834117" cy="368433"/>
+          <a:off x="2936372" y="2409666"/>
+          <a:ext cx="1798055" cy="361189"/>
         </a:xfrm>
         <a:prstGeom prst="roundRect">
           <a:avLst>
@@ -2417,8 +2484,8 @@
         </a:p>
       </dsp:txBody>
       <dsp:txXfrm>
-        <a:off x="2929132" y="2465315"/>
-        <a:ext cx="1812535" cy="346851"/>
+        <a:off x="2946951" y="2420245"/>
+        <a:ext cx="1776897" cy="340031"/>
       </dsp:txXfrm>
     </dsp:sp>
     <dsp:sp modelId="{A7F7AAD2-86EB-43A9-8917-9036ECB94F05}">
@@ -2428,8 +2495,8 @@
       </dsp:nvSpPr>
       <dsp:spPr>
         <a:xfrm rot="5400000">
-          <a:off x="3667294" y="2845372"/>
-          <a:ext cx="336211" cy="403453"/>
+          <a:off x="3670599" y="2792829"/>
+          <a:ext cx="329600" cy="395520"/>
         </a:xfrm>
         <a:prstGeom prst="rightArrow">
           <a:avLst>
@@ -2486,8 +2553,8 @@
         </a:p>
       </dsp:txBody>
       <dsp:txXfrm rot="-5400000">
-        <a:off x="3714365" y="2878993"/>
-        <a:ext cx="242071" cy="235348"/>
+        <a:off x="3716743" y="2825789"/>
+        <a:ext cx="237312" cy="230720"/>
       </dsp:txXfrm>
     </dsp:sp>
     <dsp:sp modelId="{EEB4A6B9-7503-4C9C-817A-FD7A72C84F70}">
@@ -2497,8 +2564,8 @@
       </dsp:nvSpPr>
       <dsp:spPr>
         <a:xfrm>
-          <a:off x="2923667" y="3271239"/>
-          <a:ext cx="1823465" cy="364166"/>
+          <a:off x="2941592" y="3210323"/>
+          <a:ext cx="1787614" cy="357006"/>
         </a:xfrm>
         <a:prstGeom prst="roundRect">
           <a:avLst>
@@ -2566,8 +2633,8 @@
         </a:p>
       </dsp:txBody>
       <dsp:txXfrm>
-        <a:off x="2934333" y="3281905"/>
-        <a:ext cx="1802133" cy="342834"/>
+        <a:off x="2952048" y="3220779"/>
+        <a:ext cx="1766702" cy="336094"/>
       </dsp:txXfrm>
     </dsp:sp>
     <dsp:sp modelId="{DB22A278-4C9F-40B6-923D-9A8ADA9E7BA9}">
@@ -2577,8 +2644,8 @@
       </dsp:nvSpPr>
       <dsp:spPr>
         <a:xfrm rot="5400000">
-          <a:off x="3667294" y="3657819"/>
-          <a:ext cx="336211" cy="403453"/>
+          <a:off x="3670599" y="3589302"/>
+          <a:ext cx="329600" cy="395520"/>
         </a:xfrm>
         <a:prstGeom prst="rightArrow">
           <a:avLst>
@@ -2635,8 +2702,157 @@
         </a:p>
       </dsp:txBody>
       <dsp:txXfrm rot="-5400000">
-        <a:off x="3714365" y="3691440"/>
-        <a:ext cx="242071" cy="235348"/>
+        <a:off x="3716743" y="3622262"/>
+        <a:ext cx="237312" cy="230720"/>
+      </dsp:txXfrm>
+    </dsp:sp>
+    <dsp:sp modelId="{17FE7503-EB70-4364-B2BB-573FC26509D8}">
+      <dsp:nvSpPr>
+        <dsp:cNvPr id="0" name=""/>
+        <dsp:cNvSpPr/>
+      </dsp:nvSpPr>
+      <dsp:spPr>
+        <a:xfrm>
+          <a:off x="2967890" y="4006797"/>
+          <a:ext cx="1735018" cy="335111"/>
+        </a:xfrm>
+        <a:prstGeom prst="roundRect">
+          <a:avLst>
+            <a:gd name="adj" fmla="val 10000"/>
+          </a:avLst>
+        </a:prstGeom>
+        <a:solidFill>
+          <a:schemeClr val="accent1">
+            <a:hueOff val="0"/>
+            <a:satOff val="0"/>
+            <a:lumOff val="0"/>
+            <a:alphaOff val="0"/>
+          </a:schemeClr>
+        </a:solidFill>
+        <a:ln w="12700" cap="flat" cmpd="sng" algn="ctr">
+          <a:solidFill>
+            <a:schemeClr val="lt1">
+              <a:hueOff val="0"/>
+              <a:satOff val="0"/>
+              <a:lumOff val="0"/>
+              <a:alphaOff val="0"/>
+            </a:schemeClr>
+          </a:solidFill>
+          <a:prstDash val="solid"/>
+          <a:miter lim="800000"/>
+        </a:ln>
+        <a:effectLst/>
+      </dsp:spPr>
+      <dsp:style>
+        <a:lnRef idx="2">
+          <a:scrgbClr r="0" g="0" b="0"/>
+        </a:lnRef>
+        <a:fillRef idx="1">
+          <a:scrgbClr r="0" g="0" b="0"/>
+        </a:fillRef>
+        <a:effectRef idx="0">
+          <a:scrgbClr r="0" g="0" b="0"/>
+        </a:effectRef>
+        <a:fontRef idx="minor">
+          <a:schemeClr val="lt1"/>
+        </a:fontRef>
+      </dsp:style>
+      <dsp:txBody>
+        <a:bodyPr spcFirstLastPara="0" vert="horz" wrap="square" lIns="53340" tIns="53340" rIns="53340" bIns="53340" numCol="1" spcCol="1270" anchor="ctr" anchorCtr="0">
+          <a:noAutofit/>
+        </a:bodyPr>
+        <a:lstStyle/>
+        <a:p>
+          <a:pPr lvl="0" algn="ctr" defTabSz="622300">
+            <a:lnSpc>
+              <a:spcPct val="90000"/>
+            </a:lnSpc>
+            <a:spcBef>
+              <a:spcPct val="0"/>
+            </a:spcBef>
+            <a:spcAft>
+              <a:spcPct val="35000"/>
+            </a:spcAft>
+          </a:pPr>
+          <a:r>
+            <a:rPr lang="en-US" altLang="en-US" sz="1400" kern="1200" smtClean="0"/>
+            <a:t>Calculation of Fitness</a:t>
+          </a:r>
+          <a:endParaRPr lang="zh-TW" altLang="en-US" sz="1400" kern="1200" dirty="0"/>
+        </a:p>
+      </dsp:txBody>
+      <dsp:txXfrm>
+        <a:off x="2977705" y="4016612"/>
+        <a:ext cx="1715388" cy="315481"/>
+      </dsp:txXfrm>
+    </dsp:sp>
+    <dsp:sp modelId="{9DF3DED2-6249-415C-8F80-01FF8E3F1080}">
+      <dsp:nvSpPr>
+        <dsp:cNvPr id="0" name=""/>
+        <dsp:cNvSpPr/>
+      </dsp:nvSpPr>
+      <dsp:spPr>
+        <a:xfrm rot="5400000">
+          <a:off x="3670599" y="4363882"/>
+          <a:ext cx="329600" cy="395520"/>
+        </a:xfrm>
+        <a:prstGeom prst="rightArrow">
+          <a:avLst>
+            <a:gd name="adj1" fmla="val 60000"/>
+            <a:gd name="adj2" fmla="val 50000"/>
+          </a:avLst>
+        </a:prstGeom>
+        <a:solidFill>
+          <a:schemeClr val="accent1">
+            <a:tint val="60000"/>
+            <a:hueOff val="0"/>
+            <a:satOff val="0"/>
+            <a:lumOff val="0"/>
+            <a:alphaOff val="0"/>
+          </a:schemeClr>
+        </a:solidFill>
+        <a:ln>
+          <a:noFill/>
+        </a:ln>
+        <a:effectLst/>
+      </dsp:spPr>
+      <dsp:style>
+        <a:lnRef idx="0">
+          <a:scrgbClr r="0" g="0" b="0"/>
+        </a:lnRef>
+        <a:fillRef idx="1">
+          <a:scrgbClr r="0" g="0" b="0"/>
+        </a:fillRef>
+        <a:effectRef idx="0">
+          <a:scrgbClr r="0" g="0" b="0"/>
+        </a:effectRef>
+        <a:fontRef idx="minor">
+          <a:schemeClr val="lt1"/>
+        </a:fontRef>
+      </dsp:style>
+      <dsp:txBody>
+        <a:bodyPr spcFirstLastPara="0" vert="horz" wrap="square" lIns="0" tIns="0" rIns="0" bIns="0" numCol="1" spcCol="1270" anchor="ctr" anchorCtr="0">
+          <a:noAutofit/>
+        </a:bodyPr>
+        <a:lstStyle/>
+        <a:p>
+          <a:pPr lvl="0" algn="ctr" defTabSz="711200">
+            <a:lnSpc>
+              <a:spcPct val="90000"/>
+            </a:lnSpc>
+            <a:spcBef>
+              <a:spcPct val="0"/>
+            </a:spcBef>
+            <a:spcAft>
+              <a:spcPct val="35000"/>
+            </a:spcAft>
+          </a:pPr>
+          <a:endParaRPr lang="zh-TW" altLang="en-US" sz="1600" kern="1200"/>
+        </a:p>
+      </dsp:txBody>
+      <dsp:txXfrm rot="-5400000">
+        <a:off x="3716743" y="4396842"/>
+        <a:ext cx="237312" cy="230720"/>
       </dsp:txXfrm>
     </dsp:sp>
     <dsp:sp modelId="{F68AB515-482C-40DD-8239-99DCAA9C628A}">
@@ -2646,8 +2862,8 @@
       </dsp:nvSpPr>
       <dsp:spPr>
         <a:xfrm>
-          <a:off x="2924975" y="4083687"/>
-          <a:ext cx="1820848" cy="364166"/>
+          <a:off x="2942876" y="4781376"/>
+          <a:ext cx="1785047" cy="357006"/>
         </a:xfrm>
         <a:prstGeom prst="roundRect">
           <a:avLst>
@@ -2715,8 +2931,8 @@
         </a:p>
       </dsp:txBody>
       <dsp:txXfrm>
-        <a:off x="2935641" y="4094353"/>
-        <a:ext cx="1799516" cy="342834"/>
+        <a:off x="2953332" y="4791832"/>
+        <a:ext cx="1764135" cy="336094"/>
       </dsp:txXfrm>
     </dsp:sp>
     <dsp:sp modelId="{0B3E1DA8-B91D-4431-B041-B24DD9FB6C44}">
@@ -2726,8 +2942,8 @@
       </dsp:nvSpPr>
       <dsp:spPr>
         <a:xfrm rot="5400000">
-          <a:off x="3667294" y="4470267"/>
-          <a:ext cx="336211" cy="403453"/>
+          <a:off x="3670599" y="5160356"/>
+          <a:ext cx="329600" cy="395520"/>
         </a:xfrm>
         <a:prstGeom prst="rightArrow">
           <a:avLst>
@@ -2784,8 +3000,8 @@
         </a:p>
       </dsp:txBody>
       <dsp:txXfrm rot="-5400000">
-        <a:off x="3714365" y="4503888"/>
-        <a:ext cx="242071" cy="235348"/>
+        <a:off x="3716743" y="5193316"/>
+        <a:ext cx="237312" cy="230720"/>
       </dsp:txXfrm>
     </dsp:sp>
     <dsp:sp modelId="{6D77A570-7DE9-4D0B-930E-34F9AFE53D7D}">
@@ -2795,8 +3011,8 @@
       </dsp:nvSpPr>
       <dsp:spPr>
         <a:xfrm>
-          <a:off x="2935394" y="4896134"/>
-          <a:ext cx="1800011" cy="359996"/>
+          <a:off x="2953089" y="5577850"/>
+          <a:ext cx="1764621" cy="352918"/>
         </a:xfrm>
         <a:prstGeom prst="roundRect">
           <a:avLst>
@@ -2864,8 +3080,8 @@
         </a:p>
       </dsp:txBody>
       <dsp:txXfrm>
-        <a:off x="2945938" y="4906678"/>
-        <a:ext cx="1778923" cy="338908"/>
+        <a:off x="2963426" y="5588187"/>
+        <a:ext cx="1743947" cy="332244"/>
       </dsp:txXfrm>
     </dsp:sp>
   </dsp:spTree>
@@ -10341,14 +10557,14 @@
           <p:nvPr>
             <p:extLst>
               <p:ext uri="{D42A27DB-BD31-4B8C-83A1-F6EECF244321}">
-                <p14:modId xmlns:p14="http://schemas.microsoft.com/office/powerpoint/2010/main" val="1896163569"/>
+                <p14:modId xmlns:p14="http://schemas.microsoft.com/office/powerpoint/2010/main" val="1866444165"/>
               </p:ext>
             </p:extLst>
           </p:nvPr>
         </p:nvGraphicFramePr>
         <p:xfrm>
-          <a:off x="2032000" y="481584"/>
-          <a:ext cx="7670800" cy="5258816"/>
+          <a:off x="2032000" y="481583"/>
+          <a:ext cx="7670800" cy="5936802"/>
         </p:xfrm>
         <a:graphic>
           <a:graphicData uri="http://schemas.openxmlformats.org/drawingml/2006/diagram">
@@ -10364,8 +10580,8 @@
         </p:nvCxnSpPr>
         <p:spPr>
           <a:xfrm flipV="1">
-            <a:off x="4953000" y="1514474"/>
-            <a:ext cx="36000" cy="3240000"/>
+            <a:off x="4946501" y="2261821"/>
+            <a:ext cx="36000" cy="3168000"/>
           </a:xfrm>
           <a:prstGeom prst="bentConnector3">
             <a:avLst>
